--- a/slides/programming-patterns.pptx
+++ b/slides/programming-patterns.pptx
@@ -5,10 +5,10 @@
     <p:sldMasterId id="2147483672" r:id="rId1"/>
   </p:sldMasterIdLst>
   <p:notesMasterIdLst>
-    <p:notesMasterId r:id="rId16"/>
+    <p:notesMasterId r:id="rId17"/>
   </p:notesMasterIdLst>
   <p:handoutMasterIdLst>
-    <p:handoutMasterId r:id="rId17"/>
+    <p:handoutMasterId r:id="rId18"/>
   </p:handoutMasterIdLst>
   <p:sldIdLst>
     <p:sldId id="256" r:id="rId2"/>
@@ -24,7 +24,8 @@
     <p:sldId id="297" r:id="rId12"/>
     <p:sldId id="298" r:id="rId13"/>
     <p:sldId id="299" r:id="rId14"/>
-    <p:sldId id="300" r:id="rId15"/>
+    <p:sldId id="301" r:id="rId15"/>
+    <p:sldId id="300" r:id="rId16"/>
   </p:sldIdLst>
   <p:sldSz cx="12192000" cy="6858000"/>
   <p:notesSz cx="9144000" cy="6858000"/>
@@ -219,7 +220,7 @@
           <a:p>
             <a:fld id="{8A1B613A-EFF1-404F-BEE8-EFAE84A4E5E2}" type="datetimeFigureOut">
               <a:rPr lang="en-US" smtClean="0"/>
-              <a:t>6/3/21</a:t>
+              <a:t>6/4/21</a:t>
             </a:fld>
             <a:endParaRPr lang="en-US"/>
           </a:p>
@@ -384,7 +385,7 @@
           <a:p>
             <a:fld id="{690847EA-AC25-3D4E-89E1-FD3F6A9702B6}" type="datetimeFigureOut">
               <a:rPr lang="en-US" smtClean="0"/>
-              <a:t>6/3/21</a:t>
+              <a:t>6/4/21</a:t>
             </a:fld>
             <a:endParaRPr lang="en-US"/>
           </a:p>
@@ -798,7 +799,7 @@
           <a:p>
             <a:fld id="{BE5295ED-3BAF-1140-8495-3D368771D6B1}" type="datetimeFigureOut">
               <a:rPr lang="en-US" smtClean="0"/>
-              <a:t>6/3/21</a:t>
+              <a:t>6/4/21</a:t>
             </a:fld>
             <a:endParaRPr lang="en-US"/>
           </a:p>
@@ -996,7 +997,7 @@
           <a:p>
             <a:fld id="{BE5295ED-3BAF-1140-8495-3D368771D6B1}" type="datetimeFigureOut">
               <a:rPr lang="en-US" smtClean="0"/>
-              <a:t>6/3/21</a:t>
+              <a:t>6/4/21</a:t>
             </a:fld>
             <a:endParaRPr lang="en-US"/>
           </a:p>
@@ -1204,7 +1205,7 @@
           <a:p>
             <a:fld id="{BE5295ED-3BAF-1140-8495-3D368771D6B1}" type="datetimeFigureOut">
               <a:rPr lang="en-US" smtClean="0"/>
-              <a:t>6/3/21</a:t>
+              <a:t>6/4/21</a:t>
             </a:fld>
             <a:endParaRPr lang="en-US"/>
           </a:p>
@@ -1402,7 +1403,7 @@
           <a:p>
             <a:fld id="{BE5295ED-3BAF-1140-8495-3D368771D6B1}" type="datetimeFigureOut">
               <a:rPr lang="en-US" smtClean="0"/>
-              <a:t>6/3/21</a:t>
+              <a:t>6/4/21</a:t>
             </a:fld>
             <a:endParaRPr lang="en-US"/>
           </a:p>
@@ -1677,7 +1678,7 @@
           <a:p>
             <a:fld id="{BE5295ED-3BAF-1140-8495-3D368771D6B1}" type="datetimeFigureOut">
               <a:rPr lang="en-US" smtClean="0"/>
-              <a:t>6/3/21</a:t>
+              <a:t>6/4/21</a:t>
             </a:fld>
             <a:endParaRPr lang="en-US"/>
           </a:p>
@@ -1942,7 +1943,7 @@
           <a:p>
             <a:fld id="{BE5295ED-3BAF-1140-8495-3D368771D6B1}" type="datetimeFigureOut">
               <a:rPr lang="en-US" smtClean="0"/>
-              <a:t>6/3/21</a:t>
+              <a:t>6/4/21</a:t>
             </a:fld>
             <a:endParaRPr lang="en-US"/>
           </a:p>
@@ -2354,7 +2355,7 @@
           <a:p>
             <a:fld id="{BE5295ED-3BAF-1140-8495-3D368771D6B1}" type="datetimeFigureOut">
               <a:rPr lang="en-US" smtClean="0"/>
-              <a:t>6/3/21</a:t>
+              <a:t>6/4/21</a:t>
             </a:fld>
             <a:endParaRPr lang="en-US"/>
           </a:p>
@@ -2495,7 +2496,7 @@
           <a:p>
             <a:fld id="{BE5295ED-3BAF-1140-8495-3D368771D6B1}" type="datetimeFigureOut">
               <a:rPr lang="en-US" smtClean="0"/>
-              <a:t>6/3/21</a:t>
+              <a:t>6/4/21</a:t>
             </a:fld>
             <a:endParaRPr lang="en-US"/>
           </a:p>
@@ -2608,7 +2609,7 @@
           <a:p>
             <a:fld id="{BE5295ED-3BAF-1140-8495-3D368771D6B1}" type="datetimeFigureOut">
               <a:rPr lang="en-US" smtClean="0"/>
-              <a:t>6/3/21</a:t>
+              <a:t>6/4/21</a:t>
             </a:fld>
             <a:endParaRPr lang="en-US"/>
           </a:p>
@@ -2919,7 +2920,7 @@
           <a:p>
             <a:fld id="{BE5295ED-3BAF-1140-8495-3D368771D6B1}" type="datetimeFigureOut">
               <a:rPr lang="en-US" smtClean="0"/>
-              <a:t>6/3/21</a:t>
+              <a:t>6/4/21</a:t>
             </a:fld>
             <a:endParaRPr lang="en-US"/>
           </a:p>
@@ -3210,7 +3211,7 @@
           <a:p>
             <a:fld id="{BE5295ED-3BAF-1140-8495-3D368771D6B1}" type="datetimeFigureOut">
               <a:rPr lang="en-US" smtClean="0"/>
-              <a:t>6/3/21</a:t>
+              <a:t>6/4/21</a:t>
             </a:fld>
             <a:endParaRPr lang="en-US"/>
           </a:p>
@@ -3451,7 +3452,7 @@
           <a:p>
             <a:fld id="{BE5295ED-3BAF-1140-8495-3D368771D6B1}" type="datetimeFigureOut">
               <a:rPr lang="en-US" smtClean="0"/>
-              <a:t>6/3/21</a:t>
+              <a:t>6/4/21</a:t>
             </a:fld>
             <a:endParaRPr lang="en-US"/>
           </a:p>
@@ -4069,8 +4070,8 @@
           </a:p>
         </p:txBody>
       </p:sp>
-      <mc:AlternateContent xmlns:mc="http://schemas.openxmlformats.org/markup-compatibility/2006">
-        <mc:Choice xmlns:a14="http://schemas.microsoft.com/office/drawing/2010/main" Requires="a14">
+      <mc:AlternateContent xmlns:mc="http://schemas.openxmlformats.org/markup-compatibility/2006" xmlns:a14="http://schemas.microsoft.com/office/drawing/2010/main">
+        <mc:Choice Requires="a14">
           <p:sp>
             <p:nvSpPr>
               <p:cNvPr id="3" name="Content Placeholder 2">
@@ -4177,7 +4178,7 @@
             </p:txBody>
           </p:sp>
         </mc:Choice>
-        <mc:Fallback>
+        <mc:Fallback xmlns="">
           <p:sp>
             <p:nvSpPr>
               <p:cNvPr id="3" name="Content Placeholder 2">
@@ -4650,7 +4651,7 @@
           <a:p>
             <a:r>
               <a:rPr lang="en-US" dirty="0"/>
-              <a:t>Example: split the full names in a list into their first and last names</a:t>
+              <a:t>Example: split list of full names into their first and last names</a:t>
             </a:r>
           </a:p>
         </p:txBody>
@@ -4807,7 +4808,7 @@
         </p:nvSpPr>
         <p:spPr>
           <a:xfrm>
-            <a:off x="1061645" y="3018575"/>
+            <a:off x="1061645" y="2854940"/>
             <a:ext cx="9071714" cy="3477875"/>
           </a:xfrm>
           <a:prstGeom prst="rect">
@@ -5092,7 +5093,396 @@
           <a:bodyPr/>
           <a:lstStyle/>
           <a:p>
-            <a:endParaRPr lang="en-US"/>
+            <a:r>
+              <a:rPr lang="en-US" dirty="0"/>
+              <a:t>Some operations yield subsets of the data, such as slice, which extracts a subset of a list (that fits in memory)</a:t>
+            </a:r>
+          </a:p>
+          <a:p>
+            <a:r>
+              <a:rPr lang="en-US" dirty="0"/>
+              <a:t>Syntax is </a:t>
+            </a:r>
+            <a:r>
+              <a:rPr lang="en-US" b="1" dirty="0"/>
+              <a:t>A[</a:t>
+            </a:r>
+            <a:r>
+              <a:rPr lang="en-US" b="1" dirty="0" err="1"/>
+              <a:t>begin:end</a:t>
+            </a:r>
+            <a:r>
+              <a:rPr lang="en-US" b="1" dirty="0"/>
+              <a:t>] </a:t>
+            </a:r>
+            <a:r>
+              <a:rPr lang="en-US" dirty="0"/>
+              <a:t>where </a:t>
+            </a:r>
+            <a:r>
+              <a:rPr lang="en-US" b="1" dirty="0"/>
+              <a:t>begin</a:t>
+            </a:r>
+            <a:r>
+              <a:rPr lang="en-US" dirty="0"/>
+              <a:t> is inclusive and </a:t>
+            </a:r>
+            <a:r>
+              <a:rPr lang="en-US" b="1" dirty="0"/>
+              <a:t>end</a:t>
+            </a:r>
+            <a:r>
+              <a:rPr lang="en-US" dirty="0"/>
+              <a:t> is not</a:t>
+            </a:r>
+          </a:p>
+          <a:p>
+            <a:endParaRPr lang="en-US" dirty="0"/>
+          </a:p>
+        </p:txBody>
+      </p:sp>
+      <p:sp>
+        <p:nvSpPr>
+          <p:cNvPr id="5" name="TextBox 4">
+            <a:extLst>
+              <a:ext uri="{FF2B5EF4-FFF2-40B4-BE49-F238E27FC236}">
+                <a16:creationId xmlns:a16="http://schemas.microsoft.com/office/drawing/2014/main" id="{3F28D277-1364-F84D-AA3E-90F8755C218F}"/>
+              </a:ext>
+            </a:extLst>
+          </p:cNvPr>
+          <p:cNvSpPr txBox="1"/>
+          <p:nvPr/>
+        </p:nvSpPr>
+        <p:spPr>
+          <a:xfrm>
+            <a:off x="1867711" y="3570051"/>
+            <a:ext cx="4134465" cy="2554545"/>
+          </a:xfrm>
+          <a:prstGeom prst="rect">
+            <a:avLst/>
+          </a:prstGeom>
+          <a:noFill/>
+        </p:spPr>
+        <p:txBody>
+          <a:bodyPr wrap="none" rtlCol="0">
+            <a:spAutoFit/>
+          </a:bodyPr>
+          <a:lstStyle/>
+          <a:p>
+            <a:r>
+              <a:rPr lang="en-US" sz="2000" dirty="0">
+                <a:latin typeface="Consolas" panose="020B0609020204030204" pitchFamily="49" charset="0"/>
+                <a:cs typeface="Consolas" panose="020B0609020204030204" pitchFamily="49" charset="0"/>
+              </a:rPr>
+              <a:t>names=['</a:t>
+            </a:r>
+            <a:r>
+              <a:rPr lang="en-US" sz="2000" dirty="0" err="1">
+                <a:latin typeface="Consolas" panose="020B0609020204030204" pitchFamily="49" charset="0"/>
+                <a:cs typeface="Consolas" panose="020B0609020204030204" pitchFamily="49" charset="0"/>
+              </a:rPr>
+              <a:t>Xue</a:t>
+            </a:r>
+            <a:r>
+              <a:rPr lang="en-US" sz="2000" dirty="0">
+                <a:latin typeface="Consolas" panose="020B0609020204030204" pitchFamily="49" charset="0"/>
+                <a:cs typeface="Consolas" panose="020B0609020204030204" pitchFamily="49" charset="0"/>
+              </a:rPr>
+              <a:t>', 'Mary', 'Bob']</a:t>
+            </a:r>
+          </a:p>
+          <a:p>
+            <a:r>
+              <a:rPr lang="en-US" sz="2000" dirty="0">
+                <a:latin typeface="Consolas" panose="020B0609020204030204" pitchFamily="49" charset="0"/>
+                <a:cs typeface="Consolas" panose="020B0609020204030204" pitchFamily="49" charset="0"/>
+              </a:rPr>
+              <a:t>print(names[0:1])</a:t>
+            </a:r>
+          </a:p>
+          <a:p>
+            <a:r>
+              <a:rPr lang="en-US" sz="2000" dirty="0">
+                <a:latin typeface="Consolas" panose="020B0609020204030204" pitchFamily="49" charset="0"/>
+                <a:cs typeface="Consolas" panose="020B0609020204030204" pitchFamily="49" charset="0"/>
+              </a:rPr>
+              <a:t>print(names[0:2])</a:t>
+            </a:r>
+          </a:p>
+          <a:p>
+            <a:r>
+              <a:rPr lang="en-US" sz="2000" dirty="0">
+                <a:latin typeface="Consolas" panose="020B0609020204030204" pitchFamily="49" charset="0"/>
+                <a:cs typeface="Consolas" panose="020B0609020204030204" pitchFamily="49" charset="0"/>
+              </a:rPr>
+              <a:t>print(names[0:3])</a:t>
+            </a:r>
+          </a:p>
+          <a:p>
+            <a:r>
+              <a:rPr lang="en-US" sz="2000" dirty="0">
+                <a:latin typeface="Consolas" panose="020B0609020204030204" pitchFamily="49" charset="0"/>
+                <a:cs typeface="Consolas" panose="020B0609020204030204" pitchFamily="49" charset="0"/>
+              </a:rPr>
+              <a:t>print(names[2:3])</a:t>
+            </a:r>
+          </a:p>
+          <a:p>
+            <a:r>
+              <a:rPr lang="en-US" sz="2000" dirty="0">
+                <a:latin typeface="Consolas" panose="020B0609020204030204" pitchFamily="49" charset="0"/>
+                <a:cs typeface="Consolas" panose="020B0609020204030204" pitchFamily="49" charset="0"/>
+              </a:rPr>
+              <a:t>print(names[1:])</a:t>
+            </a:r>
+          </a:p>
+          <a:p>
+            <a:r>
+              <a:rPr lang="en-US" sz="2000" dirty="0">
+                <a:latin typeface="Consolas" panose="020B0609020204030204" pitchFamily="49" charset="0"/>
+                <a:cs typeface="Consolas" panose="020B0609020204030204" pitchFamily="49" charset="0"/>
+              </a:rPr>
+              <a:t>print(names[-1])</a:t>
+            </a:r>
+          </a:p>
+          <a:p>
+            <a:r>
+              <a:rPr lang="en-US" sz="2000" dirty="0">
+                <a:latin typeface="Consolas" panose="020B0609020204030204" pitchFamily="49" charset="0"/>
+                <a:cs typeface="Consolas" panose="020B0609020204030204" pitchFamily="49" charset="0"/>
+              </a:rPr>
+              <a:t>print(names[-2:])</a:t>
+            </a:r>
+          </a:p>
+        </p:txBody>
+      </p:sp>
+      <p:sp>
+        <p:nvSpPr>
+          <p:cNvPr id="6" name="TextBox 5">
+            <a:extLst>
+              <a:ext uri="{FF2B5EF4-FFF2-40B4-BE49-F238E27FC236}">
+                <a16:creationId xmlns:a16="http://schemas.microsoft.com/office/drawing/2014/main" id="{37EA2493-FD70-4840-A1F2-77B1F12897D4}"/>
+              </a:ext>
+            </a:extLst>
+          </p:cNvPr>
+          <p:cNvSpPr txBox="1"/>
+          <p:nvPr/>
+        </p:nvSpPr>
+        <p:spPr>
+          <a:xfrm>
+            <a:off x="7480572" y="3877828"/>
+            <a:ext cx="3288080" cy="2246769"/>
+          </a:xfrm>
+          <a:prstGeom prst="rect">
+            <a:avLst/>
+          </a:prstGeom>
+          <a:noFill/>
+        </p:spPr>
+        <p:txBody>
+          <a:bodyPr wrap="none" rtlCol="0">
+            <a:spAutoFit/>
+          </a:bodyPr>
+          <a:lstStyle/>
+          <a:p>
+            <a:r>
+              <a:rPr lang="en-US" sz="2000" dirty="0">
+                <a:latin typeface="Consolas" panose="020B0609020204030204" pitchFamily="49" charset="0"/>
+                <a:cs typeface="Consolas" panose="020B0609020204030204" pitchFamily="49" charset="0"/>
+              </a:rPr>
+              <a:t>['</a:t>
+            </a:r>
+            <a:r>
+              <a:rPr lang="en-US" sz="2000" dirty="0" err="1">
+                <a:latin typeface="Consolas" panose="020B0609020204030204" pitchFamily="49" charset="0"/>
+                <a:cs typeface="Consolas" panose="020B0609020204030204" pitchFamily="49" charset="0"/>
+              </a:rPr>
+              <a:t>Xue</a:t>
+            </a:r>
+            <a:r>
+              <a:rPr lang="en-US" sz="2000" dirty="0">
+                <a:latin typeface="Consolas" panose="020B0609020204030204" pitchFamily="49" charset="0"/>
+                <a:cs typeface="Consolas" panose="020B0609020204030204" pitchFamily="49" charset="0"/>
+              </a:rPr>
+              <a:t>']</a:t>
+            </a:r>
+          </a:p>
+          <a:p>
+            <a:r>
+              <a:rPr lang="en-US" sz="2000" dirty="0">
+                <a:latin typeface="Consolas" panose="020B0609020204030204" pitchFamily="49" charset="0"/>
+                <a:cs typeface="Consolas" panose="020B0609020204030204" pitchFamily="49" charset="0"/>
+              </a:rPr>
+              <a:t>['</a:t>
+            </a:r>
+            <a:r>
+              <a:rPr lang="en-US" sz="2000" dirty="0" err="1">
+                <a:latin typeface="Consolas" panose="020B0609020204030204" pitchFamily="49" charset="0"/>
+                <a:cs typeface="Consolas" panose="020B0609020204030204" pitchFamily="49" charset="0"/>
+              </a:rPr>
+              <a:t>Xue</a:t>
+            </a:r>
+            <a:r>
+              <a:rPr lang="en-US" sz="2000" dirty="0">
+                <a:latin typeface="Consolas" panose="020B0609020204030204" pitchFamily="49" charset="0"/>
+                <a:cs typeface="Consolas" panose="020B0609020204030204" pitchFamily="49" charset="0"/>
+              </a:rPr>
+              <a:t>', 'Mary']</a:t>
+            </a:r>
+          </a:p>
+          <a:p>
+            <a:r>
+              <a:rPr lang="en-US" sz="2000" dirty="0">
+                <a:latin typeface="Consolas" panose="020B0609020204030204" pitchFamily="49" charset="0"/>
+                <a:cs typeface="Consolas" panose="020B0609020204030204" pitchFamily="49" charset="0"/>
+              </a:rPr>
+              <a:t>['</a:t>
+            </a:r>
+            <a:r>
+              <a:rPr lang="en-US" sz="2000" dirty="0" err="1">
+                <a:latin typeface="Consolas" panose="020B0609020204030204" pitchFamily="49" charset="0"/>
+                <a:cs typeface="Consolas" panose="020B0609020204030204" pitchFamily="49" charset="0"/>
+              </a:rPr>
+              <a:t>Xue</a:t>
+            </a:r>
+            <a:r>
+              <a:rPr lang="en-US" sz="2000" dirty="0">
+                <a:latin typeface="Consolas" panose="020B0609020204030204" pitchFamily="49" charset="0"/>
+                <a:cs typeface="Consolas" panose="020B0609020204030204" pitchFamily="49" charset="0"/>
+              </a:rPr>
+              <a:t>', 'Mary', 'Bob']</a:t>
+            </a:r>
+          </a:p>
+          <a:p>
+            <a:r>
+              <a:rPr lang="en-US" sz="2000" dirty="0">
+                <a:latin typeface="Consolas" panose="020B0609020204030204" pitchFamily="49" charset="0"/>
+                <a:cs typeface="Consolas" panose="020B0609020204030204" pitchFamily="49" charset="0"/>
+              </a:rPr>
+              <a:t>['Bob’]</a:t>
+            </a:r>
+          </a:p>
+          <a:p>
+            <a:r>
+              <a:rPr lang="en-US" sz="2000" dirty="0">
+                <a:latin typeface="Consolas" panose="020B0609020204030204" pitchFamily="49" charset="0"/>
+                <a:cs typeface="Consolas" panose="020B0609020204030204" pitchFamily="49" charset="0"/>
+              </a:rPr>
+              <a:t>['Mary', 'Bob']</a:t>
+            </a:r>
+          </a:p>
+          <a:p>
+            <a:r>
+              <a:rPr lang="en-US" sz="2000" dirty="0">
+                <a:latin typeface="Consolas" panose="020B0609020204030204" pitchFamily="49" charset="0"/>
+                <a:cs typeface="Consolas" panose="020B0609020204030204" pitchFamily="49" charset="0"/>
+              </a:rPr>
+              <a:t>Bob</a:t>
+            </a:r>
+          </a:p>
+          <a:p>
+            <a:r>
+              <a:rPr lang="en-US" sz="2000" dirty="0">
+                <a:latin typeface="Consolas" panose="020B0609020204030204" pitchFamily="49" charset="0"/>
+                <a:cs typeface="Consolas" panose="020B0609020204030204" pitchFamily="49" charset="0"/>
+              </a:rPr>
+              <a:t>['Mary', 'Bob']</a:t>
+            </a:r>
+          </a:p>
+        </p:txBody>
+      </p:sp>
+      <p:sp>
+        <p:nvSpPr>
+          <p:cNvPr id="7" name="Right Arrow 6">
+            <a:extLst>
+              <a:ext uri="{FF2B5EF4-FFF2-40B4-BE49-F238E27FC236}">
+                <a16:creationId xmlns:a16="http://schemas.microsoft.com/office/drawing/2014/main" id="{9A6BF060-5BFA-FA45-80D5-0869E08662F8}"/>
+              </a:ext>
+            </a:extLst>
+          </p:cNvPr>
+          <p:cNvSpPr/>
+          <p:nvPr/>
+        </p:nvSpPr>
+        <p:spPr>
+          <a:xfrm>
+            <a:off x="6002176" y="4605007"/>
+            <a:ext cx="978408" cy="484632"/>
+          </a:xfrm>
+          <a:prstGeom prst="rightArrow">
+            <a:avLst/>
+          </a:prstGeom>
+          <a:solidFill>
+            <a:schemeClr val="accent1">
+              <a:lumMod val="40000"/>
+              <a:lumOff val="60000"/>
+            </a:schemeClr>
+          </a:solidFill>
+        </p:spPr>
+        <p:style>
+          <a:lnRef idx="2">
+            <a:schemeClr val="accent1">
+              <a:shade val="50000"/>
+            </a:schemeClr>
+          </a:lnRef>
+          <a:fillRef idx="1">
+            <a:schemeClr val="accent1"/>
+          </a:fillRef>
+          <a:effectRef idx="0">
+            <a:schemeClr val="accent1"/>
+          </a:effectRef>
+          <a:fontRef idx="minor">
+            <a:schemeClr val="lt1"/>
+          </a:fontRef>
+        </p:style>
+        <p:txBody>
+          <a:bodyPr rtlCol="0" anchor="ctr"/>
+          <a:lstStyle/>
+          <a:p>
+            <a:pPr algn="ctr"/>
+            <a:endParaRPr lang="en-US" dirty="0"/>
+          </a:p>
+        </p:txBody>
+      </p:sp>
+      <p:sp>
+        <p:nvSpPr>
+          <p:cNvPr id="8" name="TextBox 7">
+            <a:extLst>
+              <a:ext uri="{FF2B5EF4-FFF2-40B4-BE49-F238E27FC236}">
+                <a16:creationId xmlns:a16="http://schemas.microsoft.com/office/drawing/2014/main" id="{71E30EE4-14FC-BA48-97BE-6AB25DB753A9}"/>
+              </a:ext>
+            </a:extLst>
+          </p:cNvPr>
+          <p:cNvSpPr txBox="1"/>
+          <p:nvPr/>
+        </p:nvSpPr>
+        <p:spPr>
+          <a:xfrm>
+            <a:off x="0" y="6488668"/>
+            <a:ext cx="2813591" cy="369332"/>
+          </a:xfrm>
+          <a:prstGeom prst="rect">
+            <a:avLst/>
+          </a:prstGeom>
+          <a:noFill/>
+        </p:spPr>
+        <p:txBody>
+          <a:bodyPr wrap="none" rtlCol="0">
+            <a:spAutoFit/>
+          </a:bodyPr>
+          <a:lstStyle/>
+          <a:p>
+            <a:r>
+              <a:rPr lang="en-US" dirty="0">
+                <a:hlinkClick r:id="rId2"/>
+              </a:rPr>
+              <a:t>Experiment in </a:t>
+            </a:r>
+            <a:r>
+              <a:rPr lang="en-US" dirty="0" err="1">
+                <a:hlinkClick r:id="rId2"/>
+              </a:rPr>
+              <a:t>pythontutor</a:t>
+            </a:r>
+            <a:endParaRPr lang="en-US" dirty="0"/>
           </a:p>
         </p:txBody>
       </p:sp>
@@ -5170,12 +5560,168 @@
             <p:ph idx="1"/>
           </p:nvPr>
         </p:nvSpPr>
-        <p:spPr/>
+        <p:spPr>
+          <a:xfrm>
+            <a:off x="838200" y="1538868"/>
+            <a:ext cx="10515600" cy="4638095"/>
+          </a:xfrm>
+        </p:spPr>
         <p:txBody>
           <a:bodyPr/>
           <a:lstStyle/>
           <a:p>
-            <a:endParaRPr lang="en-US"/>
+            <a:r>
+              <a:rPr lang="en-US" dirty="0"/>
+              <a:t>The filter operation is similar to the map operation in that a computation is applied to each element of the input stream</a:t>
+            </a:r>
+          </a:p>
+          <a:p>
+            <a:r>
+              <a:rPr lang="en-US" dirty="0"/>
+              <a:t>Filter tests each element for a specific condition and, if true, adds that element to the new sequence</a:t>
+            </a:r>
+          </a:p>
+        </p:txBody>
+      </p:sp>
+      <p:sp>
+        <p:nvSpPr>
+          <p:cNvPr id="4" name="TextBox 3">
+            <a:extLst>
+              <a:ext uri="{FF2B5EF4-FFF2-40B4-BE49-F238E27FC236}">
+                <a16:creationId xmlns:a16="http://schemas.microsoft.com/office/drawing/2014/main" id="{5F15B8B0-53D7-2C4F-AAC5-CBBEFD41353F}"/>
+              </a:ext>
+            </a:extLst>
+          </p:cNvPr>
+          <p:cNvSpPr txBox="1"/>
+          <p:nvPr/>
+        </p:nvSpPr>
+        <p:spPr>
+          <a:xfrm>
+            <a:off x="0" y="6488668"/>
+            <a:ext cx="2813591" cy="369332"/>
+          </a:xfrm>
+          <a:prstGeom prst="rect">
+            <a:avLst/>
+          </a:prstGeom>
+          <a:noFill/>
+        </p:spPr>
+        <p:txBody>
+          <a:bodyPr wrap="none" rtlCol="0">
+            <a:spAutoFit/>
+          </a:bodyPr>
+          <a:lstStyle/>
+          <a:p>
+            <a:r>
+              <a:rPr lang="en-US" dirty="0">
+                <a:hlinkClick r:id="rId2"/>
+              </a:rPr>
+              <a:t>Experiment in </a:t>
+            </a:r>
+            <a:r>
+              <a:rPr lang="en-US" dirty="0" err="1">
+                <a:hlinkClick r:id="rId2"/>
+              </a:rPr>
+              <a:t>pythontutor</a:t>
+            </a:r>
+            <a:endParaRPr lang="en-US" dirty="0"/>
+          </a:p>
+        </p:txBody>
+      </p:sp>
+      <p:sp>
+        <p:nvSpPr>
+          <p:cNvPr id="5" name="TextBox 4">
+            <a:extLst>
+              <a:ext uri="{FF2B5EF4-FFF2-40B4-BE49-F238E27FC236}">
+                <a16:creationId xmlns:a16="http://schemas.microsoft.com/office/drawing/2014/main" id="{A56FD7AA-3F73-2849-8E40-810EE4EF3373}"/>
+              </a:ext>
+            </a:extLst>
+          </p:cNvPr>
+          <p:cNvSpPr txBox="1"/>
+          <p:nvPr/>
+        </p:nvSpPr>
+        <p:spPr>
+          <a:xfrm>
+            <a:off x="1845896" y="3278458"/>
+            <a:ext cx="8930650" cy="2554545"/>
+          </a:xfrm>
+          <a:prstGeom prst="rect">
+            <a:avLst/>
+          </a:prstGeom>
+          <a:noFill/>
+        </p:spPr>
+        <p:txBody>
+          <a:bodyPr wrap="none" rtlCol="0">
+            <a:spAutoFit/>
+          </a:bodyPr>
+          <a:lstStyle/>
+          <a:p>
+            <a:r>
+              <a:rPr lang="en-US" sz="2000" dirty="0">
+                <a:latin typeface="Consolas" panose="020B0609020204030204" pitchFamily="49" charset="0"/>
+                <a:cs typeface="Consolas" panose="020B0609020204030204" pitchFamily="49" charset="0"/>
+              </a:rPr>
+              <a:t>shipping = [35, 68.02, 2.99, 3.99, 5.94, 4.95, 7.72, 6.22]</a:t>
+            </a:r>
+          </a:p>
+          <a:p>
+            <a:r>
+              <a:rPr lang="en-US" sz="2000" dirty="0">
+                <a:latin typeface="Consolas" panose="020B0609020204030204" pitchFamily="49" charset="0"/>
+                <a:cs typeface="Consolas" panose="020B0609020204030204" pitchFamily="49" charset="0"/>
+              </a:rPr>
+              <a:t>shipping2 = []</a:t>
+            </a:r>
+          </a:p>
+          <a:p>
+            <a:r>
+              <a:rPr lang="en-US" sz="2000" dirty="0">
+                <a:latin typeface="Consolas" panose="020B0609020204030204" pitchFamily="49" charset="0"/>
+                <a:cs typeface="Consolas" panose="020B0609020204030204" pitchFamily="49" charset="0"/>
+              </a:rPr>
+              <a:t>for x in shipping:</a:t>
+            </a:r>
+          </a:p>
+          <a:p>
+            <a:r>
+              <a:rPr lang="en-US" sz="2000" dirty="0">
+                <a:latin typeface="Consolas" panose="020B0609020204030204" pitchFamily="49" charset="0"/>
+                <a:cs typeface="Consolas" panose="020B0609020204030204" pitchFamily="49" charset="0"/>
+              </a:rPr>
+              <a:t>    if x &lt; 10:</a:t>
+            </a:r>
+          </a:p>
+          <a:p>
+            <a:r>
+              <a:rPr lang="en-US" sz="2000" dirty="0">
+                <a:latin typeface="Consolas" panose="020B0609020204030204" pitchFamily="49" charset="0"/>
+                <a:cs typeface="Consolas" panose="020B0609020204030204" pitchFamily="49" charset="0"/>
+              </a:rPr>
+              <a:t>        shipping2.append(x)</a:t>
+            </a:r>
+          </a:p>
+          <a:p>
+            <a:r>
+              <a:rPr lang="en-US" sz="2000" dirty="0">
+                <a:latin typeface="Consolas" panose="020B0609020204030204" pitchFamily="49" charset="0"/>
+                <a:cs typeface="Consolas" panose="020B0609020204030204" pitchFamily="49" charset="0"/>
+              </a:rPr>
+              <a:t>print(shipping2) # prints [2.99, 3.99, 5.94, 4.95, 7.72, 6.22]</a:t>
+            </a:r>
+          </a:p>
+          <a:p>
+            <a:endParaRPr lang="en-US" sz="2000" dirty="0">
+              <a:latin typeface="Consolas" panose="020B0609020204030204" pitchFamily="49" charset="0"/>
+              <a:cs typeface="Consolas" panose="020B0609020204030204" pitchFamily="49" charset="0"/>
+            </a:endParaRPr>
+          </a:p>
+          <a:p>
+            <a:r>
+              <a:rPr lang="en-US" sz="2000" dirty="0">
+                <a:latin typeface="Consolas" panose="020B0609020204030204" pitchFamily="49" charset="0"/>
+                <a:cs typeface="Consolas" panose="020B0609020204030204" pitchFamily="49" charset="0"/>
+              </a:rPr>
+              <a:t>shipping2 = [x for x in shipping if x &lt; 10] # much easier</a:t>
+            </a:r>
           </a:p>
         </p:txBody>
       </p:sp>
@@ -5214,6 +5760,355 @@
           <p:cNvPr id="2" name="Title 1">
             <a:extLst>
               <a:ext uri="{FF2B5EF4-FFF2-40B4-BE49-F238E27FC236}">
+                <a16:creationId xmlns:a16="http://schemas.microsoft.com/office/drawing/2014/main" id="{76A58C7C-C8DD-AF42-AA89-62972ACF45BF}"/>
+              </a:ext>
+            </a:extLst>
+          </p:cNvPr>
+          <p:cNvSpPr>
+            <a:spLocks noGrp="1"/>
+          </p:cNvSpPr>
+          <p:nvPr>
+            <p:ph type="title"/>
+          </p:nvPr>
+        </p:nvSpPr>
+        <p:spPr/>
+        <p:txBody>
+          <a:bodyPr/>
+          <a:lstStyle/>
+          <a:p>
+            <a:r>
+              <a:rPr lang="en-US" dirty="0"/>
+              <a:t>Filtering rows of data</a:t>
+            </a:r>
+          </a:p>
+        </p:txBody>
+      </p:sp>
+      <p:sp>
+        <p:nvSpPr>
+          <p:cNvPr id="3" name="Content Placeholder 2">
+            <a:extLst>
+              <a:ext uri="{FF2B5EF4-FFF2-40B4-BE49-F238E27FC236}">
+                <a16:creationId xmlns:a16="http://schemas.microsoft.com/office/drawing/2014/main" id="{5A39EEF0-81F3-B145-ADC6-EB2DBC74068F}"/>
+              </a:ext>
+            </a:extLst>
+          </p:cNvPr>
+          <p:cNvSpPr>
+            <a:spLocks noGrp="1"/>
+          </p:cNvSpPr>
+          <p:nvPr>
+            <p:ph idx="1"/>
+          </p:nvPr>
+        </p:nvSpPr>
+        <p:spPr>
+          <a:xfrm>
+            <a:off x="838200" y="1538868"/>
+            <a:ext cx="10515600" cy="4638095"/>
+          </a:xfrm>
+        </p:spPr>
+        <p:txBody>
+          <a:bodyPr/>
+          <a:lstStyle/>
+          <a:p>
+            <a:r>
+              <a:rPr lang="en-US" dirty="0"/>
+              <a:t>We can also filter on one column but keep the data within each row together; e.g., filter for Oscar winners</a:t>
+            </a:r>
+          </a:p>
+        </p:txBody>
+      </p:sp>
+      <p:sp>
+        <p:nvSpPr>
+          <p:cNvPr id="4" name="TextBox 3">
+            <a:extLst>
+              <a:ext uri="{FF2B5EF4-FFF2-40B4-BE49-F238E27FC236}">
+                <a16:creationId xmlns:a16="http://schemas.microsoft.com/office/drawing/2014/main" id="{0895ADA9-C5FF-9640-9EC5-EE085A557EEB}"/>
+              </a:ext>
+            </a:extLst>
+          </p:cNvPr>
+          <p:cNvSpPr txBox="1"/>
+          <p:nvPr/>
+        </p:nvSpPr>
+        <p:spPr>
+          <a:xfrm>
+            <a:off x="1051029" y="2364059"/>
+            <a:ext cx="5577168" cy="4093428"/>
+          </a:xfrm>
+          <a:prstGeom prst="rect">
+            <a:avLst/>
+          </a:prstGeom>
+          <a:noFill/>
+        </p:spPr>
+        <p:txBody>
+          <a:bodyPr wrap="none" rtlCol="0">
+            <a:spAutoFit/>
+          </a:bodyPr>
+          <a:lstStyle/>
+          <a:p>
+            <a:r>
+              <a:rPr lang="en-US" sz="2000" dirty="0" err="1"/>
+              <a:t>oscars</a:t>
+            </a:r>
+            <a:r>
+              <a:rPr lang="en-US" sz="2000" dirty="0"/>
+              <a:t> = [</a:t>
+            </a:r>
+          </a:p>
+          <a:p>
+            <a:r>
+              <a:rPr lang="en-US" sz="2000" dirty="0"/>
+              <a:t>    [1984, "A Soldier's Story", 0],</a:t>
+            </a:r>
+          </a:p>
+          <a:p>
+            <a:r>
+              <a:rPr lang="en-US" sz="2000" dirty="0"/>
+              <a:t>    [1984, 'Places in the Heart', 0],</a:t>
+            </a:r>
+          </a:p>
+          <a:p>
+            <a:r>
+              <a:rPr lang="en-US" sz="2000" dirty="0"/>
+              <a:t>    [1984, 'The Killing Fields', 0],</a:t>
+            </a:r>
+          </a:p>
+          <a:p>
+            <a:r>
+              <a:rPr lang="en-US" sz="2000" dirty="0"/>
+              <a:t>    [1984, 'A Passage to India', 0],</a:t>
+            </a:r>
+          </a:p>
+          <a:p>
+            <a:r>
+              <a:rPr lang="en-US" sz="2000" dirty="0"/>
+              <a:t>    [1984, 'Amadeus', 1],</a:t>
+            </a:r>
+          </a:p>
+          <a:p>
+            <a:r>
+              <a:rPr lang="en-US" sz="2000" dirty="0"/>
+              <a:t>    [1985, "</a:t>
+            </a:r>
+            <a:r>
+              <a:rPr lang="en-US" sz="2000" dirty="0" err="1"/>
+              <a:t>Prizzi's</a:t>
+            </a:r>
+            <a:r>
+              <a:rPr lang="en-US" sz="2000" dirty="0"/>
+              <a:t> Honor", 0],</a:t>
+            </a:r>
+          </a:p>
+          <a:p>
+            <a:r>
+              <a:rPr lang="en-US" sz="2000" dirty="0"/>
+              <a:t>    [1985, 'Kiss of the Spider Woman', 0],</a:t>
+            </a:r>
+          </a:p>
+          <a:p>
+            <a:r>
+              <a:rPr lang="en-US" sz="2000" dirty="0"/>
+              <a:t>    [1985, 'Witness', 0],</a:t>
+            </a:r>
+          </a:p>
+          <a:p>
+            <a:r>
+              <a:rPr lang="en-US" sz="2000" dirty="0"/>
+              <a:t>    [1985, 'The Color Purple', 0],</a:t>
+            </a:r>
+          </a:p>
+          <a:p>
+            <a:r>
+              <a:rPr lang="en-US" sz="2000" dirty="0"/>
+              <a:t>    [1985, 'Out of Africa', 1]</a:t>
+            </a:r>
+          </a:p>
+          <a:p>
+            <a:r>
+              <a:rPr lang="en-US" sz="2000" dirty="0"/>
+              <a:t>]</a:t>
+            </a:r>
+          </a:p>
+          <a:p>
+            <a:r>
+              <a:rPr lang="en-US" sz="2000" dirty="0"/>
+              <a:t>print([movie for movie in </a:t>
+            </a:r>
+            <a:r>
+              <a:rPr lang="en-US" sz="2000" dirty="0" err="1"/>
+              <a:t>oscars</a:t>
+            </a:r>
+            <a:r>
+              <a:rPr lang="en-US" sz="2000" dirty="0"/>
+              <a:t> if movie[2]==1])</a:t>
+            </a:r>
+          </a:p>
+        </p:txBody>
+      </p:sp>
+      <p:sp>
+        <p:nvSpPr>
+          <p:cNvPr id="5" name="TextBox 4">
+            <a:extLst>
+              <a:ext uri="{FF2B5EF4-FFF2-40B4-BE49-F238E27FC236}">
+                <a16:creationId xmlns:a16="http://schemas.microsoft.com/office/drawing/2014/main" id="{7EA0E861-8C96-BB43-9800-CBF2AF1BD019}"/>
+              </a:ext>
+            </a:extLst>
+          </p:cNvPr>
+          <p:cNvSpPr txBox="1"/>
+          <p:nvPr/>
+        </p:nvSpPr>
+        <p:spPr>
+          <a:xfrm>
+            <a:off x="0" y="6488668"/>
+            <a:ext cx="2813591" cy="369332"/>
+          </a:xfrm>
+          <a:prstGeom prst="rect">
+            <a:avLst/>
+          </a:prstGeom>
+          <a:noFill/>
+        </p:spPr>
+        <p:txBody>
+          <a:bodyPr wrap="none" rtlCol="0">
+            <a:spAutoFit/>
+          </a:bodyPr>
+          <a:lstStyle/>
+          <a:p>
+            <a:r>
+              <a:rPr lang="en-US" dirty="0">
+                <a:hlinkClick r:id="rId2"/>
+              </a:rPr>
+              <a:t>Experiment in </a:t>
+            </a:r>
+            <a:r>
+              <a:rPr lang="en-US" dirty="0" err="1">
+                <a:hlinkClick r:id="rId2"/>
+              </a:rPr>
+              <a:t>pythontutor</a:t>
+            </a:r>
+            <a:endParaRPr lang="en-US" dirty="0"/>
+          </a:p>
+        </p:txBody>
+      </p:sp>
+      <p:sp>
+        <p:nvSpPr>
+          <p:cNvPr id="6" name="TextBox 5">
+            <a:extLst>
+              <a:ext uri="{FF2B5EF4-FFF2-40B4-BE49-F238E27FC236}">
+                <a16:creationId xmlns:a16="http://schemas.microsoft.com/office/drawing/2014/main" id="{5A9CF64A-7E41-4845-A20B-C70BFBECA20F}"/>
+              </a:ext>
+            </a:extLst>
+          </p:cNvPr>
+          <p:cNvSpPr txBox="1"/>
+          <p:nvPr/>
+        </p:nvSpPr>
+        <p:spPr>
+          <a:xfrm>
+            <a:off x="6841026" y="3749159"/>
+            <a:ext cx="4910383" cy="369332"/>
+          </a:xfrm>
+          <a:prstGeom prst="rect">
+            <a:avLst/>
+          </a:prstGeom>
+          <a:noFill/>
+        </p:spPr>
+        <p:txBody>
+          <a:bodyPr wrap="none" rtlCol="0">
+            <a:spAutoFit/>
+          </a:bodyPr>
+          <a:lstStyle/>
+          <a:p>
+            <a:r>
+              <a:rPr lang="en-US" dirty="0"/>
+              <a:t>[[1984, 'Amadeus', 1], [1985, 'Out of Africa', 1]]</a:t>
+            </a:r>
+          </a:p>
+        </p:txBody>
+      </p:sp>
+      <p:sp>
+        <p:nvSpPr>
+          <p:cNvPr id="7" name="Right Arrow 6">
+            <a:extLst>
+              <a:ext uri="{FF2B5EF4-FFF2-40B4-BE49-F238E27FC236}">
+                <a16:creationId xmlns:a16="http://schemas.microsoft.com/office/drawing/2014/main" id="{A8DD2075-543D-254F-BDF0-C94AAAFD70F5}"/>
+              </a:ext>
+            </a:extLst>
+          </p:cNvPr>
+          <p:cNvSpPr/>
+          <p:nvPr/>
+        </p:nvSpPr>
+        <p:spPr>
+          <a:xfrm>
+            <a:off x="5465009" y="3749159"/>
+            <a:ext cx="978408" cy="484632"/>
+          </a:xfrm>
+          <a:prstGeom prst="rightArrow">
+            <a:avLst/>
+          </a:prstGeom>
+          <a:solidFill>
+            <a:schemeClr val="accent1">
+              <a:lumMod val="40000"/>
+              <a:lumOff val="60000"/>
+            </a:schemeClr>
+          </a:solidFill>
+        </p:spPr>
+        <p:style>
+          <a:lnRef idx="2">
+            <a:schemeClr val="accent1">
+              <a:shade val="50000"/>
+            </a:schemeClr>
+          </a:lnRef>
+          <a:fillRef idx="1">
+            <a:schemeClr val="accent1"/>
+          </a:fillRef>
+          <a:effectRef idx="0">
+            <a:schemeClr val="accent1"/>
+          </a:effectRef>
+          <a:fontRef idx="minor">
+            <a:schemeClr val="lt1"/>
+          </a:fontRef>
+        </p:style>
+        <p:txBody>
+          <a:bodyPr rtlCol="0" anchor="ctr"/>
+          <a:lstStyle/>
+          <a:p>
+            <a:pPr algn="ctr"/>
+            <a:endParaRPr lang="en-US" dirty="0"/>
+          </a:p>
+        </p:txBody>
+      </p:sp>
+    </p:spTree>
+    <p:extLst>
+      <p:ext uri="{BB962C8B-B14F-4D97-AF65-F5344CB8AC3E}">
+        <p14:creationId xmlns:p14="http://schemas.microsoft.com/office/powerpoint/2010/main" val="2290523565"/>
+      </p:ext>
+    </p:extLst>
+  </p:cSld>
+  <p:clrMapOvr>
+    <a:masterClrMapping/>
+  </p:clrMapOvr>
+</p:sld>
+</file>
+
+<file path=ppt/slides/slide15.xml><?xml version="1.0" encoding="utf-8"?>
+<p:sld xmlns:a="http://schemas.openxmlformats.org/drawingml/2006/main" xmlns:r="http://schemas.openxmlformats.org/officeDocument/2006/relationships" xmlns:p="http://schemas.openxmlformats.org/presentationml/2006/main">
+  <p:cSld>
+    <p:spTree>
+      <p:nvGrpSpPr>
+        <p:cNvPr id="1" name=""/>
+        <p:cNvGrpSpPr/>
+        <p:nvPr/>
+      </p:nvGrpSpPr>
+      <p:grpSpPr>
+        <a:xfrm>
+          <a:off x="0" y="0"/>
+          <a:ext cx="0" cy="0"/>
+          <a:chOff x="0" y="0"/>
+          <a:chExt cx="0" cy="0"/>
+        </a:xfrm>
+      </p:grpSpPr>
+      <p:sp>
+        <p:nvSpPr>
+          <p:cNvPr id="2" name="Title 1">
+            <a:extLst>
+              <a:ext uri="{FF2B5EF4-FFF2-40B4-BE49-F238E27FC236}">
                 <a16:creationId xmlns:a16="http://schemas.microsoft.com/office/drawing/2014/main" id="{F77FE7A4-2777-5C4D-94F0-04A4ACC6EDEC}"/>
               </a:ext>
             </a:extLst>
@@ -5231,7 +6126,7 @@
           <a:lstStyle/>
           <a:p>
             <a:r>
-              <a:rPr lang="en-US"/>
+              <a:rPr lang="en-US" dirty="0"/>
               <a:t>Search</a:t>
             </a:r>
           </a:p>
@@ -5253,12 +6148,252 @@
             <p:ph idx="1"/>
           </p:nvPr>
         </p:nvSpPr>
-        <p:spPr/>
+        <p:spPr>
+          <a:xfrm>
+            <a:off x="838200" y="1438507"/>
+            <a:ext cx="10515600" cy="4738456"/>
+          </a:xfrm>
+        </p:spPr>
         <p:txBody>
           <a:bodyPr/>
           <a:lstStyle/>
           <a:p>
-            <a:endParaRPr lang="en-US"/>
+            <a:r>
+              <a:rPr lang="en-US" dirty="0"/>
+              <a:t>The filter operation finds all elements in a sequence that satisfy a specific condition, but often we'd like to know which element satisfies the condition first (or last)</a:t>
+            </a:r>
+          </a:p>
+          <a:p>
+            <a:r>
+              <a:rPr lang="en-US" dirty="0"/>
+              <a:t>Search returns the first (or last) position in the sequence rather than the value at that position</a:t>
+            </a:r>
+          </a:p>
+        </p:txBody>
+      </p:sp>
+      <p:sp>
+        <p:nvSpPr>
+          <p:cNvPr id="5" name="TextBox 4">
+            <a:extLst>
+              <a:ext uri="{FF2B5EF4-FFF2-40B4-BE49-F238E27FC236}">
+                <a16:creationId xmlns:a16="http://schemas.microsoft.com/office/drawing/2014/main" id="{8CD8F814-F0B2-C049-8E3A-8D64F3E3F076}"/>
+              </a:ext>
+            </a:extLst>
+          </p:cNvPr>
+          <p:cNvSpPr txBox="1"/>
+          <p:nvPr/>
+        </p:nvSpPr>
+        <p:spPr>
+          <a:xfrm>
+            <a:off x="1294636" y="3622418"/>
+            <a:ext cx="10059164" cy="2554545"/>
+          </a:xfrm>
+          <a:prstGeom prst="rect">
+            <a:avLst/>
+          </a:prstGeom>
+          <a:noFill/>
+        </p:spPr>
+        <p:txBody>
+          <a:bodyPr wrap="none" rtlCol="0">
+            <a:spAutoFit/>
+          </a:bodyPr>
+          <a:lstStyle/>
+          <a:p>
+            <a:r>
+              <a:rPr lang="en-US" sz="2000" dirty="0">
+                <a:latin typeface="Consolas" panose="020B0609020204030204" pitchFamily="49" charset="0"/>
+                <a:cs typeface="Consolas" panose="020B0609020204030204" pitchFamily="49" charset="0"/>
+              </a:rPr>
+              <a:t>first=['</a:t>
+            </a:r>
+            <a:r>
+              <a:rPr lang="en-US" sz="2000" dirty="0" err="1">
+                <a:latin typeface="Consolas" panose="020B0609020204030204" pitchFamily="49" charset="0"/>
+                <a:cs typeface="Consolas" panose="020B0609020204030204" pitchFamily="49" charset="0"/>
+              </a:rPr>
+              <a:t>Xue</a:t>
+            </a:r>
+            <a:r>
+              <a:rPr lang="en-US" sz="2000" dirty="0">
+                <a:latin typeface="Consolas" panose="020B0609020204030204" pitchFamily="49" charset="0"/>
+                <a:cs typeface="Consolas" panose="020B0609020204030204" pitchFamily="49" charset="0"/>
+              </a:rPr>
+              <a:t>', 'Mary', 'Robert']     # our given input</a:t>
+            </a:r>
+          </a:p>
+          <a:p>
+            <a:r>
+              <a:rPr lang="en-US" sz="2000" dirty="0">
+                <a:latin typeface="Consolas" panose="020B0609020204030204" pitchFamily="49" charset="0"/>
+                <a:cs typeface="Consolas" panose="020B0609020204030204" pitchFamily="49" charset="0"/>
+              </a:rPr>
+              <a:t>target = 'Mary'                     # searching for Mary</a:t>
+            </a:r>
+          </a:p>
+          <a:p>
+            <a:r>
+              <a:rPr lang="en-US" sz="2000" dirty="0">
+                <a:latin typeface="Consolas" panose="020B0609020204030204" pitchFamily="49" charset="0"/>
+                <a:cs typeface="Consolas" panose="020B0609020204030204" pitchFamily="49" charset="0"/>
+              </a:rPr>
+              <a:t>index = -1</a:t>
+            </a:r>
+          </a:p>
+          <a:p>
+            <a:r>
+              <a:rPr lang="en-US" sz="2000" dirty="0">
+                <a:latin typeface="Consolas" panose="020B0609020204030204" pitchFamily="49" charset="0"/>
+                <a:cs typeface="Consolas" panose="020B0609020204030204" pitchFamily="49" charset="0"/>
+              </a:rPr>
+              <a:t>for </a:t>
+            </a:r>
+            <a:r>
+              <a:rPr lang="en-US" sz="2000" dirty="0" err="1">
+                <a:latin typeface="Consolas" panose="020B0609020204030204" pitchFamily="49" charset="0"/>
+                <a:cs typeface="Consolas" panose="020B0609020204030204" pitchFamily="49" charset="0"/>
+              </a:rPr>
+              <a:t>i</a:t>
+            </a:r>
+            <a:r>
+              <a:rPr lang="en-US" sz="2000" dirty="0">
+                <a:latin typeface="Consolas" panose="020B0609020204030204" pitchFamily="49" charset="0"/>
+                <a:cs typeface="Consolas" panose="020B0609020204030204" pitchFamily="49" charset="0"/>
+              </a:rPr>
+              <a:t> in range(</a:t>
+            </a:r>
+            <a:r>
+              <a:rPr lang="en-US" sz="2000" dirty="0" err="1">
+                <a:latin typeface="Consolas" panose="020B0609020204030204" pitchFamily="49" charset="0"/>
+                <a:cs typeface="Consolas" panose="020B0609020204030204" pitchFamily="49" charset="0"/>
+              </a:rPr>
+              <a:t>len</a:t>
+            </a:r>
+            <a:r>
+              <a:rPr lang="en-US" sz="2000" dirty="0">
+                <a:latin typeface="Consolas" panose="020B0609020204030204" pitchFamily="49" charset="0"/>
+                <a:cs typeface="Consolas" panose="020B0609020204030204" pitchFamily="49" charset="0"/>
+              </a:rPr>
+              <a:t>(first)):         # </a:t>
+            </a:r>
+            <a:r>
+              <a:rPr lang="en-US" sz="2000" dirty="0" err="1">
+                <a:latin typeface="Consolas" panose="020B0609020204030204" pitchFamily="49" charset="0"/>
+                <a:cs typeface="Consolas" panose="020B0609020204030204" pitchFamily="49" charset="0"/>
+              </a:rPr>
+              <a:t>i</a:t>
+            </a:r>
+            <a:r>
+              <a:rPr lang="en-US" sz="2000" dirty="0">
+                <a:latin typeface="Consolas" panose="020B0609020204030204" pitchFamily="49" charset="0"/>
+                <a:cs typeface="Consolas" panose="020B0609020204030204" pitchFamily="49" charset="0"/>
+              </a:rPr>
+              <a:t> is in range [0..n-1] or [0..n)</a:t>
+            </a:r>
+          </a:p>
+          <a:p>
+            <a:r>
+              <a:rPr lang="en-US" sz="2000" dirty="0">
+                <a:latin typeface="Consolas" panose="020B0609020204030204" pitchFamily="49" charset="0"/>
+                <a:cs typeface="Consolas" panose="020B0609020204030204" pitchFamily="49" charset="0"/>
+              </a:rPr>
+              <a:t>    if first[</a:t>
+            </a:r>
+            <a:r>
+              <a:rPr lang="en-US" sz="2000" dirty="0" err="1">
+                <a:latin typeface="Consolas" panose="020B0609020204030204" pitchFamily="49" charset="0"/>
+                <a:cs typeface="Consolas" panose="020B0609020204030204" pitchFamily="49" charset="0"/>
+              </a:rPr>
+              <a:t>i</a:t>
+            </a:r>
+            <a:r>
+              <a:rPr lang="en-US" sz="2000" dirty="0">
+                <a:latin typeface="Consolas" panose="020B0609020204030204" pitchFamily="49" charset="0"/>
+                <a:cs typeface="Consolas" panose="020B0609020204030204" pitchFamily="49" charset="0"/>
+              </a:rPr>
+              <a:t>]==target:</a:t>
+            </a:r>
+          </a:p>
+          <a:p>
+            <a:r>
+              <a:rPr lang="en-US" sz="2000" dirty="0">
+                <a:latin typeface="Consolas" panose="020B0609020204030204" pitchFamily="49" charset="0"/>
+                <a:cs typeface="Consolas" panose="020B0609020204030204" pitchFamily="49" charset="0"/>
+              </a:rPr>
+              <a:t>        index = </a:t>
+            </a:r>
+            <a:r>
+              <a:rPr lang="en-US" sz="2000" dirty="0" err="1">
+                <a:latin typeface="Consolas" panose="020B0609020204030204" pitchFamily="49" charset="0"/>
+                <a:cs typeface="Consolas" panose="020B0609020204030204" pitchFamily="49" charset="0"/>
+              </a:rPr>
+              <a:t>i</a:t>
+            </a:r>
+            <a:endParaRPr lang="en-US" sz="2000" dirty="0">
+              <a:latin typeface="Consolas" panose="020B0609020204030204" pitchFamily="49" charset="0"/>
+              <a:cs typeface="Consolas" panose="020B0609020204030204" pitchFamily="49" charset="0"/>
+            </a:endParaRPr>
+          </a:p>
+          <a:p>
+            <a:r>
+              <a:rPr lang="en-US" sz="2000" dirty="0">
+                <a:latin typeface="Consolas" panose="020B0609020204030204" pitchFamily="49" charset="0"/>
+                <a:cs typeface="Consolas" panose="020B0609020204030204" pitchFamily="49" charset="0"/>
+              </a:rPr>
+              <a:t>        break</a:t>
+            </a:r>
+          </a:p>
+          <a:p>
+            <a:r>
+              <a:rPr lang="en-US" sz="2000" dirty="0">
+                <a:latin typeface="Consolas" panose="020B0609020204030204" pitchFamily="49" charset="0"/>
+                <a:cs typeface="Consolas" panose="020B0609020204030204" pitchFamily="49" charset="0"/>
+              </a:rPr>
+              <a:t>print(index)</a:t>
+            </a:r>
+          </a:p>
+        </p:txBody>
+      </p:sp>
+      <p:sp>
+        <p:nvSpPr>
+          <p:cNvPr id="6" name="TextBox 5">
+            <a:extLst>
+              <a:ext uri="{FF2B5EF4-FFF2-40B4-BE49-F238E27FC236}">
+                <a16:creationId xmlns:a16="http://schemas.microsoft.com/office/drawing/2014/main" id="{D5C5DFAF-027C-D049-B55F-2D4AEFABAE9B}"/>
+              </a:ext>
+            </a:extLst>
+          </p:cNvPr>
+          <p:cNvSpPr txBox="1"/>
+          <p:nvPr/>
+        </p:nvSpPr>
+        <p:spPr>
+          <a:xfrm>
+            <a:off x="0" y="6488668"/>
+            <a:ext cx="2813591" cy="369332"/>
+          </a:xfrm>
+          <a:prstGeom prst="rect">
+            <a:avLst/>
+          </a:prstGeom>
+          <a:noFill/>
+        </p:spPr>
+        <p:txBody>
+          <a:bodyPr wrap="none" rtlCol="0">
+            <a:spAutoFit/>
+          </a:bodyPr>
+          <a:lstStyle/>
+          <a:p>
+            <a:r>
+              <a:rPr lang="en-US" dirty="0">
+                <a:hlinkClick r:id="rId2"/>
+              </a:rPr>
+              <a:t>Experiment in </a:t>
+            </a:r>
+            <a:r>
+              <a:rPr lang="en-US" dirty="0" err="1">
+                <a:hlinkClick r:id="rId2"/>
+              </a:rPr>
+              <a:t>pythontutor</a:t>
+            </a:r>
+            <a:endParaRPr lang="en-US" dirty="0"/>
           </a:p>
         </p:txBody>
       </p:sp>
@@ -5362,13 +6497,13 @@
           <a:p>
             <a:r>
               <a:rPr lang="en-US" dirty="0"/>
+              <a:t>A template provides an overall structure for the program, like lawyers tweaking a contract from previous client for new one</a:t>
+            </a:r>
+          </a:p>
+          <a:p>
+            <a:r>
+              <a:rPr lang="en-US" dirty="0"/>
               <a:t>Engineers building a new suspension bridge do not proceed as if such a thing has never been built before</a:t>
-            </a:r>
-          </a:p>
-          <a:p>
-            <a:r>
-              <a:rPr lang="en-US" dirty="0"/>
-              <a:t>A template provides an overall structure for the program, like lawyers tweaking a contract from previous client for new one</a:t>
             </a:r>
           </a:p>
           <a:p>
@@ -5610,7 +6745,7 @@
           <a:p>
             <a:r>
               <a:rPr lang="en-US" dirty="0"/>
-              <a:t>Low-level patterns are human-compatible puzzle pieces that combine to fill in details of the overall template</a:t>
+              <a:t>Low-level patterns are puzzle pieces that we combine to fill in details and solve parts of the overall template</a:t>
             </a:r>
           </a:p>
           <a:p>
@@ -5728,7 +6863,7 @@
           <a:p>
             <a:r>
               <a:rPr lang="en-US" dirty="0"/>
-              <a:t>You're no doubt familiar with operations such as:</a:t>
+              <a:t>You're no doubt familiar with simple patterns such as:</a:t>
             </a:r>
           </a:p>
           <a:p>
@@ -5765,7 +6900,7 @@
             <a:pPr lvl="1"/>
             <a:r>
               <a:rPr lang="en-US" i="1" dirty="0"/>
-              <a:t>apply an operation to each element in the list to get new list</a:t>
+              <a:t>apply an operation to each element of a list to get new list</a:t>
             </a:r>
           </a:p>
           <a:p>
@@ -5795,9 +6930,6 @@
               <a:rPr lang="en-US" dirty="0"/>
               <a:t>Think and plan at this level, not the code level</a:t>
             </a:r>
-          </a:p>
-          <a:p>
-            <a:endParaRPr lang="en-US" dirty="0"/>
           </a:p>
         </p:txBody>
       </p:sp>
@@ -5859,7 +6991,7 @@
           <a:p>
             <a:r>
               <a:rPr lang="en-US" dirty="0"/>
-              <a:t>Visualize operation then identify the pattern</a:t>
+              <a:t>Visualize operations then identify patterns</a:t>
             </a:r>
           </a:p>
         </p:txBody>
@@ -5887,7 +7019,7 @@
           <a:p>
             <a:r>
               <a:rPr lang="en-US" dirty="0"/>
-              <a:t>Thing visually about how you would manipulate lists of data or extract information from data</a:t>
+              <a:t>Think visually about how you would manipulate lists of data or extract information from data</a:t>
             </a:r>
           </a:p>
           <a:p>
@@ -6222,7 +7354,15 @@
           <a:p>
             <a:r>
               <a:rPr lang="en-US" dirty="0"/>
-              <a:t>In Excel, this is like using sum(...) in a cell.</a:t>
+              <a:t>In Excel, this is like using </a:t>
+            </a:r>
+            <a:r>
+              <a:rPr lang="en-US" b="1" dirty="0"/>
+              <a:t>sum(...)</a:t>
+            </a:r>
+            <a:r>
+              <a:rPr lang="en-US" dirty="0"/>
+              <a:t> in a cell.</a:t>
             </a:r>
           </a:p>
           <a:p>
@@ -6337,36 +7477,6 @@
           </a:p>
         </p:txBody>
       </p:sp>
-      <p:pic>
-        <p:nvPicPr>
-          <p:cNvPr id="6" name="Picture 5">
-            <a:extLst>
-              <a:ext uri="{FF2B5EF4-FFF2-40B4-BE49-F238E27FC236}">
-                <a16:creationId xmlns:a16="http://schemas.microsoft.com/office/drawing/2014/main" id="{7FA77F17-B32F-794E-9ED5-D79FEF22DF48}"/>
-              </a:ext>
-            </a:extLst>
-          </p:cNvPr>
-          <p:cNvPicPr>
-            <a:picLocks noChangeAspect="1"/>
-          </p:cNvPicPr>
-          <p:nvPr/>
-        </p:nvPicPr>
-        <p:blipFill>
-          <a:blip r:embed="rId2"/>
-          <a:stretch>
-            <a:fillRect/>
-          </a:stretch>
-        </p:blipFill>
-        <p:spPr>
-          <a:xfrm>
-            <a:off x="10983291" y="2369447"/>
-            <a:ext cx="1059069" cy="3593270"/>
-          </a:xfrm>
-          <a:prstGeom prst="rect">
-            <a:avLst/>
-          </a:prstGeom>
-        </p:spPr>
-      </p:pic>
       <p:sp>
         <p:nvSpPr>
           <p:cNvPr id="7" name="TextBox 6">
@@ -6397,13 +7507,13 @@
           <a:p>
             <a:r>
               <a:rPr lang="en-US" dirty="0">
-                <a:hlinkClick r:id="rId3"/>
+                <a:hlinkClick r:id="rId2"/>
               </a:rPr>
               <a:t>Experiment in </a:t>
             </a:r>
             <a:r>
               <a:rPr lang="en-US" dirty="0" err="1">
-                <a:hlinkClick r:id="rId3"/>
+                <a:hlinkClick r:id="rId2"/>
               </a:rPr>
               <a:t>pythontutor</a:t>
             </a:r>
@@ -6506,7 +7616,7 @@
           <a:p>
             <a:r>
               <a:rPr lang="en-US" dirty="0"/>
-              <a:t>It's like using a spreadsheet to create a new column containing the unit price discounted by 5%</a:t>
+              <a:t>It's like using a spreadsheet to create a new column containing some product unit price discounted by 5%</a:t>
             </a:r>
           </a:p>
         </p:txBody>

--- a/slides/programming-patterns.pptx
+++ b/slides/programming-patterns.pptx
@@ -5,27 +5,40 @@
     <p:sldMasterId id="2147483672" r:id="rId1"/>
   </p:sldMasterIdLst>
   <p:notesMasterIdLst>
-    <p:notesMasterId r:id="rId17"/>
+    <p:notesMasterId r:id="rId30"/>
   </p:notesMasterIdLst>
   <p:handoutMasterIdLst>
-    <p:handoutMasterId r:id="rId18"/>
+    <p:handoutMasterId r:id="rId31"/>
   </p:handoutMasterIdLst>
   <p:sldIdLst>
     <p:sldId id="256" r:id="rId2"/>
-    <p:sldId id="289" r:id="rId3"/>
-    <p:sldId id="290" r:id="rId4"/>
-    <p:sldId id="288" r:id="rId5"/>
-    <p:sldId id="291" r:id="rId6"/>
-    <p:sldId id="292" r:id="rId7"/>
+    <p:sldId id="302" r:id="rId3"/>
+    <p:sldId id="289" r:id="rId4"/>
+    <p:sldId id="290" r:id="rId5"/>
+    <p:sldId id="288" r:id="rId6"/>
+    <p:sldId id="291" r:id="rId7"/>
     <p:sldId id="294" r:id="rId8"/>
-    <p:sldId id="293" r:id="rId9"/>
-    <p:sldId id="295" r:id="rId10"/>
-    <p:sldId id="296" r:id="rId11"/>
-    <p:sldId id="297" r:id="rId12"/>
-    <p:sldId id="298" r:id="rId13"/>
-    <p:sldId id="299" r:id="rId14"/>
-    <p:sldId id="301" r:id="rId15"/>
-    <p:sldId id="300" r:id="rId16"/>
+    <p:sldId id="292" r:id="rId9"/>
+    <p:sldId id="293" r:id="rId10"/>
+    <p:sldId id="295" r:id="rId11"/>
+    <p:sldId id="296" r:id="rId12"/>
+    <p:sldId id="297" r:id="rId13"/>
+    <p:sldId id="298" r:id="rId14"/>
+    <p:sldId id="299" r:id="rId15"/>
+    <p:sldId id="301" r:id="rId16"/>
+    <p:sldId id="300" r:id="rId17"/>
+    <p:sldId id="303" r:id="rId18"/>
+    <p:sldId id="304" r:id="rId19"/>
+    <p:sldId id="305" r:id="rId20"/>
+    <p:sldId id="306" r:id="rId21"/>
+    <p:sldId id="307" r:id="rId22"/>
+    <p:sldId id="308" r:id="rId23"/>
+    <p:sldId id="309" r:id="rId24"/>
+    <p:sldId id="310" r:id="rId25"/>
+    <p:sldId id="311" r:id="rId26"/>
+    <p:sldId id="313" r:id="rId27"/>
+    <p:sldId id="314" r:id="rId28"/>
+    <p:sldId id="312" r:id="rId29"/>
   </p:sldIdLst>
   <p:sldSz cx="12192000" cy="6858000"/>
   <p:notesSz cx="9144000" cy="6858000"/>
@@ -220,7 +233,7 @@
           <a:p>
             <a:fld id="{8A1B613A-EFF1-404F-BEE8-EFAE84A4E5E2}" type="datetimeFigureOut">
               <a:rPr lang="en-US" smtClean="0"/>
-              <a:t>6/4/21</a:t>
+              <a:t>6/5/21</a:t>
             </a:fld>
             <a:endParaRPr lang="en-US"/>
           </a:p>
@@ -385,7 +398,7 @@
           <a:p>
             <a:fld id="{690847EA-AC25-3D4E-89E1-FD3F6A9702B6}" type="datetimeFigureOut">
               <a:rPr lang="en-US" smtClean="0"/>
-              <a:t>6/4/21</a:t>
+              <a:t>6/5/21</a:t>
             </a:fld>
             <a:endParaRPr lang="en-US"/>
           </a:p>
@@ -799,7 +812,7 @@
           <a:p>
             <a:fld id="{BE5295ED-3BAF-1140-8495-3D368771D6B1}" type="datetimeFigureOut">
               <a:rPr lang="en-US" smtClean="0"/>
-              <a:t>6/4/21</a:t>
+              <a:t>6/5/21</a:t>
             </a:fld>
             <a:endParaRPr lang="en-US"/>
           </a:p>
@@ -997,7 +1010,7 @@
           <a:p>
             <a:fld id="{BE5295ED-3BAF-1140-8495-3D368771D6B1}" type="datetimeFigureOut">
               <a:rPr lang="en-US" smtClean="0"/>
-              <a:t>6/4/21</a:t>
+              <a:t>6/5/21</a:t>
             </a:fld>
             <a:endParaRPr lang="en-US"/>
           </a:p>
@@ -1205,7 +1218,7 @@
           <a:p>
             <a:fld id="{BE5295ED-3BAF-1140-8495-3D368771D6B1}" type="datetimeFigureOut">
               <a:rPr lang="en-US" smtClean="0"/>
-              <a:t>6/4/21</a:t>
+              <a:t>6/5/21</a:t>
             </a:fld>
             <a:endParaRPr lang="en-US"/>
           </a:p>
@@ -1403,7 +1416,7 @@
           <a:p>
             <a:fld id="{BE5295ED-3BAF-1140-8495-3D368771D6B1}" type="datetimeFigureOut">
               <a:rPr lang="en-US" smtClean="0"/>
-              <a:t>6/4/21</a:t>
+              <a:t>6/5/21</a:t>
             </a:fld>
             <a:endParaRPr lang="en-US"/>
           </a:p>
@@ -1678,7 +1691,7 @@
           <a:p>
             <a:fld id="{BE5295ED-3BAF-1140-8495-3D368771D6B1}" type="datetimeFigureOut">
               <a:rPr lang="en-US" smtClean="0"/>
-              <a:t>6/4/21</a:t>
+              <a:t>6/5/21</a:t>
             </a:fld>
             <a:endParaRPr lang="en-US"/>
           </a:p>
@@ -1943,7 +1956,7 @@
           <a:p>
             <a:fld id="{BE5295ED-3BAF-1140-8495-3D368771D6B1}" type="datetimeFigureOut">
               <a:rPr lang="en-US" smtClean="0"/>
-              <a:t>6/4/21</a:t>
+              <a:t>6/5/21</a:t>
             </a:fld>
             <a:endParaRPr lang="en-US"/>
           </a:p>
@@ -2355,7 +2368,7 @@
           <a:p>
             <a:fld id="{BE5295ED-3BAF-1140-8495-3D368771D6B1}" type="datetimeFigureOut">
               <a:rPr lang="en-US" smtClean="0"/>
-              <a:t>6/4/21</a:t>
+              <a:t>6/5/21</a:t>
             </a:fld>
             <a:endParaRPr lang="en-US"/>
           </a:p>
@@ -2496,7 +2509,7 @@
           <a:p>
             <a:fld id="{BE5295ED-3BAF-1140-8495-3D368771D6B1}" type="datetimeFigureOut">
               <a:rPr lang="en-US" smtClean="0"/>
-              <a:t>6/4/21</a:t>
+              <a:t>6/5/21</a:t>
             </a:fld>
             <a:endParaRPr lang="en-US"/>
           </a:p>
@@ -2609,7 +2622,7 @@
           <a:p>
             <a:fld id="{BE5295ED-3BAF-1140-8495-3D368771D6B1}" type="datetimeFigureOut">
               <a:rPr lang="en-US" smtClean="0"/>
-              <a:t>6/4/21</a:t>
+              <a:t>6/5/21</a:t>
             </a:fld>
             <a:endParaRPr lang="en-US"/>
           </a:p>
@@ -2920,7 +2933,7 @@
           <a:p>
             <a:fld id="{BE5295ED-3BAF-1140-8495-3D368771D6B1}" type="datetimeFigureOut">
               <a:rPr lang="en-US" smtClean="0"/>
-              <a:t>6/4/21</a:t>
+              <a:t>6/5/21</a:t>
             </a:fld>
             <a:endParaRPr lang="en-US"/>
           </a:p>
@@ -3211,7 +3224,7 @@
           <a:p>
             <a:fld id="{BE5295ED-3BAF-1140-8495-3D368771D6B1}" type="datetimeFigureOut">
               <a:rPr lang="en-US" smtClean="0"/>
-              <a:t>6/4/21</a:t>
+              <a:t>6/5/21</a:t>
             </a:fld>
             <a:endParaRPr lang="en-US"/>
           </a:p>
@@ -3452,7 +3465,7 @@
           <a:p>
             <a:fld id="{BE5295ED-3BAF-1140-8495-3D368771D6B1}" type="datetimeFigureOut">
               <a:rPr lang="en-US" smtClean="0"/>
-              <a:t>6/4/21</a:t>
+              <a:t>6/5/21</a:t>
             </a:fld>
             <a:endParaRPr lang="en-US"/>
           </a:p>
@@ -4047,6 +4060,359 @@
           <p:cNvPr id="2" name="Title 1">
             <a:extLst>
               <a:ext uri="{FF2B5EF4-FFF2-40B4-BE49-F238E27FC236}">
+                <a16:creationId xmlns:a16="http://schemas.microsoft.com/office/drawing/2014/main" id="{A1C2C7C8-837B-8140-8657-3A67CD67D5F3}"/>
+              </a:ext>
+            </a:extLst>
+          </p:cNvPr>
+          <p:cNvSpPr>
+            <a:spLocks noGrp="1"/>
+          </p:cNvSpPr>
+          <p:nvPr>
+            <p:ph type="title"/>
+          </p:nvPr>
+        </p:nvSpPr>
+        <p:spPr/>
+        <p:txBody>
+          <a:bodyPr/>
+          <a:lstStyle/>
+          <a:p>
+            <a:r>
+              <a:rPr lang="en-US" dirty="0"/>
+              <a:t>Map</a:t>
+            </a:r>
+          </a:p>
+        </p:txBody>
+      </p:sp>
+      <p:sp>
+        <p:nvSpPr>
+          <p:cNvPr id="3" name="Content Placeholder 2">
+            <a:extLst>
+              <a:ext uri="{FF2B5EF4-FFF2-40B4-BE49-F238E27FC236}">
+                <a16:creationId xmlns:a16="http://schemas.microsoft.com/office/drawing/2014/main" id="{167E26A4-A07F-554F-A3A6-BC669A282D21}"/>
+              </a:ext>
+            </a:extLst>
+          </p:cNvPr>
+          <p:cNvSpPr>
+            <a:spLocks noGrp="1"/>
+          </p:cNvSpPr>
+          <p:nvPr>
+            <p:ph idx="1"/>
+          </p:nvPr>
+        </p:nvSpPr>
+        <p:spPr/>
+        <p:txBody>
+          <a:bodyPr/>
+          <a:lstStyle/>
+          <a:p>
+            <a:r>
+              <a:rPr lang="en-US" dirty="0"/>
+              <a:t>A very common operation </a:t>
+            </a:r>
+            <a:r>
+              <a:rPr lang="en-US" i="1" dirty="0"/>
+              <a:t>maps</a:t>
+            </a:r>
+            <a:r>
+              <a:rPr lang="en-US" dirty="0"/>
+              <a:t> one sequence to another, applying an operator or function to each element</a:t>
+            </a:r>
+          </a:p>
+          <a:p>
+            <a:r>
+              <a:rPr lang="en-US" dirty="0"/>
+              <a:t>It's like using a spreadsheet to create a new column containing some product unit price discounted by 5%</a:t>
+            </a:r>
+          </a:p>
+        </p:txBody>
+      </p:sp>
+      <p:sp>
+        <p:nvSpPr>
+          <p:cNvPr id="4" name="TextBox 3">
+            <a:extLst>
+              <a:ext uri="{FF2B5EF4-FFF2-40B4-BE49-F238E27FC236}">
+                <a16:creationId xmlns:a16="http://schemas.microsoft.com/office/drawing/2014/main" id="{C041ABE0-2559-D048-9DFD-E27ECFFF4B75}"/>
+              </a:ext>
+            </a:extLst>
+          </p:cNvPr>
+          <p:cNvSpPr txBox="1"/>
+          <p:nvPr/>
+        </p:nvSpPr>
+        <p:spPr>
+          <a:xfrm>
+            <a:off x="1103243" y="3757355"/>
+            <a:ext cx="5968301" cy="2554545"/>
+          </a:xfrm>
+          <a:prstGeom prst="rect">
+            <a:avLst/>
+          </a:prstGeom>
+          <a:noFill/>
+        </p:spPr>
+        <p:txBody>
+          <a:bodyPr wrap="none" rtlCol="0">
+            <a:spAutoFit/>
+          </a:bodyPr>
+          <a:lstStyle/>
+          <a:p>
+            <a:r>
+              <a:rPr lang="en-US" sz="2000" dirty="0" err="1">
+                <a:latin typeface="Consolas" panose="020B0609020204030204" pitchFamily="49" charset="0"/>
+                <a:cs typeface="Consolas" panose="020B0609020204030204" pitchFamily="49" charset="0"/>
+              </a:rPr>
+              <a:t>UnitPrice</a:t>
+            </a:r>
+            <a:r>
+              <a:rPr lang="en-US" sz="2000" dirty="0">
+                <a:latin typeface="Consolas" panose="020B0609020204030204" pitchFamily="49" charset="0"/>
+                <a:cs typeface="Consolas" panose="020B0609020204030204" pitchFamily="49" charset="0"/>
+              </a:rPr>
+              <a:t> = [38.94, 208.16, 8.69, 195.99]</a:t>
+            </a:r>
+          </a:p>
+          <a:p>
+            <a:br>
+              <a:rPr lang="en-US" sz="2000" dirty="0">
+                <a:latin typeface="Consolas" panose="020B0609020204030204" pitchFamily="49" charset="0"/>
+                <a:cs typeface="Consolas" panose="020B0609020204030204" pitchFamily="49" charset="0"/>
+              </a:rPr>
+            </a:br>
+            <a:r>
+              <a:rPr lang="en-US" sz="2000" dirty="0">
+                <a:latin typeface="Consolas" panose="020B0609020204030204" pitchFamily="49" charset="0"/>
+                <a:cs typeface="Consolas" panose="020B0609020204030204" pitchFamily="49" charset="0"/>
+              </a:rPr>
+              <a:t>discounted = [] # empty list</a:t>
+            </a:r>
+          </a:p>
+          <a:p>
+            <a:r>
+              <a:rPr lang="en-US" sz="2000" dirty="0">
+                <a:latin typeface="Consolas" panose="020B0609020204030204" pitchFamily="49" charset="0"/>
+                <a:cs typeface="Consolas" panose="020B0609020204030204" pitchFamily="49" charset="0"/>
+              </a:rPr>
+              <a:t>for price in </a:t>
+            </a:r>
+            <a:r>
+              <a:rPr lang="en-US" sz="2000" dirty="0" err="1">
+                <a:latin typeface="Consolas" panose="020B0609020204030204" pitchFamily="49" charset="0"/>
+                <a:cs typeface="Consolas" panose="020B0609020204030204" pitchFamily="49" charset="0"/>
+              </a:rPr>
+              <a:t>UnitPrice</a:t>
+            </a:r>
+            <a:r>
+              <a:rPr lang="en-US" sz="2000" dirty="0">
+                <a:latin typeface="Consolas" panose="020B0609020204030204" pitchFamily="49" charset="0"/>
+                <a:cs typeface="Consolas" panose="020B0609020204030204" pitchFamily="49" charset="0"/>
+              </a:rPr>
+              <a:t>:</a:t>
+            </a:r>
+          </a:p>
+          <a:p>
+            <a:r>
+              <a:rPr lang="en-US" sz="2000" dirty="0">
+                <a:latin typeface="Consolas" panose="020B0609020204030204" pitchFamily="49" charset="0"/>
+                <a:cs typeface="Consolas" panose="020B0609020204030204" pitchFamily="49" charset="0"/>
+              </a:rPr>
+              <a:t>    </a:t>
+            </a:r>
+            <a:r>
+              <a:rPr lang="en-US" sz="2000" dirty="0" err="1">
+                <a:latin typeface="Consolas" panose="020B0609020204030204" pitchFamily="49" charset="0"/>
+                <a:cs typeface="Consolas" panose="020B0609020204030204" pitchFamily="49" charset="0"/>
+              </a:rPr>
+              <a:t>discounted.append</a:t>
+            </a:r>
+            <a:r>
+              <a:rPr lang="en-US" sz="2000" dirty="0">
+                <a:latin typeface="Consolas" panose="020B0609020204030204" pitchFamily="49" charset="0"/>
+                <a:cs typeface="Consolas" panose="020B0609020204030204" pitchFamily="49" charset="0"/>
+              </a:rPr>
+              <a:t>(price * 0.95)</a:t>
+            </a:r>
+          </a:p>
+          <a:p>
+            <a:endParaRPr lang="en-US" sz="2000" dirty="0">
+              <a:latin typeface="Consolas" panose="020B0609020204030204" pitchFamily="49" charset="0"/>
+              <a:cs typeface="Consolas" panose="020B0609020204030204" pitchFamily="49" charset="0"/>
+            </a:endParaRPr>
+          </a:p>
+          <a:p>
+            <a:r>
+              <a:rPr lang="en-US" sz="2000" dirty="0">
+                <a:latin typeface="Consolas" panose="020B0609020204030204" pitchFamily="49" charset="0"/>
+                <a:cs typeface="Consolas" panose="020B0609020204030204" pitchFamily="49" charset="0"/>
+              </a:rPr>
+              <a:t># list comprehension shines here!!</a:t>
+            </a:r>
+          </a:p>
+          <a:p>
+            <a:r>
+              <a:rPr lang="en-US" sz="2000" dirty="0">
+                <a:latin typeface="Consolas" panose="020B0609020204030204" pitchFamily="49" charset="0"/>
+                <a:cs typeface="Consolas" panose="020B0609020204030204" pitchFamily="49" charset="0"/>
+              </a:rPr>
+              <a:t>discounted = [p*0.95 for p in </a:t>
+            </a:r>
+            <a:r>
+              <a:rPr lang="en-US" sz="2000" dirty="0" err="1">
+                <a:latin typeface="Consolas" panose="020B0609020204030204" pitchFamily="49" charset="0"/>
+                <a:cs typeface="Consolas" panose="020B0609020204030204" pitchFamily="49" charset="0"/>
+              </a:rPr>
+              <a:t>UnitPrice</a:t>
+            </a:r>
+            <a:r>
+              <a:rPr lang="en-US" sz="2000" dirty="0">
+                <a:latin typeface="Consolas" panose="020B0609020204030204" pitchFamily="49" charset="0"/>
+                <a:cs typeface="Consolas" panose="020B0609020204030204" pitchFamily="49" charset="0"/>
+              </a:rPr>
+              <a:t>]</a:t>
+            </a:r>
+          </a:p>
+        </p:txBody>
+      </p:sp>
+      <p:pic>
+        <p:nvPicPr>
+          <p:cNvPr id="6" name="Picture 5">
+            <a:extLst>
+              <a:ext uri="{FF2B5EF4-FFF2-40B4-BE49-F238E27FC236}">
+                <a16:creationId xmlns:a16="http://schemas.microsoft.com/office/drawing/2014/main" id="{B22F27FC-411C-6B43-B250-1762BECEAD5C}"/>
+              </a:ext>
+            </a:extLst>
+          </p:cNvPr>
+          <p:cNvPicPr>
+            <a:picLocks noChangeAspect="1"/>
+          </p:cNvPicPr>
+          <p:nvPr/>
+        </p:nvPicPr>
+        <p:blipFill>
+          <a:blip r:embed="rId2"/>
+          <a:stretch>
+            <a:fillRect/>
+          </a:stretch>
+        </p:blipFill>
+        <p:spPr>
+          <a:xfrm>
+            <a:off x="8062843" y="-67504"/>
+            <a:ext cx="4053946" cy="1940719"/>
+          </a:xfrm>
+          <a:prstGeom prst="rect">
+            <a:avLst/>
+          </a:prstGeom>
+        </p:spPr>
+      </p:pic>
+      <p:sp>
+        <p:nvSpPr>
+          <p:cNvPr id="7" name="TextBox 6">
+            <a:extLst>
+              <a:ext uri="{FF2B5EF4-FFF2-40B4-BE49-F238E27FC236}">
+                <a16:creationId xmlns:a16="http://schemas.microsoft.com/office/drawing/2014/main" id="{9B9EF68A-E50F-4B46-A1DD-F11241D55FE6}"/>
+              </a:ext>
+            </a:extLst>
+          </p:cNvPr>
+          <p:cNvSpPr txBox="1"/>
+          <p:nvPr/>
+        </p:nvSpPr>
+        <p:spPr>
+          <a:xfrm>
+            <a:off x="0" y="6492875"/>
+            <a:ext cx="2813591" cy="369332"/>
+          </a:xfrm>
+          <a:prstGeom prst="rect">
+            <a:avLst/>
+          </a:prstGeom>
+          <a:noFill/>
+        </p:spPr>
+        <p:txBody>
+          <a:bodyPr wrap="none" rtlCol="0">
+            <a:spAutoFit/>
+          </a:bodyPr>
+          <a:lstStyle/>
+          <a:p>
+            <a:r>
+              <a:rPr lang="en-US" dirty="0">
+                <a:hlinkClick r:id="rId3"/>
+              </a:rPr>
+              <a:t>Experiment in </a:t>
+            </a:r>
+            <a:r>
+              <a:rPr lang="en-US" dirty="0" err="1">
+                <a:hlinkClick r:id="rId3"/>
+              </a:rPr>
+              <a:t>pythontutor</a:t>
+            </a:r>
+            <a:endParaRPr lang="en-US" dirty="0"/>
+          </a:p>
+        </p:txBody>
+      </p:sp>
+      <p:sp>
+        <p:nvSpPr>
+          <p:cNvPr id="8" name="TextBox 7">
+            <a:extLst>
+              <a:ext uri="{FF2B5EF4-FFF2-40B4-BE49-F238E27FC236}">
+                <a16:creationId xmlns:a16="http://schemas.microsoft.com/office/drawing/2014/main" id="{454516A2-C816-6F49-ADE9-2F4860CB6F4B}"/>
+              </a:ext>
+            </a:extLst>
+          </p:cNvPr>
+          <p:cNvSpPr txBox="1"/>
+          <p:nvPr/>
+        </p:nvSpPr>
+        <p:spPr>
+          <a:xfrm>
+            <a:off x="8310673" y="4018964"/>
+            <a:ext cx="3099449" cy="1015663"/>
+          </a:xfrm>
+          <a:prstGeom prst="rect">
+            <a:avLst/>
+          </a:prstGeom>
+          <a:noFill/>
+        </p:spPr>
+        <p:txBody>
+          <a:bodyPr wrap="square" rtlCol="0">
+            <a:spAutoFit/>
+          </a:bodyPr>
+          <a:lstStyle/>
+          <a:p>
+            <a:r>
+              <a:rPr lang="en-US" sz="2000" dirty="0"/>
+              <a:t>Be able to reverse this, going from code to pattern!</a:t>
+            </a:r>
+          </a:p>
+        </p:txBody>
+      </p:sp>
+    </p:spTree>
+    <p:extLst>
+      <p:ext uri="{BB962C8B-B14F-4D97-AF65-F5344CB8AC3E}">
+        <p14:creationId xmlns:p14="http://schemas.microsoft.com/office/powerpoint/2010/main" val="3193159742"/>
+      </p:ext>
+    </p:extLst>
+  </p:cSld>
+  <p:clrMapOvr>
+    <a:masterClrMapping/>
+  </p:clrMapOvr>
+</p:sld>
+</file>
+
+<file path=ppt/slides/slide11.xml><?xml version="1.0" encoding="utf-8"?>
+<p:sld xmlns:a="http://schemas.openxmlformats.org/drawingml/2006/main" xmlns:r="http://schemas.openxmlformats.org/officeDocument/2006/relationships" xmlns:p="http://schemas.openxmlformats.org/presentationml/2006/main">
+  <p:cSld>
+    <p:spTree>
+      <p:nvGrpSpPr>
+        <p:cNvPr id="1" name=""/>
+        <p:cNvGrpSpPr/>
+        <p:nvPr/>
+      </p:nvGrpSpPr>
+      <p:grpSpPr>
+        <a:xfrm>
+          <a:off x="0" y="0"/>
+          <a:ext cx="0" cy="0"/>
+          <a:chOff x="0" y="0"/>
+          <a:chExt cx="0" cy="0"/>
+        </a:xfrm>
+      </p:grpSpPr>
+      <p:sp>
+        <p:nvSpPr>
+          <p:cNvPr id="2" name="Title 1">
+            <a:extLst>
+              <a:ext uri="{FF2B5EF4-FFF2-40B4-BE49-F238E27FC236}">
                 <a16:creationId xmlns:a16="http://schemas.microsoft.com/office/drawing/2014/main" id="{B06851FF-B91E-0E4D-BA4B-423822733F53}"/>
               </a:ext>
             </a:extLst>
@@ -4565,468 +4931,6 @@
 </p:sld>
 </file>
 
-<file path=ppt/slides/slide11.xml><?xml version="1.0" encoding="utf-8"?>
-<p:sld xmlns:a="http://schemas.openxmlformats.org/drawingml/2006/main" xmlns:r="http://schemas.openxmlformats.org/officeDocument/2006/relationships" xmlns:p="http://schemas.openxmlformats.org/presentationml/2006/main">
-  <p:cSld>
-    <p:spTree>
-      <p:nvGrpSpPr>
-        <p:cNvPr id="1" name=""/>
-        <p:cNvGrpSpPr/>
-        <p:nvPr/>
-      </p:nvGrpSpPr>
-      <p:grpSpPr>
-        <a:xfrm>
-          <a:off x="0" y="0"/>
-          <a:ext cx="0" cy="0"/>
-          <a:chOff x="0" y="0"/>
-          <a:chExt cx="0" cy="0"/>
-        </a:xfrm>
-      </p:grpSpPr>
-      <p:sp>
-        <p:nvSpPr>
-          <p:cNvPr id="2" name="Title 1">
-            <a:extLst>
-              <a:ext uri="{FF2B5EF4-FFF2-40B4-BE49-F238E27FC236}">
-                <a16:creationId xmlns:a16="http://schemas.microsoft.com/office/drawing/2014/main" id="{1ADB2C40-C55C-1540-98C3-15D4C59BA925}"/>
-              </a:ext>
-            </a:extLst>
-          </p:cNvPr>
-          <p:cNvSpPr>
-            <a:spLocks noGrp="1"/>
-          </p:cNvSpPr>
-          <p:nvPr>
-            <p:ph type="title"/>
-          </p:nvPr>
-        </p:nvSpPr>
-        <p:spPr>
-          <a:xfrm>
-            <a:off x="838200" y="365126"/>
-            <a:ext cx="10515600" cy="614928"/>
-          </a:xfrm>
-        </p:spPr>
-        <p:txBody>
-          <a:bodyPr>
-            <a:normAutofit fontScale="90000"/>
-          </a:bodyPr>
-          <a:lstStyle/>
-          <a:p>
-            <a:r>
-              <a:rPr lang="en-US" dirty="0"/>
-              <a:t>Split</a:t>
-            </a:r>
-          </a:p>
-        </p:txBody>
-      </p:sp>
-      <p:sp>
-        <p:nvSpPr>
-          <p:cNvPr id="3" name="Content Placeholder 2">
-            <a:extLst>
-              <a:ext uri="{FF2B5EF4-FFF2-40B4-BE49-F238E27FC236}">
-                <a16:creationId xmlns:a16="http://schemas.microsoft.com/office/drawing/2014/main" id="{F8DA4FD9-F7CF-5749-AEDD-936BB073C96A}"/>
-              </a:ext>
-            </a:extLst>
-          </p:cNvPr>
-          <p:cNvSpPr>
-            <a:spLocks noGrp="1"/>
-          </p:cNvSpPr>
-          <p:nvPr>
-            <p:ph idx="1"/>
-          </p:nvPr>
-        </p:nvSpPr>
-        <p:spPr>
-          <a:xfrm>
-            <a:off x="838200" y="1212574"/>
-            <a:ext cx="10515600" cy="4964389"/>
-          </a:xfrm>
-        </p:spPr>
-        <p:txBody>
-          <a:bodyPr/>
-          <a:lstStyle/>
-          <a:p>
-            <a:r>
-              <a:rPr lang="en-US" dirty="0"/>
-              <a:t>The opposite of combining is splitting where we split a stream into two or more new streams</a:t>
-            </a:r>
-          </a:p>
-          <a:p>
-            <a:r>
-              <a:rPr lang="en-US" dirty="0"/>
-              <a:t>Example: split list of full names into their first and last names</a:t>
-            </a:r>
-          </a:p>
-        </p:txBody>
-      </p:sp>
-      <p:pic>
-        <p:nvPicPr>
-          <p:cNvPr id="1026" name="Picture 2">
-            <a:extLst>
-              <a:ext uri="{FF2B5EF4-FFF2-40B4-BE49-F238E27FC236}">
-                <a16:creationId xmlns:a16="http://schemas.microsoft.com/office/drawing/2014/main" id="{1DB79D85-B4E6-2B4A-8EF8-967A041B11A1}"/>
-              </a:ext>
-            </a:extLst>
-          </p:cNvPr>
-          <p:cNvPicPr>
-            <a:picLocks noChangeAspect="1" noChangeArrowheads="1"/>
-          </p:cNvPicPr>
-          <p:nvPr/>
-        </p:nvPicPr>
-        <p:blipFill>
-          <a:blip r:embed="rId2">
-            <a:extLst>
-              <a:ext uri="{28A0092B-C50C-407E-A947-70E740481C1C}">
-                <a14:useLocalDpi xmlns:a14="http://schemas.microsoft.com/office/drawing/2010/main" val="0"/>
-              </a:ext>
-            </a:extLst>
-          </a:blip>
-          <a:srcRect/>
-          <a:stretch>
-            <a:fillRect/>
-          </a:stretch>
-        </p:blipFill>
-        <p:spPr bwMode="auto">
-          <a:xfrm>
-            <a:off x="7424489" y="4037444"/>
-            <a:ext cx="2530413" cy="1694473"/>
-          </a:xfrm>
-          <a:prstGeom prst="rect">
-            <a:avLst/>
-          </a:prstGeom>
-          <a:noFill/>
-          <a:extLst>
-            <a:ext uri="{909E8E84-426E-40DD-AFC4-6F175D3DCCD1}">
-              <a14:hiddenFill xmlns:a14="http://schemas.microsoft.com/office/drawing/2010/main">
-                <a:solidFill>
-                  <a:srgbClr val="FFFFFF"/>
-                </a:solidFill>
-              </a14:hiddenFill>
-            </a:ext>
-          </a:extLst>
-        </p:spPr>
-      </p:pic>
-      <p:pic>
-        <p:nvPicPr>
-          <p:cNvPr id="1028" name="Picture 4">
-            <a:extLst>
-              <a:ext uri="{FF2B5EF4-FFF2-40B4-BE49-F238E27FC236}">
-                <a16:creationId xmlns:a16="http://schemas.microsoft.com/office/drawing/2014/main" id="{171500BA-73F7-0E47-9E14-78D0518FA552}"/>
-              </a:ext>
-            </a:extLst>
-          </p:cNvPr>
-          <p:cNvPicPr>
-            <a:picLocks noChangeAspect="1" noChangeArrowheads="1"/>
-          </p:cNvPicPr>
-          <p:nvPr/>
-        </p:nvPicPr>
-        <p:blipFill>
-          <a:blip r:embed="rId3">
-            <a:extLst>
-              <a:ext uri="{28A0092B-C50C-407E-A947-70E740481C1C}">
-                <a14:useLocalDpi xmlns:a14="http://schemas.microsoft.com/office/drawing/2010/main" val="0"/>
-              </a:ext>
-            </a:extLst>
-          </a:blip>
-          <a:srcRect/>
-          <a:stretch>
-            <a:fillRect/>
-          </a:stretch>
-        </p:blipFill>
-        <p:spPr bwMode="auto">
-          <a:xfrm>
-            <a:off x="10133359" y="4037444"/>
-            <a:ext cx="1788341" cy="1906998"/>
-          </a:xfrm>
-          <a:prstGeom prst="rect">
-            <a:avLst/>
-          </a:prstGeom>
-          <a:noFill/>
-          <a:extLst>
-            <a:ext uri="{909E8E84-426E-40DD-AFC4-6F175D3DCCD1}">
-              <a14:hiddenFill xmlns:a14="http://schemas.microsoft.com/office/drawing/2010/main">
-                <a:solidFill>
-                  <a:srgbClr val="FFFFFF"/>
-                </a:solidFill>
-              </a14:hiddenFill>
-            </a:ext>
-          </a:extLst>
-        </p:spPr>
-      </p:pic>
-      <p:sp>
-        <p:nvSpPr>
-          <p:cNvPr id="4" name="TextBox 3">
-            <a:extLst>
-              <a:ext uri="{FF2B5EF4-FFF2-40B4-BE49-F238E27FC236}">
-                <a16:creationId xmlns:a16="http://schemas.microsoft.com/office/drawing/2014/main" id="{C56FAEEC-04DA-3946-93BB-674F474F4D36}"/>
-              </a:ext>
-            </a:extLst>
-          </p:cNvPr>
-          <p:cNvSpPr txBox="1"/>
-          <p:nvPr/>
-        </p:nvSpPr>
-        <p:spPr>
-          <a:xfrm>
-            <a:off x="0" y="6488668"/>
-            <a:ext cx="2813591" cy="369332"/>
-          </a:xfrm>
-          <a:prstGeom prst="rect">
-            <a:avLst/>
-          </a:prstGeom>
-          <a:noFill/>
-        </p:spPr>
-        <p:txBody>
-          <a:bodyPr wrap="none" rtlCol="0">
-            <a:spAutoFit/>
-          </a:bodyPr>
-          <a:lstStyle/>
-          <a:p>
-            <a:r>
-              <a:rPr lang="en-US" dirty="0">
-                <a:hlinkClick r:id="rId4"/>
-              </a:rPr>
-              <a:t>Experiment in </a:t>
-            </a:r>
-            <a:r>
-              <a:rPr lang="en-US" dirty="0" err="1">
-                <a:hlinkClick r:id="rId4"/>
-              </a:rPr>
-              <a:t>pythontutor</a:t>
-            </a:r>
-            <a:endParaRPr lang="en-US" dirty="0"/>
-          </a:p>
-        </p:txBody>
-      </p:sp>
-      <p:sp>
-        <p:nvSpPr>
-          <p:cNvPr id="5" name="TextBox 4">
-            <a:extLst>
-              <a:ext uri="{FF2B5EF4-FFF2-40B4-BE49-F238E27FC236}">
-                <a16:creationId xmlns:a16="http://schemas.microsoft.com/office/drawing/2014/main" id="{9C937EFD-562A-C24D-82CF-876BF7D9AE4E}"/>
-              </a:ext>
-            </a:extLst>
-          </p:cNvPr>
-          <p:cNvSpPr txBox="1"/>
-          <p:nvPr/>
-        </p:nvSpPr>
-        <p:spPr>
-          <a:xfrm>
-            <a:off x="1061645" y="2854940"/>
-            <a:ext cx="9071714" cy="3477875"/>
-          </a:xfrm>
-          <a:prstGeom prst="rect">
-            <a:avLst/>
-          </a:prstGeom>
-          <a:noFill/>
-        </p:spPr>
-        <p:txBody>
-          <a:bodyPr wrap="none" rtlCol="0">
-            <a:spAutoFit/>
-          </a:bodyPr>
-          <a:lstStyle/>
-          <a:p>
-            <a:r>
-              <a:rPr lang="en-US" sz="2000" dirty="0">
-                <a:latin typeface="Consolas" panose="020B0609020204030204" pitchFamily="49" charset="0"/>
-                <a:cs typeface="Consolas" panose="020B0609020204030204" pitchFamily="49" charset="0"/>
-              </a:rPr>
-              <a:t>names = ['Terence Parr', 'Diane Woodbridge', '</a:t>
-            </a:r>
-            <a:r>
-              <a:rPr lang="en-US" sz="2000" dirty="0" err="1">
-                <a:latin typeface="Consolas" panose="020B0609020204030204" pitchFamily="49" charset="0"/>
-                <a:cs typeface="Consolas" panose="020B0609020204030204" pitchFamily="49" charset="0"/>
-              </a:rPr>
-              <a:t>Yannet</a:t>
-            </a:r>
-            <a:r>
-              <a:rPr lang="en-US" sz="2000" dirty="0">
-                <a:latin typeface="Consolas" panose="020B0609020204030204" pitchFamily="49" charset="0"/>
-                <a:cs typeface="Consolas" panose="020B0609020204030204" pitchFamily="49" charset="0"/>
-              </a:rPr>
-              <a:t> </a:t>
-            </a:r>
-            <a:r>
-              <a:rPr lang="en-US" sz="2000" dirty="0" err="1">
-                <a:latin typeface="Consolas" panose="020B0609020204030204" pitchFamily="49" charset="0"/>
-                <a:cs typeface="Consolas" panose="020B0609020204030204" pitchFamily="49" charset="0"/>
-              </a:rPr>
-              <a:t>Interian</a:t>
-            </a:r>
-            <a:r>
-              <a:rPr lang="en-US" sz="2000" dirty="0">
-                <a:latin typeface="Consolas" panose="020B0609020204030204" pitchFamily="49" charset="0"/>
-                <a:cs typeface="Consolas" panose="020B0609020204030204" pitchFamily="49" charset="0"/>
-              </a:rPr>
-              <a:t>']</a:t>
-            </a:r>
-          </a:p>
-          <a:p>
-            <a:r>
-              <a:rPr lang="en-US" sz="2000" dirty="0">
-                <a:latin typeface="Consolas" panose="020B0609020204030204" pitchFamily="49" charset="0"/>
-                <a:cs typeface="Consolas" panose="020B0609020204030204" pitchFamily="49" charset="0"/>
-              </a:rPr>
-              <a:t>for name in names:</a:t>
-            </a:r>
-          </a:p>
-          <a:p>
-            <a:r>
-              <a:rPr lang="en-US" sz="2000" dirty="0">
-                <a:latin typeface="Consolas" panose="020B0609020204030204" pitchFamily="49" charset="0"/>
-                <a:cs typeface="Consolas" panose="020B0609020204030204" pitchFamily="49" charset="0"/>
-              </a:rPr>
-              <a:t>    print(</a:t>
-            </a:r>
-            <a:r>
-              <a:rPr lang="en-US" sz="2000" dirty="0" err="1">
-                <a:latin typeface="Consolas" panose="020B0609020204030204" pitchFamily="49" charset="0"/>
-                <a:cs typeface="Consolas" panose="020B0609020204030204" pitchFamily="49" charset="0"/>
-              </a:rPr>
-              <a:t>name.split</a:t>
-            </a:r>
-            <a:r>
-              <a:rPr lang="en-US" sz="2000" dirty="0">
-                <a:latin typeface="Consolas" panose="020B0609020204030204" pitchFamily="49" charset="0"/>
-                <a:cs typeface="Consolas" panose="020B0609020204030204" pitchFamily="49" charset="0"/>
-              </a:rPr>
-              <a:t>())</a:t>
-            </a:r>
-          </a:p>
-          <a:p>
-            <a:endParaRPr lang="en-US" sz="2000" dirty="0">
-              <a:latin typeface="Consolas" panose="020B0609020204030204" pitchFamily="49" charset="0"/>
-              <a:cs typeface="Consolas" panose="020B0609020204030204" pitchFamily="49" charset="0"/>
-            </a:endParaRPr>
-          </a:p>
-          <a:p>
-            <a:r>
-              <a:rPr lang="en-US" sz="2000" dirty="0">
-                <a:latin typeface="Consolas" panose="020B0609020204030204" pitchFamily="49" charset="0"/>
-                <a:cs typeface="Consolas" panose="020B0609020204030204" pitchFamily="49" charset="0"/>
-              </a:rPr>
-              <a:t>first = []</a:t>
-            </a:r>
-          </a:p>
-          <a:p>
-            <a:r>
-              <a:rPr lang="en-US" sz="2000" dirty="0">
-                <a:latin typeface="Consolas" panose="020B0609020204030204" pitchFamily="49" charset="0"/>
-                <a:cs typeface="Consolas" panose="020B0609020204030204" pitchFamily="49" charset="0"/>
-              </a:rPr>
-              <a:t>last = []</a:t>
-            </a:r>
-          </a:p>
-          <a:p>
-            <a:r>
-              <a:rPr lang="en-US" sz="2000" dirty="0">
-                <a:latin typeface="Consolas" panose="020B0609020204030204" pitchFamily="49" charset="0"/>
-                <a:cs typeface="Consolas" panose="020B0609020204030204" pitchFamily="49" charset="0"/>
-              </a:rPr>
-              <a:t>for name in names:</a:t>
-            </a:r>
-          </a:p>
-          <a:p>
-            <a:r>
-              <a:rPr lang="en-US" sz="2000" dirty="0">
-                <a:latin typeface="Consolas" panose="020B0609020204030204" pitchFamily="49" charset="0"/>
-                <a:cs typeface="Consolas" panose="020B0609020204030204" pitchFamily="49" charset="0"/>
-              </a:rPr>
-              <a:t>    </a:t>
-            </a:r>
-            <a:r>
-              <a:rPr lang="en-US" sz="2000" dirty="0" err="1">
-                <a:latin typeface="Consolas" panose="020B0609020204030204" pitchFamily="49" charset="0"/>
-                <a:cs typeface="Consolas" panose="020B0609020204030204" pitchFamily="49" charset="0"/>
-              </a:rPr>
-              <a:t>f,l</a:t>
-            </a:r>
-            <a:r>
-              <a:rPr lang="en-US" sz="2000" dirty="0">
-                <a:latin typeface="Consolas" panose="020B0609020204030204" pitchFamily="49" charset="0"/>
-                <a:cs typeface="Consolas" panose="020B0609020204030204" pitchFamily="49" charset="0"/>
-              </a:rPr>
-              <a:t> = </a:t>
-            </a:r>
-            <a:r>
-              <a:rPr lang="en-US" sz="2000" dirty="0" err="1">
-                <a:latin typeface="Consolas" panose="020B0609020204030204" pitchFamily="49" charset="0"/>
-                <a:cs typeface="Consolas" panose="020B0609020204030204" pitchFamily="49" charset="0"/>
-              </a:rPr>
-              <a:t>name.split</a:t>
-            </a:r>
-            <a:r>
-              <a:rPr lang="en-US" sz="2000" dirty="0">
-                <a:latin typeface="Consolas" panose="020B0609020204030204" pitchFamily="49" charset="0"/>
-                <a:cs typeface="Consolas" panose="020B0609020204030204" pitchFamily="49" charset="0"/>
-              </a:rPr>
-              <a:t>()</a:t>
-            </a:r>
-          </a:p>
-          <a:p>
-            <a:r>
-              <a:rPr lang="en-US" sz="2000" dirty="0">
-                <a:latin typeface="Consolas" panose="020B0609020204030204" pitchFamily="49" charset="0"/>
-                <a:cs typeface="Consolas" panose="020B0609020204030204" pitchFamily="49" charset="0"/>
-              </a:rPr>
-              <a:t>    </a:t>
-            </a:r>
-            <a:r>
-              <a:rPr lang="en-US" sz="2000" dirty="0" err="1">
-                <a:latin typeface="Consolas" panose="020B0609020204030204" pitchFamily="49" charset="0"/>
-                <a:cs typeface="Consolas" panose="020B0609020204030204" pitchFamily="49" charset="0"/>
-              </a:rPr>
-              <a:t>first.append</a:t>
-            </a:r>
-            <a:r>
-              <a:rPr lang="en-US" sz="2000" dirty="0">
-                <a:latin typeface="Consolas" panose="020B0609020204030204" pitchFamily="49" charset="0"/>
-                <a:cs typeface="Consolas" panose="020B0609020204030204" pitchFamily="49" charset="0"/>
-              </a:rPr>
-              <a:t>(f)</a:t>
-            </a:r>
-          </a:p>
-          <a:p>
-            <a:r>
-              <a:rPr lang="en-US" sz="2000" dirty="0">
-                <a:latin typeface="Consolas" panose="020B0609020204030204" pitchFamily="49" charset="0"/>
-                <a:cs typeface="Consolas" panose="020B0609020204030204" pitchFamily="49" charset="0"/>
-              </a:rPr>
-              <a:t>    </a:t>
-            </a:r>
-            <a:r>
-              <a:rPr lang="en-US" sz="2000" dirty="0" err="1">
-                <a:latin typeface="Consolas" panose="020B0609020204030204" pitchFamily="49" charset="0"/>
-                <a:cs typeface="Consolas" panose="020B0609020204030204" pitchFamily="49" charset="0"/>
-              </a:rPr>
-              <a:t>last.append</a:t>
-            </a:r>
-            <a:r>
-              <a:rPr lang="en-US" sz="2000" dirty="0">
-                <a:latin typeface="Consolas" panose="020B0609020204030204" pitchFamily="49" charset="0"/>
-                <a:cs typeface="Consolas" panose="020B0609020204030204" pitchFamily="49" charset="0"/>
-              </a:rPr>
-              <a:t>(l)</a:t>
-            </a:r>
-          </a:p>
-          <a:p>
-            <a:endParaRPr lang="en-US" sz="2000" dirty="0">
-              <a:latin typeface="Consolas" panose="020B0609020204030204" pitchFamily="49" charset="0"/>
-              <a:cs typeface="Consolas" panose="020B0609020204030204" pitchFamily="49" charset="0"/>
-            </a:endParaRPr>
-          </a:p>
-        </p:txBody>
-      </p:sp>
-    </p:spTree>
-    <p:extLst>
-      <p:ext uri="{BB962C8B-B14F-4D97-AF65-F5344CB8AC3E}">
-        <p14:creationId xmlns:p14="http://schemas.microsoft.com/office/powerpoint/2010/main" val="4053085584"/>
-      </p:ext>
-    </p:extLst>
-  </p:cSld>
-  <p:clrMapOvr>
-    <a:masterClrMapping/>
-  </p:clrMapOvr>
-</p:sld>
-</file>
-
 <file path=ppt/slides/slide12.xml><?xml version="1.0" encoding="utf-8"?>
 <p:sld xmlns:a="http://schemas.openxmlformats.org/drawingml/2006/main" xmlns:r="http://schemas.openxmlformats.org/officeDocument/2006/relationships" xmlns:p="http://schemas.openxmlformats.org/presentationml/2006/main">
   <p:cSld>
@@ -5049,7 +4953,7 @@
           <p:cNvPr id="2" name="Title 1">
             <a:extLst>
               <a:ext uri="{FF2B5EF4-FFF2-40B4-BE49-F238E27FC236}">
-                <a16:creationId xmlns:a16="http://schemas.microsoft.com/office/drawing/2014/main" id="{C1D28A1B-2C67-A540-ACE7-7886108CFDF7}"/>
+                <a16:creationId xmlns:a16="http://schemas.microsoft.com/office/drawing/2014/main" id="{1ADB2C40-C55C-1540-98C3-15D4C59BA925}"/>
               </a:ext>
             </a:extLst>
           </p:cNvPr>
@@ -5060,14 +4964,21 @@
             <p:ph type="title"/>
           </p:nvPr>
         </p:nvSpPr>
-        <p:spPr/>
-        <p:txBody>
-          <a:bodyPr/>
+        <p:spPr>
+          <a:xfrm>
+            <a:off x="838200" y="365126"/>
+            <a:ext cx="10515600" cy="614928"/>
+          </a:xfrm>
+        </p:spPr>
+        <p:txBody>
+          <a:bodyPr>
+            <a:normAutofit fontScale="90000"/>
+          </a:bodyPr>
           <a:lstStyle/>
           <a:p>
             <a:r>
               <a:rPr lang="en-US" dirty="0"/>
-              <a:t>Slice</a:t>
+              <a:t>Split</a:t>
             </a:r>
           </a:p>
         </p:txBody>
@@ -5077,7 +4988,7 @@
           <p:cNvPr id="3" name="Content Placeholder 2">
             <a:extLst>
               <a:ext uri="{FF2B5EF4-FFF2-40B4-BE49-F238E27FC236}">
-                <a16:creationId xmlns:a16="http://schemas.microsoft.com/office/drawing/2014/main" id="{9208EBF0-6D21-3D48-BBB2-B8343D96DE87}"/>
+                <a16:creationId xmlns:a16="http://schemas.microsoft.com/office/drawing/2014/main" id="{F8DA4FD9-F7CF-5749-AEDD-936BB073C96A}"/>
               </a:ext>
             </a:extLst>
           </p:cNvPr>
@@ -5088,366 +4999,129 @@
             <p:ph idx="1"/>
           </p:nvPr>
         </p:nvSpPr>
-        <p:spPr/>
+        <p:spPr>
+          <a:xfrm>
+            <a:off x="838200" y="1212574"/>
+            <a:ext cx="10515600" cy="4964389"/>
+          </a:xfrm>
+        </p:spPr>
         <p:txBody>
           <a:bodyPr/>
           <a:lstStyle/>
           <a:p>
             <a:r>
               <a:rPr lang="en-US" dirty="0"/>
-              <a:t>Some operations yield subsets of the data, such as slice, which extracts a subset of a list (that fits in memory)</a:t>
+              <a:t>The opposite of combining is splitting where we split a stream into two or more new streams</a:t>
             </a:r>
           </a:p>
           <a:p>
             <a:r>
               <a:rPr lang="en-US" dirty="0"/>
-              <a:t>Syntax is </a:t>
-            </a:r>
-            <a:r>
-              <a:rPr lang="en-US" b="1" dirty="0"/>
-              <a:t>A[</a:t>
-            </a:r>
-            <a:r>
-              <a:rPr lang="en-US" b="1" dirty="0" err="1"/>
-              <a:t>begin:end</a:t>
-            </a:r>
-            <a:r>
-              <a:rPr lang="en-US" b="1" dirty="0"/>
-              <a:t>] </a:t>
-            </a:r>
-            <a:r>
-              <a:rPr lang="en-US" dirty="0"/>
-              <a:t>where </a:t>
-            </a:r>
-            <a:r>
-              <a:rPr lang="en-US" b="1" dirty="0"/>
-              <a:t>begin</a:t>
-            </a:r>
-            <a:r>
-              <a:rPr lang="en-US" dirty="0"/>
-              <a:t> is inclusive and </a:t>
-            </a:r>
-            <a:r>
-              <a:rPr lang="en-US" b="1" dirty="0"/>
-              <a:t>end</a:t>
-            </a:r>
-            <a:r>
-              <a:rPr lang="en-US" dirty="0"/>
-              <a:t> is not</a:t>
-            </a:r>
-          </a:p>
-          <a:p>
-            <a:endParaRPr lang="en-US" dirty="0"/>
-          </a:p>
-        </p:txBody>
-      </p:sp>
-      <p:sp>
-        <p:nvSpPr>
-          <p:cNvPr id="5" name="TextBox 4">
-            <a:extLst>
-              <a:ext uri="{FF2B5EF4-FFF2-40B4-BE49-F238E27FC236}">
-                <a16:creationId xmlns:a16="http://schemas.microsoft.com/office/drawing/2014/main" id="{3F28D277-1364-F84D-AA3E-90F8755C218F}"/>
-              </a:ext>
-            </a:extLst>
-          </p:cNvPr>
-          <p:cNvSpPr txBox="1"/>
+              <a:t>Example: split list of full names into their first and last names</a:t>
+            </a:r>
+          </a:p>
+        </p:txBody>
+      </p:sp>
+      <p:pic>
+        <p:nvPicPr>
+          <p:cNvPr id="1026" name="Picture 2">
+            <a:extLst>
+              <a:ext uri="{FF2B5EF4-FFF2-40B4-BE49-F238E27FC236}">
+                <a16:creationId xmlns:a16="http://schemas.microsoft.com/office/drawing/2014/main" id="{1DB79D85-B4E6-2B4A-8EF8-967A041B11A1}"/>
+              </a:ext>
+            </a:extLst>
+          </p:cNvPr>
+          <p:cNvPicPr>
+            <a:picLocks noChangeAspect="1" noChangeArrowheads="1"/>
+          </p:cNvPicPr>
           <p:nvPr/>
-        </p:nvSpPr>
-        <p:spPr>
-          <a:xfrm>
-            <a:off x="1867711" y="3570051"/>
-            <a:ext cx="4134465" cy="2554545"/>
+        </p:nvPicPr>
+        <p:blipFill>
+          <a:blip r:embed="rId2">
+            <a:extLst>
+              <a:ext uri="{28A0092B-C50C-407E-A947-70E740481C1C}">
+                <a14:useLocalDpi xmlns:a14="http://schemas.microsoft.com/office/drawing/2010/main" val="0"/>
+              </a:ext>
+            </a:extLst>
+          </a:blip>
+          <a:srcRect/>
+          <a:stretch>
+            <a:fillRect/>
+          </a:stretch>
+        </p:blipFill>
+        <p:spPr bwMode="auto">
+          <a:xfrm>
+            <a:off x="7424489" y="4037444"/>
+            <a:ext cx="2530413" cy="1694473"/>
           </a:xfrm>
           <a:prstGeom prst="rect">
             <a:avLst/>
           </a:prstGeom>
           <a:noFill/>
-        </p:spPr>
-        <p:txBody>
-          <a:bodyPr wrap="none" rtlCol="0">
-            <a:spAutoFit/>
-          </a:bodyPr>
-          <a:lstStyle/>
-          <a:p>
-            <a:r>
-              <a:rPr lang="en-US" sz="2000" dirty="0">
-                <a:latin typeface="Consolas" panose="020B0609020204030204" pitchFamily="49" charset="0"/>
-                <a:cs typeface="Consolas" panose="020B0609020204030204" pitchFamily="49" charset="0"/>
-              </a:rPr>
-              <a:t>names=['</a:t>
-            </a:r>
-            <a:r>
-              <a:rPr lang="en-US" sz="2000" dirty="0" err="1">
-                <a:latin typeface="Consolas" panose="020B0609020204030204" pitchFamily="49" charset="0"/>
-                <a:cs typeface="Consolas" panose="020B0609020204030204" pitchFamily="49" charset="0"/>
-              </a:rPr>
-              <a:t>Xue</a:t>
-            </a:r>
-            <a:r>
-              <a:rPr lang="en-US" sz="2000" dirty="0">
-                <a:latin typeface="Consolas" panose="020B0609020204030204" pitchFamily="49" charset="0"/>
-                <a:cs typeface="Consolas" panose="020B0609020204030204" pitchFamily="49" charset="0"/>
-              </a:rPr>
-              <a:t>', 'Mary', 'Bob']</a:t>
-            </a:r>
-          </a:p>
-          <a:p>
-            <a:r>
-              <a:rPr lang="en-US" sz="2000" dirty="0">
-                <a:latin typeface="Consolas" panose="020B0609020204030204" pitchFamily="49" charset="0"/>
-                <a:cs typeface="Consolas" panose="020B0609020204030204" pitchFamily="49" charset="0"/>
-              </a:rPr>
-              <a:t>print(names[0:1])</a:t>
-            </a:r>
-          </a:p>
-          <a:p>
-            <a:r>
-              <a:rPr lang="en-US" sz="2000" dirty="0">
-                <a:latin typeface="Consolas" panose="020B0609020204030204" pitchFamily="49" charset="0"/>
-                <a:cs typeface="Consolas" panose="020B0609020204030204" pitchFamily="49" charset="0"/>
-              </a:rPr>
-              <a:t>print(names[0:2])</a:t>
-            </a:r>
-          </a:p>
-          <a:p>
-            <a:r>
-              <a:rPr lang="en-US" sz="2000" dirty="0">
-                <a:latin typeface="Consolas" panose="020B0609020204030204" pitchFamily="49" charset="0"/>
-                <a:cs typeface="Consolas" panose="020B0609020204030204" pitchFamily="49" charset="0"/>
-              </a:rPr>
-              <a:t>print(names[0:3])</a:t>
-            </a:r>
-          </a:p>
-          <a:p>
-            <a:r>
-              <a:rPr lang="en-US" sz="2000" dirty="0">
-                <a:latin typeface="Consolas" panose="020B0609020204030204" pitchFamily="49" charset="0"/>
-                <a:cs typeface="Consolas" panose="020B0609020204030204" pitchFamily="49" charset="0"/>
-              </a:rPr>
-              <a:t>print(names[2:3])</a:t>
-            </a:r>
-          </a:p>
-          <a:p>
-            <a:r>
-              <a:rPr lang="en-US" sz="2000" dirty="0">
-                <a:latin typeface="Consolas" panose="020B0609020204030204" pitchFamily="49" charset="0"/>
-                <a:cs typeface="Consolas" panose="020B0609020204030204" pitchFamily="49" charset="0"/>
-              </a:rPr>
-              <a:t>print(names[1:])</a:t>
-            </a:r>
-          </a:p>
-          <a:p>
-            <a:r>
-              <a:rPr lang="en-US" sz="2000" dirty="0">
-                <a:latin typeface="Consolas" panose="020B0609020204030204" pitchFamily="49" charset="0"/>
-                <a:cs typeface="Consolas" panose="020B0609020204030204" pitchFamily="49" charset="0"/>
-              </a:rPr>
-              <a:t>print(names[-1])</a:t>
-            </a:r>
-          </a:p>
-          <a:p>
-            <a:r>
-              <a:rPr lang="en-US" sz="2000" dirty="0">
-                <a:latin typeface="Consolas" panose="020B0609020204030204" pitchFamily="49" charset="0"/>
-                <a:cs typeface="Consolas" panose="020B0609020204030204" pitchFamily="49" charset="0"/>
-              </a:rPr>
-              <a:t>print(names[-2:])</a:t>
-            </a:r>
-          </a:p>
-        </p:txBody>
-      </p:sp>
-      <p:sp>
-        <p:nvSpPr>
-          <p:cNvPr id="6" name="TextBox 5">
-            <a:extLst>
-              <a:ext uri="{FF2B5EF4-FFF2-40B4-BE49-F238E27FC236}">
-                <a16:creationId xmlns:a16="http://schemas.microsoft.com/office/drawing/2014/main" id="{37EA2493-FD70-4840-A1F2-77B1F12897D4}"/>
-              </a:ext>
-            </a:extLst>
-          </p:cNvPr>
-          <p:cNvSpPr txBox="1"/>
+          <a:extLst>
+            <a:ext uri="{909E8E84-426E-40DD-AFC4-6F175D3DCCD1}">
+              <a14:hiddenFill xmlns:a14="http://schemas.microsoft.com/office/drawing/2010/main">
+                <a:solidFill>
+                  <a:srgbClr val="FFFFFF"/>
+                </a:solidFill>
+              </a14:hiddenFill>
+            </a:ext>
+          </a:extLst>
+        </p:spPr>
+      </p:pic>
+      <p:pic>
+        <p:nvPicPr>
+          <p:cNvPr id="1028" name="Picture 4">
+            <a:extLst>
+              <a:ext uri="{FF2B5EF4-FFF2-40B4-BE49-F238E27FC236}">
+                <a16:creationId xmlns:a16="http://schemas.microsoft.com/office/drawing/2014/main" id="{171500BA-73F7-0E47-9E14-78D0518FA552}"/>
+              </a:ext>
+            </a:extLst>
+          </p:cNvPr>
+          <p:cNvPicPr>
+            <a:picLocks noChangeAspect="1" noChangeArrowheads="1"/>
+          </p:cNvPicPr>
           <p:nvPr/>
-        </p:nvSpPr>
-        <p:spPr>
-          <a:xfrm>
-            <a:off x="7480572" y="3877828"/>
-            <a:ext cx="3288080" cy="2246769"/>
+        </p:nvPicPr>
+        <p:blipFill>
+          <a:blip r:embed="rId3">
+            <a:extLst>
+              <a:ext uri="{28A0092B-C50C-407E-A947-70E740481C1C}">
+                <a14:useLocalDpi xmlns:a14="http://schemas.microsoft.com/office/drawing/2010/main" val="0"/>
+              </a:ext>
+            </a:extLst>
+          </a:blip>
+          <a:srcRect/>
+          <a:stretch>
+            <a:fillRect/>
+          </a:stretch>
+        </p:blipFill>
+        <p:spPr bwMode="auto">
+          <a:xfrm>
+            <a:off x="10133359" y="4037444"/>
+            <a:ext cx="1788341" cy="1906998"/>
           </a:xfrm>
           <a:prstGeom prst="rect">
             <a:avLst/>
           </a:prstGeom>
           <a:noFill/>
-        </p:spPr>
-        <p:txBody>
-          <a:bodyPr wrap="none" rtlCol="0">
-            <a:spAutoFit/>
-          </a:bodyPr>
-          <a:lstStyle/>
-          <a:p>
-            <a:r>
-              <a:rPr lang="en-US" sz="2000" dirty="0">
-                <a:latin typeface="Consolas" panose="020B0609020204030204" pitchFamily="49" charset="0"/>
-                <a:cs typeface="Consolas" panose="020B0609020204030204" pitchFamily="49" charset="0"/>
-              </a:rPr>
-              <a:t>['</a:t>
-            </a:r>
-            <a:r>
-              <a:rPr lang="en-US" sz="2000" dirty="0" err="1">
-                <a:latin typeface="Consolas" panose="020B0609020204030204" pitchFamily="49" charset="0"/>
-                <a:cs typeface="Consolas" panose="020B0609020204030204" pitchFamily="49" charset="0"/>
-              </a:rPr>
-              <a:t>Xue</a:t>
-            </a:r>
-            <a:r>
-              <a:rPr lang="en-US" sz="2000" dirty="0">
-                <a:latin typeface="Consolas" panose="020B0609020204030204" pitchFamily="49" charset="0"/>
-                <a:cs typeface="Consolas" panose="020B0609020204030204" pitchFamily="49" charset="0"/>
-              </a:rPr>
-              <a:t>']</a:t>
-            </a:r>
-          </a:p>
-          <a:p>
-            <a:r>
-              <a:rPr lang="en-US" sz="2000" dirty="0">
-                <a:latin typeface="Consolas" panose="020B0609020204030204" pitchFamily="49" charset="0"/>
-                <a:cs typeface="Consolas" panose="020B0609020204030204" pitchFamily="49" charset="0"/>
-              </a:rPr>
-              <a:t>['</a:t>
-            </a:r>
-            <a:r>
-              <a:rPr lang="en-US" sz="2000" dirty="0" err="1">
-                <a:latin typeface="Consolas" panose="020B0609020204030204" pitchFamily="49" charset="0"/>
-                <a:cs typeface="Consolas" panose="020B0609020204030204" pitchFamily="49" charset="0"/>
-              </a:rPr>
-              <a:t>Xue</a:t>
-            </a:r>
-            <a:r>
-              <a:rPr lang="en-US" sz="2000" dirty="0">
-                <a:latin typeface="Consolas" panose="020B0609020204030204" pitchFamily="49" charset="0"/>
-                <a:cs typeface="Consolas" panose="020B0609020204030204" pitchFamily="49" charset="0"/>
-              </a:rPr>
-              <a:t>', 'Mary']</a:t>
-            </a:r>
-          </a:p>
-          <a:p>
-            <a:r>
-              <a:rPr lang="en-US" sz="2000" dirty="0">
-                <a:latin typeface="Consolas" panose="020B0609020204030204" pitchFamily="49" charset="0"/>
-                <a:cs typeface="Consolas" panose="020B0609020204030204" pitchFamily="49" charset="0"/>
-              </a:rPr>
-              <a:t>['</a:t>
-            </a:r>
-            <a:r>
-              <a:rPr lang="en-US" sz="2000" dirty="0" err="1">
-                <a:latin typeface="Consolas" panose="020B0609020204030204" pitchFamily="49" charset="0"/>
-                <a:cs typeface="Consolas" panose="020B0609020204030204" pitchFamily="49" charset="0"/>
-              </a:rPr>
-              <a:t>Xue</a:t>
-            </a:r>
-            <a:r>
-              <a:rPr lang="en-US" sz="2000" dirty="0">
-                <a:latin typeface="Consolas" panose="020B0609020204030204" pitchFamily="49" charset="0"/>
-                <a:cs typeface="Consolas" panose="020B0609020204030204" pitchFamily="49" charset="0"/>
-              </a:rPr>
-              <a:t>', 'Mary', 'Bob']</a:t>
-            </a:r>
-          </a:p>
-          <a:p>
-            <a:r>
-              <a:rPr lang="en-US" sz="2000" dirty="0">
-                <a:latin typeface="Consolas" panose="020B0609020204030204" pitchFamily="49" charset="0"/>
-                <a:cs typeface="Consolas" panose="020B0609020204030204" pitchFamily="49" charset="0"/>
-              </a:rPr>
-              <a:t>['Bob’]</a:t>
-            </a:r>
-          </a:p>
-          <a:p>
-            <a:r>
-              <a:rPr lang="en-US" sz="2000" dirty="0">
-                <a:latin typeface="Consolas" panose="020B0609020204030204" pitchFamily="49" charset="0"/>
-                <a:cs typeface="Consolas" panose="020B0609020204030204" pitchFamily="49" charset="0"/>
-              </a:rPr>
-              <a:t>['Mary', 'Bob']</a:t>
-            </a:r>
-          </a:p>
-          <a:p>
-            <a:r>
-              <a:rPr lang="en-US" sz="2000" dirty="0">
-                <a:latin typeface="Consolas" panose="020B0609020204030204" pitchFamily="49" charset="0"/>
-                <a:cs typeface="Consolas" panose="020B0609020204030204" pitchFamily="49" charset="0"/>
-              </a:rPr>
-              <a:t>Bob</a:t>
-            </a:r>
-          </a:p>
-          <a:p>
-            <a:r>
-              <a:rPr lang="en-US" sz="2000" dirty="0">
-                <a:latin typeface="Consolas" panose="020B0609020204030204" pitchFamily="49" charset="0"/>
-                <a:cs typeface="Consolas" panose="020B0609020204030204" pitchFamily="49" charset="0"/>
-              </a:rPr>
-              <a:t>['Mary', 'Bob']</a:t>
-            </a:r>
-          </a:p>
-        </p:txBody>
-      </p:sp>
-      <p:sp>
-        <p:nvSpPr>
-          <p:cNvPr id="7" name="Right Arrow 6">
-            <a:extLst>
-              <a:ext uri="{FF2B5EF4-FFF2-40B4-BE49-F238E27FC236}">
-                <a16:creationId xmlns:a16="http://schemas.microsoft.com/office/drawing/2014/main" id="{9A6BF060-5BFA-FA45-80D5-0869E08662F8}"/>
-              </a:ext>
-            </a:extLst>
-          </p:cNvPr>
-          <p:cNvSpPr/>
-          <p:nvPr/>
-        </p:nvSpPr>
-        <p:spPr>
-          <a:xfrm>
-            <a:off x="6002176" y="4605007"/>
-            <a:ext cx="978408" cy="484632"/>
-          </a:xfrm>
-          <a:prstGeom prst="rightArrow">
-            <a:avLst/>
-          </a:prstGeom>
-          <a:solidFill>
-            <a:schemeClr val="accent1">
-              <a:lumMod val="40000"/>
-              <a:lumOff val="60000"/>
-            </a:schemeClr>
-          </a:solidFill>
-        </p:spPr>
-        <p:style>
-          <a:lnRef idx="2">
-            <a:schemeClr val="accent1">
-              <a:shade val="50000"/>
-            </a:schemeClr>
-          </a:lnRef>
-          <a:fillRef idx="1">
-            <a:schemeClr val="accent1"/>
-          </a:fillRef>
-          <a:effectRef idx="0">
-            <a:schemeClr val="accent1"/>
-          </a:effectRef>
-          <a:fontRef idx="minor">
-            <a:schemeClr val="lt1"/>
-          </a:fontRef>
-        </p:style>
-        <p:txBody>
-          <a:bodyPr rtlCol="0" anchor="ctr"/>
-          <a:lstStyle/>
-          <a:p>
-            <a:pPr algn="ctr"/>
-            <a:endParaRPr lang="en-US" dirty="0"/>
-          </a:p>
-        </p:txBody>
-      </p:sp>
-      <p:sp>
-        <p:nvSpPr>
-          <p:cNvPr id="8" name="TextBox 7">
-            <a:extLst>
-              <a:ext uri="{FF2B5EF4-FFF2-40B4-BE49-F238E27FC236}">
-                <a16:creationId xmlns:a16="http://schemas.microsoft.com/office/drawing/2014/main" id="{71E30EE4-14FC-BA48-97BE-6AB25DB753A9}"/>
+          <a:extLst>
+            <a:ext uri="{909E8E84-426E-40DD-AFC4-6F175D3DCCD1}">
+              <a14:hiddenFill xmlns:a14="http://schemas.microsoft.com/office/drawing/2010/main">
+                <a:solidFill>
+                  <a:srgbClr val="FFFFFF"/>
+                </a:solidFill>
+              </a14:hiddenFill>
+            </a:ext>
+          </a:extLst>
+        </p:spPr>
+      </p:pic>
+      <p:sp>
+        <p:nvSpPr>
+          <p:cNvPr id="4" name="TextBox 3">
+            <a:extLst>
+              <a:ext uri="{FF2B5EF4-FFF2-40B4-BE49-F238E27FC236}">
+                <a16:creationId xmlns:a16="http://schemas.microsoft.com/office/drawing/2014/main" id="{C56FAEEC-04DA-3946-93BB-674F474F4D36}"/>
               </a:ext>
             </a:extLst>
           </p:cNvPr>
@@ -5472,24 +5146,244 @@
           <a:p>
             <a:r>
               <a:rPr lang="en-US" dirty="0">
-                <a:hlinkClick r:id="rId2"/>
+                <a:hlinkClick r:id="rId4"/>
               </a:rPr>
               <a:t>Experiment in </a:t>
             </a:r>
             <a:r>
               <a:rPr lang="en-US" dirty="0" err="1">
-                <a:hlinkClick r:id="rId2"/>
+                <a:hlinkClick r:id="rId4"/>
               </a:rPr>
               <a:t>pythontutor</a:t>
             </a:r>
             <a:endParaRPr lang="en-US" dirty="0"/>
+          </a:p>
+        </p:txBody>
+      </p:sp>
+      <p:sp>
+        <p:nvSpPr>
+          <p:cNvPr id="5" name="TextBox 4">
+            <a:extLst>
+              <a:ext uri="{FF2B5EF4-FFF2-40B4-BE49-F238E27FC236}">
+                <a16:creationId xmlns:a16="http://schemas.microsoft.com/office/drawing/2014/main" id="{9C937EFD-562A-C24D-82CF-876BF7D9AE4E}"/>
+              </a:ext>
+            </a:extLst>
+          </p:cNvPr>
+          <p:cNvSpPr txBox="1"/>
+          <p:nvPr/>
+        </p:nvSpPr>
+        <p:spPr>
+          <a:xfrm>
+            <a:off x="1061645" y="2854940"/>
+            <a:ext cx="9071714" cy="3477875"/>
+          </a:xfrm>
+          <a:prstGeom prst="rect">
+            <a:avLst/>
+          </a:prstGeom>
+          <a:noFill/>
+        </p:spPr>
+        <p:txBody>
+          <a:bodyPr wrap="none" rtlCol="0">
+            <a:spAutoFit/>
+          </a:bodyPr>
+          <a:lstStyle/>
+          <a:p>
+            <a:r>
+              <a:rPr lang="en-US" sz="2000" dirty="0">
+                <a:latin typeface="Consolas" panose="020B0609020204030204" pitchFamily="49" charset="0"/>
+                <a:cs typeface="Consolas" panose="020B0609020204030204" pitchFamily="49" charset="0"/>
+              </a:rPr>
+              <a:t>names = ['Terence Parr', 'Diane Woodbridge', '</a:t>
+            </a:r>
+            <a:r>
+              <a:rPr lang="en-US" sz="2000" dirty="0" err="1">
+                <a:latin typeface="Consolas" panose="020B0609020204030204" pitchFamily="49" charset="0"/>
+                <a:cs typeface="Consolas" panose="020B0609020204030204" pitchFamily="49" charset="0"/>
+              </a:rPr>
+              <a:t>Yannet</a:t>
+            </a:r>
+            <a:r>
+              <a:rPr lang="en-US" sz="2000" dirty="0">
+                <a:latin typeface="Consolas" panose="020B0609020204030204" pitchFamily="49" charset="0"/>
+                <a:cs typeface="Consolas" panose="020B0609020204030204" pitchFamily="49" charset="0"/>
+              </a:rPr>
+              <a:t> </a:t>
+            </a:r>
+            <a:r>
+              <a:rPr lang="en-US" sz="2000" dirty="0" err="1">
+                <a:latin typeface="Consolas" panose="020B0609020204030204" pitchFamily="49" charset="0"/>
+                <a:cs typeface="Consolas" panose="020B0609020204030204" pitchFamily="49" charset="0"/>
+              </a:rPr>
+              <a:t>Interian</a:t>
+            </a:r>
+            <a:r>
+              <a:rPr lang="en-US" sz="2000" dirty="0">
+                <a:latin typeface="Consolas" panose="020B0609020204030204" pitchFamily="49" charset="0"/>
+                <a:cs typeface="Consolas" panose="020B0609020204030204" pitchFamily="49" charset="0"/>
+              </a:rPr>
+              <a:t>']</a:t>
+            </a:r>
+          </a:p>
+          <a:p>
+            <a:r>
+              <a:rPr lang="en-US" sz="2000" dirty="0">
+                <a:latin typeface="Consolas" panose="020B0609020204030204" pitchFamily="49" charset="0"/>
+                <a:cs typeface="Consolas" panose="020B0609020204030204" pitchFamily="49" charset="0"/>
+              </a:rPr>
+              <a:t>for name in names:</a:t>
+            </a:r>
+          </a:p>
+          <a:p>
+            <a:r>
+              <a:rPr lang="en-US" sz="2000" dirty="0">
+                <a:latin typeface="Consolas" panose="020B0609020204030204" pitchFamily="49" charset="0"/>
+                <a:cs typeface="Consolas" panose="020B0609020204030204" pitchFamily="49" charset="0"/>
+              </a:rPr>
+              <a:t>    print(</a:t>
+            </a:r>
+            <a:r>
+              <a:rPr lang="en-US" sz="2000" dirty="0" err="1">
+                <a:latin typeface="Consolas" panose="020B0609020204030204" pitchFamily="49" charset="0"/>
+                <a:cs typeface="Consolas" panose="020B0609020204030204" pitchFamily="49" charset="0"/>
+              </a:rPr>
+              <a:t>name.split</a:t>
+            </a:r>
+            <a:r>
+              <a:rPr lang="en-US" sz="2000" dirty="0">
+                <a:latin typeface="Consolas" panose="020B0609020204030204" pitchFamily="49" charset="0"/>
+                <a:cs typeface="Consolas" panose="020B0609020204030204" pitchFamily="49" charset="0"/>
+              </a:rPr>
+              <a:t>())</a:t>
+            </a:r>
+          </a:p>
+          <a:p>
+            <a:endParaRPr lang="en-US" sz="2000" dirty="0">
+              <a:latin typeface="Consolas" panose="020B0609020204030204" pitchFamily="49" charset="0"/>
+              <a:cs typeface="Consolas" panose="020B0609020204030204" pitchFamily="49" charset="0"/>
+            </a:endParaRPr>
+          </a:p>
+          <a:p>
+            <a:r>
+              <a:rPr lang="en-US" sz="2000" dirty="0">
+                <a:latin typeface="Consolas" panose="020B0609020204030204" pitchFamily="49" charset="0"/>
+                <a:cs typeface="Consolas" panose="020B0609020204030204" pitchFamily="49" charset="0"/>
+              </a:rPr>
+              <a:t>first = []</a:t>
+            </a:r>
+          </a:p>
+          <a:p>
+            <a:r>
+              <a:rPr lang="en-US" sz="2000" dirty="0">
+                <a:latin typeface="Consolas" panose="020B0609020204030204" pitchFamily="49" charset="0"/>
+                <a:cs typeface="Consolas" panose="020B0609020204030204" pitchFamily="49" charset="0"/>
+              </a:rPr>
+              <a:t>last = []</a:t>
+            </a:r>
+          </a:p>
+          <a:p>
+            <a:r>
+              <a:rPr lang="en-US" sz="2000" dirty="0">
+                <a:latin typeface="Consolas" panose="020B0609020204030204" pitchFamily="49" charset="0"/>
+                <a:cs typeface="Consolas" panose="020B0609020204030204" pitchFamily="49" charset="0"/>
+              </a:rPr>
+              <a:t>for name in names:</a:t>
+            </a:r>
+          </a:p>
+          <a:p>
+            <a:r>
+              <a:rPr lang="en-US" sz="2000" dirty="0">
+                <a:latin typeface="Consolas" panose="020B0609020204030204" pitchFamily="49" charset="0"/>
+                <a:cs typeface="Consolas" panose="020B0609020204030204" pitchFamily="49" charset="0"/>
+              </a:rPr>
+              <a:t>    </a:t>
+            </a:r>
+            <a:r>
+              <a:rPr lang="en-US" sz="2000" dirty="0" err="1">
+                <a:latin typeface="Consolas" panose="020B0609020204030204" pitchFamily="49" charset="0"/>
+                <a:cs typeface="Consolas" panose="020B0609020204030204" pitchFamily="49" charset="0"/>
+              </a:rPr>
+              <a:t>f,l</a:t>
+            </a:r>
+            <a:r>
+              <a:rPr lang="en-US" sz="2000" dirty="0">
+                <a:latin typeface="Consolas" panose="020B0609020204030204" pitchFamily="49" charset="0"/>
+                <a:cs typeface="Consolas" panose="020B0609020204030204" pitchFamily="49" charset="0"/>
+              </a:rPr>
+              <a:t> = </a:t>
+            </a:r>
+            <a:r>
+              <a:rPr lang="en-US" sz="2000" dirty="0" err="1">
+                <a:latin typeface="Consolas" panose="020B0609020204030204" pitchFamily="49" charset="0"/>
+                <a:cs typeface="Consolas" panose="020B0609020204030204" pitchFamily="49" charset="0"/>
+              </a:rPr>
+              <a:t>name.split</a:t>
+            </a:r>
+            <a:r>
+              <a:rPr lang="en-US" sz="2000" dirty="0">
+                <a:latin typeface="Consolas" panose="020B0609020204030204" pitchFamily="49" charset="0"/>
+                <a:cs typeface="Consolas" panose="020B0609020204030204" pitchFamily="49" charset="0"/>
+              </a:rPr>
+              <a:t>()</a:t>
+            </a:r>
+          </a:p>
+          <a:p>
+            <a:r>
+              <a:rPr lang="en-US" sz="2000" dirty="0">
+                <a:latin typeface="Consolas" panose="020B0609020204030204" pitchFamily="49" charset="0"/>
+                <a:cs typeface="Consolas" panose="020B0609020204030204" pitchFamily="49" charset="0"/>
+              </a:rPr>
+              <a:t>    </a:t>
+            </a:r>
+            <a:r>
+              <a:rPr lang="en-US" sz="2000" dirty="0" err="1">
+                <a:latin typeface="Consolas" panose="020B0609020204030204" pitchFamily="49" charset="0"/>
+                <a:cs typeface="Consolas" panose="020B0609020204030204" pitchFamily="49" charset="0"/>
+              </a:rPr>
+              <a:t>first.append</a:t>
+            </a:r>
+            <a:r>
+              <a:rPr lang="en-US" sz="2000" dirty="0">
+                <a:latin typeface="Consolas" panose="020B0609020204030204" pitchFamily="49" charset="0"/>
+                <a:cs typeface="Consolas" panose="020B0609020204030204" pitchFamily="49" charset="0"/>
+              </a:rPr>
+              <a:t>(f)</a:t>
+            </a:r>
+          </a:p>
+          <a:p>
+            <a:r>
+              <a:rPr lang="en-US" sz="2000" dirty="0">
+                <a:latin typeface="Consolas" panose="020B0609020204030204" pitchFamily="49" charset="0"/>
+                <a:cs typeface="Consolas" panose="020B0609020204030204" pitchFamily="49" charset="0"/>
+              </a:rPr>
+              <a:t>    </a:t>
+            </a:r>
+            <a:r>
+              <a:rPr lang="en-US" sz="2000" dirty="0" err="1">
+                <a:latin typeface="Consolas" panose="020B0609020204030204" pitchFamily="49" charset="0"/>
+                <a:cs typeface="Consolas" panose="020B0609020204030204" pitchFamily="49" charset="0"/>
+              </a:rPr>
+              <a:t>last.append</a:t>
+            </a:r>
+            <a:r>
+              <a:rPr lang="en-US" sz="2000" dirty="0">
+                <a:latin typeface="Consolas" panose="020B0609020204030204" pitchFamily="49" charset="0"/>
+                <a:cs typeface="Consolas" panose="020B0609020204030204" pitchFamily="49" charset="0"/>
+              </a:rPr>
+              <a:t>(l)</a:t>
+            </a:r>
+          </a:p>
+          <a:p>
+            <a:endParaRPr lang="en-US" sz="2000" dirty="0">
+              <a:latin typeface="Consolas" panose="020B0609020204030204" pitchFamily="49" charset="0"/>
+              <a:cs typeface="Consolas" panose="020B0609020204030204" pitchFamily="49" charset="0"/>
+            </a:endParaRPr>
           </a:p>
         </p:txBody>
       </p:sp>
     </p:spTree>
     <p:extLst>
       <p:ext uri="{BB962C8B-B14F-4D97-AF65-F5344CB8AC3E}">
-        <p14:creationId xmlns:p14="http://schemas.microsoft.com/office/powerpoint/2010/main" val="3332281489"/>
+        <p14:creationId xmlns:p14="http://schemas.microsoft.com/office/powerpoint/2010/main" val="4053085584"/>
       </p:ext>
     </p:extLst>
   </p:cSld>
@@ -5521,7 +5415,7 @@
           <p:cNvPr id="2" name="Title 1">
             <a:extLst>
               <a:ext uri="{FF2B5EF4-FFF2-40B4-BE49-F238E27FC236}">
-                <a16:creationId xmlns:a16="http://schemas.microsoft.com/office/drawing/2014/main" id="{65E83064-5F36-7C4C-A72E-27910AB7C55D}"/>
+                <a16:creationId xmlns:a16="http://schemas.microsoft.com/office/drawing/2014/main" id="{C1D28A1B-2C67-A540-ACE7-7886108CFDF7}"/>
               </a:ext>
             </a:extLst>
           </p:cNvPr>
@@ -5539,7 +5433,7 @@
           <a:p>
             <a:r>
               <a:rPr lang="en-US" dirty="0"/>
-              <a:t>Filter</a:t>
+              <a:t>Slice a list (or string)</a:t>
             </a:r>
           </a:p>
         </p:txBody>
@@ -5549,7 +5443,7 @@
           <p:cNvPr id="3" name="Content Placeholder 2">
             <a:extLst>
               <a:ext uri="{FF2B5EF4-FFF2-40B4-BE49-F238E27FC236}">
-                <a16:creationId xmlns:a16="http://schemas.microsoft.com/office/drawing/2014/main" id="{438027BB-04F3-4D4D-A842-199F3DF0667B}"/>
+                <a16:creationId xmlns:a16="http://schemas.microsoft.com/office/drawing/2014/main" id="{9208EBF0-6D21-3D48-BBB2-B8343D96DE87}"/>
               </a:ext>
             </a:extLst>
           </p:cNvPr>
@@ -5560,35 +5454,65 @@
             <p:ph idx="1"/>
           </p:nvPr>
         </p:nvSpPr>
-        <p:spPr>
-          <a:xfrm>
-            <a:off x="838200" y="1538868"/>
-            <a:ext cx="10515600" cy="4638095"/>
-          </a:xfrm>
-        </p:spPr>
+        <p:spPr/>
         <p:txBody>
           <a:bodyPr/>
           <a:lstStyle/>
           <a:p>
             <a:r>
               <a:rPr lang="en-US" dirty="0"/>
-              <a:t>The filter operation is similar to the map operation in that a computation is applied to each element of the input stream</a:t>
+              <a:t>Some operations yield subsets of the data, such as slice, which extracts a subset of a list (that fits in memory)</a:t>
             </a:r>
           </a:p>
           <a:p>
             <a:r>
               <a:rPr lang="en-US" dirty="0"/>
-              <a:t>Filter tests each element for a specific condition and, if true, adds that element to the new sequence</a:t>
-            </a:r>
-          </a:p>
-        </p:txBody>
-      </p:sp>
-      <p:sp>
-        <p:nvSpPr>
-          <p:cNvPr id="4" name="TextBox 3">
-            <a:extLst>
-              <a:ext uri="{FF2B5EF4-FFF2-40B4-BE49-F238E27FC236}">
-                <a16:creationId xmlns:a16="http://schemas.microsoft.com/office/drawing/2014/main" id="{5F15B8B0-53D7-2C4F-AAC5-CBBEFD41353F}"/>
+              <a:t>Syntax is </a:t>
+            </a:r>
+            <a:r>
+              <a:rPr lang="en-US" b="1" dirty="0"/>
+              <a:t>A[</a:t>
+            </a:r>
+            <a:r>
+              <a:rPr lang="en-US" b="1" dirty="0" err="1"/>
+              <a:t>begin:end</a:t>
+            </a:r>
+            <a:r>
+              <a:rPr lang="en-US" b="1" dirty="0"/>
+              <a:t>] </a:t>
+            </a:r>
+            <a:r>
+              <a:rPr lang="en-US" dirty="0"/>
+              <a:t>where </a:t>
+            </a:r>
+            <a:r>
+              <a:rPr lang="en-US" b="1" dirty="0"/>
+              <a:t>begin</a:t>
+            </a:r>
+            <a:r>
+              <a:rPr lang="en-US" dirty="0"/>
+              <a:t> is inclusive and </a:t>
+            </a:r>
+            <a:r>
+              <a:rPr lang="en-US" b="1" dirty="0"/>
+              <a:t>end</a:t>
+            </a:r>
+            <a:r>
+              <a:rPr lang="en-US" dirty="0"/>
+              <a:t> is not</a:t>
+            </a:r>
+          </a:p>
+          <a:p>
+            <a:endParaRPr lang="en-US" dirty="0"/>
+          </a:p>
+        </p:txBody>
+      </p:sp>
+      <p:sp>
+        <p:nvSpPr>
+          <p:cNvPr id="5" name="TextBox 4">
+            <a:extLst>
+              <a:ext uri="{FF2B5EF4-FFF2-40B4-BE49-F238E27FC236}">
+                <a16:creationId xmlns:a16="http://schemas.microsoft.com/office/drawing/2014/main" id="{3F28D277-1364-F84D-AA3E-90F8755C218F}"/>
               </a:ext>
             </a:extLst>
           </p:cNvPr>
@@ -5597,8 +5521,8 @@
         </p:nvSpPr>
         <p:spPr>
           <a:xfrm>
-            <a:off x="0" y="6488668"/>
-            <a:ext cx="2813591" cy="369332"/>
+            <a:off x="1867711" y="3570051"/>
+            <a:ext cx="4134465" cy="2554545"/>
           </a:xfrm>
           <a:prstGeom prst="rect">
             <a:avLst/>
@@ -5612,27 +5536,98 @@
           <a:lstStyle/>
           <a:p>
             <a:r>
-              <a:rPr lang="en-US" dirty="0">
-                <a:hlinkClick r:id="rId2"/>
-              </a:rPr>
-              <a:t>Experiment in </a:t>
-            </a:r>
-            <a:r>
-              <a:rPr lang="en-US" dirty="0" err="1">
-                <a:hlinkClick r:id="rId2"/>
-              </a:rPr>
-              <a:t>pythontutor</a:t>
-            </a:r>
-            <a:endParaRPr lang="en-US" dirty="0"/>
-          </a:p>
-        </p:txBody>
-      </p:sp>
-      <p:sp>
-        <p:nvSpPr>
-          <p:cNvPr id="5" name="TextBox 4">
-            <a:extLst>
-              <a:ext uri="{FF2B5EF4-FFF2-40B4-BE49-F238E27FC236}">
-                <a16:creationId xmlns:a16="http://schemas.microsoft.com/office/drawing/2014/main" id="{A56FD7AA-3F73-2849-8E40-810EE4EF3373}"/>
+              <a:rPr lang="en-US" sz="2000" dirty="0">
+                <a:latin typeface="Consolas" panose="020B0609020204030204" pitchFamily="49" charset="0"/>
+                <a:cs typeface="Consolas" panose="020B0609020204030204" pitchFamily="49" charset="0"/>
+              </a:rPr>
+              <a:t>names=['</a:t>
+            </a:r>
+            <a:r>
+              <a:rPr lang="en-US" sz="2000" dirty="0" err="1">
+                <a:latin typeface="Consolas" panose="020B0609020204030204" pitchFamily="49" charset="0"/>
+                <a:cs typeface="Consolas" panose="020B0609020204030204" pitchFamily="49" charset="0"/>
+              </a:rPr>
+              <a:t>Xue</a:t>
+            </a:r>
+            <a:r>
+              <a:rPr lang="en-US" sz="2000" dirty="0">
+                <a:latin typeface="Consolas" panose="020B0609020204030204" pitchFamily="49" charset="0"/>
+                <a:cs typeface="Consolas" panose="020B0609020204030204" pitchFamily="49" charset="0"/>
+              </a:rPr>
+              <a:t>', 'Mary', 'Bob']</a:t>
+            </a:r>
+          </a:p>
+          <a:p>
+            <a:r>
+              <a:rPr lang="en-US" sz="2000" dirty="0">
+                <a:latin typeface="Consolas" panose="020B0609020204030204" pitchFamily="49" charset="0"/>
+                <a:cs typeface="Consolas" panose="020B0609020204030204" pitchFamily="49" charset="0"/>
+              </a:rPr>
+              <a:t>print(names[0:1])</a:t>
+            </a:r>
+          </a:p>
+          <a:p>
+            <a:r>
+              <a:rPr lang="en-US" sz="2000" dirty="0">
+                <a:latin typeface="Consolas" panose="020B0609020204030204" pitchFamily="49" charset="0"/>
+                <a:cs typeface="Consolas" panose="020B0609020204030204" pitchFamily="49" charset="0"/>
+              </a:rPr>
+              <a:t>print(names[0:2])</a:t>
+            </a:r>
+          </a:p>
+          <a:p>
+            <a:r>
+              <a:rPr lang="en-US" sz="2000" dirty="0">
+                <a:latin typeface="Consolas" panose="020B0609020204030204" pitchFamily="49" charset="0"/>
+                <a:cs typeface="Consolas" panose="020B0609020204030204" pitchFamily="49" charset="0"/>
+              </a:rPr>
+              <a:t>print(names[0:3])</a:t>
+            </a:r>
+          </a:p>
+          <a:p>
+            <a:r>
+              <a:rPr lang="en-US" sz="2000" dirty="0">
+                <a:latin typeface="Consolas" panose="020B0609020204030204" pitchFamily="49" charset="0"/>
+                <a:cs typeface="Consolas" panose="020B0609020204030204" pitchFamily="49" charset="0"/>
+              </a:rPr>
+              <a:t>print(names[2:3])</a:t>
+            </a:r>
+          </a:p>
+          <a:p>
+            <a:r>
+              <a:rPr lang="en-US" sz="2000" dirty="0">
+                <a:latin typeface="Consolas" panose="020B0609020204030204" pitchFamily="49" charset="0"/>
+                <a:cs typeface="Consolas" panose="020B0609020204030204" pitchFamily="49" charset="0"/>
+              </a:rPr>
+              <a:t>print(names[1:])</a:t>
+            </a:r>
+          </a:p>
+          <a:p>
+            <a:r>
+              <a:rPr lang="en-US" sz="2000" dirty="0">
+                <a:latin typeface="Consolas" panose="020B0609020204030204" pitchFamily="49" charset="0"/>
+                <a:cs typeface="Consolas" panose="020B0609020204030204" pitchFamily="49" charset="0"/>
+              </a:rPr>
+              <a:t>print(names[-1])</a:t>
+            </a:r>
+          </a:p>
+          <a:p>
+            <a:r>
+              <a:rPr lang="en-US" sz="2000" dirty="0">
+                <a:latin typeface="Consolas" panose="020B0609020204030204" pitchFamily="49" charset="0"/>
+                <a:cs typeface="Consolas" panose="020B0609020204030204" pitchFamily="49" charset="0"/>
+              </a:rPr>
+              <a:t>print(names[-2:])</a:t>
+            </a:r>
+          </a:p>
+        </p:txBody>
+      </p:sp>
+      <p:sp>
+        <p:nvSpPr>
+          <p:cNvPr id="6" name="TextBox 5">
+            <a:extLst>
+              <a:ext uri="{FF2B5EF4-FFF2-40B4-BE49-F238E27FC236}">
+                <a16:creationId xmlns:a16="http://schemas.microsoft.com/office/drawing/2014/main" id="{37EA2493-FD70-4840-A1F2-77B1F12897D4}"/>
               </a:ext>
             </a:extLst>
           </p:cNvPr>
@@ -5641,8 +5636,8 @@
         </p:nvSpPr>
         <p:spPr>
           <a:xfrm>
-            <a:off x="1845896" y="3278458"/>
-            <a:ext cx="8930650" cy="2554545"/>
+            <a:off x="7480572" y="3877828"/>
+            <a:ext cx="3288080" cy="2246769"/>
           </a:xfrm>
           <a:prstGeom prst="rect">
             <a:avLst/>
@@ -5660,16 +5655,21 @@
                 <a:latin typeface="Consolas" panose="020B0609020204030204" pitchFamily="49" charset="0"/>
                 <a:cs typeface="Consolas" panose="020B0609020204030204" pitchFamily="49" charset="0"/>
               </a:rPr>
-              <a:t>shipping = [35, 68.02, 2.99, 3.99, 5.94, 4.95, 7.72, 6.22]</a:t>
-            </a:r>
-          </a:p>
-          <a:p>
+              <a:t>['</a:t>
+            </a:r>
+            <a:r>
+              <a:rPr lang="en-US" sz="2000" dirty="0" err="1">
+                <a:latin typeface="Consolas" panose="020B0609020204030204" pitchFamily="49" charset="0"/>
+                <a:cs typeface="Consolas" panose="020B0609020204030204" pitchFamily="49" charset="0"/>
+              </a:rPr>
+              <a:t>Xue</a:t>
+            </a:r>
             <a:r>
               <a:rPr lang="en-US" sz="2000" dirty="0">
                 <a:latin typeface="Consolas" panose="020B0609020204030204" pitchFamily="49" charset="0"/>
                 <a:cs typeface="Consolas" panose="020B0609020204030204" pitchFamily="49" charset="0"/>
               </a:rPr>
-              <a:t>shipping2 = []</a:t>
+              <a:t>']</a:t>
             </a:r>
           </a:p>
           <a:p>
@@ -5678,16 +5678,21 @@
                 <a:latin typeface="Consolas" panose="020B0609020204030204" pitchFamily="49" charset="0"/>
                 <a:cs typeface="Consolas" panose="020B0609020204030204" pitchFamily="49" charset="0"/>
               </a:rPr>
-              <a:t>for x in shipping:</a:t>
-            </a:r>
-          </a:p>
-          <a:p>
+              <a:t>['</a:t>
+            </a:r>
+            <a:r>
+              <a:rPr lang="en-US" sz="2000" dirty="0" err="1">
+                <a:latin typeface="Consolas" panose="020B0609020204030204" pitchFamily="49" charset="0"/>
+                <a:cs typeface="Consolas" panose="020B0609020204030204" pitchFamily="49" charset="0"/>
+              </a:rPr>
+              <a:t>Xue</a:t>
+            </a:r>
             <a:r>
               <a:rPr lang="en-US" sz="2000" dirty="0">
                 <a:latin typeface="Consolas" panose="020B0609020204030204" pitchFamily="49" charset="0"/>
                 <a:cs typeface="Consolas" panose="020B0609020204030204" pitchFamily="49" charset="0"/>
               </a:rPr>
-              <a:t>    if x &lt; 10:</a:t>
+              <a:t>', 'Mary']</a:t>
             </a:r>
           </a:p>
           <a:p>
@@ -5696,23 +5701,22 @@
                 <a:latin typeface="Consolas" panose="020B0609020204030204" pitchFamily="49" charset="0"/>
                 <a:cs typeface="Consolas" panose="020B0609020204030204" pitchFamily="49" charset="0"/>
               </a:rPr>
-              <a:t>        shipping2.append(x)</a:t>
-            </a:r>
-          </a:p>
-          <a:p>
+              <a:t>['</a:t>
+            </a:r>
+            <a:r>
+              <a:rPr lang="en-US" sz="2000" dirty="0" err="1">
+                <a:latin typeface="Consolas" panose="020B0609020204030204" pitchFamily="49" charset="0"/>
+                <a:cs typeface="Consolas" panose="020B0609020204030204" pitchFamily="49" charset="0"/>
+              </a:rPr>
+              <a:t>Xue</a:t>
+            </a:r>
             <a:r>
               <a:rPr lang="en-US" sz="2000" dirty="0">
                 <a:latin typeface="Consolas" panose="020B0609020204030204" pitchFamily="49" charset="0"/>
                 <a:cs typeface="Consolas" panose="020B0609020204030204" pitchFamily="49" charset="0"/>
               </a:rPr>
-              <a:t>print(shipping2) # prints [2.99, 3.99, 5.94, 4.95, 7.72, 6.22]</a:t>
-            </a:r>
-          </a:p>
-          <a:p>
-            <a:endParaRPr lang="en-US" sz="2000" dirty="0">
-              <a:latin typeface="Consolas" panose="020B0609020204030204" pitchFamily="49" charset="0"/>
-              <a:cs typeface="Consolas" panose="020B0609020204030204" pitchFamily="49" charset="0"/>
-            </a:endParaRPr>
+              <a:t>', 'Mary', 'Bob']</a:t>
+            </a:r>
           </a:p>
           <a:p>
             <a:r>
@@ -5720,15 +5724,138 @@
                 <a:latin typeface="Consolas" panose="020B0609020204030204" pitchFamily="49" charset="0"/>
                 <a:cs typeface="Consolas" panose="020B0609020204030204" pitchFamily="49" charset="0"/>
               </a:rPr>
-              <a:t>shipping2 = [x for x in shipping if x &lt; 10] # much easier</a:t>
-            </a:r>
+              <a:t>['Bob’]</a:t>
+            </a:r>
+          </a:p>
+          <a:p>
+            <a:r>
+              <a:rPr lang="en-US" sz="2000" dirty="0">
+                <a:latin typeface="Consolas" panose="020B0609020204030204" pitchFamily="49" charset="0"/>
+                <a:cs typeface="Consolas" panose="020B0609020204030204" pitchFamily="49" charset="0"/>
+              </a:rPr>
+              <a:t>['Mary', 'Bob']</a:t>
+            </a:r>
+          </a:p>
+          <a:p>
+            <a:r>
+              <a:rPr lang="en-US" sz="2000" dirty="0">
+                <a:latin typeface="Consolas" panose="020B0609020204030204" pitchFamily="49" charset="0"/>
+                <a:cs typeface="Consolas" panose="020B0609020204030204" pitchFamily="49" charset="0"/>
+              </a:rPr>
+              <a:t>Bob</a:t>
+            </a:r>
+          </a:p>
+          <a:p>
+            <a:r>
+              <a:rPr lang="en-US" sz="2000" dirty="0">
+                <a:latin typeface="Consolas" panose="020B0609020204030204" pitchFamily="49" charset="0"/>
+                <a:cs typeface="Consolas" panose="020B0609020204030204" pitchFamily="49" charset="0"/>
+              </a:rPr>
+              <a:t>['Mary', 'Bob']</a:t>
+            </a:r>
+          </a:p>
+        </p:txBody>
+      </p:sp>
+      <p:sp>
+        <p:nvSpPr>
+          <p:cNvPr id="7" name="Right Arrow 6">
+            <a:extLst>
+              <a:ext uri="{FF2B5EF4-FFF2-40B4-BE49-F238E27FC236}">
+                <a16:creationId xmlns:a16="http://schemas.microsoft.com/office/drawing/2014/main" id="{9A6BF060-5BFA-FA45-80D5-0869E08662F8}"/>
+              </a:ext>
+            </a:extLst>
+          </p:cNvPr>
+          <p:cNvSpPr/>
+          <p:nvPr/>
+        </p:nvSpPr>
+        <p:spPr>
+          <a:xfrm>
+            <a:off x="6002176" y="4605007"/>
+            <a:ext cx="978408" cy="484632"/>
+          </a:xfrm>
+          <a:prstGeom prst="rightArrow">
+            <a:avLst/>
+          </a:prstGeom>
+          <a:solidFill>
+            <a:schemeClr val="accent1">
+              <a:lumMod val="40000"/>
+              <a:lumOff val="60000"/>
+            </a:schemeClr>
+          </a:solidFill>
+        </p:spPr>
+        <p:style>
+          <a:lnRef idx="2">
+            <a:schemeClr val="accent1">
+              <a:shade val="50000"/>
+            </a:schemeClr>
+          </a:lnRef>
+          <a:fillRef idx="1">
+            <a:schemeClr val="accent1"/>
+          </a:fillRef>
+          <a:effectRef idx="0">
+            <a:schemeClr val="accent1"/>
+          </a:effectRef>
+          <a:fontRef idx="minor">
+            <a:schemeClr val="lt1"/>
+          </a:fontRef>
+        </p:style>
+        <p:txBody>
+          <a:bodyPr rtlCol="0" anchor="ctr"/>
+          <a:lstStyle/>
+          <a:p>
+            <a:pPr algn="ctr"/>
+            <a:endParaRPr lang="en-US" dirty="0"/>
+          </a:p>
+        </p:txBody>
+      </p:sp>
+      <p:sp>
+        <p:nvSpPr>
+          <p:cNvPr id="8" name="TextBox 7">
+            <a:extLst>
+              <a:ext uri="{FF2B5EF4-FFF2-40B4-BE49-F238E27FC236}">
+                <a16:creationId xmlns:a16="http://schemas.microsoft.com/office/drawing/2014/main" id="{71E30EE4-14FC-BA48-97BE-6AB25DB753A9}"/>
+              </a:ext>
+            </a:extLst>
+          </p:cNvPr>
+          <p:cNvSpPr txBox="1"/>
+          <p:nvPr/>
+        </p:nvSpPr>
+        <p:spPr>
+          <a:xfrm>
+            <a:off x="0" y="6488668"/>
+            <a:ext cx="2813591" cy="369332"/>
+          </a:xfrm>
+          <a:prstGeom prst="rect">
+            <a:avLst/>
+          </a:prstGeom>
+          <a:noFill/>
+        </p:spPr>
+        <p:txBody>
+          <a:bodyPr wrap="none" rtlCol="0">
+            <a:spAutoFit/>
+          </a:bodyPr>
+          <a:lstStyle/>
+          <a:p>
+            <a:r>
+              <a:rPr lang="en-US" dirty="0">
+                <a:hlinkClick r:id="rId2"/>
+              </a:rPr>
+              <a:t>Experiment in </a:t>
+            </a:r>
+            <a:r>
+              <a:rPr lang="en-US" dirty="0" err="1">
+                <a:hlinkClick r:id="rId2"/>
+              </a:rPr>
+              <a:t>pythontutor</a:t>
+            </a:r>
+            <a:endParaRPr lang="en-US" dirty="0"/>
           </a:p>
         </p:txBody>
       </p:sp>
     </p:spTree>
     <p:extLst>
       <p:ext uri="{BB962C8B-B14F-4D97-AF65-F5344CB8AC3E}">
-        <p14:creationId xmlns:p14="http://schemas.microsoft.com/office/powerpoint/2010/main" val="2886168278"/>
+        <p14:creationId xmlns:p14="http://schemas.microsoft.com/office/powerpoint/2010/main" val="3332281489"/>
       </p:ext>
     </p:extLst>
   </p:cSld>
@@ -5760,7 +5887,7 @@
           <p:cNvPr id="2" name="Title 1">
             <a:extLst>
               <a:ext uri="{FF2B5EF4-FFF2-40B4-BE49-F238E27FC236}">
-                <a16:creationId xmlns:a16="http://schemas.microsoft.com/office/drawing/2014/main" id="{76A58C7C-C8DD-AF42-AA89-62972ACF45BF}"/>
+                <a16:creationId xmlns:a16="http://schemas.microsoft.com/office/drawing/2014/main" id="{65E83064-5F36-7C4C-A72E-27910AB7C55D}"/>
               </a:ext>
             </a:extLst>
           </p:cNvPr>
@@ -5778,7 +5905,7 @@
           <a:p>
             <a:r>
               <a:rPr lang="en-US" dirty="0"/>
-              <a:t>Filtering rows of data</a:t>
+              <a:t>Filter</a:t>
             </a:r>
           </a:p>
         </p:txBody>
@@ -5788,7 +5915,7 @@
           <p:cNvPr id="3" name="Content Placeholder 2">
             <a:extLst>
               <a:ext uri="{FF2B5EF4-FFF2-40B4-BE49-F238E27FC236}">
-                <a16:creationId xmlns:a16="http://schemas.microsoft.com/office/drawing/2014/main" id="{5A39EEF0-81F3-B145-ADC6-EB2DBC74068F}"/>
+                <a16:creationId xmlns:a16="http://schemas.microsoft.com/office/drawing/2014/main" id="{438027BB-04F3-4D4D-A842-199F3DF0667B}"/>
               </a:ext>
             </a:extLst>
           </p:cNvPr>
@@ -5811,7 +5938,13 @@
           <a:p>
             <a:r>
               <a:rPr lang="en-US" dirty="0"/>
-              <a:t>We can also filter on one column but keep the data within each row together; e.g., filter for Oscar winners</a:t>
+              <a:t>The filter operation is similar to the map operation in that a computation is applied to each element of the input stream</a:t>
+            </a:r>
+          </a:p>
+          <a:p>
+            <a:r>
+              <a:rPr lang="en-US" dirty="0"/>
+              <a:t>Filter tests each element for a specific condition and, if true, adds that element to the new sequence</a:t>
             </a:r>
           </a:p>
         </p:txBody>
@@ -5821,7 +5954,7 @@
           <p:cNvPr id="4" name="TextBox 3">
             <a:extLst>
               <a:ext uri="{FF2B5EF4-FFF2-40B4-BE49-F238E27FC236}">
-                <a16:creationId xmlns:a16="http://schemas.microsoft.com/office/drawing/2014/main" id="{0895ADA9-C5FF-9640-9EC5-EE085A557EEB}"/>
+                <a16:creationId xmlns:a16="http://schemas.microsoft.com/office/drawing/2014/main" id="{5F15B8B0-53D7-2C4F-AAC5-CBBEFD41353F}"/>
               </a:ext>
             </a:extLst>
           </p:cNvPr>
@@ -5830,8 +5963,8 @@
         </p:nvSpPr>
         <p:spPr>
           <a:xfrm>
-            <a:off x="1051029" y="2364059"/>
-            <a:ext cx="5577168" cy="4093428"/>
+            <a:off x="0" y="6488668"/>
+            <a:ext cx="2813591" cy="369332"/>
           </a:xfrm>
           <a:prstGeom prst="rect">
             <a:avLst/>
@@ -5845,101 +5978,18 @@
           <a:lstStyle/>
           <a:p>
             <a:r>
-              <a:rPr lang="en-US" sz="2000" dirty="0" err="1"/>
-              <a:t>oscars</a:t>
-            </a:r>
-            <a:r>
-              <a:rPr lang="en-US" sz="2000" dirty="0"/>
-              <a:t> = [</a:t>
-            </a:r>
-          </a:p>
-          <a:p>
-            <a:r>
-              <a:rPr lang="en-US" sz="2000" dirty="0"/>
-              <a:t>    [1984, "A Soldier's Story", 0],</a:t>
-            </a:r>
-          </a:p>
-          <a:p>
-            <a:r>
-              <a:rPr lang="en-US" sz="2000" dirty="0"/>
-              <a:t>    [1984, 'Places in the Heart', 0],</a:t>
-            </a:r>
-          </a:p>
-          <a:p>
-            <a:r>
-              <a:rPr lang="en-US" sz="2000" dirty="0"/>
-              <a:t>    [1984, 'The Killing Fields', 0],</a:t>
-            </a:r>
-          </a:p>
-          <a:p>
-            <a:r>
-              <a:rPr lang="en-US" sz="2000" dirty="0"/>
-              <a:t>    [1984, 'A Passage to India', 0],</a:t>
-            </a:r>
-          </a:p>
-          <a:p>
-            <a:r>
-              <a:rPr lang="en-US" sz="2000" dirty="0"/>
-              <a:t>    [1984, 'Amadeus', 1],</a:t>
-            </a:r>
-          </a:p>
-          <a:p>
-            <a:r>
-              <a:rPr lang="en-US" sz="2000" dirty="0"/>
-              <a:t>    [1985, "</a:t>
-            </a:r>
-            <a:r>
-              <a:rPr lang="en-US" sz="2000" dirty="0" err="1"/>
-              <a:t>Prizzi's</a:t>
-            </a:r>
-            <a:r>
-              <a:rPr lang="en-US" sz="2000" dirty="0"/>
-              <a:t> Honor", 0],</a:t>
-            </a:r>
-          </a:p>
-          <a:p>
-            <a:r>
-              <a:rPr lang="en-US" sz="2000" dirty="0"/>
-              <a:t>    [1985, 'Kiss of the Spider Woman', 0],</a:t>
-            </a:r>
-          </a:p>
-          <a:p>
-            <a:r>
-              <a:rPr lang="en-US" sz="2000" dirty="0"/>
-              <a:t>    [1985, 'Witness', 0],</a:t>
-            </a:r>
-          </a:p>
-          <a:p>
-            <a:r>
-              <a:rPr lang="en-US" sz="2000" dirty="0"/>
-              <a:t>    [1985, 'The Color Purple', 0],</a:t>
-            </a:r>
-          </a:p>
-          <a:p>
-            <a:r>
-              <a:rPr lang="en-US" sz="2000" dirty="0"/>
-              <a:t>    [1985, 'Out of Africa', 1]</a:t>
-            </a:r>
-          </a:p>
-          <a:p>
-            <a:r>
-              <a:rPr lang="en-US" sz="2000" dirty="0"/>
-              <a:t>]</a:t>
-            </a:r>
-          </a:p>
-          <a:p>
-            <a:r>
-              <a:rPr lang="en-US" sz="2000" dirty="0"/>
-              <a:t>print([movie for movie in </a:t>
-            </a:r>
-            <a:r>
-              <a:rPr lang="en-US" sz="2000" dirty="0" err="1"/>
-              <a:t>oscars</a:t>
-            </a:r>
-            <a:r>
-              <a:rPr lang="en-US" sz="2000" dirty="0"/>
-              <a:t> if movie[2]==1])</a:t>
-            </a:r>
+              <a:rPr lang="en-US" dirty="0">
+                <a:hlinkClick r:id="rId2"/>
+              </a:rPr>
+              <a:t>Experiment in </a:t>
+            </a:r>
+            <a:r>
+              <a:rPr lang="en-US" dirty="0" err="1">
+                <a:hlinkClick r:id="rId2"/>
+              </a:rPr>
+              <a:t>pythontutor</a:t>
+            </a:r>
+            <a:endParaRPr lang="en-US" dirty="0"/>
           </a:p>
         </p:txBody>
       </p:sp>
@@ -5948,7 +5998,7 @@
           <p:cNvPr id="5" name="TextBox 4">
             <a:extLst>
               <a:ext uri="{FF2B5EF4-FFF2-40B4-BE49-F238E27FC236}">
-                <a16:creationId xmlns:a16="http://schemas.microsoft.com/office/drawing/2014/main" id="{7EA0E861-8C96-BB43-9800-CBF2AF1BD019}"/>
+                <a16:creationId xmlns:a16="http://schemas.microsoft.com/office/drawing/2014/main" id="{A56FD7AA-3F73-2849-8E40-810EE4EF3373}"/>
               </a:ext>
             </a:extLst>
           </p:cNvPr>
@@ -5957,8 +6007,8 @@
         </p:nvSpPr>
         <p:spPr>
           <a:xfrm>
-            <a:off x="0" y="6488668"/>
-            <a:ext cx="2813591" cy="369332"/>
+            <a:off x="1835957" y="3429000"/>
+            <a:ext cx="8930650" cy="2554545"/>
           </a:xfrm>
           <a:prstGeom prst="rect">
             <a:avLst/>
@@ -5972,112 +6022,79 @@
           <a:lstStyle/>
           <a:p>
             <a:r>
-              <a:rPr lang="en-US" dirty="0">
-                <a:hlinkClick r:id="rId2"/>
-              </a:rPr>
-              <a:t>Experiment in </a:t>
-            </a:r>
-            <a:r>
-              <a:rPr lang="en-US" dirty="0" err="1">
-                <a:hlinkClick r:id="rId2"/>
-              </a:rPr>
-              <a:t>pythontutor</a:t>
-            </a:r>
-            <a:endParaRPr lang="en-US" dirty="0"/>
-          </a:p>
-        </p:txBody>
-      </p:sp>
-      <p:sp>
-        <p:nvSpPr>
-          <p:cNvPr id="6" name="TextBox 5">
-            <a:extLst>
-              <a:ext uri="{FF2B5EF4-FFF2-40B4-BE49-F238E27FC236}">
-                <a16:creationId xmlns:a16="http://schemas.microsoft.com/office/drawing/2014/main" id="{5A9CF64A-7E41-4845-A20B-C70BFBECA20F}"/>
-              </a:ext>
-            </a:extLst>
-          </p:cNvPr>
-          <p:cNvSpPr txBox="1"/>
-          <p:nvPr/>
-        </p:nvSpPr>
-        <p:spPr>
-          <a:xfrm>
-            <a:off x="6841026" y="3749159"/>
-            <a:ext cx="4910383" cy="369332"/>
-          </a:xfrm>
-          <a:prstGeom prst="rect">
-            <a:avLst/>
-          </a:prstGeom>
-          <a:noFill/>
-        </p:spPr>
-        <p:txBody>
-          <a:bodyPr wrap="none" rtlCol="0">
-            <a:spAutoFit/>
-          </a:bodyPr>
-          <a:lstStyle/>
-          <a:p>
-            <a:r>
-              <a:rPr lang="en-US" dirty="0"/>
-              <a:t>[[1984, 'Amadeus', 1], [1985, 'Out of Africa', 1]]</a:t>
-            </a:r>
-          </a:p>
-        </p:txBody>
-      </p:sp>
-      <p:sp>
-        <p:nvSpPr>
-          <p:cNvPr id="7" name="Right Arrow 6">
-            <a:extLst>
-              <a:ext uri="{FF2B5EF4-FFF2-40B4-BE49-F238E27FC236}">
-                <a16:creationId xmlns:a16="http://schemas.microsoft.com/office/drawing/2014/main" id="{A8DD2075-543D-254F-BDF0-C94AAAFD70F5}"/>
-              </a:ext>
-            </a:extLst>
-          </p:cNvPr>
-          <p:cNvSpPr/>
-          <p:nvPr/>
-        </p:nvSpPr>
-        <p:spPr>
-          <a:xfrm>
-            <a:off x="5465009" y="3749159"/>
-            <a:ext cx="978408" cy="484632"/>
-          </a:xfrm>
-          <a:prstGeom prst="rightArrow">
-            <a:avLst/>
-          </a:prstGeom>
-          <a:solidFill>
-            <a:schemeClr val="accent1">
-              <a:lumMod val="40000"/>
-              <a:lumOff val="60000"/>
-            </a:schemeClr>
-          </a:solidFill>
-        </p:spPr>
-        <p:style>
-          <a:lnRef idx="2">
-            <a:schemeClr val="accent1">
-              <a:shade val="50000"/>
-            </a:schemeClr>
-          </a:lnRef>
-          <a:fillRef idx="1">
-            <a:schemeClr val="accent1"/>
-          </a:fillRef>
-          <a:effectRef idx="0">
-            <a:schemeClr val="accent1"/>
-          </a:effectRef>
-          <a:fontRef idx="minor">
-            <a:schemeClr val="lt1"/>
-          </a:fontRef>
-        </p:style>
-        <p:txBody>
-          <a:bodyPr rtlCol="0" anchor="ctr"/>
-          <a:lstStyle/>
-          <a:p>
-            <a:pPr algn="ctr"/>
-            <a:endParaRPr lang="en-US" dirty="0"/>
+              <a:rPr lang="en-US" sz="2000" dirty="0">
+                <a:latin typeface="Consolas" panose="020B0609020204030204" pitchFamily="49" charset="0"/>
+                <a:cs typeface="Consolas" panose="020B0609020204030204" pitchFamily="49" charset="0"/>
+              </a:rPr>
+              <a:t>shipping = [35, 68.02, 2.99, 3.99, 5.94, 4.95, 7.72, 6.22]</a:t>
+            </a:r>
+          </a:p>
+          <a:p>
+            <a:r>
+              <a:rPr lang="en-US" sz="2000" dirty="0">
+                <a:latin typeface="Consolas" panose="020B0609020204030204" pitchFamily="49" charset="0"/>
+                <a:cs typeface="Consolas" panose="020B0609020204030204" pitchFamily="49" charset="0"/>
+              </a:rPr>
+              <a:t>shipping2 = []</a:t>
+            </a:r>
+          </a:p>
+          <a:p>
+            <a:r>
+              <a:rPr lang="en-US" sz="2000" dirty="0">
+                <a:latin typeface="Consolas" panose="020B0609020204030204" pitchFamily="49" charset="0"/>
+                <a:cs typeface="Consolas" panose="020B0609020204030204" pitchFamily="49" charset="0"/>
+              </a:rPr>
+              <a:t>for x in shipping:</a:t>
+            </a:r>
+          </a:p>
+          <a:p>
+            <a:r>
+              <a:rPr lang="en-US" sz="2000" dirty="0">
+                <a:latin typeface="Consolas" panose="020B0609020204030204" pitchFamily="49" charset="0"/>
+                <a:cs typeface="Consolas" panose="020B0609020204030204" pitchFamily="49" charset="0"/>
+              </a:rPr>
+              <a:t>    if x &lt; 10:</a:t>
+            </a:r>
+          </a:p>
+          <a:p>
+            <a:r>
+              <a:rPr lang="en-US" sz="2000" dirty="0">
+                <a:latin typeface="Consolas" panose="020B0609020204030204" pitchFamily="49" charset="0"/>
+                <a:cs typeface="Consolas" panose="020B0609020204030204" pitchFamily="49" charset="0"/>
+              </a:rPr>
+              <a:t>        shipping2.append(x)</a:t>
+            </a:r>
+          </a:p>
+          <a:p>
+            <a:r>
+              <a:rPr lang="en-US" sz="2000" dirty="0">
+                <a:latin typeface="Consolas" panose="020B0609020204030204" pitchFamily="49" charset="0"/>
+                <a:cs typeface="Consolas" panose="020B0609020204030204" pitchFamily="49" charset="0"/>
+              </a:rPr>
+              <a:t>print(shipping2) # prints [2.99, 3.99, 5.94, 4.95, 7.72, 6.22]</a:t>
+            </a:r>
+          </a:p>
+          <a:p>
+            <a:endParaRPr lang="en-US" sz="2000" dirty="0">
+              <a:latin typeface="Consolas" panose="020B0609020204030204" pitchFamily="49" charset="0"/>
+              <a:cs typeface="Consolas" panose="020B0609020204030204" pitchFamily="49" charset="0"/>
+            </a:endParaRPr>
+          </a:p>
+          <a:p>
+            <a:r>
+              <a:rPr lang="en-US" sz="2000" dirty="0">
+                <a:latin typeface="Consolas" panose="020B0609020204030204" pitchFamily="49" charset="0"/>
+                <a:cs typeface="Consolas" panose="020B0609020204030204" pitchFamily="49" charset="0"/>
+              </a:rPr>
+              <a:t>shipping2 = [x for x in shipping if x &lt; 10] # much easier</a:t>
+            </a:r>
           </a:p>
         </p:txBody>
       </p:sp>
     </p:spTree>
     <p:extLst>
       <p:ext uri="{BB962C8B-B14F-4D97-AF65-F5344CB8AC3E}">
-        <p14:creationId xmlns:p14="http://schemas.microsoft.com/office/powerpoint/2010/main" val="2290523565"/>
+        <p14:creationId xmlns:p14="http://schemas.microsoft.com/office/powerpoint/2010/main" val="2886168278"/>
       </p:ext>
     </p:extLst>
   </p:cSld>
@@ -6109,7 +6126,7 @@
           <p:cNvPr id="2" name="Title 1">
             <a:extLst>
               <a:ext uri="{FF2B5EF4-FFF2-40B4-BE49-F238E27FC236}">
-                <a16:creationId xmlns:a16="http://schemas.microsoft.com/office/drawing/2014/main" id="{F77FE7A4-2777-5C4D-94F0-04A4ACC6EDEC}"/>
+                <a16:creationId xmlns:a16="http://schemas.microsoft.com/office/drawing/2014/main" id="{76A58C7C-C8DD-AF42-AA89-62972ACF45BF}"/>
               </a:ext>
             </a:extLst>
           </p:cNvPr>
@@ -6127,7 +6144,7 @@
           <a:p>
             <a:r>
               <a:rPr lang="en-US" dirty="0"/>
-              <a:t>Search</a:t>
+              <a:t>Filtering rows of data</a:t>
             </a:r>
           </a:p>
         </p:txBody>
@@ -6137,7 +6154,7 @@
           <p:cNvPr id="3" name="Content Placeholder 2">
             <a:extLst>
               <a:ext uri="{FF2B5EF4-FFF2-40B4-BE49-F238E27FC236}">
-                <a16:creationId xmlns:a16="http://schemas.microsoft.com/office/drawing/2014/main" id="{B69CD4CA-618D-464C-A267-0B28C30F1F5A}"/>
+                <a16:creationId xmlns:a16="http://schemas.microsoft.com/office/drawing/2014/main" id="{5A39EEF0-81F3-B145-ADC6-EB2DBC74068F}"/>
               </a:ext>
             </a:extLst>
           </p:cNvPr>
@@ -6150,8 +6167,8 @@
         </p:nvSpPr>
         <p:spPr>
           <a:xfrm>
-            <a:off x="838200" y="1438507"/>
-            <a:ext cx="10515600" cy="4738456"/>
+            <a:off x="838200" y="1538868"/>
+            <a:ext cx="10515600" cy="4638095"/>
           </a:xfrm>
         </p:spPr>
         <p:txBody>
@@ -6160,23 +6177,17 @@
           <a:p>
             <a:r>
               <a:rPr lang="en-US" dirty="0"/>
-              <a:t>The filter operation finds all elements in a sequence that satisfy a specific condition, but often we'd like to know which element satisfies the condition first (or last)</a:t>
-            </a:r>
-          </a:p>
-          <a:p>
-            <a:r>
-              <a:rPr lang="en-US" dirty="0"/>
-              <a:t>Search returns the first (or last) position in the sequence rather than the value at that position</a:t>
-            </a:r>
-          </a:p>
-        </p:txBody>
-      </p:sp>
-      <p:sp>
-        <p:nvSpPr>
-          <p:cNvPr id="5" name="TextBox 4">
-            <a:extLst>
-              <a:ext uri="{FF2B5EF4-FFF2-40B4-BE49-F238E27FC236}">
-                <a16:creationId xmlns:a16="http://schemas.microsoft.com/office/drawing/2014/main" id="{8CD8F814-F0B2-C049-8E3A-8D64F3E3F076}"/>
+              <a:t>We can also filter on one column but keep the data within each row together; e.g., filter for Oscar winners</a:t>
+            </a:r>
+          </a:p>
+        </p:txBody>
+      </p:sp>
+      <p:sp>
+        <p:nvSpPr>
+          <p:cNvPr id="4" name="TextBox 3">
+            <a:extLst>
+              <a:ext uri="{FF2B5EF4-FFF2-40B4-BE49-F238E27FC236}">
+                <a16:creationId xmlns:a16="http://schemas.microsoft.com/office/drawing/2014/main" id="{0895ADA9-C5FF-9640-9EC5-EE085A557EEB}"/>
               </a:ext>
             </a:extLst>
           </p:cNvPr>
@@ -6185,8 +6196,8 @@
         </p:nvSpPr>
         <p:spPr>
           <a:xfrm>
-            <a:off x="1294636" y="3622418"/>
-            <a:ext cx="10059164" cy="2554545"/>
+            <a:off x="1051029" y="2364059"/>
+            <a:ext cx="5577168" cy="4093428"/>
           </a:xfrm>
           <a:prstGeom prst="rect">
             <a:avLst/>
@@ -6200,6 +6211,361 @@
           <a:lstStyle/>
           <a:p>
             <a:r>
+              <a:rPr lang="en-US" sz="2000" dirty="0" err="1"/>
+              <a:t>oscars</a:t>
+            </a:r>
+            <a:r>
+              <a:rPr lang="en-US" sz="2000" dirty="0"/>
+              <a:t> = [</a:t>
+            </a:r>
+          </a:p>
+          <a:p>
+            <a:r>
+              <a:rPr lang="en-US" sz="2000" dirty="0"/>
+              <a:t>    [1984, "A Soldier's Story", 0],</a:t>
+            </a:r>
+          </a:p>
+          <a:p>
+            <a:r>
+              <a:rPr lang="en-US" sz="2000" dirty="0"/>
+              <a:t>    [1984, 'Places in the Heart', 0],</a:t>
+            </a:r>
+          </a:p>
+          <a:p>
+            <a:r>
+              <a:rPr lang="en-US" sz="2000" dirty="0"/>
+              <a:t>    [1984, 'The Killing Fields', 0],</a:t>
+            </a:r>
+          </a:p>
+          <a:p>
+            <a:r>
+              <a:rPr lang="en-US" sz="2000" dirty="0"/>
+              <a:t>    [1984, 'A Passage to India', 0],</a:t>
+            </a:r>
+          </a:p>
+          <a:p>
+            <a:r>
+              <a:rPr lang="en-US" sz="2000" dirty="0"/>
+              <a:t>    [1984, 'Amadeus', 1],</a:t>
+            </a:r>
+          </a:p>
+          <a:p>
+            <a:r>
+              <a:rPr lang="en-US" sz="2000" dirty="0"/>
+              <a:t>    [1985, "</a:t>
+            </a:r>
+            <a:r>
+              <a:rPr lang="en-US" sz="2000" dirty="0" err="1"/>
+              <a:t>Prizzi's</a:t>
+            </a:r>
+            <a:r>
+              <a:rPr lang="en-US" sz="2000" dirty="0"/>
+              <a:t> Honor", 0],</a:t>
+            </a:r>
+          </a:p>
+          <a:p>
+            <a:r>
+              <a:rPr lang="en-US" sz="2000" dirty="0"/>
+              <a:t>    [1985, 'Kiss of the Spider Woman', 0],</a:t>
+            </a:r>
+          </a:p>
+          <a:p>
+            <a:r>
+              <a:rPr lang="en-US" sz="2000" dirty="0"/>
+              <a:t>    [1985, 'Witness', 0],</a:t>
+            </a:r>
+          </a:p>
+          <a:p>
+            <a:r>
+              <a:rPr lang="en-US" sz="2000" dirty="0"/>
+              <a:t>    [1985, 'The Color Purple', 0],</a:t>
+            </a:r>
+          </a:p>
+          <a:p>
+            <a:r>
+              <a:rPr lang="en-US" sz="2000" dirty="0"/>
+              <a:t>    [1985, 'Out of Africa', 1]</a:t>
+            </a:r>
+          </a:p>
+          <a:p>
+            <a:r>
+              <a:rPr lang="en-US" sz="2000" dirty="0"/>
+              <a:t>]</a:t>
+            </a:r>
+          </a:p>
+          <a:p>
+            <a:r>
+              <a:rPr lang="en-US" sz="2000" dirty="0"/>
+              <a:t>print([movie for movie in </a:t>
+            </a:r>
+            <a:r>
+              <a:rPr lang="en-US" sz="2000" dirty="0" err="1"/>
+              <a:t>oscars</a:t>
+            </a:r>
+            <a:r>
+              <a:rPr lang="en-US" sz="2000" dirty="0"/>
+              <a:t> if movie[2]==1])</a:t>
+            </a:r>
+          </a:p>
+        </p:txBody>
+      </p:sp>
+      <p:sp>
+        <p:nvSpPr>
+          <p:cNvPr id="5" name="TextBox 4">
+            <a:extLst>
+              <a:ext uri="{FF2B5EF4-FFF2-40B4-BE49-F238E27FC236}">
+                <a16:creationId xmlns:a16="http://schemas.microsoft.com/office/drawing/2014/main" id="{7EA0E861-8C96-BB43-9800-CBF2AF1BD019}"/>
+              </a:ext>
+            </a:extLst>
+          </p:cNvPr>
+          <p:cNvSpPr txBox="1"/>
+          <p:nvPr/>
+        </p:nvSpPr>
+        <p:spPr>
+          <a:xfrm>
+            <a:off x="0" y="6488668"/>
+            <a:ext cx="2813591" cy="369332"/>
+          </a:xfrm>
+          <a:prstGeom prst="rect">
+            <a:avLst/>
+          </a:prstGeom>
+          <a:noFill/>
+        </p:spPr>
+        <p:txBody>
+          <a:bodyPr wrap="none" rtlCol="0">
+            <a:spAutoFit/>
+          </a:bodyPr>
+          <a:lstStyle/>
+          <a:p>
+            <a:r>
+              <a:rPr lang="en-US" dirty="0">
+                <a:hlinkClick r:id="rId2"/>
+              </a:rPr>
+              <a:t>Experiment in </a:t>
+            </a:r>
+            <a:r>
+              <a:rPr lang="en-US" dirty="0" err="1">
+                <a:hlinkClick r:id="rId2"/>
+              </a:rPr>
+              <a:t>pythontutor</a:t>
+            </a:r>
+            <a:endParaRPr lang="en-US" dirty="0"/>
+          </a:p>
+        </p:txBody>
+      </p:sp>
+      <p:sp>
+        <p:nvSpPr>
+          <p:cNvPr id="6" name="TextBox 5">
+            <a:extLst>
+              <a:ext uri="{FF2B5EF4-FFF2-40B4-BE49-F238E27FC236}">
+                <a16:creationId xmlns:a16="http://schemas.microsoft.com/office/drawing/2014/main" id="{5A9CF64A-7E41-4845-A20B-C70BFBECA20F}"/>
+              </a:ext>
+            </a:extLst>
+          </p:cNvPr>
+          <p:cNvSpPr txBox="1"/>
+          <p:nvPr/>
+        </p:nvSpPr>
+        <p:spPr>
+          <a:xfrm>
+            <a:off x="6841026" y="3749159"/>
+            <a:ext cx="4910383" cy="369332"/>
+          </a:xfrm>
+          <a:prstGeom prst="rect">
+            <a:avLst/>
+          </a:prstGeom>
+          <a:noFill/>
+        </p:spPr>
+        <p:txBody>
+          <a:bodyPr wrap="none" rtlCol="0">
+            <a:spAutoFit/>
+          </a:bodyPr>
+          <a:lstStyle/>
+          <a:p>
+            <a:r>
+              <a:rPr lang="en-US" dirty="0"/>
+              <a:t>[[1984, 'Amadeus', 1], [1985, 'Out of Africa', 1]]</a:t>
+            </a:r>
+          </a:p>
+        </p:txBody>
+      </p:sp>
+      <p:sp>
+        <p:nvSpPr>
+          <p:cNvPr id="7" name="Right Arrow 6">
+            <a:extLst>
+              <a:ext uri="{FF2B5EF4-FFF2-40B4-BE49-F238E27FC236}">
+                <a16:creationId xmlns:a16="http://schemas.microsoft.com/office/drawing/2014/main" id="{A8DD2075-543D-254F-BDF0-C94AAAFD70F5}"/>
+              </a:ext>
+            </a:extLst>
+          </p:cNvPr>
+          <p:cNvSpPr/>
+          <p:nvPr/>
+        </p:nvSpPr>
+        <p:spPr>
+          <a:xfrm>
+            <a:off x="5465009" y="3749159"/>
+            <a:ext cx="978408" cy="484632"/>
+          </a:xfrm>
+          <a:prstGeom prst="rightArrow">
+            <a:avLst/>
+          </a:prstGeom>
+          <a:solidFill>
+            <a:schemeClr val="accent1">
+              <a:lumMod val="40000"/>
+              <a:lumOff val="60000"/>
+            </a:schemeClr>
+          </a:solidFill>
+        </p:spPr>
+        <p:style>
+          <a:lnRef idx="2">
+            <a:schemeClr val="accent1">
+              <a:shade val="50000"/>
+            </a:schemeClr>
+          </a:lnRef>
+          <a:fillRef idx="1">
+            <a:schemeClr val="accent1"/>
+          </a:fillRef>
+          <a:effectRef idx="0">
+            <a:schemeClr val="accent1"/>
+          </a:effectRef>
+          <a:fontRef idx="minor">
+            <a:schemeClr val="lt1"/>
+          </a:fontRef>
+        </p:style>
+        <p:txBody>
+          <a:bodyPr rtlCol="0" anchor="ctr"/>
+          <a:lstStyle/>
+          <a:p>
+            <a:pPr algn="ctr"/>
+            <a:endParaRPr lang="en-US" dirty="0"/>
+          </a:p>
+        </p:txBody>
+      </p:sp>
+    </p:spTree>
+    <p:extLst>
+      <p:ext uri="{BB962C8B-B14F-4D97-AF65-F5344CB8AC3E}">
+        <p14:creationId xmlns:p14="http://schemas.microsoft.com/office/powerpoint/2010/main" val="2290523565"/>
+      </p:ext>
+    </p:extLst>
+  </p:cSld>
+  <p:clrMapOvr>
+    <a:masterClrMapping/>
+  </p:clrMapOvr>
+</p:sld>
+</file>
+
+<file path=ppt/slides/slide16.xml><?xml version="1.0" encoding="utf-8"?>
+<p:sld xmlns:a="http://schemas.openxmlformats.org/drawingml/2006/main" xmlns:r="http://schemas.openxmlformats.org/officeDocument/2006/relationships" xmlns:p="http://schemas.openxmlformats.org/presentationml/2006/main">
+  <p:cSld>
+    <p:spTree>
+      <p:nvGrpSpPr>
+        <p:cNvPr id="1" name=""/>
+        <p:cNvGrpSpPr/>
+        <p:nvPr/>
+      </p:nvGrpSpPr>
+      <p:grpSpPr>
+        <a:xfrm>
+          <a:off x="0" y="0"/>
+          <a:ext cx="0" cy="0"/>
+          <a:chOff x="0" y="0"/>
+          <a:chExt cx="0" cy="0"/>
+        </a:xfrm>
+      </p:grpSpPr>
+      <p:sp>
+        <p:nvSpPr>
+          <p:cNvPr id="2" name="Title 1">
+            <a:extLst>
+              <a:ext uri="{FF2B5EF4-FFF2-40B4-BE49-F238E27FC236}">
+                <a16:creationId xmlns:a16="http://schemas.microsoft.com/office/drawing/2014/main" id="{F77FE7A4-2777-5C4D-94F0-04A4ACC6EDEC}"/>
+              </a:ext>
+            </a:extLst>
+          </p:cNvPr>
+          <p:cNvSpPr>
+            <a:spLocks noGrp="1"/>
+          </p:cNvSpPr>
+          <p:nvPr>
+            <p:ph type="title"/>
+          </p:nvPr>
+        </p:nvSpPr>
+        <p:spPr/>
+        <p:txBody>
+          <a:bodyPr/>
+          <a:lstStyle/>
+          <a:p>
+            <a:r>
+              <a:rPr lang="en-US" dirty="0"/>
+              <a:t>Search</a:t>
+            </a:r>
+          </a:p>
+        </p:txBody>
+      </p:sp>
+      <p:sp>
+        <p:nvSpPr>
+          <p:cNvPr id="3" name="Content Placeholder 2">
+            <a:extLst>
+              <a:ext uri="{FF2B5EF4-FFF2-40B4-BE49-F238E27FC236}">
+                <a16:creationId xmlns:a16="http://schemas.microsoft.com/office/drawing/2014/main" id="{B69CD4CA-618D-464C-A267-0B28C30F1F5A}"/>
+              </a:ext>
+            </a:extLst>
+          </p:cNvPr>
+          <p:cNvSpPr>
+            <a:spLocks noGrp="1"/>
+          </p:cNvSpPr>
+          <p:nvPr>
+            <p:ph idx="1"/>
+          </p:nvPr>
+        </p:nvSpPr>
+        <p:spPr>
+          <a:xfrm>
+            <a:off x="838200" y="1438507"/>
+            <a:ext cx="10515600" cy="4738456"/>
+          </a:xfrm>
+        </p:spPr>
+        <p:txBody>
+          <a:bodyPr/>
+          <a:lstStyle/>
+          <a:p>
+            <a:r>
+              <a:rPr lang="en-US" dirty="0"/>
+              <a:t>The filter operation finds all elements in a sequence that satisfy a specific condition, but often we'd like to know which element satisfies the condition first (or last)</a:t>
+            </a:r>
+          </a:p>
+          <a:p>
+            <a:r>
+              <a:rPr lang="en-US" dirty="0"/>
+              <a:t>Search returns the first (or last) position in the sequence rather than the value at that position</a:t>
+            </a:r>
+          </a:p>
+        </p:txBody>
+      </p:sp>
+      <p:sp>
+        <p:nvSpPr>
+          <p:cNvPr id="5" name="TextBox 4">
+            <a:extLst>
+              <a:ext uri="{FF2B5EF4-FFF2-40B4-BE49-F238E27FC236}">
+                <a16:creationId xmlns:a16="http://schemas.microsoft.com/office/drawing/2014/main" id="{8CD8F814-F0B2-C049-8E3A-8D64F3E3F076}"/>
+              </a:ext>
+            </a:extLst>
+          </p:cNvPr>
+          <p:cNvSpPr txBox="1"/>
+          <p:nvPr/>
+        </p:nvSpPr>
+        <p:spPr>
+          <a:xfrm>
+            <a:off x="1294636" y="3622418"/>
+            <a:ext cx="10059164" cy="2554545"/>
+          </a:xfrm>
+          <a:prstGeom prst="rect">
+            <a:avLst/>
+          </a:prstGeom>
+          <a:noFill/>
+        </p:spPr>
+        <p:txBody>
+          <a:bodyPr wrap="none" rtlCol="0">
+            <a:spAutoFit/>
+          </a:bodyPr>
+          <a:lstStyle/>
+          <a:p>
+            <a:r>
               <a:rPr lang="en-US" sz="2000" dirty="0">
                 <a:latin typeface="Consolas" panose="020B0609020204030204" pitchFamily="49" charset="0"/>
                 <a:cs typeface="Consolas" panose="020B0609020204030204" pitchFamily="49" charset="0"/>
@@ -6401,6 +6767,791 @@
     <p:extLst>
       <p:ext uri="{BB962C8B-B14F-4D97-AF65-F5344CB8AC3E}">
         <p14:creationId xmlns:p14="http://schemas.microsoft.com/office/powerpoint/2010/main" val="291572411"/>
+      </p:ext>
+    </p:extLst>
+  </p:cSld>
+  <p:clrMapOvr>
+    <a:masterClrMapping/>
+  </p:clrMapOvr>
+</p:sld>
+</file>
+
+<file path=ppt/slides/slide17.xml><?xml version="1.0" encoding="utf-8"?>
+<p:sld xmlns:a="http://schemas.openxmlformats.org/drawingml/2006/main" xmlns:r="http://schemas.openxmlformats.org/officeDocument/2006/relationships" xmlns:p="http://schemas.openxmlformats.org/presentationml/2006/main">
+  <p:cSld>
+    <p:spTree>
+      <p:nvGrpSpPr>
+        <p:cNvPr id="1" name=""/>
+        <p:cNvGrpSpPr/>
+        <p:nvPr/>
+      </p:nvGrpSpPr>
+      <p:grpSpPr>
+        <a:xfrm>
+          <a:off x="0" y="0"/>
+          <a:ext cx="0" cy="0"/>
+          <a:chOff x="0" y="0"/>
+          <a:chExt cx="0" cy="0"/>
+        </a:xfrm>
+      </p:grpSpPr>
+      <p:sp>
+        <p:nvSpPr>
+          <p:cNvPr id="2" name="Title 1">
+            <a:extLst>
+              <a:ext uri="{FF2B5EF4-FFF2-40B4-BE49-F238E27FC236}">
+                <a16:creationId xmlns:a16="http://schemas.microsoft.com/office/drawing/2014/main" id="{23D4C3EE-2EC7-8F43-98D5-6C2DFB65C734}"/>
+              </a:ext>
+            </a:extLst>
+          </p:cNvPr>
+          <p:cNvSpPr>
+            <a:spLocks noGrp="1"/>
+          </p:cNvSpPr>
+          <p:nvPr>
+            <p:ph type="title"/>
+          </p:nvPr>
+        </p:nvSpPr>
+        <p:spPr/>
+        <p:txBody>
+          <a:bodyPr/>
+          <a:lstStyle/>
+          <a:p>
+            <a:r>
+              <a:rPr lang="en-US" dirty="0"/>
+              <a:t>Grid/matrix processing</a:t>
+            </a:r>
+          </a:p>
+        </p:txBody>
+      </p:sp>
+      <p:sp>
+        <p:nvSpPr>
+          <p:cNvPr id="3" name="Content Placeholder 2">
+            <a:extLst>
+              <a:ext uri="{FF2B5EF4-FFF2-40B4-BE49-F238E27FC236}">
+                <a16:creationId xmlns:a16="http://schemas.microsoft.com/office/drawing/2014/main" id="{E7872409-F1BE-884D-8E51-137F95985FB7}"/>
+              </a:ext>
+            </a:extLst>
+          </p:cNvPr>
+          <p:cNvSpPr>
+            <a:spLocks noGrp="1"/>
+          </p:cNvSpPr>
+          <p:nvPr>
+            <p:ph idx="1"/>
+          </p:nvPr>
+        </p:nvSpPr>
+        <p:spPr>
+          <a:xfrm>
+            <a:off x="838199" y="1600200"/>
+            <a:ext cx="10671313" cy="4576763"/>
+          </a:xfrm>
+        </p:spPr>
+        <p:txBody>
+          <a:bodyPr/>
+          <a:lstStyle/>
+          <a:p>
+            <a:r>
+              <a:rPr lang="en-US" dirty="0"/>
+              <a:t>Any time you need to process each cell in a two dimensional structure such as an image or matrix, think "nested loop"</a:t>
+            </a:r>
+          </a:p>
+          <a:p>
+            <a:r>
+              <a:rPr lang="en-US" dirty="0"/>
+              <a:t>Single loop does 1D, nested loop does 2D, triple loop does 3D... </a:t>
+            </a:r>
+          </a:p>
+        </p:txBody>
+      </p:sp>
+      <p:sp>
+        <p:nvSpPr>
+          <p:cNvPr id="4" name="TextBox 3">
+            <a:extLst>
+              <a:ext uri="{FF2B5EF4-FFF2-40B4-BE49-F238E27FC236}">
+                <a16:creationId xmlns:a16="http://schemas.microsoft.com/office/drawing/2014/main" id="{8A848F8A-21D2-F145-BAD5-D9CAA83C5B21}"/>
+              </a:ext>
+            </a:extLst>
+          </p:cNvPr>
+          <p:cNvSpPr txBox="1"/>
+          <p:nvPr/>
+        </p:nvSpPr>
+        <p:spPr>
+          <a:xfrm>
+            <a:off x="2539920" y="3090335"/>
+            <a:ext cx="8225329" cy="3477875"/>
+          </a:xfrm>
+          <a:prstGeom prst="rect">
+            <a:avLst/>
+          </a:prstGeom>
+          <a:noFill/>
+        </p:spPr>
+        <p:txBody>
+          <a:bodyPr wrap="none" rtlCol="0">
+            <a:spAutoFit/>
+          </a:bodyPr>
+          <a:lstStyle/>
+          <a:p>
+            <a:r>
+              <a:rPr lang="en-US" sz="2000" dirty="0" err="1">
+                <a:latin typeface="Consolas" panose="020B0609020204030204" pitchFamily="49" charset="0"/>
+                <a:cs typeface="Consolas" panose="020B0609020204030204" pitchFamily="49" charset="0"/>
+              </a:rPr>
+              <a:t>nrows</a:t>
+            </a:r>
+            <a:r>
+              <a:rPr lang="en-US" sz="2000" dirty="0">
+                <a:latin typeface="Consolas" panose="020B0609020204030204" pitchFamily="49" charset="0"/>
+                <a:cs typeface="Consolas" panose="020B0609020204030204" pitchFamily="49" charset="0"/>
+              </a:rPr>
+              <a:t> = 3</a:t>
+            </a:r>
+          </a:p>
+          <a:p>
+            <a:r>
+              <a:rPr lang="en-US" sz="2000" dirty="0" err="1">
+                <a:latin typeface="Consolas" panose="020B0609020204030204" pitchFamily="49" charset="0"/>
+                <a:cs typeface="Consolas" panose="020B0609020204030204" pitchFamily="49" charset="0"/>
+              </a:rPr>
+              <a:t>ncols</a:t>
+            </a:r>
+            <a:r>
+              <a:rPr lang="en-US" sz="2000" dirty="0">
+                <a:latin typeface="Consolas" panose="020B0609020204030204" pitchFamily="49" charset="0"/>
+                <a:cs typeface="Consolas" panose="020B0609020204030204" pitchFamily="49" charset="0"/>
+              </a:rPr>
+              <a:t> = 3</a:t>
+            </a:r>
+          </a:p>
+          <a:p>
+            <a:r>
+              <a:rPr lang="en-US" sz="2000" dirty="0">
+                <a:latin typeface="Consolas" panose="020B0609020204030204" pitchFamily="49" charset="0"/>
+                <a:cs typeface="Consolas" panose="020B0609020204030204" pitchFamily="49" charset="0"/>
+              </a:rPr>
+              <a:t># column j value varies more quickly than the row </a:t>
+            </a:r>
+            <a:r>
+              <a:rPr lang="en-US" sz="2000" dirty="0" err="1">
+                <a:latin typeface="Consolas" panose="020B0609020204030204" pitchFamily="49" charset="0"/>
+                <a:cs typeface="Consolas" panose="020B0609020204030204" pitchFamily="49" charset="0"/>
+              </a:rPr>
+              <a:t>i</a:t>
+            </a:r>
+            <a:r>
+              <a:rPr lang="en-US" sz="2000" dirty="0">
+                <a:latin typeface="Consolas" panose="020B0609020204030204" pitchFamily="49" charset="0"/>
+                <a:cs typeface="Consolas" panose="020B0609020204030204" pitchFamily="49" charset="0"/>
+              </a:rPr>
+              <a:t> value</a:t>
+            </a:r>
+          </a:p>
+          <a:p>
+            <a:r>
+              <a:rPr lang="en-US" sz="2000" dirty="0">
+                <a:latin typeface="Consolas" panose="020B0609020204030204" pitchFamily="49" charset="0"/>
+                <a:cs typeface="Consolas" panose="020B0609020204030204" pitchFamily="49" charset="0"/>
+              </a:rPr>
+              <a:t>for </a:t>
+            </a:r>
+            <a:r>
+              <a:rPr lang="en-US" sz="2000" dirty="0" err="1">
+                <a:latin typeface="Consolas" panose="020B0609020204030204" pitchFamily="49" charset="0"/>
+                <a:cs typeface="Consolas" panose="020B0609020204030204" pitchFamily="49" charset="0"/>
+              </a:rPr>
+              <a:t>i</a:t>
+            </a:r>
+            <a:r>
+              <a:rPr lang="en-US" sz="2000" dirty="0">
+                <a:latin typeface="Consolas" panose="020B0609020204030204" pitchFamily="49" charset="0"/>
+                <a:cs typeface="Consolas" panose="020B0609020204030204" pitchFamily="49" charset="0"/>
+              </a:rPr>
+              <a:t> in range(</a:t>
+            </a:r>
+            <a:r>
+              <a:rPr lang="en-US" sz="2000" dirty="0" err="1">
+                <a:latin typeface="Consolas" panose="020B0609020204030204" pitchFamily="49" charset="0"/>
+                <a:cs typeface="Consolas" panose="020B0609020204030204" pitchFamily="49" charset="0"/>
+              </a:rPr>
+              <a:t>nrows</a:t>
+            </a:r>
+            <a:r>
+              <a:rPr lang="en-US" sz="2000" dirty="0">
+                <a:latin typeface="Consolas" panose="020B0609020204030204" pitchFamily="49" charset="0"/>
+                <a:cs typeface="Consolas" panose="020B0609020204030204" pitchFamily="49" charset="0"/>
+              </a:rPr>
+              <a:t>):</a:t>
+            </a:r>
+          </a:p>
+          <a:p>
+            <a:r>
+              <a:rPr lang="en-US" sz="2000" dirty="0">
+                <a:latin typeface="Consolas" panose="020B0609020204030204" pitchFamily="49" charset="0"/>
+                <a:cs typeface="Consolas" panose="020B0609020204030204" pitchFamily="49" charset="0"/>
+              </a:rPr>
+              <a:t>    for j in range(</a:t>
+            </a:r>
+            <a:r>
+              <a:rPr lang="en-US" sz="2000" dirty="0" err="1">
+                <a:latin typeface="Consolas" panose="020B0609020204030204" pitchFamily="49" charset="0"/>
+                <a:cs typeface="Consolas" panose="020B0609020204030204" pitchFamily="49" charset="0"/>
+              </a:rPr>
+              <a:t>ncols</a:t>
+            </a:r>
+            <a:r>
+              <a:rPr lang="en-US" sz="2000" dirty="0">
+                <a:latin typeface="Consolas" panose="020B0609020204030204" pitchFamily="49" charset="0"/>
+                <a:cs typeface="Consolas" panose="020B0609020204030204" pitchFamily="49" charset="0"/>
+              </a:rPr>
+              <a:t>):</a:t>
+            </a:r>
+          </a:p>
+          <a:p>
+            <a:r>
+              <a:rPr lang="en-US" sz="2000" dirty="0">
+                <a:latin typeface="Consolas" panose="020B0609020204030204" pitchFamily="49" charset="0"/>
+                <a:cs typeface="Consolas" panose="020B0609020204030204" pitchFamily="49" charset="0"/>
+              </a:rPr>
+              <a:t>        print( </a:t>
+            </a:r>
+            <a:r>
+              <a:rPr lang="en-US" sz="2000" dirty="0" err="1">
+                <a:latin typeface="Consolas" panose="020B0609020204030204" pitchFamily="49" charset="0"/>
+                <a:cs typeface="Consolas" panose="020B0609020204030204" pitchFamily="49" charset="0"/>
+              </a:rPr>
+              <a:t>i</a:t>
+            </a:r>
+            <a:r>
+              <a:rPr lang="en-US" sz="2000" dirty="0">
+                <a:latin typeface="Consolas" panose="020B0609020204030204" pitchFamily="49" charset="0"/>
+                <a:cs typeface="Consolas" panose="020B0609020204030204" pitchFamily="49" charset="0"/>
+              </a:rPr>
+              <a:t>, j )</a:t>
+            </a:r>
+          </a:p>
+          <a:p>
+            <a:endParaRPr lang="en-US" sz="2000" dirty="0">
+              <a:latin typeface="Consolas" panose="020B0609020204030204" pitchFamily="49" charset="0"/>
+              <a:cs typeface="Consolas" panose="020B0609020204030204" pitchFamily="49" charset="0"/>
+            </a:endParaRPr>
+          </a:p>
+          <a:p>
+            <a:r>
+              <a:rPr lang="en-US" sz="2000" dirty="0">
+                <a:latin typeface="Consolas" panose="020B0609020204030204" pitchFamily="49" charset="0"/>
+                <a:cs typeface="Consolas" panose="020B0609020204030204" pitchFamily="49" charset="0"/>
+              </a:rPr>
+              <a:t># row </a:t>
+            </a:r>
+            <a:r>
+              <a:rPr lang="en-US" sz="2000" dirty="0" err="1">
+                <a:latin typeface="Consolas" panose="020B0609020204030204" pitchFamily="49" charset="0"/>
+                <a:cs typeface="Consolas" panose="020B0609020204030204" pitchFamily="49" charset="0"/>
+              </a:rPr>
+              <a:t>i</a:t>
+            </a:r>
+            <a:r>
+              <a:rPr lang="en-US" sz="2000" dirty="0">
+                <a:latin typeface="Consolas" panose="020B0609020204030204" pitchFamily="49" charset="0"/>
+                <a:cs typeface="Consolas" panose="020B0609020204030204" pitchFamily="49" charset="0"/>
+              </a:rPr>
+              <a:t> value varies more quickly than j</a:t>
+            </a:r>
+          </a:p>
+          <a:p>
+            <a:r>
+              <a:rPr lang="en-US" sz="2000" dirty="0">
+                <a:latin typeface="Consolas" panose="020B0609020204030204" pitchFamily="49" charset="0"/>
+                <a:cs typeface="Consolas" panose="020B0609020204030204" pitchFamily="49" charset="0"/>
+              </a:rPr>
+              <a:t>for j in range(</a:t>
+            </a:r>
+            <a:r>
+              <a:rPr lang="en-US" sz="2000" dirty="0" err="1">
+                <a:latin typeface="Consolas" panose="020B0609020204030204" pitchFamily="49" charset="0"/>
+                <a:cs typeface="Consolas" panose="020B0609020204030204" pitchFamily="49" charset="0"/>
+              </a:rPr>
+              <a:t>ncols</a:t>
+            </a:r>
+            <a:r>
+              <a:rPr lang="en-US" sz="2000" dirty="0">
+                <a:latin typeface="Consolas" panose="020B0609020204030204" pitchFamily="49" charset="0"/>
+                <a:cs typeface="Consolas" panose="020B0609020204030204" pitchFamily="49" charset="0"/>
+              </a:rPr>
+              <a:t>):</a:t>
+            </a:r>
+          </a:p>
+          <a:p>
+            <a:r>
+              <a:rPr lang="en-US" sz="2000" dirty="0">
+                <a:latin typeface="Consolas" panose="020B0609020204030204" pitchFamily="49" charset="0"/>
+                <a:cs typeface="Consolas" panose="020B0609020204030204" pitchFamily="49" charset="0"/>
+              </a:rPr>
+              <a:t>    for </a:t>
+            </a:r>
+            <a:r>
+              <a:rPr lang="en-US" sz="2000" dirty="0" err="1">
+                <a:latin typeface="Consolas" panose="020B0609020204030204" pitchFamily="49" charset="0"/>
+                <a:cs typeface="Consolas" panose="020B0609020204030204" pitchFamily="49" charset="0"/>
+              </a:rPr>
+              <a:t>i</a:t>
+            </a:r>
+            <a:r>
+              <a:rPr lang="en-US" sz="2000" dirty="0">
+                <a:latin typeface="Consolas" panose="020B0609020204030204" pitchFamily="49" charset="0"/>
+                <a:cs typeface="Consolas" panose="020B0609020204030204" pitchFamily="49" charset="0"/>
+              </a:rPr>
+              <a:t> in range(</a:t>
+            </a:r>
+            <a:r>
+              <a:rPr lang="en-US" sz="2000" dirty="0" err="1">
+                <a:latin typeface="Consolas" panose="020B0609020204030204" pitchFamily="49" charset="0"/>
+                <a:cs typeface="Consolas" panose="020B0609020204030204" pitchFamily="49" charset="0"/>
+              </a:rPr>
+              <a:t>nrows</a:t>
+            </a:r>
+            <a:r>
+              <a:rPr lang="en-US" sz="2000" dirty="0">
+                <a:latin typeface="Consolas" panose="020B0609020204030204" pitchFamily="49" charset="0"/>
+                <a:cs typeface="Consolas" panose="020B0609020204030204" pitchFamily="49" charset="0"/>
+              </a:rPr>
+              <a:t>):</a:t>
+            </a:r>
+          </a:p>
+          <a:p>
+            <a:r>
+              <a:rPr lang="en-US" sz="2000" dirty="0">
+                <a:latin typeface="Consolas" panose="020B0609020204030204" pitchFamily="49" charset="0"/>
+                <a:cs typeface="Consolas" panose="020B0609020204030204" pitchFamily="49" charset="0"/>
+              </a:rPr>
+              <a:t>        print( </a:t>
+            </a:r>
+            <a:r>
+              <a:rPr lang="en-US" sz="2000" dirty="0" err="1">
+                <a:latin typeface="Consolas" panose="020B0609020204030204" pitchFamily="49" charset="0"/>
+                <a:cs typeface="Consolas" panose="020B0609020204030204" pitchFamily="49" charset="0"/>
+              </a:rPr>
+              <a:t>i</a:t>
+            </a:r>
+            <a:r>
+              <a:rPr lang="en-US" sz="2000" dirty="0">
+                <a:latin typeface="Consolas" panose="020B0609020204030204" pitchFamily="49" charset="0"/>
+                <a:cs typeface="Consolas" panose="020B0609020204030204" pitchFamily="49" charset="0"/>
+              </a:rPr>
+              <a:t>, j )</a:t>
+            </a:r>
+          </a:p>
+        </p:txBody>
+      </p:sp>
+      <p:sp>
+        <p:nvSpPr>
+          <p:cNvPr id="5" name="TextBox 4">
+            <a:extLst>
+              <a:ext uri="{FF2B5EF4-FFF2-40B4-BE49-F238E27FC236}">
+                <a16:creationId xmlns:a16="http://schemas.microsoft.com/office/drawing/2014/main" id="{8756EA78-48AD-454C-8642-7427DC15FC0C}"/>
+              </a:ext>
+            </a:extLst>
+          </p:cNvPr>
+          <p:cNvSpPr txBox="1"/>
+          <p:nvPr/>
+        </p:nvSpPr>
+        <p:spPr>
+          <a:xfrm>
+            <a:off x="0" y="6492875"/>
+            <a:ext cx="2813591" cy="369332"/>
+          </a:xfrm>
+          <a:prstGeom prst="rect">
+            <a:avLst/>
+          </a:prstGeom>
+          <a:noFill/>
+        </p:spPr>
+        <p:txBody>
+          <a:bodyPr wrap="none" rtlCol="0">
+            <a:spAutoFit/>
+          </a:bodyPr>
+          <a:lstStyle/>
+          <a:p>
+            <a:r>
+              <a:rPr lang="en-US" dirty="0">
+                <a:hlinkClick r:id="rId2"/>
+              </a:rPr>
+              <a:t>Experiment in </a:t>
+            </a:r>
+            <a:r>
+              <a:rPr lang="en-US" dirty="0" err="1">
+                <a:hlinkClick r:id="rId2"/>
+              </a:rPr>
+              <a:t>pythontutor</a:t>
+            </a:r>
+            <a:endParaRPr lang="en-US" dirty="0"/>
+          </a:p>
+        </p:txBody>
+      </p:sp>
+      <p:pic>
+        <p:nvPicPr>
+          <p:cNvPr id="1026" name="Picture 2">
+            <a:extLst>
+              <a:ext uri="{FF2B5EF4-FFF2-40B4-BE49-F238E27FC236}">
+                <a16:creationId xmlns:a16="http://schemas.microsoft.com/office/drawing/2014/main" id="{BDFDE402-8C7F-8746-9BC3-B260A69F5534}"/>
+              </a:ext>
+            </a:extLst>
+          </p:cNvPr>
+          <p:cNvPicPr>
+            <a:picLocks noChangeAspect="1" noChangeArrowheads="1"/>
+          </p:cNvPicPr>
+          <p:nvPr/>
+        </p:nvPicPr>
+        <p:blipFill>
+          <a:blip r:embed="rId3">
+            <a:extLst>
+              <a:ext uri="{28A0092B-C50C-407E-A947-70E740481C1C}">
+                <a14:useLocalDpi xmlns:a14="http://schemas.microsoft.com/office/drawing/2010/main" val="0"/>
+              </a:ext>
+            </a:extLst>
+          </a:blip>
+          <a:srcRect/>
+          <a:stretch>
+            <a:fillRect/>
+          </a:stretch>
+        </p:blipFill>
+        <p:spPr bwMode="auto">
+          <a:xfrm>
+            <a:off x="9740347" y="71128"/>
+            <a:ext cx="2345628" cy="1436961"/>
+          </a:xfrm>
+          <a:prstGeom prst="rect">
+            <a:avLst/>
+          </a:prstGeom>
+          <a:noFill/>
+          <a:extLst>
+            <a:ext uri="{909E8E84-426E-40DD-AFC4-6F175D3DCCD1}">
+              <a14:hiddenFill xmlns:a14="http://schemas.microsoft.com/office/drawing/2010/main">
+                <a:solidFill>
+                  <a:srgbClr val="FFFFFF"/>
+                </a:solidFill>
+              </a14:hiddenFill>
+            </a:ext>
+          </a:extLst>
+        </p:spPr>
+      </p:pic>
+    </p:spTree>
+    <p:extLst>
+      <p:ext uri="{BB962C8B-B14F-4D97-AF65-F5344CB8AC3E}">
+        <p14:creationId xmlns:p14="http://schemas.microsoft.com/office/powerpoint/2010/main" val="1299248187"/>
+      </p:ext>
+    </p:extLst>
+  </p:cSld>
+  <p:clrMapOvr>
+    <a:masterClrMapping/>
+  </p:clrMapOvr>
+</p:sld>
+</file>
+
+<file path=ppt/slides/slide18.xml><?xml version="1.0" encoding="utf-8"?>
+<p:sld xmlns:a="http://schemas.openxmlformats.org/drawingml/2006/main" xmlns:r="http://schemas.openxmlformats.org/officeDocument/2006/relationships" xmlns:p="http://schemas.openxmlformats.org/presentationml/2006/main">
+  <p:cSld>
+    <p:spTree>
+      <p:nvGrpSpPr>
+        <p:cNvPr id="1" name=""/>
+        <p:cNvGrpSpPr/>
+        <p:nvPr/>
+      </p:nvGrpSpPr>
+      <p:grpSpPr>
+        <a:xfrm>
+          <a:off x="0" y="0"/>
+          <a:ext cx="0" cy="0"/>
+          <a:chOff x="0" y="0"/>
+          <a:chExt cx="0" cy="0"/>
+        </a:xfrm>
+      </p:grpSpPr>
+      <p:sp>
+        <p:nvSpPr>
+          <p:cNvPr id="2" name="Title 1">
+            <a:extLst>
+              <a:ext uri="{FF2B5EF4-FFF2-40B4-BE49-F238E27FC236}">
+                <a16:creationId xmlns:a16="http://schemas.microsoft.com/office/drawing/2014/main" id="{79BF3B7B-A1F8-C248-8AAA-D4E062C8D7B4}"/>
+              </a:ext>
+            </a:extLst>
+          </p:cNvPr>
+          <p:cNvSpPr>
+            <a:spLocks noGrp="1"/>
+          </p:cNvSpPr>
+          <p:nvPr>
+            <p:ph type="title"/>
+          </p:nvPr>
+        </p:nvSpPr>
+        <p:spPr/>
+        <p:txBody>
+          <a:bodyPr/>
+          <a:lstStyle/>
+          <a:p>
+            <a:r>
+              <a:rPr lang="en-US" dirty="0"/>
+              <a:t>Image processing</a:t>
+            </a:r>
+          </a:p>
+        </p:txBody>
+      </p:sp>
+      <p:sp>
+        <p:nvSpPr>
+          <p:cNvPr id="3" name="Content Placeholder 2">
+            <a:extLst>
+              <a:ext uri="{FF2B5EF4-FFF2-40B4-BE49-F238E27FC236}">
+                <a16:creationId xmlns:a16="http://schemas.microsoft.com/office/drawing/2014/main" id="{923B946B-8376-AB43-B016-EF840EC9F120}"/>
+              </a:ext>
+            </a:extLst>
+          </p:cNvPr>
+          <p:cNvSpPr>
+            <a:spLocks noGrp="1"/>
+          </p:cNvSpPr>
+          <p:nvPr>
+            <p:ph idx="1"/>
+          </p:nvPr>
+        </p:nvSpPr>
+        <p:spPr/>
+        <p:txBody>
+          <a:bodyPr/>
+          <a:lstStyle/>
+          <a:p>
+            <a:r>
+              <a:rPr lang="en-US" dirty="0"/>
+              <a:t>The images project requires that you traverse</a:t>
+            </a:r>
+            <a:br>
+              <a:rPr lang="en-US" dirty="0"/>
+            </a:br>
+            <a:r>
+              <a:rPr lang="en-US" dirty="0"/>
+              <a:t>the </a:t>
+            </a:r>
+            <a:r>
+              <a:rPr lang="en-US" dirty="0" err="1"/>
+              <a:t>x,y</a:t>
+            </a:r>
+            <a:r>
+              <a:rPr lang="en-US" dirty="0"/>
+              <a:t> coordinates of images</a:t>
+            </a:r>
+          </a:p>
+          <a:p>
+            <a:r>
+              <a:rPr lang="en-US" dirty="0"/>
+              <a:t>An image is nothing more than a 2D matrix</a:t>
+            </a:r>
+            <a:br>
+              <a:rPr lang="en-US" dirty="0"/>
+            </a:br>
+            <a:r>
+              <a:rPr lang="en-US" dirty="0"/>
+              <a:t>whose entries are grayscale pixels in 0 to 255</a:t>
+            </a:r>
+          </a:p>
+          <a:p>
+            <a:r>
+              <a:rPr lang="en-US" dirty="0"/>
+              <a:t>A pixel value of 0 is black and 255 is white</a:t>
+            </a:r>
+          </a:p>
+        </p:txBody>
+      </p:sp>
+      <p:pic>
+        <p:nvPicPr>
+          <p:cNvPr id="2050" name="Picture 2">
+            <a:extLst>
+              <a:ext uri="{FF2B5EF4-FFF2-40B4-BE49-F238E27FC236}">
+                <a16:creationId xmlns:a16="http://schemas.microsoft.com/office/drawing/2014/main" id="{D1EAA01E-E700-4143-922A-2E2E10DDD956}"/>
+              </a:ext>
+            </a:extLst>
+          </p:cNvPr>
+          <p:cNvPicPr>
+            <a:picLocks noChangeAspect="1" noChangeArrowheads="1"/>
+          </p:cNvPicPr>
+          <p:nvPr/>
+        </p:nvPicPr>
+        <p:blipFill>
+          <a:blip r:embed="rId2">
+            <a:extLst>
+              <a:ext uri="{28A0092B-C50C-407E-A947-70E740481C1C}">
+                <a14:useLocalDpi xmlns:a14="http://schemas.microsoft.com/office/drawing/2010/main" val="0"/>
+              </a:ext>
+            </a:extLst>
+          </a:blip>
+          <a:srcRect/>
+          <a:stretch>
+            <a:fillRect/>
+          </a:stretch>
+        </p:blipFill>
+        <p:spPr bwMode="auto">
+          <a:xfrm>
+            <a:off x="7404652" y="31598"/>
+            <a:ext cx="4662350" cy="3318180"/>
+          </a:xfrm>
+          <a:prstGeom prst="rect">
+            <a:avLst/>
+          </a:prstGeom>
+          <a:noFill/>
+          <a:extLst>
+            <a:ext uri="{909E8E84-426E-40DD-AFC4-6F175D3DCCD1}">
+              <a14:hiddenFill xmlns:a14="http://schemas.microsoft.com/office/drawing/2010/main">
+                <a:solidFill>
+                  <a:srgbClr val="FFFFFF"/>
+                </a:solidFill>
+              </a14:hiddenFill>
+            </a:ext>
+          </a:extLst>
+        </p:spPr>
+      </p:pic>
+      <p:sp>
+        <p:nvSpPr>
+          <p:cNvPr id="5" name="TextBox 4">
+            <a:extLst>
+              <a:ext uri="{FF2B5EF4-FFF2-40B4-BE49-F238E27FC236}">
+                <a16:creationId xmlns:a16="http://schemas.microsoft.com/office/drawing/2014/main" id="{64900176-FFB4-0240-A204-5C368A4FBB75}"/>
+              </a:ext>
+            </a:extLst>
+          </p:cNvPr>
+          <p:cNvSpPr txBox="1"/>
+          <p:nvPr/>
+        </p:nvSpPr>
+        <p:spPr>
+          <a:xfrm>
+            <a:off x="2301381" y="4372908"/>
+            <a:ext cx="5404043" cy="1323439"/>
+          </a:xfrm>
+          <a:prstGeom prst="rect">
+            <a:avLst/>
+          </a:prstGeom>
+          <a:noFill/>
+        </p:spPr>
+        <p:txBody>
+          <a:bodyPr wrap="none" rtlCol="0">
+            <a:spAutoFit/>
+          </a:bodyPr>
+          <a:lstStyle/>
+          <a:p>
+            <a:r>
+              <a:rPr lang="en-US" sz="2000" dirty="0">
+                <a:latin typeface="Consolas" panose="020B0609020204030204" pitchFamily="49" charset="0"/>
+                <a:cs typeface="Consolas" panose="020B0609020204030204" pitchFamily="49" charset="0"/>
+              </a:rPr>
+              <a:t># walk top-down: row-by-row of pixels</a:t>
+            </a:r>
+          </a:p>
+          <a:p>
+            <a:r>
+              <a:rPr lang="en-US" sz="2000" dirty="0">
+                <a:latin typeface="Consolas" panose="020B0609020204030204" pitchFamily="49" charset="0"/>
+                <a:cs typeface="Consolas" panose="020B0609020204030204" pitchFamily="49" charset="0"/>
+              </a:rPr>
+              <a:t>for y in range(height):</a:t>
+            </a:r>
+          </a:p>
+          <a:p>
+            <a:r>
+              <a:rPr lang="en-US" sz="2000" dirty="0">
+                <a:latin typeface="Consolas" panose="020B0609020204030204" pitchFamily="49" charset="0"/>
+                <a:cs typeface="Consolas" panose="020B0609020204030204" pitchFamily="49" charset="0"/>
+              </a:rPr>
+              <a:t>    for x in range(width):</a:t>
+            </a:r>
+          </a:p>
+          <a:p>
+            <a:r>
+              <a:rPr lang="en-US" sz="2000" dirty="0">
+                <a:latin typeface="Consolas" panose="020B0609020204030204" pitchFamily="49" charset="0"/>
+                <a:cs typeface="Consolas" panose="020B0609020204030204" pitchFamily="49" charset="0"/>
+              </a:rPr>
+              <a:t>        print( x, y )</a:t>
+            </a:r>
+          </a:p>
+        </p:txBody>
+      </p:sp>
+    </p:spTree>
+    <p:extLst>
+      <p:ext uri="{BB962C8B-B14F-4D97-AF65-F5344CB8AC3E}">
+        <p14:creationId xmlns:p14="http://schemas.microsoft.com/office/powerpoint/2010/main" val="586665330"/>
+      </p:ext>
+    </p:extLst>
+  </p:cSld>
+  <p:clrMapOvr>
+    <a:masterClrMapping/>
+  </p:clrMapOvr>
+</p:sld>
+</file>
+
+<file path=ppt/slides/slide19.xml><?xml version="1.0" encoding="utf-8"?>
+<p:sld xmlns:a="http://schemas.openxmlformats.org/drawingml/2006/main" xmlns:r="http://schemas.openxmlformats.org/officeDocument/2006/relationships" xmlns:p="http://schemas.openxmlformats.org/presentationml/2006/main">
+  <p:cSld>
+    <p:spTree>
+      <p:nvGrpSpPr>
+        <p:cNvPr id="1" name=""/>
+        <p:cNvGrpSpPr/>
+        <p:nvPr/>
+      </p:nvGrpSpPr>
+      <p:grpSpPr>
+        <a:xfrm>
+          <a:off x="0" y="0"/>
+          <a:ext cx="0" cy="0"/>
+          <a:chOff x="0" y="0"/>
+          <a:chExt cx="0" cy="0"/>
+        </a:xfrm>
+      </p:grpSpPr>
+      <p:sp>
+        <p:nvSpPr>
+          <p:cNvPr id="2" name="Title 1">
+            <a:extLst>
+              <a:ext uri="{FF2B5EF4-FFF2-40B4-BE49-F238E27FC236}">
+                <a16:creationId xmlns:a16="http://schemas.microsoft.com/office/drawing/2014/main" id="{1D8F4D5E-0D5D-EC4E-B0CF-6809A12A1924}"/>
+              </a:ext>
+            </a:extLst>
+          </p:cNvPr>
+          <p:cNvSpPr>
+            <a:spLocks noGrp="1"/>
+          </p:cNvSpPr>
+          <p:nvPr>
+            <p:ph type="title"/>
+          </p:nvPr>
+        </p:nvSpPr>
+        <p:spPr/>
+        <p:txBody>
+          <a:bodyPr/>
+          <a:lstStyle/>
+          <a:p>
+            <a:r>
+              <a:rPr lang="en-US" dirty="0"/>
+              <a:t>Applying patterns</a:t>
+            </a:r>
+          </a:p>
+        </p:txBody>
+      </p:sp>
+      <p:sp>
+        <p:nvSpPr>
+          <p:cNvPr id="3" name="Text Placeholder 2">
+            <a:extLst>
+              <a:ext uri="{FF2B5EF4-FFF2-40B4-BE49-F238E27FC236}">
+                <a16:creationId xmlns:a16="http://schemas.microsoft.com/office/drawing/2014/main" id="{E51EADA2-28D3-574B-B264-D57FECAAEDE9}"/>
+              </a:ext>
+            </a:extLst>
+          </p:cNvPr>
+          <p:cNvSpPr>
+            <a:spLocks noGrp="1"/>
+          </p:cNvSpPr>
+          <p:nvPr>
+            <p:ph type="body" idx="1"/>
+          </p:nvPr>
+        </p:nvSpPr>
+        <p:spPr/>
+        <p:txBody>
+          <a:bodyPr/>
+          <a:lstStyle/>
+          <a:p>
+            <a:r>
+              <a:rPr lang="en-US" dirty="0"/>
+              <a:t>Now that we can read basic Python and have seen some pattern implementations, let's use those patterns to solve some simple problems</a:t>
+            </a:r>
+          </a:p>
+        </p:txBody>
+      </p:sp>
+    </p:spTree>
+    <p:extLst>
+      <p:ext uri="{BB962C8B-B14F-4D97-AF65-F5344CB8AC3E}">
+        <p14:creationId xmlns:p14="http://schemas.microsoft.com/office/powerpoint/2010/main" val="989639452"/>
       </p:ext>
     </p:extLst>
   </p:cSld>
@@ -6432,7 +7583,7 @@
           <p:cNvPr id="2" name="Title 1">
             <a:extLst>
               <a:ext uri="{FF2B5EF4-FFF2-40B4-BE49-F238E27FC236}">
-                <a16:creationId xmlns:a16="http://schemas.microsoft.com/office/drawing/2014/main" id="{D31305A3-AFA0-F14B-BD83-3BE69150C8DB}"/>
+                <a16:creationId xmlns:a16="http://schemas.microsoft.com/office/drawing/2014/main" id="{5A3A5FD8-63E0-F04C-A81B-78F002419295}"/>
               </a:ext>
             </a:extLst>
           </p:cNvPr>
@@ -6449,8 +7600,113 @@
           <a:lstStyle/>
           <a:p>
             <a:r>
+              <a:rPr lang="en-US" dirty="0">
+                <a:hlinkClick r:id="rId2"/>
+              </a:rPr>
+              <a:t>Don Knuth on "geekhood"</a:t>
+            </a:r>
+            <a:endParaRPr lang="en-US" dirty="0"/>
+          </a:p>
+        </p:txBody>
+      </p:sp>
+      <p:sp>
+        <p:nvSpPr>
+          <p:cNvPr id="5" name="Rectangle 4">
+            <a:extLst>
+              <a:ext uri="{FF2B5EF4-FFF2-40B4-BE49-F238E27FC236}">
+                <a16:creationId xmlns:a16="http://schemas.microsoft.com/office/drawing/2014/main" id="{A0D6C001-8DA9-454C-8613-7E2A42C06EA6}"/>
+              </a:ext>
+            </a:extLst>
+          </p:cNvPr>
+          <p:cNvSpPr/>
+          <p:nvPr/>
+        </p:nvSpPr>
+        <p:spPr>
+          <a:xfrm>
+            <a:off x="1789043" y="1922792"/>
+            <a:ext cx="8030818" cy="2677656"/>
+          </a:xfrm>
+          <a:prstGeom prst="rect">
+            <a:avLst/>
+          </a:prstGeom>
+        </p:spPr>
+        <p:txBody>
+          <a:bodyPr wrap="square">
+            <a:spAutoFit/>
+          </a:bodyPr>
+          <a:lstStyle/>
+          <a:p>
+            <a:r>
+              <a:rPr lang="en-US" sz="2800" i="1" dirty="0">
+                <a:solidFill>
+                  <a:srgbClr val="222222"/>
+                </a:solidFill>
+                <a:latin typeface="Arial" panose="020B0604020202020204" pitchFamily="34" charset="0"/>
+                <a:cs typeface="Arial" panose="020B0604020202020204" pitchFamily="34" charset="0"/>
+              </a:rPr>
+              <a:t>The main characteristic is an ability to understand many levels of abstraction simultaneously, and to shift effortlessly between in-the-large and in-the-small. A geek knows that, to achieve a certain high-level goal, you need to add one to a certain counter at a certain time.</a:t>
+            </a:r>
+            <a:endParaRPr lang="en-US" sz="2800" i="1" dirty="0">
+              <a:latin typeface="Arial" panose="020B0604020202020204" pitchFamily="34" charset="0"/>
+              <a:cs typeface="Arial" panose="020B0604020202020204" pitchFamily="34" charset="0"/>
+            </a:endParaRPr>
+          </a:p>
+        </p:txBody>
+      </p:sp>
+    </p:spTree>
+    <p:extLst>
+      <p:ext uri="{BB962C8B-B14F-4D97-AF65-F5344CB8AC3E}">
+        <p14:creationId xmlns:p14="http://schemas.microsoft.com/office/powerpoint/2010/main" val="3050074562"/>
+      </p:ext>
+    </p:extLst>
+  </p:cSld>
+  <p:clrMapOvr>
+    <a:masterClrMapping/>
+  </p:clrMapOvr>
+</p:sld>
+</file>
+
+<file path=ppt/slides/slide20.xml><?xml version="1.0" encoding="utf-8"?>
+<p:sld xmlns:a="http://schemas.openxmlformats.org/drawingml/2006/main" xmlns:r="http://schemas.openxmlformats.org/officeDocument/2006/relationships" xmlns:p="http://schemas.openxmlformats.org/presentationml/2006/main">
+  <p:cSld>
+    <p:spTree>
+      <p:nvGrpSpPr>
+        <p:cNvPr id="1" name=""/>
+        <p:cNvGrpSpPr/>
+        <p:nvPr/>
+      </p:nvGrpSpPr>
+      <p:grpSpPr>
+        <a:xfrm>
+          <a:off x="0" y="0"/>
+          <a:ext cx="0" cy="0"/>
+          <a:chOff x="0" y="0"/>
+          <a:chExt cx="0" cy="0"/>
+        </a:xfrm>
+      </p:grpSpPr>
+      <p:sp>
+        <p:nvSpPr>
+          <p:cNvPr id="2" name="Title 1">
+            <a:extLst>
+              <a:ext uri="{FF2B5EF4-FFF2-40B4-BE49-F238E27FC236}">
+                <a16:creationId xmlns:a16="http://schemas.microsoft.com/office/drawing/2014/main" id="{1C13B5D1-DE7F-A74B-83BD-342241197EEE}"/>
+              </a:ext>
+            </a:extLst>
+          </p:cNvPr>
+          <p:cNvSpPr>
+            <a:spLocks noGrp="1"/>
+          </p:cNvSpPr>
+          <p:nvPr>
+            <p:ph type="title"/>
+          </p:nvPr>
+        </p:nvSpPr>
+        <p:spPr/>
+        <p:txBody>
+          <a:bodyPr/>
+          <a:lstStyle/>
+          <a:p>
+            <a:r>
               <a:rPr lang="en-US" dirty="0"/>
-              <a:t>How programmers design programs</a:t>
+              <a:t>Basic problem-solving strategy</a:t>
             </a:r>
           </a:p>
         </p:txBody>
@@ -6460,7 +7716,7 @@
           <p:cNvPr id="3" name="Content Placeholder 2">
             <a:extLst>
               <a:ext uri="{FF2B5EF4-FFF2-40B4-BE49-F238E27FC236}">
-                <a16:creationId xmlns:a16="http://schemas.microsoft.com/office/drawing/2014/main" id="{A364D2A6-DC96-D943-A6A2-216AA0BA69EF}"/>
+                <a16:creationId xmlns:a16="http://schemas.microsoft.com/office/drawing/2014/main" id="{56FB7E37-5DBC-8245-A0CF-E05C4C292732}"/>
               </a:ext>
             </a:extLst>
           </p:cNvPr>
@@ -6471,53 +7727,3815 @@
             <p:ph idx="1"/>
           </p:nvPr>
         </p:nvSpPr>
-        <p:spPr>
-          <a:xfrm>
-            <a:off x="838200" y="1690688"/>
-            <a:ext cx="10515600" cy="4486275"/>
-          </a:xfrm>
-        </p:spPr>
-        <p:txBody>
-          <a:bodyPr>
-            <a:normAutofit/>
-          </a:bodyPr>
-          <a:lstStyle/>
+        <p:spPr/>
+        <p:txBody>
+          <a:bodyPr/>
+          <a:lstStyle/>
+          <a:p>
+            <a:r>
+              <a:rPr lang="en-US" b="1" dirty="0"/>
+              <a:t>Start with the end result and work your way backwards</a:t>
+            </a:r>
+          </a:p>
           <a:p>
             <a:r>
               <a:rPr lang="en-US" dirty="0"/>
-              <a:t>Experienced programmers draw from a collection of generic high-level / large-scale mental templates as starting points</a:t>
+              <a:t>Ask what the prerequisites are for each step</a:t>
             </a:r>
           </a:p>
           <a:p>
             <a:r>
               <a:rPr lang="en-US" dirty="0"/>
-              <a:t>There are mental templates for desktop GUI apps, machine learning classifiers, web servers, etc....</a:t>
-            </a:r>
-          </a:p>
-          <a:p>
+              <a:t>The processing step or steps preceding step </a:t>
+            </a:r>
+            <a:r>
+              <a:rPr lang="en-US" i="1" dirty="0" err="1"/>
+              <a:t>i</a:t>
+            </a:r>
             <a:r>
               <a:rPr lang="en-US" dirty="0"/>
-              <a:t>A template provides an overall structure for the program, like lawyers tweaking a contract from previous client for new one</a:t>
-            </a:r>
-          </a:p>
-          <a:p>
+              <a:t> compute the data or values needed by step </a:t>
+            </a:r>
+            <a:r>
+              <a:rPr lang="en-US" i="1" dirty="0" err="1"/>
+              <a:t>i</a:t>
+            </a:r>
             <a:r>
               <a:rPr lang="en-US" dirty="0"/>
-              <a:t>Engineers building a new suspension bridge do not proceed as if such a thing has never been built before</a:t>
+              <a:t> </a:t>
             </a:r>
           </a:p>
           <a:p>
             <a:r>
               <a:rPr lang="en-US" dirty="0"/>
-              <a:t>Gaining experience as a programmer means recognizing and remembering patterns in your code</a:t>
-            </a:r>
+              <a:t>E.g., median: to pick middle value, previous step must sort data</a:t>
+            </a:r>
+          </a:p>
+          <a:p>
+            <a:r>
+              <a:rPr lang="en-US" dirty="0"/>
+              <a:t>Data science problems are often solved with an iterative refinement of data approach to arrive at a final result</a:t>
+            </a:r>
+          </a:p>
+          <a:p>
+            <a:endParaRPr lang="en-US" dirty="0"/>
           </a:p>
         </p:txBody>
       </p:sp>
     </p:spTree>
     <p:extLst>
       <p:ext uri="{BB962C8B-B14F-4D97-AF65-F5344CB8AC3E}">
-        <p14:creationId xmlns:p14="http://schemas.microsoft.com/office/powerpoint/2010/main" val="1623707791"/>
+        <p14:creationId xmlns:p14="http://schemas.microsoft.com/office/powerpoint/2010/main" val="1463195429"/>
+      </p:ext>
+    </p:extLst>
+  </p:cSld>
+  <p:clrMapOvr>
+    <a:masterClrMapping/>
+  </p:clrMapOvr>
+</p:sld>
+</file>
+
+<file path=ppt/slides/slide21.xml><?xml version="1.0" encoding="utf-8"?>
+<p:sld xmlns:a="http://schemas.openxmlformats.org/drawingml/2006/main" xmlns:r="http://schemas.openxmlformats.org/officeDocument/2006/relationships" xmlns:p="http://schemas.openxmlformats.org/presentationml/2006/main">
+  <p:cSld>
+    <p:spTree>
+      <p:nvGrpSpPr>
+        <p:cNvPr id="1" name=""/>
+        <p:cNvGrpSpPr/>
+        <p:nvPr/>
+      </p:nvGrpSpPr>
+      <p:grpSpPr>
+        <a:xfrm>
+          <a:off x="0" y="0"/>
+          <a:ext cx="0" cy="0"/>
+          <a:chOff x="0" y="0"/>
+          <a:chExt cx="0" cy="0"/>
+        </a:xfrm>
+      </p:grpSpPr>
+      <p:sp>
+        <p:nvSpPr>
+          <p:cNvPr id="2" name="Title 1">
+            <a:extLst>
+              <a:ext uri="{FF2B5EF4-FFF2-40B4-BE49-F238E27FC236}">
+                <a16:creationId xmlns:a16="http://schemas.microsoft.com/office/drawing/2014/main" id="{0695FE21-29EA-F948-AA36-827B8C29FF84}"/>
+              </a:ext>
+            </a:extLst>
+          </p:cNvPr>
+          <p:cNvSpPr>
+            <a:spLocks noGrp="1"/>
+          </p:cNvSpPr>
+          <p:nvPr>
+            <p:ph type="title"/>
+          </p:nvPr>
+        </p:nvSpPr>
+        <p:spPr/>
+        <p:txBody>
+          <a:bodyPr/>
+          <a:lstStyle/>
+          <a:p>
+            <a:r>
+              <a:rPr lang="en-US" dirty="0"/>
+              <a:t>Exercise</a:t>
+            </a:r>
+          </a:p>
+        </p:txBody>
+      </p:sp>
+      <p:sp>
+        <p:nvSpPr>
+          <p:cNvPr id="3" name="Content Placeholder 2">
+            <a:extLst>
+              <a:ext uri="{FF2B5EF4-FFF2-40B4-BE49-F238E27FC236}">
+                <a16:creationId xmlns:a16="http://schemas.microsoft.com/office/drawing/2014/main" id="{11154197-535E-FC43-B531-73F53DD6A36C}"/>
+              </a:ext>
+            </a:extLst>
+          </p:cNvPr>
+          <p:cNvSpPr>
+            <a:spLocks noGrp="1"/>
+          </p:cNvSpPr>
+          <p:nvPr>
+            <p:ph idx="1"/>
+          </p:nvPr>
+        </p:nvSpPr>
+        <p:spPr/>
+        <p:txBody>
+          <a:bodyPr/>
+          <a:lstStyle/>
+          <a:p>
+            <a:r>
+              <a:rPr lang="en-US" dirty="0"/>
+              <a:t>Given a list of prices, cut the price of each in half</a:t>
+            </a:r>
+          </a:p>
+          <a:p>
+            <a:endParaRPr lang="en-US" dirty="0"/>
+          </a:p>
+          <a:p>
+            <a:endParaRPr lang="en-US" dirty="0"/>
+          </a:p>
+          <a:p>
+            <a:r>
+              <a:rPr lang="en-US" dirty="0"/>
+              <a:t>First, must decide if we are altering in place or creating a new; let's create a new list in general for these exercises</a:t>
+            </a:r>
+          </a:p>
+          <a:p>
+            <a:r>
+              <a:rPr lang="en-US" dirty="0"/>
+              <a:t>Which pattern should we apply?</a:t>
+            </a:r>
+          </a:p>
+        </p:txBody>
+      </p:sp>
+      <p:sp>
+        <p:nvSpPr>
+          <p:cNvPr id="5" name="TextBox 4">
+            <a:extLst>
+              <a:ext uri="{FF2B5EF4-FFF2-40B4-BE49-F238E27FC236}">
+                <a16:creationId xmlns:a16="http://schemas.microsoft.com/office/drawing/2014/main" id="{43980C75-4064-5443-873C-E0298C28529C}"/>
+              </a:ext>
+            </a:extLst>
+          </p:cNvPr>
+          <p:cNvSpPr txBox="1"/>
+          <p:nvPr/>
+        </p:nvSpPr>
+        <p:spPr>
+          <a:xfrm>
+            <a:off x="1997765" y="2574235"/>
+            <a:ext cx="6641562" cy="461665"/>
+          </a:xfrm>
+          <a:prstGeom prst="rect">
+            <a:avLst/>
+          </a:prstGeom>
+          <a:noFill/>
+        </p:spPr>
+        <p:txBody>
+          <a:bodyPr wrap="none" rtlCol="0">
+            <a:spAutoFit/>
+          </a:bodyPr>
+          <a:lstStyle/>
+          <a:p>
+            <a:r>
+              <a:rPr lang="en-US" sz="2400" dirty="0">
+                <a:latin typeface="Consolas" panose="020B0609020204030204" pitchFamily="49" charset="0"/>
+                <a:cs typeface="Consolas" panose="020B0609020204030204" pitchFamily="49" charset="0"/>
+              </a:rPr>
+              <a:t>prices = [38.94, 208.16, 8.69, 195.99]</a:t>
+            </a:r>
+          </a:p>
+        </p:txBody>
+      </p:sp>
+      <p:sp>
+        <p:nvSpPr>
+          <p:cNvPr id="6" name="TextBox 5">
+            <a:extLst>
+              <a:ext uri="{FF2B5EF4-FFF2-40B4-BE49-F238E27FC236}">
+                <a16:creationId xmlns:a16="http://schemas.microsoft.com/office/drawing/2014/main" id="{ED4F557D-7481-5647-8910-3435AFD70D10}"/>
+              </a:ext>
+            </a:extLst>
+          </p:cNvPr>
+          <p:cNvSpPr txBox="1"/>
+          <p:nvPr/>
+        </p:nvSpPr>
+        <p:spPr>
+          <a:xfrm>
+            <a:off x="0" y="6492875"/>
+            <a:ext cx="2813591" cy="369332"/>
+          </a:xfrm>
+          <a:prstGeom prst="rect">
+            <a:avLst/>
+          </a:prstGeom>
+          <a:noFill/>
+        </p:spPr>
+        <p:txBody>
+          <a:bodyPr wrap="none" rtlCol="0">
+            <a:spAutoFit/>
+          </a:bodyPr>
+          <a:lstStyle/>
+          <a:p>
+            <a:r>
+              <a:rPr lang="en-US" dirty="0">
+                <a:hlinkClick r:id="rId2"/>
+              </a:rPr>
+              <a:t>Experiment in </a:t>
+            </a:r>
+            <a:r>
+              <a:rPr lang="en-US" dirty="0" err="1">
+                <a:hlinkClick r:id="rId2"/>
+              </a:rPr>
+              <a:t>pythontutor</a:t>
+            </a:r>
+            <a:endParaRPr lang="en-US" dirty="0"/>
+          </a:p>
+        </p:txBody>
+      </p:sp>
+      <p:sp>
+        <p:nvSpPr>
+          <p:cNvPr id="7" name="TextBox 6">
+            <a:extLst>
+              <a:ext uri="{FF2B5EF4-FFF2-40B4-BE49-F238E27FC236}">
+                <a16:creationId xmlns:a16="http://schemas.microsoft.com/office/drawing/2014/main" id="{59596C7E-D3BC-684D-AA16-8747AA6EE46B}"/>
+              </a:ext>
+            </a:extLst>
+          </p:cNvPr>
+          <p:cNvSpPr txBox="1"/>
+          <p:nvPr/>
+        </p:nvSpPr>
+        <p:spPr>
+          <a:xfrm>
+            <a:off x="1997765" y="5098774"/>
+            <a:ext cx="5282215" cy="461665"/>
+          </a:xfrm>
+          <a:prstGeom prst="rect">
+            <a:avLst/>
+          </a:prstGeom>
+          <a:noFill/>
+        </p:spPr>
+        <p:txBody>
+          <a:bodyPr wrap="none" rtlCol="0">
+            <a:spAutoFit/>
+          </a:bodyPr>
+          <a:lstStyle/>
+          <a:p>
+            <a:r>
+              <a:rPr lang="en-US" sz="2400" dirty="0">
+                <a:latin typeface="Consolas" panose="020B0609020204030204" pitchFamily="49" charset="0"/>
+                <a:cs typeface="Consolas" panose="020B0609020204030204" pitchFamily="49" charset="0"/>
+              </a:rPr>
+              <a:t>prices = [p/2 for p in prices]</a:t>
+            </a:r>
+          </a:p>
+        </p:txBody>
+      </p:sp>
+      <p:sp>
+        <p:nvSpPr>
+          <p:cNvPr id="8" name="TextBox 7">
+            <a:extLst>
+              <a:ext uri="{FF2B5EF4-FFF2-40B4-BE49-F238E27FC236}">
+                <a16:creationId xmlns:a16="http://schemas.microsoft.com/office/drawing/2014/main" id="{9CC774CC-AFFF-3849-B1C6-13AF68AAD7E6}"/>
+              </a:ext>
+            </a:extLst>
+          </p:cNvPr>
+          <p:cNvSpPr txBox="1"/>
+          <p:nvPr/>
+        </p:nvSpPr>
+        <p:spPr>
+          <a:xfrm>
+            <a:off x="6341165" y="4221600"/>
+            <a:ext cx="5303055" cy="523220"/>
+          </a:xfrm>
+          <a:prstGeom prst="rect">
+            <a:avLst/>
+          </a:prstGeom>
+          <a:noFill/>
+        </p:spPr>
+        <p:txBody>
+          <a:bodyPr wrap="none" rtlCol="0">
+            <a:spAutoFit/>
+          </a:bodyPr>
+          <a:lstStyle/>
+          <a:p>
+            <a:r>
+              <a:rPr lang="en-US" sz="2800" dirty="0"/>
+              <a:t>Map...what does code look like?</a:t>
+            </a:r>
+          </a:p>
+        </p:txBody>
+      </p:sp>
+    </p:spTree>
+    <p:extLst>
+      <p:ext uri="{BB962C8B-B14F-4D97-AF65-F5344CB8AC3E}">
+        <p14:creationId xmlns:p14="http://schemas.microsoft.com/office/powerpoint/2010/main" val="427893330"/>
+      </p:ext>
+    </p:extLst>
+  </p:cSld>
+  <p:clrMapOvr>
+    <a:masterClrMapping/>
+  </p:clrMapOvr>
+  <p:timing>
+    <p:tnLst>
+      <p:par>
+        <p:cTn id="1" dur="indefinite" restart="never" nodeType="tmRoot">
+          <p:childTnLst>
+            <p:seq concurrent="1" nextAc="seek">
+              <p:cTn id="2" dur="indefinite" nodeType="mainSeq">
+                <p:childTnLst>
+                  <p:par>
+                    <p:cTn id="3" fill="hold">
+                      <p:stCondLst>
+                        <p:cond delay="indefinite"/>
+                      </p:stCondLst>
+                      <p:childTnLst>
+                        <p:par>
+                          <p:cTn id="4" fill="hold">
+                            <p:stCondLst>
+                              <p:cond delay="0"/>
+                            </p:stCondLst>
+                            <p:childTnLst>
+                              <p:par>
+                                <p:cTn id="5" presetID="1" presetClass="entr" presetSubtype="0" fill="hold" grpId="0" nodeType="clickEffect">
+                                  <p:stCondLst>
+                                    <p:cond delay="0"/>
+                                  </p:stCondLst>
+                                  <p:childTnLst>
+                                    <p:set>
+                                      <p:cBhvr>
+                                        <p:cTn id="6" dur="1" fill="hold">
+                                          <p:stCondLst>
+                                            <p:cond delay="0"/>
+                                          </p:stCondLst>
+                                        </p:cTn>
+                                        <p:tgtEl>
+                                          <p:spTgt spid="8"/>
+                                        </p:tgtEl>
+                                        <p:attrNameLst>
+                                          <p:attrName>style.visibility</p:attrName>
+                                        </p:attrNameLst>
+                                      </p:cBhvr>
+                                      <p:to>
+                                        <p:strVal val="visible"/>
+                                      </p:to>
+                                    </p:set>
+                                  </p:childTnLst>
+                                </p:cTn>
+                              </p:par>
+                            </p:childTnLst>
+                          </p:cTn>
+                        </p:par>
+                      </p:childTnLst>
+                    </p:cTn>
+                  </p:par>
+                  <p:par>
+                    <p:cTn id="7" fill="hold">
+                      <p:stCondLst>
+                        <p:cond delay="indefinite"/>
+                      </p:stCondLst>
+                      <p:childTnLst>
+                        <p:par>
+                          <p:cTn id="8" fill="hold">
+                            <p:stCondLst>
+                              <p:cond delay="0"/>
+                            </p:stCondLst>
+                            <p:childTnLst>
+                              <p:par>
+                                <p:cTn id="9" presetID="1" presetClass="entr" presetSubtype="0" fill="hold" grpId="0" nodeType="clickEffect">
+                                  <p:stCondLst>
+                                    <p:cond delay="0"/>
+                                  </p:stCondLst>
+                                  <p:childTnLst>
+                                    <p:set>
+                                      <p:cBhvr>
+                                        <p:cTn id="10" dur="1" fill="hold">
+                                          <p:stCondLst>
+                                            <p:cond delay="0"/>
+                                          </p:stCondLst>
+                                        </p:cTn>
+                                        <p:tgtEl>
+                                          <p:spTgt spid="7"/>
+                                        </p:tgtEl>
+                                        <p:attrNameLst>
+                                          <p:attrName>style.visibility</p:attrName>
+                                        </p:attrNameLst>
+                                      </p:cBhvr>
+                                      <p:to>
+                                        <p:strVal val="visible"/>
+                                      </p:to>
+                                    </p:set>
+                                  </p:childTnLst>
+                                </p:cTn>
+                              </p:par>
+                            </p:childTnLst>
+                          </p:cTn>
+                        </p:par>
+                      </p:childTnLst>
+                    </p:cTn>
+                  </p:par>
+                </p:childTnLst>
+              </p:cTn>
+              <p:prevCondLst>
+                <p:cond evt="onPrev" delay="0">
+                  <p:tgtEl>
+                    <p:sldTgt/>
+                  </p:tgtEl>
+                </p:cond>
+              </p:prevCondLst>
+              <p:nextCondLst>
+                <p:cond evt="onNext" delay="0">
+                  <p:tgtEl>
+                    <p:sldTgt/>
+                  </p:tgtEl>
+                </p:cond>
+              </p:nextCondLst>
+            </p:seq>
+          </p:childTnLst>
+        </p:cTn>
+      </p:par>
+    </p:tnLst>
+    <p:bldLst>
+      <p:bldP spid="7" grpId="0"/>
+      <p:bldP spid="8" grpId="0"/>
+    </p:bldLst>
+  </p:timing>
+</p:sld>
+</file>
+
+<file path=ppt/slides/slide22.xml><?xml version="1.0" encoding="utf-8"?>
+<p:sld xmlns:a="http://schemas.openxmlformats.org/drawingml/2006/main" xmlns:r="http://schemas.openxmlformats.org/officeDocument/2006/relationships" xmlns:p="http://schemas.openxmlformats.org/presentationml/2006/main">
+  <p:cSld>
+    <p:spTree>
+      <p:nvGrpSpPr>
+        <p:cNvPr id="1" name=""/>
+        <p:cNvGrpSpPr/>
+        <p:nvPr/>
+      </p:nvGrpSpPr>
+      <p:grpSpPr>
+        <a:xfrm>
+          <a:off x="0" y="0"/>
+          <a:ext cx="0" cy="0"/>
+          <a:chOff x="0" y="0"/>
+          <a:chExt cx="0" cy="0"/>
+        </a:xfrm>
+      </p:grpSpPr>
+      <p:sp>
+        <p:nvSpPr>
+          <p:cNvPr id="2" name="Title 1">
+            <a:extLst>
+              <a:ext uri="{FF2B5EF4-FFF2-40B4-BE49-F238E27FC236}">
+                <a16:creationId xmlns:a16="http://schemas.microsoft.com/office/drawing/2014/main" id="{28B44E01-C0FE-3148-956B-8602D53F5A07}"/>
+              </a:ext>
+            </a:extLst>
+          </p:cNvPr>
+          <p:cNvSpPr>
+            <a:spLocks noGrp="1"/>
+          </p:cNvSpPr>
+          <p:nvPr>
+            <p:ph type="title"/>
+          </p:nvPr>
+        </p:nvSpPr>
+        <p:spPr/>
+        <p:txBody>
+          <a:bodyPr/>
+          <a:lstStyle/>
+          <a:p>
+            <a:r>
+              <a:rPr lang="en-US" dirty="0"/>
+              <a:t>Exercise</a:t>
+            </a:r>
+          </a:p>
+        </p:txBody>
+      </p:sp>
+      <p:sp>
+        <p:nvSpPr>
+          <p:cNvPr id="3" name="Content Placeholder 2">
+            <a:extLst>
+              <a:ext uri="{FF2B5EF4-FFF2-40B4-BE49-F238E27FC236}">
+                <a16:creationId xmlns:a16="http://schemas.microsoft.com/office/drawing/2014/main" id="{2942133D-4D5C-864F-921D-2265A543798B}"/>
+              </a:ext>
+            </a:extLst>
+          </p:cNvPr>
+          <p:cNvSpPr>
+            <a:spLocks noGrp="1"/>
+          </p:cNvSpPr>
+          <p:nvPr>
+            <p:ph idx="1"/>
+          </p:nvPr>
+        </p:nvSpPr>
+        <p:spPr/>
+        <p:txBody>
+          <a:bodyPr/>
+          <a:lstStyle/>
+          <a:p>
+            <a:r>
+              <a:rPr lang="en-US" dirty="0"/>
+              <a:t>Given a list of names, get a list of string lengths called </a:t>
+            </a:r>
+            <a:r>
+              <a:rPr lang="en-US" b="1" dirty="0" err="1"/>
+              <a:t>namelens</a:t>
+            </a:r>
+            <a:r>
+              <a:rPr lang="en-US" dirty="0"/>
+              <a:t>; function </a:t>
+            </a:r>
+            <a:r>
+              <a:rPr lang="en-US" b="1" dirty="0" err="1"/>
+              <a:t>len</a:t>
+            </a:r>
+            <a:r>
+              <a:rPr lang="en-US" b="1" dirty="0"/>
+              <a:t>(x)</a:t>
+            </a:r>
+            <a:r>
+              <a:rPr lang="en-US" dirty="0"/>
+              <a:t> yields length of lists, strings, etc...</a:t>
+            </a:r>
+          </a:p>
+          <a:p>
+            <a:endParaRPr lang="en-US" dirty="0"/>
+          </a:p>
+          <a:p>
+            <a:endParaRPr lang="en-US" dirty="0"/>
+          </a:p>
+          <a:p>
+            <a:r>
+              <a:rPr lang="en-US" dirty="0"/>
+              <a:t>Which pattern should we apply?</a:t>
+            </a:r>
+          </a:p>
+        </p:txBody>
+      </p:sp>
+      <p:sp>
+        <p:nvSpPr>
+          <p:cNvPr id="6" name="TextBox 5">
+            <a:extLst>
+              <a:ext uri="{FF2B5EF4-FFF2-40B4-BE49-F238E27FC236}">
+                <a16:creationId xmlns:a16="http://schemas.microsoft.com/office/drawing/2014/main" id="{F2235900-4733-D64A-AF67-6FA61513ADD4}"/>
+              </a:ext>
+            </a:extLst>
+          </p:cNvPr>
+          <p:cNvSpPr txBox="1"/>
+          <p:nvPr/>
+        </p:nvSpPr>
+        <p:spPr>
+          <a:xfrm>
+            <a:off x="2477268" y="2853016"/>
+            <a:ext cx="5791970" cy="461665"/>
+          </a:xfrm>
+          <a:prstGeom prst="rect">
+            <a:avLst/>
+          </a:prstGeom>
+          <a:noFill/>
+        </p:spPr>
+        <p:txBody>
+          <a:bodyPr wrap="none" rtlCol="0">
+            <a:spAutoFit/>
+          </a:bodyPr>
+          <a:lstStyle/>
+          <a:p>
+            <a:r>
+              <a:rPr lang="en-US" sz="2400" dirty="0">
+                <a:latin typeface="Consolas" panose="020B0609020204030204" pitchFamily="49" charset="0"/>
+                <a:cs typeface="Consolas" panose="020B0609020204030204" pitchFamily="49" charset="0"/>
+              </a:rPr>
+              <a:t>names = ['</a:t>
+            </a:r>
+            <a:r>
+              <a:rPr lang="en-US" sz="2400" dirty="0" err="1">
+                <a:latin typeface="Consolas" panose="020B0609020204030204" pitchFamily="49" charset="0"/>
+                <a:cs typeface="Consolas" panose="020B0609020204030204" pitchFamily="49" charset="0"/>
+              </a:rPr>
+              <a:t>Xue</a:t>
+            </a:r>
+            <a:r>
+              <a:rPr lang="en-US" sz="2400" dirty="0">
+                <a:latin typeface="Consolas" panose="020B0609020204030204" pitchFamily="49" charset="0"/>
+                <a:cs typeface="Consolas" panose="020B0609020204030204" pitchFamily="49" charset="0"/>
+              </a:rPr>
+              <a:t>', 'Mary', 'Robert']</a:t>
+            </a:r>
+          </a:p>
+        </p:txBody>
+      </p:sp>
+      <p:sp>
+        <p:nvSpPr>
+          <p:cNvPr id="7" name="TextBox 6">
+            <a:extLst>
+              <a:ext uri="{FF2B5EF4-FFF2-40B4-BE49-F238E27FC236}">
+                <a16:creationId xmlns:a16="http://schemas.microsoft.com/office/drawing/2014/main" id="{181FBFD8-3F22-C749-90A4-36636981E0B0}"/>
+              </a:ext>
+            </a:extLst>
+          </p:cNvPr>
+          <p:cNvSpPr txBox="1"/>
+          <p:nvPr/>
+        </p:nvSpPr>
+        <p:spPr>
+          <a:xfrm>
+            <a:off x="6274257" y="3706231"/>
+            <a:ext cx="5303055" cy="523220"/>
+          </a:xfrm>
+          <a:prstGeom prst="rect">
+            <a:avLst/>
+          </a:prstGeom>
+          <a:noFill/>
+        </p:spPr>
+        <p:txBody>
+          <a:bodyPr wrap="none" rtlCol="0">
+            <a:spAutoFit/>
+          </a:bodyPr>
+          <a:lstStyle/>
+          <a:p>
+            <a:r>
+              <a:rPr lang="en-US" sz="2800" dirty="0"/>
+              <a:t>Map...what does code look like?</a:t>
+            </a:r>
+          </a:p>
+        </p:txBody>
+      </p:sp>
+      <p:sp>
+        <p:nvSpPr>
+          <p:cNvPr id="8" name="TextBox 7">
+            <a:extLst>
+              <a:ext uri="{FF2B5EF4-FFF2-40B4-BE49-F238E27FC236}">
+                <a16:creationId xmlns:a16="http://schemas.microsoft.com/office/drawing/2014/main" id="{1C094CC3-485C-1C46-A37B-97FB75E8A966}"/>
+              </a:ext>
+            </a:extLst>
+          </p:cNvPr>
+          <p:cNvSpPr txBox="1"/>
+          <p:nvPr/>
+        </p:nvSpPr>
+        <p:spPr>
+          <a:xfrm>
+            <a:off x="2477268" y="4741541"/>
+            <a:ext cx="6981398" cy="461665"/>
+          </a:xfrm>
+          <a:prstGeom prst="rect">
+            <a:avLst/>
+          </a:prstGeom>
+          <a:noFill/>
+        </p:spPr>
+        <p:txBody>
+          <a:bodyPr wrap="none" rtlCol="0">
+            <a:spAutoFit/>
+          </a:bodyPr>
+          <a:lstStyle/>
+          <a:p>
+            <a:r>
+              <a:rPr lang="en-US" sz="2400" dirty="0" err="1">
+                <a:latin typeface="Consolas" panose="020B0609020204030204" pitchFamily="49" charset="0"/>
+                <a:cs typeface="Consolas" panose="020B0609020204030204" pitchFamily="49" charset="0"/>
+              </a:rPr>
+              <a:t>namelens</a:t>
+            </a:r>
+            <a:r>
+              <a:rPr lang="en-US" sz="2400" dirty="0">
+                <a:latin typeface="Consolas" panose="020B0609020204030204" pitchFamily="49" charset="0"/>
+                <a:cs typeface="Consolas" panose="020B0609020204030204" pitchFamily="49" charset="0"/>
+              </a:rPr>
+              <a:t> = [</a:t>
+            </a:r>
+            <a:r>
+              <a:rPr lang="en-US" sz="2400" dirty="0" err="1">
+                <a:latin typeface="Consolas" panose="020B0609020204030204" pitchFamily="49" charset="0"/>
+                <a:cs typeface="Consolas" panose="020B0609020204030204" pitchFamily="49" charset="0"/>
+              </a:rPr>
+              <a:t>len</a:t>
+            </a:r>
+            <a:r>
+              <a:rPr lang="en-US" sz="2400" dirty="0">
+                <a:latin typeface="Consolas" panose="020B0609020204030204" pitchFamily="49" charset="0"/>
+                <a:cs typeface="Consolas" panose="020B0609020204030204" pitchFamily="49" charset="0"/>
+              </a:rPr>
+              <a:t>(name) for name in names]</a:t>
+            </a:r>
+          </a:p>
+        </p:txBody>
+      </p:sp>
+      <p:sp>
+        <p:nvSpPr>
+          <p:cNvPr id="9" name="TextBox 8">
+            <a:extLst>
+              <a:ext uri="{FF2B5EF4-FFF2-40B4-BE49-F238E27FC236}">
+                <a16:creationId xmlns:a16="http://schemas.microsoft.com/office/drawing/2014/main" id="{4E5AF732-9B4A-0C49-A5FA-926B9B812013}"/>
+              </a:ext>
+            </a:extLst>
+          </p:cNvPr>
+          <p:cNvSpPr txBox="1"/>
+          <p:nvPr/>
+        </p:nvSpPr>
+        <p:spPr>
+          <a:xfrm>
+            <a:off x="-33453" y="6479175"/>
+            <a:ext cx="2813591" cy="369332"/>
+          </a:xfrm>
+          <a:prstGeom prst="rect">
+            <a:avLst/>
+          </a:prstGeom>
+          <a:noFill/>
+        </p:spPr>
+        <p:txBody>
+          <a:bodyPr wrap="none" rtlCol="0">
+            <a:spAutoFit/>
+          </a:bodyPr>
+          <a:lstStyle/>
+          <a:p>
+            <a:r>
+              <a:rPr lang="en-US" dirty="0">
+                <a:hlinkClick r:id="rId2"/>
+              </a:rPr>
+              <a:t>Experiment in </a:t>
+            </a:r>
+            <a:r>
+              <a:rPr lang="en-US" dirty="0" err="1">
+                <a:hlinkClick r:id="rId2"/>
+              </a:rPr>
+              <a:t>pythontutor</a:t>
+            </a:r>
+            <a:endParaRPr lang="en-US" dirty="0"/>
+          </a:p>
+        </p:txBody>
+      </p:sp>
+    </p:spTree>
+    <p:extLst>
+      <p:ext uri="{BB962C8B-B14F-4D97-AF65-F5344CB8AC3E}">
+        <p14:creationId xmlns:p14="http://schemas.microsoft.com/office/powerpoint/2010/main" val="2171644617"/>
+      </p:ext>
+    </p:extLst>
+  </p:cSld>
+  <p:clrMapOvr>
+    <a:masterClrMapping/>
+  </p:clrMapOvr>
+  <p:timing>
+    <p:tnLst>
+      <p:par>
+        <p:cTn id="1" dur="indefinite" restart="never" nodeType="tmRoot">
+          <p:childTnLst>
+            <p:seq concurrent="1" nextAc="seek">
+              <p:cTn id="2" dur="indefinite" nodeType="mainSeq">
+                <p:childTnLst>
+                  <p:par>
+                    <p:cTn id="3" fill="hold">
+                      <p:stCondLst>
+                        <p:cond delay="indefinite"/>
+                      </p:stCondLst>
+                      <p:childTnLst>
+                        <p:par>
+                          <p:cTn id="4" fill="hold">
+                            <p:stCondLst>
+                              <p:cond delay="0"/>
+                            </p:stCondLst>
+                            <p:childTnLst>
+                              <p:par>
+                                <p:cTn id="5" presetID="1" presetClass="entr" presetSubtype="0" fill="hold" grpId="0" nodeType="clickEffect">
+                                  <p:stCondLst>
+                                    <p:cond delay="0"/>
+                                  </p:stCondLst>
+                                  <p:childTnLst>
+                                    <p:set>
+                                      <p:cBhvr>
+                                        <p:cTn id="6" dur="1" fill="hold">
+                                          <p:stCondLst>
+                                            <p:cond delay="0"/>
+                                          </p:stCondLst>
+                                        </p:cTn>
+                                        <p:tgtEl>
+                                          <p:spTgt spid="7"/>
+                                        </p:tgtEl>
+                                        <p:attrNameLst>
+                                          <p:attrName>style.visibility</p:attrName>
+                                        </p:attrNameLst>
+                                      </p:cBhvr>
+                                      <p:to>
+                                        <p:strVal val="visible"/>
+                                      </p:to>
+                                    </p:set>
+                                  </p:childTnLst>
+                                </p:cTn>
+                              </p:par>
+                            </p:childTnLst>
+                          </p:cTn>
+                        </p:par>
+                      </p:childTnLst>
+                    </p:cTn>
+                  </p:par>
+                  <p:par>
+                    <p:cTn id="7" fill="hold">
+                      <p:stCondLst>
+                        <p:cond delay="indefinite"/>
+                      </p:stCondLst>
+                      <p:childTnLst>
+                        <p:par>
+                          <p:cTn id="8" fill="hold">
+                            <p:stCondLst>
+                              <p:cond delay="0"/>
+                            </p:stCondLst>
+                            <p:childTnLst>
+                              <p:par>
+                                <p:cTn id="9" presetID="1" presetClass="entr" presetSubtype="0" fill="hold" grpId="0" nodeType="clickEffect">
+                                  <p:stCondLst>
+                                    <p:cond delay="0"/>
+                                  </p:stCondLst>
+                                  <p:childTnLst>
+                                    <p:set>
+                                      <p:cBhvr>
+                                        <p:cTn id="10" dur="1" fill="hold">
+                                          <p:stCondLst>
+                                            <p:cond delay="0"/>
+                                          </p:stCondLst>
+                                        </p:cTn>
+                                        <p:tgtEl>
+                                          <p:spTgt spid="8"/>
+                                        </p:tgtEl>
+                                        <p:attrNameLst>
+                                          <p:attrName>style.visibility</p:attrName>
+                                        </p:attrNameLst>
+                                      </p:cBhvr>
+                                      <p:to>
+                                        <p:strVal val="visible"/>
+                                      </p:to>
+                                    </p:set>
+                                  </p:childTnLst>
+                                </p:cTn>
+                              </p:par>
+                            </p:childTnLst>
+                          </p:cTn>
+                        </p:par>
+                      </p:childTnLst>
+                    </p:cTn>
+                  </p:par>
+                </p:childTnLst>
+              </p:cTn>
+              <p:prevCondLst>
+                <p:cond evt="onPrev" delay="0">
+                  <p:tgtEl>
+                    <p:sldTgt/>
+                  </p:tgtEl>
+                </p:cond>
+              </p:prevCondLst>
+              <p:nextCondLst>
+                <p:cond evt="onNext" delay="0">
+                  <p:tgtEl>
+                    <p:sldTgt/>
+                  </p:tgtEl>
+                </p:cond>
+              </p:nextCondLst>
+            </p:seq>
+          </p:childTnLst>
+        </p:cTn>
+      </p:par>
+    </p:tnLst>
+    <p:bldLst>
+      <p:bldP spid="7" grpId="0"/>
+      <p:bldP spid="8" grpId="0"/>
+    </p:bldLst>
+  </p:timing>
+</p:sld>
+</file>
+
+<file path=ppt/slides/slide23.xml><?xml version="1.0" encoding="utf-8"?>
+<p:sld xmlns:a="http://schemas.openxmlformats.org/drawingml/2006/main" xmlns:r="http://schemas.openxmlformats.org/officeDocument/2006/relationships" xmlns:p="http://schemas.openxmlformats.org/presentationml/2006/main">
+  <p:cSld>
+    <p:spTree>
+      <p:nvGrpSpPr>
+        <p:cNvPr id="1" name=""/>
+        <p:cNvGrpSpPr/>
+        <p:nvPr/>
+      </p:nvGrpSpPr>
+      <p:grpSpPr>
+        <a:xfrm>
+          <a:off x="0" y="0"/>
+          <a:ext cx="0" cy="0"/>
+          <a:chOff x="0" y="0"/>
+          <a:chExt cx="0" cy="0"/>
+        </a:xfrm>
+      </p:grpSpPr>
+      <p:sp>
+        <p:nvSpPr>
+          <p:cNvPr id="2" name="Title 1">
+            <a:extLst>
+              <a:ext uri="{FF2B5EF4-FFF2-40B4-BE49-F238E27FC236}">
+                <a16:creationId xmlns:a16="http://schemas.microsoft.com/office/drawing/2014/main" id="{C0449369-4CFB-2B47-AD0C-4250C70C484B}"/>
+              </a:ext>
+            </a:extLst>
+          </p:cNvPr>
+          <p:cNvSpPr>
+            <a:spLocks noGrp="1"/>
+          </p:cNvSpPr>
+          <p:nvPr>
+            <p:ph type="title"/>
+          </p:nvPr>
+        </p:nvSpPr>
+        <p:spPr/>
+        <p:txBody>
+          <a:bodyPr/>
+          <a:lstStyle/>
+          <a:p>
+            <a:r>
+              <a:rPr lang="en-US" dirty="0"/>
+              <a:t>Exercise</a:t>
+            </a:r>
+          </a:p>
+        </p:txBody>
+      </p:sp>
+      <p:sp>
+        <p:nvSpPr>
+          <p:cNvPr id="3" name="Content Placeholder 2">
+            <a:extLst>
+              <a:ext uri="{FF2B5EF4-FFF2-40B4-BE49-F238E27FC236}">
+                <a16:creationId xmlns:a16="http://schemas.microsoft.com/office/drawing/2014/main" id="{B8E4D60B-2C06-3142-85A6-6EECDE015D1B}"/>
+              </a:ext>
+            </a:extLst>
+          </p:cNvPr>
+          <p:cNvSpPr>
+            <a:spLocks noGrp="1"/>
+          </p:cNvSpPr>
+          <p:nvPr>
+            <p:ph idx="1"/>
+          </p:nvPr>
+        </p:nvSpPr>
+        <p:spPr/>
+        <p:txBody>
+          <a:bodyPr/>
+          <a:lstStyle/>
+          <a:p>
+            <a:r>
+              <a:rPr lang="en-US" dirty="0"/>
+              <a:t>Given a list of prices, get a list of prices greater than $100</a:t>
+            </a:r>
+          </a:p>
+          <a:p>
+            <a:endParaRPr lang="en-US" dirty="0"/>
+          </a:p>
+          <a:p>
+            <a:endParaRPr lang="en-US" dirty="0"/>
+          </a:p>
+          <a:p>
+            <a:r>
+              <a:rPr lang="en-US" dirty="0"/>
+              <a:t>Which pattern should we apply?</a:t>
+            </a:r>
+          </a:p>
+          <a:p>
+            <a:endParaRPr lang="en-US" dirty="0"/>
+          </a:p>
+          <a:p>
+            <a:endParaRPr lang="en-US" dirty="0"/>
+          </a:p>
+        </p:txBody>
+      </p:sp>
+      <p:sp>
+        <p:nvSpPr>
+          <p:cNvPr id="4" name="TextBox 3">
+            <a:extLst>
+              <a:ext uri="{FF2B5EF4-FFF2-40B4-BE49-F238E27FC236}">
+                <a16:creationId xmlns:a16="http://schemas.microsoft.com/office/drawing/2014/main" id="{9A38F129-432B-9E47-A3AC-39D9F9A9C9CF}"/>
+              </a:ext>
+            </a:extLst>
+          </p:cNvPr>
+          <p:cNvSpPr txBox="1"/>
+          <p:nvPr/>
+        </p:nvSpPr>
+        <p:spPr>
+          <a:xfrm>
+            <a:off x="1997765" y="2574235"/>
+            <a:ext cx="6641562" cy="461665"/>
+          </a:xfrm>
+          <a:prstGeom prst="rect">
+            <a:avLst/>
+          </a:prstGeom>
+          <a:noFill/>
+        </p:spPr>
+        <p:txBody>
+          <a:bodyPr wrap="none" rtlCol="0">
+            <a:spAutoFit/>
+          </a:bodyPr>
+          <a:lstStyle/>
+          <a:p>
+            <a:r>
+              <a:rPr lang="en-US" sz="2400" dirty="0">
+                <a:latin typeface="Consolas" panose="020B0609020204030204" pitchFamily="49" charset="0"/>
+                <a:cs typeface="Consolas" panose="020B0609020204030204" pitchFamily="49" charset="0"/>
+              </a:rPr>
+              <a:t>prices = [38.94, 208.16, 8.69, 195.99]</a:t>
+            </a:r>
+          </a:p>
+        </p:txBody>
+      </p:sp>
+      <p:sp>
+        <p:nvSpPr>
+          <p:cNvPr id="5" name="TextBox 4">
+            <a:extLst>
+              <a:ext uri="{FF2B5EF4-FFF2-40B4-BE49-F238E27FC236}">
+                <a16:creationId xmlns:a16="http://schemas.microsoft.com/office/drawing/2014/main" id="{32F50A5F-278E-4C45-8004-7065B800EB66}"/>
+              </a:ext>
+            </a:extLst>
+          </p:cNvPr>
+          <p:cNvSpPr txBox="1"/>
+          <p:nvPr/>
+        </p:nvSpPr>
+        <p:spPr>
+          <a:xfrm>
+            <a:off x="6251955" y="3332334"/>
+            <a:ext cx="5382627" cy="523220"/>
+          </a:xfrm>
+          <a:prstGeom prst="rect">
+            <a:avLst/>
+          </a:prstGeom>
+          <a:noFill/>
+        </p:spPr>
+        <p:txBody>
+          <a:bodyPr wrap="none" rtlCol="0">
+            <a:spAutoFit/>
+          </a:bodyPr>
+          <a:lstStyle/>
+          <a:p>
+            <a:r>
+              <a:rPr lang="en-US" sz="2800" dirty="0"/>
+              <a:t>Filter...what does code look like?</a:t>
+            </a:r>
+          </a:p>
+        </p:txBody>
+      </p:sp>
+      <p:sp>
+        <p:nvSpPr>
+          <p:cNvPr id="6" name="TextBox 5">
+            <a:extLst>
+              <a:ext uri="{FF2B5EF4-FFF2-40B4-BE49-F238E27FC236}">
+                <a16:creationId xmlns:a16="http://schemas.microsoft.com/office/drawing/2014/main" id="{D3C641E2-D4A4-8946-988C-4A1E66F27421}"/>
+              </a:ext>
+            </a:extLst>
+          </p:cNvPr>
+          <p:cNvSpPr txBox="1"/>
+          <p:nvPr/>
+        </p:nvSpPr>
+        <p:spPr>
+          <a:xfrm>
+            <a:off x="1997765" y="4375599"/>
+            <a:ext cx="6471643" cy="461665"/>
+          </a:xfrm>
+          <a:prstGeom prst="rect">
+            <a:avLst/>
+          </a:prstGeom>
+          <a:noFill/>
+        </p:spPr>
+        <p:txBody>
+          <a:bodyPr wrap="none" rtlCol="0">
+            <a:spAutoFit/>
+          </a:bodyPr>
+          <a:lstStyle/>
+          <a:p>
+            <a:r>
+              <a:rPr lang="en-US" sz="2400" dirty="0">
+                <a:latin typeface="Consolas" panose="020B0609020204030204" pitchFamily="49" charset="0"/>
+                <a:cs typeface="Consolas" panose="020B0609020204030204" pitchFamily="49" charset="0"/>
+              </a:rPr>
+              <a:t>prices = [p for p in prices if p&gt;100]</a:t>
+            </a:r>
+          </a:p>
+        </p:txBody>
+      </p:sp>
+      <p:sp>
+        <p:nvSpPr>
+          <p:cNvPr id="7" name="TextBox 6">
+            <a:extLst>
+              <a:ext uri="{FF2B5EF4-FFF2-40B4-BE49-F238E27FC236}">
+                <a16:creationId xmlns:a16="http://schemas.microsoft.com/office/drawing/2014/main" id="{D9BE64CF-C078-AA48-AB32-0C93AB7EF4FF}"/>
+              </a:ext>
+            </a:extLst>
+          </p:cNvPr>
+          <p:cNvSpPr txBox="1"/>
+          <p:nvPr/>
+        </p:nvSpPr>
+        <p:spPr>
+          <a:xfrm>
+            <a:off x="-33453" y="6479175"/>
+            <a:ext cx="2813591" cy="369332"/>
+          </a:xfrm>
+          <a:prstGeom prst="rect">
+            <a:avLst/>
+          </a:prstGeom>
+          <a:noFill/>
+        </p:spPr>
+        <p:txBody>
+          <a:bodyPr wrap="none" rtlCol="0">
+            <a:spAutoFit/>
+          </a:bodyPr>
+          <a:lstStyle/>
+          <a:p>
+            <a:r>
+              <a:rPr lang="en-US" dirty="0">
+                <a:hlinkClick r:id="rId2"/>
+              </a:rPr>
+              <a:t>Experiment in </a:t>
+            </a:r>
+            <a:r>
+              <a:rPr lang="en-US" dirty="0" err="1">
+                <a:hlinkClick r:id="rId2"/>
+              </a:rPr>
+              <a:t>pythontutor</a:t>
+            </a:r>
+            <a:endParaRPr lang="en-US" dirty="0"/>
+          </a:p>
+        </p:txBody>
+      </p:sp>
+    </p:spTree>
+    <p:extLst>
+      <p:ext uri="{BB962C8B-B14F-4D97-AF65-F5344CB8AC3E}">
+        <p14:creationId xmlns:p14="http://schemas.microsoft.com/office/powerpoint/2010/main" val="1692407647"/>
+      </p:ext>
+    </p:extLst>
+  </p:cSld>
+  <p:clrMapOvr>
+    <a:masterClrMapping/>
+  </p:clrMapOvr>
+  <p:timing>
+    <p:tnLst>
+      <p:par>
+        <p:cTn id="1" dur="indefinite" restart="never" nodeType="tmRoot">
+          <p:childTnLst>
+            <p:seq concurrent="1" nextAc="seek">
+              <p:cTn id="2" dur="indefinite" nodeType="mainSeq">
+                <p:childTnLst>
+                  <p:par>
+                    <p:cTn id="3" fill="hold">
+                      <p:stCondLst>
+                        <p:cond delay="indefinite"/>
+                      </p:stCondLst>
+                      <p:childTnLst>
+                        <p:par>
+                          <p:cTn id="4" fill="hold">
+                            <p:stCondLst>
+                              <p:cond delay="0"/>
+                            </p:stCondLst>
+                            <p:childTnLst>
+                              <p:par>
+                                <p:cTn id="5" presetID="1" presetClass="entr" presetSubtype="0" fill="hold" grpId="0" nodeType="clickEffect">
+                                  <p:stCondLst>
+                                    <p:cond delay="0"/>
+                                  </p:stCondLst>
+                                  <p:childTnLst>
+                                    <p:set>
+                                      <p:cBhvr>
+                                        <p:cTn id="6" dur="1" fill="hold">
+                                          <p:stCondLst>
+                                            <p:cond delay="0"/>
+                                          </p:stCondLst>
+                                        </p:cTn>
+                                        <p:tgtEl>
+                                          <p:spTgt spid="5"/>
+                                        </p:tgtEl>
+                                        <p:attrNameLst>
+                                          <p:attrName>style.visibility</p:attrName>
+                                        </p:attrNameLst>
+                                      </p:cBhvr>
+                                      <p:to>
+                                        <p:strVal val="visible"/>
+                                      </p:to>
+                                    </p:set>
+                                  </p:childTnLst>
+                                </p:cTn>
+                              </p:par>
+                            </p:childTnLst>
+                          </p:cTn>
+                        </p:par>
+                      </p:childTnLst>
+                    </p:cTn>
+                  </p:par>
+                  <p:par>
+                    <p:cTn id="7" fill="hold">
+                      <p:stCondLst>
+                        <p:cond delay="indefinite"/>
+                      </p:stCondLst>
+                      <p:childTnLst>
+                        <p:par>
+                          <p:cTn id="8" fill="hold">
+                            <p:stCondLst>
+                              <p:cond delay="0"/>
+                            </p:stCondLst>
+                            <p:childTnLst>
+                              <p:par>
+                                <p:cTn id="9" presetID="1" presetClass="entr" presetSubtype="0" fill="hold" grpId="0" nodeType="clickEffect">
+                                  <p:stCondLst>
+                                    <p:cond delay="0"/>
+                                  </p:stCondLst>
+                                  <p:childTnLst>
+                                    <p:set>
+                                      <p:cBhvr>
+                                        <p:cTn id="10" dur="1" fill="hold">
+                                          <p:stCondLst>
+                                            <p:cond delay="0"/>
+                                          </p:stCondLst>
+                                        </p:cTn>
+                                        <p:tgtEl>
+                                          <p:spTgt spid="6"/>
+                                        </p:tgtEl>
+                                        <p:attrNameLst>
+                                          <p:attrName>style.visibility</p:attrName>
+                                        </p:attrNameLst>
+                                      </p:cBhvr>
+                                      <p:to>
+                                        <p:strVal val="visible"/>
+                                      </p:to>
+                                    </p:set>
+                                  </p:childTnLst>
+                                </p:cTn>
+                              </p:par>
+                            </p:childTnLst>
+                          </p:cTn>
+                        </p:par>
+                      </p:childTnLst>
+                    </p:cTn>
+                  </p:par>
+                </p:childTnLst>
+              </p:cTn>
+              <p:prevCondLst>
+                <p:cond evt="onPrev" delay="0">
+                  <p:tgtEl>
+                    <p:sldTgt/>
+                  </p:tgtEl>
+                </p:cond>
+              </p:prevCondLst>
+              <p:nextCondLst>
+                <p:cond evt="onNext" delay="0">
+                  <p:tgtEl>
+                    <p:sldTgt/>
+                  </p:tgtEl>
+                </p:cond>
+              </p:nextCondLst>
+            </p:seq>
+          </p:childTnLst>
+        </p:cTn>
+      </p:par>
+    </p:tnLst>
+    <p:bldLst>
+      <p:bldP spid="5" grpId="0"/>
+      <p:bldP spid="6" grpId="0"/>
+    </p:bldLst>
+  </p:timing>
+</p:sld>
+</file>
+
+<file path=ppt/slides/slide24.xml><?xml version="1.0" encoding="utf-8"?>
+<p:sld xmlns:a="http://schemas.openxmlformats.org/drawingml/2006/main" xmlns:r="http://schemas.openxmlformats.org/officeDocument/2006/relationships" xmlns:p="http://schemas.openxmlformats.org/presentationml/2006/main">
+  <p:cSld>
+    <p:spTree>
+      <p:nvGrpSpPr>
+        <p:cNvPr id="1" name=""/>
+        <p:cNvGrpSpPr/>
+        <p:nvPr/>
+      </p:nvGrpSpPr>
+      <p:grpSpPr>
+        <a:xfrm>
+          <a:off x="0" y="0"/>
+          <a:ext cx="0" cy="0"/>
+          <a:chOff x="0" y="0"/>
+          <a:chExt cx="0" cy="0"/>
+        </a:xfrm>
+      </p:grpSpPr>
+      <p:sp>
+        <p:nvSpPr>
+          <p:cNvPr id="2" name="Title 1">
+            <a:extLst>
+              <a:ext uri="{FF2B5EF4-FFF2-40B4-BE49-F238E27FC236}">
+                <a16:creationId xmlns:a16="http://schemas.microsoft.com/office/drawing/2014/main" id="{C0449369-4CFB-2B47-AD0C-4250C70C484B}"/>
+              </a:ext>
+            </a:extLst>
+          </p:cNvPr>
+          <p:cNvSpPr>
+            <a:spLocks noGrp="1"/>
+          </p:cNvSpPr>
+          <p:nvPr>
+            <p:ph type="title"/>
+          </p:nvPr>
+        </p:nvSpPr>
+        <p:spPr/>
+        <p:txBody>
+          <a:bodyPr/>
+          <a:lstStyle/>
+          <a:p>
+            <a:r>
+              <a:rPr lang="en-US" dirty="0"/>
+              <a:t>Exercise</a:t>
+            </a:r>
+          </a:p>
+        </p:txBody>
+      </p:sp>
+      <p:sp>
+        <p:nvSpPr>
+          <p:cNvPr id="3" name="Content Placeholder 2">
+            <a:extLst>
+              <a:ext uri="{FF2B5EF4-FFF2-40B4-BE49-F238E27FC236}">
+                <a16:creationId xmlns:a16="http://schemas.microsoft.com/office/drawing/2014/main" id="{B8E4D60B-2C06-3142-85A6-6EECDE015D1B}"/>
+              </a:ext>
+            </a:extLst>
+          </p:cNvPr>
+          <p:cNvSpPr>
+            <a:spLocks noGrp="1"/>
+          </p:cNvSpPr>
+          <p:nvPr>
+            <p:ph idx="1"/>
+          </p:nvPr>
+        </p:nvSpPr>
+        <p:spPr/>
+        <p:txBody>
+          <a:bodyPr/>
+          <a:lstStyle/>
+          <a:p>
+            <a:r>
+              <a:rPr lang="en-US" dirty="0"/>
+              <a:t>Given a list of prices, double any price less than $10</a:t>
+            </a:r>
+          </a:p>
+          <a:p>
+            <a:endParaRPr lang="en-US" dirty="0"/>
+          </a:p>
+          <a:p>
+            <a:endParaRPr lang="en-US" dirty="0"/>
+          </a:p>
+          <a:p>
+            <a:r>
+              <a:rPr lang="en-US" dirty="0"/>
+              <a:t>Which patterns should we apply?</a:t>
+            </a:r>
+          </a:p>
+          <a:p>
+            <a:endParaRPr lang="en-US" dirty="0"/>
+          </a:p>
+          <a:p>
+            <a:endParaRPr lang="en-US" dirty="0"/>
+          </a:p>
+        </p:txBody>
+      </p:sp>
+      <p:sp>
+        <p:nvSpPr>
+          <p:cNvPr id="4" name="TextBox 3">
+            <a:extLst>
+              <a:ext uri="{FF2B5EF4-FFF2-40B4-BE49-F238E27FC236}">
+                <a16:creationId xmlns:a16="http://schemas.microsoft.com/office/drawing/2014/main" id="{9A38F129-432B-9E47-A3AC-39D9F9A9C9CF}"/>
+              </a:ext>
+            </a:extLst>
+          </p:cNvPr>
+          <p:cNvSpPr txBox="1"/>
+          <p:nvPr/>
+        </p:nvSpPr>
+        <p:spPr>
+          <a:xfrm>
+            <a:off x="1997765" y="2574235"/>
+            <a:ext cx="6641562" cy="461665"/>
+          </a:xfrm>
+          <a:prstGeom prst="rect">
+            <a:avLst/>
+          </a:prstGeom>
+          <a:noFill/>
+        </p:spPr>
+        <p:txBody>
+          <a:bodyPr wrap="none" rtlCol="0">
+            <a:spAutoFit/>
+          </a:bodyPr>
+          <a:lstStyle/>
+          <a:p>
+            <a:r>
+              <a:rPr lang="en-US" sz="2400" dirty="0">
+                <a:latin typeface="Consolas" panose="020B0609020204030204" pitchFamily="49" charset="0"/>
+                <a:cs typeface="Consolas" panose="020B0609020204030204" pitchFamily="49" charset="0"/>
+              </a:rPr>
+              <a:t>prices = [38.94, 208.16, 8.69, 195.99]</a:t>
+            </a:r>
+          </a:p>
+        </p:txBody>
+      </p:sp>
+      <p:sp>
+        <p:nvSpPr>
+          <p:cNvPr id="5" name="TextBox 4">
+            <a:extLst>
+              <a:ext uri="{FF2B5EF4-FFF2-40B4-BE49-F238E27FC236}">
+                <a16:creationId xmlns:a16="http://schemas.microsoft.com/office/drawing/2014/main" id="{32F50A5F-278E-4C45-8004-7065B800EB66}"/>
+              </a:ext>
+            </a:extLst>
+          </p:cNvPr>
+          <p:cNvSpPr txBox="1"/>
+          <p:nvPr/>
+        </p:nvSpPr>
+        <p:spPr>
+          <a:xfrm>
+            <a:off x="6385769" y="3321183"/>
+            <a:ext cx="2122697" cy="523220"/>
+          </a:xfrm>
+          <a:prstGeom prst="rect">
+            <a:avLst/>
+          </a:prstGeom>
+          <a:noFill/>
+        </p:spPr>
+        <p:txBody>
+          <a:bodyPr wrap="none" rtlCol="0">
+            <a:spAutoFit/>
+          </a:bodyPr>
+          <a:lstStyle/>
+          <a:p>
+            <a:r>
+              <a:rPr lang="en-US" sz="2800" dirty="0"/>
+              <a:t>Filter &amp; Map</a:t>
+            </a:r>
+          </a:p>
+        </p:txBody>
+      </p:sp>
+      <p:sp>
+        <p:nvSpPr>
+          <p:cNvPr id="6" name="TextBox 5">
+            <a:extLst>
+              <a:ext uri="{FF2B5EF4-FFF2-40B4-BE49-F238E27FC236}">
+                <a16:creationId xmlns:a16="http://schemas.microsoft.com/office/drawing/2014/main" id="{D3C641E2-D4A4-8946-988C-4A1E66F27421}"/>
+              </a:ext>
+            </a:extLst>
+          </p:cNvPr>
+          <p:cNvSpPr txBox="1"/>
+          <p:nvPr/>
+        </p:nvSpPr>
+        <p:spPr>
+          <a:xfrm>
+            <a:off x="1997765" y="4225853"/>
+            <a:ext cx="9020418" cy="1569660"/>
+          </a:xfrm>
+          <a:prstGeom prst="rect">
+            <a:avLst/>
+          </a:prstGeom>
+          <a:noFill/>
+        </p:spPr>
+        <p:txBody>
+          <a:bodyPr wrap="none" rtlCol="0">
+            <a:spAutoFit/>
+          </a:bodyPr>
+          <a:lstStyle/>
+          <a:p>
+            <a:r>
+              <a:rPr lang="en-US" sz="2400" dirty="0">
+                <a:latin typeface="Consolas" panose="020B0609020204030204" pitchFamily="49" charset="0"/>
+                <a:cs typeface="Consolas" panose="020B0609020204030204" pitchFamily="49" charset="0"/>
+              </a:rPr>
+              <a:t>prices = [p for p in prices if p&lt;10]</a:t>
+            </a:r>
+          </a:p>
+          <a:p>
+            <a:r>
+              <a:rPr lang="en-US" sz="2400" dirty="0">
+                <a:latin typeface="Consolas" panose="020B0609020204030204" pitchFamily="49" charset="0"/>
+                <a:cs typeface="Consolas" panose="020B0609020204030204" pitchFamily="49" charset="0"/>
+              </a:rPr>
+              <a:t>prices = [p/2 for p in prices]</a:t>
+            </a:r>
+          </a:p>
+          <a:p>
+            <a:endParaRPr lang="en-US" sz="2400" dirty="0">
+              <a:latin typeface="Consolas" panose="020B0609020204030204" pitchFamily="49" charset="0"/>
+              <a:cs typeface="Consolas" panose="020B0609020204030204" pitchFamily="49" charset="0"/>
+            </a:endParaRPr>
+          </a:p>
+          <a:p>
+            <a:r>
+              <a:rPr lang="en-US" sz="2400" dirty="0">
+                <a:latin typeface="Consolas" panose="020B0609020204030204" pitchFamily="49" charset="0"/>
+                <a:cs typeface="Consolas" panose="020B0609020204030204" pitchFamily="49" charset="0"/>
+              </a:rPr>
+              <a:t>prices = [p/2 for p in prices if p&lt;10] # Or together</a:t>
+            </a:r>
+          </a:p>
+        </p:txBody>
+      </p:sp>
+      <p:sp>
+        <p:nvSpPr>
+          <p:cNvPr id="7" name="TextBox 6">
+            <a:extLst>
+              <a:ext uri="{FF2B5EF4-FFF2-40B4-BE49-F238E27FC236}">
+                <a16:creationId xmlns:a16="http://schemas.microsoft.com/office/drawing/2014/main" id="{D9BE64CF-C078-AA48-AB32-0C93AB7EF4FF}"/>
+              </a:ext>
+            </a:extLst>
+          </p:cNvPr>
+          <p:cNvSpPr txBox="1"/>
+          <p:nvPr/>
+        </p:nvSpPr>
+        <p:spPr>
+          <a:xfrm>
+            <a:off x="-33453" y="6479175"/>
+            <a:ext cx="2813591" cy="369332"/>
+          </a:xfrm>
+          <a:prstGeom prst="rect">
+            <a:avLst/>
+          </a:prstGeom>
+          <a:noFill/>
+        </p:spPr>
+        <p:txBody>
+          <a:bodyPr wrap="none" rtlCol="0">
+            <a:spAutoFit/>
+          </a:bodyPr>
+          <a:lstStyle/>
+          <a:p>
+            <a:r>
+              <a:rPr lang="en-US" dirty="0">
+                <a:hlinkClick r:id="rId2"/>
+              </a:rPr>
+              <a:t>Experiment in </a:t>
+            </a:r>
+            <a:r>
+              <a:rPr lang="en-US" dirty="0" err="1">
+                <a:hlinkClick r:id="rId2"/>
+              </a:rPr>
+              <a:t>pythontutor</a:t>
+            </a:r>
+            <a:endParaRPr lang="en-US" dirty="0"/>
+          </a:p>
+        </p:txBody>
+      </p:sp>
+    </p:spTree>
+    <p:extLst>
+      <p:ext uri="{BB962C8B-B14F-4D97-AF65-F5344CB8AC3E}">
+        <p14:creationId xmlns:p14="http://schemas.microsoft.com/office/powerpoint/2010/main" val="287264046"/>
+      </p:ext>
+    </p:extLst>
+  </p:cSld>
+  <p:clrMapOvr>
+    <a:masterClrMapping/>
+  </p:clrMapOvr>
+  <p:timing>
+    <p:tnLst>
+      <p:par>
+        <p:cTn id="1" dur="indefinite" restart="never" nodeType="tmRoot">
+          <p:childTnLst>
+            <p:seq concurrent="1" nextAc="seek">
+              <p:cTn id="2" dur="indefinite" nodeType="mainSeq">
+                <p:childTnLst>
+                  <p:par>
+                    <p:cTn id="3" fill="hold">
+                      <p:stCondLst>
+                        <p:cond delay="indefinite"/>
+                      </p:stCondLst>
+                      <p:childTnLst>
+                        <p:par>
+                          <p:cTn id="4" fill="hold">
+                            <p:stCondLst>
+                              <p:cond delay="0"/>
+                            </p:stCondLst>
+                            <p:childTnLst>
+                              <p:par>
+                                <p:cTn id="5" presetID="1" presetClass="entr" presetSubtype="0" fill="hold" grpId="0" nodeType="clickEffect">
+                                  <p:stCondLst>
+                                    <p:cond delay="0"/>
+                                  </p:stCondLst>
+                                  <p:childTnLst>
+                                    <p:set>
+                                      <p:cBhvr>
+                                        <p:cTn id="6" dur="1" fill="hold">
+                                          <p:stCondLst>
+                                            <p:cond delay="0"/>
+                                          </p:stCondLst>
+                                        </p:cTn>
+                                        <p:tgtEl>
+                                          <p:spTgt spid="5"/>
+                                        </p:tgtEl>
+                                        <p:attrNameLst>
+                                          <p:attrName>style.visibility</p:attrName>
+                                        </p:attrNameLst>
+                                      </p:cBhvr>
+                                      <p:to>
+                                        <p:strVal val="visible"/>
+                                      </p:to>
+                                    </p:set>
+                                  </p:childTnLst>
+                                </p:cTn>
+                              </p:par>
+                              <p:par>
+                                <p:cTn id="7" presetID="1" presetClass="entr" presetSubtype="0" fill="hold" grpId="0" nodeType="withEffect">
+                                  <p:stCondLst>
+                                    <p:cond delay="0"/>
+                                  </p:stCondLst>
+                                  <p:childTnLst>
+                                    <p:set>
+                                      <p:cBhvr>
+                                        <p:cTn id="8" dur="1" fill="hold">
+                                          <p:stCondLst>
+                                            <p:cond delay="0"/>
+                                          </p:stCondLst>
+                                        </p:cTn>
+                                        <p:tgtEl>
+                                          <p:spTgt spid="6"/>
+                                        </p:tgtEl>
+                                        <p:attrNameLst>
+                                          <p:attrName>style.visibility</p:attrName>
+                                        </p:attrNameLst>
+                                      </p:cBhvr>
+                                      <p:to>
+                                        <p:strVal val="visible"/>
+                                      </p:to>
+                                    </p:set>
+                                  </p:childTnLst>
+                                </p:cTn>
+                              </p:par>
+                            </p:childTnLst>
+                          </p:cTn>
+                        </p:par>
+                      </p:childTnLst>
+                    </p:cTn>
+                  </p:par>
+                </p:childTnLst>
+              </p:cTn>
+              <p:prevCondLst>
+                <p:cond evt="onPrev" delay="0">
+                  <p:tgtEl>
+                    <p:sldTgt/>
+                  </p:tgtEl>
+                </p:cond>
+              </p:prevCondLst>
+              <p:nextCondLst>
+                <p:cond evt="onNext" delay="0">
+                  <p:tgtEl>
+                    <p:sldTgt/>
+                  </p:tgtEl>
+                </p:cond>
+              </p:nextCondLst>
+            </p:seq>
+          </p:childTnLst>
+        </p:cTn>
+      </p:par>
+    </p:tnLst>
+    <p:bldLst>
+      <p:bldP spid="5" grpId="0"/>
+      <p:bldP spid="6" grpId="0"/>
+    </p:bldLst>
+  </p:timing>
+</p:sld>
+</file>
+
+<file path=ppt/slides/slide25.xml><?xml version="1.0" encoding="utf-8"?>
+<p:sld xmlns:a="http://schemas.openxmlformats.org/drawingml/2006/main" xmlns:r="http://schemas.openxmlformats.org/officeDocument/2006/relationships" xmlns:p="http://schemas.openxmlformats.org/presentationml/2006/main">
+  <p:cSld>
+    <p:spTree>
+      <p:nvGrpSpPr>
+        <p:cNvPr id="1" name=""/>
+        <p:cNvGrpSpPr/>
+        <p:nvPr/>
+      </p:nvGrpSpPr>
+      <p:grpSpPr>
+        <a:xfrm>
+          <a:off x="0" y="0"/>
+          <a:ext cx="0" cy="0"/>
+          <a:chOff x="0" y="0"/>
+          <a:chExt cx="0" cy="0"/>
+        </a:xfrm>
+      </p:grpSpPr>
+      <p:sp>
+        <p:nvSpPr>
+          <p:cNvPr id="2" name="Title 1">
+            <a:extLst>
+              <a:ext uri="{FF2B5EF4-FFF2-40B4-BE49-F238E27FC236}">
+                <a16:creationId xmlns:a16="http://schemas.microsoft.com/office/drawing/2014/main" id="{C0449369-4CFB-2B47-AD0C-4250C70C484B}"/>
+              </a:ext>
+            </a:extLst>
+          </p:cNvPr>
+          <p:cNvSpPr>
+            <a:spLocks noGrp="1"/>
+          </p:cNvSpPr>
+          <p:nvPr>
+            <p:ph type="title"/>
+          </p:nvPr>
+        </p:nvSpPr>
+        <p:spPr>
+          <a:xfrm>
+            <a:off x="838200" y="365125"/>
+            <a:ext cx="10515600" cy="935907"/>
+          </a:xfrm>
+        </p:spPr>
+        <p:txBody>
+          <a:bodyPr/>
+          <a:lstStyle/>
+          <a:p>
+            <a:r>
+              <a:rPr lang="en-US" dirty="0"/>
+              <a:t>Exercise</a:t>
+            </a:r>
+          </a:p>
+        </p:txBody>
+      </p:sp>
+      <p:sp>
+        <p:nvSpPr>
+          <p:cNvPr id="3" name="Content Placeholder 2">
+            <a:extLst>
+              <a:ext uri="{FF2B5EF4-FFF2-40B4-BE49-F238E27FC236}">
+                <a16:creationId xmlns:a16="http://schemas.microsoft.com/office/drawing/2014/main" id="{B8E4D60B-2C06-3142-85A6-6EECDE015D1B}"/>
+              </a:ext>
+            </a:extLst>
+          </p:cNvPr>
+          <p:cNvSpPr>
+            <a:spLocks noGrp="1"/>
+          </p:cNvSpPr>
+          <p:nvPr>
+            <p:ph idx="1"/>
+          </p:nvPr>
+        </p:nvSpPr>
+        <p:spPr>
+          <a:xfrm>
+            <a:off x="838200" y="1301032"/>
+            <a:ext cx="10515600" cy="4875931"/>
+          </a:xfrm>
+        </p:spPr>
+        <p:txBody>
+          <a:bodyPr/>
+          <a:lstStyle/>
+          <a:p>
+            <a:r>
+              <a:rPr lang="en-US" dirty="0"/>
+              <a:t>Given a list of movie titles, how many are 3-words long?</a:t>
+            </a:r>
+          </a:p>
+          <a:p>
+            <a:endParaRPr lang="en-US" dirty="0"/>
+          </a:p>
+          <a:p>
+            <a:endParaRPr lang="en-US" dirty="0"/>
+          </a:p>
+          <a:p>
+            <a:endParaRPr lang="en-US" dirty="0"/>
+          </a:p>
+          <a:p>
+            <a:r>
+              <a:rPr lang="en-US" dirty="0"/>
+              <a:t>Which patterns should we apply and how?</a:t>
+            </a:r>
+          </a:p>
+          <a:p>
+            <a:r>
+              <a:rPr lang="en-US" dirty="0"/>
+              <a:t>What does the problem-solving process look like?</a:t>
+            </a:r>
+          </a:p>
+          <a:p>
+            <a:endParaRPr lang="en-US" dirty="0"/>
+          </a:p>
+          <a:p>
+            <a:endParaRPr lang="en-US" dirty="0"/>
+          </a:p>
+        </p:txBody>
+      </p:sp>
+      <p:sp>
+        <p:nvSpPr>
+          <p:cNvPr id="4" name="TextBox 3">
+            <a:extLst>
+              <a:ext uri="{FF2B5EF4-FFF2-40B4-BE49-F238E27FC236}">
+                <a16:creationId xmlns:a16="http://schemas.microsoft.com/office/drawing/2014/main" id="{9A38F129-432B-9E47-A3AC-39D9F9A9C9CF}"/>
+              </a:ext>
+            </a:extLst>
+          </p:cNvPr>
+          <p:cNvSpPr txBox="1"/>
+          <p:nvPr/>
+        </p:nvSpPr>
+        <p:spPr>
+          <a:xfrm>
+            <a:off x="1210690" y="1868829"/>
+            <a:ext cx="10764485" cy="1323439"/>
+          </a:xfrm>
+          <a:prstGeom prst="rect">
+            <a:avLst/>
+          </a:prstGeom>
+          <a:noFill/>
+        </p:spPr>
+        <p:txBody>
+          <a:bodyPr wrap="none" rtlCol="0">
+            <a:spAutoFit/>
+          </a:bodyPr>
+          <a:lstStyle/>
+          <a:p>
+            <a:r>
+              <a:rPr lang="en-US" sz="2000" dirty="0">
+                <a:latin typeface="Consolas" panose="020B0609020204030204" pitchFamily="49" charset="0"/>
+                <a:cs typeface="Consolas" panose="020B0609020204030204" pitchFamily="49" charset="0"/>
+              </a:rPr>
+              <a:t>titles = ["A Soldier's Story", 'Places in the Heart', 'The Killing Fields',</a:t>
+            </a:r>
+          </a:p>
+          <a:p>
+            <a:r>
+              <a:rPr lang="en-US" sz="2000" dirty="0">
+                <a:latin typeface="Consolas" panose="020B0609020204030204" pitchFamily="49" charset="0"/>
+                <a:cs typeface="Consolas" panose="020B0609020204030204" pitchFamily="49" charset="0"/>
+              </a:rPr>
+              <a:t>          'A Passage to India', 'Amadeus', "</a:t>
+            </a:r>
+            <a:r>
+              <a:rPr lang="en-US" sz="2000" dirty="0" err="1">
+                <a:latin typeface="Consolas" panose="020B0609020204030204" pitchFamily="49" charset="0"/>
+                <a:cs typeface="Consolas" panose="020B0609020204030204" pitchFamily="49" charset="0"/>
+              </a:rPr>
+              <a:t>Prizzi's</a:t>
+            </a:r>
+            <a:r>
+              <a:rPr lang="en-US" sz="2000" dirty="0">
+                <a:latin typeface="Consolas" panose="020B0609020204030204" pitchFamily="49" charset="0"/>
+                <a:cs typeface="Consolas" panose="020B0609020204030204" pitchFamily="49" charset="0"/>
+              </a:rPr>
+              <a:t> Honor",</a:t>
+            </a:r>
+          </a:p>
+          <a:p>
+            <a:r>
+              <a:rPr lang="en-US" sz="2000" dirty="0">
+                <a:latin typeface="Consolas" panose="020B0609020204030204" pitchFamily="49" charset="0"/>
+                <a:cs typeface="Consolas" panose="020B0609020204030204" pitchFamily="49" charset="0"/>
+              </a:rPr>
+              <a:t>          'Kiss of the Spider Woman', 'Witness', 'The Color Purple',</a:t>
+            </a:r>
+          </a:p>
+          <a:p>
+            <a:r>
+              <a:rPr lang="en-US" sz="2000" dirty="0">
+                <a:latin typeface="Consolas" panose="020B0609020204030204" pitchFamily="49" charset="0"/>
+                <a:cs typeface="Consolas" panose="020B0609020204030204" pitchFamily="49" charset="0"/>
+              </a:rPr>
+              <a:t>          'Out of Africa']</a:t>
+            </a:r>
+          </a:p>
+        </p:txBody>
+      </p:sp>
+      <p:sp>
+        <p:nvSpPr>
+          <p:cNvPr id="16" name="TextBox 15">
+            <a:extLst>
+              <a:ext uri="{FF2B5EF4-FFF2-40B4-BE49-F238E27FC236}">
+                <a16:creationId xmlns:a16="http://schemas.microsoft.com/office/drawing/2014/main" id="{37D9E638-A321-DA40-9AC4-F8C109419534}"/>
+              </a:ext>
+            </a:extLst>
+          </p:cNvPr>
+          <p:cNvSpPr txBox="1"/>
+          <p:nvPr/>
+        </p:nvSpPr>
+        <p:spPr>
+          <a:xfrm>
+            <a:off x="1087121" y="4470400"/>
+            <a:ext cx="8707120" cy="830997"/>
+          </a:xfrm>
+          <a:prstGeom prst="rect">
+            <a:avLst/>
+          </a:prstGeom>
+          <a:noFill/>
+        </p:spPr>
+        <p:txBody>
+          <a:bodyPr wrap="square" rtlCol="0">
+            <a:spAutoFit/>
+          </a:bodyPr>
+          <a:lstStyle/>
+          <a:p>
+            <a:r>
+              <a:rPr lang="en-US" sz="2400" dirty="0"/>
+              <a:t>Think how we can gradually morph the data from titles to result, but start with the desired result and work backwards</a:t>
+            </a:r>
+          </a:p>
+        </p:txBody>
+      </p:sp>
+    </p:spTree>
+    <p:extLst>
+      <p:ext uri="{BB962C8B-B14F-4D97-AF65-F5344CB8AC3E}">
+        <p14:creationId xmlns:p14="http://schemas.microsoft.com/office/powerpoint/2010/main" val="1693939768"/>
+      </p:ext>
+    </p:extLst>
+  </p:cSld>
+  <p:clrMapOvr>
+    <a:masterClrMapping/>
+  </p:clrMapOvr>
+  <p:timing>
+    <p:tnLst>
+      <p:par>
+        <p:cTn id="1" dur="indefinite" restart="never" nodeType="tmRoot">
+          <p:childTnLst>
+            <p:seq concurrent="1" nextAc="seek">
+              <p:cTn id="2" dur="indefinite" nodeType="mainSeq">
+                <p:childTnLst>
+                  <p:par>
+                    <p:cTn id="3" fill="hold">
+                      <p:stCondLst>
+                        <p:cond delay="indefinite"/>
+                      </p:stCondLst>
+                      <p:childTnLst>
+                        <p:par>
+                          <p:cTn id="4" fill="hold">
+                            <p:stCondLst>
+                              <p:cond delay="0"/>
+                            </p:stCondLst>
+                            <p:childTnLst>
+                              <p:par>
+                                <p:cTn id="5" presetID="1" presetClass="entr" presetSubtype="0" fill="hold" grpId="0" nodeType="clickEffect">
+                                  <p:stCondLst>
+                                    <p:cond delay="0"/>
+                                  </p:stCondLst>
+                                  <p:childTnLst>
+                                    <p:set>
+                                      <p:cBhvr>
+                                        <p:cTn id="6" dur="1" fill="hold">
+                                          <p:stCondLst>
+                                            <p:cond delay="0"/>
+                                          </p:stCondLst>
+                                        </p:cTn>
+                                        <p:tgtEl>
+                                          <p:spTgt spid="16"/>
+                                        </p:tgtEl>
+                                        <p:attrNameLst>
+                                          <p:attrName>style.visibility</p:attrName>
+                                        </p:attrNameLst>
+                                      </p:cBhvr>
+                                      <p:to>
+                                        <p:strVal val="visible"/>
+                                      </p:to>
+                                    </p:set>
+                                  </p:childTnLst>
+                                </p:cTn>
+                              </p:par>
+                            </p:childTnLst>
+                          </p:cTn>
+                        </p:par>
+                      </p:childTnLst>
+                    </p:cTn>
+                  </p:par>
+                </p:childTnLst>
+              </p:cTn>
+              <p:prevCondLst>
+                <p:cond evt="onPrev" delay="0">
+                  <p:tgtEl>
+                    <p:sldTgt/>
+                  </p:tgtEl>
+                </p:cond>
+              </p:prevCondLst>
+              <p:nextCondLst>
+                <p:cond evt="onNext" delay="0">
+                  <p:tgtEl>
+                    <p:sldTgt/>
+                  </p:tgtEl>
+                </p:cond>
+              </p:nextCondLst>
+            </p:seq>
+          </p:childTnLst>
+        </p:cTn>
+      </p:par>
+    </p:tnLst>
+    <p:bldLst>
+      <p:bldP spid="16" grpId="0"/>
+    </p:bldLst>
+  </p:timing>
+</p:sld>
+</file>
+
+<file path=ppt/slides/slide26.xml><?xml version="1.0" encoding="utf-8"?>
+<p:sld xmlns:a="http://schemas.openxmlformats.org/drawingml/2006/main" xmlns:r="http://schemas.openxmlformats.org/officeDocument/2006/relationships" xmlns:p="http://schemas.openxmlformats.org/presentationml/2006/main">
+  <p:cSld>
+    <p:spTree>
+      <p:nvGrpSpPr>
+        <p:cNvPr id="1" name=""/>
+        <p:cNvGrpSpPr/>
+        <p:nvPr/>
+      </p:nvGrpSpPr>
+      <p:grpSpPr>
+        <a:xfrm>
+          <a:off x="0" y="0"/>
+          <a:ext cx="0" cy="0"/>
+          <a:chOff x="0" y="0"/>
+          <a:chExt cx="0" cy="0"/>
+        </a:xfrm>
+      </p:grpSpPr>
+      <p:sp>
+        <p:nvSpPr>
+          <p:cNvPr id="2" name="Title 1">
+            <a:extLst>
+              <a:ext uri="{FF2B5EF4-FFF2-40B4-BE49-F238E27FC236}">
+                <a16:creationId xmlns:a16="http://schemas.microsoft.com/office/drawing/2014/main" id="{C0449369-4CFB-2B47-AD0C-4250C70C484B}"/>
+              </a:ext>
+            </a:extLst>
+          </p:cNvPr>
+          <p:cNvSpPr>
+            <a:spLocks noGrp="1"/>
+          </p:cNvSpPr>
+          <p:nvPr>
+            <p:ph type="title"/>
+          </p:nvPr>
+        </p:nvSpPr>
+        <p:spPr>
+          <a:xfrm>
+            <a:off x="838200" y="365125"/>
+            <a:ext cx="10515600" cy="935907"/>
+          </a:xfrm>
+        </p:spPr>
+        <p:txBody>
+          <a:bodyPr/>
+          <a:lstStyle/>
+          <a:p>
+            <a:r>
+              <a:rPr lang="en-US" dirty="0"/>
+              <a:t>Exercise continued</a:t>
+            </a:r>
+          </a:p>
+        </p:txBody>
+      </p:sp>
+      <p:sp>
+        <p:nvSpPr>
+          <p:cNvPr id="3" name="Content Placeholder 2">
+            <a:extLst>
+              <a:ext uri="{FF2B5EF4-FFF2-40B4-BE49-F238E27FC236}">
+                <a16:creationId xmlns:a16="http://schemas.microsoft.com/office/drawing/2014/main" id="{B8E4D60B-2C06-3142-85A6-6EECDE015D1B}"/>
+              </a:ext>
+            </a:extLst>
+          </p:cNvPr>
+          <p:cNvSpPr>
+            <a:spLocks noGrp="1"/>
+          </p:cNvSpPr>
+          <p:nvPr>
+            <p:ph idx="1"/>
+          </p:nvPr>
+        </p:nvSpPr>
+        <p:spPr>
+          <a:xfrm>
+            <a:off x="838200" y="1301032"/>
+            <a:ext cx="10515600" cy="4875931"/>
+          </a:xfrm>
+        </p:spPr>
+        <p:txBody>
+          <a:bodyPr/>
+          <a:lstStyle/>
+          <a:p>
+            <a:r>
+              <a:rPr lang="en-US" dirty="0"/>
+              <a:t>Work backwards:</a:t>
+            </a:r>
+          </a:p>
+          <a:p>
+            <a:pPr lvl="1"/>
+            <a:r>
+              <a:rPr lang="en-US" dirty="0"/>
+              <a:t>If we have the list of title lengths, we can filter for length 3 and count</a:t>
+            </a:r>
+          </a:p>
+          <a:p>
+            <a:pPr lvl="1"/>
+            <a:endParaRPr lang="en-US" dirty="0"/>
+          </a:p>
+          <a:p>
+            <a:pPr lvl="1"/>
+            <a:endParaRPr lang="en-US" dirty="0"/>
+          </a:p>
+          <a:p>
+            <a:pPr lvl="1"/>
+            <a:r>
+              <a:rPr lang="en-US" dirty="0"/>
+              <a:t>To get list of title lengths, map </a:t>
+            </a:r>
+            <a:r>
+              <a:rPr lang="en-US" b="1" dirty="0" err="1"/>
+              <a:t>len</a:t>
+            </a:r>
+            <a:r>
+              <a:rPr lang="en-US" b="1" dirty="0"/>
+              <a:t>()</a:t>
+            </a:r>
+            <a:r>
+              <a:rPr lang="en-US" dirty="0"/>
+              <a:t> to list of words of each title</a:t>
+            </a:r>
+          </a:p>
+          <a:p>
+            <a:pPr lvl="1"/>
+            <a:endParaRPr lang="en-US" dirty="0"/>
+          </a:p>
+          <a:p>
+            <a:pPr lvl="1"/>
+            <a:endParaRPr lang="en-US" dirty="0"/>
+          </a:p>
+          <a:p>
+            <a:pPr lvl="1"/>
+            <a:endParaRPr lang="en-US" dirty="0"/>
+          </a:p>
+          <a:p>
+            <a:pPr lvl="1"/>
+            <a:r>
+              <a:rPr lang="en-US" dirty="0"/>
+              <a:t>To get the list of words for each title, map </a:t>
+            </a:r>
+            <a:r>
+              <a:rPr lang="en-US" b="1" dirty="0"/>
+              <a:t>split()</a:t>
+            </a:r>
+            <a:r>
+              <a:rPr lang="en-US" dirty="0"/>
+              <a:t> to teach title</a:t>
+            </a:r>
+          </a:p>
+          <a:p>
+            <a:endParaRPr lang="en-US" dirty="0"/>
+          </a:p>
+          <a:p>
+            <a:endParaRPr lang="en-US" dirty="0"/>
+          </a:p>
+        </p:txBody>
+      </p:sp>
+      <p:sp>
+        <p:nvSpPr>
+          <p:cNvPr id="12" name="Rectangle 11">
+            <a:extLst>
+              <a:ext uri="{FF2B5EF4-FFF2-40B4-BE49-F238E27FC236}">
+                <a16:creationId xmlns:a16="http://schemas.microsoft.com/office/drawing/2014/main" id="{AEFFC3D2-A815-6A4C-9973-B0127AB84120}"/>
+              </a:ext>
+            </a:extLst>
+          </p:cNvPr>
+          <p:cNvSpPr/>
+          <p:nvPr/>
+        </p:nvSpPr>
+        <p:spPr>
+          <a:xfrm>
+            <a:off x="2169299" y="5095303"/>
+            <a:ext cx="3097323" cy="923330"/>
+          </a:xfrm>
+          <a:prstGeom prst="rect">
+            <a:avLst/>
+          </a:prstGeom>
+        </p:spPr>
+        <p:txBody>
+          <a:bodyPr wrap="none">
+            <a:spAutoFit/>
+          </a:bodyPr>
+          <a:lstStyle/>
+          <a:p>
+            <a:r>
+              <a:rPr lang="en-US" dirty="0">
+                <a:latin typeface="Consolas" panose="020B0609020204030204" pitchFamily="49" charset="0"/>
+                <a:cs typeface="Consolas" panose="020B0609020204030204" pitchFamily="49" charset="0"/>
+              </a:rPr>
+              <a:t>["A Soldier's Story",</a:t>
+            </a:r>
+          </a:p>
+          <a:p>
+            <a:r>
+              <a:rPr lang="en-US" dirty="0">
+                <a:latin typeface="Consolas" panose="020B0609020204030204" pitchFamily="49" charset="0"/>
+                <a:cs typeface="Consolas" panose="020B0609020204030204" pitchFamily="49" charset="0"/>
+              </a:rPr>
+              <a:t> 'Places in the Heart',</a:t>
+            </a:r>
+          </a:p>
+          <a:p>
+            <a:r>
+              <a:rPr lang="en-US" dirty="0">
+                <a:latin typeface="Consolas" panose="020B0609020204030204" pitchFamily="49" charset="0"/>
+                <a:cs typeface="Consolas" panose="020B0609020204030204" pitchFamily="49" charset="0"/>
+              </a:rPr>
+              <a:t> ...]</a:t>
+            </a:r>
+          </a:p>
+        </p:txBody>
+      </p:sp>
+      <p:sp>
+        <p:nvSpPr>
+          <p:cNvPr id="14" name="Rectangle 13">
+            <a:extLst>
+              <a:ext uri="{FF2B5EF4-FFF2-40B4-BE49-F238E27FC236}">
+                <a16:creationId xmlns:a16="http://schemas.microsoft.com/office/drawing/2014/main" id="{99D7E61F-AE0B-4B40-A374-84D8D8E6C8A3}"/>
+              </a:ext>
+            </a:extLst>
+          </p:cNvPr>
+          <p:cNvSpPr/>
+          <p:nvPr/>
+        </p:nvSpPr>
+        <p:spPr>
+          <a:xfrm>
+            <a:off x="2205144" y="2337128"/>
+            <a:ext cx="3983783" cy="369332"/>
+          </a:xfrm>
+          <a:prstGeom prst="rect">
+            <a:avLst/>
+          </a:prstGeom>
+        </p:spPr>
+        <p:txBody>
+          <a:bodyPr wrap="none">
+            <a:spAutoFit/>
+          </a:bodyPr>
+          <a:lstStyle/>
+          <a:p>
+            <a:r>
+              <a:rPr lang="en-US" dirty="0">
+                <a:latin typeface="Consolas" panose="020B0609020204030204" pitchFamily="49" charset="0"/>
+                <a:cs typeface="Consolas" panose="020B0609020204030204" pitchFamily="49" charset="0"/>
+              </a:rPr>
+              <a:t>[3, 4, 3, 4, 1, 2, 5, 1, 3, 3]</a:t>
+            </a:r>
+          </a:p>
+        </p:txBody>
+      </p:sp>
+      <p:sp>
+        <p:nvSpPr>
+          <p:cNvPr id="15" name="Rectangle 14">
+            <a:extLst>
+              <a:ext uri="{FF2B5EF4-FFF2-40B4-BE49-F238E27FC236}">
+                <a16:creationId xmlns:a16="http://schemas.microsoft.com/office/drawing/2014/main" id="{150237DD-912F-2F4A-8594-D10FE18DFE10}"/>
+              </a:ext>
+            </a:extLst>
+          </p:cNvPr>
+          <p:cNvSpPr/>
+          <p:nvPr/>
+        </p:nvSpPr>
+        <p:spPr>
+          <a:xfrm>
+            <a:off x="6886185" y="2339593"/>
+            <a:ext cx="1704313" cy="369332"/>
+          </a:xfrm>
+          <a:prstGeom prst="rect">
+            <a:avLst/>
+          </a:prstGeom>
+        </p:spPr>
+        <p:txBody>
+          <a:bodyPr wrap="none">
+            <a:spAutoFit/>
+          </a:bodyPr>
+          <a:lstStyle/>
+          <a:p>
+            <a:r>
+              <a:rPr lang="en-US" dirty="0">
+                <a:latin typeface="Consolas" panose="020B0609020204030204" pitchFamily="49" charset="0"/>
+                <a:cs typeface="Consolas" panose="020B0609020204030204" pitchFamily="49" charset="0"/>
+              </a:rPr>
+              <a:t>[3, 3, 3, 3]</a:t>
+            </a:r>
+          </a:p>
+        </p:txBody>
+      </p:sp>
+      <p:sp>
+        <p:nvSpPr>
+          <p:cNvPr id="16" name="Rectangle 15">
+            <a:extLst>
+              <a:ext uri="{FF2B5EF4-FFF2-40B4-BE49-F238E27FC236}">
+                <a16:creationId xmlns:a16="http://schemas.microsoft.com/office/drawing/2014/main" id="{8FBEAE24-8074-484D-8DD3-318B0FFFC15F}"/>
+              </a:ext>
+            </a:extLst>
+          </p:cNvPr>
+          <p:cNvSpPr/>
+          <p:nvPr/>
+        </p:nvSpPr>
+        <p:spPr>
+          <a:xfrm>
+            <a:off x="6232554" y="2229406"/>
+            <a:ext cx="534121" cy="584775"/>
+          </a:xfrm>
+          <a:prstGeom prst="rect">
+            <a:avLst/>
+          </a:prstGeom>
+        </p:spPr>
+        <p:txBody>
+          <a:bodyPr wrap="none">
+            <a:spAutoFit/>
+          </a:bodyPr>
+          <a:lstStyle/>
+          <a:p>
+            <a:r>
+              <a:rPr lang="en-US" sz="3200" i="1" dirty="0"/>
+              <a:t>☞</a:t>
+            </a:r>
+            <a:endParaRPr lang="en-US" sz="3200" dirty="0"/>
+          </a:p>
+        </p:txBody>
+      </p:sp>
+      <p:sp>
+        <p:nvSpPr>
+          <p:cNvPr id="17" name="TextBox 16">
+            <a:extLst>
+              <a:ext uri="{FF2B5EF4-FFF2-40B4-BE49-F238E27FC236}">
+                <a16:creationId xmlns:a16="http://schemas.microsoft.com/office/drawing/2014/main" id="{1B4753B9-CADF-C74A-A6B8-9CE2CAEF64E2}"/>
+              </a:ext>
+            </a:extLst>
+          </p:cNvPr>
+          <p:cNvSpPr txBox="1"/>
+          <p:nvPr/>
+        </p:nvSpPr>
+        <p:spPr>
+          <a:xfrm>
+            <a:off x="6357646" y="22931"/>
+            <a:ext cx="5949064" cy="954107"/>
+          </a:xfrm>
+          <a:prstGeom prst="rect">
+            <a:avLst/>
+          </a:prstGeom>
+          <a:noFill/>
+        </p:spPr>
+        <p:txBody>
+          <a:bodyPr wrap="none" rtlCol="0">
+            <a:spAutoFit/>
+          </a:bodyPr>
+          <a:lstStyle/>
+          <a:p>
+            <a:r>
+              <a:rPr lang="en-US" sz="1400" dirty="0">
+                <a:latin typeface="Consolas" panose="020B0609020204030204" pitchFamily="49" charset="0"/>
+                <a:cs typeface="Consolas" panose="020B0609020204030204" pitchFamily="49" charset="0"/>
+              </a:rPr>
+              <a:t>["A Soldier's Story", 'Places in the Heart',</a:t>
+            </a:r>
+          </a:p>
+          <a:p>
+            <a:r>
+              <a:rPr lang="en-US" sz="1400" dirty="0">
+                <a:latin typeface="Consolas" panose="020B0609020204030204" pitchFamily="49" charset="0"/>
+                <a:cs typeface="Consolas" panose="020B0609020204030204" pitchFamily="49" charset="0"/>
+              </a:rPr>
+              <a:t> 'The Killing Fields', 'A Passage to India',</a:t>
+            </a:r>
+            <a:br>
+              <a:rPr lang="en-US" sz="1400" dirty="0">
+                <a:latin typeface="Consolas" panose="020B0609020204030204" pitchFamily="49" charset="0"/>
+                <a:cs typeface="Consolas" panose="020B0609020204030204" pitchFamily="49" charset="0"/>
+              </a:rPr>
+            </a:br>
+            <a:r>
+              <a:rPr lang="en-US" sz="1400" dirty="0">
+                <a:latin typeface="Consolas" panose="020B0609020204030204" pitchFamily="49" charset="0"/>
+                <a:cs typeface="Consolas" panose="020B0609020204030204" pitchFamily="49" charset="0"/>
+              </a:rPr>
+              <a:t> 'Amadeus', "</a:t>
+            </a:r>
+            <a:r>
+              <a:rPr lang="en-US" sz="1400" dirty="0" err="1">
+                <a:latin typeface="Consolas" panose="020B0609020204030204" pitchFamily="49" charset="0"/>
+                <a:cs typeface="Consolas" panose="020B0609020204030204" pitchFamily="49" charset="0"/>
+              </a:rPr>
+              <a:t>Prizzi's</a:t>
+            </a:r>
+            <a:r>
+              <a:rPr lang="en-US" sz="1400" dirty="0">
+                <a:latin typeface="Consolas" panose="020B0609020204030204" pitchFamily="49" charset="0"/>
+                <a:cs typeface="Consolas" panose="020B0609020204030204" pitchFamily="49" charset="0"/>
+              </a:rPr>
+              <a:t> Honor", 'Kiss of the Spider Woman',</a:t>
+            </a:r>
+          </a:p>
+          <a:p>
+            <a:r>
+              <a:rPr lang="en-US" sz="1400" dirty="0">
+                <a:latin typeface="Consolas" panose="020B0609020204030204" pitchFamily="49" charset="0"/>
+                <a:cs typeface="Consolas" panose="020B0609020204030204" pitchFamily="49" charset="0"/>
+              </a:rPr>
+              <a:t> 'Witness', 'The Color Purple', 'Out of Africa']</a:t>
+            </a:r>
+          </a:p>
+        </p:txBody>
+      </p:sp>
+      <p:sp>
+        <p:nvSpPr>
+          <p:cNvPr id="18" name="Rectangle 17">
+            <a:extLst>
+              <a:ext uri="{FF2B5EF4-FFF2-40B4-BE49-F238E27FC236}">
+                <a16:creationId xmlns:a16="http://schemas.microsoft.com/office/drawing/2014/main" id="{278190C8-E71C-A44C-A5FB-42913AAE02D0}"/>
+              </a:ext>
+            </a:extLst>
+          </p:cNvPr>
+          <p:cNvSpPr/>
+          <p:nvPr/>
+        </p:nvSpPr>
+        <p:spPr>
+          <a:xfrm>
+            <a:off x="9194302" y="2357448"/>
+            <a:ext cx="311304" cy="369332"/>
+          </a:xfrm>
+          <a:prstGeom prst="rect">
+            <a:avLst/>
+          </a:prstGeom>
+        </p:spPr>
+        <p:txBody>
+          <a:bodyPr wrap="none">
+            <a:spAutoFit/>
+          </a:bodyPr>
+          <a:lstStyle/>
+          <a:p>
+            <a:r>
+              <a:rPr lang="en-US" dirty="0">
+                <a:latin typeface="Consolas" panose="020B0609020204030204" pitchFamily="49" charset="0"/>
+                <a:cs typeface="Consolas" panose="020B0609020204030204" pitchFamily="49" charset="0"/>
+              </a:rPr>
+              <a:t>4</a:t>
+            </a:r>
+          </a:p>
+        </p:txBody>
+      </p:sp>
+      <p:sp>
+        <p:nvSpPr>
+          <p:cNvPr id="19" name="Rectangle 18">
+            <a:extLst>
+              <a:ext uri="{FF2B5EF4-FFF2-40B4-BE49-F238E27FC236}">
+                <a16:creationId xmlns:a16="http://schemas.microsoft.com/office/drawing/2014/main" id="{A1088EE5-DB79-CD41-8637-AABDF474681F}"/>
+              </a:ext>
+            </a:extLst>
+          </p:cNvPr>
+          <p:cNvSpPr/>
+          <p:nvPr/>
+        </p:nvSpPr>
+        <p:spPr>
+          <a:xfrm>
+            <a:off x="8540671" y="2226941"/>
+            <a:ext cx="534121" cy="584775"/>
+          </a:xfrm>
+          <a:prstGeom prst="rect">
+            <a:avLst/>
+          </a:prstGeom>
+        </p:spPr>
+        <p:txBody>
+          <a:bodyPr wrap="none">
+            <a:spAutoFit/>
+          </a:bodyPr>
+          <a:lstStyle/>
+          <a:p>
+            <a:r>
+              <a:rPr lang="en-US" sz="3200" i="1" dirty="0"/>
+              <a:t>☞</a:t>
+            </a:r>
+            <a:endParaRPr lang="en-US" sz="3200" dirty="0"/>
+          </a:p>
+        </p:txBody>
+      </p:sp>
+      <p:sp>
+        <p:nvSpPr>
+          <p:cNvPr id="22" name="Rectangle 21">
+            <a:extLst>
+              <a:ext uri="{FF2B5EF4-FFF2-40B4-BE49-F238E27FC236}">
+                <a16:creationId xmlns:a16="http://schemas.microsoft.com/office/drawing/2014/main" id="{33FD1778-493C-8942-9DA8-0F5D93D50110}"/>
+              </a:ext>
+            </a:extLst>
+          </p:cNvPr>
+          <p:cNvSpPr/>
+          <p:nvPr/>
+        </p:nvSpPr>
+        <p:spPr>
+          <a:xfrm>
+            <a:off x="2169299" y="3585087"/>
+            <a:ext cx="6096000" cy="646331"/>
+          </a:xfrm>
+          <a:prstGeom prst="rect">
+            <a:avLst/>
+          </a:prstGeom>
+        </p:spPr>
+        <p:txBody>
+          <a:bodyPr>
+            <a:spAutoFit/>
+          </a:bodyPr>
+          <a:lstStyle/>
+          <a:p>
+            <a:r>
+              <a:rPr lang="en-US" dirty="0">
+                <a:latin typeface="Consolas" panose="020B0609020204030204" pitchFamily="49" charset="0"/>
+                <a:cs typeface="Consolas" panose="020B0609020204030204" pitchFamily="49" charset="0"/>
+              </a:rPr>
+              <a:t>[['A', "Soldier's", 'Story'],</a:t>
+            </a:r>
+          </a:p>
+          <a:p>
+            <a:r>
+              <a:rPr lang="en-US" dirty="0">
+                <a:latin typeface="Consolas" panose="020B0609020204030204" pitchFamily="49" charset="0"/>
+                <a:cs typeface="Consolas" panose="020B0609020204030204" pitchFamily="49" charset="0"/>
+              </a:rPr>
+              <a:t> ['Places', 'in', 'the', 'Heart'], ...]</a:t>
+            </a:r>
+          </a:p>
+        </p:txBody>
+      </p:sp>
+      <p:sp>
+        <p:nvSpPr>
+          <p:cNvPr id="23" name="Rectangle 22">
+            <a:extLst>
+              <a:ext uri="{FF2B5EF4-FFF2-40B4-BE49-F238E27FC236}">
+                <a16:creationId xmlns:a16="http://schemas.microsoft.com/office/drawing/2014/main" id="{347AF07E-E39A-F840-AF51-7DBA67BABFBC}"/>
+              </a:ext>
+            </a:extLst>
+          </p:cNvPr>
+          <p:cNvSpPr/>
+          <p:nvPr/>
+        </p:nvSpPr>
+        <p:spPr>
+          <a:xfrm>
+            <a:off x="7314309" y="3480584"/>
+            <a:ext cx="534121" cy="584775"/>
+          </a:xfrm>
+          <a:prstGeom prst="rect">
+            <a:avLst/>
+          </a:prstGeom>
+        </p:spPr>
+        <p:txBody>
+          <a:bodyPr wrap="none">
+            <a:spAutoFit/>
+          </a:bodyPr>
+          <a:lstStyle/>
+          <a:p>
+            <a:r>
+              <a:rPr lang="en-US" sz="3200" i="1" dirty="0"/>
+              <a:t>☞</a:t>
+            </a:r>
+            <a:endParaRPr lang="en-US" sz="3200" dirty="0"/>
+          </a:p>
+        </p:txBody>
+      </p:sp>
+      <p:sp>
+        <p:nvSpPr>
+          <p:cNvPr id="24" name="Rectangle 23">
+            <a:extLst>
+              <a:ext uri="{FF2B5EF4-FFF2-40B4-BE49-F238E27FC236}">
+                <a16:creationId xmlns:a16="http://schemas.microsoft.com/office/drawing/2014/main" id="{45C56C38-6615-4749-8A37-6CFEC01A9B81}"/>
+              </a:ext>
+            </a:extLst>
+          </p:cNvPr>
+          <p:cNvSpPr/>
+          <p:nvPr/>
+        </p:nvSpPr>
+        <p:spPr>
+          <a:xfrm>
+            <a:off x="7927930" y="3588305"/>
+            <a:ext cx="1577676" cy="369332"/>
+          </a:xfrm>
+          <a:prstGeom prst="rect">
+            <a:avLst/>
+          </a:prstGeom>
+        </p:spPr>
+        <p:txBody>
+          <a:bodyPr wrap="none">
+            <a:spAutoFit/>
+          </a:bodyPr>
+          <a:lstStyle/>
+          <a:p>
+            <a:r>
+              <a:rPr lang="en-US" dirty="0">
+                <a:latin typeface="Consolas" panose="020B0609020204030204" pitchFamily="49" charset="0"/>
+                <a:cs typeface="Consolas" panose="020B0609020204030204" pitchFamily="49" charset="0"/>
+              </a:rPr>
+              <a:t>[3, 4, ...]</a:t>
+            </a:r>
+          </a:p>
+        </p:txBody>
+      </p:sp>
+      <p:sp>
+        <p:nvSpPr>
+          <p:cNvPr id="25" name="Rectangle 24">
+            <a:extLst>
+              <a:ext uri="{FF2B5EF4-FFF2-40B4-BE49-F238E27FC236}">
+                <a16:creationId xmlns:a16="http://schemas.microsoft.com/office/drawing/2014/main" id="{05EEFD78-E0D4-0945-B905-868EF082B379}"/>
+              </a:ext>
+            </a:extLst>
+          </p:cNvPr>
+          <p:cNvSpPr/>
+          <p:nvPr/>
+        </p:nvSpPr>
+        <p:spPr>
+          <a:xfrm>
+            <a:off x="6284178" y="5167325"/>
+            <a:ext cx="6096000" cy="923330"/>
+          </a:xfrm>
+          <a:prstGeom prst="rect">
+            <a:avLst/>
+          </a:prstGeom>
+        </p:spPr>
+        <p:txBody>
+          <a:bodyPr>
+            <a:spAutoFit/>
+          </a:bodyPr>
+          <a:lstStyle/>
+          <a:p>
+            <a:r>
+              <a:rPr lang="en-US" dirty="0">
+                <a:latin typeface="Consolas" panose="020B0609020204030204" pitchFamily="49" charset="0"/>
+                <a:cs typeface="Consolas" panose="020B0609020204030204" pitchFamily="49" charset="0"/>
+              </a:rPr>
+              <a:t>[['A', "Soldier's", 'Story'],</a:t>
+            </a:r>
+          </a:p>
+          <a:p>
+            <a:r>
+              <a:rPr lang="en-US" dirty="0">
+                <a:latin typeface="Consolas" panose="020B0609020204030204" pitchFamily="49" charset="0"/>
+                <a:cs typeface="Consolas" panose="020B0609020204030204" pitchFamily="49" charset="0"/>
+              </a:rPr>
+              <a:t> ['Places', 'in', 'the', 'Heart'],</a:t>
+            </a:r>
+          </a:p>
+          <a:p>
+            <a:r>
+              <a:rPr lang="en-US" dirty="0">
+                <a:latin typeface="Consolas" panose="020B0609020204030204" pitchFamily="49" charset="0"/>
+                <a:cs typeface="Consolas" panose="020B0609020204030204" pitchFamily="49" charset="0"/>
+              </a:rPr>
+              <a:t> ...]</a:t>
+            </a:r>
+          </a:p>
+        </p:txBody>
+      </p:sp>
+      <p:sp>
+        <p:nvSpPr>
+          <p:cNvPr id="26" name="Rectangle 25">
+            <a:extLst>
+              <a:ext uri="{FF2B5EF4-FFF2-40B4-BE49-F238E27FC236}">
+                <a16:creationId xmlns:a16="http://schemas.microsoft.com/office/drawing/2014/main" id="{523E74A6-AA43-0743-9D58-C45D9F338481}"/>
+              </a:ext>
+            </a:extLst>
+          </p:cNvPr>
+          <p:cNvSpPr/>
+          <p:nvPr/>
+        </p:nvSpPr>
+        <p:spPr>
+          <a:xfrm>
+            <a:off x="5508339" y="5171530"/>
+            <a:ext cx="534121" cy="584775"/>
+          </a:xfrm>
+          <a:prstGeom prst="rect">
+            <a:avLst/>
+          </a:prstGeom>
+        </p:spPr>
+        <p:txBody>
+          <a:bodyPr wrap="none">
+            <a:spAutoFit/>
+          </a:bodyPr>
+          <a:lstStyle/>
+          <a:p>
+            <a:r>
+              <a:rPr lang="en-US" sz="3200" i="1" dirty="0"/>
+              <a:t>☞</a:t>
+            </a:r>
+            <a:endParaRPr lang="en-US" sz="3200" dirty="0"/>
+          </a:p>
+        </p:txBody>
+      </p:sp>
+    </p:spTree>
+    <p:extLst>
+      <p:ext uri="{BB962C8B-B14F-4D97-AF65-F5344CB8AC3E}">
+        <p14:creationId xmlns:p14="http://schemas.microsoft.com/office/powerpoint/2010/main" val="1955675773"/>
+      </p:ext>
+    </p:extLst>
+  </p:cSld>
+  <p:clrMapOvr>
+    <a:masterClrMapping/>
+  </p:clrMapOvr>
+</p:sld>
+</file>
+
+<file path=ppt/slides/slide27.xml><?xml version="1.0" encoding="utf-8"?>
+<p:sld xmlns:a="http://schemas.openxmlformats.org/drawingml/2006/main" xmlns:r="http://schemas.openxmlformats.org/officeDocument/2006/relationships" xmlns:p="http://schemas.openxmlformats.org/presentationml/2006/main">
+  <p:cSld>
+    <p:spTree>
+      <p:nvGrpSpPr>
+        <p:cNvPr id="1" name=""/>
+        <p:cNvGrpSpPr/>
+        <p:nvPr/>
+      </p:nvGrpSpPr>
+      <p:grpSpPr>
+        <a:xfrm>
+          <a:off x="0" y="0"/>
+          <a:ext cx="0" cy="0"/>
+          <a:chOff x="0" y="0"/>
+          <a:chExt cx="0" cy="0"/>
+        </a:xfrm>
+      </p:grpSpPr>
+      <p:sp>
+        <p:nvSpPr>
+          <p:cNvPr id="2" name="Title 1">
+            <a:extLst>
+              <a:ext uri="{FF2B5EF4-FFF2-40B4-BE49-F238E27FC236}">
+                <a16:creationId xmlns:a16="http://schemas.microsoft.com/office/drawing/2014/main" id="{C0449369-4CFB-2B47-AD0C-4250C70C484B}"/>
+              </a:ext>
+            </a:extLst>
+          </p:cNvPr>
+          <p:cNvSpPr>
+            <a:spLocks noGrp="1"/>
+          </p:cNvSpPr>
+          <p:nvPr>
+            <p:ph type="title"/>
+          </p:nvPr>
+        </p:nvSpPr>
+        <p:spPr>
+          <a:xfrm>
+            <a:off x="838200" y="365125"/>
+            <a:ext cx="10515600" cy="935907"/>
+          </a:xfrm>
+        </p:spPr>
+        <p:txBody>
+          <a:bodyPr/>
+          <a:lstStyle/>
+          <a:p>
+            <a:r>
+              <a:rPr lang="en-US" dirty="0"/>
+              <a:t>Exercise continued</a:t>
+            </a:r>
+          </a:p>
+        </p:txBody>
+      </p:sp>
+      <p:sp>
+        <p:nvSpPr>
+          <p:cNvPr id="3" name="Content Placeholder 2">
+            <a:extLst>
+              <a:ext uri="{FF2B5EF4-FFF2-40B4-BE49-F238E27FC236}">
+                <a16:creationId xmlns:a16="http://schemas.microsoft.com/office/drawing/2014/main" id="{B8E4D60B-2C06-3142-85A6-6EECDE015D1B}"/>
+              </a:ext>
+            </a:extLst>
+          </p:cNvPr>
+          <p:cNvSpPr>
+            <a:spLocks noGrp="1"/>
+          </p:cNvSpPr>
+          <p:nvPr>
+            <p:ph idx="1"/>
+          </p:nvPr>
+        </p:nvSpPr>
+        <p:spPr>
+          <a:xfrm>
+            <a:off x="838200" y="1301032"/>
+            <a:ext cx="10515600" cy="4875931"/>
+          </a:xfrm>
+        </p:spPr>
+        <p:txBody>
+          <a:bodyPr/>
+          <a:lstStyle/>
+          <a:p>
+            <a:r>
+              <a:rPr lang="en-US" dirty="0"/>
+              <a:t>Now, reverse it to get the correct sequence:</a:t>
+            </a:r>
+          </a:p>
+          <a:p>
+            <a:endParaRPr lang="en-US" dirty="0"/>
+          </a:p>
+          <a:p>
+            <a:endParaRPr lang="en-US" dirty="0"/>
+          </a:p>
+        </p:txBody>
+      </p:sp>
+      <p:sp>
+        <p:nvSpPr>
+          <p:cNvPr id="12" name="Rectangle 11">
+            <a:extLst>
+              <a:ext uri="{FF2B5EF4-FFF2-40B4-BE49-F238E27FC236}">
+                <a16:creationId xmlns:a16="http://schemas.microsoft.com/office/drawing/2014/main" id="{AEFFC3D2-A815-6A4C-9973-B0127AB84120}"/>
+              </a:ext>
+            </a:extLst>
+          </p:cNvPr>
+          <p:cNvSpPr/>
+          <p:nvPr/>
+        </p:nvSpPr>
+        <p:spPr>
+          <a:xfrm>
+            <a:off x="1681197" y="1928976"/>
+            <a:ext cx="3097323" cy="923330"/>
+          </a:xfrm>
+          <a:prstGeom prst="rect">
+            <a:avLst/>
+          </a:prstGeom>
+        </p:spPr>
+        <p:txBody>
+          <a:bodyPr wrap="none">
+            <a:spAutoFit/>
+          </a:bodyPr>
+          <a:lstStyle/>
+          <a:p>
+            <a:r>
+              <a:rPr lang="en-US" dirty="0">
+                <a:latin typeface="Consolas" panose="020B0609020204030204" pitchFamily="49" charset="0"/>
+                <a:cs typeface="Consolas" panose="020B0609020204030204" pitchFamily="49" charset="0"/>
+              </a:rPr>
+              <a:t>["A Soldier's Story",</a:t>
+            </a:r>
+          </a:p>
+          <a:p>
+            <a:r>
+              <a:rPr lang="en-US" dirty="0">
+                <a:latin typeface="Consolas" panose="020B0609020204030204" pitchFamily="49" charset="0"/>
+                <a:cs typeface="Consolas" panose="020B0609020204030204" pitchFamily="49" charset="0"/>
+              </a:rPr>
+              <a:t> 'Places in the Heart',</a:t>
+            </a:r>
+          </a:p>
+          <a:p>
+            <a:r>
+              <a:rPr lang="en-US" dirty="0">
+                <a:latin typeface="Consolas" panose="020B0609020204030204" pitchFamily="49" charset="0"/>
+                <a:cs typeface="Consolas" panose="020B0609020204030204" pitchFamily="49" charset="0"/>
+              </a:rPr>
+              <a:t> ...]</a:t>
+            </a:r>
+          </a:p>
+        </p:txBody>
+      </p:sp>
+      <p:sp>
+        <p:nvSpPr>
+          <p:cNvPr id="14" name="Rectangle 13">
+            <a:extLst>
+              <a:ext uri="{FF2B5EF4-FFF2-40B4-BE49-F238E27FC236}">
+                <a16:creationId xmlns:a16="http://schemas.microsoft.com/office/drawing/2014/main" id="{99D7E61F-AE0B-4B40-A374-84D8D8E6C8A3}"/>
+              </a:ext>
+            </a:extLst>
+          </p:cNvPr>
+          <p:cNvSpPr/>
+          <p:nvPr/>
+        </p:nvSpPr>
+        <p:spPr>
+          <a:xfrm>
+            <a:off x="1681197" y="5012585"/>
+            <a:ext cx="3983783" cy="369332"/>
+          </a:xfrm>
+          <a:prstGeom prst="rect">
+            <a:avLst/>
+          </a:prstGeom>
+        </p:spPr>
+        <p:txBody>
+          <a:bodyPr wrap="none">
+            <a:spAutoFit/>
+          </a:bodyPr>
+          <a:lstStyle/>
+          <a:p>
+            <a:r>
+              <a:rPr lang="en-US" dirty="0">
+                <a:latin typeface="Consolas" panose="020B0609020204030204" pitchFamily="49" charset="0"/>
+                <a:cs typeface="Consolas" panose="020B0609020204030204" pitchFamily="49" charset="0"/>
+              </a:rPr>
+              <a:t>[3, 4, 3, 4, 1, 2, 5, 1, 3, 3]</a:t>
+            </a:r>
+          </a:p>
+        </p:txBody>
+      </p:sp>
+      <p:sp>
+        <p:nvSpPr>
+          <p:cNvPr id="15" name="Rectangle 14">
+            <a:extLst>
+              <a:ext uri="{FF2B5EF4-FFF2-40B4-BE49-F238E27FC236}">
+                <a16:creationId xmlns:a16="http://schemas.microsoft.com/office/drawing/2014/main" id="{150237DD-912F-2F4A-8594-D10FE18DFE10}"/>
+              </a:ext>
+            </a:extLst>
+          </p:cNvPr>
+          <p:cNvSpPr/>
+          <p:nvPr/>
+        </p:nvSpPr>
+        <p:spPr>
+          <a:xfrm>
+            <a:off x="6362238" y="5015050"/>
+            <a:ext cx="1704313" cy="369332"/>
+          </a:xfrm>
+          <a:prstGeom prst="rect">
+            <a:avLst/>
+          </a:prstGeom>
+        </p:spPr>
+        <p:txBody>
+          <a:bodyPr wrap="none">
+            <a:spAutoFit/>
+          </a:bodyPr>
+          <a:lstStyle/>
+          <a:p>
+            <a:r>
+              <a:rPr lang="en-US" dirty="0">
+                <a:latin typeface="Consolas" panose="020B0609020204030204" pitchFamily="49" charset="0"/>
+                <a:cs typeface="Consolas" panose="020B0609020204030204" pitchFamily="49" charset="0"/>
+              </a:rPr>
+              <a:t>[3, 3, 3, 3]</a:t>
+            </a:r>
+          </a:p>
+        </p:txBody>
+      </p:sp>
+      <p:sp>
+        <p:nvSpPr>
+          <p:cNvPr id="16" name="Rectangle 15">
+            <a:extLst>
+              <a:ext uri="{FF2B5EF4-FFF2-40B4-BE49-F238E27FC236}">
+                <a16:creationId xmlns:a16="http://schemas.microsoft.com/office/drawing/2014/main" id="{8FBEAE24-8074-484D-8DD3-318B0FFFC15F}"/>
+              </a:ext>
+            </a:extLst>
+          </p:cNvPr>
+          <p:cNvSpPr/>
+          <p:nvPr/>
+        </p:nvSpPr>
+        <p:spPr>
+          <a:xfrm>
+            <a:off x="5708607" y="4904863"/>
+            <a:ext cx="534121" cy="584775"/>
+          </a:xfrm>
+          <a:prstGeom prst="rect">
+            <a:avLst/>
+          </a:prstGeom>
+        </p:spPr>
+        <p:txBody>
+          <a:bodyPr wrap="none">
+            <a:spAutoFit/>
+          </a:bodyPr>
+          <a:lstStyle/>
+          <a:p>
+            <a:r>
+              <a:rPr lang="en-US" sz="3200" i="1" dirty="0"/>
+              <a:t>☞</a:t>
+            </a:r>
+            <a:endParaRPr lang="en-US" sz="3200" dirty="0"/>
+          </a:p>
+        </p:txBody>
+      </p:sp>
+      <p:sp>
+        <p:nvSpPr>
+          <p:cNvPr id="17" name="TextBox 16">
+            <a:extLst>
+              <a:ext uri="{FF2B5EF4-FFF2-40B4-BE49-F238E27FC236}">
+                <a16:creationId xmlns:a16="http://schemas.microsoft.com/office/drawing/2014/main" id="{1B4753B9-CADF-C74A-A6B8-9CE2CAEF64E2}"/>
+              </a:ext>
+            </a:extLst>
+          </p:cNvPr>
+          <p:cNvSpPr txBox="1"/>
+          <p:nvPr/>
+        </p:nvSpPr>
+        <p:spPr>
+          <a:xfrm>
+            <a:off x="6357646" y="22931"/>
+            <a:ext cx="5949064" cy="954107"/>
+          </a:xfrm>
+          <a:prstGeom prst="rect">
+            <a:avLst/>
+          </a:prstGeom>
+          <a:noFill/>
+        </p:spPr>
+        <p:txBody>
+          <a:bodyPr wrap="none" rtlCol="0">
+            <a:spAutoFit/>
+          </a:bodyPr>
+          <a:lstStyle/>
+          <a:p>
+            <a:r>
+              <a:rPr lang="en-US" sz="1400" dirty="0">
+                <a:latin typeface="Consolas" panose="020B0609020204030204" pitchFamily="49" charset="0"/>
+                <a:cs typeface="Consolas" panose="020B0609020204030204" pitchFamily="49" charset="0"/>
+              </a:rPr>
+              <a:t>["A Soldier's Story", 'Places in the Heart',</a:t>
+            </a:r>
+          </a:p>
+          <a:p>
+            <a:r>
+              <a:rPr lang="en-US" sz="1400" dirty="0">
+                <a:latin typeface="Consolas" panose="020B0609020204030204" pitchFamily="49" charset="0"/>
+                <a:cs typeface="Consolas" panose="020B0609020204030204" pitchFamily="49" charset="0"/>
+              </a:rPr>
+              <a:t> 'The Killing Fields', 'A Passage to India',</a:t>
+            </a:r>
+            <a:br>
+              <a:rPr lang="en-US" sz="1400" dirty="0">
+                <a:latin typeface="Consolas" panose="020B0609020204030204" pitchFamily="49" charset="0"/>
+                <a:cs typeface="Consolas" panose="020B0609020204030204" pitchFamily="49" charset="0"/>
+              </a:rPr>
+            </a:br>
+            <a:r>
+              <a:rPr lang="en-US" sz="1400" dirty="0">
+                <a:latin typeface="Consolas" panose="020B0609020204030204" pitchFamily="49" charset="0"/>
+                <a:cs typeface="Consolas" panose="020B0609020204030204" pitchFamily="49" charset="0"/>
+              </a:rPr>
+              <a:t> 'Amadeus', "</a:t>
+            </a:r>
+            <a:r>
+              <a:rPr lang="en-US" sz="1400" dirty="0" err="1">
+                <a:latin typeface="Consolas" panose="020B0609020204030204" pitchFamily="49" charset="0"/>
+                <a:cs typeface="Consolas" panose="020B0609020204030204" pitchFamily="49" charset="0"/>
+              </a:rPr>
+              <a:t>Prizzi's</a:t>
+            </a:r>
+            <a:r>
+              <a:rPr lang="en-US" sz="1400" dirty="0">
+                <a:latin typeface="Consolas" panose="020B0609020204030204" pitchFamily="49" charset="0"/>
+                <a:cs typeface="Consolas" panose="020B0609020204030204" pitchFamily="49" charset="0"/>
+              </a:rPr>
+              <a:t> Honor", 'Kiss of the Spider Woman',</a:t>
+            </a:r>
+          </a:p>
+          <a:p>
+            <a:r>
+              <a:rPr lang="en-US" sz="1400" dirty="0">
+                <a:latin typeface="Consolas" panose="020B0609020204030204" pitchFamily="49" charset="0"/>
+                <a:cs typeface="Consolas" panose="020B0609020204030204" pitchFamily="49" charset="0"/>
+              </a:rPr>
+              <a:t> 'Witness', 'The Color Purple', 'Out of Africa']</a:t>
+            </a:r>
+          </a:p>
+        </p:txBody>
+      </p:sp>
+      <p:sp>
+        <p:nvSpPr>
+          <p:cNvPr id="18" name="Rectangle 17">
+            <a:extLst>
+              <a:ext uri="{FF2B5EF4-FFF2-40B4-BE49-F238E27FC236}">
+                <a16:creationId xmlns:a16="http://schemas.microsoft.com/office/drawing/2014/main" id="{278190C8-E71C-A44C-A5FB-42913AAE02D0}"/>
+              </a:ext>
+            </a:extLst>
+          </p:cNvPr>
+          <p:cNvSpPr/>
+          <p:nvPr/>
+        </p:nvSpPr>
+        <p:spPr>
+          <a:xfrm>
+            <a:off x="8670355" y="5032905"/>
+            <a:ext cx="311304" cy="369332"/>
+          </a:xfrm>
+          <a:prstGeom prst="rect">
+            <a:avLst/>
+          </a:prstGeom>
+        </p:spPr>
+        <p:txBody>
+          <a:bodyPr wrap="none">
+            <a:spAutoFit/>
+          </a:bodyPr>
+          <a:lstStyle/>
+          <a:p>
+            <a:r>
+              <a:rPr lang="en-US" dirty="0">
+                <a:latin typeface="Consolas" panose="020B0609020204030204" pitchFamily="49" charset="0"/>
+                <a:cs typeface="Consolas" panose="020B0609020204030204" pitchFamily="49" charset="0"/>
+              </a:rPr>
+              <a:t>4</a:t>
+            </a:r>
+          </a:p>
+        </p:txBody>
+      </p:sp>
+      <p:sp>
+        <p:nvSpPr>
+          <p:cNvPr id="19" name="Rectangle 18">
+            <a:extLst>
+              <a:ext uri="{FF2B5EF4-FFF2-40B4-BE49-F238E27FC236}">
+                <a16:creationId xmlns:a16="http://schemas.microsoft.com/office/drawing/2014/main" id="{A1088EE5-DB79-CD41-8637-AABDF474681F}"/>
+              </a:ext>
+            </a:extLst>
+          </p:cNvPr>
+          <p:cNvSpPr/>
+          <p:nvPr/>
+        </p:nvSpPr>
+        <p:spPr>
+          <a:xfrm>
+            <a:off x="8016724" y="4902398"/>
+            <a:ext cx="534121" cy="584775"/>
+          </a:xfrm>
+          <a:prstGeom prst="rect">
+            <a:avLst/>
+          </a:prstGeom>
+        </p:spPr>
+        <p:txBody>
+          <a:bodyPr wrap="none">
+            <a:spAutoFit/>
+          </a:bodyPr>
+          <a:lstStyle/>
+          <a:p>
+            <a:r>
+              <a:rPr lang="en-US" sz="3200" i="1" dirty="0"/>
+              <a:t>☞</a:t>
+            </a:r>
+            <a:endParaRPr lang="en-US" sz="3200" dirty="0"/>
+          </a:p>
+        </p:txBody>
+      </p:sp>
+      <p:sp>
+        <p:nvSpPr>
+          <p:cNvPr id="22" name="Rectangle 21">
+            <a:extLst>
+              <a:ext uri="{FF2B5EF4-FFF2-40B4-BE49-F238E27FC236}">
+                <a16:creationId xmlns:a16="http://schemas.microsoft.com/office/drawing/2014/main" id="{33FD1778-493C-8942-9DA8-0F5D93D50110}"/>
+              </a:ext>
+            </a:extLst>
+          </p:cNvPr>
+          <p:cNvSpPr/>
+          <p:nvPr/>
+        </p:nvSpPr>
+        <p:spPr>
+          <a:xfrm>
+            <a:off x="1681197" y="3575740"/>
+            <a:ext cx="6096000" cy="646331"/>
+          </a:xfrm>
+          <a:prstGeom prst="rect">
+            <a:avLst/>
+          </a:prstGeom>
+        </p:spPr>
+        <p:txBody>
+          <a:bodyPr>
+            <a:spAutoFit/>
+          </a:bodyPr>
+          <a:lstStyle/>
+          <a:p>
+            <a:r>
+              <a:rPr lang="en-US" dirty="0">
+                <a:latin typeface="Consolas" panose="020B0609020204030204" pitchFamily="49" charset="0"/>
+                <a:cs typeface="Consolas" panose="020B0609020204030204" pitchFamily="49" charset="0"/>
+              </a:rPr>
+              <a:t>[['A', "Soldier's", 'Story'],</a:t>
+            </a:r>
+          </a:p>
+          <a:p>
+            <a:r>
+              <a:rPr lang="en-US" dirty="0">
+                <a:latin typeface="Consolas" panose="020B0609020204030204" pitchFamily="49" charset="0"/>
+                <a:cs typeface="Consolas" panose="020B0609020204030204" pitchFamily="49" charset="0"/>
+              </a:rPr>
+              <a:t> ['Places', 'in', 'the', 'Heart'], ...]</a:t>
+            </a:r>
+          </a:p>
+        </p:txBody>
+      </p:sp>
+      <p:sp>
+        <p:nvSpPr>
+          <p:cNvPr id="23" name="Rectangle 22">
+            <a:extLst>
+              <a:ext uri="{FF2B5EF4-FFF2-40B4-BE49-F238E27FC236}">
+                <a16:creationId xmlns:a16="http://schemas.microsoft.com/office/drawing/2014/main" id="{347AF07E-E39A-F840-AF51-7DBA67BABFBC}"/>
+              </a:ext>
+            </a:extLst>
+          </p:cNvPr>
+          <p:cNvSpPr/>
+          <p:nvPr/>
+        </p:nvSpPr>
+        <p:spPr>
+          <a:xfrm>
+            <a:off x="6826207" y="3471237"/>
+            <a:ext cx="534121" cy="584775"/>
+          </a:xfrm>
+          <a:prstGeom prst="rect">
+            <a:avLst/>
+          </a:prstGeom>
+        </p:spPr>
+        <p:txBody>
+          <a:bodyPr wrap="none">
+            <a:spAutoFit/>
+          </a:bodyPr>
+          <a:lstStyle/>
+          <a:p>
+            <a:r>
+              <a:rPr lang="en-US" sz="3200" i="1" dirty="0"/>
+              <a:t>☞</a:t>
+            </a:r>
+            <a:endParaRPr lang="en-US" sz="3200" dirty="0"/>
+          </a:p>
+        </p:txBody>
+      </p:sp>
+      <p:sp>
+        <p:nvSpPr>
+          <p:cNvPr id="24" name="Rectangle 23">
+            <a:extLst>
+              <a:ext uri="{FF2B5EF4-FFF2-40B4-BE49-F238E27FC236}">
+                <a16:creationId xmlns:a16="http://schemas.microsoft.com/office/drawing/2014/main" id="{45C56C38-6615-4749-8A37-6CFEC01A9B81}"/>
+              </a:ext>
+            </a:extLst>
+          </p:cNvPr>
+          <p:cNvSpPr/>
+          <p:nvPr/>
+        </p:nvSpPr>
+        <p:spPr>
+          <a:xfrm>
+            <a:off x="7439828" y="3578958"/>
+            <a:ext cx="1577676" cy="369332"/>
+          </a:xfrm>
+          <a:prstGeom prst="rect">
+            <a:avLst/>
+          </a:prstGeom>
+        </p:spPr>
+        <p:txBody>
+          <a:bodyPr wrap="none">
+            <a:spAutoFit/>
+          </a:bodyPr>
+          <a:lstStyle/>
+          <a:p>
+            <a:r>
+              <a:rPr lang="en-US" dirty="0">
+                <a:latin typeface="Consolas" panose="020B0609020204030204" pitchFamily="49" charset="0"/>
+                <a:cs typeface="Consolas" panose="020B0609020204030204" pitchFamily="49" charset="0"/>
+              </a:rPr>
+              <a:t>[3, 4, ...]</a:t>
+            </a:r>
+          </a:p>
+        </p:txBody>
+      </p:sp>
+      <p:sp>
+        <p:nvSpPr>
+          <p:cNvPr id="25" name="Rectangle 24">
+            <a:extLst>
+              <a:ext uri="{FF2B5EF4-FFF2-40B4-BE49-F238E27FC236}">
+                <a16:creationId xmlns:a16="http://schemas.microsoft.com/office/drawing/2014/main" id="{05EEFD78-E0D4-0945-B905-868EF082B379}"/>
+              </a:ext>
+            </a:extLst>
+          </p:cNvPr>
+          <p:cNvSpPr/>
+          <p:nvPr/>
+        </p:nvSpPr>
+        <p:spPr>
+          <a:xfrm>
+            <a:off x="5796076" y="2000998"/>
+            <a:ext cx="6096000" cy="923330"/>
+          </a:xfrm>
+          <a:prstGeom prst="rect">
+            <a:avLst/>
+          </a:prstGeom>
+        </p:spPr>
+        <p:txBody>
+          <a:bodyPr>
+            <a:spAutoFit/>
+          </a:bodyPr>
+          <a:lstStyle/>
+          <a:p>
+            <a:r>
+              <a:rPr lang="en-US" dirty="0">
+                <a:latin typeface="Consolas" panose="020B0609020204030204" pitchFamily="49" charset="0"/>
+                <a:cs typeface="Consolas" panose="020B0609020204030204" pitchFamily="49" charset="0"/>
+              </a:rPr>
+              <a:t>[['A', "Soldier's", 'Story'],</a:t>
+            </a:r>
+          </a:p>
+          <a:p>
+            <a:r>
+              <a:rPr lang="en-US" dirty="0">
+                <a:latin typeface="Consolas" panose="020B0609020204030204" pitchFamily="49" charset="0"/>
+                <a:cs typeface="Consolas" panose="020B0609020204030204" pitchFamily="49" charset="0"/>
+              </a:rPr>
+              <a:t> ['Places', 'in', 'the', 'Heart'],</a:t>
+            </a:r>
+          </a:p>
+          <a:p>
+            <a:r>
+              <a:rPr lang="en-US" dirty="0">
+                <a:latin typeface="Consolas" panose="020B0609020204030204" pitchFamily="49" charset="0"/>
+                <a:cs typeface="Consolas" panose="020B0609020204030204" pitchFamily="49" charset="0"/>
+              </a:rPr>
+              <a:t> ...]</a:t>
+            </a:r>
+          </a:p>
+        </p:txBody>
+      </p:sp>
+      <p:sp>
+        <p:nvSpPr>
+          <p:cNvPr id="26" name="Rectangle 25">
+            <a:extLst>
+              <a:ext uri="{FF2B5EF4-FFF2-40B4-BE49-F238E27FC236}">
+                <a16:creationId xmlns:a16="http://schemas.microsoft.com/office/drawing/2014/main" id="{523E74A6-AA43-0743-9D58-C45D9F338481}"/>
+              </a:ext>
+            </a:extLst>
+          </p:cNvPr>
+          <p:cNvSpPr/>
+          <p:nvPr/>
+        </p:nvSpPr>
+        <p:spPr>
+          <a:xfrm>
+            <a:off x="5020237" y="2005203"/>
+            <a:ext cx="534121" cy="584775"/>
+          </a:xfrm>
+          <a:prstGeom prst="rect">
+            <a:avLst/>
+          </a:prstGeom>
+        </p:spPr>
+        <p:txBody>
+          <a:bodyPr wrap="none">
+            <a:spAutoFit/>
+          </a:bodyPr>
+          <a:lstStyle/>
+          <a:p>
+            <a:r>
+              <a:rPr lang="en-US" sz="3200" i="1" dirty="0"/>
+              <a:t>☞</a:t>
+            </a:r>
+            <a:endParaRPr lang="en-US" sz="3200" dirty="0"/>
+          </a:p>
+        </p:txBody>
+      </p:sp>
+      <p:sp>
+        <p:nvSpPr>
+          <p:cNvPr id="4" name="TextBox 3">
+            <a:extLst>
+              <a:ext uri="{FF2B5EF4-FFF2-40B4-BE49-F238E27FC236}">
+                <a16:creationId xmlns:a16="http://schemas.microsoft.com/office/drawing/2014/main" id="{7847468B-6E3A-134D-9DE9-B966A2713CD1}"/>
+              </a:ext>
+            </a:extLst>
+          </p:cNvPr>
+          <p:cNvSpPr txBox="1"/>
+          <p:nvPr/>
+        </p:nvSpPr>
+        <p:spPr>
+          <a:xfrm>
+            <a:off x="372200" y="2006106"/>
+            <a:ext cx="800219" cy="461665"/>
+          </a:xfrm>
+          <a:prstGeom prst="rect">
+            <a:avLst/>
+          </a:prstGeom>
+          <a:noFill/>
+        </p:spPr>
+        <p:txBody>
+          <a:bodyPr wrap="none" rtlCol="0">
+            <a:spAutoFit/>
+          </a:bodyPr>
+          <a:lstStyle/>
+          <a:p>
+            <a:r>
+              <a:rPr lang="en-US" sz="2400" b="1" dirty="0"/>
+              <a:t>Map</a:t>
+            </a:r>
+          </a:p>
+        </p:txBody>
+      </p:sp>
+      <p:sp>
+        <p:nvSpPr>
+          <p:cNvPr id="20" name="TextBox 19">
+            <a:extLst>
+              <a:ext uri="{FF2B5EF4-FFF2-40B4-BE49-F238E27FC236}">
+                <a16:creationId xmlns:a16="http://schemas.microsoft.com/office/drawing/2014/main" id="{D7BE2A7E-70BF-B649-9A39-427BE5EB6ECC}"/>
+              </a:ext>
+            </a:extLst>
+          </p:cNvPr>
+          <p:cNvSpPr txBox="1"/>
+          <p:nvPr/>
+        </p:nvSpPr>
+        <p:spPr>
+          <a:xfrm>
+            <a:off x="387361" y="3629047"/>
+            <a:ext cx="800219" cy="461665"/>
+          </a:xfrm>
+          <a:prstGeom prst="rect">
+            <a:avLst/>
+          </a:prstGeom>
+          <a:noFill/>
+        </p:spPr>
+        <p:txBody>
+          <a:bodyPr wrap="none" rtlCol="0">
+            <a:spAutoFit/>
+          </a:bodyPr>
+          <a:lstStyle/>
+          <a:p>
+            <a:r>
+              <a:rPr lang="en-US" sz="2400" b="1" dirty="0"/>
+              <a:t>Map</a:t>
+            </a:r>
+          </a:p>
+        </p:txBody>
+      </p:sp>
+      <p:sp>
+        <p:nvSpPr>
+          <p:cNvPr id="21" name="TextBox 20">
+            <a:extLst>
+              <a:ext uri="{FF2B5EF4-FFF2-40B4-BE49-F238E27FC236}">
+                <a16:creationId xmlns:a16="http://schemas.microsoft.com/office/drawing/2014/main" id="{A15A96E2-A527-E544-8186-407BC1ED2830}"/>
+              </a:ext>
+            </a:extLst>
+          </p:cNvPr>
+          <p:cNvSpPr txBox="1"/>
+          <p:nvPr/>
+        </p:nvSpPr>
+        <p:spPr>
+          <a:xfrm>
+            <a:off x="378183" y="4920252"/>
+            <a:ext cx="936475" cy="461665"/>
+          </a:xfrm>
+          <a:prstGeom prst="rect">
+            <a:avLst/>
+          </a:prstGeom>
+          <a:noFill/>
+        </p:spPr>
+        <p:txBody>
+          <a:bodyPr wrap="none" rtlCol="0">
+            <a:spAutoFit/>
+          </a:bodyPr>
+          <a:lstStyle/>
+          <a:p>
+            <a:r>
+              <a:rPr lang="en-US" sz="2400" b="1" dirty="0"/>
+              <a:t>Filter</a:t>
+            </a:r>
+          </a:p>
+        </p:txBody>
+      </p:sp>
+    </p:spTree>
+    <p:extLst>
+      <p:ext uri="{BB962C8B-B14F-4D97-AF65-F5344CB8AC3E}">
+        <p14:creationId xmlns:p14="http://schemas.microsoft.com/office/powerpoint/2010/main" val="4053579434"/>
+      </p:ext>
+    </p:extLst>
+  </p:cSld>
+  <p:clrMapOvr>
+    <a:masterClrMapping/>
+  </p:clrMapOvr>
+</p:sld>
+</file>
+
+<file path=ppt/slides/slide28.xml><?xml version="1.0" encoding="utf-8"?>
+<p:sld xmlns:a="http://schemas.openxmlformats.org/drawingml/2006/main" xmlns:r="http://schemas.openxmlformats.org/officeDocument/2006/relationships" xmlns:p="http://schemas.openxmlformats.org/presentationml/2006/main">
+  <p:cSld>
+    <p:spTree>
+      <p:nvGrpSpPr>
+        <p:cNvPr id="1" name=""/>
+        <p:cNvGrpSpPr/>
+        <p:nvPr/>
+      </p:nvGrpSpPr>
+      <p:grpSpPr>
+        <a:xfrm>
+          <a:off x="0" y="0"/>
+          <a:ext cx="0" cy="0"/>
+          <a:chOff x="0" y="0"/>
+          <a:chExt cx="0" cy="0"/>
+        </a:xfrm>
+      </p:grpSpPr>
+      <p:sp>
+        <p:nvSpPr>
+          <p:cNvPr id="2" name="Title 1">
+            <a:extLst>
+              <a:ext uri="{FF2B5EF4-FFF2-40B4-BE49-F238E27FC236}">
+                <a16:creationId xmlns:a16="http://schemas.microsoft.com/office/drawing/2014/main" id="{C0449369-4CFB-2B47-AD0C-4250C70C484B}"/>
+              </a:ext>
+            </a:extLst>
+          </p:cNvPr>
+          <p:cNvSpPr>
+            <a:spLocks noGrp="1"/>
+          </p:cNvSpPr>
+          <p:nvPr>
+            <p:ph type="title"/>
+          </p:nvPr>
+        </p:nvSpPr>
+        <p:spPr>
+          <a:xfrm>
+            <a:off x="838200" y="365125"/>
+            <a:ext cx="10515600" cy="935907"/>
+          </a:xfrm>
+        </p:spPr>
+        <p:txBody>
+          <a:bodyPr/>
+          <a:lstStyle/>
+          <a:p>
+            <a:r>
+              <a:rPr lang="en-US" dirty="0"/>
+              <a:t>Exercise continued</a:t>
+            </a:r>
+          </a:p>
+        </p:txBody>
+      </p:sp>
+      <p:sp>
+        <p:nvSpPr>
+          <p:cNvPr id="4" name="TextBox 3">
+            <a:extLst>
+              <a:ext uri="{FF2B5EF4-FFF2-40B4-BE49-F238E27FC236}">
+                <a16:creationId xmlns:a16="http://schemas.microsoft.com/office/drawing/2014/main" id="{9A38F129-432B-9E47-A3AC-39D9F9A9C9CF}"/>
+              </a:ext>
+            </a:extLst>
+          </p:cNvPr>
+          <p:cNvSpPr txBox="1"/>
+          <p:nvPr/>
+        </p:nvSpPr>
+        <p:spPr>
+          <a:xfrm>
+            <a:off x="966850" y="1367726"/>
+            <a:ext cx="10764485" cy="1323439"/>
+          </a:xfrm>
+          <a:prstGeom prst="rect">
+            <a:avLst/>
+          </a:prstGeom>
+          <a:noFill/>
+        </p:spPr>
+        <p:txBody>
+          <a:bodyPr wrap="none" rtlCol="0">
+            <a:spAutoFit/>
+          </a:bodyPr>
+          <a:lstStyle/>
+          <a:p>
+            <a:r>
+              <a:rPr lang="en-US" sz="2000" dirty="0">
+                <a:latin typeface="Consolas" panose="020B0609020204030204" pitchFamily="49" charset="0"/>
+                <a:cs typeface="Consolas" panose="020B0609020204030204" pitchFamily="49" charset="0"/>
+              </a:rPr>
+              <a:t>titles = ["A Soldier's Story", 'Places in the Heart', 'The Killing Fields',</a:t>
+            </a:r>
+          </a:p>
+          <a:p>
+            <a:r>
+              <a:rPr lang="en-US" sz="2000" dirty="0">
+                <a:latin typeface="Consolas" panose="020B0609020204030204" pitchFamily="49" charset="0"/>
+                <a:cs typeface="Consolas" panose="020B0609020204030204" pitchFamily="49" charset="0"/>
+              </a:rPr>
+              <a:t>          'A Passage to India', 'Amadeus', "</a:t>
+            </a:r>
+            <a:r>
+              <a:rPr lang="en-US" sz="2000" dirty="0" err="1">
+                <a:latin typeface="Consolas" panose="020B0609020204030204" pitchFamily="49" charset="0"/>
+                <a:cs typeface="Consolas" panose="020B0609020204030204" pitchFamily="49" charset="0"/>
+              </a:rPr>
+              <a:t>Prizzi's</a:t>
+            </a:r>
+            <a:r>
+              <a:rPr lang="en-US" sz="2000" dirty="0">
+                <a:latin typeface="Consolas" panose="020B0609020204030204" pitchFamily="49" charset="0"/>
+                <a:cs typeface="Consolas" panose="020B0609020204030204" pitchFamily="49" charset="0"/>
+              </a:rPr>
+              <a:t> Honor",</a:t>
+            </a:r>
+          </a:p>
+          <a:p>
+            <a:r>
+              <a:rPr lang="en-US" sz="2000" dirty="0">
+                <a:latin typeface="Consolas" panose="020B0609020204030204" pitchFamily="49" charset="0"/>
+                <a:cs typeface="Consolas" panose="020B0609020204030204" pitchFamily="49" charset="0"/>
+              </a:rPr>
+              <a:t>          'Kiss of the Spider Woman', 'Witness', 'The Color Purple',</a:t>
+            </a:r>
+          </a:p>
+          <a:p>
+            <a:r>
+              <a:rPr lang="en-US" sz="2000" dirty="0">
+                <a:latin typeface="Consolas" panose="020B0609020204030204" pitchFamily="49" charset="0"/>
+                <a:cs typeface="Consolas" panose="020B0609020204030204" pitchFamily="49" charset="0"/>
+              </a:rPr>
+              <a:t>          'Out of Africa']</a:t>
+            </a:r>
+          </a:p>
+        </p:txBody>
+      </p:sp>
+      <p:sp>
+        <p:nvSpPr>
+          <p:cNvPr id="6" name="TextBox 5">
+            <a:extLst>
+              <a:ext uri="{FF2B5EF4-FFF2-40B4-BE49-F238E27FC236}">
+                <a16:creationId xmlns:a16="http://schemas.microsoft.com/office/drawing/2014/main" id="{D3C641E2-D4A4-8946-988C-4A1E66F27421}"/>
+              </a:ext>
+            </a:extLst>
+          </p:cNvPr>
+          <p:cNvSpPr txBox="1"/>
+          <p:nvPr/>
+        </p:nvSpPr>
+        <p:spPr>
+          <a:xfrm>
+            <a:off x="966850" y="2923060"/>
+            <a:ext cx="8170827" cy="1569660"/>
+          </a:xfrm>
+          <a:prstGeom prst="rect">
+            <a:avLst/>
+          </a:prstGeom>
+          <a:noFill/>
+        </p:spPr>
+        <p:txBody>
+          <a:bodyPr wrap="none" rtlCol="0">
+            <a:spAutoFit/>
+          </a:bodyPr>
+          <a:lstStyle/>
+          <a:p>
+            <a:r>
+              <a:rPr lang="en-US" sz="2400" dirty="0" err="1">
+                <a:latin typeface="Consolas" panose="020B0609020204030204" pitchFamily="49" charset="0"/>
+                <a:cs typeface="Consolas" panose="020B0609020204030204" pitchFamily="49" charset="0"/>
+              </a:rPr>
+              <a:t>tsplit</a:t>
+            </a:r>
+            <a:r>
+              <a:rPr lang="en-US" sz="2400" dirty="0">
+                <a:latin typeface="Consolas" panose="020B0609020204030204" pitchFamily="49" charset="0"/>
+                <a:cs typeface="Consolas" panose="020B0609020204030204" pitchFamily="49" charset="0"/>
+              </a:rPr>
+              <a:t> = [</a:t>
+            </a:r>
+            <a:r>
+              <a:rPr lang="en-US" sz="2400" dirty="0" err="1">
+                <a:latin typeface="Consolas" panose="020B0609020204030204" pitchFamily="49" charset="0"/>
+                <a:cs typeface="Consolas" panose="020B0609020204030204" pitchFamily="49" charset="0"/>
+              </a:rPr>
+              <a:t>t.split</a:t>
+            </a:r>
+            <a:r>
+              <a:rPr lang="en-US" sz="2400" dirty="0">
+                <a:latin typeface="Consolas" panose="020B0609020204030204" pitchFamily="49" charset="0"/>
+                <a:cs typeface="Consolas" panose="020B0609020204030204" pitchFamily="49" charset="0"/>
+              </a:rPr>
+              <a:t>() for t in titles] # Map</a:t>
+            </a:r>
+          </a:p>
+          <a:p>
+            <a:r>
+              <a:rPr lang="en-US" sz="2400" dirty="0" err="1">
+                <a:latin typeface="Consolas" panose="020B0609020204030204" pitchFamily="49" charset="0"/>
+                <a:cs typeface="Consolas" panose="020B0609020204030204" pitchFamily="49" charset="0"/>
+              </a:rPr>
+              <a:t>tlen</a:t>
+            </a:r>
+            <a:r>
+              <a:rPr lang="en-US" sz="2400" dirty="0">
+                <a:latin typeface="Consolas" panose="020B0609020204030204" pitchFamily="49" charset="0"/>
+                <a:cs typeface="Consolas" panose="020B0609020204030204" pitchFamily="49" charset="0"/>
+              </a:rPr>
+              <a:t> = [</a:t>
+            </a:r>
+            <a:r>
+              <a:rPr lang="en-US" sz="2400" dirty="0" err="1">
+                <a:latin typeface="Consolas" panose="020B0609020204030204" pitchFamily="49" charset="0"/>
+                <a:cs typeface="Consolas" panose="020B0609020204030204" pitchFamily="49" charset="0"/>
+              </a:rPr>
+              <a:t>len</a:t>
+            </a:r>
+            <a:r>
+              <a:rPr lang="en-US" sz="2400" dirty="0">
+                <a:latin typeface="Consolas" panose="020B0609020204030204" pitchFamily="49" charset="0"/>
+                <a:cs typeface="Consolas" panose="020B0609020204030204" pitchFamily="49" charset="0"/>
+              </a:rPr>
+              <a:t>(t) for t in </a:t>
+            </a:r>
+            <a:r>
+              <a:rPr lang="en-US" sz="2400" dirty="0" err="1">
+                <a:latin typeface="Consolas" panose="020B0609020204030204" pitchFamily="49" charset="0"/>
+                <a:cs typeface="Consolas" panose="020B0609020204030204" pitchFamily="49" charset="0"/>
+              </a:rPr>
+              <a:t>tsplit</a:t>
+            </a:r>
+            <a:r>
+              <a:rPr lang="en-US" sz="2400" dirty="0">
+                <a:latin typeface="Consolas" panose="020B0609020204030204" pitchFamily="49" charset="0"/>
+                <a:cs typeface="Consolas" panose="020B0609020204030204" pitchFamily="49" charset="0"/>
+              </a:rPr>
+              <a:t>]      # Map</a:t>
+            </a:r>
+          </a:p>
+          <a:p>
+            <a:r>
+              <a:rPr lang="en-US" sz="2400" dirty="0">
+                <a:latin typeface="Consolas" panose="020B0609020204030204" pitchFamily="49" charset="0"/>
+                <a:cs typeface="Consolas" panose="020B0609020204030204" pitchFamily="49" charset="0"/>
+              </a:rPr>
+              <a:t>t3 = [n for n in </a:t>
+            </a:r>
+            <a:r>
+              <a:rPr lang="en-US" sz="2400" dirty="0" err="1">
+                <a:latin typeface="Consolas" panose="020B0609020204030204" pitchFamily="49" charset="0"/>
+                <a:cs typeface="Consolas" panose="020B0609020204030204" pitchFamily="49" charset="0"/>
+              </a:rPr>
+              <a:t>tlen</a:t>
+            </a:r>
+            <a:r>
+              <a:rPr lang="en-US" sz="2400" dirty="0">
+                <a:latin typeface="Consolas" panose="020B0609020204030204" pitchFamily="49" charset="0"/>
+                <a:cs typeface="Consolas" panose="020B0609020204030204" pitchFamily="49" charset="0"/>
+              </a:rPr>
+              <a:t> if n==3]       # Filter</a:t>
+            </a:r>
+          </a:p>
+          <a:p>
+            <a:r>
+              <a:rPr lang="en-US" sz="2400" dirty="0">
+                <a:latin typeface="Consolas" panose="020B0609020204030204" pitchFamily="49" charset="0"/>
+                <a:cs typeface="Consolas" panose="020B0609020204030204" pitchFamily="49" charset="0"/>
+              </a:rPr>
+              <a:t>n = </a:t>
+            </a:r>
+            <a:r>
+              <a:rPr lang="en-US" sz="2400" dirty="0" err="1">
+                <a:latin typeface="Consolas" panose="020B0609020204030204" pitchFamily="49" charset="0"/>
+                <a:cs typeface="Consolas" panose="020B0609020204030204" pitchFamily="49" charset="0"/>
+              </a:rPr>
+              <a:t>len</a:t>
+            </a:r>
+            <a:r>
+              <a:rPr lang="en-US" sz="2400" dirty="0">
+                <a:latin typeface="Consolas" panose="020B0609020204030204" pitchFamily="49" charset="0"/>
+                <a:cs typeface="Consolas" panose="020B0609020204030204" pitchFamily="49" charset="0"/>
+              </a:rPr>
+              <a:t>(t3)                          # Prints 4</a:t>
+            </a:r>
+          </a:p>
+        </p:txBody>
+      </p:sp>
+      <p:sp>
+        <p:nvSpPr>
+          <p:cNvPr id="7" name="TextBox 6">
+            <a:extLst>
+              <a:ext uri="{FF2B5EF4-FFF2-40B4-BE49-F238E27FC236}">
+                <a16:creationId xmlns:a16="http://schemas.microsoft.com/office/drawing/2014/main" id="{D9BE64CF-C078-AA48-AB32-0C93AB7EF4FF}"/>
+              </a:ext>
+            </a:extLst>
+          </p:cNvPr>
+          <p:cNvSpPr txBox="1"/>
+          <p:nvPr/>
+        </p:nvSpPr>
+        <p:spPr>
+          <a:xfrm>
+            <a:off x="-33453" y="6479175"/>
+            <a:ext cx="2813591" cy="369332"/>
+          </a:xfrm>
+          <a:prstGeom prst="rect">
+            <a:avLst/>
+          </a:prstGeom>
+          <a:noFill/>
+        </p:spPr>
+        <p:txBody>
+          <a:bodyPr wrap="none" rtlCol="0">
+            <a:spAutoFit/>
+          </a:bodyPr>
+          <a:lstStyle/>
+          <a:p>
+            <a:r>
+              <a:rPr lang="en-US" dirty="0">
+                <a:hlinkClick r:id="rId2"/>
+              </a:rPr>
+              <a:t>Experiment in pythontutor</a:t>
+            </a:r>
+            <a:endParaRPr lang="en-US" dirty="0"/>
+          </a:p>
+        </p:txBody>
+      </p:sp>
+      <p:sp>
+        <p:nvSpPr>
+          <p:cNvPr id="8" name="Rectangle 7">
+            <a:extLst>
+              <a:ext uri="{FF2B5EF4-FFF2-40B4-BE49-F238E27FC236}">
+                <a16:creationId xmlns:a16="http://schemas.microsoft.com/office/drawing/2014/main" id="{8F4F0DB4-90A0-8B43-A2C8-D149CC5A86C6}"/>
+              </a:ext>
+            </a:extLst>
+          </p:cNvPr>
+          <p:cNvSpPr/>
+          <p:nvPr/>
+        </p:nvSpPr>
+        <p:spPr>
+          <a:xfrm>
+            <a:off x="966850" y="4492720"/>
+            <a:ext cx="10258300" cy="1200329"/>
+          </a:xfrm>
+          <a:prstGeom prst="rect">
+            <a:avLst/>
+          </a:prstGeom>
+        </p:spPr>
+        <p:txBody>
+          <a:bodyPr wrap="square">
+            <a:spAutoFit/>
+          </a:bodyPr>
+          <a:lstStyle/>
+          <a:p>
+            <a:endParaRPr lang="en-US" sz="2400" dirty="0">
+              <a:latin typeface="Consolas" panose="020B0609020204030204" pitchFamily="49" charset="0"/>
+              <a:cs typeface="Consolas" panose="020B0609020204030204" pitchFamily="49" charset="0"/>
+            </a:endParaRPr>
+          </a:p>
+          <a:p>
+            <a:r>
+              <a:rPr lang="en-US" sz="2400" dirty="0">
+                <a:latin typeface="Consolas" panose="020B0609020204030204" pitchFamily="49" charset="0"/>
+                <a:cs typeface="Consolas" panose="020B0609020204030204" pitchFamily="49" charset="0"/>
+              </a:rPr>
+              <a:t>t3 = [t for t in titles if </a:t>
+            </a:r>
+            <a:r>
+              <a:rPr lang="en-US" sz="2400" dirty="0" err="1">
+                <a:latin typeface="Consolas" panose="020B0609020204030204" pitchFamily="49" charset="0"/>
+                <a:cs typeface="Consolas" panose="020B0609020204030204" pitchFamily="49" charset="0"/>
+              </a:rPr>
+              <a:t>len</a:t>
+            </a:r>
+            <a:r>
+              <a:rPr lang="en-US" sz="2400" dirty="0">
+                <a:latin typeface="Consolas" panose="020B0609020204030204" pitchFamily="49" charset="0"/>
+                <a:cs typeface="Consolas" panose="020B0609020204030204" pitchFamily="49" charset="0"/>
+              </a:rPr>
+              <a:t>(</a:t>
+            </a:r>
+            <a:r>
+              <a:rPr lang="en-US" sz="2400" dirty="0" err="1">
+                <a:latin typeface="Consolas" panose="020B0609020204030204" pitchFamily="49" charset="0"/>
+                <a:cs typeface="Consolas" panose="020B0609020204030204" pitchFamily="49" charset="0"/>
+              </a:rPr>
+              <a:t>t.split</a:t>
+            </a:r>
+            <a:r>
+              <a:rPr lang="en-US" sz="2400" dirty="0">
+                <a:latin typeface="Consolas" panose="020B0609020204030204" pitchFamily="49" charset="0"/>
+                <a:cs typeface="Consolas" panose="020B0609020204030204" pitchFamily="49" charset="0"/>
+              </a:rPr>
+              <a:t>())==3] # Map/Filter</a:t>
+            </a:r>
+          </a:p>
+          <a:p>
+            <a:r>
+              <a:rPr lang="en-US" sz="2400" dirty="0">
+                <a:latin typeface="Consolas" panose="020B0609020204030204" pitchFamily="49" charset="0"/>
+                <a:cs typeface="Consolas" panose="020B0609020204030204" pitchFamily="49" charset="0"/>
+              </a:rPr>
+              <a:t>n = </a:t>
+            </a:r>
+            <a:r>
+              <a:rPr lang="en-US" sz="2400" dirty="0" err="1">
+                <a:latin typeface="Consolas" panose="020B0609020204030204" pitchFamily="49" charset="0"/>
+                <a:cs typeface="Consolas" panose="020B0609020204030204" pitchFamily="49" charset="0"/>
+              </a:rPr>
+              <a:t>len</a:t>
+            </a:r>
+            <a:r>
+              <a:rPr lang="en-US" sz="2400" dirty="0">
+                <a:latin typeface="Consolas" panose="020B0609020204030204" pitchFamily="49" charset="0"/>
+                <a:cs typeface="Consolas" panose="020B0609020204030204" pitchFamily="49" charset="0"/>
+              </a:rPr>
+              <a:t>(t3)</a:t>
+            </a:r>
+            <a:endParaRPr lang="en-US" sz="2400" dirty="0"/>
+          </a:p>
+        </p:txBody>
+      </p:sp>
+    </p:spTree>
+    <p:extLst>
+      <p:ext uri="{BB962C8B-B14F-4D97-AF65-F5344CB8AC3E}">
+        <p14:creationId xmlns:p14="http://schemas.microsoft.com/office/powerpoint/2010/main" val="3463722951"/>
       </p:ext>
     </p:extLst>
   </p:cSld>
@@ -6549,7 +11567,7 @@
           <p:cNvPr id="2" name="Title 1">
             <a:extLst>
               <a:ext uri="{FF2B5EF4-FFF2-40B4-BE49-F238E27FC236}">
-                <a16:creationId xmlns:a16="http://schemas.microsoft.com/office/drawing/2014/main" id="{FA046C4F-E10B-0845-91DD-2E19DC108BAE}"/>
+                <a16:creationId xmlns:a16="http://schemas.microsoft.com/office/drawing/2014/main" id="{D31305A3-AFA0-F14B-BD83-3BE69150C8DB}"/>
               </a:ext>
             </a:extLst>
           </p:cNvPr>
@@ -6560,19 +11578,14 @@
             <p:ph type="title"/>
           </p:nvPr>
         </p:nvSpPr>
-        <p:spPr>
-          <a:xfrm>
-            <a:off x="838200" y="365125"/>
-            <a:ext cx="10840278" cy="1325563"/>
-          </a:xfrm>
-        </p:spPr>
+        <p:spPr/>
         <p:txBody>
           <a:bodyPr/>
           <a:lstStyle/>
           <a:p>
             <a:r>
               <a:rPr lang="en-US" dirty="0"/>
-              <a:t>Example: data science program template</a:t>
+              <a:t>How programmers design programs</a:t>
             </a:r>
           </a:p>
         </p:txBody>
@@ -6582,7 +11595,7 @@
           <p:cNvPr id="3" name="Content Placeholder 2">
             <a:extLst>
               <a:ext uri="{FF2B5EF4-FFF2-40B4-BE49-F238E27FC236}">
-                <a16:creationId xmlns:a16="http://schemas.microsoft.com/office/drawing/2014/main" id="{816BF70B-93D7-7E4C-AEB3-38052D183259}"/>
+                <a16:creationId xmlns:a16="http://schemas.microsoft.com/office/drawing/2014/main" id="{A364D2A6-DC96-D943-A6A2-216AA0BA69EF}"/>
               </a:ext>
             </a:extLst>
           </p:cNvPr>
@@ -6601,57 +11614,37 @@
         </p:spPr>
         <p:txBody>
           <a:bodyPr>
-            <a:normAutofit lnSpcReduction="10000"/>
+            <a:normAutofit/>
           </a:bodyPr>
           <a:lstStyle/>
           <a:p>
-            <a:pPr marL="514350" indent="-514350">
-              <a:buFont typeface="+mj-lt"/>
-              <a:buAutoNum type="arabicPeriod"/>
-            </a:pPr>
             <a:r>
               <a:rPr lang="en-US" dirty="0"/>
-              <a:t>Acquire data, which means finding a suitable file or collecting data from the web and storing in a file or database</a:t>
-            </a:r>
-          </a:p>
-          <a:p>
-            <a:pPr marL="514350" indent="-514350">
-              <a:buFont typeface="+mj-lt"/>
-              <a:buAutoNum type="arabicPeriod"/>
-            </a:pPr>
+              <a:t>Experienced programmers draw from a collection of generic high-level / large-scale mental templates as starting points</a:t>
+            </a:r>
+          </a:p>
+          <a:p>
             <a:r>
               <a:rPr lang="en-US" dirty="0"/>
-              <a:t>Load data from disk or database and organize into a suitable data structure in memory</a:t>
-            </a:r>
-          </a:p>
-          <a:p>
-            <a:pPr marL="514350" indent="-514350">
-              <a:buFont typeface="+mj-lt"/>
-              <a:buAutoNum type="arabicPeriod"/>
-            </a:pPr>
+              <a:t>There are mental templates for desktop GUI apps, machine learning classifiers, web servers, etc....</a:t>
+            </a:r>
+          </a:p>
+          <a:p>
             <a:r>
               <a:rPr lang="en-US" dirty="0"/>
-              <a:t>Normalize, filter, clean, or otherwise prepare data</a:t>
-            </a:r>
-          </a:p>
-          <a:p>
-            <a:pPr marL="514350" indent="-514350">
-              <a:buFont typeface="+mj-lt"/>
-              <a:buAutoNum type="arabicPeriod"/>
-            </a:pPr>
+              <a:t>A template provides an overall structure for the program, like lawyers tweaking a contract from previous client for new one</a:t>
+            </a:r>
+          </a:p>
+          <a:p>
             <a:r>
               <a:rPr lang="en-US" dirty="0"/>
-              <a:t>Process the data, which can mean training a machine learning model, transforming the data, computing summary statistics, or optimizing a cost function</a:t>
-            </a:r>
-          </a:p>
-          <a:p>
-            <a:pPr marL="514350" indent="-514350">
-              <a:buFont typeface="+mj-lt"/>
-              <a:buAutoNum type="arabicPeriod"/>
-            </a:pPr>
+              <a:t>Engineers building a new suspension bridge do not proceed as if such a thing has never been built before</a:t>
+            </a:r>
+          </a:p>
+          <a:p>
             <a:r>
               <a:rPr lang="en-US" dirty="0"/>
-              <a:t>Emit results, which can be anything from simply printing an answer to saving data to the disk to generating a fancy visualization</a:t>
+              <a:t>Gaining experience as a programmer means recognizing and remembering patterns in your code</a:t>
             </a:r>
           </a:p>
         </p:txBody>
@@ -6659,7 +11652,7 @@
     </p:spTree>
     <p:extLst>
       <p:ext uri="{BB962C8B-B14F-4D97-AF65-F5344CB8AC3E}">
-        <p14:creationId xmlns:p14="http://schemas.microsoft.com/office/powerpoint/2010/main" val="2340728380"/>
+        <p14:creationId xmlns:p14="http://schemas.microsoft.com/office/powerpoint/2010/main" val="1623707791"/>
       </p:ext>
     </p:extLst>
   </p:cSld>
@@ -6691,7 +11684,7 @@
           <p:cNvPr id="2" name="Title 1">
             <a:extLst>
               <a:ext uri="{FF2B5EF4-FFF2-40B4-BE49-F238E27FC236}">
-                <a16:creationId xmlns:a16="http://schemas.microsoft.com/office/drawing/2014/main" id="{28E269BC-FCD0-3641-BD6D-5B96C2417018}"/>
+                <a16:creationId xmlns:a16="http://schemas.microsoft.com/office/drawing/2014/main" id="{FA046C4F-E10B-0845-91DD-2E19DC108BAE}"/>
               </a:ext>
             </a:extLst>
           </p:cNvPr>
@@ -6702,14 +11695,19 @@
             <p:ph type="title"/>
           </p:nvPr>
         </p:nvSpPr>
-        <p:spPr/>
+        <p:spPr>
+          <a:xfrm>
+            <a:off x="838200" y="365125"/>
+            <a:ext cx="10840278" cy="1325563"/>
+          </a:xfrm>
+        </p:spPr>
         <p:txBody>
           <a:bodyPr/>
           <a:lstStyle/>
           <a:p>
             <a:r>
               <a:rPr lang="en-US" dirty="0"/>
-              <a:t>Low-level programming patterns</a:t>
+              <a:t>Example: data science program template</a:t>
             </a:r>
           </a:p>
         </p:txBody>
@@ -6719,7 +11717,7 @@
           <p:cNvPr id="3" name="Content Placeholder 2">
             <a:extLst>
               <a:ext uri="{FF2B5EF4-FFF2-40B4-BE49-F238E27FC236}">
-                <a16:creationId xmlns:a16="http://schemas.microsoft.com/office/drawing/2014/main" id="{011453FF-9B1C-204B-BAC3-7506D02A781A}"/>
+                <a16:creationId xmlns:a16="http://schemas.microsoft.com/office/drawing/2014/main" id="{816BF70B-93D7-7E4C-AEB3-38052D183259}"/>
               </a:ext>
             </a:extLst>
           </p:cNvPr>
@@ -6730,49 +11728,65 @@
             <p:ph idx="1"/>
           </p:nvPr>
         </p:nvSpPr>
-        <p:spPr/>
+        <p:spPr>
+          <a:xfrm>
+            <a:off x="838200" y="1690688"/>
+            <a:ext cx="10515600" cy="4486275"/>
+          </a:xfrm>
+        </p:spPr>
         <p:txBody>
           <a:bodyPr>
-            <a:normAutofit/>
+            <a:normAutofit lnSpcReduction="10000"/>
           </a:bodyPr>
           <a:lstStyle/>
           <a:p>
+            <a:pPr marL="514350" indent="-514350">
+              <a:buFont typeface="+mj-lt"/>
+              <a:buAutoNum type="arabicPeriod"/>
+            </a:pPr>
             <a:r>
               <a:rPr lang="en-US" dirty="0"/>
-              <a:t>High-level templates help us organize and plan our program</a:t>
-            </a:r>
-          </a:p>
-          <a:p>
+              <a:t>Acquire data, which means finding a suitable file or collecting data from the web and storing in a file or database</a:t>
+            </a:r>
+          </a:p>
+          <a:p>
+            <a:pPr marL="514350" indent="-514350">
+              <a:buFont typeface="+mj-lt"/>
+              <a:buAutoNum type="arabicPeriod"/>
+            </a:pPr>
             <a:r>
               <a:rPr lang="en-US" dirty="0"/>
-              <a:t>Low-level patterns are puzzle pieces that we combine to fill in details and solve parts of the overall template</a:t>
-            </a:r>
-          </a:p>
-          <a:p>
+              <a:t>Load data from disk or database and organize into a suitable data structure in memory</a:t>
+            </a:r>
+          </a:p>
+          <a:p>
+            <a:pPr marL="514350" indent="-514350">
+              <a:buFont typeface="+mj-lt"/>
+              <a:buAutoNum type="arabicPeriod"/>
+            </a:pPr>
             <a:r>
               <a:rPr lang="en-US" dirty="0"/>
-              <a:t>These patterns have Python implementations but we design programs by selecting and applying patterns/operations, not specific code sequences</a:t>
-            </a:r>
-          </a:p>
-          <a:p>
+              <a:t>Normalize, filter, clean, or otherwise prepare data</a:t>
+            </a:r>
+          </a:p>
+          <a:p>
+            <a:pPr marL="514350" indent="-514350">
+              <a:buFont typeface="+mj-lt"/>
+              <a:buAutoNum type="arabicPeriod"/>
+            </a:pPr>
             <a:r>
               <a:rPr lang="en-US" dirty="0"/>
-              <a:t>When designing a program, I never say:</a:t>
-            </a:r>
-            <a:br>
+              <a:t>Process the data, which can mean training a machine learning model, transforming the data, computing summary statistics, or optimizing a cost function</a:t>
+            </a:r>
+          </a:p>
+          <a:p>
+            <a:pPr marL="514350" indent="-514350">
+              <a:buFont typeface="+mj-lt"/>
+              <a:buAutoNum type="arabicPeriod"/>
+            </a:pPr>
+            <a:r>
               <a:rPr lang="en-US" dirty="0"/>
-            </a:br>
-            <a:r>
-              <a:rPr lang="en-US" dirty="0"/>
-              <a:t>"</a:t>
-            </a:r>
-            <a:r>
-              <a:rPr lang="en-US" i="1" dirty="0"/>
-              <a:t>Oh! I need a for-loop with an if-statement right here</a:t>
-            </a:r>
-            <a:r>
-              <a:rPr lang="en-US" dirty="0"/>
-              <a:t>."</a:t>
+              <a:t>Emit results, which can be anything from simply printing an answer to saving data to the disk to generating a fancy visualization</a:t>
             </a:r>
           </a:p>
         </p:txBody>
@@ -6780,7 +11794,7 @@
     </p:spTree>
     <p:extLst>
       <p:ext uri="{BB962C8B-B14F-4D97-AF65-F5344CB8AC3E}">
-        <p14:creationId xmlns:p14="http://schemas.microsoft.com/office/powerpoint/2010/main" val="3002228280"/>
+        <p14:creationId xmlns:p14="http://schemas.microsoft.com/office/powerpoint/2010/main" val="2340728380"/>
       </p:ext>
     </p:extLst>
   </p:cSld>
@@ -6812,7 +11826,7 @@
           <p:cNvPr id="2" name="Title 1">
             <a:extLst>
               <a:ext uri="{FF2B5EF4-FFF2-40B4-BE49-F238E27FC236}">
-                <a16:creationId xmlns:a16="http://schemas.microsoft.com/office/drawing/2014/main" id="{21D008F3-F57D-F449-9C6F-60D473D784BD}"/>
+                <a16:creationId xmlns:a16="http://schemas.microsoft.com/office/drawing/2014/main" id="{28E269BC-FCD0-3641-BD6D-5B96C2417018}"/>
               </a:ext>
             </a:extLst>
           </p:cNvPr>
@@ -6830,7 +11844,7 @@
           <a:p>
             <a:r>
               <a:rPr lang="en-US" dirty="0"/>
-              <a:t>Sample programming patterns</a:t>
+              <a:t>Low-level programming patterns</a:t>
             </a:r>
           </a:p>
         </p:txBody>
@@ -6840,7 +11854,7 @@
           <p:cNvPr id="3" name="Content Placeholder 2">
             <a:extLst>
               <a:ext uri="{FF2B5EF4-FFF2-40B4-BE49-F238E27FC236}">
-                <a16:creationId xmlns:a16="http://schemas.microsoft.com/office/drawing/2014/main" id="{08AB2362-1CE2-0A40-BCFD-54C6C5742253}"/>
+                <a16:creationId xmlns:a16="http://schemas.microsoft.com/office/drawing/2014/main" id="{011453FF-9B1C-204B-BAC3-7506D02A781A}"/>
               </a:ext>
             </a:extLst>
           </p:cNvPr>
@@ -6851,84 +11865,49 @@
             <p:ph idx="1"/>
           </p:nvPr>
         </p:nvSpPr>
-        <p:spPr>
-          <a:xfrm>
-            <a:off x="838200" y="1610139"/>
-            <a:ext cx="10515600" cy="4566824"/>
-          </a:xfrm>
-        </p:spPr>
-        <p:txBody>
-          <a:bodyPr/>
+        <p:spPr/>
+        <p:txBody>
+          <a:bodyPr>
+            <a:normAutofit/>
+          </a:bodyPr>
           <a:lstStyle/>
           <a:p>
             <a:r>
               <a:rPr lang="en-US" dirty="0"/>
-              <a:t>You're no doubt familiar with simple patterns such as:</a:t>
-            </a:r>
-          </a:p>
-          <a:p>
-            <a:pPr lvl="1"/>
+              <a:t>High-level templates help us organize and plan our program</a:t>
+            </a:r>
+          </a:p>
+          <a:p>
+            <a:r>
+              <a:rPr lang="en-US" dirty="0"/>
+              <a:t>Low-level patterns are puzzle pieces that we combine to fill in details and solve parts of the overall template</a:t>
+            </a:r>
+          </a:p>
+          <a:p>
+            <a:r>
+              <a:rPr lang="en-US" dirty="0"/>
+              <a:t>These patterns have Python implementations but we design programs by selecting and applying patterns/operations, not specific code sequences</a:t>
+            </a:r>
+          </a:p>
+          <a:p>
+            <a:r>
+              <a:rPr lang="en-US" dirty="0"/>
+              <a:t>When designing a program, I never say:</a:t>
+            </a:r>
+            <a:br>
+              <a:rPr lang="en-US" dirty="0"/>
+            </a:br>
+            <a:r>
+              <a:rPr lang="en-US" dirty="0"/>
+              <a:t>"</a:t>
+            </a:r>
             <a:r>
               <a:rPr lang="en-US" i="1" dirty="0"/>
-              <a:t>sum the numbers in a list</a:t>
-            </a:r>
-            <a:endParaRPr lang="en-US" dirty="0"/>
-          </a:p>
-          <a:p>
-            <a:pPr lvl="1"/>
-            <a:r>
-              <a:rPr lang="en-US" i="1" dirty="0"/>
-              <a:t>count the elements in a list</a:t>
-            </a:r>
-            <a:endParaRPr lang="en-US" dirty="0"/>
-          </a:p>
-          <a:p>
+              <a:t>Oh! I need a for-loop with an if-statement right here</a:t>
+            </a:r>
             <a:r>
               <a:rPr lang="en-US" dirty="0"/>
-              <a:t>But there are many many more, such as:</a:t>
-            </a:r>
-          </a:p>
-          <a:p>
-            <a:pPr lvl="1"/>
-            <a:r>
-              <a:rPr lang="en-US" i="1" dirty="0"/>
-              <a:t>find all values in a list satisfying a condition</a:t>
-            </a:r>
-            <a:endParaRPr lang="en-US" dirty="0"/>
-          </a:p>
-          <a:p>
-            <a:pPr lvl="1"/>
-            <a:r>
-              <a:rPr lang="en-US" i="1" dirty="0"/>
-              <a:t>apply an operation to each element of a list to get new list</a:t>
-            </a:r>
-          </a:p>
-          <a:p>
-            <a:pPr lvl="1"/>
-            <a:r>
-              <a:rPr lang="en-US" i="1" dirty="0"/>
-              <a:t>merge two sorted lists</a:t>
-            </a:r>
-          </a:p>
-          <a:p>
-            <a:pPr lvl="1"/>
-            <a:r>
-              <a:rPr lang="en-US" i="1" dirty="0"/>
-              <a:t>delete records in a </a:t>
-            </a:r>
-            <a:r>
-              <a:rPr lang="en-US" i="1" dirty="0" err="1"/>
-              <a:t>dataframe</a:t>
-            </a:r>
-            <a:r>
-              <a:rPr lang="en-US" i="1" dirty="0"/>
-              <a:t> that satisfy a condition</a:t>
-            </a:r>
-          </a:p>
-          <a:p>
-            <a:r>
-              <a:rPr lang="en-US" dirty="0"/>
-              <a:t>Think and plan at this level, not the code level</a:t>
+              <a:t>."</a:t>
             </a:r>
           </a:p>
         </p:txBody>
@@ -6936,7 +11915,7 @@
     </p:spTree>
     <p:extLst>
       <p:ext uri="{BB962C8B-B14F-4D97-AF65-F5344CB8AC3E}">
-        <p14:creationId xmlns:p14="http://schemas.microsoft.com/office/powerpoint/2010/main" val="3041626932"/>
+        <p14:creationId xmlns:p14="http://schemas.microsoft.com/office/powerpoint/2010/main" val="3002228280"/>
       </p:ext>
     </p:extLst>
   </p:cSld>
@@ -6968,7 +11947,7 @@
           <p:cNvPr id="2" name="Title 1">
             <a:extLst>
               <a:ext uri="{FF2B5EF4-FFF2-40B4-BE49-F238E27FC236}">
-                <a16:creationId xmlns:a16="http://schemas.microsoft.com/office/drawing/2014/main" id="{F1032F3B-27DC-5447-B92A-56726E765A0B}"/>
+                <a16:creationId xmlns:a16="http://schemas.microsoft.com/office/drawing/2014/main" id="{21D008F3-F57D-F449-9C6F-60D473D784BD}"/>
               </a:ext>
             </a:extLst>
           </p:cNvPr>
@@ -6979,19 +11958,14 @@
             <p:ph type="title"/>
           </p:nvPr>
         </p:nvSpPr>
-        <p:spPr>
-          <a:xfrm>
-            <a:off x="838199" y="365125"/>
-            <a:ext cx="11016585" cy="1325563"/>
-          </a:xfrm>
-        </p:spPr>
+        <p:spPr/>
         <p:txBody>
           <a:bodyPr/>
           <a:lstStyle/>
           <a:p>
             <a:r>
               <a:rPr lang="en-US" dirty="0"/>
-              <a:t>Visualize operations then identify patterns</a:t>
+              <a:t>Sample programming patterns</a:t>
             </a:r>
           </a:p>
         </p:txBody>
@@ -7001,7 +11975,7 @@
           <p:cNvPr id="3" name="Content Placeholder 2">
             <a:extLst>
               <a:ext uri="{FF2B5EF4-FFF2-40B4-BE49-F238E27FC236}">
-                <a16:creationId xmlns:a16="http://schemas.microsoft.com/office/drawing/2014/main" id="{645E3CBE-048D-A346-AC1B-E76ED53F317E}"/>
+                <a16:creationId xmlns:a16="http://schemas.microsoft.com/office/drawing/2014/main" id="{08AB2362-1CE2-0A40-BCFD-54C6C5742253}"/>
               </a:ext>
             </a:extLst>
           </p:cNvPr>
@@ -7012,161 +11986,84 @@
             <p:ph idx="1"/>
           </p:nvPr>
         </p:nvSpPr>
-        <p:spPr/>
+        <p:spPr>
+          <a:xfrm>
+            <a:off x="838200" y="1610139"/>
+            <a:ext cx="10515600" cy="4566824"/>
+          </a:xfrm>
+        </p:spPr>
         <p:txBody>
           <a:bodyPr/>
           <a:lstStyle/>
           <a:p>
             <a:r>
               <a:rPr lang="en-US" dirty="0"/>
-              <a:t>Think visually about how you would manipulate lists of data or extract information from data</a:t>
-            </a:r>
+              <a:t>You're no doubt familiar with simple patterns such as:</a:t>
+            </a:r>
+          </a:p>
+          <a:p>
+            <a:pPr lvl="1"/>
+            <a:r>
+              <a:rPr lang="en-US" i="1" dirty="0"/>
+              <a:t>sum the numbers in a list</a:t>
+            </a:r>
+            <a:endParaRPr lang="en-US" dirty="0"/>
+          </a:p>
+          <a:p>
+            <a:pPr lvl="1"/>
+            <a:r>
+              <a:rPr lang="en-US" i="1" dirty="0"/>
+              <a:t>count the elements in a list</a:t>
+            </a:r>
+            <a:endParaRPr lang="en-US" dirty="0"/>
           </a:p>
           <a:p>
             <a:r>
               <a:rPr lang="en-US" dirty="0"/>
-              <a:t>Manually moving some data around on paper or in spreadsheet helps me to understand the operation to perform</a:t>
-            </a:r>
-          </a:p>
-          <a:p>
+              <a:t>But there are many many more, such as:</a:t>
+            </a:r>
+          </a:p>
+          <a:p>
+            <a:pPr lvl="1"/>
+            <a:r>
+              <a:rPr lang="en-US" i="1" dirty="0"/>
+              <a:t>find all values in a list satisfying a condition</a:t>
+            </a:r>
             <a:endParaRPr lang="en-US" dirty="0"/>
           </a:p>
-        </p:txBody>
-      </p:sp>
-      <p:pic>
-        <p:nvPicPr>
-          <p:cNvPr id="4" name="Picture 3">
-            <a:extLst>
-              <a:ext uri="{FF2B5EF4-FFF2-40B4-BE49-F238E27FC236}">
-                <a16:creationId xmlns:a16="http://schemas.microsoft.com/office/drawing/2014/main" id="{65EEABFA-3598-1B4A-BF52-1390F3B32BEF}"/>
-              </a:ext>
-            </a:extLst>
-          </p:cNvPr>
-          <p:cNvPicPr>
-            <a:picLocks noChangeAspect="1"/>
-          </p:cNvPicPr>
-          <p:nvPr/>
-        </p:nvPicPr>
-        <p:blipFill>
-          <a:blip r:embed="rId2"/>
-          <a:stretch>
-            <a:fillRect/>
-          </a:stretch>
-        </p:blipFill>
-        <p:spPr>
-          <a:xfrm>
-            <a:off x="6096000" y="4308890"/>
-            <a:ext cx="5758785" cy="1017967"/>
-          </a:xfrm>
-          <a:prstGeom prst="rect">
-            <a:avLst/>
-          </a:prstGeom>
-        </p:spPr>
-      </p:pic>
-      <p:pic>
-        <p:nvPicPr>
-          <p:cNvPr id="5" name="Picture 4">
-            <a:extLst>
-              <a:ext uri="{FF2B5EF4-FFF2-40B4-BE49-F238E27FC236}">
-                <a16:creationId xmlns:a16="http://schemas.microsoft.com/office/drawing/2014/main" id="{4065E536-0A69-8549-BEFA-643A477BE4AE}"/>
-              </a:ext>
-            </a:extLst>
-          </p:cNvPr>
-          <p:cNvPicPr>
-            <a:picLocks noChangeAspect="1"/>
-          </p:cNvPicPr>
-          <p:nvPr/>
-        </p:nvPicPr>
-        <p:blipFill>
-          <a:blip r:embed="rId3"/>
-          <a:stretch>
-            <a:fillRect/>
-          </a:stretch>
-        </p:blipFill>
-        <p:spPr>
-          <a:xfrm>
-            <a:off x="1633752" y="3647109"/>
-            <a:ext cx="3721269" cy="3061804"/>
-          </a:xfrm>
-          <a:prstGeom prst="rect">
-            <a:avLst/>
-          </a:prstGeom>
-        </p:spPr>
-      </p:pic>
-      <p:sp>
-        <p:nvSpPr>
-          <p:cNvPr id="6" name="TextBox 5">
-            <a:extLst>
-              <a:ext uri="{FF2B5EF4-FFF2-40B4-BE49-F238E27FC236}">
-                <a16:creationId xmlns:a16="http://schemas.microsoft.com/office/drawing/2014/main" id="{A3717CB1-DDC6-B246-A2BD-C7356D181EE8}"/>
-              </a:ext>
-            </a:extLst>
-          </p:cNvPr>
-          <p:cNvSpPr txBox="1"/>
-          <p:nvPr/>
-        </p:nvSpPr>
-        <p:spPr>
-          <a:xfrm rot="19330070">
-            <a:off x="58646" y="4948758"/>
-            <a:ext cx="1659429" cy="369332"/>
-          </a:xfrm>
-          <a:prstGeom prst="rect">
-            <a:avLst/>
-          </a:prstGeom>
-          <a:noFill/>
-        </p:spPr>
-        <p:txBody>
-          <a:bodyPr wrap="none" rtlCol="0">
-            <a:spAutoFit/>
-          </a:bodyPr>
-          <a:lstStyle/>
-          <a:p>
-            <a:r>
-              <a:rPr lang="en-US" dirty="0">
-                <a:solidFill>
-                  <a:srgbClr val="E4754F"/>
-                </a:solidFill>
-              </a:rPr>
-              <a:t>Sum elements</a:t>
-            </a:r>
-          </a:p>
-        </p:txBody>
-      </p:sp>
-      <p:sp>
-        <p:nvSpPr>
-          <p:cNvPr id="7" name="TextBox 6">
-            <a:extLst>
-              <a:ext uri="{FF2B5EF4-FFF2-40B4-BE49-F238E27FC236}">
-                <a16:creationId xmlns:a16="http://schemas.microsoft.com/office/drawing/2014/main" id="{2D954400-E6CE-0143-9FA4-3AF037DBA5C8}"/>
-              </a:ext>
-            </a:extLst>
-          </p:cNvPr>
-          <p:cNvSpPr txBox="1"/>
-          <p:nvPr/>
-        </p:nvSpPr>
-        <p:spPr>
-          <a:xfrm>
-            <a:off x="8030818" y="3816628"/>
-            <a:ext cx="1685077" cy="369332"/>
-          </a:xfrm>
-          <a:prstGeom prst="rect">
-            <a:avLst/>
-          </a:prstGeom>
-          <a:noFill/>
-        </p:spPr>
-        <p:txBody>
-          <a:bodyPr wrap="none" rtlCol="0">
-            <a:spAutoFit/>
-          </a:bodyPr>
-          <a:lstStyle/>
-          <a:p>
-            <a:r>
-              <a:rPr lang="en-US" dirty="0">
-                <a:solidFill>
-                  <a:srgbClr val="E4754F"/>
-                </a:solidFill>
-              </a:rPr>
-              <a:t>Matrix addition</a:t>
+          <a:p>
+            <a:pPr lvl="1"/>
+            <a:r>
+              <a:rPr lang="en-US" i="1" dirty="0"/>
+              <a:t>apply an operation to each element of a list to get new list</a:t>
+            </a:r>
+          </a:p>
+          <a:p>
+            <a:pPr lvl="1"/>
+            <a:r>
+              <a:rPr lang="en-US" i="1" dirty="0"/>
+              <a:t>merge two sorted lists</a:t>
+            </a:r>
+          </a:p>
+          <a:p>
+            <a:pPr lvl="1"/>
+            <a:r>
+              <a:rPr lang="en-US" i="1" dirty="0"/>
+              <a:t>delete records in a </a:t>
+            </a:r>
+            <a:r>
+              <a:rPr lang="en-US" i="1" dirty="0" err="1"/>
+              <a:t>dataframe</a:t>
+            </a:r>
+            <a:r>
+              <a:rPr lang="en-US" i="1" dirty="0"/>
+              <a:t> that satisfy a condition</a:t>
+            </a:r>
+          </a:p>
+          <a:p>
+            <a:r>
+              <a:rPr lang="en-US" dirty="0"/>
+              <a:t>Think and plan at this level or higher, not the code level</a:t>
             </a:r>
           </a:p>
         </p:txBody>
@@ -7174,7 +12071,7 @@
     </p:spTree>
     <p:extLst>
       <p:ext uri="{BB962C8B-B14F-4D97-AF65-F5344CB8AC3E}">
-        <p14:creationId xmlns:p14="http://schemas.microsoft.com/office/powerpoint/2010/main" val="2322777878"/>
+        <p14:creationId xmlns:p14="http://schemas.microsoft.com/office/powerpoint/2010/main" val="3041626932"/>
       </p:ext>
     </p:extLst>
   </p:cSld>
@@ -7289,7 +12186,7 @@
           <p:cNvPr id="2" name="Title 1">
             <a:extLst>
               <a:ext uri="{FF2B5EF4-FFF2-40B4-BE49-F238E27FC236}">
-                <a16:creationId xmlns:a16="http://schemas.microsoft.com/office/drawing/2014/main" id="{1FA53272-0FEF-AA4B-9A01-EC3450E6380F}"/>
+                <a16:creationId xmlns:a16="http://schemas.microsoft.com/office/drawing/2014/main" id="{F1032F3B-27DC-5447-B92A-56726E765A0B}"/>
               </a:ext>
             </a:extLst>
           </p:cNvPr>
@@ -7300,14 +12197,19 @@
             <p:ph type="title"/>
           </p:nvPr>
         </p:nvSpPr>
-        <p:spPr/>
+        <p:spPr>
+          <a:xfrm>
+            <a:off x="838199" y="365125"/>
+            <a:ext cx="11016585" cy="1325563"/>
+          </a:xfrm>
+        </p:spPr>
         <p:txBody>
           <a:bodyPr/>
           <a:lstStyle/>
           <a:p>
             <a:r>
               <a:rPr lang="en-US" dirty="0"/>
-              <a:t>Accumulate</a:t>
+              <a:t>Visualize behavior then identify pattern</a:t>
             </a:r>
           </a:p>
         </p:txBody>
@@ -7317,7 +12219,7 @@
           <p:cNvPr id="3" name="Content Placeholder 2">
             <a:extLst>
               <a:ext uri="{FF2B5EF4-FFF2-40B4-BE49-F238E27FC236}">
-                <a16:creationId xmlns:a16="http://schemas.microsoft.com/office/drawing/2014/main" id="{48EBFF70-2055-1B4A-8C6B-0ACD15726A90}"/>
+                <a16:creationId xmlns:a16="http://schemas.microsoft.com/office/drawing/2014/main" id="{645E3CBE-048D-A346-AC1B-E76ED53F317E}"/>
               </a:ext>
             </a:extLst>
           </p:cNvPr>
@@ -7330,8 +12232,8 @@
         </p:nvSpPr>
         <p:spPr>
           <a:xfrm>
-            <a:off x="573433" y="1464987"/>
-            <a:ext cx="10515600" cy="4351338"/>
+            <a:off x="838200" y="1690688"/>
+            <a:ext cx="10515600" cy="4486275"/>
           </a:xfrm>
         </p:spPr>
         <p:txBody>
@@ -7340,75 +12242,86 @@
           <a:p>
             <a:r>
               <a:rPr lang="en-US" dirty="0"/>
-              <a:t>Traverses a sequence of elements and </a:t>
-            </a:r>
-            <a:r>
-              <a:rPr lang="en-US" i="1" dirty="0"/>
-              <a:t>accumulates</a:t>
-            </a:r>
+              <a:t>Think visually about how you would manipulate lists of data or extract information from data</a:t>
+            </a:r>
+          </a:p>
+          <a:p>
             <a:r>
               <a:rPr lang="en-US" dirty="0"/>
-              <a:t> a value</a:t>
-            </a:r>
-          </a:p>
-          <a:p>
-            <a:r>
-              <a:rPr lang="en-US" dirty="0"/>
-              <a:t>In Excel, this is like using </a:t>
-            </a:r>
-            <a:r>
-              <a:rPr lang="en-US" b="1" dirty="0"/>
-              <a:t>sum(...)</a:t>
-            </a:r>
-            <a:r>
-              <a:rPr lang="en-US" dirty="0"/>
-              <a:t> in a cell.</a:t>
-            </a:r>
-          </a:p>
-          <a:p>
-            <a:r>
-              <a:rPr lang="en-US" dirty="0"/>
-              <a:t>Can use any other arithmetic operator, such as *</a:t>
-            </a:r>
-          </a:p>
-          <a:p>
-            <a:r>
-              <a:rPr lang="en-US" dirty="0"/>
-              <a:t>Called </a:t>
-            </a:r>
-            <a:r>
-              <a:rPr lang="en-US" i="1" dirty="0"/>
-              <a:t>reduce</a:t>
-            </a:r>
-            <a:r>
-              <a:rPr lang="en-US" dirty="0"/>
-              <a:t>, as in </a:t>
-            </a:r>
-            <a:r>
-              <a:rPr lang="en-US" i="1" dirty="0"/>
-              <a:t>map</a:t>
-            </a:r>
-            <a:r>
-              <a:rPr lang="en-US" dirty="0"/>
-              <a:t>/</a:t>
-            </a:r>
-            <a:r>
-              <a:rPr lang="en-US" i="1" dirty="0"/>
-              <a:t>reduce</a:t>
-            </a:r>
-            <a:r>
-              <a:rPr lang="en-US" dirty="0"/>
-              <a:t> of distributed computing world</a:t>
-            </a:r>
-          </a:p>
-        </p:txBody>
-      </p:sp>
-      <p:sp>
-        <p:nvSpPr>
-          <p:cNvPr id="5" name="TextBox 4">
-            <a:extLst>
-              <a:ext uri="{FF2B5EF4-FFF2-40B4-BE49-F238E27FC236}">
-                <a16:creationId xmlns:a16="http://schemas.microsoft.com/office/drawing/2014/main" id="{7E035761-8767-0141-9132-8133CB20FCEE}"/>
+              <a:t>Manually moving some data around on paper or in spreadsheet helps me to understand the operation to perform</a:t>
+            </a:r>
+          </a:p>
+          <a:p>
+            <a:endParaRPr lang="en-US" dirty="0"/>
+          </a:p>
+        </p:txBody>
+      </p:sp>
+      <p:pic>
+        <p:nvPicPr>
+          <p:cNvPr id="4" name="Picture 3">
+            <a:extLst>
+              <a:ext uri="{FF2B5EF4-FFF2-40B4-BE49-F238E27FC236}">
+                <a16:creationId xmlns:a16="http://schemas.microsoft.com/office/drawing/2014/main" id="{65EEABFA-3598-1B4A-BF52-1390F3B32BEF}"/>
+              </a:ext>
+            </a:extLst>
+          </p:cNvPr>
+          <p:cNvPicPr>
+            <a:picLocks noChangeAspect="1"/>
+          </p:cNvPicPr>
+          <p:nvPr/>
+        </p:nvPicPr>
+        <p:blipFill>
+          <a:blip r:embed="rId2"/>
+          <a:stretch>
+            <a:fillRect/>
+          </a:stretch>
+        </p:blipFill>
+        <p:spPr>
+          <a:xfrm>
+            <a:off x="6096000" y="4308890"/>
+            <a:ext cx="5758785" cy="1017967"/>
+          </a:xfrm>
+          <a:prstGeom prst="rect">
+            <a:avLst/>
+          </a:prstGeom>
+        </p:spPr>
+      </p:pic>
+      <p:pic>
+        <p:nvPicPr>
+          <p:cNvPr id="5" name="Picture 4">
+            <a:extLst>
+              <a:ext uri="{FF2B5EF4-FFF2-40B4-BE49-F238E27FC236}">
+                <a16:creationId xmlns:a16="http://schemas.microsoft.com/office/drawing/2014/main" id="{4065E536-0A69-8549-BEFA-643A477BE4AE}"/>
+              </a:ext>
+            </a:extLst>
+          </p:cNvPr>
+          <p:cNvPicPr>
+            <a:picLocks noChangeAspect="1"/>
+          </p:cNvPicPr>
+          <p:nvPr/>
+        </p:nvPicPr>
+        <p:blipFill>
+          <a:blip r:embed="rId3"/>
+          <a:stretch>
+            <a:fillRect/>
+          </a:stretch>
+        </p:blipFill>
+        <p:spPr>
+          <a:xfrm>
+            <a:off x="1633752" y="3647109"/>
+            <a:ext cx="3721269" cy="3061804"/>
+          </a:xfrm>
+          <a:prstGeom prst="rect">
+            <a:avLst/>
+          </a:prstGeom>
+        </p:spPr>
+      </p:pic>
+      <p:sp>
+        <p:nvSpPr>
+          <p:cNvPr id="6" name="TextBox 5">
+            <a:extLst>
+              <a:ext uri="{FF2B5EF4-FFF2-40B4-BE49-F238E27FC236}">
+                <a16:creationId xmlns:a16="http://schemas.microsoft.com/office/drawing/2014/main" id="{A3717CB1-DDC6-B246-A2BD-C7356D181EE8}"/>
               </a:ext>
             </a:extLst>
           </p:cNvPr>
@@ -7416,9 +12329,9 @@
           <p:nvPr/>
         </p:nvSpPr>
         <p:spPr>
-          <a:xfrm>
-            <a:off x="1862005" y="3761797"/>
-            <a:ext cx="6814686" cy="1631216"/>
+          <a:xfrm rot="19330070">
+            <a:off x="58646" y="4948758"/>
+            <a:ext cx="1659429" cy="369332"/>
           </a:xfrm>
           <a:prstGeom prst="rect">
             <a:avLst/>
@@ -7432,47 +12345,12 @@
           <a:lstStyle/>
           <a:p>
             <a:r>
-              <a:rPr lang="en-US" sz="2000" dirty="0">
-                <a:latin typeface="Consolas" panose="020B0609020204030204" pitchFamily="49" charset="0"/>
-                <a:cs typeface="Consolas" panose="020B0609020204030204" pitchFamily="49" charset="0"/>
-              </a:rPr>
-              <a:t>Quantity = [6, 49, 27, 30, 19, 21, 12, 22, 21] </a:t>
-            </a:r>
-          </a:p>
-          <a:p>
-            <a:r>
-              <a:rPr lang="en-US" sz="2000" dirty="0">
-                <a:latin typeface="Consolas" panose="020B0609020204030204" pitchFamily="49" charset="0"/>
-                <a:cs typeface="Consolas" panose="020B0609020204030204" pitchFamily="49" charset="0"/>
-              </a:rPr>
-              <a:t>sum = 0</a:t>
-            </a:r>
-          </a:p>
-          <a:p>
-            <a:r>
-              <a:rPr lang="en-US" sz="2000" dirty="0">
-                <a:latin typeface="Consolas" panose="020B0609020204030204" pitchFamily="49" charset="0"/>
-                <a:cs typeface="Consolas" panose="020B0609020204030204" pitchFamily="49" charset="0"/>
-              </a:rPr>
-              <a:t>for q in Quantity:</a:t>
-            </a:r>
-          </a:p>
-          <a:p>
-            <a:r>
-              <a:rPr lang="en-US" sz="2000" dirty="0">
-                <a:latin typeface="Consolas" panose="020B0609020204030204" pitchFamily="49" charset="0"/>
-                <a:cs typeface="Consolas" panose="020B0609020204030204" pitchFamily="49" charset="0"/>
-              </a:rPr>
-              <a:t>    sum += q          # same as: sum = sum + q</a:t>
-            </a:r>
-          </a:p>
-          <a:p>
-            <a:r>
-              <a:rPr lang="en-US" sz="2000" dirty="0">
-                <a:latin typeface="Consolas" panose="020B0609020204030204" pitchFamily="49" charset="0"/>
-                <a:cs typeface="Consolas" panose="020B0609020204030204" pitchFamily="49" charset="0"/>
-              </a:rPr>
-              <a:t>print(sum)</a:t>
+              <a:rPr lang="en-US" dirty="0">
+                <a:solidFill>
+                  <a:srgbClr val="E4754F"/>
+                </a:solidFill>
+              </a:rPr>
+              <a:t>Sum elements</a:t>
             </a:r>
           </a:p>
         </p:txBody>
@@ -7482,7 +12360,7 @@
           <p:cNvPr id="7" name="TextBox 6">
             <a:extLst>
               <a:ext uri="{FF2B5EF4-FFF2-40B4-BE49-F238E27FC236}">
-                <a16:creationId xmlns:a16="http://schemas.microsoft.com/office/drawing/2014/main" id="{8E70DBF2-F91B-4044-9AB2-4D31F53BFFEF}"/>
+                <a16:creationId xmlns:a16="http://schemas.microsoft.com/office/drawing/2014/main" id="{2D954400-E6CE-0143-9FA4-3AF037DBA5C8}"/>
               </a:ext>
             </a:extLst>
           </p:cNvPr>
@@ -7491,8 +12369,8 @@
         </p:nvSpPr>
         <p:spPr>
           <a:xfrm>
-            <a:off x="0" y="6477965"/>
-            <a:ext cx="2813591" cy="369332"/>
+            <a:off x="8030818" y="3816628"/>
+            <a:ext cx="1685077" cy="369332"/>
           </a:xfrm>
           <a:prstGeom prst="rect">
             <a:avLst/>
@@ -7507,24 +12385,19 @@
           <a:p>
             <a:r>
               <a:rPr lang="en-US" dirty="0">
-                <a:hlinkClick r:id="rId2"/>
-              </a:rPr>
-              <a:t>Experiment in </a:t>
-            </a:r>
-            <a:r>
-              <a:rPr lang="en-US" dirty="0" err="1">
-                <a:hlinkClick r:id="rId2"/>
-              </a:rPr>
-              <a:t>pythontutor</a:t>
-            </a:r>
-            <a:endParaRPr lang="en-US" dirty="0"/>
+                <a:solidFill>
+                  <a:srgbClr val="E4754F"/>
+                </a:solidFill>
+              </a:rPr>
+              <a:t>Matrix addition</a:t>
+            </a:r>
           </a:p>
         </p:txBody>
       </p:sp>
     </p:spTree>
     <p:extLst>
       <p:ext uri="{BB962C8B-B14F-4D97-AF65-F5344CB8AC3E}">
-        <p14:creationId xmlns:p14="http://schemas.microsoft.com/office/powerpoint/2010/main" val="1299016780"/>
+        <p14:creationId xmlns:p14="http://schemas.microsoft.com/office/powerpoint/2010/main" val="2322777878"/>
       </p:ext>
     </p:extLst>
   </p:cSld>
@@ -7556,7 +12429,7 @@
           <p:cNvPr id="2" name="Title 1">
             <a:extLst>
               <a:ext uri="{FF2B5EF4-FFF2-40B4-BE49-F238E27FC236}">
-                <a16:creationId xmlns:a16="http://schemas.microsoft.com/office/drawing/2014/main" id="{A1C2C7C8-837B-8140-8657-3A67CD67D5F3}"/>
+                <a16:creationId xmlns:a16="http://schemas.microsoft.com/office/drawing/2014/main" id="{1FA53272-0FEF-AA4B-9A01-EC3450E6380F}"/>
               </a:ext>
             </a:extLst>
           </p:cNvPr>
@@ -7574,7 +12447,7 @@
           <a:p>
             <a:r>
               <a:rPr lang="en-US" dirty="0"/>
-              <a:t>Map</a:t>
+              <a:t>Accumulate</a:t>
             </a:r>
           </a:p>
         </p:txBody>
@@ -7584,7 +12457,7 @@
           <p:cNvPr id="3" name="Content Placeholder 2">
             <a:extLst>
               <a:ext uri="{FF2B5EF4-FFF2-40B4-BE49-F238E27FC236}">
-                <a16:creationId xmlns:a16="http://schemas.microsoft.com/office/drawing/2014/main" id="{167E26A4-A07F-554F-A3A6-BC669A282D21}"/>
+                <a16:creationId xmlns:a16="http://schemas.microsoft.com/office/drawing/2014/main" id="{48EBFF70-2055-1B4A-8C6B-0ACD15726A90}"/>
               </a:ext>
             </a:extLst>
           </p:cNvPr>
@@ -7595,38 +12468,87 @@
             <p:ph idx="1"/>
           </p:nvPr>
         </p:nvSpPr>
-        <p:spPr/>
+        <p:spPr>
+          <a:xfrm>
+            <a:off x="573433" y="1464987"/>
+            <a:ext cx="10515600" cy="4351338"/>
+          </a:xfrm>
+        </p:spPr>
         <p:txBody>
           <a:bodyPr/>
           <a:lstStyle/>
           <a:p>
             <a:r>
               <a:rPr lang="en-US" dirty="0"/>
-              <a:t>A very common operation </a:t>
+              <a:t>Traverses a sequence of elements and </a:t>
             </a:r>
             <a:r>
               <a:rPr lang="en-US" i="1" dirty="0"/>
-              <a:t>maps</a:t>
+              <a:t>accumulates</a:t>
             </a:r>
             <a:r>
               <a:rPr lang="en-US" dirty="0"/>
-              <a:t> one sequence to another, applying an operator or function to each element</a:t>
+              <a:t> a value</a:t>
             </a:r>
           </a:p>
           <a:p>
             <a:r>
               <a:rPr lang="en-US" dirty="0"/>
-              <a:t>It's like using a spreadsheet to create a new column containing some product unit price discounted by 5%</a:t>
-            </a:r>
-          </a:p>
-        </p:txBody>
-      </p:sp>
-      <p:sp>
-        <p:nvSpPr>
-          <p:cNvPr id="4" name="TextBox 3">
-            <a:extLst>
-              <a:ext uri="{FF2B5EF4-FFF2-40B4-BE49-F238E27FC236}">
-                <a16:creationId xmlns:a16="http://schemas.microsoft.com/office/drawing/2014/main" id="{C041ABE0-2559-D048-9DFD-E27ECFFF4B75}"/>
+              <a:t>In Excel, this is like using </a:t>
+            </a:r>
+            <a:r>
+              <a:rPr lang="en-US" b="1" dirty="0"/>
+              <a:t>sum(...)</a:t>
+            </a:r>
+            <a:r>
+              <a:rPr lang="en-US" dirty="0"/>
+              <a:t> in a cell.</a:t>
+            </a:r>
+          </a:p>
+          <a:p>
+            <a:r>
+              <a:rPr lang="en-US" dirty="0"/>
+              <a:t>Can use any other arithmetic operator, such as *</a:t>
+            </a:r>
+          </a:p>
+          <a:p>
+            <a:r>
+              <a:rPr lang="en-US" dirty="0"/>
+              <a:t>Called </a:t>
+            </a:r>
+            <a:r>
+              <a:rPr lang="en-US" i="1" dirty="0"/>
+              <a:t>reduce</a:t>
+            </a:r>
+            <a:r>
+              <a:rPr lang="en-US" dirty="0"/>
+              <a:t>, as in </a:t>
+            </a:r>
+            <a:r>
+              <a:rPr lang="en-US" i="1" dirty="0"/>
+              <a:t>map</a:t>
+            </a:r>
+            <a:r>
+              <a:rPr lang="en-US" dirty="0"/>
+              <a:t>/</a:t>
+            </a:r>
+            <a:r>
+              <a:rPr lang="en-US" i="1" dirty="0"/>
+              <a:t>reduce</a:t>
+            </a:r>
+            <a:r>
+              <a:rPr lang="en-US" dirty="0"/>
+              <a:t> of distributed computing world</a:t>
+            </a:r>
+          </a:p>
+        </p:txBody>
+      </p:sp>
+      <p:sp>
+        <p:nvSpPr>
+          <p:cNvPr id="5" name="TextBox 4">
+            <a:extLst>
+              <a:ext uri="{FF2B5EF4-FFF2-40B4-BE49-F238E27FC236}">
+                <a16:creationId xmlns:a16="http://schemas.microsoft.com/office/drawing/2014/main" id="{7E035761-8767-0141-9132-8133CB20FCEE}"/>
               </a:ext>
             </a:extLst>
           </p:cNvPr>
@@ -7635,8 +12557,8 @@
         </p:nvSpPr>
         <p:spPr>
           <a:xfrm>
-            <a:off x="1103243" y="3757355"/>
-            <a:ext cx="5968301" cy="2554545"/>
+            <a:off x="1862005" y="3761797"/>
+            <a:ext cx="6814686" cy="1631216"/>
           </a:xfrm>
           <a:prstGeom prst="rect">
             <a:avLst/>
@@ -7650,33 +12572,29 @@
           <a:lstStyle/>
           <a:p>
             <a:r>
-              <a:rPr lang="en-US" sz="2000" dirty="0" err="1">
-                <a:latin typeface="Consolas" panose="020B0609020204030204" pitchFamily="49" charset="0"/>
-                <a:cs typeface="Consolas" panose="020B0609020204030204" pitchFamily="49" charset="0"/>
-              </a:rPr>
-              <a:t>UnitPrice</a:t>
-            </a:r>
-            <a:r>
               <a:rPr lang="en-US" sz="2000" dirty="0">
                 <a:latin typeface="Consolas" panose="020B0609020204030204" pitchFamily="49" charset="0"/>
                 <a:cs typeface="Consolas" panose="020B0609020204030204" pitchFamily="49" charset="0"/>
               </a:rPr>
-              <a:t> = [38.94, 208.16, 8.69, 195.99]</a:t>
-            </a:r>
-          </a:p>
-          <a:p>
-            <a:br>
+              <a:t>Quantity = [6, 49, 27, 30, 19, 21, 12, 22, 21] </a:t>
+            </a:r>
+          </a:p>
+          <a:p>
+            <a:r>
               <a:rPr lang="en-US" sz="2000" dirty="0">
                 <a:latin typeface="Consolas" panose="020B0609020204030204" pitchFamily="49" charset="0"/>
                 <a:cs typeface="Consolas" panose="020B0609020204030204" pitchFamily="49" charset="0"/>
               </a:rPr>
-            </a:br>
+              <a:t>sum = 0</a:t>
+            </a:r>
+          </a:p>
+          <a:p>
             <a:r>
               <a:rPr lang="en-US" sz="2000" dirty="0">
                 <a:latin typeface="Consolas" panose="020B0609020204030204" pitchFamily="49" charset="0"/>
                 <a:cs typeface="Consolas" panose="020B0609020204030204" pitchFamily="49" charset="0"/>
               </a:rPr>
-              <a:t>discounted = [] # empty list</a:t>
+              <a:t>for q in Quantity:</a:t>
             </a:r>
           </a:p>
           <a:p>
@@ -7685,122 +12603,26 @@
                 <a:latin typeface="Consolas" panose="020B0609020204030204" pitchFamily="49" charset="0"/>
                 <a:cs typeface="Consolas" panose="020B0609020204030204" pitchFamily="49" charset="0"/>
               </a:rPr>
-              <a:t>for price in </a:t>
-            </a:r>
-            <a:r>
-              <a:rPr lang="en-US" sz="2000" dirty="0" err="1">
-                <a:latin typeface="Consolas" panose="020B0609020204030204" pitchFamily="49" charset="0"/>
-                <a:cs typeface="Consolas" panose="020B0609020204030204" pitchFamily="49" charset="0"/>
-              </a:rPr>
-              <a:t>UnitPrice</a:t>
-            </a:r>
+              <a:t>    sum += q          # same as: sum = sum + q</a:t>
+            </a:r>
+          </a:p>
+          <a:p>
             <a:r>
               <a:rPr lang="en-US" sz="2000" dirty="0">
                 <a:latin typeface="Consolas" panose="020B0609020204030204" pitchFamily="49" charset="0"/>
                 <a:cs typeface="Consolas" panose="020B0609020204030204" pitchFamily="49" charset="0"/>
               </a:rPr>
-              <a:t>:</a:t>
-            </a:r>
-          </a:p>
-          <a:p>
-            <a:r>
-              <a:rPr lang="en-US" sz="2000" dirty="0">
-                <a:latin typeface="Consolas" panose="020B0609020204030204" pitchFamily="49" charset="0"/>
-                <a:cs typeface="Consolas" panose="020B0609020204030204" pitchFamily="49" charset="0"/>
-              </a:rPr>
-              <a:t>    </a:t>
-            </a:r>
-            <a:r>
-              <a:rPr lang="en-US" sz="2000" dirty="0" err="1">
-                <a:latin typeface="Consolas" panose="020B0609020204030204" pitchFamily="49" charset="0"/>
-                <a:cs typeface="Consolas" panose="020B0609020204030204" pitchFamily="49" charset="0"/>
-              </a:rPr>
-              <a:t>discounted.append</a:t>
-            </a:r>
-            <a:r>
-              <a:rPr lang="en-US" sz="2000" dirty="0">
-                <a:latin typeface="Consolas" panose="020B0609020204030204" pitchFamily="49" charset="0"/>
-                <a:cs typeface="Consolas" panose="020B0609020204030204" pitchFamily="49" charset="0"/>
-              </a:rPr>
-              <a:t>(price * 0.95)</a:t>
-            </a:r>
-          </a:p>
-          <a:p>
-            <a:endParaRPr lang="en-US" sz="2000" dirty="0">
-              <a:latin typeface="Consolas" panose="020B0609020204030204" pitchFamily="49" charset="0"/>
-              <a:cs typeface="Consolas" panose="020B0609020204030204" pitchFamily="49" charset="0"/>
-            </a:endParaRPr>
-          </a:p>
-          <a:p>
-            <a:r>
-              <a:rPr lang="en-US" sz="2000" dirty="0">
-                <a:latin typeface="Consolas" panose="020B0609020204030204" pitchFamily="49" charset="0"/>
-                <a:cs typeface="Consolas" panose="020B0609020204030204" pitchFamily="49" charset="0"/>
-              </a:rPr>
-              <a:t># list comprehension shines here!!</a:t>
-            </a:r>
-          </a:p>
-          <a:p>
-            <a:r>
-              <a:rPr lang="en-US" sz="2000" dirty="0">
-                <a:latin typeface="Consolas" panose="020B0609020204030204" pitchFamily="49" charset="0"/>
-                <a:cs typeface="Consolas" panose="020B0609020204030204" pitchFamily="49" charset="0"/>
-              </a:rPr>
-              <a:t>discounted = [p*0.95 for p in </a:t>
-            </a:r>
-            <a:r>
-              <a:rPr lang="en-US" sz="2000" dirty="0" err="1">
-                <a:latin typeface="Consolas" panose="020B0609020204030204" pitchFamily="49" charset="0"/>
-                <a:cs typeface="Consolas" panose="020B0609020204030204" pitchFamily="49" charset="0"/>
-              </a:rPr>
-              <a:t>UnitPrice</a:t>
-            </a:r>
-            <a:r>
-              <a:rPr lang="en-US" sz="2000" dirty="0">
-                <a:latin typeface="Consolas" panose="020B0609020204030204" pitchFamily="49" charset="0"/>
-                <a:cs typeface="Consolas" panose="020B0609020204030204" pitchFamily="49" charset="0"/>
-              </a:rPr>
-              <a:t>]</a:t>
-            </a:r>
-          </a:p>
-        </p:txBody>
-      </p:sp>
-      <p:pic>
-        <p:nvPicPr>
-          <p:cNvPr id="6" name="Picture 5">
-            <a:extLst>
-              <a:ext uri="{FF2B5EF4-FFF2-40B4-BE49-F238E27FC236}">
-                <a16:creationId xmlns:a16="http://schemas.microsoft.com/office/drawing/2014/main" id="{B22F27FC-411C-6B43-B250-1762BECEAD5C}"/>
-              </a:ext>
-            </a:extLst>
-          </p:cNvPr>
-          <p:cNvPicPr>
-            <a:picLocks noChangeAspect="1"/>
-          </p:cNvPicPr>
-          <p:nvPr/>
-        </p:nvPicPr>
-        <p:blipFill>
-          <a:blip r:embed="rId2"/>
-          <a:stretch>
-            <a:fillRect/>
-          </a:stretch>
-        </p:blipFill>
-        <p:spPr>
-          <a:xfrm>
-            <a:off x="8062843" y="-67504"/>
-            <a:ext cx="4053946" cy="1940719"/>
-          </a:xfrm>
-          <a:prstGeom prst="rect">
-            <a:avLst/>
-          </a:prstGeom>
-        </p:spPr>
-      </p:pic>
+              <a:t>print(sum)</a:t>
+            </a:r>
+          </a:p>
+        </p:txBody>
+      </p:sp>
       <p:sp>
         <p:nvSpPr>
           <p:cNvPr id="7" name="TextBox 6">
             <a:extLst>
               <a:ext uri="{FF2B5EF4-FFF2-40B4-BE49-F238E27FC236}">
-                <a16:creationId xmlns:a16="http://schemas.microsoft.com/office/drawing/2014/main" id="{9B9EF68A-E50F-4B46-A1DD-F11241D55FE6}"/>
+                <a16:creationId xmlns:a16="http://schemas.microsoft.com/office/drawing/2014/main" id="{8E70DBF2-F91B-4044-9AB2-4D31F53BFFEF}"/>
               </a:ext>
             </a:extLst>
           </p:cNvPr>
@@ -7809,7 +12631,7 @@
         </p:nvSpPr>
         <p:spPr>
           <a:xfrm>
-            <a:off x="0" y="6492875"/>
+            <a:off x="0" y="6477965"/>
             <a:ext cx="2813591" cy="369332"/>
           </a:xfrm>
           <a:prstGeom prst="rect">
@@ -7825,59 +12647,24 @@
           <a:p>
             <a:r>
               <a:rPr lang="en-US" dirty="0">
-                <a:hlinkClick r:id="rId3"/>
+                <a:hlinkClick r:id="rId2"/>
               </a:rPr>
               <a:t>Experiment in </a:t>
             </a:r>
             <a:r>
               <a:rPr lang="en-US" dirty="0" err="1">
-                <a:hlinkClick r:id="rId3"/>
+                <a:hlinkClick r:id="rId2"/>
               </a:rPr>
               <a:t>pythontutor</a:t>
             </a:r>
             <a:endParaRPr lang="en-US" dirty="0"/>
-          </a:p>
-        </p:txBody>
-      </p:sp>
-      <p:sp>
-        <p:nvSpPr>
-          <p:cNvPr id="8" name="TextBox 7">
-            <a:extLst>
-              <a:ext uri="{FF2B5EF4-FFF2-40B4-BE49-F238E27FC236}">
-                <a16:creationId xmlns:a16="http://schemas.microsoft.com/office/drawing/2014/main" id="{454516A2-C816-6F49-ADE9-2F4860CB6F4B}"/>
-              </a:ext>
-            </a:extLst>
-          </p:cNvPr>
-          <p:cNvSpPr txBox="1"/>
-          <p:nvPr/>
-        </p:nvSpPr>
-        <p:spPr>
-          <a:xfrm>
-            <a:off x="8310673" y="4018964"/>
-            <a:ext cx="3099449" cy="1015663"/>
-          </a:xfrm>
-          <a:prstGeom prst="rect">
-            <a:avLst/>
-          </a:prstGeom>
-          <a:noFill/>
-        </p:spPr>
-        <p:txBody>
-          <a:bodyPr wrap="square" rtlCol="0">
-            <a:spAutoFit/>
-          </a:bodyPr>
-          <a:lstStyle/>
-          <a:p>
-            <a:r>
-              <a:rPr lang="en-US" sz="2000" dirty="0"/>
-              <a:t>Be able to reverse this, going from code to pattern!</a:t>
-            </a:r>
           </a:p>
         </p:txBody>
       </p:sp>
     </p:spTree>
     <p:extLst>
       <p:ext uri="{BB962C8B-B14F-4D97-AF65-F5344CB8AC3E}">
-        <p14:creationId xmlns:p14="http://schemas.microsoft.com/office/powerpoint/2010/main" val="3193159742"/>
+        <p14:creationId xmlns:p14="http://schemas.microsoft.com/office/powerpoint/2010/main" val="1299016780"/>
       </p:ext>
     </p:extLst>
   </p:cSld>

--- a/slides/programming-patterns.pptx
+++ b/slides/programming-patterns.pptx
@@ -233,7 +233,7 @@
           <a:p>
             <a:fld id="{8A1B613A-EFF1-404F-BEE8-EFAE84A4E5E2}" type="datetimeFigureOut">
               <a:rPr lang="en-US" smtClean="0"/>
-              <a:t>6/5/21</a:t>
+              <a:t>6/9/21</a:t>
             </a:fld>
             <a:endParaRPr lang="en-US"/>
           </a:p>
@@ -398,7 +398,7 @@
           <a:p>
             <a:fld id="{690847EA-AC25-3D4E-89E1-FD3F6A9702B6}" type="datetimeFigureOut">
               <a:rPr lang="en-US" smtClean="0"/>
-              <a:t>6/5/21</a:t>
+              <a:t>6/9/21</a:t>
             </a:fld>
             <a:endParaRPr lang="en-US"/>
           </a:p>
@@ -812,7 +812,7 @@
           <a:p>
             <a:fld id="{BE5295ED-3BAF-1140-8495-3D368771D6B1}" type="datetimeFigureOut">
               <a:rPr lang="en-US" smtClean="0"/>
-              <a:t>6/5/21</a:t>
+              <a:t>6/9/21</a:t>
             </a:fld>
             <a:endParaRPr lang="en-US"/>
           </a:p>
@@ -1010,7 +1010,7 @@
           <a:p>
             <a:fld id="{BE5295ED-3BAF-1140-8495-3D368771D6B1}" type="datetimeFigureOut">
               <a:rPr lang="en-US" smtClean="0"/>
-              <a:t>6/5/21</a:t>
+              <a:t>6/9/21</a:t>
             </a:fld>
             <a:endParaRPr lang="en-US"/>
           </a:p>
@@ -1218,7 +1218,7 @@
           <a:p>
             <a:fld id="{BE5295ED-3BAF-1140-8495-3D368771D6B1}" type="datetimeFigureOut">
               <a:rPr lang="en-US" smtClean="0"/>
-              <a:t>6/5/21</a:t>
+              <a:t>6/9/21</a:t>
             </a:fld>
             <a:endParaRPr lang="en-US"/>
           </a:p>
@@ -1416,7 +1416,7 @@
           <a:p>
             <a:fld id="{BE5295ED-3BAF-1140-8495-3D368771D6B1}" type="datetimeFigureOut">
               <a:rPr lang="en-US" smtClean="0"/>
-              <a:t>6/5/21</a:t>
+              <a:t>6/9/21</a:t>
             </a:fld>
             <a:endParaRPr lang="en-US"/>
           </a:p>
@@ -1691,7 +1691,7 @@
           <a:p>
             <a:fld id="{BE5295ED-3BAF-1140-8495-3D368771D6B1}" type="datetimeFigureOut">
               <a:rPr lang="en-US" smtClean="0"/>
-              <a:t>6/5/21</a:t>
+              <a:t>6/9/21</a:t>
             </a:fld>
             <a:endParaRPr lang="en-US"/>
           </a:p>
@@ -1956,7 +1956,7 @@
           <a:p>
             <a:fld id="{BE5295ED-3BAF-1140-8495-3D368771D6B1}" type="datetimeFigureOut">
               <a:rPr lang="en-US" smtClean="0"/>
-              <a:t>6/5/21</a:t>
+              <a:t>6/9/21</a:t>
             </a:fld>
             <a:endParaRPr lang="en-US"/>
           </a:p>
@@ -2368,7 +2368,7 @@
           <a:p>
             <a:fld id="{BE5295ED-3BAF-1140-8495-3D368771D6B1}" type="datetimeFigureOut">
               <a:rPr lang="en-US" smtClean="0"/>
-              <a:t>6/5/21</a:t>
+              <a:t>6/9/21</a:t>
             </a:fld>
             <a:endParaRPr lang="en-US"/>
           </a:p>
@@ -2509,7 +2509,7 @@
           <a:p>
             <a:fld id="{BE5295ED-3BAF-1140-8495-3D368771D6B1}" type="datetimeFigureOut">
               <a:rPr lang="en-US" smtClean="0"/>
-              <a:t>6/5/21</a:t>
+              <a:t>6/9/21</a:t>
             </a:fld>
             <a:endParaRPr lang="en-US"/>
           </a:p>
@@ -2622,7 +2622,7 @@
           <a:p>
             <a:fld id="{BE5295ED-3BAF-1140-8495-3D368771D6B1}" type="datetimeFigureOut">
               <a:rPr lang="en-US" smtClean="0"/>
-              <a:t>6/5/21</a:t>
+              <a:t>6/9/21</a:t>
             </a:fld>
             <a:endParaRPr lang="en-US"/>
           </a:p>
@@ -2933,7 +2933,7 @@
           <a:p>
             <a:fld id="{BE5295ED-3BAF-1140-8495-3D368771D6B1}" type="datetimeFigureOut">
               <a:rPr lang="en-US" smtClean="0"/>
-              <a:t>6/5/21</a:t>
+              <a:t>6/9/21</a:t>
             </a:fld>
             <a:endParaRPr lang="en-US"/>
           </a:p>
@@ -3224,7 +3224,7 @@
           <a:p>
             <a:fld id="{BE5295ED-3BAF-1140-8495-3D368771D6B1}" type="datetimeFigureOut">
               <a:rPr lang="en-US" smtClean="0"/>
-              <a:t>6/5/21</a:t>
+              <a:t>6/9/21</a:t>
             </a:fld>
             <a:endParaRPr lang="en-US"/>
           </a:p>
@@ -3465,7 +3465,7 @@
           <a:p>
             <a:fld id="{BE5295ED-3BAF-1140-8495-3D368771D6B1}" type="datetimeFigureOut">
               <a:rPr lang="en-US" smtClean="0"/>
-              <a:t>6/5/21</a:t>
+              <a:t>6/9/21</a:t>
             </a:fld>
             <a:endParaRPr lang="en-US"/>
           </a:p>
@@ -7774,7 +7774,7 @@
           <a:p>
             <a:r>
               <a:rPr lang="en-US" dirty="0"/>
-              <a:t>Data science problems are often solved with an iterative refinement of data approach to arrive at a final result</a:t>
+              <a:t>Data science problems are often solved with an "iterative refinement of data" approach to arrive at a final result</a:t>
             </a:r>
           </a:p>
           <a:p>
@@ -8270,7 +8270,19 @@
             </a:r>
           </a:p>
           <a:p>
+            <a:pPr marL="0" indent="0">
+              <a:buNone/>
+            </a:pPr>
             <a:endParaRPr lang="en-US" dirty="0"/>
+          </a:p>
+          <a:p>
+            <a:endParaRPr lang="en-US" dirty="0"/>
+          </a:p>
+          <a:p>
+            <a:r>
+              <a:rPr lang="en-US" dirty="0"/>
+              <a:t>Draw out what the transformation looks like</a:t>
+            </a:r>
           </a:p>
           <a:p>
             <a:endParaRPr lang="en-US" dirty="0"/>
@@ -8349,7 +8361,7 @@
         </p:nvSpPr>
         <p:spPr>
           <a:xfrm>
-            <a:off x="6274257" y="3706231"/>
+            <a:off x="6370554" y="4746456"/>
             <a:ext cx="5303055" cy="523220"/>
           </a:xfrm>
           <a:prstGeom prst="rect">
@@ -8384,7 +8396,7 @@
         </p:nvSpPr>
         <p:spPr>
           <a:xfrm>
-            <a:off x="2477268" y="4741541"/>
+            <a:off x="2337918" y="5492487"/>
             <a:ext cx="6981398" cy="461665"/>
           </a:xfrm>
           <a:prstGeom prst="rect">
@@ -8470,6 +8482,129 @@
               <a:t>pythontutor</a:t>
             </a:r>
             <a:endParaRPr lang="en-US" dirty="0"/>
+          </a:p>
+        </p:txBody>
+      </p:sp>
+      <p:sp>
+        <p:nvSpPr>
+          <p:cNvPr id="17" name="Rectangle 16">
+            <a:extLst>
+              <a:ext uri="{FF2B5EF4-FFF2-40B4-BE49-F238E27FC236}">
+                <a16:creationId xmlns:a16="http://schemas.microsoft.com/office/drawing/2014/main" id="{B162168C-3231-194C-842F-1A62A99833C0}"/>
+              </a:ext>
+            </a:extLst>
+          </p:cNvPr>
+          <p:cNvSpPr/>
+          <p:nvPr/>
+        </p:nvSpPr>
+        <p:spPr>
+          <a:xfrm>
+            <a:off x="2477268" y="4308351"/>
+            <a:ext cx="3711272" cy="400110"/>
+          </a:xfrm>
+          <a:prstGeom prst="rect">
+            <a:avLst/>
+          </a:prstGeom>
+        </p:spPr>
+        <p:txBody>
+          <a:bodyPr wrap="none">
+            <a:spAutoFit/>
+          </a:bodyPr>
+          <a:lstStyle/>
+          <a:p>
+            <a:r>
+              <a:rPr lang="en-US" sz="2000" dirty="0">
+                <a:latin typeface="Consolas" panose="020B0609020204030204" pitchFamily="49" charset="0"/>
+                <a:cs typeface="Consolas" panose="020B0609020204030204" pitchFamily="49" charset="0"/>
+              </a:rPr>
+              <a:t>['</a:t>
+            </a:r>
+            <a:r>
+              <a:rPr lang="en-US" sz="2000" dirty="0" err="1">
+                <a:latin typeface="Consolas" panose="020B0609020204030204" pitchFamily="49" charset="0"/>
+                <a:cs typeface="Consolas" panose="020B0609020204030204" pitchFamily="49" charset="0"/>
+              </a:rPr>
+              <a:t>Xue</a:t>
+            </a:r>
+            <a:r>
+              <a:rPr lang="en-US" sz="2000" dirty="0">
+                <a:latin typeface="Consolas" panose="020B0609020204030204" pitchFamily="49" charset="0"/>
+                <a:cs typeface="Consolas" panose="020B0609020204030204" pitchFamily="49" charset="0"/>
+              </a:rPr>
+              <a:t>', 'Mary', 'Robert']</a:t>
+            </a:r>
+          </a:p>
+        </p:txBody>
+      </p:sp>
+      <p:sp>
+        <p:nvSpPr>
+          <p:cNvPr id="18" name="Rectangle 17">
+            <a:extLst>
+              <a:ext uri="{FF2B5EF4-FFF2-40B4-BE49-F238E27FC236}">
+                <a16:creationId xmlns:a16="http://schemas.microsoft.com/office/drawing/2014/main" id="{84C12224-6FE1-EA41-B789-0C7C4A87EE07}"/>
+              </a:ext>
+            </a:extLst>
+          </p:cNvPr>
+          <p:cNvSpPr/>
+          <p:nvPr/>
+        </p:nvSpPr>
+        <p:spPr>
+          <a:xfrm>
+            <a:off x="6659255" y="4299734"/>
+            <a:ext cx="1454244" cy="400110"/>
+          </a:xfrm>
+          <a:prstGeom prst="rect">
+            <a:avLst/>
+          </a:prstGeom>
+        </p:spPr>
+        <p:txBody>
+          <a:bodyPr wrap="none">
+            <a:spAutoFit/>
+          </a:bodyPr>
+          <a:lstStyle/>
+          <a:p>
+            <a:r>
+              <a:rPr lang="en-US" sz="2000" dirty="0">
+                <a:latin typeface="Consolas" panose="020B0609020204030204" pitchFamily="49" charset="0"/>
+                <a:cs typeface="Consolas" panose="020B0609020204030204" pitchFamily="49" charset="0"/>
+              </a:rPr>
+              <a:t>[3, 4, 6]</a:t>
+            </a:r>
+          </a:p>
+        </p:txBody>
+      </p:sp>
+      <p:sp>
+        <p:nvSpPr>
+          <p:cNvPr id="19" name="Rectangle 18">
+            <a:extLst>
+              <a:ext uri="{FF2B5EF4-FFF2-40B4-BE49-F238E27FC236}">
+                <a16:creationId xmlns:a16="http://schemas.microsoft.com/office/drawing/2014/main" id="{0DDAA9D9-A38A-5248-ABEA-7530D75E3E84}"/>
+              </a:ext>
+            </a:extLst>
+          </p:cNvPr>
+          <p:cNvSpPr/>
+          <p:nvPr/>
+        </p:nvSpPr>
+        <p:spPr>
+          <a:xfrm>
+            <a:off x="6081853" y="4188345"/>
+            <a:ext cx="577402" cy="646331"/>
+          </a:xfrm>
+          <a:prstGeom prst="rect">
+            <a:avLst/>
+          </a:prstGeom>
+        </p:spPr>
+        <p:txBody>
+          <a:bodyPr wrap="none">
+            <a:spAutoFit/>
+          </a:bodyPr>
+          <a:lstStyle/>
+          <a:p>
+            <a:r>
+              <a:rPr lang="en-US" sz="3600" i="1" dirty="0"/>
+              <a:t>☞</a:t>
+            </a:r>
+            <a:endParaRPr lang="en-US" sz="3600" dirty="0"/>
           </a:p>
         </p:txBody>
       </p:sp>
@@ -9836,7 +9971,7 @@
             </a:r>
             <a:r>
               <a:rPr lang="en-US" dirty="0"/>
-              <a:t> to teach title</a:t>
+              <a:t> to each title</a:t>
             </a:r>
           </a:p>
           <a:p>

--- a/slides/programming-patterns.pptx
+++ b/slides/programming-patterns.pptx
@@ -233,7 +233,7 @@
           <a:p>
             <a:fld id="{8A1B613A-EFF1-404F-BEE8-EFAE84A4E5E2}" type="datetimeFigureOut">
               <a:rPr lang="en-US" smtClean="0"/>
-              <a:t>6/9/21</a:t>
+              <a:t>6/22/21</a:t>
             </a:fld>
             <a:endParaRPr lang="en-US"/>
           </a:p>
@@ -398,7 +398,7 @@
           <a:p>
             <a:fld id="{690847EA-AC25-3D4E-89E1-FD3F6A9702B6}" type="datetimeFigureOut">
               <a:rPr lang="en-US" smtClean="0"/>
-              <a:t>6/9/21</a:t>
+              <a:t>6/22/21</a:t>
             </a:fld>
             <a:endParaRPr lang="en-US"/>
           </a:p>
@@ -812,7 +812,7 @@
           <a:p>
             <a:fld id="{BE5295ED-3BAF-1140-8495-3D368771D6B1}" type="datetimeFigureOut">
               <a:rPr lang="en-US" smtClean="0"/>
-              <a:t>6/9/21</a:t>
+              <a:t>6/22/21</a:t>
             </a:fld>
             <a:endParaRPr lang="en-US"/>
           </a:p>
@@ -1010,7 +1010,7 @@
           <a:p>
             <a:fld id="{BE5295ED-3BAF-1140-8495-3D368771D6B1}" type="datetimeFigureOut">
               <a:rPr lang="en-US" smtClean="0"/>
-              <a:t>6/9/21</a:t>
+              <a:t>6/22/21</a:t>
             </a:fld>
             <a:endParaRPr lang="en-US"/>
           </a:p>
@@ -1218,7 +1218,7 @@
           <a:p>
             <a:fld id="{BE5295ED-3BAF-1140-8495-3D368771D6B1}" type="datetimeFigureOut">
               <a:rPr lang="en-US" smtClean="0"/>
-              <a:t>6/9/21</a:t>
+              <a:t>6/22/21</a:t>
             </a:fld>
             <a:endParaRPr lang="en-US"/>
           </a:p>
@@ -1416,7 +1416,7 @@
           <a:p>
             <a:fld id="{BE5295ED-3BAF-1140-8495-3D368771D6B1}" type="datetimeFigureOut">
               <a:rPr lang="en-US" smtClean="0"/>
-              <a:t>6/9/21</a:t>
+              <a:t>6/22/21</a:t>
             </a:fld>
             <a:endParaRPr lang="en-US"/>
           </a:p>
@@ -1691,7 +1691,7 @@
           <a:p>
             <a:fld id="{BE5295ED-3BAF-1140-8495-3D368771D6B1}" type="datetimeFigureOut">
               <a:rPr lang="en-US" smtClean="0"/>
-              <a:t>6/9/21</a:t>
+              <a:t>6/22/21</a:t>
             </a:fld>
             <a:endParaRPr lang="en-US"/>
           </a:p>
@@ -1956,7 +1956,7 @@
           <a:p>
             <a:fld id="{BE5295ED-3BAF-1140-8495-3D368771D6B1}" type="datetimeFigureOut">
               <a:rPr lang="en-US" smtClean="0"/>
-              <a:t>6/9/21</a:t>
+              <a:t>6/22/21</a:t>
             </a:fld>
             <a:endParaRPr lang="en-US"/>
           </a:p>
@@ -2368,7 +2368,7 @@
           <a:p>
             <a:fld id="{BE5295ED-3BAF-1140-8495-3D368771D6B1}" type="datetimeFigureOut">
               <a:rPr lang="en-US" smtClean="0"/>
-              <a:t>6/9/21</a:t>
+              <a:t>6/22/21</a:t>
             </a:fld>
             <a:endParaRPr lang="en-US"/>
           </a:p>
@@ -2509,7 +2509,7 @@
           <a:p>
             <a:fld id="{BE5295ED-3BAF-1140-8495-3D368771D6B1}" type="datetimeFigureOut">
               <a:rPr lang="en-US" smtClean="0"/>
-              <a:t>6/9/21</a:t>
+              <a:t>6/22/21</a:t>
             </a:fld>
             <a:endParaRPr lang="en-US"/>
           </a:p>
@@ -2622,7 +2622,7 @@
           <a:p>
             <a:fld id="{BE5295ED-3BAF-1140-8495-3D368771D6B1}" type="datetimeFigureOut">
               <a:rPr lang="en-US" smtClean="0"/>
-              <a:t>6/9/21</a:t>
+              <a:t>6/22/21</a:t>
             </a:fld>
             <a:endParaRPr lang="en-US"/>
           </a:p>
@@ -2933,7 +2933,7 @@
           <a:p>
             <a:fld id="{BE5295ED-3BAF-1140-8495-3D368771D6B1}" type="datetimeFigureOut">
               <a:rPr lang="en-US" smtClean="0"/>
-              <a:t>6/9/21</a:t>
+              <a:t>6/22/21</a:t>
             </a:fld>
             <a:endParaRPr lang="en-US"/>
           </a:p>
@@ -3224,7 +3224,7 @@
           <a:p>
             <a:fld id="{BE5295ED-3BAF-1140-8495-3D368771D6B1}" type="datetimeFigureOut">
               <a:rPr lang="en-US" smtClean="0"/>
-              <a:t>6/9/21</a:t>
+              <a:t>6/22/21</a:t>
             </a:fld>
             <a:endParaRPr lang="en-US"/>
           </a:p>
@@ -3465,7 +3465,7 @@
           <a:p>
             <a:fld id="{BE5295ED-3BAF-1140-8495-3D368771D6B1}" type="datetimeFigureOut">
               <a:rPr lang="en-US" smtClean="0"/>
-              <a:t>6/9/21</a:t>
+              <a:t>6/22/21</a:t>
             </a:fld>
             <a:endParaRPr lang="en-US"/>
           </a:p>

--- a/slides/programming-patterns.pptx
+++ b/slides/programming-patterns.pptx
@@ -15,22 +15,22 @@
     <p:sldId id="302" r:id="rId3"/>
     <p:sldId id="289" r:id="rId4"/>
     <p:sldId id="290" r:id="rId5"/>
-    <p:sldId id="288" r:id="rId6"/>
-    <p:sldId id="291" r:id="rId7"/>
-    <p:sldId id="294" r:id="rId8"/>
+    <p:sldId id="306" r:id="rId6"/>
+    <p:sldId id="288" r:id="rId7"/>
+    <p:sldId id="291" r:id="rId8"/>
     <p:sldId id="292" r:id="rId9"/>
-    <p:sldId id="293" r:id="rId10"/>
-    <p:sldId id="295" r:id="rId11"/>
-    <p:sldId id="296" r:id="rId12"/>
-    <p:sldId id="297" r:id="rId13"/>
-    <p:sldId id="298" r:id="rId14"/>
-    <p:sldId id="299" r:id="rId15"/>
-    <p:sldId id="301" r:id="rId16"/>
-    <p:sldId id="300" r:id="rId17"/>
-    <p:sldId id="303" r:id="rId18"/>
-    <p:sldId id="304" r:id="rId19"/>
-    <p:sldId id="305" r:id="rId20"/>
-    <p:sldId id="306" r:id="rId21"/>
+    <p:sldId id="294" r:id="rId10"/>
+    <p:sldId id="293" r:id="rId11"/>
+    <p:sldId id="295" r:id="rId12"/>
+    <p:sldId id="296" r:id="rId13"/>
+    <p:sldId id="297" r:id="rId14"/>
+    <p:sldId id="298" r:id="rId15"/>
+    <p:sldId id="299" r:id="rId16"/>
+    <p:sldId id="301" r:id="rId17"/>
+    <p:sldId id="300" r:id="rId18"/>
+    <p:sldId id="303" r:id="rId19"/>
+    <p:sldId id="304" r:id="rId20"/>
+    <p:sldId id="305" r:id="rId21"/>
     <p:sldId id="307" r:id="rId22"/>
     <p:sldId id="308" r:id="rId23"/>
     <p:sldId id="309" r:id="rId24"/>
@@ -233,7 +233,7 @@
           <a:p>
             <a:fld id="{8A1B613A-EFF1-404F-BEE8-EFAE84A4E5E2}" type="datetimeFigureOut">
               <a:rPr lang="en-US" smtClean="0"/>
-              <a:t>6/22/21</a:t>
+              <a:t>7/16/21</a:t>
             </a:fld>
             <a:endParaRPr lang="en-US"/>
           </a:p>
@@ -398,7 +398,7 @@
           <a:p>
             <a:fld id="{690847EA-AC25-3D4E-89E1-FD3F6A9702B6}" type="datetimeFigureOut">
               <a:rPr lang="en-US" smtClean="0"/>
-              <a:t>6/22/21</a:t>
+              <a:t>7/16/21</a:t>
             </a:fld>
             <a:endParaRPr lang="en-US"/>
           </a:p>
@@ -812,7 +812,7 @@
           <a:p>
             <a:fld id="{BE5295ED-3BAF-1140-8495-3D368771D6B1}" type="datetimeFigureOut">
               <a:rPr lang="en-US" smtClean="0"/>
-              <a:t>6/22/21</a:t>
+              <a:t>7/16/21</a:t>
             </a:fld>
             <a:endParaRPr lang="en-US"/>
           </a:p>
@@ -1010,7 +1010,7 @@
           <a:p>
             <a:fld id="{BE5295ED-3BAF-1140-8495-3D368771D6B1}" type="datetimeFigureOut">
               <a:rPr lang="en-US" smtClean="0"/>
-              <a:t>6/22/21</a:t>
+              <a:t>7/16/21</a:t>
             </a:fld>
             <a:endParaRPr lang="en-US"/>
           </a:p>
@@ -1218,7 +1218,7 @@
           <a:p>
             <a:fld id="{BE5295ED-3BAF-1140-8495-3D368771D6B1}" type="datetimeFigureOut">
               <a:rPr lang="en-US" smtClean="0"/>
-              <a:t>6/22/21</a:t>
+              <a:t>7/16/21</a:t>
             </a:fld>
             <a:endParaRPr lang="en-US"/>
           </a:p>
@@ -1416,7 +1416,7 @@
           <a:p>
             <a:fld id="{BE5295ED-3BAF-1140-8495-3D368771D6B1}" type="datetimeFigureOut">
               <a:rPr lang="en-US" smtClean="0"/>
-              <a:t>6/22/21</a:t>
+              <a:t>7/16/21</a:t>
             </a:fld>
             <a:endParaRPr lang="en-US"/>
           </a:p>
@@ -1691,7 +1691,7 @@
           <a:p>
             <a:fld id="{BE5295ED-3BAF-1140-8495-3D368771D6B1}" type="datetimeFigureOut">
               <a:rPr lang="en-US" smtClean="0"/>
-              <a:t>6/22/21</a:t>
+              <a:t>7/16/21</a:t>
             </a:fld>
             <a:endParaRPr lang="en-US"/>
           </a:p>
@@ -1956,7 +1956,7 @@
           <a:p>
             <a:fld id="{BE5295ED-3BAF-1140-8495-3D368771D6B1}" type="datetimeFigureOut">
               <a:rPr lang="en-US" smtClean="0"/>
-              <a:t>6/22/21</a:t>
+              <a:t>7/16/21</a:t>
             </a:fld>
             <a:endParaRPr lang="en-US"/>
           </a:p>
@@ -2368,7 +2368,7 @@
           <a:p>
             <a:fld id="{BE5295ED-3BAF-1140-8495-3D368771D6B1}" type="datetimeFigureOut">
               <a:rPr lang="en-US" smtClean="0"/>
-              <a:t>6/22/21</a:t>
+              <a:t>7/16/21</a:t>
             </a:fld>
             <a:endParaRPr lang="en-US"/>
           </a:p>
@@ -2509,7 +2509,7 @@
           <a:p>
             <a:fld id="{BE5295ED-3BAF-1140-8495-3D368771D6B1}" type="datetimeFigureOut">
               <a:rPr lang="en-US" smtClean="0"/>
-              <a:t>6/22/21</a:t>
+              <a:t>7/16/21</a:t>
             </a:fld>
             <a:endParaRPr lang="en-US"/>
           </a:p>
@@ -2622,7 +2622,7 @@
           <a:p>
             <a:fld id="{BE5295ED-3BAF-1140-8495-3D368771D6B1}" type="datetimeFigureOut">
               <a:rPr lang="en-US" smtClean="0"/>
-              <a:t>6/22/21</a:t>
+              <a:t>7/16/21</a:t>
             </a:fld>
             <a:endParaRPr lang="en-US"/>
           </a:p>
@@ -2933,7 +2933,7 @@
           <a:p>
             <a:fld id="{BE5295ED-3BAF-1140-8495-3D368771D6B1}" type="datetimeFigureOut">
               <a:rPr lang="en-US" smtClean="0"/>
-              <a:t>6/22/21</a:t>
+              <a:t>7/16/21</a:t>
             </a:fld>
             <a:endParaRPr lang="en-US"/>
           </a:p>
@@ -3224,7 +3224,7 @@
           <a:p>
             <a:fld id="{BE5295ED-3BAF-1140-8495-3D368771D6B1}" type="datetimeFigureOut">
               <a:rPr lang="en-US" smtClean="0"/>
-              <a:t>6/22/21</a:t>
+              <a:t>7/16/21</a:t>
             </a:fld>
             <a:endParaRPr lang="en-US"/>
           </a:p>
@@ -3465,7 +3465,7 @@
           <a:p>
             <a:fld id="{BE5295ED-3BAF-1140-8495-3D368771D6B1}" type="datetimeFigureOut">
               <a:rPr lang="en-US" smtClean="0"/>
-              <a:t>6/22/21</a:t>
+              <a:t>7/16/21</a:t>
             </a:fld>
             <a:endParaRPr lang="en-US"/>
           </a:p>
@@ -4060,7 +4060,7 @@
           <p:cNvPr id="2" name="Title 1">
             <a:extLst>
               <a:ext uri="{FF2B5EF4-FFF2-40B4-BE49-F238E27FC236}">
-                <a16:creationId xmlns:a16="http://schemas.microsoft.com/office/drawing/2014/main" id="{A1C2C7C8-837B-8140-8657-3A67CD67D5F3}"/>
+                <a16:creationId xmlns:a16="http://schemas.microsoft.com/office/drawing/2014/main" id="{1FA53272-0FEF-AA4B-9A01-EC3450E6380F}"/>
               </a:ext>
             </a:extLst>
           </p:cNvPr>
@@ -4078,7 +4078,7 @@
           <a:p>
             <a:r>
               <a:rPr lang="en-US" dirty="0"/>
-              <a:t>Map</a:t>
+              <a:t>Accumulate</a:t>
             </a:r>
           </a:p>
         </p:txBody>
@@ -4088,7 +4088,7 @@
           <p:cNvPr id="3" name="Content Placeholder 2">
             <a:extLst>
               <a:ext uri="{FF2B5EF4-FFF2-40B4-BE49-F238E27FC236}">
-                <a16:creationId xmlns:a16="http://schemas.microsoft.com/office/drawing/2014/main" id="{167E26A4-A07F-554F-A3A6-BC669A282D21}"/>
+                <a16:creationId xmlns:a16="http://schemas.microsoft.com/office/drawing/2014/main" id="{48EBFF70-2055-1B4A-8C6B-0ACD15726A90}"/>
               </a:ext>
             </a:extLst>
           </p:cNvPr>
@@ -4099,38 +4099,87 @@
             <p:ph idx="1"/>
           </p:nvPr>
         </p:nvSpPr>
-        <p:spPr/>
+        <p:spPr>
+          <a:xfrm>
+            <a:off x="573433" y="1464987"/>
+            <a:ext cx="10515600" cy="4351338"/>
+          </a:xfrm>
+        </p:spPr>
         <p:txBody>
           <a:bodyPr/>
           <a:lstStyle/>
           <a:p>
             <a:r>
               <a:rPr lang="en-US" dirty="0"/>
-              <a:t>A very common operation </a:t>
+              <a:t>Traverse a sequence of elements and </a:t>
             </a:r>
             <a:r>
               <a:rPr lang="en-US" i="1" dirty="0"/>
-              <a:t>maps</a:t>
+              <a:t>accumulate</a:t>
             </a:r>
             <a:r>
               <a:rPr lang="en-US" dirty="0"/>
-              <a:t> one sequence to another, applying an operator or function to each element</a:t>
+              <a:t> a value</a:t>
             </a:r>
           </a:p>
           <a:p>
             <a:r>
               <a:rPr lang="en-US" dirty="0"/>
-              <a:t>It's like using a spreadsheet to create a new column containing some product unit price discounted by 5%</a:t>
-            </a:r>
-          </a:p>
-        </p:txBody>
-      </p:sp>
-      <p:sp>
-        <p:nvSpPr>
-          <p:cNvPr id="4" name="TextBox 3">
-            <a:extLst>
-              <a:ext uri="{FF2B5EF4-FFF2-40B4-BE49-F238E27FC236}">
-                <a16:creationId xmlns:a16="http://schemas.microsoft.com/office/drawing/2014/main" id="{C041ABE0-2559-D048-9DFD-E27ECFFF4B75}"/>
+              <a:t>In Excel, this is like using </a:t>
+            </a:r>
+            <a:r>
+              <a:rPr lang="en-US" b="1" dirty="0"/>
+              <a:t>sum(...)</a:t>
+            </a:r>
+            <a:r>
+              <a:rPr lang="en-US" dirty="0"/>
+              <a:t> in a cell</a:t>
+            </a:r>
+          </a:p>
+          <a:p>
+            <a:r>
+              <a:rPr lang="en-US" dirty="0"/>
+              <a:t>Can use any other arithmetic operator, such as *</a:t>
+            </a:r>
+          </a:p>
+          <a:p>
+            <a:r>
+              <a:rPr lang="en-US" dirty="0"/>
+              <a:t>Called </a:t>
+            </a:r>
+            <a:r>
+              <a:rPr lang="en-US" i="1" dirty="0"/>
+              <a:t>reduce</a:t>
+            </a:r>
+            <a:r>
+              <a:rPr lang="en-US" dirty="0"/>
+              <a:t>, as in </a:t>
+            </a:r>
+            <a:r>
+              <a:rPr lang="en-US" i="1" dirty="0"/>
+              <a:t>map</a:t>
+            </a:r>
+            <a:r>
+              <a:rPr lang="en-US" dirty="0"/>
+              <a:t>/</a:t>
+            </a:r>
+            <a:r>
+              <a:rPr lang="en-US" i="1" dirty="0"/>
+              <a:t>reduce</a:t>
+            </a:r>
+            <a:r>
+              <a:rPr lang="en-US" dirty="0"/>
+              <a:t> of distributed computing world</a:t>
+            </a:r>
+          </a:p>
+        </p:txBody>
+      </p:sp>
+      <p:sp>
+        <p:nvSpPr>
+          <p:cNvPr id="5" name="TextBox 4">
+            <a:extLst>
+              <a:ext uri="{FF2B5EF4-FFF2-40B4-BE49-F238E27FC236}">
+                <a16:creationId xmlns:a16="http://schemas.microsoft.com/office/drawing/2014/main" id="{7E035761-8767-0141-9132-8133CB20FCEE}"/>
               </a:ext>
             </a:extLst>
           </p:cNvPr>
@@ -4139,8 +4188,8 @@
         </p:nvSpPr>
         <p:spPr>
           <a:xfrm>
-            <a:off x="1103243" y="3757355"/>
-            <a:ext cx="5968301" cy="2554545"/>
+            <a:off x="1862005" y="3761797"/>
+            <a:ext cx="6814686" cy="1631216"/>
           </a:xfrm>
           <a:prstGeom prst="rect">
             <a:avLst/>
@@ -4154,33 +4203,29 @@
           <a:lstStyle/>
           <a:p>
             <a:r>
-              <a:rPr lang="en-US" sz="2000" dirty="0" err="1">
-                <a:latin typeface="Consolas" panose="020B0609020204030204" pitchFamily="49" charset="0"/>
-                <a:cs typeface="Consolas" panose="020B0609020204030204" pitchFamily="49" charset="0"/>
-              </a:rPr>
-              <a:t>UnitPrice</a:t>
-            </a:r>
-            <a:r>
               <a:rPr lang="en-US" sz="2000" dirty="0">
                 <a:latin typeface="Consolas" panose="020B0609020204030204" pitchFamily="49" charset="0"/>
                 <a:cs typeface="Consolas" panose="020B0609020204030204" pitchFamily="49" charset="0"/>
               </a:rPr>
-              <a:t> = [38.94, 208.16, 8.69, 195.99]</a:t>
-            </a:r>
-          </a:p>
-          <a:p>
-            <a:br>
+              <a:t>Quantity = [6, 49, 27, 30, 19, 21, 12, 22, 21] </a:t>
+            </a:r>
+          </a:p>
+          <a:p>
+            <a:r>
               <a:rPr lang="en-US" sz="2000" dirty="0">
                 <a:latin typeface="Consolas" panose="020B0609020204030204" pitchFamily="49" charset="0"/>
                 <a:cs typeface="Consolas" panose="020B0609020204030204" pitchFamily="49" charset="0"/>
               </a:rPr>
-            </a:br>
+              <a:t>sum = 0</a:t>
+            </a:r>
+          </a:p>
+          <a:p>
             <a:r>
               <a:rPr lang="en-US" sz="2000" dirty="0">
                 <a:latin typeface="Consolas" panose="020B0609020204030204" pitchFamily="49" charset="0"/>
                 <a:cs typeface="Consolas" panose="020B0609020204030204" pitchFamily="49" charset="0"/>
               </a:rPr>
-              <a:t>discounted = [] # empty list</a:t>
+              <a:t>for q in Quantity:</a:t>
             </a:r>
           </a:p>
           <a:p>
@@ -4189,122 +4234,26 @@
                 <a:latin typeface="Consolas" panose="020B0609020204030204" pitchFamily="49" charset="0"/>
                 <a:cs typeface="Consolas" panose="020B0609020204030204" pitchFamily="49" charset="0"/>
               </a:rPr>
-              <a:t>for price in </a:t>
-            </a:r>
-            <a:r>
-              <a:rPr lang="en-US" sz="2000" dirty="0" err="1">
-                <a:latin typeface="Consolas" panose="020B0609020204030204" pitchFamily="49" charset="0"/>
-                <a:cs typeface="Consolas" panose="020B0609020204030204" pitchFamily="49" charset="0"/>
-              </a:rPr>
-              <a:t>UnitPrice</a:t>
-            </a:r>
+              <a:t>    sum += q          # same as: sum = sum + q</a:t>
+            </a:r>
+          </a:p>
+          <a:p>
             <a:r>
               <a:rPr lang="en-US" sz="2000" dirty="0">
                 <a:latin typeface="Consolas" panose="020B0609020204030204" pitchFamily="49" charset="0"/>
                 <a:cs typeface="Consolas" panose="020B0609020204030204" pitchFamily="49" charset="0"/>
               </a:rPr>
-              <a:t>:</a:t>
-            </a:r>
-          </a:p>
-          <a:p>
-            <a:r>
-              <a:rPr lang="en-US" sz="2000" dirty="0">
-                <a:latin typeface="Consolas" panose="020B0609020204030204" pitchFamily="49" charset="0"/>
-                <a:cs typeface="Consolas" panose="020B0609020204030204" pitchFamily="49" charset="0"/>
-              </a:rPr>
-              <a:t>    </a:t>
-            </a:r>
-            <a:r>
-              <a:rPr lang="en-US" sz="2000" dirty="0" err="1">
-                <a:latin typeface="Consolas" panose="020B0609020204030204" pitchFamily="49" charset="0"/>
-                <a:cs typeface="Consolas" panose="020B0609020204030204" pitchFamily="49" charset="0"/>
-              </a:rPr>
-              <a:t>discounted.append</a:t>
-            </a:r>
-            <a:r>
-              <a:rPr lang="en-US" sz="2000" dirty="0">
-                <a:latin typeface="Consolas" panose="020B0609020204030204" pitchFamily="49" charset="0"/>
-                <a:cs typeface="Consolas" panose="020B0609020204030204" pitchFamily="49" charset="0"/>
-              </a:rPr>
-              <a:t>(price * 0.95)</a:t>
-            </a:r>
-          </a:p>
-          <a:p>
-            <a:endParaRPr lang="en-US" sz="2000" dirty="0">
-              <a:latin typeface="Consolas" panose="020B0609020204030204" pitchFamily="49" charset="0"/>
-              <a:cs typeface="Consolas" panose="020B0609020204030204" pitchFamily="49" charset="0"/>
-            </a:endParaRPr>
-          </a:p>
-          <a:p>
-            <a:r>
-              <a:rPr lang="en-US" sz="2000" dirty="0">
-                <a:latin typeface="Consolas" panose="020B0609020204030204" pitchFamily="49" charset="0"/>
-                <a:cs typeface="Consolas" panose="020B0609020204030204" pitchFamily="49" charset="0"/>
-              </a:rPr>
-              <a:t># list comprehension shines here!!</a:t>
-            </a:r>
-          </a:p>
-          <a:p>
-            <a:r>
-              <a:rPr lang="en-US" sz="2000" dirty="0">
-                <a:latin typeface="Consolas" panose="020B0609020204030204" pitchFamily="49" charset="0"/>
-                <a:cs typeface="Consolas" panose="020B0609020204030204" pitchFamily="49" charset="0"/>
-              </a:rPr>
-              <a:t>discounted = [p*0.95 for p in </a:t>
-            </a:r>
-            <a:r>
-              <a:rPr lang="en-US" sz="2000" dirty="0" err="1">
-                <a:latin typeface="Consolas" panose="020B0609020204030204" pitchFamily="49" charset="0"/>
-                <a:cs typeface="Consolas" panose="020B0609020204030204" pitchFamily="49" charset="0"/>
-              </a:rPr>
-              <a:t>UnitPrice</a:t>
-            </a:r>
-            <a:r>
-              <a:rPr lang="en-US" sz="2000" dirty="0">
-                <a:latin typeface="Consolas" panose="020B0609020204030204" pitchFamily="49" charset="0"/>
-                <a:cs typeface="Consolas" panose="020B0609020204030204" pitchFamily="49" charset="0"/>
-              </a:rPr>
-              <a:t>]</a:t>
-            </a:r>
-          </a:p>
-        </p:txBody>
-      </p:sp>
-      <p:pic>
-        <p:nvPicPr>
-          <p:cNvPr id="6" name="Picture 5">
-            <a:extLst>
-              <a:ext uri="{FF2B5EF4-FFF2-40B4-BE49-F238E27FC236}">
-                <a16:creationId xmlns:a16="http://schemas.microsoft.com/office/drawing/2014/main" id="{B22F27FC-411C-6B43-B250-1762BECEAD5C}"/>
-              </a:ext>
-            </a:extLst>
-          </p:cNvPr>
-          <p:cNvPicPr>
-            <a:picLocks noChangeAspect="1"/>
-          </p:cNvPicPr>
-          <p:nvPr/>
-        </p:nvPicPr>
-        <p:blipFill>
-          <a:blip r:embed="rId2"/>
-          <a:stretch>
-            <a:fillRect/>
-          </a:stretch>
-        </p:blipFill>
-        <p:spPr>
-          <a:xfrm>
-            <a:off x="8062843" y="-67504"/>
-            <a:ext cx="4053946" cy="1940719"/>
-          </a:xfrm>
-          <a:prstGeom prst="rect">
-            <a:avLst/>
-          </a:prstGeom>
-        </p:spPr>
-      </p:pic>
+              <a:t>print(sum)</a:t>
+            </a:r>
+          </a:p>
+        </p:txBody>
+      </p:sp>
       <p:sp>
         <p:nvSpPr>
           <p:cNvPr id="7" name="TextBox 6">
             <a:extLst>
               <a:ext uri="{FF2B5EF4-FFF2-40B4-BE49-F238E27FC236}">
-                <a16:creationId xmlns:a16="http://schemas.microsoft.com/office/drawing/2014/main" id="{9B9EF68A-E50F-4B46-A1DD-F11241D55FE6}"/>
+                <a16:creationId xmlns:a16="http://schemas.microsoft.com/office/drawing/2014/main" id="{8E70DBF2-F91B-4044-9AB2-4D31F53BFFEF}"/>
               </a:ext>
             </a:extLst>
           </p:cNvPr>
@@ -4313,7 +4262,7 @@
         </p:nvSpPr>
         <p:spPr>
           <a:xfrm>
-            <a:off x="0" y="6492875"/>
+            <a:off x="0" y="6477965"/>
             <a:ext cx="2813591" cy="369332"/>
           </a:xfrm>
           <a:prstGeom prst="rect">
@@ -4329,59 +4278,24 @@
           <a:p>
             <a:r>
               <a:rPr lang="en-US" dirty="0">
-                <a:hlinkClick r:id="rId3"/>
+                <a:hlinkClick r:id="rId2"/>
               </a:rPr>
               <a:t>Experiment in </a:t>
             </a:r>
             <a:r>
               <a:rPr lang="en-US" dirty="0" err="1">
-                <a:hlinkClick r:id="rId3"/>
+                <a:hlinkClick r:id="rId2"/>
               </a:rPr>
               <a:t>pythontutor</a:t>
             </a:r>
             <a:endParaRPr lang="en-US" dirty="0"/>
-          </a:p>
-        </p:txBody>
-      </p:sp>
-      <p:sp>
-        <p:nvSpPr>
-          <p:cNvPr id="8" name="TextBox 7">
-            <a:extLst>
-              <a:ext uri="{FF2B5EF4-FFF2-40B4-BE49-F238E27FC236}">
-                <a16:creationId xmlns:a16="http://schemas.microsoft.com/office/drawing/2014/main" id="{454516A2-C816-6F49-ADE9-2F4860CB6F4B}"/>
-              </a:ext>
-            </a:extLst>
-          </p:cNvPr>
-          <p:cNvSpPr txBox="1"/>
-          <p:nvPr/>
-        </p:nvSpPr>
-        <p:spPr>
-          <a:xfrm>
-            <a:off x="8310673" y="4018964"/>
-            <a:ext cx="3099449" cy="1015663"/>
-          </a:xfrm>
-          <a:prstGeom prst="rect">
-            <a:avLst/>
-          </a:prstGeom>
-          <a:noFill/>
-        </p:spPr>
-        <p:txBody>
-          <a:bodyPr wrap="square" rtlCol="0">
-            <a:spAutoFit/>
-          </a:bodyPr>
-          <a:lstStyle/>
-          <a:p>
-            <a:r>
-              <a:rPr lang="en-US" sz="2000" dirty="0"/>
-              <a:t>Be able to reverse this, going from code to pattern!</a:t>
-            </a:r>
           </a:p>
         </p:txBody>
       </p:sp>
     </p:spTree>
     <p:extLst>
       <p:ext uri="{BB962C8B-B14F-4D97-AF65-F5344CB8AC3E}">
-        <p14:creationId xmlns:p14="http://schemas.microsoft.com/office/powerpoint/2010/main" val="3193159742"/>
+        <p14:creationId xmlns:p14="http://schemas.microsoft.com/office/powerpoint/2010/main" val="1299016780"/>
       </p:ext>
     </p:extLst>
   </p:cSld>
@@ -4413,7 +4327,7 @@
           <p:cNvPr id="2" name="Title 1">
             <a:extLst>
               <a:ext uri="{FF2B5EF4-FFF2-40B4-BE49-F238E27FC236}">
-                <a16:creationId xmlns:a16="http://schemas.microsoft.com/office/drawing/2014/main" id="{B06851FF-B91E-0E4D-BA4B-423822733F53}"/>
+                <a16:creationId xmlns:a16="http://schemas.microsoft.com/office/drawing/2014/main" id="{A1C2C7C8-837B-8140-8657-3A67CD67D5F3}"/>
               </a:ext>
             </a:extLst>
           </p:cNvPr>
@@ -4431,13 +4345,366 @@
           <a:p>
             <a:r>
               <a:rPr lang="en-US" dirty="0"/>
+              <a:t>Map</a:t>
+            </a:r>
+          </a:p>
+        </p:txBody>
+      </p:sp>
+      <p:sp>
+        <p:nvSpPr>
+          <p:cNvPr id="3" name="Content Placeholder 2">
+            <a:extLst>
+              <a:ext uri="{FF2B5EF4-FFF2-40B4-BE49-F238E27FC236}">
+                <a16:creationId xmlns:a16="http://schemas.microsoft.com/office/drawing/2014/main" id="{167E26A4-A07F-554F-A3A6-BC669A282D21}"/>
+              </a:ext>
+            </a:extLst>
+          </p:cNvPr>
+          <p:cNvSpPr>
+            <a:spLocks noGrp="1"/>
+          </p:cNvSpPr>
+          <p:nvPr>
+            <p:ph idx="1"/>
+          </p:nvPr>
+        </p:nvSpPr>
+        <p:spPr/>
+        <p:txBody>
+          <a:bodyPr/>
+          <a:lstStyle/>
+          <a:p>
+            <a:r>
+              <a:rPr lang="en-US" dirty="0"/>
+              <a:t>A very common operation </a:t>
+            </a:r>
+            <a:r>
+              <a:rPr lang="en-US" i="1" dirty="0"/>
+              <a:t>maps</a:t>
+            </a:r>
+            <a:r>
+              <a:rPr lang="en-US" dirty="0"/>
+              <a:t> one sequence to another, applying an operator or function to each element</a:t>
+            </a:r>
+          </a:p>
+          <a:p>
+            <a:r>
+              <a:rPr lang="en-US" dirty="0"/>
+              <a:t>It's like using a spreadsheet to create a new column containing a product’s unit price discounted by 5%</a:t>
+            </a:r>
+          </a:p>
+        </p:txBody>
+      </p:sp>
+      <p:sp>
+        <p:nvSpPr>
+          <p:cNvPr id="4" name="TextBox 3">
+            <a:extLst>
+              <a:ext uri="{FF2B5EF4-FFF2-40B4-BE49-F238E27FC236}">
+                <a16:creationId xmlns:a16="http://schemas.microsoft.com/office/drawing/2014/main" id="{C041ABE0-2559-D048-9DFD-E27ECFFF4B75}"/>
+              </a:ext>
+            </a:extLst>
+          </p:cNvPr>
+          <p:cNvSpPr txBox="1"/>
+          <p:nvPr/>
+        </p:nvSpPr>
+        <p:spPr>
+          <a:xfrm>
+            <a:off x="1103243" y="3757355"/>
+            <a:ext cx="5968301" cy="2554545"/>
+          </a:xfrm>
+          <a:prstGeom prst="rect">
+            <a:avLst/>
+          </a:prstGeom>
+          <a:noFill/>
+        </p:spPr>
+        <p:txBody>
+          <a:bodyPr wrap="none" rtlCol="0">
+            <a:spAutoFit/>
+          </a:bodyPr>
+          <a:lstStyle/>
+          <a:p>
+            <a:r>
+              <a:rPr lang="en-US" sz="2000" dirty="0" err="1">
+                <a:latin typeface="Consolas" panose="020B0609020204030204" pitchFamily="49" charset="0"/>
+                <a:cs typeface="Consolas" panose="020B0609020204030204" pitchFamily="49" charset="0"/>
+              </a:rPr>
+              <a:t>UnitPrice</a:t>
+            </a:r>
+            <a:r>
+              <a:rPr lang="en-US" sz="2000" dirty="0">
+                <a:latin typeface="Consolas" panose="020B0609020204030204" pitchFamily="49" charset="0"/>
+                <a:cs typeface="Consolas" panose="020B0609020204030204" pitchFamily="49" charset="0"/>
+              </a:rPr>
+              <a:t> = [38.94, 208.16, 8.69, 195.99]</a:t>
+            </a:r>
+          </a:p>
+          <a:p>
+            <a:br>
+              <a:rPr lang="en-US" sz="2000" dirty="0">
+                <a:latin typeface="Consolas" panose="020B0609020204030204" pitchFamily="49" charset="0"/>
+                <a:cs typeface="Consolas" panose="020B0609020204030204" pitchFamily="49" charset="0"/>
+              </a:rPr>
+            </a:br>
+            <a:r>
+              <a:rPr lang="en-US" sz="2000" dirty="0">
+                <a:latin typeface="Consolas" panose="020B0609020204030204" pitchFamily="49" charset="0"/>
+                <a:cs typeface="Consolas" panose="020B0609020204030204" pitchFamily="49" charset="0"/>
+              </a:rPr>
+              <a:t>discounted = [] # empty list</a:t>
+            </a:r>
+          </a:p>
+          <a:p>
+            <a:r>
+              <a:rPr lang="en-US" sz="2000" dirty="0">
+                <a:latin typeface="Consolas" panose="020B0609020204030204" pitchFamily="49" charset="0"/>
+                <a:cs typeface="Consolas" panose="020B0609020204030204" pitchFamily="49" charset="0"/>
+              </a:rPr>
+              <a:t>for price in </a:t>
+            </a:r>
+            <a:r>
+              <a:rPr lang="en-US" sz="2000" dirty="0" err="1">
+                <a:latin typeface="Consolas" panose="020B0609020204030204" pitchFamily="49" charset="0"/>
+                <a:cs typeface="Consolas" panose="020B0609020204030204" pitchFamily="49" charset="0"/>
+              </a:rPr>
+              <a:t>UnitPrice</a:t>
+            </a:r>
+            <a:r>
+              <a:rPr lang="en-US" sz="2000" dirty="0">
+                <a:latin typeface="Consolas" panose="020B0609020204030204" pitchFamily="49" charset="0"/>
+                <a:cs typeface="Consolas" panose="020B0609020204030204" pitchFamily="49" charset="0"/>
+              </a:rPr>
+              <a:t>:</a:t>
+            </a:r>
+          </a:p>
+          <a:p>
+            <a:r>
+              <a:rPr lang="en-US" sz="2000" dirty="0">
+                <a:latin typeface="Consolas" panose="020B0609020204030204" pitchFamily="49" charset="0"/>
+                <a:cs typeface="Consolas" panose="020B0609020204030204" pitchFamily="49" charset="0"/>
+              </a:rPr>
+              <a:t>    </a:t>
+            </a:r>
+            <a:r>
+              <a:rPr lang="en-US" sz="2000" dirty="0" err="1">
+                <a:latin typeface="Consolas" panose="020B0609020204030204" pitchFamily="49" charset="0"/>
+                <a:cs typeface="Consolas" panose="020B0609020204030204" pitchFamily="49" charset="0"/>
+              </a:rPr>
+              <a:t>discounted.append</a:t>
+            </a:r>
+            <a:r>
+              <a:rPr lang="en-US" sz="2000" dirty="0">
+                <a:latin typeface="Consolas" panose="020B0609020204030204" pitchFamily="49" charset="0"/>
+                <a:cs typeface="Consolas" panose="020B0609020204030204" pitchFamily="49" charset="0"/>
+              </a:rPr>
+              <a:t>(price * 0.95)</a:t>
+            </a:r>
+          </a:p>
+          <a:p>
+            <a:endParaRPr lang="en-US" sz="2000" dirty="0">
+              <a:latin typeface="Consolas" panose="020B0609020204030204" pitchFamily="49" charset="0"/>
+              <a:cs typeface="Consolas" panose="020B0609020204030204" pitchFamily="49" charset="0"/>
+            </a:endParaRPr>
+          </a:p>
+          <a:p>
+            <a:r>
+              <a:rPr lang="en-US" sz="2000" dirty="0">
+                <a:latin typeface="Consolas" panose="020B0609020204030204" pitchFamily="49" charset="0"/>
+                <a:cs typeface="Consolas" panose="020B0609020204030204" pitchFamily="49" charset="0"/>
+              </a:rPr>
+              <a:t># list comprehension shines here!!</a:t>
+            </a:r>
+          </a:p>
+          <a:p>
+            <a:r>
+              <a:rPr lang="en-US" sz="2000" dirty="0">
+                <a:latin typeface="Consolas" panose="020B0609020204030204" pitchFamily="49" charset="0"/>
+                <a:cs typeface="Consolas" panose="020B0609020204030204" pitchFamily="49" charset="0"/>
+              </a:rPr>
+              <a:t>discounted = [p*0.95 for p in </a:t>
+            </a:r>
+            <a:r>
+              <a:rPr lang="en-US" sz="2000" dirty="0" err="1">
+                <a:latin typeface="Consolas" panose="020B0609020204030204" pitchFamily="49" charset="0"/>
+                <a:cs typeface="Consolas" panose="020B0609020204030204" pitchFamily="49" charset="0"/>
+              </a:rPr>
+              <a:t>UnitPrice</a:t>
+            </a:r>
+            <a:r>
+              <a:rPr lang="en-US" sz="2000" dirty="0">
+                <a:latin typeface="Consolas" panose="020B0609020204030204" pitchFamily="49" charset="0"/>
+                <a:cs typeface="Consolas" panose="020B0609020204030204" pitchFamily="49" charset="0"/>
+              </a:rPr>
+              <a:t>]</a:t>
+            </a:r>
+          </a:p>
+        </p:txBody>
+      </p:sp>
+      <p:pic>
+        <p:nvPicPr>
+          <p:cNvPr id="6" name="Picture 5">
+            <a:extLst>
+              <a:ext uri="{FF2B5EF4-FFF2-40B4-BE49-F238E27FC236}">
+                <a16:creationId xmlns:a16="http://schemas.microsoft.com/office/drawing/2014/main" id="{B22F27FC-411C-6B43-B250-1762BECEAD5C}"/>
+              </a:ext>
+            </a:extLst>
+          </p:cNvPr>
+          <p:cNvPicPr>
+            <a:picLocks noChangeAspect="1"/>
+          </p:cNvPicPr>
+          <p:nvPr/>
+        </p:nvPicPr>
+        <p:blipFill>
+          <a:blip r:embed="rId2"/>
+          <a:stretch>
+            <a:fillRect/>
+          </a:stretch>
+        </p:blipFill>
+        <p:spPr>
+          <a:xfrm>
+            <a:off x="8062843" y="-67504"/>
+            <a:ext cx="4053946" cy="1940719"/>
+          </a:xfrm>
+          <a:prstGeom prst="rect">
+            <a:avLst/>
+          </a:prstGeom>
+        </p:spPr>
+      </p:pic>
+      <p:sp>
+        <p:nvSpPr>
+          <p:cNvPr id="7" name="TextBox 6">
+            <a:extLst>
+              <a:ext uri="{FF2B5EF4-FFF2-40B4-BE49-F238E27FC236}">
+                <a16:creationId xmlns:a16="http://schemas.microsoft.com/office/drawing/2014/main" id="{9B9EF68A-E50F-4B46-A1DD-F11241D55FE6}"/>
+              </a:ext>
+            </a:extLst>
+          </p:cNvPr>
+          <p:cNvSpPr txBox="1"/>
+          <p:nvPr/>
+        </p:nvSpPr>
+        <p:spPr>
+          <a:xfrm>
+            <a:off x="0" y="6492875"/>
+            <a:ext cx="2813591" cy="369332"/>
+          </a:xfrm>
+          <a:prstGeom prst="rect">
+            <a:avLst/>
+          </a:prstGeom>
+          <a:noFill/>
+        </p:spPr>
+        <p:txBody>
+          <a:bodyPr wrap="none" rtlCol="0">
+            <a:spAutoFit/>
+          </a:bodyPr>
+          <a:lstStyle/>
+          <a:p>
+            <a:r>
+              <a:rPr lang="en-US" dirty="0">
+                <a:hlinkClick r:id="rId3"/>
+              </a:rPr>
+              <a:t>Experiment in </a:t>
+            </a:r>
+            <a:r>
+              <a:rPr lang="en-US" dirty="0" err="1">
+                <a:hlinkClick r:id="rId3"/>
+              </a:rPr>
+              <a:t>pythontutor</a:t>
+            </a:r>
+            <a:endParaRPr lang="en-US" dirty="0"/>
+          </a:p>
+        </p:txBody>
+      </p:sp>
+      <p:sp>
+        <p:nvSpPr>
+          <p:cNvPr id="8" name="TextBox 7">
+            <a:extLst>
+              <a:ext uri="{FF2B5EF4-FFF2-40B4-BE49-F238E27FC236}">
+                <a16:creationId xmlns:a16="http://schemas.microsoft.com/office/drawing/2014/main" id="{454516A2-C816-6F49-ADE9-2F4860CB6F4B}"/>
+              </a:ext>
+            </a:extLst>
+          </p:cNvPr>
+          <p:cNvSpPr txBox="1"/>
+          <p:nvPr/>
+        </p:nvSpPr>
+        <p:spPr>
+          <a:xfrm>
+            <a:off x="8310673" y="4018964"/>
+            <a:ext cx="3099449" cy="1015663"/>
+          </a:xfrm>
+          <a:prstGeom prst="rect">
+            <a:avLst/>
+          </a:prstGeom>
+          <a:noFill/>
+        </p:spPr>
+        <p:txBody>
+          <a:bodyPr wrap="square" rtlCol="0">
+            <a:spAutoFit/>
+          </a:bodyPr>
+          <a:lstStyle/>
+          <a:p>
+            <a:r>
+              <a:rPr lang="en-US" sz="2000" dirty="0"/>
+              <a:t>Be able to reverse this, going from code to pattern!</a:t>
+            </a:r>
+          </a:p>
+        </p:txBody>
+      </p:sp>
+    </p:spTree>
+    <p:extLst>
+      <p:ext uri="{BB962C8B-B14F-4D97-AF65-F5344CB8AC3E}">
+        <p14:creationId xmlns:p14="http://schemas.microsoft.com/office/powerpoint/2010/main" val="3193159742"/>
+      </p:ext>
+    </p:extLst>
+  </p:cSld>
+  <p:clrMapOvr>
+    <a:masterClrMapping/>
+  </p:clrMapOvr>
+</p:sld>
+</file>
+
+<file path=ppt/slides/slide12.xml><?xml version="1.0" encoding="utf-8"?>
+<p:sld xmlns:a="http://schemas.openxmlformats.org/drawingml/2006/main" xmlns:r="http://schemas.openxmlformats.org/officeDocument/2006/relationships" xmlns:p="http://schemas.openxmlformats.org/presentationml/2006/main">
+  <p:cSld>
+    <p:spTree>
+      <p:nvGrpSpPr>
+        <p:cNvPr id="1" name=""/>
+        <p:cNvGrpSpPr/>
+        <p:nvPr/>
+      </p:nvGrpSpPr>
+      <p:grpSpPr>
+        <a:xfrm>
+          <a:off x="0" y="0"/>
+          <a:ext cx="0" cy="0"/>
+          <a:chOff x="0" y="0"/>
+          <a:chExt cx="0" cy="0"/>
+        </a:xfrm>
+      </p:grpSpPr>
+      <p:sp>
+        <p:nvSpPr>
+          <p:cNvPr id="2" name="Title 1">
+            <a:extLst>
+              <a:ext uri="{FF2B5EF4-FFF2-40B4-BE49-F238E27FC236}">
+                <a16:creationId xmlns:a16="http://schemas.microsoft.com/office/drawing/2014/main" id="{B06851FF-B91E-0E4D-BA4B-423822733F53}"/>
+              </a:ext>
+            </a:extLst>
+          </p:cNvPr>
+          <p:cNvSpPr>
+            <a:spLocks noGrp="1"/>
+          </p:cNvSpPr>
+          <p:nvPr>
+            <p:ph type="title"/>
+          </p:nvPr>
+        </p:nvSpPr>
+        <p:spPr/>
+        <p:txBody>
+          <a:bodyPr/>
+          <a:lstStyle/>
+          <a:p>
+            <a:r>
+              <a:rPr lang="en-US" dirty="0"/>
               <a:t>Combine</a:t>
             </a:r>
           </a:p>
         </p:txBody>
       </p:sp>
-      <mc:AlternateContent xmlns:mc="http://schemas.openxmlformats.org/markup-compatibility/2006" xmlns:a14="http://schemas.microsoft.com/office/drawing/2010/main">
-        <mc:Choice Requires="a14">
+      <mc:AlternateContent xmlns:mc="http://schemas.openxmlformats.org/markup-compatibility/2006">
+        <mc:Choice xmlns:a14="http://schemas.microsoft.com/office/drawing/2010/main" Requires="a14">
           <p:sp>
             <p:nvSpPr>
               <p:cNvPr id="3" name="Content Placeholder 2">
@@ -4457,7 +4724,7 @@
             <p:spPr>
               <a:xfrm>
                 <a:off x="838200" y="2097157"/>
-                <a:ext cx="10515600" cy="4079806"/>
+                <a:ext cx="10641496" cy="4079806"/>
               </a:xfrm>
             </p:spPr>
             <p:txBody>
@@ -4466,7 +4733,7 @@
               <a:p>
                 <a:r>
                   <a:rPr lang="en-US" dirty="0"/>
-                  <a:t>Traverse two lists at once placing the result in a third list</a:t>
+                  <a:t>Traverse two or more lists at once placing the result in a third list</a:t>
                 </a:r>
               </a:p>
               <a:p>
@@ -4505,7 +4772,7 @@
                 </a14:m>
                 <a:r>
                   <a:rPr lang="en-US" dirty="0"/>
-                  <a:t> element from two different sequences and placing the result in the </a:t>
+                  <a:t> element from different sequences and placing the result in the </a:t>
                 </a:r>
                 <a14:m>
                   <m:oMath xmlns:m="http://schemas.openxmlformats.org/officeDocument/2006/math">
@@ -4544,7 +4811,7 @@
             </p:txBody>
           </p:sp>
         </mc:Choice>
-        <mc:Fallback xmlns="">
+        <mc:Fallback>
           <p:sp>
             <p:nvSpPr>
               <p:cNvPr id="3" name="Content Placeholder 2">
@@ -4564,12 +4831,12 @@
             <p:spPr>
               <a:xfrm>
                 <a:off x="838200" y="2097157"/>
-                <a:ext cx="10515600" cy="4079806"/>
+                <a:ext cx="10641496" cy="4079806"/>
               </a:xfrm>
               <a:blipFill>
                 <a:blip r:embed="rId2"/>
                 <a:stretch>
-                  <a:fillRect l="-1086" t="-2795"/>
+                  <a:fillRect l="-1074" t="-2795" r="-2029"/>
                 </a:stretch>
               </a:blipFill>
             </p:spPr>
@@ -4922,468 +5189,6 @@
     <p:extLst>
       <p:ext uri="{BB962C8B-B14F-4D97-AF65-F5344CB8AC3E}">
         <p14:creationId xmlns:p14="http://schemas.microsoft.com/office/powerpoint/2010/main" val="2265451418"/>
-      </p:ext>
-    </p:extLst>
-  </p:cSld>
-  <p:clrMapOvr>
-    <a:masterClrMapping/>
-  </p:clrMapOvr>
-</p:sld>
-</file>
-
-<file path=ppt/slides/slide12.xml><?xml version="1.0" encoding="utf-8"?>
-<p:sld xmlns:a="http://schemas.openxmlformats.org/drawingml/2006/main" xmlns:r="http://schemas.openxmlformats.org/officeDocument/2006/relationships" xmlns:p="http://schemas.openxmlformats.org/presentationml/2006/main">
-  <p:cSld>
-    <p:spTree>
-      <p:nvGrpSpPr>
-        <p:cNvPr id="1" name=""/>
-        <p:cNvGrpSpPr/>
-        <p:nvPr/>
-      </p:nvGrpSpPr>
-      <p:grpSpPr>
-        <a:xfrm>
-          <a:off x="0" y="0"/>
-          <a:ext cx="0" cy="0"/>
-          <a:chOff x="0" y="0"/>
-          <a:chExt cx="0" cy="0"/>
-        </a:xfrm>
-      </p:grpSpPr>
-      <p:sp>
-        <p:nvSpPr>
-          <p:cNvPr id="2" name="Title 1">
-            <a:extLst>
-              <a:ext uri="{FF2B5EF4-FFF2-40B4-BE49-F238E27FC236}">
-                <a16:creationId xmlns:a16="http://schemas.microsoft.com/office/drawing/2014/main" id="{1ADB2C40-C55C-1540-98C3-15D4C59BA925}"/>
-              </a:ext>
-            </a:extLst>
-          </p:cNvPr>
-          <p:cNvSpPr>
-            <a:spLocks noGrp="1"/>
-          </p:cNvSpPr>
-          <p:nvPr>
-            <p:ph type="title"/>
-          </p:nvPr>
-        </p:nvSpPr>
-        <p:spPr>
-          <a:xfrm>
-            <a:off x="838200" y="365126"/>
-            <a:ext cx="10515600" cy="614928"/>
-          </a:xfrm>
-        </p:spPr>
-        <p:txBody>
-          <a:bodyPr>
-            <a:normAutofit fontScale="90000"/>
-          </a:bodyPr>
-          <a:lstStyle/>
-          <a:p>
-            <a:r>
-              <a:rPr lang="en-US" dirty="0"/>
-              <a:t>Split</a:t>
-            </a:r>
-          </a:p>
-        </p:txBody>
-      </p:sp>
-      <p:sp>
-        <p:nvSpPr>
-          <p:cNvPr id="3" name="Content Placeholder 2">
-            <a:extLst>
-              <a:ext uri="{FF2B5EF4-FFF2-40B4-BE49-F238E27FC236}">
-                <a16:creationId xmlns:a16="http://schemas.microsoft.com/office/drawing/2014/main" id="{F8DA4FD9-F7CF-5749-AEDD-936BB073C96A}"/>
-              </a:ext>
-            </a:extLst>
-          </p:cNvPr>
-          <p:cNvSpPr>
-            <a:spLocks noGrp="1"/>
-          </p:cNvSpPr>
-          <p:nvPr>
-            <p:ph idx="1"/>
-          </p:nvPr>
-        </p:nvSpPr>
-        <p:spPr>
-          <a:xfrm>
-            <a:off x="838200" y="1212574"/>
-            <a:ext cx="10515600" cy="4964389"/>
-          </a:xfrm>
-        </p:spPr>
-        <p:txBody>
-          <a:bodyPr/>
-          <a:lstStyle/>
-          <a:p>
-            <a:r>
-              <a:rPr lang="en-US" dirty="0"/>
-              <a:t>The opposite of combining is splitting where we split a stream into two or more new streams</a:t>
-            </a:r>
-          </a:p>
-          <a:p>
-            <a:r>
-              <a:rPr lang="en-US" dirty="0"/>
-              <a:t>Example: split list of full names into their first and last names</a:t>
-            </a:r>
-          </a:p>
-        </p:txBody>
-      </p:sp>
-      <p:pic>
-        <p:nvPicPr>
-          <p:cNvPr id="1026" name="Picture 2">
-            <a:extLst>
-              <a:ext uri="{FF2B5EF4-FFF2-40B4-BE49-F238E27FC236}">
-                <a16:creationId xmlns:a16="http://schemas.microsoft.com/office/drawing/2014/main" id="{1DB79D85-B4E6-2B4A-8EF8-967A041B11A1}"/>
-              </a:ext>
-            </a:extLst>
-          </p:cNvPr>
-          <p:cNvPicPr>
-            <a:picLocks noChangeAspect="1" noChangeArrowheads="1"/>
-          </p:cNvPicPr>
-          <p:nvPr/>
-        </p:nvPicPr>
-        <p:blipFill>
-          <a:blip r:embed="rId2">
-            <a:extLst>
-              <a:ext uri="{28A0092B-C50C-407E-A947-70E740481C1C}">
-                <a14:useLocalDpi xmlns:a14="http://schemas.microsoft.com/office/drawing/2010/main" val="0"/>
-              </a:ext>
-            </a:extLst>
-          </a:blip>
-          <a:srcRect/>
-          <a:stretch>
-            <a:fillRect/>
-          </a:stretch>
-        </p:blipFill>
-        <p:spPr bwMode="auto">
-          <a:xfrm>
-            <a:off x="7424489" y="4037444"/>
-            <a:ext cx="2530413" cy="1694473"/>
-          </a:xfrm>
-          <a:prstGeom prst="rect">
-            <a:avLst/>
-          </a:prstGeom>
-          <a:noFill/>
-          <a:extLst>
-            <a:ext uri="{909E8E84-426E-40DD-AFC4-6F175D3DCCD1}">
-              <a14:hiddenFill xmlns:a14="http://schemas.microsoft.com/office/drawing/2010/main">
-                <a:solidFill>
-                  <a:srgbClr val="FFFFFF"/>
-                </a:solidFill>
-              </a14:hiddenFill>
-            </a:ext>
-          </a:extLst>
-        </p:spPr>
-      </p:pic>
-      <p:pic>
-        <p:nvPicPr>
-          <p:cNvPr id="1028" name="Picture 4">
-            <a:extLst>
-              <a:ext uri="{FF2B5EF4-FFF2-40B4-BE49-F238E27FC236}">
-                <a16:creationId xmlns:a16="http://schemas.microsoft.com/office/drawing/2014/main" id="{171500BA-73F7-0E47-9E14-78D0518FA552}"/>
-              </a:ext>
-            </a:extLst>
-          </p:cNvPr>
-          <p:cNvPicPr>
-            <a:picLocks noChangeAspect="1" noChangeArrowheads="1"/>
-          </p:cNvPicPr>
-          <p:nvPr/>
-        </p:nvPicPr>
-        <p:blipFill>
-          <a:blip r:embed="rId3">
-            <a:extLst>
-              <a:ext uri="{28A0092B-C50C-407E-A947-70E740481C1C}">
-                <a14:useLocalDpi xmlns:a14="http://schemas.microsoft.com/office/drawing/2010/main" val="0"/>
-              </a:ext>
-            </a:extLst>
-          </a:blip>
-          <a:srcRect/>
-          <a:stretch>
-            <a:fillRect/>
-          </a:stretch>
-        </p:blipFill>
-        <p:spPr bwMode="auto">
-          <a:xfrm>
-            <a:off x="10133359" y="4037444"/>
-            <a:ext cx="1788341" cy="1906998"/>
-          </a:xfrm>
-          <a:prstGeom prst="rect">
-            <a:avLst/>
-          </a:prstGeom>
-          <a:noFill/>
-          <a:extLst>
-            <a:ext uri="{909E8E84-426E-40DD-AFC4-6F175D3DCCD1}">
-              <a14:hiddenFill xmlns:a14="http://schemas.microsoft.com/office/drawing/2010/main">
-                <a:solidFill>
-                  <a:srgbClr val="FFFFFF"/>
-                </a:solidFill>
-              </a14:hiddenFill>
-            </a:ext>
-          </a:extLst>
-        </p:spPr>
-      </p:pic>
-      <p:sp>
-        <p:nvSpPr>
-          <p:cNvPr id="4" name="TextBox 3">
-            <a:extLst>
-              <a:ext uri="{FF2B5EF4-FFF2-40B4-BE49-F238E27FC236}">
-                <a16:creationId xmlns:a16="http://schemas.microsoft.com/office/drawing/2014/main" id="{C56FAEEC-04DA-3946-93BB-674F474F4D36}"/>
-              </a:ext>
-            </a:extLst>
-          </p:cNvPr>
-          <p:cNvSpPr txBox="1"/>
-          <p:nvPr/>
-        </p:nvSpPr>
-        <p:spPr>
-          <a:xfrm>
-            <a:off x="0" y="6488668"/>
-            <a:ext cx="2813591" cy="369332"/>
-          </a:xfrm>
-          <a:prstGeom prst="rect">
-            <a:avLst/>
-          </a:prstGeom>
-          <a:noFill/>
-        </p:spPr>
-        <p:txBody>
-          <a:bodyPr wrap="none" rtlCol="0">
-            <a:spAutoFit/>
-          </a:bodyPr>
-          <a:lstStyle/>
-          <a:p>
-            <a:r>
-              <a:rPr lang="en-US" dirty="0">
-                <a:hlinkClick r:id="rId4"/>
-              </a:rPr>
-              <a:t>Experiment in </a:t>
-            </a:r>
-            <a:r>
-              <a:rPr lang="en-US" dirty="0" err="1">
-                <a:hlinkClick r:id="rId4"/>
-              </a:rPr>
-              <a:t>pythontutor</a:t>
-            </a:r>
-            <a:endParaRPr lang="en-US" dirty="0"/>
-          </a:p>
-        </p:txBody>
-      </p:sp>
-      <p:sp>
-        <p:nvSpPr>
-          <p:cNvPr id="5" name="TextBox 4">
-            <a:extLst>
-              <a:ext uri="{FF2B5EF4-FFF2-40B4-BE49-F238E27FC236}">
-                <a16:creationId xmlns:a16="http://schemas.microsoft.com/office/drawing/2014/main" id="{9C937EFD-562A-C24D-82CF-876BF7D9AE4E}"/>
-              </a:ext>
-            </a:extLst>
-          </p:cNvPr>
-          <p:cNvSpPr txBox="1"/>
-          <p:nvPr/>
-        </p:nvSpPr>
-        <p:spPr>
-          <a:xfrm>
-            <a:off x="1061645" y="2854940"/>
-            <a:ext cx="9071714" cy="3477875"/>
-          </a:xfrm>
-          <a:prstGeom prst="rect">
-            <a:avLst/>
-          </a:prstGeom>
-          <a:noFill/>
-        </p:spPr>
-        <p:txBody>
-          <a:bodyPr wrap="none" rtlCol="0">
-            <a:spAutoFit/>
-          </a:bodyPr>
-          <a:lstStyle/>
-          <a:p>
-            <a:r>
-              <a:rPr lang="en-US" sz="2000" dirty="0">
-                <a:latin typeface="Consolas" panose="020B0609020204030204" pitchFamily="49" charset="0"/>
-                <a:cs typeface="Consolas" panose="020B0609020204030204" pitchFamily="49" charset="0"/>
-              </a:rPr>
-              <a:t>names = ['Terence Parr', 'Diane Woodbridge', '</a:t>
-            </a:r>
-            <a:r>
-              <a:rPr lang="en-US" sz="2000" dirty="0" err="1">
-                <a:latin typeface="Consolas" panose="020B0609020204030204" pitchFamily="49" charset="0"/>
-                <a:cs typeface="Consolas" panose="020B0609020204030204" pitchFamily="49" charset="0"/>
-              </a:rPr>
-              <a:t>Yannet</a:t>
-            </a:r>
-            <a:r>
-              <a:rPr lang="en-US" sz="2000" dirty="0">
-                <a:latin typeface="Consolas" panose="020B0609020204030204" pitchFamily="49" charset="0"/>
-                <a:cs typeface="Consolas" panose="020B0609020204030204" pitchFamily="49" charset="0"/>
-              </a:rPr>
-              <a:t> </a:t>
-            </a:r>
-            <a:r>
-              <a:rPr lang="en-US" sz="2000" dirty="0" err="1">
-                <a:latin typeface="Consolas" panose="020B0609020204030204" pitchFamily="49" charset="0"/>
-                <a:cs typeface="Consolas" panose="020B0609020204030204" pitchFamily="49" charset="0"/>
-              </a:rPr>
-              <a:t>Interian</a:t>
-            </a:r>
-            <a:r>
-              <a:rPr lang="en-US" sz="2000" dirty="0">
-                <a:latin typeface="Consolas" panose="020B0609020204030204" pitchFamily="49" charset="0"/>
-                <a:cs typeface="Consolas" panose="020B0609020204030204" pitchFamily="49" charset="0"/>
-              </a:rPr>
-              <a:t>']</a:t>
-            </a:r>
-          </a:p>
-          <a:p>
-            <a:r>
-              <a:rPr lang="en-US" sz="2000" dirty="0">
-                <a:latin typeface="Consolas" panose="020B0609020204030204" pitchFamily="49" charset="0"/>
-                <a:cs typeface="Consolas" panose="020B0609020204030204" pitchFamily="49" charset="0"/>
-              </a:rPr>
-              <a:t>for name in names:</a:t>
-            </a:r>
-          </a:p>
-          <a:p>
-            <a:r>
-              <a:rPr lang="en-US" sz="2000" dirty="0">
-                <a:latin typeface="Consolas" panose="020B0609020204030204" pitchFamily="49" charset="0"/>
-                <a:cs typeface="Consolas" panose="020B0609020204030204" pitchFamily="49" charset="0"/>
-              </a:rPr>
-              <a:t>    print(</a:t>
-            </a:r>
-            <a:r>
-              <a:rPr lang="en-US" sz="2000" dirty="0" err="1">
-                <a:latin typeface="Consolas" panose="020B0609020204030204" pitchFamily="49" charset="0"/>
-                <a:cs typeface="Consolas" panose="020B0609020204030204" pitchFamily="49" charset="0"/>
-              </a:rPr>
-              <a:t>name.split</a:t>
-            </a:r>
-            <a:r>
-              <a:rPr lang="en-US" sz="2000" dirty="0">
-                <a:latin typeface="Consolas" panose="020B0609020204030204" pitchFamily="49" charset="0"/>
-                <a:cs typeface="Consolas" panose="020B0609020204030204" pitchFamily="49" charset="0"/>
-              </a:rPr>
-              <a:t>())</a:t>
-            </a:r>
-          </a:p>
-          <a:p>
-            <a:endParaRPr lang="en-US" sz="2000" dirty="0">
-              <a:latin typeface="Consolas" panose="020B0609020204030204" pitchFamily="49" charset="0"/>
-              <a:cs typeface="Consolas" panose="020B0609020204030204" pitchFamily="49" charset="0"/>
-            </a:endParaRPr>
-          </a:p>
-          <a:p>
-            <a:r>
-              <a:rPr lang="en-US" sz="2000" dirty="0">
-                <a:latin typeface="Consolas" panose="020B0609020204030204" pitchFamily="49" charset="0"/>
-                <a:cs typeface="Consolas" panose="020B0609020204030204" pitchFamily="49" charset="0"/>
-              </a:rPr>
-              <a:t>first = []</a:t>
-            </a:r>
-          </a:p>
-          <a:p>
-            <a:r>
-              <a:rPr lang="en-US" sz="2000" dirty="0">
-                <a:latin typeface="Consolas" panose="020B0609020204030204" pitchFamily="49" charset="0"/>
-                <a:cs typeface="Consolas" panose="020B0609020204030204" pitchFamily="49" charset="0"/>
-              </a:rPr>
-              <a:t>last = []</a:t>
-            </a:r>
-          </a:p>
-          <a:p>
-            <a:r>
-              <a:rPr lang="en-US" sz="2000" dirty="0">
-                <a:latin typeface="Consolas" panose="020B0609020204030204" pitchFamily="49" charset="0"/>
-                <a:cs typeface="Consolas" panose="020B0609020204030204" pitchFamily="49" charset="0"/>
-              </a:rPr>
-              <a:t>for name in names:</a:t>
-            </a:r>
-          </a:p>
-          <a:p>
-            <a:r>
-              <a:rPr lang="en-US" sz="2000" dirty="0">
-                <a:latin typeface="Consolas" panose="020B0609020204030204" pitchFamily="49" charset="0"/>
-                <a:cs typeface="Consolas" panose="020B0609020204030204" pitchFamily="49" charset="0"/>
-              </a:rPr>
-              <a:t>    </a:t>
-            </a:r>
-            <a:r>
-              <a:rPr lang="en-US" sz="2000" dirty="0" err="1">
-                <a:latin typeface="Consolas" panose="020B0609020204030204" pitchFamily="49" charset="0"/>
-                <a:cs typeface="Consolas" panose="020B0609020204030204" pitchFamily="49" charset="0"/>
-              </a:rPr>
-              <a:t>f,l</a:t>
-            </a:r>
-            <a:r>
-              <a:rPr lang="en-US" sz="2000" dirty="0">
-                <a:latin typeface="Consolas" panose="020B0609020204030204" pitchFamily="49" charset="0"/>
-                <a:cs typeface="Consolas" panose="020B0609020204030204" pitchFamily="49" charset="0"/>
-              </a:rPr>
-              <a:t> = </a:t>
-            </a:r>
-            <a:r>
-              <a:rPr lang="en-US" sz="2000" dirty="0" err="1">
-                <a:latin typeface="Consolas" panose="020B0609020204030204" pitchFamily="49" charset="0"/>
-                <a:cs typeface="Consolas" panose="020B0609020204030204" pitchFamily="49" charset="0"/>
-              </a:rPr>
-              <a:t>name.split</a:t>
-            </a:r>
-            <a:r>
-              <a:rPr lang="en-US" sz="2000" dirty="0">
-                <a:latin typeface="Consolas" panose="020B0609020204030204" pitchFamily="49" charset="0"/>
-                <a:cs typeface="Consolas" panose="020B0609020204030204" pitchFamily="49" charset="0"/>
-              </a:rPr>
-              <a:t>()</a:t>
-            </a:r>
-          </a:p>
-          <a:p>
-            <a:r>
-              <a:rPr lang="en-US" sz="2000" dirty="0">
-                <a:latin typeface="Consolas" panose="020B0609020204030204" pitchFamily="49" charset="0"/>
-                <a:cs typeface="Consolas" panose="020B0609020204030204" pitchFamily="49" charset="0"/>
-              </a:rPr>
-              <a:t>    </a:t>
-            </a:r>
-            <a:r>
-              <a:rPr lang="en-US" sz="2000" dirty="0" err="1">
-                <a:latin typeface="Consolas" panose="020B0609020204030204" pitchFamily="49" charset="0"/>
-                <a:cs typeface="Consolas" panose="020B0609020204030204" pitchFamily="49" charset="0"/>
-              </a:rPr>
-              <a:t>first.append</a:t>
-            </a:r>
-            <a:r>
-              <a:rPr lang="en-US" sz="2000" dirty="0">
-                <a:latin typeface="Consolas" panose="020B0609020204030204" pitchFamily="49" charset="0"/>
-                <a:cs typeface="Consolas" panose="020B0609020204030204" pitchFamily="49" charset="0"/>
-              </a:rPr>
-              <a:t>(f)</a:t>
-            </a:r>
-          </a:p>
-          <a:p>
-            <a:r>
-              <a:rPr lang="en-US" sz="2000" dirty="0">
-                <a:latin typeface="Consolas" panose="020B0609020204030204" pitchFamily="49" charset="0"/>
-                <a:cs typeface="Consolas" panose="020B0609020204030204" pitchFamily="49" charset="0"/>
-              </a:rPr>
-              <a:t>    </a:t>
-            </a:r>
-            <a:r>
-              <a:rPr lang="en-US" sz="2000" dirty="0" err="1">
-                <a:latin typeface="Consolas" panose="020B0609020204030204" pitchFamily="49" charset="0"/>
-                <a:cs typeface="Consolas" panose="020B0609020204030204" pitchFamily="49" charset="0"/>
-              </a:rPr>
-              <a:t>last.append</a:t>
-            </a:r>
-            <a:r>
-              <a:rPr lang="en-US" sz="2000" dirty="0">
-                <a:latin typeface="Consolas" panose="020B0609020204030204" pitchFamily="49" charset="0"/>
-                <a:cs typeface="Consolas" panose="020B0609020204030204" pitchFamily="49" charset="0"/>
-              </a:rPr>
-              <a:t>(l)</a:t>
-            </a:r>
-          </a:p>
-          <a:p>
-            <a:endParaRPr lang="en-US" sz="2000" dirty="0">
-              <a:latin typeface="Consolas" panose="020B0609020204030204" pitchFamily="49" charset="0"/>
-              <a:cs typeface="Consolas" panose="020B0609020204030204" pitchFamily="49" charset="0"/>
-            </a:endParaRPr>
-          </a:p>
-        </p:txBody>
-      </p:sp>
-    </p:spTree>
-    <p:extLst>
-      <p:ext uri="{BB962C8B-B14F-4D97-AF65-F5344CB8AC3E}">
-        <p14:creationId xmlns:p14="http://schemas.microsoft.com/office/powerpoint/2010/main" val="4053085584"/>
       </p:ext>
     </p:extLst>
   </p:cSld>
@@ -5415,7 +5220,7 @@
           <p:cNvPr id="2" name="Title 1">
             <a:extLst>
               <a:ext uri="{FF2B5EF4-FFF2-40B4-BE49-F238E27FC236}">
-                <a16:creationId xmlns:a16="http://schemas.microsoft.com/office/drawing/2014/main" id="{C1D28A1B-2C67-A540-ACE7-7886108CFDF7}"/>
+                <a16:creationId xmlns:a16="http://schemas.microsoft.com/office/drawing/2014/main" id="{1ADB2C40-C55C-1540-98C3-15D4C59BA925}"/>
               </a:ext>
             </a:extLst>
           </p:cNvPr>
@@ -5426,14 +5231,21 @@
             <p:ph type="title"/>
           </p:nvPr>
         </p:nvSpPr>
-        <p:spPr/>
-        <p:txBody>
-          <a:bodyPr/>
+        <p:spPr>
+          <a:xfrm>
+            <a:off x="838200" y="365126"/>
+            <a:ext cx="10515600" cy="614928"/>
+          </a:xfrm>
+        </p:spPr>
+        <p:txBody>
+          <a:bodyPr>
+            <a:normAutofit fontScale="90000"/>
+          </a:bodyPr>
           <a:lstStyle/>
           <a:p>
             <a:r>
               <a:rPr lang="en-US" dirty="0"/>
-              <a:t>Slice a list (or string)</a:t>
+              <a:t>Split</a:t>
             </a:r>
           </a:p>
         </p:txBody>
@@ -5443,7 +5255,7 @@
           <p:cNvPr id="3" name="Content Placeholder 2">
             <a:extLst>
               <a:ext uri="{FF2B5EF4-FFF2-40B4-BE49-F238E27FC236}">
-                <a16:creationId xmlns:a16="http://schemas.microsoft.com/office/drawing/2014/main" id="{9208EBF0-6D21-3D48-BBB2-B8343D96DE87}"/>
+                <a16:creationId xmlns:a16="http://schemas.microsoft.com/office/drawing/2014/main" id="{F8DA4FD9-F7CF-5749-AEDD-936BB073C96A}"/>
               </a:ext>
             </a:extLst>
           </p:cNvPr>
@@ -5454,366 +5266,129 @@
             <p:ph idx="1"/>
           </p:nvPr>
         </p:nvSpPr>
-        <p:spPr/>
+        <p:spPr>
+          <a:xfrm>
+            <a:off x="838200" y="1212574"/>
+            <a:ext cx="10515600" cy="4964389"/>
+          </a:xfrm>
+        </p:spPr>
         <p:txBody>
           <a:bodyPr/>
           <a:lstStyle/>
           <a:p>
             <a:r>
               <a:rPr lang="en-US" dirty="0"/>
-              <a:t>Some operations yield subsets of the data, such as slice, which extracts a subset of a list (that fits in memory)</a:t>
+              <a:t>The opposite of combining is splitting where we split a stream into two or more new streams</a:t>
             </a:r>
           </a:p>
           <a:p>
             <a:r>
               <a:rPr lang="en-US" dirty="0"/>
-              <a:t>Syntax is </a:t>
-            </a:r>
-            <a:r>
-              <a:rPr lang="en-US" b="1" dirty="0"/>
-              <a:t>A[</a:t>
-            </a:r>
-            <a:r>
-              <a:rPr lang="en-US" b="1" dirty="0" err="1"/>
-              <a:t>begin:end</a:t>
-            </a:r>
-            <a:r>
-              <a:rPr lang="en-US" b="1" dirty="0"/>
-              <a:t>] </a:t>
-            </a:r>
-            <a:r>
-              <a:rPr lang="en-US" dirty="0"/>
-              <a:t>where </a:t>
-            </a:r>
-            <a:r>
-              <a:rPr lang="en-US" b="1" dirty="0"/>
-              <a:t>begin</a:t>
-            </a:r>
-            <a:r>
-              <a:rPr lang="en-US" dirty="0"/>
-              <a:t> is inclusive and </a:t>
-            </a:r>
-            <a:r>
-              <a:rPr lang="en-US" b="1" dirty="0"/>
-              <a:t>end</a:t>
-            </a:r>
-            <a:r>
-              <a:rPr lang="en-US" dirty="0"/>
-              <a:t> is not</a:t>
-            </a:r>
-          </a:p>
-          <a:p>
-            <a:endParaRPr lang="en-US" dirty="0"/>
-          </a:p>
-        </p:txBody>
-      </p:sp>
-      <p:sp>
-        <p:nvSpPr>
-          <p:cNvPr id="5" name="TextBox 4">
-            <a:extLst>
-              <a:ext uri="{FF2B5EF4-FFF2-40B4-BE49-F238E27FC236}">
-                <a16:creationId xmlns:a16="http://schemas.microsoft.com/office/drawing/2014/main" id="{3F28D277-1364-F84D-AA3E-90F8755C218F}"/>
-              </a:ext>
-            </a:extLst>
-          </p:cNvPr>
-          <p:cNvSpPr txBox="1"/>
+              <a:t>Example: split list of full names into their first and last names</a:t>
+            </a:r>
+          </a:p>
+        </p:txBody>
+      </p:sp>
+      <p:pic>
+        <p:nvPicPr>
+          <p:cNvPr id="1026" name="Picture 2">
+            <a:extLst>
+              <a:ext uri="{FF2B5EF4-FFF2-40B4-BE49-F238E27FC236}">
+                <a16:creationId xmlns:a16="http://schemas.microsoft.com/office/drawing/2014/main" id="{1DB79D85-B4E6-2B4A-8EF8-967A041B11A1}"/>
+              </a:ext>
+            </a:extLst>
+          </p:cNvPr>
+          <p:cNvPicPr>
+            <a:picLocks noChangeAspect="1" noChangeArrowheads="1"/>
+          </p:cNvPicPr>
           <p:nvPr/>
-        </p:nvSpPr>
-        <p:spPr>
-          <a:xfrm>
-            <a:off x="1867711" y="3570051"/>
-            <a:ext cx="4134465" cy="2554545"/>
+        </p:nvPicPr>
+        <p:blipFill>
+          <a:blip r:embed="rId2">
+            <a:extLst>
+              <a:ext uri="{28A0092B-C50C-407E-A947-70E740481C1C}">
+                <a14:useLocalDpi xmlns:a14="http://schemas.microsoft.com/office/drawing/2010/main" val="0"/>
+              </a:ext>
+            </a:extLst>
+          </a:blip>
+          <a:srcRect/>
+          <a:stretch>
+            <a:fillRect/>
+          </a:stretch>
+        </p:blipFill>
+        <p:spPr bwMode="auto">
+          <a:xfrm>
+            <a:off x="7424489" y="4037444"/>
+            <a:ext cx="2530413" cy="1694473"/>
           </a:xfrm>
           <a:prstGeom prst="rect">
             <a:avLst/>
           </a:prstGeom>
           <a:noFill/>
-        </p:spPr>
-        <p:txBody>
-          <a:bodyPr wrap="none" rtlCol="0">
-            <a:spAutoFit/>
-          </a:bodyPr>
-          <a:lstStyle/>
-          <a:p>
-            <a:r>
-              <a:rPr lang="en-US" sz="2000" dirty="0">
-                <a:latin typeface="Consolas" panose="020B0609020204030204" pitchFamily="49" charset="0"/>
-                <a:cs typeface="Consolas" panose="020B0609020204030204" pitchFamily="49" charset="0"/>
-              </a:rPr>
-              <a:t>names=['</a:t>
-            </a:r>
-            <a:r>
-              <a:rPr lang="en-US" sz="2000" dirty="0" err="1">
-                <a:latin typeface="Consolas" panose="020B0609020204030204" pitchFamily="49" charset="0"/>
-                <a:cs typeface="Consolas" panose="020B0609020204030204" pitchFamily="49" charset="0"/>
-              </a:rPr>
-              <a:t>Xue</a:t>
-            </a:r>
-            <a:r>
-              <a:rPr lang="en-US" sz="2000" dirty="0">
-                <a:latin typeface="Consolas" panose="020B0609020204030204" pitchFamily="49" charset="0"/>
-                <a:cs typeface="Consolas" panose="020B0609020204030204" pitchFamily="49" charset="0"/>
-              </a:rPr>
-              <a:t>', 'Mary', 'Bob']</a:t>
-            </a:r>
-          </a:p>
-          <a:p>
-            <a:r>
-              <a:rPr lang="en-US" sz="2000" dirty="0">
-                <a:latin typeface="Consolas" panose="020B0609020204030204" pitchFamily="49" charset="0"/>
-                <a:cs typeface="Consolas" panose="020B0609020204030204" pitchFamily="49" charset="0"/>
-              </a:rPr>
-              <a:t>print(names[0:1])</a:t>
-            </a:r>
-          </a:p>
-          <a:p>
-            <a:r>
-              <a:rPr lang="en-US" sz="2000" dirty="0">
-                <a:latin typeface="Consolas" panose="020B0609020204030204" pitchFamily="49" charset="0"/>
-                <a:cs typeface="Consolas" panose="020B0609020204030204" pitchFamily="49" charset="0"/>
-              </a:rPr>
-              <a:t>print(names[0:2])</a:t>
-            </a:r>
-          </a:p>
-          <a:p>
-            <a:r>
-              <a:rPr lang="en-US" sz="2000" dirty="0">
-                <a:latin typeface="Consolas" panose="020B0609020204030204" pitchFamily="49" charset="0"/>
-                <a:cs typeface="Consolas" panose="020B0609020204030204" pitchFamily="49" charset="0"/>
-              </a:rPr>
-              <a:t>print(names[0:3])</a:t>
-            </a:r>
-          </a:p>
-          <a:p>
-            <a:r>
-              <a:rPr lang="en-US" sz="2000" dirty="0">
-                <a:latin typeface="Consolas" panose="020B0609020204030204" pitchFamily="49" charset="0"/>
-                <a:cs typeface="Consolas" panose="020B0609020204030204" pitchFamily="49" charset="0"/>
-              </a:rPr>
-              <a:t>print(names[2:3])</a:t>
-            </a:r>
-          </a:p>
-          <a:p>
-            <a:r>
-              <a:rPr lang="en-US" sz="2000" dirty="0">
-                <a:latin typeface="Consolas" panose="020B0609020204030204" pitchFamily="49" charset="0"/>
-                <a:cs typeface="Consolas" panose="020B0609020204030204" pitchFamily="49" charset="0"/>
-              </a:rPr>
-              <a:t>print(names[1:])</a:t>
-            </a:r>
-          </a:p>
-          <a:p>
-            <a:r>
-              <a:rPr lang="en-US" sz="2000" dirty="0">
-                <a:latin typeface="Consolas" panose="020B0609020204030204" pitchFamily="49" charset="0"/>
-                <a:cs typeface="Consolas" panose="020B0609020204030204" pitchFamily="49" charset="0"/>
-              </a:rPr>
-              <a:t>print(names[-1])</a:t>
-            </a:r>
-          </a:p>
-          <a:p>
-            <a:r>
-              <a:rPr lang="en-US" sz="2000" dirty="0">
-                <a:latin typeface="Consolas" panose="020B0609020204030204" pitchFamily="49" charset="0"/>
-                <a:cs typeface="Consolas" panose="020B0609020204030204" pitchFamily="49" charset="0"/>
-              </a:rPr>
-              <a:t>print(names[-2:])</a:t>
-            </a:r>
-          </a:p>
-        </p:txBody>
-      </p:sp>
-      <p:sp>
-        <p:nvSpPr>
-          <p:cNvPr id="6" name="TextBox 5">
-            <a:extLst>
-              <a:ext uri="{FF2B5EF4-FFF2-40B4-BE49-F238E27FC236}">
-                <a16:creationId xmlns:a16="http://schemas.microsoft.com/office/drawing/2014/main" id="{37EA2493-FD70-4840-A1F2-77B1F12897D4}"/>
-              </a:ext>
-            </a:extLst>
-          </p:cNvPr>
-          <p:cNvSpPr txBox="1"/>
+          <a:extLst>
+            <a:ext uri="{909E8E84-426E-40DD-AFC4-6F175D3DCCD1}">
+              <a14:hiddenFill xmlns:a14="http://schemas.microsoft.com/office/drawing/2010/main">
+                <a:solidFill>
+                  <a:srgbClr val="FFFFFF"/>
+                </a:solidFill>
+              </a14:hiddenFill>
+            </a:ext>
+          </a:extLst>
+        </p:spPr>
+      </p:pic>
+      <p:pic>
+        <p:nvPicPr>
+          <p:cNvPr id="1028" name="Picture 4">
+            <a:extLst>
+              <a:ext uri="{FF2B5EF4-FFF2-40B4-BE49-F238E27FC236}">
+                <a16:creationId xmlns:a16="http://schemas.microsoft.com/office/drawing/2014/main" id="{171500BA-73F7-0E47-9E14-78D0518FA552}"/>
+              </a:ext>
+            </a:extLst>
+          </p:cNvPr>
+          <p:cNvPicPr>
+            <a:picLocks noChangeAspect="1" noChangeArrowheads="1"/>
+          </p:cNvPicPr>
           <p:nvPr/>
-        </p:nvSpPr>
-        <p:spPr>
-          <a:xfrm>
-            <a:off x="7480572" y="3877828"/>
-            <a:ext cx="3288080" cy="2246769"/>
+        </p:nvPicPr>
+        <p:blipFill>
+          <a:blip r:embed="rId3">
+            <a:extLst>
+              <a:ext uri="{28A0092B-C50C-407E-A947-70E740481C1C}">
+                <a14:useLocalDpi xmlns:a14="http://schemas.microsoft.com/office/drawing/2010/main" val="0"/>
+              </a:ext>
+            </a:extLst>
+          </a:blip>
+          <a:srcRect/>
+          <a:stretch>
+            <a:fillRect/>
+          </a:stretch>
+        </p:blipFill>
+        <p:spPr bwMode="auto">
+          <a:xfrm>
+            <a:off x="10133359" y="4037444"/>
+            <a:ext cx="1788341" cy="1906998"/>
           </a:xfrm>
           <a:prstGeom prst="rect">
             <a:avLst/>
           </a:prstGeom>
           <a:noFill/>
-        </p:spPr>
-        <p:txBody>
-          <a:bodyPr wrap="none" rtlCol="0">
-            <a:spAutoFit/>
-          </a:bodyPr>
-          <a:lstStyle/>
-          <a:p>
-            <a:r>
-              <a:rPr lang="en-US" sz="2000" dirty="0">
-                <a:latin typeface="Consolas" panose="020B0609020204030204" pitchFamily="49" charset="0"/>
-                <a:cs typeface="Consolas" panose="020B0609020204030204" pitchFamily="49" charset="0"/>
-              </a:rPr>
-              <a:t>['</a:t>
-            </a:r>
-            <a:r>
-              <a:rPr lang="en-US" sz="2000" dirty="0" err="1">
-                <a:latin typeface="Consolas" panose="020B0609020204030204" pitchFamily="49" charset="0"/>
-                <a:cs typeface="Consolas" panose="020B0609020204030204" pitchFamily="49" charset="0"/>
-              </a:rPr>
-              <a:t>Xue</a:t>
-            </a:r>
-            <a:r>
-              <a:rPr lang="en-US" sz="2000" dirty="0">
-                <a:latin typeface="Consolas" panose="020B0609020204030204" pitchFamily="49" charset="0"/>
-                <a:cs typeface="Consolas" panose="020B0609020204030204" pitchFamily="49" charset="0"/>
-              </a:rPr>
-              <a:t>']</a:t>
-            </a:r>
-          </a:p>
-          <a:p>
-            <a:r>
-              <a:rPr lang="en-US" sz="2000" dirty="0">
-                <a:latin typeface="Consolas" panose="020B0609020204030204" pitchFamily="49" charset="0"/>
-                <a:cs typeface="Consolas" panose="020B0609020204030204" pitchFamily="49" charset="0"/>
-              </a:rPr>
-              <a:t>['</a:t>
-            </a:r>
-            <a:r>
-              <a:rPr lang="en-US" sz="2000" dirty="0" err="1">
-                <a:latin typeface="Consolas" panose="020B0609020204030204" pitchFamily="49" charset="0"/>
-                <a:cs typeface="Consolas" panose="020B0609020204030204" pitchFamily="49" charset="0"/>
-              </a:rPr>
-              <a:t>Xue</a:t>
-            </a:r>
-            <a:r>
-              <a:rPr lang="en-US" sz="2000" dirty="0">
-                <a:latin typeface="Consolas" panose="020B0609020204030204" pitchFamily="49" charset="0"/>
-                <a:cs typeface="Consolas" panose="020B0609020204030204" pitchFamily="49" charset="0"/>
-              </a:rPr>
-              <a:t>', 'Mary']</a:t>
-            </a:r>
-          </a:p>
-          <a:p>
-            <a:r>
-              <a:rPr lang="en-US" sz="2000" dirty="0">
-                <a:latin typeface="Consolas" panose="020B0609020204030204" pitchFamily="49" charset="0"/>
-                <a:cs typeface="Consolas" panose="020B0609020204030204" pitchFamily="49" charset="0"/>
-              </a:rPr>
-              <a:t>['</a:t>
-            </a:r>
-            <a:r>
-              <a:rPr lang="en-US" sz="2000" dirty="0" err="1">
-                <a:latin typeface="Consolas" panose="020B0609020204030204" pitchFamily="49" charset="0"/>
-                <a:cs typeface="Consolas" panose="020B0609020204030204" pitchFamily="49" charset="0"/>
-              </a:rPr>
-              <a:t>Xue</a:t>
-            </a:r>
-            <a:r>
-              <a:rPr lang="en-US" sz="2000" dirty="0">
-                <a:latin typeface="Consolas" panose="020B0609020204030204" pitchFamily="49" charset="0"/>
-                <a:cs typeface="Consolas" panose="020B0609020204030204" pitchFamily="49" charset="0"/>
-              </a:rPr>
-              <a:t>', 'Mary', 'Bob']</a:t>
-            </a:r>
-          </a:p>
-          <a:p>
-            <a:r>
-              <a:rPr lang="en-US" sz="2000" dirty="0">
-                <a:latin typeface="Consolas" panose="020B0609020204030204" pitchFamily="49" charset="0"/>
-                <a:cs typeface="Consolas" panose="020B0609020204030204" pitchFamily="49" charset="0"/>
-              </a:rPr>
-              <a:t>['Bob’]</a:t>
-            </a:r>
-          </a:p>
-          <a:p>
-            <a:r>
-              <a:rPr lang="en-US" sz="2000" dirty="0">
-                <a:latin typeface="Consolas" panose="020B0609020204030204" pitchFamily="49" charset="0"/>
-                <a:cs typeface="Consolas" panose="020B0609020204030204" pitchFamily="49" charset="0"/>
-              </a:rPr>
-              <a:t>['Mary', 'Bob']</a:t>
-            </a:r>
-          </a:p>
-          <a:p>
-            <a:r>
-              <a:rPr lang="en-US" sz="2000" dirty="0">
-                <a:latin typeface="Consolas" panose="020B0609020204030204" pitchFamily="49" charset="0"/>
-                <a:cs typeface="Consolas" panose="020B0609020204030204" pitchFamily="49" charset="0"/>
-              </a:rPr>
-              <a:t>Bob</a:t>
-            </a:r>
-          </a:p>
-          <a:p>
-            <a:r>
-              <a:rPr lang="en-US" sz="2000" dirty="0">
-                <a:latin typeface="Consolas" panose="020B0609020204030204" pitchFamily="49" charset="0"/>
-                <a:cs typeface="Consolas" panose="020B0609020204030204" pitchFamily="49" charset="0"/>
-              </a:rPr>
-              <a:t>['Mary', 'Bob']</a:t>
-            </a:r>
-          </a:p>
-        </p:txBody>
-      </p:sp>
-      <p:sp>
-        <p:nvSpPr>
-          <p:cNvPr id="7" name="Right Arrow 6">
-            <a:extLst>
-              <a:ext uri="{FF2B5EF4-FFF2-40B4-BE49-F238E27FC236}">
-                <a16:creationId xmlns:a16="http://schemas.microsoft.com/office/drawing/2014/main" id="{9A6BF060-5BFA-FA45-80D5-0869E08662F8}"/>
-              </a:ext>
-            </a:extLst>
-          </p:cNvPr>
-          <p:cNvSpPr/>
-          <p:nvPr/>
-        </p:nvSpPr>
-        <p:spPr>
-          <a:xfrm>
-            <a:off x="6002176" y="4605007"/>
-            <a:ext cx="978408" cy="484632"/>
-          </a:xfrm>
-          <a:prstGeom prst="rightArrow">
-            <a:avLst/>
-          </a:prstGeom>
-          <a:solidFill>
-            <a:schemeClr val="accent1">
-              <a:lumMod val="40000"/>
-              <a:lumOff val="60000"/>
-            </a:schemeClr>
-          </a:solidFill>
-        </p:spPr>
-        <p:style>
-          <a:lnRef idx="2">
-            <a:schemeClr val="accent1">
-              <a:shade val="50000"/>
-            </a:schemeClr>
-          </a:lnRef>
-          <a:fillRef idx="1">
-            <a:schemeClr val="accent1"/>
-          </a:fillRef>
-          <a:effectRef idx="0">
-            <a:schemeClr val="accent1"/>
-          </a:effectRef>
-          <a:fontRef idx="minor">
-            <a:schemeClr val="lt1"/>
-          </a:fontRef>
-        </p:style>
-        <p:txBody>
-          <a:bodyPr rtlCol="0" anchor="ctr"/>
-          <a:lstStyle/>
-          <a:p>
-            <a:pPr algn="ctr"/>
-            <a:endParaRPr lang="en-US" dirty="0"/>
-          </a:p>
-        </p:txBody>
-      </p:sp>
-      <p:sp>
-        <p:nvSpPr>
-          <p:cNvPr id="8" name="TextBox 7">
-            <a:extLst>
-              <a:ext uri="{FF2B5EF4-FFF2-40B4-BE49-F238E27FC236}">
-                <a16:creationId xmlns:a16="http://schemas.microsoft.com/office/drawing/2014/main" id="{71E30EE4-14FC-BA48-97BE-6AB25DB753A9}"/>
+          <a:extLst>
+            <a:ext uri="{909E8E84-426E-40DD-AFC4-6F175D3DCCD1}">
+              <a14:hiddenFill xmlns:a14="http://schemas.microsoft.com/office/drawing/2010/main">
+                <a:solidFill>
+                  <a:srgbClr val="FFFFFF"/>
+                </a:solidFill>
+              </a14:hiddenFill>
+            </a:ext>
+          </a:extLst>
+        </p:spPr>
+      </p:pic>
+      <p:sp>
+        <p:nvSpPr>
+          <p:cNvPr id="4" name="TextBox 3">
+            <a:extLst>
+              <a:ext uri="{FF2B5EF4-FFF2-40B4-BE49-F238E27FC236}">
+                <a16:creationId xmlns:a16="http://schemas.microsoft.com/office/drawing/2014/main" id="{C56FAEEC-04DA-3946-93BB-674F474F4D36}"/>
               </a:ext>
             </a:extLst>
           </p:cNvPr>
@@ -5838,24 +5413,244 @@
           <a:p>
             <a:r>
               <a:rPr lang="en-US" dirty="0">
-                <a:hlinkClick r:id="rId2"/>
+                <a:hlinkClick r:id="rId4"/>
               </a:rPr>
               <a:t>Experiment in </a:t>
             </a:r>
             <a:r>
               <a:rPr lang="en-US" dirty="0" err="1">
-                <a:hlinkClick r:id="rId2"/>
+                <a:hlinkClick r:id="rId4"/>
               </a:rPr>
               <a:t>pythontutor</a:t>
             </a:r>
             <a:endParaRPr lang="en-US" dirty="0"/>
+          </a:p>
+        </p:txBody>
+      </p:sp>
+      <p:sp>
+        <p:nvSpPr>
+          <p:cNvPr id="5" name="TextBox 4">
+            <a:extLst>
+              <a:ext uri="{FF2B5EF4-FFF2-40B4-BE49-F238E27FC236}">
+                <a16:creationId xmlns:a16="http://schemas.microsoft.com/office/drawing/2014/main" id="{9C937EFD-562A-C24D-82CF-876BF7D9AE4E}"/>
+              </a:ext>
+            </a:extLst>
+          </p:cNvPr>
+          <p:cNvSpPr txBox="1"/>
+          <p:nvPr/>
+        </p:nvSpPr>
+        <p:spPr>
+          <a:xfrm>
+            <a:off x="1061645" y="2854940"/>
+            <a:ext cx="9071714" cy="3477875"/>
+          </a:xfrm>
+          <a:prstGeom prst="rect">
+            <a:avLst/>
+          </a:prstGeom>
+          <a:noFill/>
+        </p:spPr>
+        <p:txBody>
+          <a:bodyPr wrap="none" rtlCol="0">
+            <a:spAutoFit/>
+          </a:bodyPr>
+          <a:lstStyle/>
+          <a:p>
+            <a:r>
+              <a:rPr lang="en-US" sz="2000" dirty="0">
+                <a:latin typeface="Consolas" panose="020B0609020204030204" pitchFamily="49" charset="0"/>
+                <a:cs typeface="Consolas" panose="020B0609020204030204" pitchFamily="49" charset="0"/>
+              </a:rPr>
+              <a:t>names = ['Terence Parr', 'Diane Woodbridge', '</a:t>
+            </a:r>
+            <a:r>
+              <a:rPr lang="en-US" sz="2000" dirty="0" err="1">
+                <a:latin typeface="Consolas" panose="020B0609020204030204" pitchFamily="49" charset="0"/>
+                <a:cs typeface="Consolas" panose="020B0609020204030204" pitchFamily="49" charset="0"/>
+              </a:rPr>
+              <a:t>Yannet</a:t>
+            </a:r>
+            <a:r>
+              <a:rPr lang="en-US" sz="2000" dirty="0">
+                <a:latin typeface="Consolas" panose="020B0609020204030204" pitchFamily="49" charset="0"/>
+                <a:cs typeface="Consolas" panose="020B0609020204030204" pitchFamily="49" charset="0"/>
+              </a:rPr>
+              <a:t> </a:t>
+            </a:r>
+            <a:r>
+              <a:rPr lang="en-US" sz="2000" dirty="0" err="1">
+                <a:latin typeface="Consolas" panose="020B0609020204030204" pitchFamily="49" charset="0"/>
+                <a:cs typeface="Consolas" panose="020B0609020204030204" pitchFamily="49" charset="0"/>
+              </a:rPr>
+              <a:t>Interian</a:t>
+            </a:r>
+            <a:r>
+              <a:rPr lang="en-US" sz="2000" dirty="0">
+                <a:latin typeface="Consolas" panose="020B0609020204030204" pitchFamily="49" charset="0"/>
+                <a:cs typeface="Consolas" panose="020B0609020204030204" pitchFamily="49" charset="0"/>
+              </a:rPr>
+              <a:t>']</a:t>
+            </a:r>
+          </a:p>
+          <a:p>
+            <a:r>
+              <a:rPr lang="en-US" sz="2000" dirty="0">
+                <a:latin typeface="Consolas" panose="020B0609020204030204" pitchFamily="49" charset="0"/>
+                <a:cs typeface="Consolas" panose="020B0609020204030204" pitchFamily="49" charset="0"/>
+              </a:rPr>
+              <a:t>for name in names:</a:t>
+            </a:r>
+          </a:p>
+          <a:p>
+            <a:r>
+              <a:rPr lang="en-US" sz="2000" dirty="0">
+                <a:latin typeface="Consolas" panose="020B0609020204030204" pitchFamily="49" charset="0"/>
+                <a:cs typeface="Consolas" panose="020B0609020204030204" pitchFamily="49" charset="0"/>
+              </a:rPr>
+              <a:t>    print(</a:t>
+            </a:r>
+            <a:r>
+              <a:rPr lang="en-US" sz="2000" dirty="0" err="1">
+                <a:latin typeface="Consolas" panose="020B0609020204030204" pitchFamily="49" charset="0"/>
+                <a:cs typeface="Consolas" panose="020B0609020204030204" pitchFamily="49" charset="0"/>
+              </a:rPr>
+              <a:t>name.split</a:t>
+            </a:r>
+            <a:r>
+              <a:rPr lang="en-US" sz="2000" dirty="0">
+                <a:latin typeface="Consolas" panose="020B0609020204030204" pitchFamily="49" charset="0"/>
+                <a:cs typeface="Consolas" panose="020B0609020204030204" pitchFamily="49" charset="0"/>
+              </a:rPr>
+              <a:t>())</a:t>
+            </a:r>
+          </a:p>
+          <a:p>
+            <a:endParaRPr lang="en-US" sz="2000" dirty="0">
+              <a:latin typeface="Consolas" panose="020B0609020204030204" pitchFamily="49" charset="0"/>
+              <a:cs typeface="Consolas" panose="020B0609020204030204" pitchFamily="49" charset="0"/>
+            </a:endParaRPr>
+          </a:p>
+          <a:p>
+            <a:r>
+              <a:rPr lang="en-US" sz="2000" dirty="0">
+                <a:latin typeface="Consolas" panose="020B0609020204030204" pitchFamily="49" charset="0"/>
+                <a:cs typeface="Consolas" panose="020B0609020204030204" pitchFamily="49" charset="0"/>
+              </a:rPr>
+              <a:t>first = []</a:t>
+            </a:r>
+          </a:p>
+          <a:p>
+            <a:r>
+              <a:rPr lang="en-US" sz="2000" dirty="0">
+                <a:latin typeface="Consolas" panose="020B0609020204030204" pitchFamily="49" charset="0"/>
+                <a:cs typeface="Consolas" panose="020B0609020204030204" pitchFamily="49" charset="0"/>
+              </a:rPr>
+              <a:t>last = []</a:t>
+            </a:r>
+          </a:p>
+          <a:p>
+            <a:r>
+              <a:rPr lang="en-US" sz="2000" dirty="0">
+                <a:latin typeface="Consolas" panose="020B0609020204030204" pitchFamily="49" charset="0"/>
+                <a:cs typeface="Consolas" panose="020B0609020204030204" pitchFamily="49" charset="0"/>
+              </a:rPr>
+              <a:t>for name in names:</a:t>
+            </a:r>
+          </a:p>
+          <a:p>
+            <a:r>
+              <a:rPr lang="en-US" sz="2000" dirty="0">
+                <a:latin typeface="Consolas" panose="020B0609020204030204" pitchFamily="49" charset="0"/>
+                <a:cs typeface="Consolas" panose="020B0609020204030204" pitchFamily="49" charset="0"/>
+              </a:rPr>
+              <a:t>    </a:t>
+            </a:r>
+            <a:r>
+              <a:rPr lang="en-US" sz="2000" dirty="0" err="1">
+                <a:latin typeface="Consolas" panose="020B0609020204030204" pitchFamily="49" charset="0"/>
+                <a:cs typeface="Consolas" panose="020B0609020204030204" pitchFamily="49" charset="0"/>
+              </a:rPr>
+              <a:t>f,l</a:t>
+            </a:r>
+            <a:r>
+              <a:rPr lang="en-US" sz="2000" dirty="0">
+                <a:latin typeface="Consolas" panose="020B0609020204030204" pitchFamily="49" charset="0"/>
+                <a:cs typeface="Consolas" panose="020B0609020204030204" pitchFamily="49" charset="0"/>
+              </a:rPr>
+              <a:t> = </a:t>
+            </a:r>
+            <a:r>
+              <a:rPr lang="en-US" sz="2000" dirty="0" err="1">
+                <a:latin typeface="Consolas" panose="020B0609020204030204" pitchFamily="49" charset="0"/>
+                <a:cs typeface="Consolas" panose="020B0609020204030204" pitchFamily="49" charset="0"/>
+              </a:rPr>
+              <a:t>name.split</a:t>
+            </a:r>
+            <a:r>
+              <a:rPr lang="en-US" sz="2000" dirty="0">
+                <a:latin typeface="Consolas" panose="020B0609020204030204" pitchFamily="49" charset="0"/>
+                <a:cs typeface="Consolas" panose="020B0609020204030204" pitchFamily="49" charset="0"/>
+              </a:rPr>
+              <a:t>()</a:t>
+            </a:r>
+          </a:p>
+          <a:p>
+            <a:r>
+              <a:rPr lang="en-US" sz="2000" dirty="0">
+                <a:latin typeface="Consolas" panose="020B0609020204030204" pitchFamily="49" charset="0"/>
+                <a:cs typeface="Consolas" panose="020B0609020204030204" pitchFamily="49" charset="0"/>
+              </a:rPr>
+              <a:t>    </a:t>
+            </a:r>
+            <a:r>
+              <a:rPr lang="en-US" sz="2000" dirty="0" err="1">
+                <a:latin typeface="Consolas" panose="020B0609020204030204" pitchFamily="49" charset="0"/>
+                <a:cs typeface="Consolas" panose="020B0609020204030204" pitchFamily="49" charset="0"/>
+              </a:rPr>
+              <a:t>first.append</a:t>
+            </a:r>
+            <a:r>
+              <a:rPr lang="en-US" sz="2000" dirty="0">
+                <a:latin typeface="Consolas" panose="020B0609020204030204" pitchFamily="49" charset="0"/>
+                <a:cs typeface="Consolas" panose="020B0609020204030204" pitchFamily="49" charset="0"/>
+              </a:rPr>
+              <a:t>(f)</a:t>
+            </a:r>
+          </a:p>
+          <a:p>
+            <a:r>
+              <a:rPr lang="en-US" sz="2000" dirty="0">
+                <a:latin typeface="Consolas" panose="020B0609020204030204" pitchFamily="49" charset="0"/>
+                <a:cs typeface="Consolas" panose="020B0609020204030204" pitchFamily="49" charset="0"/>
+              </a:rPr>
+              <a:t>    </a:t>
+            </a:r>
+            <a:r>
+              <a:rPr lang="en-US" sz="2000" dirty="0" err="1">
+                <a:latin typeface="Consolas" panose="020B0609020204030204" pitchFamily="49" charset="0"/>
+                <a:cs typeface="Consolas" panose="020B0609020204030204" pitchFamily="49" charset="0"/>
+              </a:rPr>
+              <a:t>last.append</a:t>
+            </a:r>
+            <a:r>
+              <a:rPr lang="en-US" sz="2000" dirty="0">
+                <a:latin typeface="Consolas" panose="020B0609020204030204" pitchFamily="49" charset="0"/>
+                <a:cs typeface="Consolas" panose="020B0609020204030204" pitchFamily="49" charset="0"/>
+              </a:rPr>
+              <a:t>(l)</a:t>
+            </a:r>
+          </a:p>
+          <a:p>
+            <a:endParaRPr lang="en-US" sz="2000" dirty="0">
+              <a:latin typeface="Consolas" panose="020B0609020204030204" pitchFamily="49" charset="0"/>
+              <a:cs typeface="Consolas" panose="020B0609020204030204" pitchFamily="49" charset="0"/>
+            </a:endParaRPr>
           </a:p>
         </p:txBody>
       </p:sp>
     </p:spTree>
     <p:extLst>
       <p:ext uri="{BB962C8B-B14F-4D97-AF65-F5344CB8AC3E}">
-        <p14:creationId xmlns:p14="http://schemas.microsoft.com/office/powerpoint/2010/main" val="3332281489"/>
+        <p14:creationId xmlns:p14="http://schemas.microsoft.com/office/powerpoint/2010/main" val="4053085584"/>
       </p:ext>
     </p:extLst>
   </p:cSld>
@@ -5887,7 +5682,7 @@
           <p:cNvPr id="2" name="Title 1">
             <a:extLst>
               <a:ext uri="{FF2B5EF4-FFF2-40B4-BE49-F238E27FC236}">
-                <a16:creationId xmlns:a16="http://schemas.microsoft.com/office/drawing/2014/main" id="{65E83064-5F36-7C4C-A72E-27910AB7C55D}"/>
+                <a16:creationId xmlns:a16="http://schemas.microsoft.com/office/drawing/2014/main" id="{C1D28A1B-2C67-A540-ACE7-7886108CFDF7}"/>
               </a:ext>
             </a:extLst>
           </p:cNvPr>
@@ -5905,7 +5700,7 @@
           <a:p>
             <a:r>
               <a:rPr lang="en-US" dirty="0"/>
-              <a:t>Filter</a:t>
+              <a:t>Slice a list (or string)</a:t>
             </a:r>
           </a:p>
         </p:txBody>
@@ -5915,7 +5710,7 @@
           <p:cNvPr id="3" name="Content Placeholder 2">
             <a:extLst>
               <a:ext uri="{FF2B5EF4-FFF2-40B4-BE49-F238E27FC236}">
-                <a16:creationId xmlns:a16="http://schemas.microsoft.com/office/drawing/2014/main" id="{438027BB-04F3-4D4D-A842-199F3DF0667B}"/>
+                <a16:creationId xmlns:a16="http://schemas.microsoft.com/office/drawing/2014/main" id="{9208EBF0-6D21-3D48-BBB2-B8343D96DE87}"/>
               </a:ext>
             </a:extLst>
           </p:cNvPr>
@@ -5926,35 +5721,65 @@
             <p:ph idx="1"/>
           </p:nvPr>
         </p:nvSpPr>
-        <p:spPr>
-          <a:xfrm>
-            <a:off x="838200" y="1538868"/>
-            <a:ext cx="10515600" cy="4638095"/>
-          </a:xfrm>
-        </p:spPr>
+        <p:spPr/>
         <p:txBody>
           <a:bodyPr/>
           <a:lstStyle/>
           <a:p>
             <a:r>
               <a:rPr lang="en-US" dirty="0"/>
-              <a:t>The filter operation is similar to the map operation in that a computation is applied to each element of the input stream</a:t>
+              <a:t>Some operations yield subsets of the data, such as slice, which extracts a subset of a list (that fits in memory)</a:t>
             </a:r>
           </a:p>
           <a:p>
             <a:r>
               <a:rPr lang="en-US" dirty="0"/>
-              <a:t>Filter tests each element for a specific condition and, if true, adds that element to the new sequence</a:t>
-            </a:r>
-          </a:p>
-        </p:txBody>
-      </p:sp>
-      <p:sp>
-        <p:nvSpPr>
-          <p:cNvPr id="4" name="TextBox 3">
-            <a:extLst>
-              <a:ext uri="{FF2B5EF4-FFF2-40B4-BE49-F238E27FC236}">
-                <a16:creationId xmlns:a16="http://schemas.microsoft.com/office/drawing/2014/main" id="{5F15B8B0-53D7-2C4F-AAC5-CBBEFD41353F}"/>
+              <a:t>Syntax is </a:t>
+            </a:r>
+            <a:r>
+              <a:rPr lang="en-US" b="1" dirty="0"/>
+              <a:t>A[</a:t>
+            </a:r>
+            <a:r>
+              <a:rPr lang="en-US" b="1" dirty="0" err="1"/>
+              <a:t>begin:end</a:t>
+            </a:r>
+            <a:r>
+              <a:rPr lang="en-US" b="1" dirty="0"/>
+              <a:t>] </a:t>
+            </a:r>
+            <a:r>
+              <a:rPr lang="en-US" dirty="0"/>
+              <a:t>where </a:t>
+            </a:r>
+            <a:r>
+              <a:rPr lang="en-US" b="1" dirty="0"/>
+              <a:t>begin</a:t>
+            </a:r>
+            <a:r>
+              <a:rPr lang="en-US" dirty="0"/>
+              <a:t> is inclusive and </a:t>
+            </a:r>
+            <a:r>
+              <a:rPr lang="en-US" b="1" dirty="0"/>
+              <a:t>end</a:t>
+            </a:r>
+            <a:r>
+              <a:rPr lang="en-US" dirty="0"/>
+              <a:t> is not</a:t>
+            </a:r>
+          </a:p>
+          <a:p>
+            <a:endParaRPr lang="en-US" dirty="0"/>
+          </a:p>
+        </p:txBody>
+      </p:sp>
+      <p:sp>
+        <p:nvSpPr>
+          <p:cNvPr id="5" name="TextBox 4">
+            <a:extLst>
+              <a:ext uri="{FF2B5EF4-FFF2-40B4-BE49-F238E27FC236}">
+                <a16:creationId xmlns:a16="http://schemas.microsoft.com/office/drawing/2014/main" id="{3F28D277-1364-F84D-AA3E-90F8755C218F}"/>
               </a:ext>
             </a:extLst>
           </p:cNvPr>
@@ -5963,8 +5788,8 @@
         </p:nvSpPr>
         <p:spPr>
           <a:xfrm>
-            <a:off x="0" y="6488668"/>
-            <a:ext cx="2813591" cy="369332"/>
+            <a:off x="1867711" y="3570051"/>
+            <a:ext cx="4134465" cy="2554545"/>
           </a:xfrm>
           <a:prstGeom prst="rect">
             <a:avLst/>
@@ -5978,27 +5803,98 @@
           <a:lstStyle/>
           <a:p>
             <a:r>
-              <a:rPr lang="en-US" dirty="0">
-                <a:hlinkClick r:id="rId2"/>
-              </a:rPr>
-              <a:t>Experiment in </a:t>
-            </a:r>
-            <a:r>
-              <a:rPr lang="en-US" dirty="0" err="1">
-                <a:hlinkClick r:id="rId2"/>
-              </a:rPr>
-              <a:t>pythontutor</a:t>
-            </a:r>
-            <a:endParaRPr lang="en-US" dirty="0"/>
-          </a:p>
-        </p:txBody>
-      </p:sp>
-      <p:sp>
-        <p:nvSpPr>
-          <p:cNvPr id="5" name="TextBox 4">
-            <a:extLst>
-              <a:ext uri="{FF2B5EF4-FFF2-40B4-BE49-F238E27FC236}">
-                <a16:creationId xmlns:a16="http://schemas.microsoft.com/office/drawing/2014/main" id="{A56FD7AA-3F73-2849-8E40-810EE4EF3373}"/>
+              <a:rPr lang="en-US" sz="2000" dirty="0">
+                <a:latin typeface="Consolas" panose="020B0609020204030204" pitchFamily="49" charset="0"/>
+                <a:cs typeface="Consolas" panose="020B0609020204030204" pitchFamily="49" charset="0"/>
+              </a:rPr>
+              <a:t>names=['</a:t>
+            </a:r>
+            <a:r>
+              <a:rPr lang="en-US" sz="2000" dirty="0" err="1">
+                <a:latin typeface="Consolas" panose="020B0609020204030204" pitchFamily="49" charset="0"/>
+                <a:cs typeface="Consolas" panose="020B0609020204030204" pitchFamily="49" charset="0"/>
+              </a:rPr>
+              <a:t>Xue</a:t>
+            </a:r>
+            <a:r>
+              <a:rPr lang="en-US" sz="2000" dirty="0">
+                <a:latin typeface="Consolas" panose="020B0609020204030204" pitchFamily="49" charset="0"/>
+                <a:cs typeface="Consolas" panose="020B0609020204030204" pitchFamily="49" charset="0"/>
+              </a:rPr>
+              <a:t>', 'Mary', 'Bob']</a:t>
+            </a:r>
+          </a:p>
+          <a:p>
+            <a:r>
+              <a:rPr lang="en-US" sz="2000" dirty="0">
+                <a:latin typeface="Consolas" panose="020B0609020204030204" pitchFamily="49" charset="0"/>
+                <a:cs typeface="Consolas" panose="020B0609020204030204" pitchFamily="49" charset="0"/>
+              </a:rPr>
+              <a:t>print(names[0:1])</a:t>
+            </a:r>
+          </a:p>
+          <a:p>
+            <a:r>
+              <a:rPr lang="en-US" sz="2000" dirty="0">
+                <a:latin typeface="Consolas" panose="020B0609020204030204" pitchFamily="49" charset="0"/>
+                <a:cs typeface="Consolas" panose="020B0609020204030204" pitchFamily="49" charset="0"/>
+              </a:rPr>
+              <a:t>print(names[0:2])</a:t>
+            </a:r>
+          </a:p>
+          <a:p>
+            <a:r>
+              <a:rPr lang="en-US" sz="2000" dirty="0">
+                <a:latin typeface="Consolas" panose="020B0609020204030204" pitchFamily="49" charset="0"/>
+                <a:cs typeface="Consolas" panose="020B0609020204030204" pitchFamily="49" charset="0"/>
+              </a:rPr>
+              <a:t>print(names[0:3])</a:t>
+            </a:r>
+          </a:p>
+          <a:p>
+            <a:r>
+              <a:rPr lang="en-US" sz="2000" dirty="0">
+                <a:latin typeface="Consolas" panose="020B0609020204030204" pitchFamily="49" charset="0"/>
+                <a:cs typeface="Consolas" panose="020B0609020204030204" pitchFamily="49" charset="0"/>
+              </a:rPr>
+              <a:t>print(names[2:3])</a:t>
+            </a:r>
+          </a:p>
+          <a:p>
+            <a:r>
+              <a:rPr lang="en-US" sz="2000" dirty="0">
+                <a:latin typeface="Consolas" panose="020B0609020204030204" pitchFamily="49" charset="0"/>
+                <a:cs typeface="Consolas" panose="020B0609020204030204" pitchFamily="49" charset="0"/>
+              </a:rPr>
+              <a:t>print(names[1:])</a:t>
+            </a:r>
+          </a:p>
+          <a:p>
+            <a:r>
+              <a:rPr lang="en-US" sz="2000" dirty="0">
+                <a:latin typeface="Consolas" panose="020B0609020204030204" pitchFamily="49" charset="0"/>
+                <a:cs typeface="Consolas" panose="020B0609020204030204" pitchFamily="49" charset="0"/>
+              </a:rPr>
+              <a:t>print(names[-1])</a:t>
+            </a:r>
+          </a:p>
+          <a:p>
+            <a:r>
+              <a:rPr lang="en-US" sz="2000" dirty="0">
+                <a:latin typeface="Consolas" panose="020B0609020204030204" pitchFamily="49" charset="0"/>
+                <a:cs typeface="Consolas" panose="020B0609020204030204" pitchFamily="49" charset="0"/>
+              </a:rPr>
+              <a:t>print(names[-2:])</a:t>
+            </a:r>
+          </a:p>
+        </p:txBody>
+      </p:sp>
+      <p:sp>
+        <p:nvSpPr>
+          <p:cNvPr id="6" name="TextBox 5">
+            <a:extLst>
+              <a:ext uri="{FF2B5EF4-FFF2-40B4-BE49-F238E27FC236}">
+                <a16:creationId xmlns:a16="http://schemas.microsoft.com/office/drawing/2014/main" id="{37EA2493-FD70-4840-A1F2-77B1F12897D4}"/>
               </a:ext>
             </a:extLst>
           </p:cNvPr>
@@ -6007,8 +5903,8 @@
         </p:nvSpPr>
         <p:spPr>
           <a:xfrm>
-            <a:off x="1835957" y="3429000"/>
-            <a:ext cx="8930650" cy="2554545"/>
+            <a:off x="7480572" y="3877828"/>
+            <a:ext cx="3288080" cy="2246769"/>
           </a:xfrm>
           <a:prstGeom prst="rect">
             <a:avLst/>
@@ -6026,16 +5922,21 @@
                 <a:latin typeface="Consolas" panose="020B0609020204030204" pitchFamily="49" charset="0"/>
                 <a:cs typeface="Consolas" panose="020B0609020204030204" pitchFamily="49" charset="0"/>
               </a:rPr>
-              <a:t>shipping = [35, 68.02, 2.99, 3.99, 5.94, 4.95, 7.72, 6.22]</a:t>
-            </a:r>
-          </a:p>
-          <a:p>
+              <a:t>['</a:t>
+            </a:r>
+            <a:r>
+              <a:rPr lang="en-US" sz="2000" dirty="0" err="1">
+                <a:latin typeface="Consolas" panose="020B0609020204030204" pitchFamily="49" charset="0"/>
+                <a:cs typeface="Consolas" panose="020B0609020204030204" pitchFamily="49" charset="0"/>
+              </a:rPr>
+              <a:t>Xue</a:t>
+            </a:r>
             <a:r>
               <a:rPr lang="en-US" sz="2000" dirty="0">
                 <a:latin typeface="Consolas" panose="020B0609020204030204" pitchFamily="49" charset="0"/>
                 <a:cs typeface="Consolas" panose="020B0609020204030204" pitchFamily="49" charset="0"/>
               </a:rPr>
-              <a:t>shipping2 = []</a:t>
+              <a:t>']</a:t>
             </a:r>
           </a:p>
           <a:p>
@@ -6044,16 +5945,21 @@
                 <a:latin typeface="Consolas" panose="020B0609020204030204" pitchFamily="49" charset="0"/>
                 <a:cs typeface="Consolas" panose="020B0609020204030204" pitchFamily="49" charset="0"/>
               </a:rPr>
-              <a:t>for x in shipping:</a:t>
-            </a:r>
-          </a:p>
-          <a:p>
+              <a:t>['</a:t>
+            </a:r>
+            <a:r>
+              <a:rPr lang="en-US" sz="2000" dirty="0" err="1">
+                <a:latin typeface="Consolas" panose="020B0609020204030204" pitchFamily="49" charset="0"/>
+                <a:cs typeface="Consolas" panose="020B0609020204030204" pitchFamily="49" charset="0"/>
+              </a:rPr>
+              <a:t>Xue</a:t>
+            </a:r>
             <a:r>
               <a:rPr lang="en-US" sz="2000" dirty="0">
                 <a:latin typeface="Consolas" panose="020B0609020204030204" pitchFamily="49" charset="0"/>
                 <a:cs typeface="Consolas" panose="020B0609020204030204" pitchFamily="49" charset="0"/>
               </a:rPr>
-              <a:t>    if x &lt; 10:</a:t>
+              <a:t>', 'Mary']</a:t>
             </a:r>
           </a:p>
           <a:p>
@@ -6062,23 +5968,22 @@
                 <a:latin typeface="Consolas" panose="020B0609020204030204" pitchFamily="49" charset="0"/>
                 <a:cs typeface="Consolas" panose="020B0609020204030204" pitchFamily="49" charset="0"/>
               </a:rPr>
-              <a:t>        shipping2.append(x)</a:t>
-            </a:r>
-          </a:p>
-          <a:p>
+              <a:t>['</a:t>
+            </a:r>
+            <a:r>
+              <a:rPr lang="en-US" sz="2000" dirty="0" err="1">
+                <a:latin typeface="Consolas" panose="020B0609020204030204" pitchFamily="49" charset="0"/>
+                <a:cs typeface="Consolas" panose="020B0609020204030204" pitchFamily="49" charset="0"/>
+              </a:rPr>
+              <a:t>Xue</a:t>
+            </a:r>
             <a:r>
               <a:rPr lang="en-US" sz="2000" dirty="0">
                 <a:latin typeface="Consolas" panose="020B0609020204030204" pitchFamily="49" charset="0"/>
                 <a:cs typeface="Consolas" panose="020B0609020204030204" pitchFamily="49" charset="0"/>
               </a:rPr>
-              <a:t>print(shipping2) # prints [2.99, 3.99, 5.94, 4.95, 7.72, 6.22]</a:t>
-            </a:r>
-          </a:p>
-          <a:p>
-            <a:endParaRPr lang="en-US" sz="2000" dirty="0">
-              <a:latin typeface="Consolas" panose="020B0609020204030204" pitchFamily="49" charset="0"/>
-              <a:cs typeface="Consolas" panose="020B0609020204030204" pitchFamily="49" charset="0"/>
-            </a:endParaRPr>
+              <a:t>', 'Mary', 'Bob']</a:t>
+            </a:r>
           </a:p>
           <a:p>
             <a:r>
@@ -6086,15 +5991,138 @@
                 <a:latin typeface="Consolas" panose="020B0609020204030204" pitchFamily="49" charset="0"/>
                 <a:cs typeface="Consolas" panose="020B0609020204030204" pitchFamily="49" charset="0"/>
               </a:rPr>
-              <a:t>shipping2 = [x for x in shipping if x &lt; 10] # much easier</a:t>
-            </a:r>
+              <a:t>['Bob’]</a:t>
+            </a:r>
+          </a:p>
+          <a:p>
+            <a:r>
+              <a:rPr lang="en-US" sz="2000" dirty="0">
+                <a:latin typeface="Consolas" panose="020B0609020204030204" pitchFamily="49" charset="0"/>
+                <a:cs typeface="Consolas" panose="020B0609020204030204" pitchFamily="49" charset="0"/>
+              </a:rPr>
+              <a:t>['Mary', 'Bob']</a:t>
+            </a:r>
+          </a:p>
+          <a:p>
+            <a:r>
+              <a:rPr lang="en-US" sz="2000" dirty="0">
+                <a:latin typeface="Consolas" panose="020B0609020204030204" pitchFamily="49" charset="0"/>
+                <a:cs typeface="Consolas" panose="020B0609020204030204" pitchFamily="49" charset="0"/>
+              </a:rPr>
+              <a:t>Bob</a:t>
+            </a:r>
+          </a:p>
+          <a:p>
+            <a:r>
+              <a:rPr lang="en-US" sz="2000" dirty="0">
+                <a:latin typeface="Consolas" panose="020B0609020204030204" pitchFamily="49" charset="0"/>
+                <a:cs typeface="Consolas" panose="020B0609020204030204" pitchFamily="49" charset="0"/>
+              </a:rPr>
+              <a:t>['Mary', 'Bob']</a:t>
+            </a:r>
+          </a:p>
+        </p:txBody>
+      </p:sp>
+      <p:sp>
+        <p:nvSpPr>
+          <p:cNvPr id="7" name="Right Arrow 6">
+            <a:extLst>
+              <a:ext uri="{FF2B5EF4-FFF2-40B4-BE49-F238E27FC236}">
+                <a16:creationId xmlns:a16="http://schemas.microsoft.com/office/drawing/2014/main" id="{9A6BF060-5BFA-FA45-80D5-0869E08662F8}"/>
+              </a:ext>
+            </a:extLst>
+          </p:cNvPr>
+          <p:cNvSpPr/>
+          <p:nvPr/>
+        </p:nvSpPr>
+        <p:spPr>
+          <a:xfrm>
+            <a:off x="6002176" y="4605007"/>
+            <a:ext cx="978408" cy="484632"/>
+          </a:xfrm>
+          <a:prstGeom prst="rightArrow">
+            <a:avLst/>
+          </a:prstGeom>
+          <a:solidFill>
+            <a:schemeClr val="accent1">
+              <a:lumMod val="40000"/>
+              <a:lumOff val="60000"/>
+            </a:schemeClr>
+          </a:solidFill>
+        </p:spPr>
+        <p:style>
+          <a:lnRef idx="2">
+            <a:schemeClr val="accent1">
+              <a:shade val="50000"/>
+            </a:schemeClr>
+          </a:lnRef>
+          <a:fillRef idx="1">
+            <a:schemeClr val="accent1"/>
+          </a:fillRef>
+          <a:effectRef idx="0">
+            <a:schemeClr val="accent1"/>
+          </a:effectRef>
+          <a:fontRef idx="minor">
+            <a:schemeClr val="lt1"/>
+          </a:fontRef>
+        </p:style>
+        <p:txBody>
+          <a:bodyPr rtlCol="0" anchor="ctr"/>
+          <a:lstStyle/>
+          <a:p>
+            <a:pPr algn="ctr"/>
+            <a:endParaRPr lang="en-US" dirty="0"/>
+          </a:p>
+        </p:txBody>
+      </p:sp>
+      <p:sp>
+        <p:nvSpPr>
+          <p:cNvPr id="8" name="TextBox 7">
+            <a:extLst>
+              <a:ext uri="{FF2B5EF4-FFF2-40B4-BE49-F238E27FC236}">
+                <a16:creationId xmlns:a16="http://schemas.microsoft.com/office/drawing/2014/main" id="{71E30EE4-14FC-BA48-97BE-6AB25DB753A9}"/>
+              </a:ext>
+            </a:extLst>
+          </p:cNvPr>
+          <p:cNvSpPr txBox="1"/>
+          <p:nvPr/>
+        </p:nvSpPr>
+        <p:spPr>
+          <a:xfrm>
+            <a:off x="0" y="6488668"/>
+            <a:ext cx="2813591" cy="369332"/>
+          </a:xfrm>
+          <a:prstGeom prst="rect">
+            <a:avLst/>
+          </a:prstGeom>
+          <a:noFill/>
+        </p:spPr>
+        <p:txBody>
+          <a:bodyPr wrap="none" rtlCol="0">
+            <a:spAutoFit/>
+          </a:bodyPr>
+          <a:lstStyle/>
+          <a:p>
+            <a:r>
+              <a:rPr lang="en-US" dirty="0">
+                <a:hlinkClick r:id="rId2"/>
+              </a:rPr>
+              <a:t>Experiment in </a:t>
+            </a:r>
+            <a:r>
+              <a:rPr lang="en-US" dirty="0" err="1">
+                <a:hlinkClick r:id="rId2"/>
+              </a:rPr>
+              <a:t>pythontutor</a:t>
+            </a:r>
+            <a:endParaRPr lang="en-US" dirty="0"/>
           </a:p>
         </p:txBody>
       </p:sp>
     </p:spTree>
     <p:extLst>
       <p:ext uri="{BB962C8B-B14F-4D97-AF65-F5344CB8AC3E}">
-        <p14:creationId xmlns:p14="http://schemas.microsoft.com/office/powerpoint/2010/main" val="2886168278"/>
+        <p14:creationId xmlns:p14="http://schemas.microsoft.com/office/powerpoint/2010/main" val="3332281489"/>
       </p:ext>
     </p:extLst>
   </p:cSld>
@@ -6126,7 +6154,7 @@
           <p:cNvPr id="2" name="Title 1">
             <a:extLst>
               <a:ext uri="{FF2B5EF4-FFF2-40B4-BE49-F238E27FC236}">
-                <a16:creationId xmlns:a16="http://schemas.microsoft.com/office/drawing/2014/main" id="{76A58C7C-C8DD-AF42-AA89-62972ACF45BF}"/>
+                <a16:creationId xmlns:a16="http://schemas.microsoft.com/office/drawing/2014/main" id="{65E83064-5F36-7C4C-A72E-27910AB7C55D}"/>
               </a:ext>
             </a:extLst>
           </p:cNvPr>
@@ -6144,7 +6172,7 @@
           <a:p>
             <a:r>
               <a:rPr lang="en-US" dirty="0"/>
-              <a:t>Filtering rows of data</a:t>
+              <a:t>Filter</a:t>
             </a:r>
           </a:p>
         </p:txBody>
@@ -6154,7 +6182,7 @@
           <p:cNvPr id="3" name="Content Placeholder 2">
             <a:extLst>
               <a:ext uri="{FF2B5EF4-FFF2-40B4-BE49-F238E27FC236}">
-                <a16:creationId xmlns:a16="http://schemas.microsoft.com/office/drawing/2014/main" id="{5A39EEF0-81F3-B145-ADC6-EB2DBC74068F}"/>
+                <a16:creationId xmlns:a16="http://schemas.microsoft.com/office/drawing/2014/main" id="{438027BB-04F3-4D4D-A842-199F3DF0667B}"/>
               </a:ext>
             </a:extLst>
           </p:cNvPr>
@@ -6177,7 +6205,13 @@
           <a:p>
             <a:r>
               <a:rPr lang="en-US" dirty="0"/>
-              <a:t>We can also filter on one column but keep the data within each row together; e.g., filter for Oscar winners</a:t>
+              <a:t>The filter operation is similar to the map operation in that a computation is applied to each element of the input stream</a:t>
+            </a:r>
+          </a:p>
+          <a:p>
+            <a:r>
+              <a:rPr lang="en-US" dirty="0"/>
+              <a:t>Filter tests each element for a specific condition and, if true, adds that element to the new sequence</a:t>
             </a:r>
           </a:p>
         </p:txBody>
@@ -6187,7 +6221,7 @@
           <p:cNvPr id="4" name="TextBox 3">
             <a:extLst>
               <a:ext uri="{FF2B5EF4-FFF2-40B4-BE49-F238E27FC236}">
-                <a16:creationId xmlns:a16="http://schemas.microsoft.com/office/drawing/2014/main" id="{0895ADA9-C5FF-9640-9EC5-EE085A557EEB}"/>
+                <a16:creationId xmlns:a16="http://schemas.microsoft.com/office/drawing/2014/main" id="{5F15B8B0-53D7-2C4F-AAC5-CBBEFD41353F}"/>
               </a:ext>
             </a:extLst>
           </p:cNvPr>
@@ -6196,8 +6230,8 @@
         </p:nvSpPr>
         <p:spPr>
           <a:xfrm>
-            <a:off x="1051029" y="2364059"/>
-            <a:ext cx="5577168" cy="4093428"/>
+            <a:off x="0" y="6488668"/>
+            <a:ext cx="2813591" cy="369332"/>
           </a:xfrm>
           <a:prstGeom prst="rect">
             <a:avLst/>
@@ -6211,101 +6245,18 @@
           <a:lstStyle/>
           <a:p>
             <a:r>
-              <a:rPr lang="en-US" sz="2000" dirty="0" err="1"/>
-              <a:t>oscars</a:t>
-            </a:r>
-            <a:r>
-              <a:rPr lang="en-US" sz="2000" dirty="0"/>
-              <a:t> = [</a:t>
-            </a:r>
-          </a:p>
-          <a:p>
-            <a:r>
-              <a:rPr lang="en-US" sz="2000" dirty="0"/>
-              <a:t>    [1984, "A Soldier's Story", 0],</a:t>
-            </a:r>
-          </a:p>
-          <a:p>
-            <a:r>
-              <a:rPr lang="en-US" sz="2000" dirty="0"/>
-              <a:t>    [1984, 'Places in the Heart', 0],</a:t>
-            </a:r>
-          </a:p>
-          <a:p>
-            <a:r>
-              <a:rPr lang="en-US" sz="2000" dirty="0"/>
-              <a:t>    [1984, 'The Killing Fields', 0],</a:t>
-            </a:r>
-          </a:p>
-          <a:p>
-            <a:r>
-              <a:rPr lang="en-US" sz="2000" dirty="0"/>
-              <a:t>    [1984, 'A Passage to India', 0],</a:t>
-            </a:r>
-          </a:p>
-          <a:p>
-            <a:r>
-              <a:rPr lang="en-US" sz="2000" dirty="0"/>
-              <a:t>    [1984, 'Amadeus', 1],</a:t>
-            </a:r>
-          </a:p>
-          <a:p>
-            <a:r>
-              <a:rPr lang="en-US" sz="2000" dirty="0"/>
-              <a:t>    [1985, "</a:t>
-            </a:r>
-            <a:r>
-              <a:rPr lang="en-US" sz="2000" dirty="0" err="1"/>
-              <a:t>Prizzi's</a:t>
-            </a:r>
-            <a:r>
-              <a:rPr lang="en-US" sz="2000" dirty="0"/>
-              <a:t> Honor", 0],</a:t>
-            </a:r>
-          </a:p>
-          <a:p>
-            <a:r>
-              <a:rPr lang="en-US" sz="2000" dirty="0"/>
-              <a:t>    [1985, 'Kiss of the Spider Woman', 0],</a:t>
-            </a:r>
-          </a:p>
-          <a:p>
-            <a:r>
-              <a:rPr lang="en-US" sz="2000" dirty="0"/>
-              <a:t>    [1985, 'Witness', 0],</a:t>
-            </a:r>
-          </a:p>
-          <a:p>
-            <a:r>
-              <a:rPr lang="en-US" sz="2000" dirty="0"/>
-              <a:t>    [1985, 'The Color Purple', 0],</a:t>
-            </a:r>
-          </a:p>
-          <a:p>
-            <a:r>
-              <a:rPr lang="en-US" sz="2000" dirty="0"/>
-              <a:t>    [1985, 'Out of Africa', 1]</a:t>
-            </a:r>
-          </a:p>
-          <a:p>
-            <a:r>
-              <a:rPr lang="en-US" sz="2000" dirty="0"/>
-              <a:t>]</a:t>
-            </a:r>
-          </a:p>
-          <a:p>
-            <a:r>
-              <a:rPr lang="en-US" sz="2000" dirty="0"/>
-              <a:t>print([movie for movie in </a:t>
-            </a:r>
-            <a:r>
-              <a:rPr lang="en-US" sz="2000" dirty="0" err="1"/>
-              <a:t>oscars</a:t>
-            </a:r>
-            <a:r>
-              <a:rPr lang="en-US" sz="2000" dirty="0"/>
-              <a:t> if movie[2]==1])</a:t>
-            </a:r>
+              <a:rPr lang="en-US" dirty="0">
+                <a:hlinkClick r:id="rId2"/>
+              </a:rPr>
+              <a:t>Experiment in </a:t>
+            </a:r>
+            <a:r>
+              <a:rPr lang="en-US" dirty="0" err="1">
+                <a:hlinkClick r:id="rId2"/>
+              </a:rPr>
+              <a:t>pythontutor</a:t>
+            </a:r>
+            <a:endParaRPr lang="en-US" dirty="0"/>
           </a:p>
         </p:txBody>
       </p:sp>
@@ -6314,7 +6265,7 @@
           <p:cNvPr id="5" name="TextBox 4">
             <a:extLst>
               <a:ext uri="{FF2B5EF4-FFF2-40B4-BE49-F238E27FC236}">
-                <a16:creationId xmlns:a16="http://schemas.microsoft.com/office/drawing/2014/main" id="{7EA0E861-8C96-BB43-9800-CBF2AF1BD019}"/>
+                <a16:creationId xmlns:a16="http://schemas.microsoft.com/office/drawing/2014/main" id="{A56FD7AA-3F73-2849-8E40-810EE4EF3373}"/>
               </a:ext>
             </a:extLst>
           </p:cNvPr>
@@ -6323,8 +6274,8 @@
         </p:nvSpPr>
         <p:spPr>
           <a:xfrm>
-            <a:off x="0" y="6488668"/>
-            <a:ext cx="2813591" cy="369332"/>
+            <a:off x="1835957" y="3429000"/>
+            <a:ext cx="8930650" cy="2554545"/>
           </a:xfrm>
           <a:prstGeom prst="rect">
             <a:avLst/>
@@ -6338,112 +6289,79 @@
           <a:lstStyle/>
           <a:p>
             <a:r>
-              <a:rPr lang="en-US" dirty="0">
-                <a:hlinkClick r:id="rId2"/>
-              </a:rPr>
-              <a:t>Experiment in </a:t>
-            </a:r>
-            <a:r>
-              <a:rPr lang="en-US" dirty="0" err="1">
-                <a:hlinkClick r:id="rId2"/>
-              </a:rPr>
-              <a:t>pythontutor</a:t>
-            </a:r>
-            <a:endParaRPr lang="en-US" dirty="0"/>
-          </a:p>
-        </p:txBody>
-      </p:sp>
-      <p:sp>
-        <p:nvSpPr>
-          <p:cNvPr id="6" name="TextBox 5">
-            <a:extLst>
-              <a:ext uri="{FF2B5EF4-FFF2-40B4-BE49-F238E27FC236}">
-                <a16:creationId xmlns:a16="http://schemas.microsoft.com/office/drawing/2014/main" id="{5A9CF64A-7E41-4845-A20B-C70BFBECA20F}"/>
-              </a:ext>
-            </a:extLst>
-          </p:cNvPr>
-          <p:cNvSpPr txBox="1"/>
-          <p:nvPr/>
-        </p:nvSpPr>
-        <p:spPr>
-          <a:xfrm>
-            <a:off x="6841026" y="3749159"/>
-            <a:ext cx="4910383" cy="369332"/>
-          </a:xfrm>
-          <a:prstGeom prst="rect">
-            <a:avLst/>
-          </a:prstGeom>
-          <a:noFill/>
-        </p:spPr>
-        <p:txBody>
-          <a:bodyPr wrap="none" rtlCol="0">
-            <a:spAutoFit/>
-          </a:bodyPr>
-          <a:lstStyle/>
-          <a:p>
-            <a:r>
-              <a:rPr lang="en-US" dirty="0"/>
-              <a:t>[[1984, 'Amadeus', 1], [1985, 'Out of Africa', 1]]</a:t>
-            </a:r>
-          </a:p>
-        </p:txBody>
-      </p:sp>
-      <p:sp>
-        <p:nvSpPr>
-          <p:cNvPr id="7" name="Right Arrow 6">
-            <a:extLst>
-              <a:ext uri="{FF2B5EF4-FFF2-40B4-BE49-F238E27FC236}">
-                <a16:creationId xmlns:a16="http://schemas.microsoft.com/office/drawing/2014/main" id="{A8DD2075-543D-254F-BDF0-C94AAAFD70F5}"/>
-              </a:ext>
-            </a:extLst>
-          </p:cNvPr>
-          <p:cNvSpPr/>
-          <p:nvPr/>
-        </p:nvSpPr>
-        <p:spPr>
-          <a:xfrm>
-            <a:off x="5465009" y="3749159"/>
-            <a:ext cx="978408" cy="484632"/>
-          </a:xfrm>
-          <a:prstGeom prst="rightArrow">
-            <a:avLst/>
-          </a:prstGeom>
-          <a:solidFill>
-            <a:schemeClr val="accent1">
-              <a:lumMod val="40000"/>
-              <a:lumOff val="60000"/>
-            </a:schemeClr>
-          </a:solidFill>
-        </p:spPr>
-        <p:style>
-          <a:lnRef idx="2">
-            <a:schemeClr val="accent1">
-              <a:shade val="50000"/>
-            </a:schemeClr>
-          </a:lnRef>
-          <a:fillRef idx="1">
-            <a:schemeClr val="accent1"/>
-          </a:fillRef>
-          <a:effectRef idx="0">
-            <a:schemeClr val="accent1"/>
-          </a:effectRef>
-          <a:fontRef idx="minor">
-            <a:schemeClr val="lt1"/>
-          </a:fontRef>
-        </p:style>
-        <p:txBody>
-          <a:bodyPr rtlCol="0" anchor="ctr"/>
-          <a:lstStyle/>
-          <a:p>
-            <a:pPr algn="ctr"/>
-            <a:endParaRPr lang="en-US" dirty="0"/>
+              <a:rPr lang="en-US" sz="2000" dirty="0">
+                <a:latin typeface="Consolas" panose="020B0609020204030204" pitchFamily="49" charset="0"/>
+                <a:cs typeface="Consolas" panose="020B0609020204030204" pitchFamily="49" charset="0"/>
+              </a:rPr>
+              <a:t>shipping = [35, 68.02, 2.99, 3.99, 5.94, 4.95, 7.72, 6.22]</a:t>
+            </a:r>
+          </a:p>
+          <a:p>
+            <a:r>
+              <a:rPr lang="en-US" sz="2000" dirty="0">
+                <a:latin typeface="Consolas" panose="020B0609020204030204" pitchFamily="49" charset="0"/>
+                <a:cs typeface="Consolas" panose="020B0609020204030204" pitchFamily="49" charset="0"/>
+              </a:rPr>
+              <a:t>shipping2 = []</a:t>
+            </a:r>
+          </a:p>
+          <a:p>
+            <a:r>
+              <a:rPr lang="en-US" sz="2000" dirty="0">
+                <a:latin typeface="Consolas" panose="020B0609020204030204" pitchFamily="49" charset="0"/>
+                <a:cs typeface="Consolas" panose="020B0609020204030204" pitchFamily="49" charset="0"/>
+              </a:rPr>
+              <a:t>for x in shipping:</a:t>
+            </a:r>
+          </a:p>
+          <a:p>
+            <a:r>
+              <a:rPr lang="en-US" sz="2000" dirty="0">
+                <a:latin typeface="Consolas" panose="020B0609020204030204" pitchFamily="49" charset="0"/>
+                <a:cs typeface="Consolas" panose="020B0609020204030204" pitchFamily="49" charset="0"/>
+              </a:rPr>
+              <a:t>    if x &lt; 10:</a:t>
+            </a:r>
+          </a:p>
+          <a:p>
+            <a:r>
+              <a:rPr lang="en-US" sz="2000" dirty="0">
+                <a:latin typeface="Consolas" panose="020B0609020204030204" pitchFamily="49" charset="0"/>
+                <a:cs typeface="Consolas" panose="020B0609020204030204" pitchFamily="49" charset="0"/>
+              </a:rPr>
+              <a:t>        shipping2.append(x)</a:t>
+            </a:r>
+          </a:p>
+          <a:p>
+            <a:r>
+              <a:rPr lang="en-US" sz="2000" dirty="0">
+                <a:latin typeface="Consolas" panose="020B0609020204030204" pitchFamily="49" charset="0"/>
+                <a:cs typeface="Consolas" panose="020B0609020204030204" pitchFamily="49" charset="0"/>
+              </a:rPr>
+              <a:t>print(shipping2) # prints [2.99, 3.99, 5.94, 4.95, 7.72, 6.22]</a:t>
+            </a:r>
+          </a:p>
+          <a:p>
+            <a:endParaRPr lang="en-US" sz="2000" dirty="0">
+              <a:latin typeface="Consolas" panose="020B0609020204030204" pitchFamily="49" charset="0"/>
+              <a:cs typeface="Consolas" panose="020B0609020204030204" pitchFamily="49" charset="0"/>
+            </a:endParaRPr>
+          </a:p>
+          <a:p>
+            <a:r>
+              <a:rPr lang="en-US" sz="2000" dirty="0">
+                <a:latin typeface="Consolas" panose="020B0609020204030204" pitchFamily="49" charset="0"/>
+                <a:cs typeface="Consolas" panose="020B0609020204030204" pitchFamily="49" charset="0"/>
+              </a:rPr>
+              <a:t>shipping2 = [x for x in shipping if x &lt; 10] # much easier</a:t>
+            </a:r>
           </a:p>
         </p:txBody>
       </p:sp>
     </p:spTree>
     <p:extLst>
       <p:ext uri="{BB962C8B-B14F-4D97-AF65-F5344CB8AC3E}">
-        <p14:creationId xmlns:p14="http://schemas.microsoft.com/office/powerpoint/2010/main" val="2290523565"/>
+        <p14:creationId xmlns:p14="http://schemas.microsoft.com/office/powerpoint/2010/main" val="2886168278"/>
       </p:ext>
     </p:extLst>
   </p:cSld>
@@ -6475,7 +6393,7 @@
           <p:cNvPr id="2" name="Title 1">
             <a:extLst>
               <a:ext uri="{FF2B5EF4-FFF2-40B4-BE49-F238E27FC236}">
-                <a16:creationId xmlns:a16="http://schemas.microsoft.com/office/drawing/2014/main" id="{F77FE7A4-2777-5C4D-94F0-04A4ACC6EDEC}"/>
+                <a16:creationId xmlns:a16="http://schemas.microsoft.com/office/drawing/2014/main" id="{76A58C7C-C8DD-AF42-AA89-62972ACF45BF}"/>
               </a:ext>
             </a:extLst>
           </p:cNvPr>
@@ -6493,7 +6411,7 @@
           <a:p>
             <a:r>
               <a:rPr lang="en-US" dirty="0"/>
-              <a:t>Search</a:t>
+              <a:t>Filtering rows of data</a:t>
             </a:r>
           </a:p>
         </p:txBody>
@@ -6503,7 +6421,7 @@
           <p:cNvPr id="3" name="Content Placeholder 2">
             <a:extLst>
               <a:ext uri="{FF2B5EF4-FFF2-40B4-BE49-F238E27FC236}">
-                <a16:creationId xmlns:a16="http://schemas.microsoft.com/office/drawing/2014/main" id="{B69CD4CA-618D-464C-A267-0B28C30F1F5A}"/>
+                <a16:creationId xmlns:a16="http://schemas.microsoft.com/office/drawing/2014/main" id="{5A39EEF0-81F3-B145-ADC6-EB2DBC74068F}"/>
               </a:ext>
             </a:extLst>
           </p:cNvPr>
@@ -6516,8 +6434,8 @@
         </p:nvSpPr>
         <p:spPr>
           <a:xfrm>
-            <a:off x="838200" y="1438507"/>
-            <a:ext cx="10515600" cy="4738456"/>
+            <a:off x="838200" y="1538868"/>
+            <a:ext cx="10515600" cy="4638095"/>
           </a:xfrm>
         </p:spPr>
         <p:txBody>
@@ -6526,23 +6444,17 @@
           <a:p>
             <a:r>
               <a:rPr lang="en-US" dirty="0"/>
-              <a:t>The filter operation finds all elements in a sequence that satisfy a specific condition, but often we'd like to know which element satisfies the condition first (or last)</a:t>
-            </a:r>
-          </a:p>
-          <a:p>
-            <a:r>
-              <a:rPr lang="en-US" dirty="0"/>
-              <a:t>Search returns the first (or last) position in the sequence rather than the value at that position</a:t>
-            </a:r>
-          </a:p>
-        </p:txBody>
-      </p:sp>
-      <p:sp>
-        <p:nvSpPr>
-          <p:cNvPr id="5" name="TextBox 4">
-            <a:extLst>
-              <a:ext uri="{FF2B5EF4-FFF2-40B4-BE49-F238E27FC236}">
-                <a16:creationId xmlns:a16="http://schemas.microsoft.com/office/drawing/2014/main" id="{8CD8F814-F0B2-C049-8E3A-8D64F3E3F076}"/>
+              <a:t>We can also filter on one column but keep the data within each row together; e.g., filter for Oscar winners</a:t>
+            </a:r>
+          </a:p>
+        </p:txBody>
+      </p:sp>
+      <p:sp>
+        <p:nvSpPr>
+          <p:cNvPr id="4" name="TextBox 3">
+            <a:extLst>
+              <a:ext uri="{FF2B5EF4-FFF2-40B4-BE49-F238E27FC236}">
+                <a16:creationId xmlns:a16="http://schemas.microsoft.com/office/drawing/2014/main" id="{0895ADA9-C5FF-9640-9EC5-EE085A557EEB}"/>
               </a:ext>
             </a:extLst>
           </p:cNvPr>
@@ -6551,8 +6463,8 @@
         </p:nvSpPr>
         <p:spPr>
           <a:xfrm>
-            <a:off x="1294636" y="3622418"/>
-            <a:ext cx="10059164" cy="2554545"/>
+            <a:off x="1051029" y="2364059"/>
+            <a:ext cx="5577168" cy="4093428"/>
           </a:xfrm>
           <a:prstGeom prst="rect">
             <a:avLst/>
@@ -6566,165 +6478,110 @@
           <a:lstStyle/>
           <a:p>
             <a:r>
-              <a:rPr lang="en-US" sz="2000" dirty="0">
-                <a:latin typeface="Consolas" panose="020B0609020204030204" pitchFamily="49" charset="0"/>
-                <a:cs typeface="Consolas" panose="020B0609020204030204" pitchFamily="49" charset="0"/>
-              </a:rPr>
-              <a:t>first=['</a:t>
-            </a:r>
-            <a:r>
-              <a:rPr lang="en-US" sz="2000" dirty="0" err="1">
-                <a:latin typeface="Consolas" panose="020B0609020204030204" pitchFamily="49" charset="0"/>
-                <a:cs typeface="Consolas" panose="020B0609020204030204" pitchFamily="49" charset="0"/>
-              </a:rPr>
-              <a:t>Xue</a:t>
-            </a:r>
-            <a:r>
-              <a:rPr lang="en-US" sz="2000" dirty="0">
-                <a:latin typeface="Consolas" panose="020B0609020204030204" pitchFamily="49" charset="0"/>
-                <a:cs typeface="Consolas" panose="020B0609020204030204" pitchFamily="49" charset="0"/>
-              </a:rPr>
-              <a:t>', 'Mary', 'Robert']     # our given input</a:t>
-            </a:r>
-          </a:p>
-          <a:p>
-            <a:r>
-              <a:rPr lang="en-US" sz="2000" dirty="0">
-                <a:latin typeface="Consolas" panose="020B0609020204030204" pitchFamily="49" charset="0"/>
-                <a:cs typeface="Consolas" panose="020B0609020204030204" pitchFamily="49" charset="0"/>
-              </a:rPr>
-              <a:t>target = 'Mary'                     # searching for Mary</a:t>
-            </a:r>
-          </a:p>
-          <a:p>
-            <a:r>
-              <a:rPr lang="en-US" sz="2000" dirty="0">
-                <a:latin typeface="Consolas" panose="020B0609020204030204" pitchFamily="49" charset="0"/>
-                <a:cs typeface="Consolas" panose="020B0609020204030204" pitchFamily="49" charset="0"/>
-              </a:rPr>
-              <a:t>index = -1</a:t>
-            </a:r>
-          </a:p>
-          <a:p>
-            <a:r>
-              <a:rPr lang="en-US" sz="2000" dirty="0">
-                <a:latin typeface="Consolas" panose="020B0609020204030204" pitchFamily="49" charset="0"/>
-                <a:cs typeface="Consolas" panose="020B0609020204030204" pitchFamily="49" charset="0"/>
-              </a:rPr>
-              <a:t>for </a:t>
-            </a:r>
-            <a:r>
-              <a:rPr lang="en-US" sz="2000" dirty="0" err="1">
-                <a:latin typeface="Consolas" panose="020B0609020204030204" pitchFamily="49" charset="0"/>
-                <a:cs typeface="Consolas" panose="020B0609020204030204" pitchFamily="49" charset="0"/>
-              </a:rPr>
-              <a:t>i</a:t>
-            </a:r>
-            <a:r>
-              <a:rPr lang="en-US" sz="2000" dirty="0">
-                <a:latin typeface="Consolas" panose="020B0609020204030204" pitchFamily="49" charset="0"/>
-                <a:cs typeface="Consolas" panose="020B0609020204030204" pitchFamily="49" charset="0"/>
-              </a:rPr>
-              <a:t> in range(</a:t>
-            </a:r>
-            <a:r>
-              <a:rPr lang="en-US" sz="2000" dirty="0" err="1">
-                <a:latin typeface="Consolas" panose="020B0609020204030204" pitchFamily="49" charset="0"/>
-                <a:cs typeface="Consolas" panose="020B0609020204030204" pitchFamily="49" charset="0"/>
-              </a:rPr>
-              <a:t>len</a:t>
-            </a:r>
-            <a:r>
-              <a:rPr lang="en-US" sz="2000" dirty="0">
-                <a:latin typeface="Consolas" panose="020B0609020204030204" pitchFamily="49" charset="0"/>
-                <a:cs typeface="Consolas" panose="020B0609020204030204" pitchFamily="49" charset="0"/>
-              </a:rPr>
-              <a:t>(first)):         # </a:t>
-            </a:r>
-            <a:r>
-              <a:rPr lang="en-US" sz="2000" dirty="0" err="1">
-                <a:latin typeface="Consolas" panose="020B0609020204030204" pitchFamily="49" charset="0"/>
-                <a:cs typeface="Consolas" panose="020B0609020204030204" pitchFamily="49" charset="0"/>
-              </a:rPr>
-              <a:t>i</a:t>
-            </a:r>
-            <a:r>
-              <a:rPr lang="en-US" sz="2000" dirty="0">
-                <a:latin typeface="Consolas" panose="020B0609020204030204" pitchFamily="49" charset="0"/>
-                <a:cs typeface="Consolas" panose="020B0609020204030204" pitchFamily="49" charset="0"/>
-              </a:rPr>
-              <a:t> is in range [0..n-1] or [0..n)</a:t>
-            </a:r>
-          </a:p>
-          <a:p>
-            <a:r>
-              <a:rPr lang="en-US" sz="2000" dirty="0">
-                <a:latin typeface="Consolas" panose="020B0609020204030204" pitchFamily="49" charset="0"/>
-                <a:cs typeface="Consolas" panose="020B0609020204030204" pitchFamily="49" charset="0"/>
-              </a:rPr>
-              <a:t>    if first[</a:t>
-            </a:r>
-            <a:r>
-              <a:rPr lang="en-US" sz="2000" dirty="0" err="1">
-                <a:latin typeface="Consolas" panose="020B0609020204030204" pitchFamily="49" charset="0"/>
-                <a:cs typeface="Consolas" panose="020B0609020204030204" pitchFamily="49" charset="0"/>
-              </a:rPr>
-              <a:t>i</a:t>
-            </a:r>
-            <a:r>
-              <a:rPr lang="en-US" sz="2000" dirty="0">
-                <a:latin typeface="Consolas" panose="020B0609020204030204" pitchFamily="49" charset="0"/>
-                <a:cs typeface="Consolas" panose="020B0609020204030204" pitchFamily="49" charset="0"/>
-              </a:rPr>
-              <a:t>]==target:</a:t>
-            </a:r>
-          </a:p>
-          <a:p>
-            <a:r>
-              <a:rPr lang="en-US" sz="2000" dirty="0">
-                <a:latin typeface="Consolas" panose="020B0609020204030204" pitchFamily="49" charset="0"/>
-                <a:cs typeface="Consolas" panose="020B0609020204030204" pitchFamily="49" charset="0"/>
-              </a:rPr>
-              <a:t>        index = </a:t>
-            </a:r>
-            <a:r>
-              <a:rPr lang="en-US" sz="2000" dirty="0" err="1">
-                <a:latin typeface="Consolas" panose="020B0609020204030204" pitchFamily="49" charset="0"/>
-                <a:cs typeface="Consolas" panose="020B0609020204030204" pitchFamily="49" charset="0"/>
-              </a:rPr>
-              <a:t>i</a:t>
-            </a:r>
-            <a:endParaRPr lang="en-US" sz="2000" dirty="0">
-              <a:latin typeface="Consolas" panose="020B0609020204030204" pitchFamily="49" charset="0"/>
-              <a:cs typeface="Consolas" panose="020B0609020204030204" pitchFamily="49" charset="0"/>
-            </a:endParaRPr>
-          </a:p>
-          <a:p>
-            <a:r>
-              <a:rPr lang="en-US" sz="2000" dirty="0">
-                <a:latin typeface="Consolas" panose="020B0609020204030204" pitchFamily="49" charset="0"/>
-                <a:cs typeface="Consolas" panose="020B0609020204030204" pitchFamily="49" charset="0"/>
-              </a:rPr>
-              <a:t>        break</a:t>
-            </a:r>
-          </a:p>
-          <a:p>
-            <a:r>
-              <a:rPr lang="en-US" sz="2000" dirty="0">
-                <a:latin typeface="Consolas" panose="020B0609020204030204" pitchFamily="49" charset="0"/>
-                <a:cs typeface="Consolas" panose="020B0609020204030204" pitchFamily="49" charset="0"/>
-              </a:rPr>
-              <a:t>print(index)</a:t>
-            </a:r>
-          </a:p>
-        </p:txBody>
-      </p:sp>
-      <p:sp>
-        <p:nvSpPr>
-          <p:cNvPr id="6" name="TextBox 5">
-            <a:extLst>
-              <a:ext uri="{FF2B5EF4-FFF2-40B4-BE49-F238E27FC236}">
-                <a16:creationId xmlns:a16="http://schemas.microsoft.com/office/drawing/2014/main" id="{D5C5DFAF-027C-D049-B55F-2D4AEFABAE9B}"/>
+              <a:rPr lang="en-US" sz="2000" dirty="0" err="1"/>
+              <a:t>oscars</a:t>
+            </a:r>
+            <a:r>
+              <a:rPr lang="en-US" sz="2000" dirty="0"/>
+              <a:t> = [</a:t>
+            </a:r>
+          </a:p>
+          <a:p>
+            <a:r>
+              <a:rPr lang="en-US" sz="2000" dirty="0"/>
+              <a:t>    [1984, "A Soldier's Story", 0],</a:t>
+            </a:r>
+          </a:p>
+          <a:p>
+            <a:r>
+              <a:rPr lang="en-US" sz="2000" dirty="0"/>
+              <a:t>    [1984, 'Places in the Heart', 0],</a:t>
+            </a:r>
+          </a:p>
+          <a:p>
+            <a:r>
+              <a:rPr lang="en-US" sz="2000" dirty="0"/>
+              <a:t>    [1984, 'The Killing Fields', 0],</a:t>
+            </a:r>
+          </a:p>
+          <a:p>
+            <a:r>
+              <a:rPr lang="en-US" sz="2000" dirty="0"/>
+              <a:t>    [1984, 'A Passage to India', 0],</a:t>
+            </a:r>
+          </a:p>
+          <a:p>
+            <a:r>
+              <a:rPr lang="en-US" sz="2000" dirty="0"/>
+              <a:t>    [1984, 'Amadeus', 1],</a:t>
+            </a:r>
+          </a:p>
+          <a:p>
+            <a:r>
+              <a:rPr lang="en-US" sz="2000" dirty="0"/>
+              <a:t>    [1985, "</a:t>
+            </a:r>
+            <a:r>
+              <a:rPr lang="en-US" sz="2000" dirty="0" err="1"/>
+              <a:t>Prizzi's</a:t>
+            </a:r>
+            <a:r>
+              <a:rPr lang="en-US" sz="2000" dirty="0"/>
+              <a:t> Honor", 0],</a:t>
+            </a:r>
+          </a:p>
+          <a:p>
+            <a:r>
+              <a:rPr lang="en-US" sz="2000" dirty="0"/>
+              <a:t>    [1985, 'Kiss of the Spider Woman', 0],</a:t>
+            </a:r>
+          </a:p>
+          <a:p>
+            <a:r>
+              <a:rPr lang="en-US" sz="2000" dirty="0"/>
+              <a:t>    [1985, 'Witness', 0],</a:t>
+            </a:r>
+          </a:p>
+          <a:p>
+            <a:r>
+              <a:rPr lang="en-US" sz="2000" dirty="0"/>
+              <a:t>    [1985, 'The Color Purple', 0],</a:t>
+            </a:r>
+          </a:p>
+          <a:p>
+            <a:r>
+              <a:rPr lang="en-US" sz="2000" dirty="0"/>
+              <a:t>    [1985, 'Out of Africa', 1]</a:t>
+            </a:r>
+          </a:p>
+          <a:p>
+            <a:r>
+              <a:rPr lang="en-US" sz="2000" dirty="0"/>
+              <a:t>]</a:t>
+            </a:r>
+          </a:p>
+          <a:p>
+            <a:r>
+              <a:rPr lang="en-US" sz="2000" dirty="0"/>
+              <a:t>print([movie for movie in </a:t>
+            </a:r>
+            <a:r>
+              <a:rPr lang="en-US" sz="2000" dirty="0" err="1"/>
+              <a:t>oscars</a:t>
+            </a:r>
+            <a:r>
+              <a:rPr lang="en-US" sz="2000" dirty="0"/>
+              <a:t> if movie[2]==1])</a:t>
+            </a:r>
+          </a:p>
+        </p:txBody>
+      </p:sp>
+      <p:sp>
+        <p:nvSpPr>
+          <p:cNvPr id="5" name="TextBox 4">
+            <a:extLst>
+              <a:ext uri="{FF2B5EF4-FFF2-40B4-BE49-F238E27FC236}">
+                <a16:creationId xmlns:a16="http://schemas.microsoft.com/office/drawing/2014/main" id="{7EA0E861-8C96-BB43-9800-CBF2AF1BD019}"/>
               </a:ext>
             </a:extLst>
           </p:cNvPr>
@@ -6763,10 +6620,97 @@
           </a:p>
         </p:txBody>
       </p:sp>
+      <p:sp>
+        <p:nvSpPr>
+          <p:cNvPr id="6" name="TextBox 5">
+            <a:extLst>
+              <a:ext uri="{FF2B5EF4-FFF2-40B4-BE49-F238E27FC236}">
+                <a16:creationId xmlns:a16="http://schemas.microsoft.com/office/drawing/2014/main" id="{5A9CF64A-7E41-4845-A20B-C70BFBECA20F}"/>
+              </a:ext>
+            </a:extLst>
+          </p:cNvPr>
+          <p:cNvSpPr txBox="1"/>
+          <p:nvPr/>
+        </p:nvSpPr>
+        <p:spPr>
+          <a:xfrm>
+            <a:off x="6841026" y="3749159"/>
+            <a:ext cx="4910383" cy="369332"/>
+          </a:xfrm>
+          <a:prstGeom prst="rect">
+            <a:avLst/>
+          </a:prstGeom>
+          <a:noFill/>
+        </p:spPr>
+        <p:txBody>
+          <a:bodyPr wrap="none" rtlCol="0">
+            <a:spAutoFit/>
+          </a:bodyPr>
+          <a:lstStyle/>
+          <a:p>
+            <a:r>
+              <a:rPr lang="en-US" dirty="0"/>
+              <a:t>[[1984, 'Amadeus', 1], [1985, 'Out of Africa', 1]]</a:t>
+            </a:r>
+          </a:p>
+        </p:txBody>
+      </p:sp>
+      <p:sp>
+        <p:nvSpPr>
+          <p:cNvPr id="7" name="Right Arrow 6">
+            <a:extLst>
+              <a:ext uri="{FF2B5EF4-FFF2-40B4-BE49-F238E27FC236}">
+                <a16:creationId xmlns:a16="http://schemas.microsoft.com/office/drawing/2014/main" id="{A8DD2075-543D-254F-BDF0-C94AAAFD70F5}"/>
+              </a:ext>
+            </a:extLst>
+          </p:cNvPr>
+          <p:cNvSpPr/>
+          <p:nvPr/>
+        </p:nvSpPr>
+        <p:spPr>
+          <a:xfrm>
+            <a:off x="5465009" y="3749159"/>
+            <a:ext cx="978408" cy="484632"/>
+          </a:xfrm>
+          <a:prstGeom prst="rightArrow">
+            <a:avLst/>
+          </a:prstGeom>
+          <a:solidFill>
+            <a:schemeClr val="accent1">
+              <a:lumMod val="40000"/>
+              <a:lumOff val="60000"/>
+            </a:schemeClr>
+          </a:solidFill>
+        </p:spPr>
+        <p:style>
+          <a:lnRef idx="2">
+            <a:schemeClr val="accent1">
+              <a:shade val="50000"/>
+            </a:schemeClr>
+          </a:lnRef>
+          <a:fillRef idx="1">
+            <a:schemeClr val="accent1"/>
+          </a:fillRef>
+          <a:effectRef idx="0">
+            <a:schemeClr val="accent1"/>
+          </a:effectRef>
+          <a:fontRef idx="minor">
+            <a:schemeClr val="lt1"/>
+          </a:fontRef>
+        </p:style>
+        <p:txBody>
+          <a:bodyPr rtlCol="0" anchor="ctr"/>
+          <a:lstStyle/>
+          <a:p>
+            <a:pPr algn="ctr"/>
+            <a:endParaRPr lang="en-US" dirty="0"/>
+          </a:p>
+        </p:txBody>
+      </p:sp>
     </p:spTree>
     <p:extLst>
       <p:ext uri="{BB962C8B-B14F-4D97-AF65-F5344CB8AC3E}">
-        <p14:creationId xmlns:p14="http://schemas.microsoft.com/office/powerpoint/2010/main" val="291572411"/>
+        <p14:creationId xmlns:p14="http://schemas.microsoft.com/office/powerpoint/2010/main" val="2290523565"/>
       </p:ext>
     </p:extLst>
   </p:cSld>
@@ -6798,7 +6742,7 @@
           <p:cNvPr id="2" name="Title 1">
             <a:extLst>
               <a:ext uri="{FF2B5EF4-FFF2-40B4-BE49-F238E27FC236}">
-                <a16:creationId xmlns:a16="http://schemas.microsoft.com/office/drawing/2014/main" id="{23D4C3EE-2EC7-8F43-98D5-6C2DFB65C734}"/>
+                <a16:creationId xmlns:a16="http://schemas.microsoft.com/office/drawing/2014/main" id="{F77FE7A4-2777-5C4D-94F0-04A4ACC6EDEC}"/>
               </a:ext>
             </a:extLst>
           </p:cNvPr>
@@ -6816,7 +6760,7 @@
           <a:p>
             <a:r>
               <a:rPr lang="en-US" dirty="0"/>
-              <a:t>Grid/matrix processing</a:t>
+              <a:t>Search</a:t>
             </a:r>
           </a:p>
         </p:txBody>
@@ -6826,7 +6770,7 @@
           <p:cNvPr id="3" name="Content Placeholder 2">
             <a:extLst>
               <a:ext uri="{FF2B5EF4-FFF2-40B4-BE49-F238E27FC236}">
-                <a16:creationId xmlns:a16="http://schemas.microsoft.com/office/drawing/2014/main" id="{E7872409-F1BE-884D-8E51-137F95985FB7}"/>
+                <a16:creationId xmlns:a16="http://schemas.microsoft.com/office/drawing/2014/main" id="{B69CD4CA-618D-464C-A267-0B28C30F1F5A}"/>
               </a:ext>
             </a:extLst>
           </p:cNvPr>
@@ -6839,8 +6783,8 @@
         </p:nvSpPr>
         <p:spPr>
           <a:xfrm>
-            <a:off x="838199" y="1600200"/>
-            <a:ext cx="10671313" cy="4576763"/>
+            <a:off x="838200" y="1438507"/>
+            <a:ext cx="10515600" cy="4738456"/>
           </a:xfrm>
         </p:spPr>
         <p:txBody>
@@ -6849,23 +6793,23 @@
           <a:p>
             <a:r>
               <a:rPr lang="en-US" dirty="0"/>
-              <a:t>Any time you need to process each cell in a two dimensional structure such as an image or matrix, think "nested loop"</a:t>
+              <a:t>The filter operation finds all elements in a sequence that satisfy a specific condition, but often we'd like to know which element satisfies the condition first (or last)</a:t>
             </a:r>
           </a:p>
           <a:p>
             <a:r>
               <a:rPr lang="en-US" dirty="0"/>
-              <a:t>Single loop does 1D, nested loop does 2D, triple loop does 3D... </a:t>
-            </a:r>
-          </a:p>
-        </p:txBody>
-      </p:sp>
-      <p:sp>
-        <p:nvSpPr>
-          <p:cNvPr id="4" name="TextBox 3">
-            <a:extLst>
-              <a:ext uri="{FF2B5EF4-FFF2-40B4-BE49-F238E27FC236}">
-                <a16:creationId xmlns:a16="http://schemas.microsoft.com/office/drawing/2014/main" id="{8A848F8A-21D2-F145-BAD5-D9CAA83C5B21}"/>
+              <a:t>Search returns the first (or last) position in the sequence rather than the value at that position</a:t>
+            </a:r>
+          </a:p>
+        </p:txBody>
+      </p:sp>
+      <p:sp>
+        <p:nvSpPr>
+          <p:cNvPr id="5" name="TextBox 4">
+            <a:extLst>
+              <a:ext uri="{FF2B5EF4-FFF2-40B4-BE49-F238E27FC236}">
+                <a16:creationId xmlns:a16="http://schemas.microsoft.com/office/drawing/2014/main" id="{8CD8F814-F0B2-C049-8E3A-8D64F3E3F076}"/>
               </a:ext>
             </a:extLst>
           </p:cNvPr>
@@ -6874,8 +6818,8 @@
         </p:nvSpPr>
         <p:spPr>
           <a:xfrm>
-            <a:off x="2539920" y="3090335"/>
-            <a:ext cx="8225329" cy="3477875"/>
+            <a:off x="1294636" y="3622418"/>
+            <a:ext cx="10059164" cy="2554545"/>
           </a:xfrm>
           <a:prstGeom prst="rect">
             <a:avLst/>
@@ -6889,43 +6833,80 @@
           <a:lstStyle/>
           <a:p>
             <a:r>
+              <a:rPr lang="en-US" sz="2000" dirty="0">
+                <a:latin typeface="Consolas" panose="020B0609020204030204" pitchFamily="49" charset="0"/>
+                <a:cs typeface="Consolas" panose="020B0609020204030204" pitchFamily="49" charset="0"/>
+              </a:rPr>
+              <a:t>first=['</a:t>
+            </a:r>
+            <a:r>
               <a:rPr lang="en-US" sz="2000" dirty="0" err="1">
                 <a:latin typeface="Consolas" panose="020B0609020204030204" pitchFamily="49" charset="0"/>
                 <a:cs typeface="Consolas" panose="020B0609020204030204" pitchFamily="49" charset="0"/>
               </a:rPr>
-              <a:t>nrows</a:t>
+              <a:t>Xue</a:t>
             </a:r>
             <a:r>
               <a:rPr lang="en-US" sz="2000" dirty="0">
                 <a:latin typeface="Consolas" panose="020B0609020204030204" pitchFamily="49" charset="0"/>
                 <a:cs typeface="Consolas" panose="020B0609020204030204" pitchFamily="49" charset="0"/>
               </a:rPr>
-              <a:t> = 3</a:t>
-            </a:r>
-          </a:p>
-          <a:p>
+              <a:t>', 'Mary', 'Robert']     # our given input</a:t>
+            </a:r>
+          </a:p>
+          <a:p>
+            <a:r>
+              <a:rPr lang="en-US" sz="2000" dirty="0">
+                <a:latin typeface="Consolas" panose="020B0609020204030204" pitchFamily="49" charset="0"/>
+                <a:cs typeface="Consolas" panose="020B0609020204030204" pitchFamily="49" charset="0"/>
+              </a:rPr>
+              <a:t>target = 'Mary'                     # searching for Mary</a:t>
+            </a:r>
+          </a:p>
+          <a:p>
+            <a:r>
+              <a:rPr lang="en-US" sz="2000" dirty="0">
+                <a:latin typeface="Consolas" panose="020B0609020204030204" pitchFamily="49" charset="0"/>
+                <a:cs typeface="Consolas" panose="020B0609020204030204" pitchFamily="49" charset="0"/>
+              </a:rPr>
+              <a:t>index = -1</a:t>
+            </a:r>
+          </a:p>
+          <a:p>
+            <a:r>
+              <a:rPr lang="en-US" sz="2000" dirty="0">
+                <a:latin typeface="Consolas" panose="020B0609020204030204" pitchFamily="49" charset="0"/>
+                <a:cs typeface="Consolas" panose="020B0609020204030204" pitchFamily="49" charset="0"/>
+              </a:rPr>
+              <a:t>for </a:t>
+            </a:r>
             <a:r>
               <a:rPr lang="en-US" sz="2000" dirty="0" err="1">
                 <a:latin typeface="Consolas" panose="020B0609020204030204" pitchFamily="49" charset="0"/>
                 <a:cs typeface="Consolas" panose="020B0609020204030204" pitchFamily="49" charset="0"/>
               </a:rPr>
-              <a:t>ncols</a:t>
+              <a:t>i</a:t>
             </a:r>
             <a:r>
               <a:rPr lang="en-US" sz="2000" dirty="0">
                 <a:latin typeface="Consolas" panose="020B0609020204030204" pitchFamily="49" charset="0"/>
                 <a:cs typeface="Consolas" panose="020B0609020204030204" pitchFamily="49" charset="0"/>
               </a:rPr>
-              <a:t> = 3</a:t>
-            </a:r>
-          </a:p>
-          <a:p>
+              <a:t> in range(</a:t>
+            </a:r>
+            <a:r>
+              <a:rPr lang="en-US" sz="2000" dirty="0" err="1">
+                <a:latin typeface="Consolas" panose="020B0609020204030204" pitchFamily="49" charset="0"/>
+                <a:cs typeface="Consolas" panose="020B0609020204030204" pitchFamily="49" charset="0"/>
+              </a:rPr>
+              <a:t>len</a:t>
+            </a:r>
             <a:r>
               <a:rPr lang="en-US" sz="2000" dirty="0">
                 <a:latin typeface="Consolas" panose="020B0609020204030204" pitchFamily="49" charset="0"/>
                 <a:cs typeface="Consolas" panose="020B0609020204030204" pitchFamily="49" charset="0"/>
               </a:rPr>
-              <a:t># column j value varies more quickly than the row </a:t>
+              <a:t>(first)):         # </a:t>
             </a:r>
             <a:r>
               <a:rPr lang="en-US" sz="2000" dirty="0" err="1">
@@ -6939,7 +6920,7 @@
                 <a:latin typeface="Consolas" panose="020B0609020204030204" pitchFamily="49" charset="0"/>
                 <a:cs typeface="Consolas" panose="020B0609020204030204" pitchFamily="49" charset="0"/>
               </a:rPr>
-              <a:t> value</a:t>
+              <a:t> is in range [0..n-1] or [0..n)</a:t>
             </a:r>
           </a:p>
           <a:p>
@@ -6948,7 +6929,7 @@
                 <a:latin typeface="Consolas" panose="020B0609020204030204" pitchFamily="49" charset="0"/>
                 <a:cs typeface="Consolas" panose="020B0609020204030204" pitchFamily="49" charset="0"/>
               </a:rPr>
-              <a:t>for </a:t>
+              <a:t>    if first[</a:t>
             </a:r>
             <a:r>
               <a:rPr lang="en-US" sz="2000" dirty="0" err="1">
@@ -6962,70 +6943,24 @@
                 <a:latin typeface="Consolas" panose="020B0609020204030204" pitchFamily="49" charset="0"/>
                 <a:cs typeface="Consolas" panose="020B0609020204030204" pitchFamily="49" charset="0"/>
               </a:rPr>
-              <a:t> in range(</a:t>
+              <a:t>]==target:</a:t>
+            </a:r>
+          </a:p>
+          <a:p>
+            <a:r>
+              <a:rPr lang="en-US" sz="2000" dirty="0">
+                <a:latin typeface="Consolas" panose="020B0609020204030204" pitchFamily="49" charset="0"/>
+                <a:cs typeface="Consolas" panose="020B0609020204030204" pitchFamily="49" charset="0"/>
+              </a:rPr>
+              <a:t>        index = </a:t>
             </a:r>
             <a:r>
               <a:rPr lang="en-US" sz="2000" dirty="0" err="1">
                 <a:latin typeface="Consolas" panose="020B0609020204030204" pitchFamily="49" charset="0"/>
                 <a:cs typeface="Consolas" panose="020B0609020204030204" pitchFamily="49" charset="0"/>
               </a:rPr>
-              <a:t>nrows</a:t>
-            </a:r>
-            <a:r>
-              <a:rPr lang="en-US" sz="2000" dirty="0">
-                <a:latin typeface="Consolas" panose="020B0609020204030204" pitchFamily="49" charset="0"/>
-                <a:cs typeface="Consolas" panose="020B0609020204030204" pitchFamily="49" charset="0"/>
-              </a:rPr>
-              <a:t>):</a:t>
-            </a:r>
-          </a:p>
-          <a:p>
-            <a:r>
-              <a:rPr lang="en-US" sz="2000" dirty="0">
-                <a:latin typeface="Consolas" panose="020B0609020204030204" pitchFamily="49" charset="0"/>
-                <a:cs typeface="Consolas" panose="020B0609020204030204" pitchFamily="49" charset="0"/>
-              </a:rPr>
-              <a:t>    for j in range(</a:t>
-            </a:r>
-            <a:r>
-              <a:rPr lang="en-US" sz="2000" dirty="0" err="1">
-                <a:latin typeface="Consolas" panose="020B0609020204030204" pitchFamily="49" charset="0"/>
-                <a:cs typeface="Consolas" panose="020B0609020204030204" pitchFamily="49" charset="0"/>
-              </a:rPr>
-              <a:t>ncols</a:t>
-            </a:r>
-            <a:r>
-              <a:rPr lang="en-US" sz="2000" dirty="0">
-                <a:latin typeface="Consolas" panose="020B0609020204030204" pitchFamily="49" charset="0"/>
-                <a:cs typeface="Consolas" panose="020B0609020204030204" pitchFamily="49" charset="0"/>
-              </a:rPr>
-              <a:t>):</a:t>
-            </a:r>
-          </a:p>
-          <a:p>
-            <a:r>
-              <a:rPr lang="en-US" sz="2000" dirty="0">
-                <a:latin typeface="Consolas" panose="020B0609020204030204" pitchFamily="49" charset="0"/>
-                <a:cs typeface="Consolas" panose="020B0609020204030204" pitchFamily="49" charset="0"/>
-              </a:rPr>
-              <a:t>        print( </a:t>
-            </a:r>
-            <a:r>
-              <a:rPr lang="en-US" sz="2000" dirty="0" err="1">
-                <a:latin typeface="Consolas" panose="020B0609020204030204" pitchFamily="49" charset="0"/>
-                <a:cs typeface="Consolas" panose="020B0609020204030204" pitchFamily="49" charset="0"/>
-              </a:rPr>
               <a:t>i</a:t>
             </a:r>
-            <a:r>
-              <a:rPr lang="en-US" sz="2000" dirty="0">
-                <a:latin typeface="Consolas" panose="020B0609020204030204" pitchFamily="49" charset="0"/>
-                <a:cs typeface="Consolas" panose="020B0609020204030204" pitchFamily="49" charset="0"/>
-              </a:rPr>
-              <a:t>, j )</a:t>
-            </a:r>
-          </a:p>
-          <a:p>
             <a:endParaRPr lang="en-US" sz="2000" dirty="0">
               <a:latin typeface="Consolas" panose="020B0609020204030204" pitchFamily="49" charset="0"/>
               <a:cs typeface="Consolas" panose="020B0609020204030204" pitchFamily="49" charset="0"/>
@@ -7037,114 +6972,26 @@
                 <a:latin typeface="Consolas" panose="020B0609020204030204" pitchFamily="49" charset="0"/>
                 <a:cs typeface="Consolas" panose="020B0609020204030204" pitchFamily="49" charset="0"/>
               </a:rPr>
-              <a:t># row </a:t>
-            </a:r>
-            <a:r>
-              <a:rPr lang="en-US" sz="2000" dirty="0" err="1">
-                <a:latin typeface="Consolas" panose="020B0609020204030204" pitchFamily="49" charset="0"/>
-                <a:cs typeface="Consolas" panose="020B0609020204030204" pitchFamily="49" charset="0"/>
-              </a:rPr>
-              <a:t>i</a:t>
-            </a:r>
+              <a:t>        break</a:t>
+            </a:r>
+          </a:p>
+          <a:p>
             <a:r>
               <a:rPr lang="en-US" sz="2000" dirty="0">
                 <a:latin typeface="Consolas" panose="020B0609020204030204" pitchFamily="49" charset="0"/>
                 <a:cs typeface="Consolas" panose="020B0609020204030204" pitchFamily="49" charset="0"/>
               </a:rPr>
-              <a:t> value varies more quickly than j</a:t>
-            </a:r>
-          </a:p>
-          <a:p>
-            <a:r>
-              <a:rPr lang="en-US" sz="2000" dirty="0">
-                <a:latin typeface="Consolas" panose="020B0609020204030204" pitchFamily="49" charset="0"/>
-                <a:cs typeface="Consolas" panose="020B0609020204030204" pitchFamily="49" charset="0"/>
-              </a:rPr>
-              <a:t>for j in range(</a:t>
-            </a:r>
-            <a:r>
-              <a:rPr lang="en-US" sz="2000" dirty="0" err="1">
-                <a:latin typeface="Consolas" panose="020B0609020204030204" pitchFamily="49" charset="0"/>
-                <a:cs typeface="Consolas" panose="020B0609020204030204" pitchFamily="49" charset="0"/>
-              </a:rPr>
-              <a:t>ncols</a:t>
-            </a:r>
-            <a:r>
-              <a:rPr lang="en-US" sz="2000" dirty="0">
-                <a:latin typeface="Consolas" panose="020B0609020204030204" pitchFamily="49" charset="0"/>
-                <a:cs typeface="Consolas" panose="020B0609020204030204" pitchFamily="49" charset="0"/>
-              </a:rPr>
-              <a:t>):</a:t>
-            </a:r>
-          </a:p>
-          <a:p>
-            <a:r>
-              <a:rPr lang="en-US" sz="2000" dirty="0">
-                <a:latin typeface="Consolas" panose="020B0609020204030204" pitchFamily="49" charset="0"/>
-                <a:cs typeface="Consolas" panose="020B0609020204030204" pitchFamily="49" charset="0"/>
-              </a:rPr>
-              <a:t>    for </a:t>
-            </a:r>
-            <a:r>
-              <a:rPr lang="en-US" sz="2000" dirty="0" err="1">
-                <a:latin typeface="Consolas" panose="020B0609020204030204" pitchFamily="49" charset="0"/>
-                <a:cs typeface="Consolas" panose="020B0609020204030204" pitchFamily="49" charset="0"/>
-              </a:rPr>
-              <a:t>i</a:t>
-            </a:r>
-            <a:r>
-              <a:rPr lang="en-US" sz="2000" dirty="0">
-                <a:latin typeface="Consolas" panose="020B0609020204030204" pitchFamily="49" charset="0"/>
-                <a:cs typeface="Consolas" panose="020B0609020204030204" pitchFamily="49" charset="0"/>
-              </a:rPr>
-              <a:t> in range(</a:t>
-            </a:r>
-            <a:r>
-              <a:rPr lang="en-US" sz="2000" dirty="0" err="1">
-                <a:latin typeface="Consolas" panose="020B0609020204030204" pitchFamily="49" charset="0"/>
-                <a:cs typeface="Consolas" panose="020B0609020204030204" pitchFamily="49" charset="0"/>
-              </a:rPr>
-              <a:t>nrows</a:t>
-            </a:r>
-            <a:r>
-              <a:rPr lang="en-US" sz="2000" dirty="0">
-                <a:latin typeface="Consolas" panose="020B0609020204030204" pitchFamily="49" charset="0"/>
-                <a:cs typeface="Consolas" panose="020B0609020204030204" pitchFamily="49" charset="0"/>
-              </a:rPr>
-              <a:t>):</a:t>
-            </a:r>
-          </a:p>
-          <a:p>
-            <a:r>
-              <a:rPr lang="en-US" sz="2000" dirty="0">
-                <a:latin typeface="Consolas" panose="020B0609020204030204" pitchFamily="49" charset="0"/>
-                <a:cs typeface="Consolas" panose="020B0609020204030204" pitchFamily="49" charset="0"/>
-              </a:rPr>
-              <a:t>        print( </a:t>
-            </a:r>
-            <a:r>
-              <a:rPr lang="en-US" sz="2000" dirty="0" err="1">
-                <a:latin typeface="Consolas" panose="020B0609020204030204" pitchFamily="49" charset="0"/>
-                <a:cs typeface="Consolas" panose="020B0609020204030204" pitchFamily="49" charset="0"/>
-              </a:rPr>
-              <a:t>i</a:t>
-            </a:r>
-            <a:r>
-              <a:rPr lang="en-US" sz="2000" dirty="0">
-                <a:latin typeface="Consolas" panose="020B0609020204030204" pitchFamily="49" charset="0"/>
-                <a:cs typeface="Consolas" panose="020B0609020204030204" pitchFamily="49" charset="0"/>
-              </a:rPr>
-              <a:t>, j )</a:t>
-            </a:r>
-          </a:p>
-        </p:txBody>
-      </p:sp>
-      <p:sp>
-        <p:nvSpPr>
-          <p:cNvPr id="5" name="TextBox 4">
-            <a:extLst>
-              <a:ext uri="{FF2B5EF4-FFF2-40B4-BE49-F238E27FC236}">
-                <a16:creationId xmlns:a16="http://schemas.microsoft.com/office/drawing/2014/main" id="{8756EA78-48AD-454C-8642-7427DC15FC0C}"/>
+              <a:t>print(index)</a:t>
+            </a:r>
+          </a:p>
+        </p:txBody>
+      </p:sp>
+      <p:sp>
+        <p:nvSpPr>
+          <p:cNvPr id="6" name="TextBox 5">
+            <a:extLst>
+              <a:ext uri="{FF2B5EF4-FFF2-40B4-BE49-F238E27FC236}">
+                <a16:creationId xmlns:a16="http://schemas.microsoft.com/office/drawing/2014/main" id="{D5C5DFAF-027C-D049-B55F-2D4AEFABAE9B}"/>
               </a:ext>
             </a:extLst>
           </p:cNvPr>
@@ -7153,7 +7000,7 @@
         </p:nvSpPr>
         <p:spPr>
           <a:xfrm>
-            <a:off x="0" y="6492875"/>
+            <a:off x="0" y="6488668"/>
             <a:ext cx="2813591" cy="369332"/>
           </a:xfrm>
           <a:prstGeom prst="rect">
@@ -7183,57 +7030,10 @@
           </a:p>
         </p:txBody>
       </p:sp>
-      <p:pic>
-        <p:nvPicPr>
-          <p:cNvPr id="1026" name="Picture 2">
-            <a:extLst>
-              <a:ext uri="{FF2B5EF4-FFF2-40B4-BE49-F238E27FC236}">
-                <a16:creationId xmlns:a16="http://schemas.microsoft.com/office/drawing/2014/main" id="{BDFDE402-8C7F-8746-9BC3-B260A69F5534}"/>
-              </a:ext>
-            </a:extLst>
-          </p:cNvPr>
-          <p:cNvPicPr>
-            <a:picLocks noChangeAspect="1" noChangeArrowheads="1"/>
-          </p:cNvPicPr>
-          <p:nvPr/>
-        </p:nvPicPr>
-        <p:blipFill>
-          <a:blip r:embed="rId3">
-            <a:extLst>
-              <a:ext uri="{28A0092B-C50C-407E-A947-70E740481C1C}">
-                <a14:useLocalDpi xmlns:a14="http://schemas.microsoft.com/office/drawing/2010/main" val="0"/>
-              </a:ext>
-            </a:extLst>
-          </a:blip>
-          <a:srcRect/>
-          <a:stretch>
-            <a:fillRect/>
-          </a:stretch>
-        </p:blipFill>
-        <p:spPr bwMode="auto">
-          <a:xfrm>
-            <a:off x="9740347" y="71128"/>
-            <a:ext cx="2345628" cy="1436961"/>
-          </a:xfrm>
-          <a:prstGeom prst="rect">
-            <a:avLst/>
-          </a:prstGeom>
-          <a:noFill/>
-          <a:extLst>
-            <a:ext uri="{909E8E84-426E-40DD-AFC4-6F175D3DCCD1}">
-              <a14:hiddenFill xmlns:a14="http://schemas.microsoft.com/office/drawing/2010/main">
-                <a:solidFill>
-                  <a:srgbClr val="FFFFFF"/>
-                </a:solidFill>
-              </a14:hiddenFill>
-            </a:ext>
-          </a:extLst>
-        </p:spPr>
-      </p:pic>
     </p:spTree>
     <p:extLst>
       <p:ext uri="{BB962C8B-B14F-4D97-AF65-F5344CB8AC3E}">
-        <p14:creationId xmlns:p14="http://schemas.microsoft.com/office/powerpoint/2010/main" val="1299248187"/>
+        <p14:creationId xmlns:p14="http://schemas.microsoft.com/office/powerpoint/2010/main" val="291572411"/>
       </p:ext>
     </p:extLst>
   </p:cSld>
@@ -7265,7 +7065,7 @@
           <p:cNvPr id="2" name="Title 1">
             <a:extLst>
               <a:ext uri="{FF2B5EF4-FFF2-40B4-BE49-F238E27FC236}">
-                <a16:creationId xmlns:a16="http://schemas.microsoft.com/office/drawing/2014/main" id="{79BF3B7B-A1F8-C248-8AAA-D4E062C8D7B4}"/>
+                <a16:creationId xmlns:a16="http://schemas.microsoft.com/office/drawing/2014/main" id="{23D4C3EE-2EC7-8F43-98D5-6C2DFB65C734}"/>
               </a:ext>
             </a:extLst>
           </p:cNvPr>
@@ -7283,7 +7083,7 @@
           <a:p>
             <a:r>
               <a:rPr lang="en-US" dirty="0"/>
-              <a:t>Image processing</a:t>
+              <a:t>Grid/matrix processing</a:t>
             </a:r>
           </a:p>
         </p:txBody>
@@ -7293,7 +7093,7 @@
           <p:cNvPr id="3" name="Content Placeholder 2">
             <a:extLst>
               <a:ext uri="{FF2B5EF4-FFF2-40B4-BE49-F238E27FC236}">
-                <a16:creationId xmlns:a16="http://schemas.microsoft.com/office/drawing/2014/main" id="{923B946B-8376-AB43-B016-EF840EC9F120}"/>
+                <a16:creationId xmlns:a16="http://schemas.microsoft.com/office/drawing/2014/main" id="{E7872409-F1BE-884D-8E51-137F95985FB7}"/>
               </a:ext>
             </a:extLst>
           </p:cNvPr>
@@ -7304,58 +7104,358 @@
             <p:ph idx="1"/>
           </p:nvPr>
         </p:nvSpPr>
-        <p:spPr/>
+        <p:spPr>
+          <a:xfrm>
+            <a:off x="838199" y="1600200"/>
+            <a:ext cx="10671313" cy="4576763"/>
+          </a:xfrm>
+        </p:spPr>
         <p:txBody>
           <a:bodyPr/>
           <a:lstStyle/>
           <a:p>
             <a:r>
               <a:rPr lang="en-US" dirty="0"/>
-              <a:t>The images project requires that you traverse</a:t>
-            </a:r>
-            <a:br>
+              <a:t>Any time you need to process each cell in a two dimensional structure such as an image or matrix, think "nested loop"</a:t>
+            </a:r>
+          </a:p>
+          <a:p>
+            <a:r>
               <a:rPr lang="en-US" dirty="0"/>
-            </a:br>
-            <a:r>
-              <a:rPr lang="en-US" dirty="0"/>
-              <a:t>the </a:t>
-            </a:r>
-            <a:r>
-              <a:rPr lang="en-US" dirty="0" err="1"/>
-              <a:t>x,y</a:t>
-            </a:r>
-            <a:r>
-              <a:rPr lang="en-US" dirty="0"/>
-              <a:t> coordinates of images</a:t>
-            </a:r>
-          </a:p>
-          <a:p>
-            <a:r>
-              <a:rPr lang="en-US" dirty="0"/>
-              <a:t>An image is nothing more than a 2D matrix</a:t>
-            </a:r>
-            <a:br>
-              <a:rPr lang="en-US" dirty="0"/>
-            </a:br>
-            <a:r>
-              <a:rPr lang="en-US" dirty="0"/>
-              <a:t>whose entries are grayscale pixels in 0 to 255</a:t>
-            </a:r>
-          </a:p>
-          <a:p>
-            <a:r>
-              <a:rPr lang="en-US" dirty="0"/>
-              <a:t>A pixel value of 0 is black and 255 is white</a:t>
-            </a:r>
+              <a:t>Single loop does 1D, nested loop does 2D, triple loop does 3D... </a:t>
+            </a:r>
+          </a:p>
+        </p:txBody>
+      </p:sp>
+      <p:sp>
+        <p:nvSpPr>
+          <p:cNvPr id="4" name="TextBox 3">
+            <a:extLst>
+              <a:ext uri="{FF2B5EF4-FFF2-40B4-BE49-F238E27FC236}">
+                <a16:creationId xmlns:a16="http://schemas.microsoft.com/office/drawing/2014/main" id="{8A848F8A-21D2-F145-BAD5-D9CAA83C5B21}"/>
+              </a:ext>
+            </a:extLst>
+          </p:cNvPr>
+          <p:cNvSpPr txBox="1"/>
+          <p:nvPr/>
+        </p:nvSpPr>
+        <p:spPr>
+          <a:xfrm>
+            <a:off x="2539920" y="3090335"/>
+            <a:ext cx="8225329" cy="3477875"/>
+          </a:xfrm>
+          <a:prstGeom prst="rect">
+            <a:avLst/>
+          </a:prstGeom>
+          <a:noFill/>
+        </p:spPr>
+        <p:txBody>
+          <a:bodyPr wrap="none" rtlCol="0">
+            <a:spAutoFit/>
+          </a:bodyPr>
+          <a:lstStyle/>
+          <a:p>
+            <a:r>
+              <a:rPr lang="en-US" sz="2000" dirty="0" err="1">
+                <a:latin typeface="Consolas" panose="020B0609020204030204" pitchFamily="49" charset="0"/>
+                <a:cs typeface="Consolas" panose="020B0609020204030204" pitchFamily="49" charset="0"/>
+              </a:rPr>
+              <a:t>nrows</a:t>
+            </a:r>
+            <a:r>
+              <a:rPr lang="en-US" sz="2000" dirty="0">
+                <a:latin typeface="Consolas" panose="020B0609020204030204" pitchFamily="49" charset="0"/>
+                <a:cs typeface="Consolas" panose="020B0609020204030204" pitchFamily="49" charset="0"/>
+              </a:rPr>
+              <a:t> = 3</a:t>
+            </a:r>
+          </a:p>
+          <a:p>
+            <a:r>
+              <a:rPr lang="en-US" sz="2000" dirty="0" err="1">
+                <a:latin typeface="Consolas" panose="020B0609020204030204" pitchFamily="49" charset="0"/>
+                <a:cs typeface="Consolas" panose="020B0609020204030204" pitchFamily="49" charset="0"/>
+              </a:rPr>
+              <a:t>ncols</a:t>
+            </a:r>
+            <a:r>
+              <a:rPr lang="en-US" sz="2000" dirty="0">
+                <a:latin typeface="Consolas" panose="020B0609020204030204" pitchFamily="49" charset="0"/>
+                <a:cs typeface="Consolas" panose="020B0609020204030204" pitchFamily="49" charset="0"/>
+              </a:rPr>
+              <a:t> = 3</a:t>
+            </a:r>
+          </a:p>
+          <a:p>
+            <a:r>
+              <a:rPr lang="en-US" sz="2000" dirty="0">
+                <a:latin typeface="Consolas" panose="020B0609020204030204" pitchFamily="49" charset="0"/>
+                <a:cs typeface="Consolas" panose="020B0609020204030204" pitchFamily="49" charset="0"/>
+              </a:rPr>
+              <a:t># column j value varies more quickly than the row </a:t>
+            </a:r>
+            <a:r>
+              <a:rPr lang="en-US" sz="2000" dirty="0" err="1">
+                <a:latin typeface="Consolas" panose="020B0609020204030204" pitchFamily="49" charset="0"/>
+                <a:cs typeface="Consolas" panose="020B0609020204030204" pitchFamily="49" charset="0"/>
+              </a:rPr>
+              <a:t>i</a:t>
+            </a:r>
+            <a:r>
+              <a:rPr lang="en-US" sz="2000" dirty="0">
+                <a:latin typeface="Consolas" panose="020B0609020204030204" pitchFamily="49" charset="0"/>
+                <a:cs typeface="Consolas" panose="020B0609020204030204" pitchFamily="49" charset="0"/>
+              </a:rPr>
+              <a:t> value</a:t>
+            </a:r>
+          </a:p>
+          <a:p>
+            <a:r>
+              <a:rPr lang="en-US" sz="2000" dirty="0">
+                <a:latin typeface="Consolas" panose="020B0609020204030204" pitchFamily="49" charset="0"/>
+                <a:cs typeface="Consolas" panose="020B0609020204030204" pitchFamily="49" charset="0"/>
+              </a:rPr>
+              <a:t>for </a:t>
+            </a:r>
+            <a:r>
+              <a:rPr lang="en-US" sz="2000" dirty="0" err="1">
+                <a:latin typeface="Consolas" panose="020B0609020204030204" pitchFamily="49" charset="0"/>
+                <a:cs typeface="Consolas" panose="020B0609020204030204" pitchFamily="49" charset="0"/>
+              </a:rPr>
+              <a:t>i</a:t>
+            </a:r>
+            <a:r>
+              <a:rPr lang="en-US" sz="2000" dirty="0">
+                <a:latin typeface="Consolas" panose="020B0609020204030204" pitchFamily="49" charset="0"/>
+                <a:cs typeface="Consolas" panose="020B0609020204030204" pitchFamily="49" charset="0"/>
+              </a:rPr>
+              <a:t> in range(</a:t>
+            </a:r>
+            <a:r>
+              <a:rPr lang="en-US" sz="2000" dirty="0" err="1">
+                <a:latin typeface="Consolas" panose="020B0609020204030204" pitchFamily="49" charset="0"/>
+                <a:cs typeface="Consolas" panose="020B0609020204030204" pitchFamily="49" charset="0"/>
+              </a:rPr>
+              <a:t>nrows</a:t>
+            </a:r>
+            <a:r>
+              <a:rPr lang="en-US" sz="2000" dirty="0">
+                <a:latin typeface="Consolas" panose="020B0609020204030204" pitchFamily="49" charset="0"/>
+                <a:cs typeface="Consolas" panose="020B0609020204030204" pitchFamily="49" charset="0"/>
+              </a:rPr>
+              <a:t>):</a:t>
+            </a:r>
+          </a:p>
+          <a:p>
+            <a:r>
+              <a:rPr lang="en-US" sz="2000" dirty="0">
+                <a:latin typeface="Consolas" panose="020B0609020204030204" pitchFamily="49" charset="0"/>
+                <a:cs typeface="Consolas" panose="020B0609020204030204" pitchFamily="49" charset="0"/>
+              </a:rPr>
+              <a:t>    for j in range(</a:t>
+            </a:r>
+            <a:r>
+              <a:rPr lang="en-US" sz="2000" dirty="0" err="1">
+                <a:latin typeface="Consolas" panose="020B0609020204030204" pitchFamily="49" charset="0"/>
+                <a:cs typeface="Consolas" panose="020B0609020204030204" pitchFamily="49" charset="0"/>
+              </a:rPr>
+              <a:t>ncols</a:t>
+            </a:r>
+            <a:r>
+              <a:rPr lang="en-US" sz="2000" dirty="0">
+                <a:latin typeface="Consolas" panose="020B0609020204030204" pitchFamily="49" charset="0"/>
+                <a:cs typeface="Consolas" panose="020B0609020204030204" pitchFamily="49" charset="0"/>
+              </a:rPr>
+              <a:t>):</a:t>
+            </a:r>
+          </a:p>
+          <a:p>
+            <a:r>
+              <a:rPr lang="en-US" sz="2000" dirty="0">
+                <a:latin typeface="Consolas" panose="020B0609020204030204" pitchFamily="49" charset="0"/>
+                <a:cs typeface="Consolas" panose="020B0609020204030204" pitchFamily="49" charset="0"/>
+              </a:rPr>
+              <a:t>        print( </a:t>
+            </a:r>
+            <a:r>
+              <a:rPr lang="en-US" sz="2000" dirty="0" err="1">
+                <a:latin typeface="Consolas" panose="020B0609020204030204" pitchFamily="49" charset="0"/>
+                <a:cs typeface="Consolas" panose="020B0609020204030204" pitchFamily="49" charset="0"/>
+              </a:rPr>
+              <a:t>i</a:t>
+            </a:r>
+            <a:r>
+              <a:rPr lang="en-US" sz="2000" dirty="0">
+                <a:latin typeface="Consolas" panose="020B0609020204030204" pitchFamily="49" charset="0"/>
+                <a:cs typeface="Consolas" panose="020B0609020204030204" pitchFamily="49" charset="0"/>
+              </a:rPr>
+              <a:t>, j )</a:t>
+            </a:r>
+          </a:p>
+          <a:p>
+            <a:endParaRPr lang="en-US" sz="2000" dirty="0">
+              <a:latin typeface="Consolas" panose="020B0609020204030204" pitchFamily="49" charset="0"/>
+              <a:cs typeface="Consolas" panose="020B0609020204030204" pitchFamily="49" charset="0"/>
+            </a:endParaRPr>
+          </a:p>
+          <a:p>
+            <a:r>
+              <a:rPr lang="en-US" sz="2000" dirty="0">
+                <a:latin typeface="Consolas" panose="020B0609020204030204" pitchFamily="49" charset="0"/>
+                <a:cs typeface="Consolas" panose="020B0609020204030204" pitchFamily="49" charset="0"/>
+              </a:rPr>
+              <a:t># row </a:t>
+            </a:r>
+            <a:r>
+              <a:rPr lang="en-US" sz="2000" dirty="0" err="1">
+                <a:latin typeface="Consolas" panose="020B0609020204030204" pitchFamily="49" charset="0"/>
+                <a:cs typeface="Consolas" panose="020B0609020204030204" pitchFamily="49" charset="0"/>
+              </a:rPr>
+              <a:t>i</a:t>
+            </a:r>
+            <a:r>
+              <a:rPr lang="en-US" sz="2000" dirty="0">
+                <a:latin typeface="Consolas" panose="020B0609020204030204" pitchFamily="49" charset="0"/>
+                <a:cs typeface="Consolas" panose="020B0609020204030204" pitchFamily="49" charset="0"/>
+              </a:rPr>
+              <a:t> value varies more quickly than j</a:t>
+            </a:r>
+          </a:p>
+          <a:p>
+            <a:r>
+              <a:rPr lang="en-US" sz="2000" dirty="0">
+                <a:latin typeface="Consolas" panose="020B0609020204030204" pitchFamily="49" charset="0"/>
+                <a:cs typeface="Consolas" panose="020B0609020204030204" pitchFamily="49" charset="0"/>
+              </a:rPr>
+              <a:t>for j in range(</a:t>
+            </a:r>
+            <a:r>
+              <a:rPr lang="en-US" sz="2000" dirty="0" err="1">
+                <a:latin typeface="Consolas" panose="020B0609020204030204" pitchFamily="49" charset="0"/>
+                <a:cs typeface="Consolas" panose="020B0609020204030204" pitchFamily="49" charset="0"/>
+              </a:rPr>
+              <a:t>ncols</a:t>
+            </a:r>
+            <a:r>
+              <a:rPr lang="en-US" sz="2000" dirty="0">
+                <a:latin typeface="Consolas" panose="020B0609020204030204" pitchFamily="49" charset="0"/>
+                <a:cs typeface="Consolas" panose="020B0609020204030204" pitchFamily="49" charset="0"/>
+              </a:rPr>
+              <a:t>):</a:t>
+            </a:r>
+          </a:p>
+          <a:p>
+            <a:r>
+              <a:rPr lang="en-US" sz="2000" dirty="0">
+                <a:latin typeface="Consolas" panose="020B0609020204030204" pitchFamily="49" charset="0"/>
+                <a:cs typeface="Consolas" panose="020B0609020204030204" pitchFamily="49" charset="0"/>
+              </a:rPr>
+              <a:t>    for </a:t>
+            </a:r>
+            <a:r>
+              <a:rPr lang="en-US" sz="2000" dirty="0" err="1">
+                <a:latin typeface="Consolas" panose="020B0609020204030204" pitchFamily="49" charset="0"/>
+                <a:cs typeface="Consolas" panose="020B0609020204030204" pitchFamily="49" charset="0"/>
+              </a:rPr>
+              <a:t>i</a:t>
+            </a:r>
+            <a:r>
+              <a:rPr lang="en-US" sz="2000" dirty="0">
+                <a:latin typeface="Consolas" panose="020B0609020204030204" pitchFamily="49" charset="0"/>
+                <a:cs typeface="Consolas" panose="020B0609020204030204" pitchFamily="49" charset="0"/>
+              </a:rPr>
+              <a:t> in range(</a:t>
+            </a:r>
+            <a:r>
+              <a:rPr lang="en-US" sz="2000" dirty="0" err="1">
+                <a:latin typeface="Consolas" panose="020B0609020204030204" pitchFamily="49" charset="0"/>
+                <a:cs typeface="Consolas" panose="020B0609020204030204" pitchFamily="49" charset="0"/>
+              </a:rPr>
+              <a:t>nrows</a:t>
+            </a:r>
+            <a:r>
+              <a:rPr lang="en-US" sz="2000" dirty="0">
+                <a:latin typeface="Consolas" panose="020B0609020204030204" pitchFamily="49" charset="0"/>
+                <a:cs typeface="Consolas" panose="020B0609020204030204" pitchFamily="49" charset="0"/>
+              </a:rPr>
+              <a:t>):</a:t>
+            </a:r>
+          </a:p>
+          <a:p>
+            <a:r>
+              <a:rPr lang="en-US" sz="2000" dirty="0">
+                <a:latin typeface="Consolas" panose="020B0609020204030204" pitchFamily="49" charset="0"/>
+                <a:cs typeface="Consolas" panose="020B0609020204030204" pitchFamily="49" charset="0"/>
+              </a:rPr>
+              <a:t>        print( </a:t>
+            </a:r>
+            <a:r>
+              <a:rPr lang="en-US" sz="2000" dirty="0" err="1">
+                <a:latin typeface="Consolas" panose="020B0609020204030204" pitchFamily="49" charset="0"/>
+                <a:cs typeface="Consolas" panose="020B0609020204030204" pitchFamily="49" charset="0"/>
+              </a:rPr>
+              <a:t>i</a:t>
+            </a:r>
+            <a:r>
+              <a:rPr lang="en-US" sz="2000" dirty="0">
+                <a:latin typeface="Consolas" panose="020B0609020204030204" pitchFamily="49" charset="0"/>
+                <a:cs typeface="Consolas" panose="020B0609020204030204" pitchFamily="49" charset="0"/>
+              </a:rPr>
+              <a:t>, j )</a:t>
+            </a:r>
+          </a:p>
+        </p:txBody>
+      </p:sp>
+      <p:sp>
+        <p:nvSpPr>
+          <p:cNvPr id="5" name="TextBox 4">
+            <a:extLst>
+              <a:ext uri="{FF2B5EF4-FFF2-40B4-BE49-F238E27FC236}">
+                <a16:creationId xmlns:a16="http://schemas.microsoft.com/office/drawing/2014/main" id="{8756EA78-48AD-454C-8642-7427DC15FC0C}"/>
+              </a:ext>
+            </a:extLst>
+          </p:cNvPr>
+          <p:cNvSpPr txBox="1"/>
+          <p:nvPr/>
+        </p:nvSpPr>
+        <p:spPr>
+          <a:xfrm>
+            <a:off x="0" y="6492875"/>
+            <a:ext cx="2813591" cy="369332"/>
+          </a:xfrm>
+          <a:prstGeom prst="rect">
+            <a:avLst/>
+          </a:prstGeom>
+          <a:noFill/>
+        </p:spPr>
+        <p:txBody>
+          <a:bodyPr wrap="none" rtlCol="0">
+            <a:spAutoFit/>
+          </a:bodyPr>
+          <a:lstStyle/>
+          <a:p>
+            <a:r>
+              <a:rPr lang="en-US" dirty="0">
+                <a:hlinkClick r:id="rId2"/>
+              </a:rPr>
+              <a:t>Experiment in </a:t>
+            </a:r>
+            <a:r>
+              <a:rPr lang="en-US" dirty="0" err="1">
+                <a:hlinkClick r:id="rId2"/>
+              </a:rPr>
+              <a:t>pythontutor</a:t>
+            </a:r>
+            <a:endParaRPr lang="en-US" dirty="0"/>
           </a:p>
         </p:txBody>
       </p:sp>
       <p:pic>
         <p:nvPicPr>
-          <p:cNvPr id="2050" name="Picture 2">
-            <a:extLst>
-              <a:ext uri="{FF2B5EF4-FFF2-40B4-BE49-F238E27FC236}">
-                <a16:creationId xmlns:a16="http://schemas.microsoft.com/office/drawing/2014/main" id="{D1EAA01E-E700-4143-922A-2E2E10DDD956}"/>
+          <p:cNvPr id="1026" name="Picture 2">
+            <a:extLst>
+              <a:ext uri="{FF2B5EF4-FFF2-40B4-BE49-F238E27FC236}">
+                <a16:creationId xmlns:a16="http://schemas.microsoft.com/office/drawing/2014/main" id="{BDFDE402-8C7F-8746-9BC3-B260A69F5534}"/>
               </a:ext>
             </a:extLst>
           </p:cNvPr>
@@ -7365,7 +7465,7 @@
           <p:nvPr/>
         </p:nvPicPr>
         <p:blipFill>
-          <a:blip r:embed="rId2">
+          <a:blip r:embed="rId3">
             <a:extLst>
               <a:ext uri="{28A0092B-C50C-407E-A947-70E740481C1C}">
                 <a14:useLocalDpi xmlns:a14="http://schemas.microsoft.com/office/drawing/2010/main" val="0"/>
@@ -7379,8 +7479,8 @@
         </p:blipFill>
         <p:spPr bwMode="auto">
           <a:xfrm>
-            <a:off x="7404652" y="31598"/>
-            <a:ext cx="4662350" cy="3318180"/>
+            <a:off x="9740347" y="71128"/>
+            <a:ext cx="2345628" cy="1436961"/>
           </a:xfrm>
           <a:prstGeom prst="rect">
             <a:avLst/>
@@ -7397,75 +7497,10 @@
           </a:extLst>
         </p:spPr>
       </p:pic>
-      <p:sp>
-        <p:nvSpPr>
-          <p:cNvPr id="5" name="TextBox 4">
-            <a:extLst>
-              <a:ext uri="{FF2B5EF4-FFF2-40B4-BE49-F238E27FC236}">
-                <a16:creationId xmlns:a16="http://schemas.microsoft.com/office/drawing/2014/main" id="{64900176-FFB4-0240-A204-5C368A4FBB75}"/>
-              </a:ext>
-            </a:extLst>
-          </p:cNvPr>
-          <p:cNvSpPr txBox="1"/>
-          <p:nvPr/>
-        </p:nvSpPr>
-        <p:spPr>
-          <a:xfrm>
-            <a:off x="2301381" y="4372908"/>
-            <a:ext cx="5404043" cy="1323439"/>
-          </a:xfrm>
-          <a:prstGeom prst="rect">
-            <a:avLst/>
-          </a:prstGeom>
-          <a:noFill/>
-        </p:spPr>
-        <p:txBody>
-          <a:bodyPr wrap="none" rtlCol="0">
-            <a:spAutoFit/>
-          </a:bodyPr>
-          <a:lstStyle/>
-          <a:p>
-            <a:r>
-              <a:rPr lang="en-US" sz="2000" dirty="0">
-                <a:latin typeface="Consolas" panose="020B0609020204030204" pitchFamily="49" charset="0"/>
-                <a:cs typeface="Consolas" panose="020B0609020204030204" pitchFamily="49" charset="0"/>
-              </a:rPr>
-              <a:t># walk top-down: row-by-row of pixels</a:t>
-            </a:r>
-          </a:p>
-          <a:p>
-            <a:r>
-              <a:rPr lang="en-US" sz="2000" dirty="0">
-                <a:latin typeface="Consolas" panose="020B0609020204030204" pitchFamily="49" charset="0"/>
-                <a:cs typeface="Consolas" panose="020B0609020204030204" pitchFamily="49" charset="0"/>
-              </a:rPr>
-              <a:t>for y in range(height):</a:t>
-            </a:r>
-          </a:p>
-          <a:p>
-            <a:r>
-              <a:rPr lang="en-US" sz="2000" dirty="0">
-                <a:latin typeface="Consolas" panose="020B0609020204030204" pitchFamily="49" charset="0"/>
-                <a:cs typeface="Consolas" panose="020B0609020204030204" pitchFamily="49" charset="0"/>
-              </a:rPr>
-              <a:t>    for x in range(width):</a:t>
-            </a:r>
-          </a:p>
-          <a:p>
-            <a:r>
-              <a:rPr lang="en-US" sz="2000" dirty="0">
-                <a:latin typeface="Consolas" panose="020B0609020204030204" pitchFamily="49" charset="0"/>
-                <a:cs typeface="Consolas" panose="020B0609020204030204" pitchFamily="49" charset="0"/>
-              </a:rPr>
-              <a:t>        print( x, y )</a:t>
-            </a:r>
-          </a:p>
-        </p:txBody>
-      </p:sp>
     </p:spTree>
     <p:extLst>
       <p:ext uri="{BB962C8B-B14F-4D97-AF65-F5344CB8AC3E}">
-        <p14:creationId xmlns:p14="http://schemas.microsoft.com/office/powerpoint/2010/main" val="586665330"/>
+        <p14:creationId xmlns:p14="http://schemas.microsoft.com/office/powerpoint/2010/main" val="1299248187"/>
       </p:ext>
     </p:extLst>
   </p:cSld>
@@ -7497,7 +7532,7 @@
           <p:cNvPr id="2" name="Title 1">
             <a:extLst>
               <a:ext uri="{FF2B5EF4-FFF2-40B4-BE49-F238E27FC236}">
-                <a16:creationId xmlns:a16="http://schemas.microsoft.com/office/drawing/2014/main" id="{1D8F4D5E-0D5D-EC4E-B0CF-6809A12A1924}"/>
+                <a16:creationId xmlns:a16="http://schemas.microsoft.com/office/drawing/2014/main" id="{79BF3B7B-A1F8-C248-8AAA-D4E062C8D7B4}"/>
               </a:ext>
             </a:extLst>
           </p:cNvPr>
@@ -7515,17 +7550,17 @@
           <a:p>
             <a:r>
               <a:rPr lang="en-US" dirty="0"/>
-              <a:t>Applying patterns</a:t>
-            </a:r>
-          </a:p>
-        </p:txBody>
-      </p:sp>
-      <p:sp>
-        <p:nvSpPr>
-          <p:cNvPr id="3" name="Text Placeholder 2">
-            <a:extLst>
-              <a:ext uri="{FF2B5EF4-FFF2-40B4-BE49-F238E27FC236}">
-                <a16:creationId xmlns:a16="http://schemas.microsoft.com/office/drawing/2014/main" id="{E51EADA2-28D3-574B-B264-D57FECAAEDE9}"/>
+              <a:t>Image processing</a:t>
+            </a:r>
+          </a:p>
+        </p:txBody>
+      </p:sp>
+      <p:sp>
+        <p:nvSpPr>
+          <p:cNvPr id="3" name="Content Placeholder 2">
+            <a:extLst>
+              <a:ext uri="{FF2B5EF4-FFF2-40B4-BE49-F238E27FC236}">
+                <a16:creationId xmlns:a16="http://schemas.microsoft.com/office/drawing/2014/main" id="{923B946B-8376-AB43-B016-EF840EC9F120}"/>
               </a:ext>
             </a:extLst>
           </p:cNvPr>
@@ -7533,7 +7568,7 @@
             <a:spLocks noGrp="1"/>
           </p:cNvSpPr>
           <p:nvPr>
-            <p:ph type="body" idx="1"/>
+            <p:ph idx="1"/>
           </p:nvPr>
         </p:nvSpPr>
         <p:spPr/>
@@ -7543,7 +7578,153 @@
           <a:p>
             <a:r>
               <a:rPr lang="en-US" dirty="0"/>
-              <a:t>Now that we can read basic Python and have seen some pattern implementations, let's use those patterns to solve some simple problems</a:t>
+              <a:t>The images project requires that you traverse</a:t>
+            </a:r>
+            <a:br>
+              <a:rPr lang="en-US" dirty="0"/>
+            </a:br>
+            <a:r>
+              <a:rPr lang="en-US" dirty="0"/>
+              <a:t>the </a:t>
+            </a:r>
+            <a:r>
+              <a:rPr lang="en-US" dirty="0" err="1"/>
+              <a:t>x,y</a:t>
+            </a:r>
+            <a:r>
+              <a:rPr lang="en-US" dirty="0"/>
+              <a:t> coordinates of images</a:t>
+            </a:r>
+          </a:p>
+          <a:p>
+            <a:r>
+              <a:rPr lang="en-US" dirty="0"/>
+              <a:t>An image is nothing more than a 2D matrix</a:t>
+            </a:r>
+            <a:br>
+              <a:rPr lang="en-US" dirty="0"/>
+            </a:br>
+            <a:r>
+              <a:rPr lang="en-US" dirty="0"/>
+              <a:t>whose entries are grayscale pixels in 0 to 255</a:t>
+            </a:r>
+          </a:p>
+          <a:p>
+            <a:r>
+              <a:rPr lang="en-US" dirty="0"/>
+              <a:t>A pixel value of 0 is black and 255 is white</a:t>
+            </a:r>
+          </a:p>
+        </p:txBody>
+      </p:sp>
+      <p:pic>
+        <p:nvPicPr>
+          <p:cNvPr id="2050" name="Picture 2">
+            <a:extLst>
+              <a:ext uri="{FF2B5EF4-FFF2-40B4-BE49-F238E27FC236}">
+                <a16:creationId xmlns:a16="http://schemas.microsoft.com/office/drawing/2014/main" id="{D1EAA01E-E700-4143-922A-2E2E10DDD956}"/>
+              </a:ext>
+            </a:extLst>
+          </p:cNvPr>
+          <p:cNvPicPr>
+            <a:picLocks noChangeAspect="1" noChangeArrowheads="1"/>
+          </p:cNvPicPr>
+          <p:nvPr/>
+        </p:nvPicPr>
+        <p:blipFill>
+          <a:blip r:embed="rId2">
+            <a:extLst>
+              <a:ext uri="{28A0092B-C50C-407E-A947-70E740481C1C}">
+                <a14:useLocalDpi xmlns:a14="http://schemas.microsoft.com/office/drawing/2010/main" val="0"/>
+              </a:ext>
+            </a:extLst>
+          </a:blip>
+          <a:srcRect/>
+          <a:stretch>
+            <a:fillRect/>
+          </a:stretch>
+        </p:blipFill>
+        <p:spPr bwMode="auto">
+          <a:xfrm>
+            <a:off x="7404652" y="31598"/>
+            <a:ext cx="4662350" cy="3318180"/>
+          </a:xfrm>
+          <a:prstGeom prst="rect">
+            <a:avLst/>
+          </a:prstGeom>
+          <a:noFill/>
+          <a:extLst>
+            <a:ext uri="{909E8E84-426E-40DD-AFC4-6F175D3DCCD1}">
+              <a14:hiddenFill xmlns:a14="http://schemas.microsoft.com/office/drawing/2010/main">
+                <a:solidFill>
+                  <a:srgbClr val="FFFFFF"/>
+                </a:solidFill>
+              </a14:hiddenFill>
+            </a:ext>
+          </a:extLst>
+        </p:spPr>
+      </p:pic>
+      <p:sp>
+        <p:nvSpPr>
+          <p:cNvPr id="5" name="TextBox 4">
+            <a:extLst>
+              <a:ext uri="{FF2B5EF4-FFF2-40B4-BE49-F238E27FC236}">
+                <a16:creationId xmlns:a16="http://schemas.microsoft.com/office/drawing/2014/main" id="{64900176-FFB4-0240-A204-5C368A4FBB75}"/>
+              </a:ext>
+            </a:extLst>
+          </p:cNvPr>
+          <p:cNvSpPr txBox="1"/>
+          <p:nvPr/>
+        </p:nvSpPr>
+        <p:spPr>
+          <a:xfrm>
+            <a:off x="2301381" y="4372908"/>
+            <a:ext cx="5404043" cy="1323439"/>
+          </a:xfrm>
+          <a:prstGeom prst="rect">
+            <a:avLst/>
+          </a:prstGeom>
+          <a:noFill/>
+        </p:spPr>
+        <p:txBody>
+          <a:bodyPr wrap="none" rtlCol="0">
+            <a:spAutoFit/>
+          </a:bodyPr>
+          <a:lstStyle/>
+          <a:p>
+            <a:r>
+              <a:rPr lang="en-US" sz="2000" dirty="0">
+                <a:latin typeface="Consolas" panose="020B0609020204030204" pitchFamily="49" charset="0"/>
+                <a:cs typeface="Consolas" panose="020B0609020204030204" pitchFamily="49" charset="0"/>
+              </a:rPr>
+              <a:t># walk top-down: row-by-row of pixels</a:t>
+            </a:r>
+          </a:p>
+          <a:p>
+            <a:r>
+              <a:rPr lang="en-US" sz="2000" dirty="0">
+                <a:latin typeface="Consolas" panose="020B0609020204030204" pitchFamily="49" charset="0"/>
+                <a:cs typeface="Consolas" panose="020B0609020204030204" pitchFamily="49" charset="0"/>
+              </a:rPr>
+              <a:t>for y in range(height):</a:t>
+            </a:r>
+          </a:p>
+          <a:p>
+            <a:r>
+              <a:rPr lang="en-US" sz="2000" dirty="0">
+                <a:latin typeface="Consolas" panose="020B0609020204030204" pitchFamily="49" charset="0"/>
+                <a:cs typeface="Consolas" panose="020B0609020204030204" pitchFamily="49" charset="0"/>
+              </a:rPr>
+              <a:t>    for x in range(width):</a:t>
+            </a:r>
+          </a:p>
+          <a:p>
+            <a:r>
+              <a:rPr lang="en-US" sz="2000" dirty="0">
+                <a:latin typeface="Consolas" panose="020B0609020204030204" pitchFamily="49" charset="0"/>
+                <a:cs typeface="Consolas" panose="020B0609020204030204" pitchFamily="49" charset="0"/>
+              </a:rPr>
+              <a:t>        print( x, y )</a:t>
             </a:r>
           </a:p>
         </p:txBody>
@@ -7551,7 +7732,7 @@
     </p:spTree>
     <p:extLst>
       <p:ext uri="{BB962C8B-B14F-4D97-AF65-F5344CB8AC3E}">
-        <p14:creationId xmlns:p14="http://schemas.microsoft.com/office/powerpoint/2010/main" val="989639452"/>
+        <p14:creationId xmlns:p14="http://schemas.microsoft.com/office/powerpoint/2010/main" val="586665330"/>
       </p:ext>
     </p:extLst>
   </p:cSld>
@@ -7688,7 +7869,7 @@
           <p:cNvPr id="2" name="Title 1">
             <a:extLst>
               <a:ext uri="{FF2B5EF4-FFF2-40B4-BE49-F238E27FC236}">
-                <a16:creationId xmlns:a16="http://schemas.microsoft.com/office/drawing/2014/main" id="{1C13B5D1-DE7F-A74B-83BD-342241197EEE}"/>
+                <a16:creationId xmlns:a16="http://schemas.microsoft.com/office/drawing/2014/main" id="{1D8F4D5E-0D5D-EC4E-B0CF-6809A12A1924}"/>
               </a:ext>
             </a:extLst>
           </p:cNvPr>
@@ -7706,17 +7887,17 @@
           <a:p>
             <a:r>
               <a:rPr lang="en-US" dirty="0"/>
-              <a:t>Basic problem-solving strategy</a:t>
-            </a:r>
-          </a:p>
-        </p:txBody>
-      </p:sp>
-      <p:sp>
-        <p:nvSpPr>
-          <p:cNvPr id="3" name="Content Placeholder 2">
-            <a:extLst>
-              <a:ext uri="{FF2B5EF4-FFF2-40B4-BE49-F238E27FC236}">
-                <a16:creationId xmlns:a16="http://schemas.microsoft.com/office/drawing/2014/main" id="{56FB7E37-5DBC-8245-A0CF-E05C4C292732}"/>
+              <a:t>Applying patterns</a:t>
+            </a:r>
+          </a:p>
+        </p:txBody>
+      </p:sp>
+      <p:sp>
+        <p:nvSpPr>
+          <p:cNvPr id="3" name="Text Placeholder 2">
+            <a:extLst>
+              <a:ext uri="{FF2B5EF4-FFF2-40B4-BE49-F238E27FC236}">
+                <a16:creationId xmlns:a16="http://schemas.microsoft.com/office/drawing/2014/main" id="{E51EADA2-28D3-574B-B264-D57FECAAEDE9}"/>
               </a:ext>
             </a:extLst>
           </p:cNvPr>
@@ -7724,7 +7905,7 @@
             <a:spLocks noGrp="1"/>
           </p:cNvSpPr>
           <p:nvPr>
-            <p:ph idx="1"/>
+            <p:ph type="body" idx="1"/>
           </p:nvPr>
         </p:nvSpPr>
         <p:spPr/>
@@ -7733,59 +7914,16 @@
           <a:lstStyle/>
           <a:p>
             <a:r>
-              <a:rPr lang="en-US" b="1" dirty="0"/>
-              <a:t>Start with the end result and work your way backwards</a:t>
-            </a:r>
-          </a:p>
-          <a:p>
-            <a:r>
               <a:rPr lang="en-US" dirty="0"/>
-              <a:t>Ask what the prerequisites are for each step</a:t>
-            </a:r>
-          </a:p>
-          <a:p>
-            <a:r>
-              <a:rPr lang="en-US" dirty="0"/>
-              <a:t>The processing step or steps preceding step </a:t>
-            </a:r>
-            <a:r>
-              <a:rPr lang="en-US" i="1" dirty="0" err="1"/>
-              <a:t>i</a:t>
-            </a:r>
-            <a:r>
-              <a:rPr lang="en-US" dirty="0"/>
-              <a:t> compute the data or values needed by step </a:t>
-            </a:r>
-            <a:r>
-              <a:rPr lang="en-US" i="1" dirty="0" err="1"/>
-              <a:t>i</a:t>
-            </a:r>
-            <a:r>
-              <a:rPr lang="en-US" dirty="0"/>
-              <a:t> </a:t>
-            </a:r>
-          </a:p>
-          <a:p>
-            <a:r>
-              <a:rPr lang="en-US" dirty="0"/>
-              <a:t>E.g., median: to pick middle value, previous step must sort data</a:t>
-            </a:r>
-          </a:p>
-          <a:p>
-            <a:r>
-              <a:rPr lang="en-US" dirty="0"/>
-              <a:t>Data science problems are often solved with an "iterative refinement of data" approach to arrive at a final result</a:t>
-            </a:r>
-          </a:p>
-          <a:p>
-            <a:endParaRPr lang="en-US" dirty="0"/>
+              <a:t>Now that we can read basic Python and have seen some pattern implementations, let's use those patterns to solve some simple problems</a:t>
+            </a:r>
           </a:p>
         </p:txBody>
       </p:sp>
     </p:spTree>
     <p:extLst>
       <p:ext uri="{BB962C8B-B14F-4D97-AF65-F5344CB8AC3E}">
-        <p14:creationId xmlns:p14="http://schemas.microsoft.com/office/powerpoint/2010/main" val="1463195429"/>
+        <p14:creationId xmlns:p14="http://schemas.microsoft.com/office/powerpoint/2010/main" val="989639452"/>
       </p:ext>
     </p:extLst>
   </p:cSld>
@@ -9562,7 +9700,7 @@
           <a:p>
             <a:r>
               <a:rPr lang="en-US" dirty="0"/>
-              <a:t>Exercise</a:t>
+              <a:t>Exercise (part 1)</a:t>
             </a:r>
           </a:p>
         </p:txBody>
@@ -9610,7 +9748,7 @@
           <a:p>
             <a:r>
               <a:rPr lang="en-US" dirty="0"/>
-              <a:t>Which patterns should we apply and how?</a:t>
+              <a:t>Which patterns should we apply and how? Hmm…hard to say</a:t>
             </a:r>
           </a:p>
           <a:p>
@@ -9877,7 +10015,7 @@
           <a:p>
             <a:r>
               <a:rPr lang="en-US" dirty="0"/>
-              <a:t>Exercise continued</a:t>
+              <a:t>Exercise (part 2)</a:t>
             </a:r>
           </a:p>
         </p:txBody>
@@ -9963,7 +10101,7 @@
             <a:pPr lvl="1"/>
             <a:r>
               <a:rPr lang="en-US" dirty="0"/>
-              <a:t>To get the list of words for each title, map </a:t>
+              <a:t>To get the list of words for each title, apply </a:t>
             </a:r>
             <a:r>
               <a:rPr lang="en-US" b="1" dirty="0"/>
@@ -9971,7 +10109,7 @@
             </a:r>
             <a:r>
               <a:rPr lang="en-US" dirty="0"/>
-              <a:t> to each title</a:t>
+              <a:t> to each title (map)</a:t>
             </a:r>
           </a:p>
           <a:p>
@@ -10567,7 +10705,7 @@
           <a:p>
             <a:r>
               <a:rPr lang="en-US" dirty="0"/>
-              <a:t>Exercise continued</a:t>
+              <a:t>Exercise (part 3)</a:t>
             </a:r>
           </a:p>
         </p:txBody>
@@ -11301,7 +11439,7 @@
           <a:p>
             <a:r>
               <a:rPr lang="en-US" dirty="0"/>
-              <a:t>Exercise continued</a:t>
+              <a:t>Exercise (part 4)</a:t>
             </a:r>
           </a:p>
         </p:txBody>
@@ -11779,7 +11917,7 @@
           <a:p>
             <a:r>
               <a:rPr lang="en-US" dirty="0"/>
-              <a:t>Gaining experience as a programmer means recognizing and remembering patterns in your code</a:t>
+              <a:t>Gaining experience as a programmer means recognizing and remembering patterns in your code, both high and low level</a:t>
             </a:r>
           </a:p>
         </p:txBody>
@@ -11881,7 +12019,7 @@
             </a:pPr>
             <a:r>
               <a:rPr lang="en-US" dirty="0"/>
-              <a:t>Acquire data, which means finding a suitable file or collecting data from the web and storing in a file or database</a:t>
+              <a:t>Acquire data, which means finding a suitable file or collecting data from the web and storing it in a file or database</a:t>
             </a:r>
           </a:p>
           <a:p>
@@ -11961,7 +12099,7 @@
           <p:cNvPr id="2" name="Title 1">
             <a:extLst>
               <a:ext uri="{FF2B5EF4-FFF2-40B4-BE49-F238E27FC236}">
-                <a16:creationId xmlns:a16="http://schemas.microsoft.com/office/drawing/2014/main" id="{28E269BC-FCD0-3641-BD6D-5B96C2417018}"/>
+                <a16:creationId xmlns:a16="http://schemas.microsoft.com/office/drawing/2014/main" id="{1C13B5D1-DE7F-A74B-83BD-342241197EEE}"/>
               </a:ext>
             </a:extLst>
           </p:cNvPr>
@@ -11979,7 +12117,7 @@
           <a:p>
             <a:r>
               <a:rPr lang="en-US" dirty="0"/>
-              <a:t>Low-level programming patterns</a:t>
+              <a:t>Basic problem-solving strategy</a:t>
             </a:r>
           </a:p>
         </p:txBody>
@@ -11989,7 +12127,7 @@
           <p:cNvPr id="3" name="Content Placeholder 2">
             <a:extLst>
               <a:ext uri="{FF2B5EF4-FFF2-40B4-BE49-F238E27FC236}">
-                <a16:creationId xmlns:a16="http://schemas.microsoft.com/office/drawing/2014/main" id="{011453FF-9B1C-204B-BAC3-7506D02A781A}"/>
+                <a16:creationId xmlns:a16="http://schemas.microsoft.com/office/drawing/2014/main" id="{56FB7E37-5DBC-8245-A0CF-E05C4C292732}"/>
               </a:ext>
             </a:extLst>
           </p:cNvPr>
@@ -12002,55 +12140,63 @@
         </p:nvSpPr>
         <p:spPr/>
         <p:txBody>
-          <a:bodyPr>
-            <a:normAutofit/>
-          </a:bodyPr>
-          <a:lstStyle/>
+          <a:bodyPr/>
+          <a:lstStyle/>
+          <a:p>
+            <a:r>
+              <a:rPr lang="en-US" b="1" dirty="0"/>
+              <a:t>Start with the end result and work your way backwards</a:t>
+            </a:r>
+          </a:p>
           <a:p>
             <a:r>
               <a:rPr lang="en-US" dirty="0"/>
-              <a:t>High-level templates help us organize and plan our program</a:t>
+              <a:t>Ask what the prerequisites are for each step</a:t>
             </a:r>
           </a:p>
           <a:p>
             <a:r>
               <a:rPr lang="en-US" dirty="0"/>
-              <a:t>Low-level patterns are puzzle pieces that we combine to fill in details and solve parts of the overall template</a:t>
-            </a:r>
-          </a:p>
-          <a:p>
+              <a:t>The processing step or steps preceding step </a:t>
+            </a:r>
+            <a:r>
+              <a:rPr lang="en-US" i="1" dirty="0" err="1"/>
+              <a:t>i</a:t>
+            </a:r>
             <a:r>
               <a:rPr lang="en-US" dirty="0"/>
-              <a:t>These patterns have Python implementations but we design programs by selecting and applying patterns/operations, not specific code sequences</a:t>
-            </a:r>
-          </a:p>
-          <a:p>
+              <a:t> compute the data or values needed by step </a:t>
+            </a:r>
+            <a:r>
+              <a:rPr lang="en-US" i="1" dirty="0" err="1"/>
+              <a:t>i</a:t>
+            </a:r>
             <a:r>
               <a:rPr lang="en-US" dirty="0"/>
-              <a:t>When designing a program, I never say:</a:t>
-            </a:r>
-            <a:br>
+              <a:t> </a:t>
+            </a:r>
+          </a:p>
+          <a:p>
+            <a:r>
               <a:rPr lang="en-US" dirty="0"/>
-            </a:br>
+              <a:t>E.g., median: to pick middle value, previous step must sort data</a:t>
+            </a:r>
+          </a:p>
+          <a:p>
             <a:r>
               <a:rPr lang="en-US" dirty="0"/>
-              <a:t>"</a:t>
-            </a:r>
-            <a:r>
-              <a:rPr lang="en-US" i="1" dirty="0"/>
-              <a:t>Oh! I need a for-loop with an if-statement right here</a:t>
-            </a:r>
-            <a:r>
-              <a:rPr lang="en-US" dirty="0"/>
-              <a:t>."</a:t>
-            </a:r>
+              <a:t>Data science problems are often solved with an "iterative refinement of data" approach to arrive at the final result</a:t>
+            </a:r>
+          </a:p>
+          <a:p>
+            <a:endParaRPr lang="en-US" dirty="0"/>
           </a:p>
         </p:txBody>
       </p:sp>
     </p:spTree>
     <p:extLst>
       <p:ext uri="{BB962C8B-B14F-4D97-AF65-F5344CB8AC3E}">
-        <p14:creationId xmlns:p14="http://schemas.microsoft.com/office/powerpoint/2010/main" val="3002228280"/>
+        <p14:creationId xmlns:p14="http://schemas.microsoft.com/office/powerpoint/2010/main" val="3805908560"/>
       </p:ext>
     </p:extLst>
   </p:cSld>
@@ -12082,7 +12228,7 @@
           <p:cNvPr id="2" name="Title 1">
             <a:extLst>
               <a:ext uri="{FF2B5EF4-FFF2-40B4-BE49-F238E27FC236}">
-                <a16:creationId xmlns:a16="http://schemas.microsoft.com/office/drawing/2014/main" id="{21D008F3-F57D-F449-9C6F-60D473D784BD}"/>
+                <a16:creationId xmlns:a16="http://schemas.microsoft.com/office/drawing/2014/main" id="{28E269BC-FCD0-3641-BD6D-5B96C2417018}"/>
               </a:ext>
             </a:extLst>
           </p:cNvPr>
@@ -12100,7 +12246,7 @@
           <a:p>
             <a:r>
               <a:rPr lang="en-US" dirty="0"/>
-              <a:t>Sample programming patterns</a:t>
+              <a:t>Low-level programming patterns</a:t>
             </a:r>
           </a:p>
         </p:txBody>
@@ -12110,7 +12256,7 @@
           <p:cNvPr id="3" name="Content Placeholder 2">
             <a:extLst>
               <a:ext uri="{FF2B5EF4-FFF2-40B4-BE49-F238E27FC236}">
-                <a16:creationId xmlns:a16="http://schemas.microsoft.com/office/drawing/2014/main" id="{08AB2362-1CE2-0A40-BCFD-54C6C5742253}"/>
+                <a16:creationId xmlns:a16="http://schemas.microsoft.com/office/drawing/2014/main" id="{011453FF-9B1C-204B-BAC3-7506D02A781A}"/>
               </a:ext>
             </a:extLst>
           </p:cNvPr>
@@ -12121,84 +12267,57 @@
             <p:ph idx="1"/>
           </p:nvPr>
         </p:nvSpPr>
-        <p:spPr>
-          <a:xfrm>
-            <a:off x="838200" y="1610139"/>
-            <a:ext cx="10515600" cy="4566824"/>
-          </a:xfrm>
-        </p:spPr>
-        <p:txBody>
-          <a:bodyPr/>
+        <p:spPr/>
+        <p:txBody>
+          <a:bodyPr>
+            <a:normAutofit/>
+          </a:bodyPr>
           <a:lstStyle/>
           <a:p>
             <a:r>
               <a:rPr lang="en-US" dirty="0"/>
-              <a:t>You're no doubt familiar with simple patterns such as:</a:t>
-            </a:r>
-          </a:p>
-          <a:p>
-            <a:pPr lvl="1"/>
+              <a:t>High-level templates help us organize and plan our program</a:t>
+            </a:r>
+          </a:p>
+          <a:p>
+            <a:r>
+              <a:rPr lang="en-US" dirty="0"/>
+              <a:t>Low-level patterns are puzzle pieces that we combine to fill in details and solve parts of the overall template</a:t>
+            </a:r>
+          </a:p>
+          <a:p>
+            <a:r>
+              <a:rPr lang="en-US" dirty="0"/>
+              <a:t>These patterns have Python implementations but we design programs by selecting and applying patterns/operations, not specific code sequences</a:t>
+            </a:r>
+          </a:p>
+          <a:p>
+            <a:r>
+              <a:rPr lang="en-US" dirty="0"/>
+              <a:t>When designing a program, I never say:</a:t>
+            </a:r>
+            <a:br>
+              <a:rPr lang="en-US" dirty="0"/>
+            </a:br>
+            <a:r>
+              <a:rPr lang="en-US" dirty="0"/>
+              <a:t>"</a:t>
+            </a:r>
             <a:r>
               <a:rPr lang="en-US" i="1" dirty="0"/>
-              <a:t>sum the numbers in a list</a:t>
-            </a:r>
-            <a:endParaRPr lang="en-US" dirty="0"/>
-          </a:p>
-          <a:p>
-            <a:pPr lvl="1"/>
+              <a:t>Oh! I need a for-loop with an if-statement right here</a:t>
+            </a:r>
+            <a:r>
+              <a:rPr lang="en-US" dirty="0"/>
+              <a:t>”; instead, I say “</a:t>
+            </a:r>
             <a:r>
               <a:rPr lang="en-US" i="1" dirty="0"/>
-              <a:t>count the elements in a list</a:t>
-            </a:r>
-            <a:endParaRPr lang="en-US" dirty="0"/>
-          </a:p>
-          <a:p>
+              <a:t>Oh! I need to filter for positive numbers here</a:t>
+            </a:r>
             <a:r>
               <a:rPr lang="en-US" dirty="0"/>
-              <a:t>But there are many many more, such as:</a:t>
-            </a:r>
-          </a:p>
-          <a:p>
-            <a:pPr lvl="1"/>
-            <a:r>
-              <a:rPr lang="en-US" i="1" dirty="0"/>
-              <a:t>find all values in a list satisfying a condition</a:t>
-            </a:r>
-            <a:endParaRPr lang="en-US" dirty="0"/>
-          </a:p>
-          <a:p>
-            <a:pPr lvl="1"/>
-            <a:r>
-              <a:rPr lang="en-US" i="1" dirty="0"/>
-              <a:t>apply an operation to each element of a list to get new list</a:t>
-            </a:r>
-          </a:p>
-          <a:p>
-            <a:pPr lvl="1"/>
-            <a:r>
-              <a:rPr lang="en-US" i="1" dirty="0"/>
-              <a:t>merge two sorted lists</a:t>
-            </a:r>
-          </a:p>
-          <a:p>
-            <a:pPr lvl="1"/>
-            <a:r>
-              <a:rPr lang="en-US" i="1" dirty="0"/>
-              <a:t>delete records in a </a:t>
-            </a:r>
-            <a:r>
-              <a:rPr lang="en-US" i="1" dirty="0" err="1"/>
-              <a:t>dataframe</a:t>
-            </a:r>
-            <a:r>
-              <a:rPr lang="en-US" i="1" dirty="0"/>
-              <a:t> that satisfy a condition</a:t>
-            </a:r>
-          </a:p>
-          <a:p>
-            <a:r>
-              <a:rPr lang="en-US" dirty="0"/>
-              <a:t>Think and plan at this level or higher, not the code level</a:t>
+              <a:t>”</a:t>
             </a:r>
           </a:p>
         </p:txBody>
@@ -12206,7 +12325,7 @@
     </p:spTree>
     <p:extLst>
       <p:ext uri="{BB962C8B-B14F-4D97-AF65-F5344CB8AC3E}">
-        <p14:creationId xmlns:p14="http://schemas.microsoft.com/office/powerpoint/2010/main" val="3041626932"/>
+        <p14:creationId xmlns:p14="http://schemas.microsoft.com/office/powerpoint/2010/main" val="3002228280"/>
       </p:ext>
     </p:extLst>
   </p:cSld>
@@ -12238,7 +12357,7 @@
           <p:cNvPr id="2" name="Title 1">
             <a:extLst>
               <a:ext uri="{FF2B5EF4-FFF2-40B4-BE49-F238E27FC236}">
-                <a16:creationId xmlns:a16="http://schemas.microsoft.com/office/drawing/2014/main" id="{BF6F946B-BBE2-BC4B-ABC0-201342DD55A1}"/>
+                <a16:creationId xmlns:a16="http://schemas.microsoft.com/office/drawing/2014/main" id="{21D008F3-F57D-F449-9C6F-60D473D784BD}"/>
               </a:ext>
             </a:extLst>
           </p:cNvPr>
@@ -12256,17 +12375,17 @@
           <a:p>
             <a:r>
               <a:rPr lang="en-US" dirty="0"/>
-              <a:t>A parade of patterns</a:t>
-            </a:r>
-          </a:p>
-        </p:txBody>
-      </p:sp>
-      <p:sp>
-        <p:nvSpPr>
-          <p:cNvPr id="3" name="Text Placeholder 2">
-            <a:extLst>
-              <a:ext uri="{FF2B5EF4-FFF2-40B4-BE49-F238E27FC236}">
-                <a16:creationId xmlns:a16="http://schemas.microsoft.com/office/drawing/2014/main" id="{942BC3CD-0EF2-9548-A1AF-6A9CCCCDAEEB}"/>
+              <a:t>Sample programming patterns</a:t>
+            </a:r>
+          </a:p>
+        </p:txBody>
+      </p:sp>
+      <p:sp>
+        <p:nvSpPr>
+          <p:cNvPr id="3" name="Content Placeholder 2">
+            <a:extLst>
+              <a:ext uri="{FF2B5EF4-FFF2-40B4-BE49-F238E27FC236}">
+                <a16:creationId xmlns:a16="http://schemas.microsoft.com/office/drawing/2014/main" id="{08AB2362-1CE2-0A40-BCFD-54C6C5742253}"/>
               </a:ext>
             </a:extLst>
           </p:cNvPr>
@@ -12274,22 +12393,102 @@
             <a:spLocks noGrp="1"/>
           </p:cNvSpPr>
           <p:nvPr>
-            <p:ph type="body" idx="1"/>
+            <p:ph idx="1"/>
           </p:nvPr>
         </p:nvSpPr>
-        <p:spPr/>
+        <p:spPr>
+          <a:xfrm>
+            <a:off x="838200" y="1610139"/>
+            <a:ext cx="10515600" cy="4566824"/>
+          </a:xfrm>
+        </p:spPr>
         <p:txBody>
           <a:bodyPr/>
           <a:lstStyle/>
           <a:p>
-            <a:endParaRPr lang="en-US"/>
+            <a:r>
+              <a:rPr lang="en-US" dirty="0"/>
+              <a:t>You're no doubt familiar with simple patterns such as:</a:t>
+            </a:r>
+          </a:p>
+          <a:p>
+            <a:pPr lvl="1"/>
+            <a:r>
+              <a:rPr lang="en-US" i="1" dirty="0"/>
+              <a:t>sum the numbers in a list</a:t>
+            </a:r>
+            <a:endParaRPr lang="en-US" dirty="0"/>
+          </a:p>
+          <a:p>
+            <a:pPr lvl="1"/>
+            <a:r>
+              <a:rPr lang="en-US" i="1" dirty="0"/>
+              <a:t>count the elements in a list</a:t>
+            </a:r>
+            <a:endParaRPr lang="en-US" dirty="0"/>
+          </a:p>
+          <a:p>
+            <a:r>
+              <a:rPr lang="en-US" dirty="0"/>
+              <a:t>But there are many many more, such as:</a:t>
+            </a:r>
+          </a:p>
+          <a:p>
+            <a:pPr lvl="1"/>
+            <a:r>
+              <a:rPr lang="en-US" i="1" dirty="0"/>
+              <a:t>find all values in a list satisfying a condition</a:t>
+            </a:r>
+            <a:endParaRPr lang="en-US" dirty="0"/>
+          </a:p>
+          <a:p>
+            <a:pPr lvl="1"/>
+            <a:r>
+              <a:rPr lang="en-US" i="1" dirty="0"/>
+              <a:t>apply an operation to each element of a list to get new list</a:t>
+            </a:r>
+          </a:p>
+          <a:p>
+            <a:pPr lvl="1"/>
+            <a:r>
+              <a:rPr lang="en-US" i="1" dirty="0"/>
+              <a:t>split a list of strings into 2 or more lists</a:t>
+            </a:r>
+          </a:p>
+          <a:p>
+            <a:pPr lvl="1"/>
+            <a:r>
+              <a:rPr lang="en-US" i="1" dirty="0"/>
+              <a:t>merge two sorted lists</a:t>
+            </a:r>
+          </a:p>
+          <a:p>
+            <a:pPr lvl="1"/>
+            <a:r>
+              <a:rPr lang="en-US" i="1" dirty="0"/>
+              <a:t>delete records in a </a:t>
+            </a:r>
+            <a:r>
+              <a:rPr lang="en-US" i="1" dirty="0" err="1"/>
+              <a:t>dataframe</a:t>
+            </a:r>
+            <a:r>
+              <a:rPr lang="en-US" i="1" dirty="0"/>
+              <a:t> that satisfy a condition</a:t>
+            </a:r>
+          </a:p>
+          <a:p>
+            <a:r>
+              <a:rPr lang="en-US" dirty="0"/>
+              <a:t>Think and plan at this level or higher, not the code level</a:t>
+            </a:r>
           </a:p>
         </p:txBody>
       </p:sp>
     </p:spTree>
     <p:extLst>
       <p:ext uri="{BB962C8B-B14F-4D97-AF65-F5344CB8AC3E}">
-        <p14:creationId xmlns:p14="http://schemas.microsoft.com/office/powerpoint/2010/main" val="2846370281"/>
+        <p14:creationId xmlns:p14="http://schemas.microsoft.com/office/powerpoint/2010/main" val="3041626932"/>
       </p:ext>
     </p:extLst>
   </p:cSld>
@@ -12377,7 +12576,7 @@
           <a:p>
             <a:r>
               <a:rPr lang="en-US" dirty="0"/>
-              <a:t>Think visually about how you would manipulate lists of data or extract information from data</a:t>
+              <a:t>Think visually about how you would physically manipulate lists of data or extract information from data</a:t>
             </a:r>
           </a:p>
           <a:p>
@@ -12564,7 +12763,7 @@
           <p:cNvPr id="2" name="Title 1">
             <a:extLst>
               <a:ext uri="{FF2B5EF4-FFF2-40B4-BE49-F238E27FC236}">
-                <a16:creationId xmlns:a16="http://schemas.microsoft.com/office/drawing/2014/main" id="{1FA53272-0FEF-AA4B-9A01-EC3450E6380F}"/>
+                <a16:creationId xmlns:a16="http://schemas.microsoft.com/office/drawing/2014/main" id="{BF6F946B-BBE2-BC4B-ABC0-201342DD55A1}"/>
               </a:ext>
             </a:extLst>
           </p:cNvPr>
@@ -12582,17 +12781,17 @@
           <a:p>
             <a:r>
               <a:rPr lang="en-US" dirty="0"/>
-              <a:t>Accumulate</a:t>
-            </a:r>
-          </a:p>
-        </p:txBody>
-      </p:sp>
-      <p:sp>
-        <p:nvSpPr>
-          <p:cNvPr id="3" name="Content Placeholder 2">
-            <a:extLst>
-              <a:ext uri="{FF2B5EF4-FFF2-40B4-BE49-F238E27FC236}">
-                <a16:creationId xmlns:a16="http://schemas.microsoft.com/office/drawing/2014/main" id="{48EBFF70-2055-1B4A-8C6B-0ACD15726A90}"/>
+              <a:t>A parade of patterns</a:t>
+            </a:r>
+          </a:p>
+        </p:txBody>
+      </p:sp>
+      <p:sp>
+        <p:nvSpPr>
+          <p:cNvPr id="3" name="Text Placeholder 2">
+            <a:extLst>
+              <a:ext uri="{FF2B5EF4-FFF2-40B4-BE49-F238E27FC236}">
+                <a16:creationId xmlns:a16="http://schemas.microsoft.com/office/drawing/2014/main" id="{942BC3CD-0EF2-9548-A1AF-6A9CCCCDAEEB}"/>
               </a:ext>
             </a:extLst>
           </p:cNvPr>
@@ -12600,206 +12799,22 @@
             <a:spLocks noGrp="1"/>
           </p:cNvSpPr>
           <p:nvPr>
-            <p:ph idx="1"/>
+            <p:ph type="body" idx="1"/>
           </p:nvPr>
         </p:nvSpPr>
-        <p:spPr>
-          <a:xfrm>
-            <a:off x="573433" y="1464987"/>
-            <a:ext cx="10515600" cy="4351338"/>
-          </a:xfrm>
-        </p:spPr>
+        <p:spPr/>
         <p:txBody>
           <a:bodyPr/>
           <a:lstStyle/>
           <a:p>
-            <a:r>
-              <a:rPr lang="en-US" dirty="0"/>
-              <a:t>Traverses a sequence of elements and </a:t>
-            </a:r>
-            <a:r>
-              <a:rPr lang="en-US" i="1" dirty="0"/>
-              <a:t>accumulates</a:t>
-            </a:r>
-            <a:r>
-              <a:rPr lang="en-US" dirty="0"/>
-              <a:t> a value</a:t>
-            </a:r>
-          </a:p>
-          <a:p>
-            <a:r>
-              <a:rPr lang="en-US" dirty="0"/>
-              <a:t>In Excel, this is like using </a:t>
-            </a:r>
-            <a:r>
-              <a:rPr lang="en-US" b="1" dirty="0"/>
-              <a:t>sum(...)</a:t>
-            </a:r>
-            <a:r>
-              <a:rPr lang="en-US" dirty="0"/>
-              <a:t> in a cell.</a:t>
-            </a:r>
-          </a:p>
-          <a:p>
-            <a:r>
-              <a:rPr lang="en-US" dirty="0"/>
-              <a:t>Can use any other arithmetic operator, such as *</a:t>
-            </a:r>
-          </a:p>
-          <a:p>
-            <a:r>
-              <a:rPr lang="en-US" dirty="0"/>
-              <a:t>Called </a:t>
-            </a:r>
-            <a:r>
-              <a:rPr lang="en-US" i="1" dirty="0"/>
-              <a:t>reduce</a:t>
-            </a:r>
-            <a:r>
-              <a:rPr lang="en-US" dirty="0"/>
-              <a:t>, as in </a:t>
-            </a:r>
-            <a:r>
-              <a:rPr lang="en-US" i="1" dirty="0"/>
-              <a:t>map</a:t>
-            </a:r>
-            <a:r>
-              <a:rPr lang="en-US" dirty="0"/>
-              <a:t>/</a:t>
-            </a:r>
-            <a:r>
-              <a:rPr lang="en-US" i="1" dirty="0"/>
-              <a:t>reduce</a:t>
-            </a:r>
-            <a:r>
-              <a:rPr lang="en-US" dirty="0"/>
-              <a:t> of distributed computing world</a:t>
-            </a:r>
-          </a:p>
-        </p:txBody>
-      </p:sp>
-      <p:sp>
-        <p:nvSpPr>
-          <p:cNvPr id="5" name="TextBox 4">
-            <a:extLst>
-              <a:ext uri="{FF2B5EF4-FFF2-40B4-BE49-F238E27FC236}">
-                <a16:creationId xmlns:a16="http://schemas.microsoft.com/office/drawing/2014/main" id="{7E035761-8767-0141-9132-8133CB20FCEE}"/>
-              </a:ext>
-            </a:extLst>
-          </p:cNvPr>
-          <p:cNvSpPr txBox="1"/>
-          <p:nvPr/>
-        </p:nvSpPr>
-        <p:spPr>
-          <a:xfrm>
-            <a:off x="1862005" y="3761797"/>
-            <a:ext cx="6814686" cy="1631216"/>
-          </a:xfrm>
-          <a:prstGeom prst="rect">
-            <a:avLst/>
-          </a:prstGeom>
-          <a:noFill/>
-        </p:spPr>
-        <p:txBody>
-          <a:bodyPr wrap="none" rtlCol="0">
-            <a:spAutoFit/>
-          </a:bodyPr>
-          <a:lstStyle/>
-          <a:p>
-            <a:r>
-              <a:rPr lang="en-US" sz="2000" dirty="0">
-                <a:latin typeface="Consolas" panose="020B0609020204030204" pitchFamily="49" charset="0"/>
-                <a:cs typeface="Consolas" panose="020B0609020204030204" pitchFamily="49" charset="0"/>
-              </a:rPr>
-              <a:t>Quantity = [6, 49, 27, 30, 19, 21, 12, 22, 21] </a:t>
-            </a:r>
-          </a:p>
-          <a:p>
-            <a:r>
-              <a:rPr lang="en-US" sz="2000" dirty="0">
-                <a:latin typeface="Consolas" panose="020B0609020204030204" pitchFamily="49" charset="0"/>
-                <a:cs typeface="Consolas" panose="020B0609020204030204" pitchFamily="49" charset="0"/>
-              </a:rPr>
-              <a:t>sum = 0</a:t>
-            </a:r>
-          </a:p>
-          <a:p>
-            <a:r>
-              <a:rPr lang="en-US" sz="2000" dirty="0">
-                <a:latin typeface="Consolas" panose="020B0609020204030204" pitchFamily="49" charset="0"/>
-                <a:cs typeface="Consolas" panose="020B0609020204030204" pitchFamily="49" charset="0"/>
-              </a:rPr>
-              <a:t>for q in Quantity:</a:t>
-            </a:r>
-          </a:p>
-          <a:p>
-            <a:r>
-              <a:rPr lang="en-US" sz="2000" dirty="0">
-                <a:latin typeface="Consolas" panose="020B0609020204030204" pitchFamily="49" charset="0"/>
-                <a:cs typeface="Consolas" panose="020B0609020204030204" pitchFamily="49" charset="0"/>
-              </a:rPr>
-              <a:t>    sum += q          # same as: sum = sum + q</a:t>
-            </a:r>
-          </a:p>
-          <a:p>
-            <a:r>
-              <a:rPr lang="en-US" sz="2000" dirty="0">
-                <a:latin typeface="Consolas" panose="020B0609020204030204" pitchFamily="49" charset="0"/>
-                <a:cs typeface="Consolas" panose="020B0609020204030204" pitchFamily="49" charset="0"/>
-              </a:rPr>
-              <a:t>print(sum)</a:t>
-            </a:r>
-          </a:p>
-        </p:txBody>
-      </p:sp>
-      <p:sp>
-        <p:nvSpPr>
-          <p:cNvPr id="7" name="TextBox 6">
-            <a:extLst>
-              <a:ext uri="{FF2B5EF4-FFF2-40B4-BE49-F238E27FC236}">
-                <a16:creationId xmlns:a16="http://schemas.microsoft.com/office/drawing/2014/main" id="{8E70DBF2-F91B-4044-9AB2-4D31F53BFFEF}"/>
-              </a:ext>
-            </a:extLst>
-          </p:cNvPr>
-          <p:cNvSpPr txBox="1"/>
-          <p:nvPr/>
-        </p:nvSpPr>
-        <p:spPr>
-          <a:xfrm>
-            <a:off x="0" y="6477965"/>
-            <a:ext cx="2813591" cy="369332"/>
-          </a:xfrm>
-          <a:prstGeom prst="rect">
-            <a:avLst/>
-          </a:prstGeom>
-          <a:noFill/>
-        </p:spPr>
-        <p:txBody>
-          <a:bodyPr wrap="none" rtlCol="0">
-            <a:spAutoFit/>
-          </a:bodyPr>
-          <a:lstStyle/>
-          <a:p>
-            <a:r>
-              <a:rPr lang="en-US" dirty="0">
-                <a:hlinkClick r:id="rId2"/>
-              </a:rPr>
-              <a:t>Experiment in </a:t>
-            </a:r>
-            <a:r>
-              <a:rPr lang="en-US" dirty="0" err="1">
-                <a:hlinkClick r:id="rId2"/>
-              </a:rPr>
-              <a:t>pythontutor</a:t>
-            </a:r>
-            <a:endParaRPr lang="en-US" dirty="0"/>
+            <a:endParaRPr lang="en-US"/>
           </a:p>
         </p:txBody>
       </p:sp>
     </p:spTree>
     <p:extLst>
       <p:ext uri="{BB962C8B-B14F-4D97-AF65-F5344CB8AC3E}">
-        <p14:creationId xmlns:p14="http://schemas.microsoft.com/office/powerpoint/2010/main" val="1299016780"/>
+        <p14:creationId xmlns:p14="http://schemas.microsoft.com/office/powerpoint/2010/main" val="2846370281"/>
       </p:ext>
     </p:extLst>
   </p:cSld>

--- a/slides/programming-patterns.pptx
+++ b/slides/programming-patterns.pptx
@@ -5,10 +5,10 @@
     <p:sldMasterId id="2147483672" r:id="rId1"/>
   </p:sldMasterIdLst>
   <p:notesMasterIdLst>
-    <p:notesMasterId r:id="rId30"/>
+    <p:notesMasterId r:id="rId36"/>
   </p:notesMasterIdLst>
   <p:handoutMasterIdLst>
-    <p:handoutMasterId r:id="rId31"/>
+    <p:handoutMasterId r:id="rId37"/>
   </p:handoutMasterIdLst>
   <p:sldIdLst>
     <p:sldId id="256" r:id="rId2"/>
@@ -39,6 +39,12 @@
     <p:sldId id="313" r:id="rId27"/>
     <p:sldId id="314" r:id="rId28"/>
     <p:sldId id="312" r:id="rId29"/>
+    <p:sldId id="315" r:id="rId30"/>
+    <p:sldId id="316" r:id="rId31"/>
+    <p:sldId id="317" r:id="rId32"/>
+    <p:sldId id="318" r:id="rId33"/>
+    <p:sldId id="319" r:id="rId34"/>
+    <p:sldId id="320" r:id="rId35"/>
   </p:sldIdLst>
   <p:sldSz cx="12192000" cy="6858000"/>
   <p:notesSz cx="9144000" cy="6858000"/>
@@ -11818,6 +11824,205 @@
 </p:sld>
 </file>
 
+<file path=ppt/slides/slide29.xml><?xml version="1.0" encoding="utf-8"?>
+<p:sld xmlns:a="http://schemas.openxmlformats.org/drawingml/2006/main" xmlns:r="http://schemas.openxmlformats.org/officeDocument/2006/relationships" xmlns:p="http://schemas.openxmlformats.org/presentationml/2006/main">
+  <p:cSld>
+    <p:spTree>
+      <p:nvGrpSpPr>
+        <p:cNvPr id="1" name=""/>
+        <p:cNvGrpSpPr/>
+        <p:nvPr/>
+      </p:nvGrpSpPr>
+      <p:grpSpPr>
+        <a:xfrm>
+          <a:off x="0" y="0"/>
+          <a:ext cx="0" cy="0"/>
+          <a:chOff x="0" y="0"/>
+          <a:chExt cx="0" cy="0"/>
+        </a:xfrm>
+      </p:grpSpPr>
+      <p:sp>
+        <p:nvSpPr>
+          <p:cNvPr id="2" name="Title 1">
+            <a:extLst>
+              <a:ext uri="{FF2B5EF4-FFF2-40B4-BE49-F238E27FC236}">
+                <a16:creationId xmlns:a16="http://schemas.microsoft.com/office/drawing/2014/main" id="{39E4000A-A31D-D244-89CC-1B1BC11BDEF9}"/>
+              </a:ext>
+            </a:extLst>
+          </p:cNvPr>
+          <p:cNvSpPr>
+            <a:spLocks noGrp="1"/>
+          </p:cNvSpPr>
+          <p:nvPr>
+            <p:ph type="title"/>
+          </p:nvPr>
+        </p:nvSpPr>
+        <p:spPr/>
+        <p:txBody>
+          <a:bodyPr/>
+          <a:lstStyle/>
+          <a:p>
+            <a:r>
+              <a:rPr lang="en-US" dirty="0"/>
+              <a:t>Exercise: What does it compute?</a:t>
+            </a:r>
+            <a:br>
+              <a:rPr lang="en-US" dirty="0"/>
+            </a:br>
+            <a:r>
+              <a:rPr lang="en-US" dirty="0"/>
+              <a:t>What pattern is this? </a:t>
+            </a:r>
+          </a:p>
+        </p:txBody>
+      </p:sp>
+      <p:pic>
+        <p:nvPicPr>
+          <p:cNvPr id="10" name="Content Placeholder 9" descr="A picture containing calendar&#10;&#10;Description automatically generated">
+            <a:extLst>
+              <a:ext uri="{FF2B5EF4-FFF2-40B4-BE49-F238E27FC236}">
+                <a16:creationId xmlns:a16="http://schemas.microsoft.com/office/drawing/2014/main" id="{F89DA5BF-FD31-DF46-ABC0-CD527273962E}"/>
+              </a:ext>
+            </a:extLst>
+          </p:cNvPr>
+          <p:cNvPicPr>
+            <a:picLocks noGrp="1" noChangeAspect="1"/>
+          </p:cNvPicPr>
+          <p:nvPr>
+            <p:ph idx="1"/>
+          </p:nvPr>
+        </p:nvPicPr>
+        <p:blipFill>
+          <a:blip r:embed="rId2"/>
+          <a:stretch>
+            <a:fillRect/>
+          </a:stretch>
+        </p:blipFill>
+        <p:spPr>
+          <a:xfrm>
+            <a:off x="2322063" y="1894172"/>
+            <a:ext cx="7099300" cy="1816100"/>
+          </a:xfrm>
+        </p:spPr>
+      </p:pic>
+      <p:pic>
+        <p:nvPicPr>
+          <p:cNvPr id="12" name="Picture 11">
+            <a:extLst>
+              <a:ext uri="{FF2B5EF4-FFF2-40B4-BE49-F238E27FC236}">
+                <a16:creationId xmlns:a16="http://schemas.microsoft.com/office/drawing/2014/main" id="{55C20ACF-B128-AB48-A5D5-74BBD24CE9F4}"/>
+              </a:ext>
+            </a:extLst>
+          </p:cNvPr>
+          <p:cNvPicPr>
+            <a:picLocks noChangeAspect="1"/>
+          </p:cNvPicPr>
+          <p:nvPr/>
+        </p:nvPicPr>
+        <p:blipFill>
+          <a:blip r:embed="rId3"/>
+          <a:stretch>
+            <a:fillRect/>
+          </a:stretch>
+        </p:blipFill>
+        <p:spPr>
+          <a:xfrm>
+            <a:off x="3269412" y="4336811"/>
+            <a:ext cx="4876800" cy="444500"/>
+          </a:xfrm>
+          <a:prstGeom prst="rect">
+            <a:avLst/>
+          </a:prstGeom>
+        </p:spPr>
+      </p:pic>
+    </p:spTree>
+    <p:extLst>
+      <p:ext uri="{BB962C8B-B14F-4D97-AF65-F5344CB8AC3E}">
+        <p14:creationId xmlns:p14="http://schemas.microsoft.com/office/powerpoint/2010/main" val="1593298301"/>
+      </p:ext>
+    </p:extLst>
+  </p:cSld>
+  <p:clrMapOvr>
+    <a:masterClrMapping/>
+  </p:clrMapOvr>
+  <p:timing>
+    <p:tnLst>
+      <p:par>
+        <p:cTn id="1" dur="indefinite" restart="never" nodeType="tmRoot">
+          <p:childTnLst>
+            <p:seq concurrent="1" nextAc="seek">
+              <p:cTn id="2" dur="indefinite" nodeType="mainSeq">
+                <p:childTnLst>
+                  <p:par>
+                    <p:cTn id="3" fill="hold">
+                      <p:stCondLst>
+                        <p:cond delay="indefinite"/>
+                      </p:stCondLst>
+                      <p:childTnLst>
+                        <p:par>
+                          <p:cTn id="4" fill="hold">
+                            <p:stCondLst>
+                              <p:cond delay="0"/>
+                            </p:stCondLst>
+                            <p:childTnLst>
+                              <p:par>
+                                <p:cTn id="5" presetID="1" presetClass="entr" presetSubtype="0" fill="hold" nodeType="clickEffect">
+                                  <p:stCondLst>
+                                    <p:cond delay="0"/>
+                                  </p:stCondLst>
+                                  <p:childTnLst>
+                                    <p:set>
+                                      <p:cBhvr>
+                                        <p:cTn id="6" dur="1" fill="hold">
+                                          <p:stCondLst>
+                                            <p:cond delay="0"/>
+                                          </p:stCondLst>
+                                        </p:cTn>
+                                        <p:tgtEl>
+                                          <p:spTgt spid="12"/>
+                                        </p:tgtEl>
+                                        <p:attrNameLst>
+                                          <p:attrName>style.visibility</p:attrName>
+                                        </p:attrNameLst>
+                                      </p:cBhvr>
+                                      <p:to>
+                                        <p:strVal val="visible"/>
+                                      </p:to>
+                                    </p:set>
+                                  </p:childTnLst>
+                                </p:cTn>
+                              </p:par>
+                            </p:childTnLst>
+                          </p:cTn>
+                        </p:par>
+                      </p:childTnLst>
+                    </p:cTn>
+                  </p:par>
+                </p:childTnLst>
+              </p:cTn>
+              <p:prevCondLst>
+                <p:cond evt="onPrev" delay="0">
+                  <p:tgtEl>
+                    <p:sldTgt/>
+                  </p:tgtEl>
+                </p:cond>
+              </p:prevCondLst>
+              <p:nextCondLst>
+                <p:cond evt="onNext" delay="0">
+                  <p:tgtEl>
+                    <p:sldTgt/>
+                  </p:tgtEl>
+                </p:cond>
+              </p:nextCondLst>
+            </p:seq>
+          </p:childTnLst>
+        </p:cTn>
+      </p:par>
+    </p:tnLst>
+  </p:timing>
+</p:sld>
+</file>
+
 <file path=ppt/slides/slide3.xml><?xml version="1.0" encoding="utf-8"?>
 <p:sld xmlns:a="http://schemas.openxmlformats.org/drawingml/2006/main" xmlns:r="http://schemas.openxmlformats.org/officeDocument/2006/relationships" xmlns:p="http://schemas.openxmlformats.org/presentationml/2006/main">
   <p:cSld>
@@ -11932,6 +12137,1151 @@
   <p:clrMapOvr>
     <a:masterClrMapping/>
   </p:clrMapOvr>
+</p:sld>
+</file>
+
+<file path=ppt/slides/slide30.xml><?xml version="1.0" encoding="utf-8"?>
+<p:sld xmlns:a="http://schemas.openxmlformats.org/drawingml/2006/main" xmlns:r="http://schemas.openxmlformats.org/officeDocument/2006/relationships" xmlns:p="http://schemas.openxmlformats.org/presentationml/2006/main">
+  <p:cSld>
+    <p:spTree>
+      <p:nvGrpSpPr>
+        <p:cNvPr id="1" name=""/>
+        <p:cNvGrpSpPr/>
+        <p:nvPr/>
+      </p:nvGrpSpPr>
+      <p:grpSpPr>
+        <a:xfrm>
+          <a:off x="0" y="0"/>
+          <a:ext cx="0" cy="0"/>
+          <a:chOff x="0" y="0"/>
+          <a:chExt cx="0" cy="0"/>
+        </a:xfrm>
+      </p:grpSpPr>
+      <p:sp>
+        <p:nvSpPr>
+          <p:cNvPr id="2" name="Title 1">
+            <a:extLst>
+              <a:ext uri="{FF2B5EF4-FFF2-40B4-BE49-F238E27FC236}">
+                <a16:creationId xmlns:a16="http://schemas.microsoft.com/office/drawing/2014/main" id="{39E4000A-A31D-D244-89CC-1B1BC11BDEF9}"/>
+              </a:ext>
+            </a:extLst>
+          </p:cNvPr>
+          <p:cNvSpPr>
+            <a:spLocks noGrp="1"/>
+          </p:cNvSpPr>
+          <p:nvPr>
+            <p:ph type="title"/>
+          </p:nvPr>
+        </p:nvSpPr>
+        <p:spPr/>
+        <p:txBody>
+          <a:bodyPr/>
+          <a:lstStyle/>
+          <a:p>
+            <a:r>
+              <a:rPr lang="en-US" dirty="0"/>
+              <a:t>Exercise: what pattern is this?</a:t>
+            </a:r>
+          </a:p>
+        </p:txBody>
+      </p:sp>
+      <p:pic>
+        <p:nvPicPr>
+          <p:cNvPr id="6" name="Content Placeholder 6" descr="Graphical user interface&#10;&#10;Description automatically generated">
+            <a:extLst>
+              <a:ext uri="{FF2B5EF4-FFF2-40B4-BE49-F238E27FC236}">
+                <a16:creationId xmlns:a16="http://schemas.microsoft.com/office/drawing/2014/main" id="{B56E4D8B-E0ED-C34B-9E27-9BD3DD7BDD1B}"/>
+              </a:ext>
+            </a:extLst>
+          </p:cNvPr>
+          <p:cNvPicPr>
+            <a:picLocks noChangeAspect="1"/>
+          </p:cNvPicPr>
+          <p:nvPr/>
+        </p:nvPicPr>
+        <p:blipFill>
+          <a:blip r:embed="rId2"/>
+          <a:stretch>
+            <a:fillRect/>
+          </a:stretch>
+        </p:blipFill>
+        <p:spPr>
+          <a:xfrm>
+            <a:off x="2746675" y="2324100"/>
+            <a:ext cx="6388100" cy="1104900"/>
+          </a:xfrm>
+          <a:prstGeom prst="rect">
+            <a:avLst/>
+          </a:prstGeom>
+        </p:spPr>
+      </p:pic>
+      <p:sp>
+        <p:nvSpPr>
+          <p:cNvPr id="11" name="TextBox 10">
+            <a:extLst>
+              <a:ext uri="{FF2B5EF4-FFF2-40B4-BE49-F238E27FC236}">
+                <a16:creationId xmlns:a16="http://schemas.microsoft.com/office/drawing/2014/main" id="{54BE24C2-9094-E940-8886-08780008E09B}"/>
+              </a:ext>
+            </a:extLst>
+          </p:cNvPr>
+          <p:cNvSpPr txBox="1"/>
+          <p:nvPr/>
+        </p:nvSpPr>
+        <p:spPr>
+          <a:xfrm>
+            <a:off x="2013293" y="4062412"/>
+            <a:ext cx="8656537" cy="461665"/>
+          </a:xfrm>
+          <a:prstGeom prst="rect">
+            <a:avLst/>
+          </a:prstGeom>
+          <a:noFill/>
+        </p:spPr>
+        <p:txBody>
+          <a:bodyPr wrap="none" rtlCol="0">
+            <a:spAutoFit/>
+          </a:bodyPr>
+          <a:lstStyle/>
+          <a:p>
+            <a:r>
+              <a:rPr lang="en-US" sz="2400" dirty="0"/>
+              <a:t>Map a list of words to another list of words by applying upper()</a:t>
+            </a:r>
+          </a:p>
+        </p:txBody>
+      </p:sp>
+    </p:spTree>
+    <p:extLst>
+      <p:ext uri="{BB962C8B-B14F-4D97-AF65-F5344CB8AC3E}">
+        <p14:creationId xmlns:p14="http://schemas.microsoft.com/office/powerpoint/2010/main" val="2436629761"/>
+      </p:ext>
+    </p:extLst>
+  </p:cSld>
+  <p:clrMapOvr>
+    <a:masterClrMapping/>
+  </p:clrMapOvr>
+  <p:timing>
+    <p:tnLst>
+      <p:par>
+        <p:cTn id="1" dur="indefinite" restart="never" nodeType="tmRoot">
+          <p:childTnLst>
+            <p:seq concurrent="1" nextAc="seek">
+              <p:cTn id="2" dur="indefinite" nodeType="mainSeq">
+                <p:childTnLst>
+                  <p:par>
+                    <p:cTn id="3" fill="hold">
+                      <p:stCondLst>
+                        <p:cond delay="indefinite"/>
+                      </p:stCondLst>
+                      <p:childTnLst>
+                        <p:par>
+                          <p:cTn id="4" fill="hold">
+                            <p:stCondLst>
+                              <p:cond delay="0"/>
+                            </p:stCondLst>
+                            <p:childTnLst>
+                              <p:par>
+                                <p:cTn id="5" presetID="1" presetClass="entr" presetSubtype="0" fill="hold" grpId="0" nodeType="clickEffect">
+                                  <p:stCondLst>
+                                    <p:cond delay="0"/>
+                                  </p:stCondLst>
+                                  <p:childTnLst>
+                                    <p:set>
+                                      <p:cBhvr>
+                                        <p:cTn id="6" dur="1" fill="hold">
+                                          <p:stCondLst>
+                                            <p:cond delay="0"/>
+                                          </p:stCondLst>
+                                        </p:cTn>
+                                        <p:tgtEl>
+                                          <p:spTgt spid="11"/>
+                                        </p:tgtEl>
+                                        <p:attrNameLst>
+                                          <p:attrName>style.visibility</p:attrName>
+                                        </p:attrNameLst>
+                                      </p:cBhvr>
+                                      <p:to>
+                                        <p:strVal val="visible"/>
+                                      </p:to>
+                                    </p:set>
+                                  </p:childTnLst>
+                                </p:cTn>
+                              </p:par>
+                            </p:childTnLst>
+                          </p:cTn>
+                        </p:par>
+                      </p:childTnLst>
+                    </p:cTn>
+                  </p:par>
+                </p:childTnLst>
+              </p:cTn>
+              <p:prevCondLst>
+                <p:cond evt="onPrev" delay="0">
+                  <p:tgtEl>
+                    <p:sldTgt/>
+                  </p:tgtEl>
+                </p:cond>
+              </p:prevCondLst>
+              <p:nextCondLst>
+                <p:cond evt="onNext" delay="0">
+                  <p:tgtEl>
+                    <p:sldTgt/>
+                  </p:tgtEl>
+                </p:cond>
+              </p:nextCondLst>
+            </p:seq>
+          </p:childTnLst>
+        </p:cTn>
+      </p:par>
+    </p:tnLst>
+    <p:bldLst>
+      <p:bldP spid="11" grpId="0"/>
+    </p:bldLst>
+  </p:timing>
+</p:sld>
+</file>
+
+<file path=ppt/slides/slide31.xml><?xml version="1.0" encoding="utf-8"?>
+<p:sld xmlns:a="http://schemas.openxmlformats.org/drawingml/2006/main" xmlns:r="http://schemas.openxmlformats.org/officeDocument/2006/relationships" xmlns:p="http://schemas.openxmlformats.org/presentationml/2006/main">
+  <p:cSld>
+    <p:spTree>
+      <p:nvGrpSpPr>
+        <p:cNvPr id="1" name=""/>
+        <p:cNvGrpSpPr/>
+        <p:nvPr/>
+      </p:nvGrpSpPr>
+      <p:grpSpPr>
+        <a:xfrm>
+          <a:off x="0" y="0"/>
+          <a:ext cx="0" cy="0"/>
+          <a:chOff x="0" y="0"/>
+          <a:chExt cx="0" cy="0"/>
+        </a:xfrm>
+      </p:grpSpPr>
+      <p:sp>
+        <p:nvSpPr>
+          <p:cNvPr id="2" name="Title 1">
+            <a:extLst>
+              <a:ext uri="{FF2B5EF4-FFF2-40B4-BE49-F238E27FC236}">
+                <a16:creationId xmlns:a16="http://schemas.microsoft.com/office/drawing/2014/main" id="{39E4000A-A31D-D244-89CC-1B1BC11BDEF9}"/>
+              </a:ext>
+            </a:extLst>
+          </p:cNvPr>
+          <p:cNvSpPr>
+            <a:spLocks noGrp="1"/>
+          </p:cNvSpPr>
+          <p:nvPr>
+            <p:ph type="title"/>
+          </p:nvPr>
+        </p:nvSpPr>
+        <p:spPr/>
+        <p:txBody>
+          <a:bodyPr/>
+          <a:lstStyle/>
+          <a:p>
+            <a:r>
+              <a:rPr lang="en-US" dirty="0"/>
+              <a:t>Exercise: what pattern is this?</a:t>
+            </a:r>
+          </a:p>
+        </p:txBody>
+      </p:sp>
+      <p:pic>
+        <p:nvPicPr>
+          <p:cNvPr id="8" name="Picture 7" descr="Text&#10;&#10;Description automatically generated">
+            <a:extLst>
+              <a:ext uri="{FF2B5EF4-FFF2-40B4-BE49-F238E27FC236}">
+                <a16:creationId xmlns:a16="http://schemas.microsoft.com/office/drawing/2014/main" id="{AD52138A-DDD6-CC46-8ED2-D3ECEC4F2EE0}"/>
+              </a:ext>
+            </a:extLst>
+          </p:cNvPr>
+          <p:cNvPicPr>
+            <a:picLocks noChangeAspect="1"/>
+          </p:cNvPicPr>
+          <p:nvPr/>
+        </p:nvPicPr>
+        <p:blipFill>
+          <a:blip r:embed="rId2"/>
+          <a:stretch>
+            <a:fillRect/>
+          </a:stretch>
+        </p:blipFill>
+        <p:spPr>
+          <a:xfrm>
+            <a:off x="2686050" y="1873489"/>
+            <a:ext cx="6819900" cy="1765300"/>
+          </a:xfrm>
+          <a:prstGeom prst="rect">
+            <a:avLst/>
+          </a:prstGeom>
+        </p:spPr>
+      </p:pic>
+      <p:sp>
+        <p:nvSpPr>
+          <p:cNvPr id="9" name="TextBox 8">
+            <a:extLst>
+              <a:ext uri="{FF2B5EF4-FFF2-40B4-BE49-F238E27FC236}">
+                <a16:creationId xmlns:a16="http://schemas.microsoft.com/office/drawing/2014/main" id="{CD46B8B5-B705-A344-9505-38BC630BEAC2}"/>
+              </a:ext>
+            </a:extLst>
+          </p:cNvPr>
+          <p:cNvSpPr txBox="1"/>
+          <p:nvPr/>
+        </p:nvSpPr>
+        <p:spPr>
+          <a:xfrm>
+            <a:off x="3844354" y="3929269"/>
+            <a:ext cx="4503291" cy="1569660"/>
+          </a:xfrm>
+          <a:prstGeom prst="rect">
+            <a:avLst/>
+          </a:prstGeom>
+          <a:noFill/>
+        </p:spPr>
+        <p:txBody>
+          <a:bodyPr wrap="square" rtlCol="0">
+            <a:spAutoFit/>
+          </a:bodyPr>
+          <a:lstStyle/>
+          <a:p>
+            <a:r>
+              <a:rPr lang="en-US" sz="2400" dirty="0"/>
+              <a:t>This sets p to 3 because that is the index of the value 36 in the list An IF inside of a loop should make you think of “filtering”</a:t>
+            </a:r>
+          </a:p>
+        </p:txBody>
+      </p:sp>
+    </p:spTree>
+    <p:extLst>
+      <p:ext uri="{BB962C8B-B14F-4D97-AF65-F5344CB8AC3E}">
+        <p14:creationId xmlns:p14="http://schemas.microsoft.com/office/powerpoint/2010/main" val="575741324"/>
+      </p:ext>
+    </p:extLst>
+  </p:cSld>
+  <p:clrMapOvr>
+    <a:masterClrMapping/>
+  </p:clrMapOvr>
+  <p:timing>
+    <p:tnLst>
+      <p:par>
+        <p:cTn id="1" dur="indefinite" restart="never" nodeType="tmRoot">
+          <p:childTnLst>
+            <p:seq concurrent="1" nextAc="seek">
+              <p:cTn id="2" dur="indefinite" nodeType="mainSeq">
+                <p:childTnLst>
+                  <p:par>
+                    <p:cTn id="3" fill="hold">
+                      <p:stCondLst>
+                        <p:cond delay="indefinite"/>
+                      </p:stCondLst>
+                      <p:childTnLst>
+                        <p:par>
+                          <p:cTn id="4" fill="hold">
+                            <p:stCondLst>
+                              <p:cond delay="0"/>
+                            </p:stCondLst>
+                            <p:childTnLst>
+                              <p:par>
+                                <p:cTn id="5" presetID="1" presetClass="entr" presetSubtype="0" fill="hold" grpId="0" nodeType="clickEffect">
+                                  <p:stCondLst>
+                                    <p:cond delay="0"/>
+                                  </p:stCondLst>
+                                  <p:childTnLst>
+                                    <p:set>
+                                      <p:cBhvr>
+                                        <p:cTn id="6" dur="1" fill="hold">
+                                          <p:stCondLst>
+                                            <p:cond delay="0"/>
+                                          </p:stCondLst>
+                                        </p:cTn>
+                                        <p:tgtEl>
+                                          <p:spTgt spid="9"/>
+                                        </p:tgtEl>
+                                        <p:attrNameLst>
+                                          <p:attrName>style.visibility</p:attrName>
+                                        </p:attrNameLst>
+                                      </p:cBhvr>
+                                      <p:to>
+                                        <p:strVal val="visible"/>
+                                      </p:to>
+                                    </p:set>
+                                  </p:childTnLst>
+                                </p:cTn>
+                              </p:par>
+                            </p:childTnLst>
+                          </p:cTn>
+                        </p:par>
+                      </p:childTnLst>
+                    </p:cTn>
+                  </p:par>
+                </p:childTnLst>
+              </p:cTn>
+              <p:prevCondLst>
+                <p:cond evt="onPrev" delay="0">
+                  <p:tgtEl>
+                    <p:sldTgt/>
+                  </p:tgtEl>
+                </p:cond>
+              </p:prevCondLst>
+              <p:nextCondLst>
+                <p:cond evt="onNext" delay="0">
+                  <p:tgtEl>
+                    <p:sldTgt/>
+                  </p:tgtEl>
+                </p:cond>
+              </p:nextCondLst>
+            </p:seq>
+          </p:childTnLst>
+        </p:cTn>
+      </p:par>
+    </p:tnLst>
+    <p:bldLst>
+      <p:bldP spid="9" grpId="0"/>
+    </p:bldLst>
+  </p:timing>
+</p:sld>
+</file>
+
+<file path=ppt/slides/slide32.xml><?xml version="1.0" encoding="utf-8"?>
+<p:sld xmlns:a="http://schemas.openxmlformats.org/drawingml/2006/main" xmlns:r="http://schemas.openxmlformats.org/officeDocument/2006/relationships" xmlns:p="http://schemas.openxmlformats.org/presentationml/2006/main">
+  <p:cSld>
+    <p:spTree>
+      <p:nvGrpSpPr>
+        <p:cNvPr id="1" name=""/>
+        <p:cNvGrpSpPr/>
+        <p:nvPr/>
+      </p:nvGrpSpPr>
+      <p:grpSpPr>
+        <a:xfrm>
+          <a:off x="0" y="0"/>
+          <a:ext cx="0" cy="0"/>
+          <a:chOff x="0" y="0"/>
+          <a:chExt cx="0" cy="0"/>
+        </a:xfrm>
+      </p:grpSpPr>
+      <p:sp>
+        <p:nvSpPr>
+          <p:cNvPr id="2" name="Title 1">
+            <a:extLst>
+              <a:ext uri="{FF2B5EF4-FFF2-40B4-BE49-F238E27FC236}">
+                <a16:creationId xmlns:a16="http://schemas.microsoft.com/office/drawing/2014/main" id="{39E4000A-A31D-D244-89CC-1B1BC11BDEF9}"/>
+              </a:ext>
+            </a:extLst>
+          </p:cNvPr>
+          <p:cNvSpPr>
+            <a:spLocks noGrp="1"/>
+          </p:cNvSpPr>
+          <p:nvPr>
+            <p:ph type="title"/>
+          </p:nvPr>
+        </p:nvSpPr>
+        <p:spPr/>
+        <p:txBody>
+          <a:bodyPr/>
+          <a:lstStyle/>
+          <a:p>
+            <a:r>
+              <a:rPr lang="en-US" dirty="0"/>
+              <a:t>Exercise: what pattern is this?</a:t>
+            </a:r>
+          </a:p>
+        </p:txBody>
+      </p:sp>
+      <p:pic>
+        <p:nvPicPr>
+          <p:cNvPr id="11" name="Content Placeholder 10" descr="Text, calendar&#10;&#10;Description automatically generated">
+            <a:extLst>
+              <a:ext uri="{FF2B5EF4-FFF2-40B4-BE49-F238E27FC236}">
+                <a16:creationId xmlns:a16="http://schemas.microsoft.com/office/drawing/2014/main" id="{13E717A2-3C7F-6943-BA40-102D85BF1C0F}"/>
+              </a:ext>
+            </a:extLst>
+          </p:cNvPr>
+          <p:cNvPicPr>
+            <a:picLocks noGrp="1" noChangeAspect="1"/>
+          </p:cNvPicPr>
+          <p:nvPr>
+            <p:ph idx="1"/>
+          </p:nvPr>
+        </p:nvPicPr>
+        <p:blipFill>
+          <a:blip r:embed="rId2"/>
+          <a:stretch>
+            <a:fillRect/>
+          </a:stretch>
+        </p:blipFill>
+        <p:spPr>
+          <a:xfrm>
+            <a:off x="916915" y="1544039"/>
+            <a:ext cx="3543300" cy="3454400"/>
+          </a:xfrm>
+        </p:spPr>
+      </p:pic>
+      <p:sp>
+        <p:nvSpPr>
+          <p:cNvPr id="12" name="TextBox 11">
+            <a:extLst>
+              <a:ext uri="{FF2B5EF4-FFF2-40B4-BE49-F238E27FC236}">
+                <a16:creationId xmlns:a16="http://schemas.microsoft.com/office/drawing/2014/main" id="{92C29BF5-62CC-684F-AC56-C16BD90F3A76}"/>
+              </a:ext>
+            </a:extLst>
+          </p:cNvPr>
+          <p:cNvSpPr txBox="1"/>
+          <p:nvPr/>
+        </p:nvSpPr>
+        <p:spPr>
+          <a:xfrm>
+            <a:off x="5521523" y="1544039"/>
+            <a:ext cx="5753562" cy="3416320"/>
+          </a:xfrm>
+          <a:prstGeom prst="rect">
+            <a:avLst/>
+          </a:prstGeom>
+          <a:noFill/>
+        </p:spPr>
+        <p:txBody>
+          <a:bodyPr wrap="square" rtlCol="0">
+            <a:spAutoFit/>
+          </a:bodyPr>
+          <a:lstStyle/>
+          <a:p>
+            <a:r>
+              <a:rPr lang="en-US" sz="2400" dirty="0"/>
+              <a:t>A nested loop often means finding all combinations of the two loop indexes.</a:t>
+            </a:r>
+          </a:p>
+          <a:p>
+            <a:endParaRPr lang="en-US" sz="2400" dirty="0"/>
+          </a:p>
+          <a:p>
+            <a:r>
+              <a:rPr lang="en-US" sz="2400" dirty="0"/>
+              <a:t>Here, I see a list of list or matrix index, so my brain thinks about image or matrix processing.  </a:t>
+            </a:r>
+          </a:p>
+          <a:p>
+            <a:endParaRPr lang="en-US" sz="2400" dirty="0"/>
+          </a:p>
+          <a:p>
+            <a:r>
+              <a:rPr lang="en-US" sz="2400" dirty="0"/>
+              <a:t>This computes the sum of all matrix elements. We are accumulating a value.</a:t>
+            </a:r>
+          </a:p>
+        </p:txBody>
+      </p:sp>
+    </p:spTree>
+    <p:extLst>
+      <p:ext uri="{BB962C8B-B14F-4D97-AF65-F5344CB8AC3E}">
+        <p14:creationId xmlns:p14="http://schemas.microsoft.com/office/powerpoint/2010/main" val="2656200090"/>
+      </p:ext>
+    </p:extLst>
+  </p:cSld>
+  <p:clrMapOvr>
+    <a:masterClrMapping/>
+  </p:clrMapOvr>
+  <p:timing>
+    <p:tnLst>
+      <p:par>
+        <p:cTn id="1" dur="indefinite" restart="never" nodeType="tmRoot">
+          <p:childTnLst>
+            <p:seq concurrent="1" nextAc="seek">
+              <p:cTn id="2" dur="indefinite" nodeType="mainSeq">
+                <p:childTnLst>
+                  <p:par>
+                    <p:cTn id="3" fill="hold">
+                      <p:stCondLst>
+                        <p:cond delay="indefinite"/>
+                      </p:stCondLst>
+                      <p:childTnLst>
+                        <p:par>
+                          <p:cTn id="4" fill="hold">
+                            <p:stCondLst>
+                              <p:cond delay="0"/>
+                            </p:stCondLst>
+                            <p:childTnLst>
+                              <p:par>
+                                <p:cTn id="5" presetID="1" presetClass="entr" presetSubtype="0" fill="hold" grpId="0" nodeType="clickEffect">
+                                  <p:stCondLst>
+                                    <p:cond delay="0"/>
+                                  </p:stCondLst>
+                                  <p:childTnLst>
+                                    <p:set>
+                                      <p:cBhvr>
+                                        <p:cTn id="6" dur="1" fill="hold">
+                                          <p:stCondLst>
+                                            <p:cond delay="0"/>
+                                          </p:stCondLst>
+                                        </p:cTn>
+                                        <p:tgtEl>
+                                          <p:spTgt spid="12"/>
+                                        </p:tgtEl>
+                                        <p:attrNameLst>
+                                          <p:attrName>style.visibility</p:attrName>
+                                        </p:attrNameLst>
+                                      </p:cBhvr>
+                                      <p:to>
+                                        <p:strVal val="visible"/>
+                                      </p:to>
+                                    </p:set>
+                                  </p:childTnLst>
+                                </p:cTn>
+                              </p:par>
+                            </p:childTnLst>
+                          </p:cTn>
+                        </p:par>
+                      </p:childTnLst>
+                    </p:cTn>
+                  </p:par>
+                </p:childTnLst>
+              </p:cTn>
+              <p:prevCondLst>
+                <p:cond evt="onPrev" delay="0">
+                  <p:tgtEl>
+                    <p:sldTgt/>
+                  </p:tgtEl>
+                </p:cond>
+              </p:prevCondLst>
+              <p:nextCondLst>
+                <p:cond evt="onNext" delay="0">
+                  <p:tgtEl>
+                    <p:sldTgt/>
+                  </p:tgtEl>
+                </p:cond>
+              </p:nextCondLst>
+            </p:seq>
+          </p:childTnLst>
+        </p:cTn>
+      </p:par>
+    </p:tnLst>
+    <p:bldLst>
+      <p:bldP spid="12" grpId="0"/>
+    </p:bldLst>
+  </p:timing>
+</p:sld>
+</file>
+
+<file path=ppt/slides/slide33.xml><?xml version="1.0" encoding="utf-8"?>
+<p:sld xmlns:a="http://schemas.openxmlformats.org/drawingml/2006/main" xmlns:r="http://schemas.openxmlformats.org/officeDocument/2006/relationships" xmlns:p="http://schemas.openxmlformats.org/presentationml/2006/main">
+  <p:cSld>
+    <p:spTree>
+      <p:nvGrpSpPr>
+        <p:cNvPr id="1" name=""/>
+        <p:cNvGrpSpPr/>
+        <p:nvPr/>
+      </p:nvGrpSpPr>
+      <p:grpSpPr>
+        <a:xfrm>
+          <a:off x="0" y="0"/>
+          <a:ext cx="0" cy="0"/>
+          <a:chOff x="0" y="0"/>
+          <a:chExt cx="0" cy="0"/>
+        </a:xfrm>
+      </p:grpSpPr>
+      <p:sp>
+        <p:nvSpPr>
+          <p:cNvPr id="2" name="Title 1">
+            <a:extLst>
+              <a:ext uri="{FF2B5EF4-FFF2-40B4-BE49-F238E27FC236}">
+                <a16:creationId xmlns:a16="http://schemas.microsoft.com/office/drawing/2014/main" id="{39E4000A-A31D-D244-89CC-1B1BC11BDEF9}"/>
+              </a:ext>
+            </a:extLst>
+          </p:cNvPr>
+          <p:cNvSpPr>
+            <a:spLocks noGrp="1"/>
+          </p:cNvSpPr>
+          <p:nvPr>
+            <p:ph type="title"/>
+          </p:nvPr>
+        </p:nvSpPr>
+        <p:spPr/>
+        <p:txBody>
+          <a:bodyPr/>
+          <a:lstStyle/>
+          <a:p>
+            <a:r>
+              <a:rPr lang="en-US" dirty="0"/>
+              <a:t>Exercise: what pattern is this?</a:t>
+            </a:r>
+          </a:p>
+        </p:txBody>
+      </p:sp>
+      <p:pic>
+        <p:nvPicPr>
+          <p:cNvPr id="4" name="Picture 3" descr="Text&#10;&#10;Description automatically generated with medium confidence">
+            <a:extLst>
+              <a:ext uri="{FF2B5EF4-FFF2-40B4-BE49-F238E27FC236}">
+                <a16:creationId xmlns:a16="http://schemas.microsoft.com/office/drawing/2014/main" id="{906DB8E2-002E-0841-A036-F98BB85CAC33}"/>
+              </a:ext>
+            </a:extLst>
+          </p:cNvPr>
+          <p:cNvPicPr>
+            <a:picLocks noChangeAspect="1"/>
+          </p:cNvPicPr>
+          <p:nvPr/>
+        </p:nvPicPr>
+        <p:blipFill>
+          <a:blip r:embed="rId2"/>
+          <a:stretch>
+            <a:fillRect/>
+          </a:stretch>
+        </p:blipFill>
+        <p:spPr>
+          <a:xfrm>
+            <a:off x="916915" y="1598468"/>
+            <a:ext cx="4229100" cy="2387600"/>
+          </a:xfrm>
+          <a:prstGeom prst="rect">
+            <a:avLst/>
+          </a:prstGeom>
+        </p:spPr>
+      </p:pic>
+      <p:sp>
+        <p:nvSpPr>
+          <p:cNvPr id="8" name="TextBox 7">
+            <a:extLst>
+              <a:ext uri="{FF2B5EF4-FFF2-40B4-BE49-F238E27FC236}">
+                <a16:creationId xmlns:a16="http://schemas.microsoft.com/office/drawing/2014/main" id="{D7385ACE-A80E-A140-A5E8-647F50895AE5}"/>
+              </a:ext>
+            </a:extLst>
+          </p:cNvPr>
+          <p:cNvSpPr txBox="1"/>
+          <p:nvPr/>
+        </p:nvSpPr>
+        <p:spPr>
+          <a:xfrm>
+            <a:off x="5521523" y="1544039"/>
+            <a:ext cx="5753562" cy="2308324"/>
+          </a:xfrm>
+          <a:prstGeom prst="rect">
+            <a:avLst/>
+          </a:prstGeom>
+          <a:noFill/>
+        </p:spPr>
+        <p:txBody>
+          <a:bodyPr wrap="square" rtlCol="0">
+            <a:spAutoFit/>
+          </a:bodyPr>
+          <a:lstStyle/>
+          <a:p>
+            <a:r>
+              <a:rPr lang="en-US" sz="2400" dirty="0"/>
+              <a:t>Now I have a conditional inside of the nested loop, which just means that I’m filtering as well as accumulating.</a:t>
+            </a:r>
+          </a:p>
+          <a:p>
+            <a:endParaRPr lang="en-US" sz="2400" dirty="0"/>
+          </a:p>
+          <a:p>
+            <a:r>
+              <a:rPr lang="en-US" sz="2400" dirty="0"/>
+              <a:t>This computes the trace of the matrix, the sum of the diagonal elements.</a:t>
+            </a:r>
+          </a:p>
+        </p:txBody>
+      </p:sp>
+      <p:pic>
+        <p:nvPicPr>
+          <p:cNvPr id="9" name="Picture 8" descr="A picture containing text&#10;&#10;Description automatically generated">
+            <a:extLst>
+              <a:ext uri="{FF2B5EF4-FFF2-40B4-BE49-F238E27FC236}">
+                <a16:creationId xmlns:a16="http://schemas.microsoft.com/office/drawing/2014/main" id="{DCB1D16E-B36D-C943-9C26-3CB1FB5B9AB2}"/>
+              </a:ext>
+            </a:extLst>
+          </p:cNvPr>
+          <p:cNvPicPr>
+            <a:picLocks noChangeAspect="1"/>
+          </p:cNvPicPr>
+          <p:nvPr/>
+        </p:nvPicPr>
+        <p:blipFill>
+          <a:blip r:embed="rId3"/>
+          <a:stretch>
+            <a:fillRect/>
+          </a:stretch>
+        </p:blipFill>
+        <p:spPr>
+          <a:xfrm>
+            <a:off x="6794072" y="4056661"/>
+            <a:ext cx="2705100" cy="1257300"/>
+          </a:xfrm>
+          <a:prstGeom prst="rect">
+            <a:avLst/>
+          </a:prstGeom>
+        </p:spPr>
+      </p:pic>
+    </p:spTree>
+    <p:extLst>
+      <p:ext uri="{BB962C8B-B14F-4D97-AF65-F5344CB8AC3E}">
+        <p14:creationId xmlns:p14="http://schemas.microsoft.com/office/powerpoint/2010/main" val="298705893"/>
+      </p:ext>
+    </p:extLst>
+  </p:cSld>
+  <p:clrMapOvr>
+    <a:masterClrMapping/>
+  </p:clrMapOvr>
+  <p:timing>
+    <p:tnLst>
+      <p:par>
+        <p:cTn id="1" dur="indefinite" restart="never" nodeType="tmRoot">
+          <p:childTnLst>
+            <p:seq concurrent="1" nextAc="seek">
+              <p:cTn id="2" dur="indefinite" nodeType="mainSeq">
+                <p:childTnLst>
+                  <p:par>
+                    <p:cTn id="3" fill="hold">
+                      <p:stCondLst>
+                        <p:cond delay="indefinite"/>
+                      </p:stCondLst>
+                      <p:childTnLst>
+                        <p:par>
+                          <p:cTn id="4" fill="hold">
+                            <p:stCondLst>
+                              <p:cond delay="0"/>
+                            </p:stCondLst>
+                            <p:childTnLst>
+                              <p:par>
+                                <p:cTn id="5" presetID="1" presetClass="entr" presetSubtype="0" fill="hold" grpId="0" nodeType="clickEffect">
+                                  <p:stCondLst>
+                                    <p:cond delay="0"/>
+                                  </p:stCondLst>
+                                  <p:childTnLst>
+                                    <p:set>
+                                      <p:cBhvr>
+                                        <p:cTn id="6" dur="1" fill="hold">
+                                          <p:stCondLst>
+                                            <p:cond delay="0"/>
+                                          </p:stCondLst>
+                                        </p:cTn>
+                                        <p:tgtEl>
+                                          <p:spTgt spid="8"/>
+                                        </p:tgtEl>
+                                        <p:attrNameLst>
+                                          <p:attrName>style.visibility</p:attrName>
+                                        </p:attrNameLst>
+                                      </p:cBhvr>
+                                      <p:to>
+                                        <p:strVal val="visible"/>
+                                      </p:to>
+                                    </p:set>
+                                  </p:childTnLst>
+                                </p:cTn>
+                              </p:par>
+                              <p:par>
+                                <p:cTn id="7" presetID="1" presetClass="entr" presetSubtype="0" fill="hold" nodeType="withEffect">
+                                  <p:stCondLst>
+                                    <p:cond delay="0"/>
+                                  </p:stCondLst>
+                                  <p:childTnLst>
+                                    <p:set>
+                                      <p:cBhvr>
+                                        <p:cTn id="8" dur="1" fill="hold">
+                                          <p:stCondLst>
+                                            <p:cond delay="0"/>
+                                          </p:stCondLst>
+                                        </p:cTn>
+                                        <p:tgtEl>
+                                          <p:spTgt spid="9"/>
+                                        </p:tgtEl>
+                                        <p:attrNameLst>
+                                          <p:attrName>style.visibility</p:attrName>
+                                        </p:attrNameLst>
+                                      </p:cBhvr>
+                                      <p:to>
+                                        <p:strVal val="visible"/>
+                                      </p:to>
+                                    </p:set>
+                                  </p:childTnLst>
+                                </p:cTn>
+                              </p:par>
+                            </p:childTnLst>
+                          </p:cTn>
+                        </p:par>
+                      </p:childTnLst>
+                    </p:cTn>
+                  </p:par>
+                </p:childTnLst>
+              </p:cTn>
+              <p:prevCondLst>
+                <p:cond evt="onPrev" delay="0">
+                  <p:tgtEl>
+                    <p:sldTgt/>
+                  </p:tgtEl>
+                </p:cond>
+              </p:prevCondLst>
+              <p:nextCondLst>
+                <p:cond evt="onNext" delay="0">
+                  <p:tgtEl>
+                    <p:sldTgt/>
+                  </p:tgtEl>
+                </p:cond>
+              </p:nextCondLst>
+            </p:seq>
+          </p:childTnLst>
+        </p:cTn>
+      </p:par>
+    </p:tnLst>
+    <p:bldLst>
+      <p:bldP spid="8" grpId="0"/>
+    </p:bldLst>
+  </p:timing>
+</p:sld>
+</file>
+
+<file path=ppt/slides/slide34.xml><?xml version="1.0" encoding="utf-8"?>
+<p:sld xmlns:a="http://schemas.openxmlformats.org/drawingml/2006/main" xmlns:r="http://schemas.openxmlformats.org/officeDocument/2006/relationships" xmlns:p="http://schemas.openxmlformats.org/presentationml/2006/main">
+  <p:cSld>
+    <p:spTree>
+      <p:nvGrpSpPr>
+        <p:cNvPr id="1" name=""/>
+        <p:cNvGrpSpPr/>
+        <p:nvPr/>
+      </p:nvGrpSpPr>
+      <p:grpSpPr>
+        <a:xfrm>
+          <a:off x="0" y="0"/>
+          <a:ext cx="0" cy="0"/>
+          <a:chOff x="0" y="0"/>
+          <a:chExt cx="0" cy="0"/>
+        </a:xfrm>
+      </p:grpSpPr>
+      <p:sp>
+        <p:nvSpPr>
+          <p:cNvPr id="2" name="Title 1">
+            <a:extLst>
+              <a:ext uri="{FF2B5EF4-FFF2-40B4-BE49-F238E27FC236}">
+                <a16:creationId xmlns:a16="http://schemas.microsoft.com/office/drawing/2014/main" id="{39E4000A-A31D-D244-89CC-1B1BC11BDEF9}"/>
+              </a:ext>
+            </a:extLst>
+          </p:cNvPr>
+          <p:cNvSpPr>
+            <a:spLocks noGrp="1"/>
+          </p:cNvSpPr>
+          <p:nvPr>
+            <p:ph type="title"/>
+          </p:nvPr>
+        </p:nvSpPr>
+        <p:spPr/>
+        <p:txBody>
+          <a:bodyPr/>
+          <a:lstStyle/>
+          <a:p>
+            <a:r>
+              <a:rPr lang="en-US" dirty="0"/>
+              <a:t>Exercise: what pattern is this?</a:t>
+            </a:r>
+          </a:p>
+        </p:txBody>
+      </p:sp>
+      <p:sp>
+        <p:nvSpPr>
+          <p:cNvPr id="10" name="TextBox 9">
+            <a:extLst>
+              <a:ext uri="{FF2B5EF4-FFF2-40B4-BE49-F238E27FC236}">
+                <a16:creationId xmlns:a16="http://schemas.microsoft.com/office/drawing/2014/main" id="{81A9505D-1E89-574C-A011-94F3A5DC998A}"/>
+              </a:ext>
+            </a:extLst>
+          </p:cNvPr>
+          <p:cNvSpPr txBox="1"/>
+          <p:nvPr/>
+        </p:nvSpPr>
+        <p:spPr>
+          <a:xfrm>
+            <a:off x="2636040" y="4549754"/>
+            <a:ext cx="4503291" cy="1569660"/>
+          </a:xfrm>
+          <a:prstGeom prst="rect">
+            <a:avLst/>
+          </a:prstGeom>
+          <a:noFill/>
+        </p:spPr>
+        <p:txBody>
+          <a:bodyPr wrap="square" rtlCol="0">
+            <a:spAutoFit/>
+          </a:bodyPr>
+          <a:lstStyle/>
+          <a:p>
+            <a:r>
+              <a:rPr lang="en-US" sz="2400" dirty="0"/>
+              <a:t>This both accumulates the sum of the scores and combines the names and scores to get a new list in results</a:t>
+            </a:r>
+          </a:p>
+        </p:txBody>
+      </p:sp>
+      <p:pic>
+        <p:nvPicPr>
+          <p:cNvPr id="7" name="Picture 6" descr="A picture containing text&#10;&#10;Description automatically generated">
+            <a:extLst>
+              <a:ext uri="{FF2B5EF4-FFF2-40B4-BE49-F238E27FC236}">
+                <a16:creationId xmlns:a16="http://schemas.microsoft.com/office/drawing/2014/main" id="{8E4CBEC3-1494-8940-A719-43CAD7BD1DD9}"/>
+              </a:ext>
+            </a:extLst>
+          </p:cNvPr>
+          <p:cNvPicPr>
+            <a:picLocks noChangeAspect="1"/>
+          </p:cNvPicPr>
+          <p:nvPr/>
+        </p:nvPicPr>
+        <p:blipFill>
+          <a:blip r:embed="rId2"/>
+          <a:stretch>
+            <a:fillRect/>
+          </a:stretch>
+        </p:blipFill>
+        <p:spPr>
+          <a:xfrm>
+            <a:off x="1550306" y="1633414"/>
+            <a:ext cx="9309100" cy="2679700"/>
+          </a:xfrm>
+          <a:prstGeom prst="rect">
+            <a:avLst/>
+          </a:prstGeom>
+        </p:spPr>
+      </p:pic>
+      <p:pic>
+        <p:nvPicPr>
+          <p:cNvPr id="12" name="Picture 11" descr="Text&#10;&#10;Description automatically generated">
+            <a:extLst>
+              <a:ext uri="{FF2B5EF4-FFF2-40B4-BE49-F238E27FC236}">
+                <a16:creationId xmlns:a16="http://schemas.microsoft.com/office/drawing/2014/main" id="{C2F94F9C-3785-B948-96BD-0DE79589DB1B}"/>
+              </a:ext>
+            </a:extLst>
+          </p:cNvPr>
+          <p:cNvPicPr>
+            <a:picLocks noChangeAspect="1"/>
+          </p:cNvPicPr>
+          <p:nvPr/>
+        </p:nvPicPr>
+        <p:blipFill>
+          <a:blip r:embed="rId3"/>
+          <a:stretch>
+            <a:fillRect/>
+          </a:stretch>
+        </p:blipFill>
+        <p:spPr>
+          <a:xfrm>
+            <a:off x="7984671" y="4401134"/>
+            <a:ext cx="1483946" cy="1866900"/>
+          </a:xfrm>
+          <a:prstGeom prst="rect">
+            <a:avLst/>
+          </a:prstGeom>
+        </p:spPr>
+      </p:pic>
+    </p:spTree>
+    <p:extLst>
+      <p:ext uri="{BB962C8B-B14F-4D97-AF65-F5344CB8AC3E}">
+        <p14:creationId xmlns:p14="http://schemas.microsoft.com/office/powerpoint/2010/main" val="2621628807"/>
+      </p:ext>
+    </p:extLst>
+  </p:cSld>
+  <p:clrMapOvr>
+    <a:masterClrMapping/>
+  </p:clrMapOvr>
+  <p:timing>
+    <p:tnLst>
+      <p:par>
+        <p:cTn id="1" dur="indefinite" restart="never" nodeType="tmRoot">
+          <p:childTnLst>
+            <p:seq concurrent="1" nextAc="seek">
+              <p:cTn id="2" dur="indefinite" nodeType="mainSeq">
+                <p:childTnLst>
+                  <p:par>
+                    <p:cTn id="3" fill="hold">
+                      <p:stCondLst>
+                        <p:cond delay="indefinite"/>
+                      </p:stCondLst>
+                      <p:childTnLst>
+                        <p:par>
+                          <p:cTn id="4" fill="hold">
+                            <p:stCondLst>
+                              <p:cond delay="0"/>
+                            </p:stCondLst>
+                            <p:childTnLst>
+                              <p:par>
+                                <p:cTn id="5" presetID="1" presetClass="entr" presetSubtype="0" fill="hold" grpId="0" nodeType="clickEffect">
+                                  <p:stCondLst>
+                                    <p:cond delay="0"/>
+                                  </p:stCondLst>
+                                  <p:childTnLst>
+                                    <p:set>
+                                      <p:cBhvr>
+                                        <p:cTn id="6" dur="1" fill="hold">
+                                          <p:stCondLst>
+                                            <p:cond delay="0"/>
+                                          </p:stCondLst>
+                                        </p:cTn>
+                                        <p:tgtEl>
+                                          <p:spTgt spid="10"/>
+                                        </p:tgtEl>
+                                        <p:attrNameLst>
+                                          <p:attrName>style.visibility</p:attrName>
+                                        </p:attrNameLst>
+                                      </p:cBhvr>
+                                      <p:to>
+                                        <p:strVal val="visible"/>
+                                      </p:to>
+                                    </p:set>
+                                  </p:childTnLst>
+                                </p:cTn>
+                              </p:par>
+                              <p:par>
+                                <p:cTn id="7" presetID="1" presetClass="entr" presetSubtype="0" fill="hold" nodeType="withEffect">
+                                  <p:stCondLst>
+                                    <p:cond delay="0"/>
+                                  </p:stCondLst>
+                                  <p:childTnLst>
+                                    <p:set>
+                                      <p:cBhvr>
+                                        <p:cTn id="8" dur="1" fill="hold">
+                                          <p:stCondLst>
+                                            <p:cond delay="0"/>
+                                          </p:stCondLst>
+                                        </p:cTn>
+                                        <p:tgtEl>
+                                          <p:spTgt spid="12"/>
+                                        </p:tgtEl>
+                                        <p:attrNameLst>
+                                          <p:attrName>style.visibility</p:attrName>
+                                        </p:attrNameLst>
+                                      </p:cBhvr>
+                                      <p:to>
+                                        <p:strVal val="visible"/>
+                                      </p:to>
+                                    </p:set>
+                                  </p:childTnLst>
+                                </p:cTn>
+                              </p:par>
+                            </p:childTnLst>
+                          </p:cTn>
+                        </p:par>
+                      </p:childTnLst>
+                    </p:cTn>
+                  </p:par>
+                </p:childTnLst>
+              </p:cTn>
+              <p:prevCondLst>
+                <p:cond evt="onPrev" delay="0">
+                  <p:tgtEl>
+                    <p:sldTgt/>
+                  </p:tgtEl>
+                </p:cond>
+              </p:prevCondLst>
+              <p:nextCondLst>
+                <p:cond evt="onNext" delay="0">
+                  <p:tgtEl>
+                    <p:sldTgt/>
+                  </p:tgtEl>
+                </p:cond>
+              </p:nextCondLst>
+            </p:seq>
+          </p:childTnLst>
+        </p:cTn>
+      </p:par>
+    </p:tnLst>
+    <p:bldLst>
+      <p:bldP spid="10" grpId="0"/>
+    </p:bldLst>
+  </p:timing>
 </p:sld>
 </file>
 

--- a/slides/programming-patterns.pptx
+++ b/slides/programming-patterns.pptx
@@ -5,10 +5,10 @@
     <p:sldMasterId id="2147483672" r:id="rId1"/>
   </p:sldMasterIdLst>
   <p:notesMasterIdLst>
-    <p:notesMasterId r:id="rId36"/>
+    <p:notesMasterId r:id="rId37"/>
   </p:notesMasterIdLst>
   <p:handoutMasterIdLst>
-    <p:handoutMasterId r:id="rId37"/>
+    <p:handoutMasterId r:id="rId38"/>
   </p:handoutMasterIdLst>
   <p:sldIdLst>
     <p:sldId id="256" r:id="rId2"/>
@@ -19,32 +19,33 @@
     <p:sldId id="288" r:id="rId7"/>
     <p:sldId id="291" r:id="rId8"/>
     <p:sldId id="292" r:id="rId9"/>
-    <p:sldId id="294" r:id="rId10"/>
-    <p:sldId id="293" r:id="rId11"/>
-    <p:sldId id="295" r:id="rId12"/>
-    <p:sldId id="296" r:id="rId13"/>
-    <p:sldId id="297" r:id="rId14"/>
-    <p:sldId id="298" r:id="rId15"/>
-    <p:sldId id="299" r:id="rId16"/>
-    <p:sldId id="301" r:id="rId17"/>
-    <p:sldId id="300" r:id="rId18"/>
-    <p:sldId id="303" r:id="rId19"/>
-    <p:sldId id="304" r:id="rId20"/>
-    <p:sldId id="305" r:id="rId21"/>
-    <p:sldId id="307" r:id="rId22"/>
-    <p:sldId id="308" r:id="rId23"/>
-    <p:sldId id="309" r:id="rId24"/>
-    <p:sldId id="310" r:id="rId25"/>
-    <p:sldId id="311" r:id="rId26"/>
-    <p:sldId id="313" r:id="rId27"/>
-    <p:sldId id="314" r:id="rId28"/>
-    <p:sldId id="312" r:id="rId29"/>
-    <p:sldId id="315" r:id="rId30"/>
-    <p:sldId id="316" r:id="rId31"/>
-    <p:sldId id="317" r:id="rId32"/>
-    <p:sldId id="318" r:id="rId33"/>
-    <p:sldId id="319" r:id="rId34"/>
-    <p:sldId id="320" r:id="rId35"/>
+    <p:sldId id="321" r:id="rId10"/>
+    <p:sldId id="294" r:id="rId11"/>
+    <p:sldId id="293" r:id="rId12"/>
+    <p:sldId id="295" r:id="rId13"/>
+    <p:sldId id="296" r:id="rId14"/>
+    <p:sldId id="297" r:id="rId15"/>
+    <p:sldId id="298" r:id="rId16"/>
+    <p:sldId id="299" r:id="rId17"/>
+    <p:sldId id="301" r:id="rId18"/>
+    <p:sldId id="300" r:id="rId19"/>
+    <p:sldId id="303" r:id="rId20"/>
+    <p:sldId id="304" r:id="rId21"/>
+    <p:sldId id="305" r:id="rId22"/>
+    <p:sldId id="307" r:id="rId23"/>
+    <p:sldId id="308" r:id="rId24"/>
+    <p:sldId id="309" r:id="rId25"/>
+    <p:sldId id="310" r:id="rId26"/>
+    <p:sldId id="311" r:id="rId27"/>
+    <p:sldId id="313" r:id="rId28"/>
+    <p:sldId id="314" r:id="rId29"/>
+    <p:sldId id="312" r:id="rId30"/>
+    <p:sldId id="315" r:id="rId31"/>
+    <p:sldId id="316" r:id="rId32"/>
+    <p:sldId id="317" r:id="rId33"/>
+    <p:sldId id="318" r:id="rId34"/>
+    <p:sldId id="319" r:id="rId35"/>
+    <p:sldId id="320" r:id="rId36"/>
   </p:sldIdLst>
   <p:sldSz cx="12192000" cy="6858000"/>
   <p:notesSz cx="9144000" cy="6858000"/>
@@ -239,7 +240,7 @@
           <a:p>
             <a:fld id="{8A1B613A-EFF1-404F-BEE8-EFAE84A4E5E2}" type="datetimeFigureOut">
               <a:rPr lang="en-US" smtClean="0"/>
-              <a:t>7/16/21</a:t>
+              <a:t>7/19/21</a:t>
             </a:fld>
             <a:endParaRPr lang="en-US"/>
           </a:p>
@@ -404,7 +405,7 @@
           <a:p>
             <a:fld id="{690847EA-AC25-3D4E-89E1-FD3F6A9702B6}" type="datetimeFigureOut">
               <a:rPr lang="en-US" smtClean="0"/>
-              <a:t>7/16/21</a:t>
+              <a:t>7/19/21</a:t>
             </a:fld>
             <a:endParaRPr lang="en-US"/>
           </a:p>
@@ -818,7 +819,7 @@
           <a:p>
             <a:fld id="{BE5295ED-3BAF-1140-8495-3D368771D6B1}" type="datetimeFigureOut">
               <a:rPr lang="en-US" smtClean="0"/>
-              <a:t>7/16/21</a:t>
+              <a:t>7/19/21</a:t>
             </a:fld>
             <a:endParaRPr lang="en-US"/>
           </a:p>
@@ -1016,7 +1017,7 @@
           <a:p>
             <a:fld id="{BE5295ED-3BAF-1140-8495-3D368771D6B1}" type="datetimeFigureOut">
               <a:rPr lang="en-US" smtClean="0"/>
-              <a:t>7/16/21</a:t>
+              <a:t>7/19/21</a:t>
             </a:fld>
             <a:endParaRPr lang="en-US"/>
           </a:p>
@@ -1224,7 +1225,7 @@
           <a:p>
             <a:fld id="{BE5295ED-3BAF-1140-8495-3D368771D6B1}" type="datetimeFigureOut">
               <a:rPr lang="en-US" smtClean="0"/>
-              <a:t>7/16/21</a:t>
+              <a:t>7/19/21</a:t>
             </a:fld>
             <a:endParaRPr lang="en-US"/>
           </a:p>
@@ -1422,7 +1423,7 @@
           <a:p>
             <a:fld id="{BE5295ED-3BAF-1140-8495-3D368771D6B1}" type="datetimeFigureOut">
               <a:rPr lang="en-US" smtClean="0"/>
-              <a:t>7/16/21</a:t>
+              <a:t>7/19/21</a:t>
             </a:fld>
             <a:endParaRPr lang="en-US"/>
           </a:p>
@@ -1697,7 +1698,7 @@
           <a:p>
             <a:fld id="{BE5295ED-3BAF-1140-8495-3D368771D6B1}" type="datetimeFigureOut">
               <a:rPr lang="en-US" smtClean="0"/>
-              <a:t>7/16/21</a:t>
+              <a:t>7/19/21</a:t>
             </a:fld>
             <a:endParaRPr lang="en-US"/>
           </a:p>
@@ -1962,7 +1963,7 @@
           <a:p>
             <a:fld id="{BE5295ED-3BAF-1140-8495-3D368771D6B1}" type="datetimeFigureOut">
               <a:rPr lang="en-US" smtClean="0"/>
-              <a:t>7/16/21</a:t>
+              <a:t>7/19/21</a:t>
             </a:fld>
             <a:endParaRPr lang="en-US"/>
           </a:p>
@@ -2374,7 +2375,7 @@
           <a:p>
             <a:fld id="{BE5295ED-3BAF-1140-8495-3D368771D6B1}" type="datetimeFigureOut">
               <a:rPr lang="en-US" smtClean="0"/>
-              <a:t>7/16/21</a:t>
+              <a:t>7/19/21</a:t>
             </a:fld>
             <a:endParaRPr lang="en-US"/>
           </a:p>
@@ -2515,7 +2516,7 @@
           <a:p>
             <a:fld id="{BE5295ED-3BAF-1140-8495-3D368771D6B1}" type="datetimeFigureOut">
               <a:rPr lang="en-US" smtClean="0"/>
-              <a:t>7/16/21</a:t>
+              <a:t>7/19/21</a:t>
             </a:fld>
             <a:endParaRPr lang="en-US"/>
           </a:p>
@@ -2628,7 +2629,7 @@
           <a:p>
             <a:fld id="{BE5295ED-3BAF-1140-8495-3D368771D6B1}" type="datetimeFigureOut">
               <a:rPr lang="en-US" smtClean="0"/>
-              <a:t>7/16/21</a:t>
+              <a:t>7/19/21</a:t>
             </a:fld>
             <a:endParaRPr lang="en-US"/>
           </a:p>
@@ -2939,7 +2940,7 @@
           <a:p>
             <a:fld id="{BE5295ED-3BAF-1140-8495-3D368771D6B1}" type="datetimeFigureOut">
               <a:rPr lang="en-US" smtClean="0"/>
-              <a:t>7/16/21</a:t>
+              <a:t>7/19/21</a:t>
             </a:fld>
             <a:endParaRPr lang="en-US"/>
           </a:p>
@@ -3230,7 +3231,7 @@
           <a:p>
             <a:fld id="{BE5295ED-3BAF-1140-8495-3D368771D6B1}" type="datetimeFigureOut">
               <a:rPr lang="en-US" smtClean="0"/>
-              <a:t>7/16/21</a:t>
+              <a:t>7/19/21</a:t>
             </a:fld>
             <a:endParaRPr lang="en-US"/>
           </a:p>
@@ -3471,7 +3472,7 @@
           <a:p>
             <a:fld id="{BE5295ED-3BAF-1140-8495-3D368771D6B1}" type="datetimeFigureOut">
               <a:rPr lang="en-US" smtClean="0"/>
-              <a:t>7/16/21</a:t>
+              <a:t>7/19/21</a:t>
             </a:fld>
             <a:endParaRPr lang="en-US"/>
           </a:p>
@@ -4066,7 +4067,7 @@
           <p:cNvPr id="2" name="Title 1">
             <a:extLst>
               <a:ext uri="{FF2B5EF4-FFF2-40B4-BE49-F238E27FC236}">
-                <a16:creationId xmlns:a16="http://schemas.microsoft.com/office/drawing/2014/main" id="{1FA53272-0FEF-AA4B-9A01-EC3450E6380F}"/>
+                <a16:creationId xmlns:a16="http://schemas.microsoft.com/office/drawing/2014/main" id="{BF6F946B-BBE2-BC4B-ABC0-201342DD55A1}"/>
               </a:ext>
             </a:extLst>
           </p:cNvPr>
@@ -4084,17 +4085,17 @@
           <a:p>
             <a:r>
               <a:rPr lang="en-US" dirty="0"/>
-              <a:t>Accumulate</a:t>
-            </a:r>
-          </a:p>
-        </p:txBody>
-      </p:sp>
-      <p:sp>
-        <p:nvSpPr>
-          <p:cNvPr id="3" name="Content Placeholder 2">
-            <a:extLst>
-              <a:ext uri="{FF2B5EF4-FFF2-40B4-BE49-F238E27FC236}">
-                <a16:creationId xmlns:a16="http://schemas.microsoft.com/office/drawing/2014/main" id="{48EBFF70-2055-1B4A-8C6B-0ACD15726A90}"/>
+              <a:t>A parade of patterns</a:t>
+            </a:r>
+          </a:p>
+        </p:txBody>
+      </p:sp>
+      <p:sp>
+        <p:nvSpPr>
+          <p:cNvPr id="3" name="Text Placeholder 2">
+            <a:extLst>
+              <a:ext uri="{FF2B5EF4-FFF2-40B4-BE49-F238E27FC236}">
+                <a16:creationId xmlns:a16="http://schemas.microsoft.com/office/drawing/2014/main" id="{942BC3CD-0EF2-9548-A1AF-6A9CCCCDAEEB}"/>
               </a:ext>
             </a:extLst>
           </p:cNvPr>
@@ -4102,206 +4103,22 @@
             <a:spLocks noGrp="1"/>
           </p:cNvSpPr>
           <p:nvPr>
-            <p:ph idx="1"/>
+            <p:ph type="body" idx="1"/>
           </p:nvPr>
         </p:nvSpPr>
-        <p:spPr>
-          <a:xfrm>
-            <a:off x="573433" y="1464987"/>
-            <a:ext cx="10515600" cy="4351338"/>
-          </a:xfrm>
-        </p:spPr>
+        <p:spPr/>
         <p:txBody>
           <a:bodyPr/>
           <a:lstStyle/>
           <a:p>
-            <a:r>
-              <a:rPr lang="en-US" dirty="0"/>
-              <a:t>Traverse a sequence of elements and </a:t>
-            </a:r>
-            <a:r>
-              <a:rPr lang="en-US" i="1" dirty="0"/>
-              <a:t>accumulate</a:t>
-            </a:r>
-            <a:r>
-              <a:rPr lang="en-US" dirty="0"/>
-              <a:t> a value</a:t>
-            </a:r>
-          </a:p>
-          <a:p>
-            <a:r>
-              <a:rPr lang="en-US" dirty="0"/>
-              <a:t>In Excel, this is like using </a:t>
-            </a:r>
-            <a:r>
-              <a:rPr lang="en-US" b="1" dirty="0"/>
-              <a:t>sum(...)</a:t>
-            </a:r>
-            <a:r>
-              <a:rPr lang="en-US" dirty="0"/>
-              <a:t> in a cell</a:t>
-            </a:r>
-          </a:p>
-          <a:p>
-            <a:r>
-              <a:rPr lang="en-US" dirty="0"/>
-              <a:t>Can use any other arithmetic operator, such as *</a:t>
-            </a:r>
-          </a:p>
-          <a:p>
-            <a:r>
-              <a:rPr lang="en-US" dirty="0"/>
-              <a:t>Called </a:t>
-            </a:r>
-            <a:r>
-              <a:rPr lang="en-US" i="1" dirty="0"/>
-              <a:t>reduce</a:t>
-            </a:r>
-            <a:r>
-              <a:rPr lang="en-US" dirty="0"/>
-              <a:t>, as in </a:t>
-            </a:r>
-            <a:r>
-              <a:rPr lang="en-US" i="1" dirty="0"/>
-              <a:t>map</a:t>
-            </a:r>
-            <a:r>
-              <a:rPr lang="en-US" dirty="0"/>
-              <a:t>/</a:t>
-            </a:r>
-            <a:r>
-              <a:rPr lang="en-US" i="1" dirty="0"/>
-              <a:t>reduce</a:t>
-            </a:r>
-            <a:r>
-              <a:rPr lang="en-US" dirty="0"/>
-              <a:t> of distributed computing world</a:t>
-            </a:r>
-          </a:p>
-        </p:txBody>
-      </p:sp>
-      <p:sp>
-        <p:nvSpPr>
-          <p:cNvPr id="5" name="TextBox 4">
-            <a:extLst>
-              <a:ext uri="{FF2B5EF4-FFF2-40B4-BE49-F238E27FC236}">
-                <a16:creationId xmlns:a16="http://schemas.microsoft.com/office/drawing/2014/main" id="{7E035761-8767-0141-9132-8133CB20FCEE}"/>
-              </a:ext>
-            </a:extLst>
-          </p:cNvPr>
-          <p:cNvSpPr txBox="1"/>
-          <p:nvPr/>
-        </p:nvSpPr>
-        <p:spPr>
-          <a:xfrm>
-            <a:off x="1862005" y="3761797"/>
-            <a:ext cx="6814686" cy="1631216"/>
-          </a:xfrm>
-          <a:prstGeom prst="rect">
-            <a:avLst/>
-          </a:prstGeom>
-          <a:noFill/>
-        </p:spPr>
-        <p:txBody>
-          <a:bodyPr wrap="none" rtlCol="0">
-            <a:spAutoFit/>
-          </a:bodyPr>
-          <a:lstStyle/>
-          <a:p>
-            <a:r>
-              <a:rPr lang="en-US" sz="2000" dirty="0">
-                <a:latin typeface="Consolas" panose="020B0609020204030204" pitchFamily="49" charset="0"/>
-                <a:cs typeface="Consolas" panose="020B0609020204030204" pitchFamily="49" charset="0"/>
-              </a:rPr>
-              <a:t>Quantity = [6, 49, 27, 30, 19, 21, 12, 22, 21] </a:t>
-            </a:r>
-          </a:p>
-          <a:p>
-            <a:r>
-              <a:rPr lang="en-US" sz="2000" dirty="0">
-                <a:latin typeface="Consolas" panose="020B0609020204030204" pitchFamily="49" charset="0"/>
-                <a:cs typeface="Consolas" panose="020B0609020204030204" pitchFamily="49" charset="0"/>
-              </a:rPr>
-              <a:t>sum = 0</a:t>
-            </a:r>
-          </a:p>
-          <a:p>
-            <a:r>
-              <a:rPr lang="en-US" sz="2000" dirty="0">
-                <a:latin typeface="Consolas" panose="020B0609020204030204" pitchFamily="49" charset="0"/>
-                <a:cs typeface="Consolas" panose="020B0609020204030204" pitchFamily="49" charset="0"/>
-              </a:rPr>
-              <a:t>for q in Quantity:</a:t>
-            </a:r>
-          </a:p>
-          <a:p>
-            <a:r>
-              <a:rPr lang="en-US" sz="2000" dirty="0">
-                <a:latin typeface="Consolas" panose="020B0609020204030204" pitchFamily="49" charset="0"/>
-                <a:cs typeface="Consolas" panose="020B0609020204030204" pitchFamily="49" charset="0"/>
-              </a:rPr>
-              <a:t>    sum += q          # same as: sum = sum + q</a:t>
-            </a:r>
-          </a:p>
-          <a:p>
-            <a:r>
-              <a:rPr lang="en-US" sz="2000" dirty="0">
-                <a:latin typeface="Consolas" panose="020B0609020204030204" pitchFamily="49" charset="0"/>
-                <a:cs typeface="Consolas" panose="020B0609020204030204" pitchFamily="49" charset="0"/>
-              </a:rPr>
-              <a:t>print(sum)</a:t>
-            </a:r>
-          </a:p>
-        </p:txBody>
-      </p:sp>
-      <p:sp>
-        <p:nvSpPr>
-          <p:cNvPr id="7" name="TextBox 6">
-            <a:extLst>
-              <a:ext uri="{FF2B5EF4-FFF2-40B4-BE49-F238E27FC236}">
-                <a16:creationId xmlns:a16="http://schemas.microsoft.com/office/drawing/2014/main" id="{8E70DBF2-F91B-4044-9AB2-4D31F53BFFEF}"/>
-              </a:ext>
-            </a:extLst>
-          </p:cNvPr>
-          <p:cNvSpPr txBox="1"/>
-          <p:nvPr/>
-        </p:nvSpPr>
-        <p:spPr>
-          <a:xfrm>
-            <a:off x="0" y="6477965"/>
-            <a:ext cx="2813591" cy="369332"/>
-          </a:xfrm>
-          <a:prstGeom prst="rect">
-            <a:avLst/>
-          </a:prstGeom>
-          <a:noFill/>
-        </p:spPr>
-        <p:txBody>
-          <a:bodyPr wrap="none" rtlCol="0">
-            <a:spAutoFit/>
-          </a:bodyPr>
-          <a:lstStyle/>
-          <a:p>
-            <a:r>
-              <a:rPr lang="en-US" dirty="0">
-                <a:hlinkClick r:id="rId2"/>
-              </a:rPr>
-              <a:t>Experiment in </a:t>
-            </a:r>
-            <a:r>
-              <a:rPr lang="en-US" dirty="0" err="1">
-                <a:hlinkClick r:id="rId2"/>
-              </a:rPr>
-              <a:t>pythontutor</a:t>
-            </a:r>
-            <a:endParaRPr lang="en-US" dirty="0"/>
+            <a:endParaRPr lang="en-US"/>
           </a:p>
         </p:txBody>
       </p:sp>
     </p:spTree>
     <p:extLst>
       <p:ext uri="{BB962C8B-B14F-4D97-AF65-F5344CB8AC3E}">
-        <p14:creationId xmlns:p14="http://schemas.microsoft.com/office/powerpoint/2010/main" val="1299016780"/>
+        <p14:creationId xmlns:p14="http://schemas.microsoft.com/office/powerpoint/2010/main" val="2846370281"/>
       </p:ext>
     </p:extLst>
   </p:cSld>
@@ -4333,7 +4150,7 @@
           <p:cNvPr id="2" name="Title 1">
             <a:extLst>
               <a:ext uri="{FF2B5EF4-FFF2-40B4-BE49-F238E27FC236}">
-                <a16:creationId xmlns:a16="http://schemas.microsoft.com/office/drawing/2014/main" id="{A1C2C7C8-837B-8140-8657-3A67CD67D5F3}"/>
+                <a16:creationId xmlns:a16="http://schemas.microsoft.com/office/drawing/2014/main" id="{1FA53272-0FEF-AA4B-9A01-EC3450E6380F}"/>
               </a:ext>
             </a:extLst>
           </p:cNvPr>
@@ -4351,7 +4168,7 @@
           <a:p>
             <a:r>
               <a:rPr lang="en-US" dirty="0"/>
-              <a:t>Map</a:t>
+              <a:t>Accumulate</a:t>
             </a:r>
           </a:p>
         </p:txBody>
@@ -4361,7 +4178,7 @@
           <p:cNvPr id="3" name="Content Placeholder 2">
             <a:extLst>
               <a:ext uri="{FF2B5EF4-FFF2-40B4-BE49-F238E27FC236}">
-                <a16:creationId xmlns:a16="http://schemas.microsoft.com/office/drawing/2014/main" id="{167E26A4-A07F-554F-A3A6-BC669A282D21}"/>
+                <a16:creationId xmlns:a16="http://schemas.microsoft.com/office/drawing/2014/main" id="{48EBFF70-2055-1B4A-8C6B-0ACD15726A90}"/>
               </a:ext>
             </a:extLst>
           </p:cNvPr>
@@ -4372,38 +4189,87 @@
             <p:ph idx="1"/>
           </p:nvPr>
         </p:nvSpPr>
-        <p:spPr/>
+        <p:spPr>
+          <a:xfrm>
+            <a:off x="573433" y="1464987"/>
+            <a:ext cx="10515600" cy="4351338"/>
+          </a:xfrm>
+        </p:spPr>
         <p:txBody>
           <a:bodyPr/>
           <a:lstStyle/>
           <a:p>
             <a:r>
               <a:rPr lang="en-US" dirty="0"/>
-              <a:t>A very common operation </a:t>
+              <a:t>Traverse a sequence of elements and </a:t>
             </a:r>
             <a:r>
               <a:rPr lang="en-US" i="1" dirty="0"/>
-              <a:t>maps</a:t>
+              <a:t>accumulate</a:t>
             </a:r>
             <a:r>
               <a:rPr lang="en-US" dirty="0"/>
-              <a:t> one sequence to another, applying an operator or function to each element</a:t>
+              <a:t> a value</a:t>
             </a:r>
           </a:p>
           <a:p>
             <a:r>
               <a:rPr lang="en-US" dirty="0"/>
-              <a:t>It's like using a spreadsheet to create a new column containing a product’s unit price discounted by 5%</a:t>
-            </a:r>
-          </a:p>
-        </p:txBody>
-      </p:sp>
-      <p:sp>
-        <p:nvSpPr>
-          <p:cNvPr id="4" name="TextBox 3">
-            <a:extLst>
-              <a:ext uri="{FF2B5EF4-FFF2-40B4-BE49-F238E27FC236}">
-                <a16:creationId xmlns:a16="http://schemas.microsoft.com/office/drawing/2014/main" id="{C041ABE0-2559-D048-9DFD-E27ECFFF4B75}"/>
+              <a:t>In Excel, this is like using </a:t>
+            </a:r>
+            <a:r>
+              <a:rPr lang="en-US" b="1" dirty="0"/>
+              <a:t>sum(...)</a:t>
+            </a:r>
+            <a:r>
+              <a:rPr lang="en-US" dirty="0"/>
+              <a:t> in a cell</a:t>
+            </a:r>
+          </a:p>
+          <a:p>
+            <a:r>
+              <a:rPr lang="en-US" dirty="0"/>
+              <a:t>Can use any other arithmetic operator, such as *</a:t>
+            </a:r>
+          </a:p>
+          <a:p>
+            <a:r>
+              <a:rPr lang="en-US" dirty="0"/>
+              <a:t>Called </a:t>
+            </a:r>
+            <a:r>
+              <a:rPr lang="en-US" i="1" dirty="0"/>
+              <a:t>reduce</a:t>
+            </a:r>
+            <a:r>
+              <a:rPr lang="en-US" dirty="0"/>
+              <a:t>, as in </a:t>
+            </a:r>
+            <a:r>
+              <a:rPr lang="en-US" i="1" dirty="0"/>
+              <a:t>map</a:t>
+            </a:r>
+            <a:r>
+              <a:rPr lang="en-US" dirty="0"/>
+              <a:t>/</a:t>
+            </a:r>
+            <a:r>
+              <a:rPr lang="en-US" i="1" dirty="0"/>
+              <a:t>reduce</a:t>
+            </a:r>
+            <a:r>
+              <a:rPr lang="en-US" dirty="0"/>
+              <a:t> of distributed computing world</a:t>
+            </a:r>
+          </a:p>
+        </p:txBody>
+      </p:sp>
+      <p:sp>
+        <p:nvSpPr>
+          <p:cNvPr id="5" name="TextBox 4">
+            <a:extLst>
+              <a:ext uri="{FF2B5EF4-FFF2-40B4-BE49-F238E27FC236}">
+                <a16:creationId xmlns:a16="http://schemas.microsoft.com/office/drawing/2014/main" id="{7E035761-8767-0141-9132-8133CB20FCEE}"/>
               </a:ext>
             </a:extLst>
           </p:cNvPr>
@@ -4412,8 +4278,8 @@
         </p:nvSpPr>
         <p:spPr>
           <a:xfrm>
-            <a:off x="1103243" y="3757355"/>
-            <a:ext cx="5968301" cy="2554545"/>
+            <a:off x="1862005" y="3761797"/>
+            <a:ext cx="6814686" cy="1631216"/>
           </a:xfrm>
           <a:prstGeom prst="rect">
             <a:avLst/>
@@ -4427,33 +4293,29 @@
           <a:lstStyle/>
           <a:p>
             <a:r>
-              <a:rPr lang="en-US" sz="2000" dirty="0" err="1">
-                <a:latin typeface="Consolas" panose="020B0609020204030204" pitchFamily="49" charset="0"/>
-                <a:cs typeface="Consolas" panose="020B0609020204030204" pitchFamily="49" charset="0"/>
-              </a:rPr>
-              <a:t>UnitPrice</a:t>
-            </a:r>
-            <a:r>
               <a:rPr lang="en-US" sz="2000" dirty="0">
                 <a:latin typeface="Consolas" panose="020B0609020204030204" pitchFamily="49" charset="0"/>
                 <a:cs typeface="Consolas" panose="020B0609020204030204" pitchFamily="49" charset="0"/>
               </a:rPr>
-              <a:t> = [38.94, 208.16, 8.69, 195.99]</a:t>
-            </a:r>
-          </a:p>
-          <a:p>
-            <a:br>
+              <a:t>Quantity = [6, 49, 27, 30, 19, 21, 12, 22, 21] </a:t>
+            </a:r>
+          </a:p>
+          <a:p>
+            <a:r>
               <a:rPr lang="en-US" sz="2000" dirty="0">
                 <a:latin typeface="Consolas" panose="020B0609020204030204" pitchFamily="49" charset="0"/>
                 <a:cs typeface="Consolas" panose="020B0609020204030204" pitchFamily="49" charset="0"/>
               </a:rPr>
-            </a:br>
+              <a:t>sum = 0</a:t>
+            </a:r>
+          </a:p>
+          <a:p>
             <a:r>
               <a:rPr lang="en-US" sz="2000" dirty="0">
                 <a:latin typeface="Consolas" panose="020B0609020204030204" pitchFamily="49" charset="0"/>
                 <a:cs typeface="Consolas" panose="020B0609020204030204" pitchFamily="49" charset="0"/>
               </a:rPr>
-              <a:t>discounted = [] # empty list</a:t>
+              <a:t>for q in Quantity:</a:t>
             </a:r>
           </a:p>
           <a:p>
@@ -4462,122 +4324,26 @@
                 <a:latin typeface="Consolas" panose="020B0609020204030204" pitchFamily="49" charset="0"/>
                 <a:cs typeface="Consolas" panose="020B0609020204030204" pitchFamily="49" charset="0"/>
               </a:rPr>
-              <a:t>for price in </a:t>
-            </a:r>
-            <a:r>
-              <a:rPr lang="en-US" sz="2000" dirty="0" err="1">
-                <a:latin typeface="Consolas" panose="020B0609020204030204" pitchFamily="49" charset="0"/>
-                <a:cs typeface="Consolas" panose="020B0609020204030204" pitchFamily="49" charset="0"/>
-              </a:rPr>
-              <a:t>UnitPrice</a:t>
-            </a:r>
+              <a:t>    sum += q          # same as: sum = sum + q</a:t>
+            </a:r>
+          </a:p>
+          <a:p>
             <a:r>
               <a:rPr lang="en-US" sz="2000" dirty="0">
                 <a:latin typeface="Consolas" panose="020B0609020204030204" pitchFamily="49" charset="0"/>
                 <a:cs typeface="Consolas" panose="020B0609020204030204" pitchFamily="49" charset="0"/>
               </a:rPr>
-              <a:t>:</a:t>
-            </a:r>
-          </a:p>
-          <a:p>
-            <a:r>
-              <a:rPr lang="en-US" sz="2000" dirty="0">
-                <a:latin typeface="Consolas" panose="020B0609020204030204" pitchFamily="49" charset="0"/>
-                <a:cs typeface="Consolas" panose="020B0609020204030204" pitchFamily="49" charset="0"/>
-              </a:rPr>
-              <a:t>    </a:t>
-            </a:r>
-            <a:r>
-              <a:rPr lang="en-US" sz="2000" dirty="0" err="1">
-                <a:latin typeface="Consolas" panose="020B0609020204030204" pitchFamily="49" charset="0"/>
-                <a:cs typeface="Consolas" panose="020B0609020204030204" pitchFamily="49" charset="0"/>
-              </a:rPr>
-              <a:t>discounted.append</a:t>
-            </a:r>
-            <a:r>
-              <a:rPr lang="en-US" sz="2000" dirty="0">
-                <a:latin typeface="Consolas" panose="020B0609020204030204" pitchFamily="49" charset="0"/>
-                <a:cs typeface="Consolas" panose="020B0609020204030204" pitchFamily="49" charset="0"/>
-              </a:rPr>
-              <a:t>(price * 0.95)</a:t>
-            </a:r>
-          </a:p>
-          <a:p>
-            <a:endParaRPr lang="en-US" sz="2000" dirty="0">
-              <a:latin typeface="Consolas" panose="020B0609020204030204" pitchFamily="49" charset="0"/>
-              <a:cs typeface="Consolas" panose="020B0609020204030204" pitchFamily="49" charset="0"/>
-            </a:endParaRPr>
-          </a:p>
-          <a:p>
-            <a:r>
-              <a:rPr lang="en-US" sz="2000" dirty="0">
-                <a:latin typeface="Consolas" panose="020B0609020204030204" pitchFamily="49" charset="0"/>
-                <a:cs typeface="Consolas" panose="020B0609020204030204" pitchFamily="49" charset="0"/>
-              </a:rPr>
-              <a:t># list comprehension shines here!!</a:t>
-            </a:r>
-          </a:p>
-          <a:p>
-            <a:r>
-              <a:rPr lang="en-US" sz="2000" dirty="0">
-                <a:latin typeface="Consolas" panose="020B0609020204030204" pitchFamily="49" charset="0"/>
-                <a:cs typeface="Consolas" panose="020B0609020204030204" pitchFamily="49" charset="0"/>
-              </a:rPr>
-              <a:t>discounted = [p*0.95 for p in </a:t>
-            </a:r>
-            <a:r>
-              <a:rPr lang="en-US" sz="2000" dirty="0" err="1">
-                <a:latin typeface="Consolas" panose="020B0609020204030204" pitchFamily="49" charset="0"/>
-                <a:cs typeface="Consolas" panose="020B0609020204030204" pitchFamily="49" charset="0"/>
-              </a:rPr>
-              <a:t>UnitPrice</a:t>
-            </a:r>
-            <a:r>
-              <a:rPr lang="en-US" sz="2000" dirty="0">
-                <a:latin typeface="Consolas" panose="020B0609020204030204" pitchFamily="49" charset="0"/>
-                <a:cs typeface="Consolas" panose="020B0609020204030204" pitchFamily="49" charset="0"/>
-              </a:rPr>
-              <a:t>]</a:t>
-            </a:r>
-          </a:p>
-        </p:txBody>
-      </p:sp>
-      <p:pic>
-        <p:nvPicPr>
-          <p:cNvPr id="6" name="Picture 5">
-            <a:extLst>
-              <a:ext uri="{FF2B5EF4-FFF2-40B4-BE49-F238E27FC236}">
-                <a16:creationId xmlns:a16="http://schemas.microsoft.com/office/drawing/2014/main" id="{B22F27FC-411C-6B43-B250-1762BECEAD5C}"/>
-              </a:ext>
-            </a:extLst>
-          </p:cNvPr>
-          <p:cNvPicPr>
-            <a:picLocks noChangeAspect="1"/>
-          </p:cNvPicPr>
-          <p:nvPr/>
-        </p:nvPicPr>
-        <p:blipFill>
-          <a:blip r:embed="rId2"/>
-          <a:stretch>
-            <a:fillRect/>
-          </a:stretch>
-        </p:blipFill>
-        <p:spPr>
-          <a:xfrm>
-            <a:off x="8062843" y="-67504"/>
-            <a:ext cx="4053946" cy="1940719"/>
-          </a:xfrm>
-          <a:prstGeom prst="rect">
-            <a:avLst/>
-          </a:prstGeom>
-        </p:spPr>
-      </p:pic>
+              <a:t>print(sum)</a:t>
+            </a:r>
+          </a:p>
+        </p:txBody>
+      </p:sp>
       <p:sp>
         <p:nvSpPr>
           <p:cNvPr id="7" name="TextBox 6">
             <a:extLst>
               <a:ext uri="{FF2B5EF4-FFF2-40B4-BE49-F238E27FC236}">
-                <a16:creationId xmlns:a16="http://schemas.microsoft.com/office/drawing/2014/main" id="{9B9EF68A-E50F-4B46-A1DD-F11241D55FE6}"/>
+                <a16:creationId xmlns:a16="http://schemas.microsoft.com/office/drawing/2014/main" id="{8E70DBF2-F91B-4044-9AB2-4D31F53BFFEF}"/>
               </a:ext>
             </a:extLst>
           </p:cNvPr>
@@ -4586,7 +4352,7 @@
         </p:nvSpPr>
         <p:spPr>
           <a:xfrm>
-            <a:off x="0" y="6492875"/>
+            <a:off x="0" y="6477965"/>
             <a:ext cx="2813591" cy="369332"/>
           </a:xfrm>
           <a:prstGeom prst="rect">
@@ -4602,59 +4368,24 @@
           <a:p>
             <a:r>
               <a:rPr lang="en-US" dirty="0">
-                <a:hlinkClick r:id="rId3"/>
+                <a:hlinkClick r:id="rId2"/>
               </a:rPr>
               <a:t>Experiment in </a:t>
             </a:r>
             <a:r>
               <a:rPr lang="en-US" dirty="0" err="1">
-                <a:hlinkClick r:id="rId3"/>
+                <a:hlinkClick r:id="rId2"/>
               </a:rPr>
               <a:t>pythontutor</a:t>
             </a:r>
             <a:endParaRPr lang="en-US" dirty="0"/>
-          </a:p>
-        </p:txBody>
-      </p:sp>
-      <p:sp>
-        <p:nvSpPr>
-          <p:cNvPr id="8" name="TextBox 7">
-            <a:extLst>
-              <a:ext uri="{FF2B5EF4-FFF2-40B4-BE49-F238E27FC236}">
-                <a16:creationId xmlns:a16="http://schemas.microsoft.com/office/drawing/2014/main" id="{454516A2-C816-6F49-ADE9-2F4860CB6F4B}"/>
-              </a:ext>
-            </a:extLst>
-          </p:cNvPr>
-          <p:cNvSpPr txBox="1"/>
-          <p:nvPr/>
-        </p:nvSpPr>
-        <p:spPr>
-          <a:xfrm>
-            <a:off x="8310673" y="4018964"/>
-            <a:ext cx="3099449" cy="1015663"/>
-          </a:xfrm>
-          <a:prstGeom prst="rect">
-            <a:avLst/>
-          </a:prstGeom>
-          <a:noFill/>
-        </p:spPr>
-        <p:txBody>
-          <a:bodyPr wrap="square" rtlCol="0">
-            <a:spAutoFit/>
-          </a:bodyPr>
-          <a:lstStyle/>
-          <a:p>
-            <a:r>
-              <a:rPr lang="en-US" sz="2000" dirty="0"/>
-              <a:t>Be able to reverse this, going from code to pattern!</a:t>
-            </a:r>
           </a:p>
         </p:txBody>
       </p:sp>
     </p:spTree>
     <p:extLst>
       <p:ext uri="{BB962C8B-B14F-4D97-AF65-F5344CB8AC3E}">
-        <p14:creationId xmlns:p14="http://schemas.microsoft.com/office/powerpoint/2010/main" val="3193159742"/>
+        <p14:creationId xmlns:p14="http://schemas.microsoft.com/office/powerpoint/2010/main" val="1299016780"/>
       </p:ext>
     </p:extLst>
   </p:cSld>
@@ -4686,7 +4417,7 @@
           <p:cNvPr id="2" name="Title 1">
             <a:extLst>
               <a:ext uri="{FF2B5EF4-FFF2-40B4-BE49-F238E27FC236}">
-                <a16:creationId xmlns:a16="http://schemas.microsoft.com/office/drawing/2014/main" id="{B06851FF-B91E-0E4D-BA4B-423822733F53}"/>
+                <a16:creationId xmlns:a16="http://schemas.microsoft.com/office/drawing/2014/main" id="{A1C2C7C8-837B-8140-8657-3A67CD67D5F3}"/>
               </a:ext>
             </a:extLst>
           </p:cNvPr>
@@ -4704,13 +4435,366 @@
           <a:p>
             <a:r>
               <a:rPr lang="en-US" dirty="0"/>
+              <a:t>Map</a:t>
+            </a:r>
+          </a:p>
+        </p:txBody>
+      </p:sp>
+      <p:sp>
+        <p:nvSpPr>
+          <p:cNvPr id="3" name="Content Placeholder 2">
+            <a:extLst>
+              <a:ext uri="{FF2B5EF4-FFF2-40B4-BE49-F238E27FC236}">
+                <a16:creationId xmlns:a16="http://schemas.microsoft.com/office/drawing/2014/main" id="{167E26A4-A07F-554F-A3A6-BC669A282D21}"/>
+              </a:ext>
+            </a:extLst>
+          </p:cNvPr>
+          <p:cNvSpPr>
+            <a:spLocks noGrp="1"/>
+          </p:cNvSpPr>
+          <p:nvPr>
+            <p:ph idx="1"/>
+          </p:nvPr>
+        </p:nvSpPr>
+        <p:spPr/>
+        <p:txBody>
+          <a:bodyPr/>
+          <a:lstStyle/>
+          <a:p>
+            <a:r>
+              <a:rPr lang="en-US" dirty="0"/>
+              <a:t>A very common operation </a:t>
+            </a:r>
+            <a:r>
+              <a:rPr lang="en-US" i="1" dirty="0"/>
+              <a:t>maps</a:t>
+            </a:r>
+            <a:r>
+              <a:rPr lang="en-US" dirty="0"/>
+              <a:t> one sequence to another, applying an operator or function to each element</a:t>
+            </a:r>
+          </a:p>
+          <a:p>
+            <a:r>
+              <a:rPr lang="en-US" dirty="0"/>
+              <a:t>It's like using a spreadsheet to create a new column containing a product’s unit price discounted by 5%</a:t>
+            </a:r>
+          </a:p>
+        </p:txBody>
+      </p:sp>
+      <p:sp>
+        <p:nvSpPr>
+          <p:cNvPr id="4" name="TextBox 3">
+            <a:extLst>
+              <a:ext uri="{FF2B5EF4-FFF2-40B4-BE49-F238E27FC236}">
+                <a16:creationId xmlns:a16="http://schemas.microsoft.com/office/drawing/2014/main" id="{C041ABE0-2559-D048-9DFD-E27ECFFF4B75}"/>
+              </a:ext>
+            </a:extLst>
+          </p:cNvPr>
+          <p:cNvSpPr txBox="1"/>
+          <p:nvPr/>
+        </p:nvSpPr>
+        <p:spPr>
+          <a:xfrm>
+            <a:off x="1103243" y="3757355"/>
+            <a:ext cx="5968301" cy="2554545"/>
+          </a:xfrm>
+          <a:prstGeom prst="rect">
+            <a:avLst/>
+          </a:prstGeom>
+          <a:noFill/>
+        </p:spPr>
+        <p:txBody>
+          <a:bodyPr wrap="none" rtlCol="0">
+            <a:spAutoFit/>
+          </a:bodyPr>
+          <a:lstStyle/>
+          <a:p>
+            <a:r>
+              <a:rPr lang="en-US" sz="2000" dirty="0" err="1">
+                <a:latin typeface="Consolas" panose="020B0609020204030204" pitchFamily="49" charset="0"/>
+                <a:cs typeface="Consolas" panose="020B0609020204030204" pitchFamily="49" charset="0"/>
+              </a:rPr>
+              <a:t>UnitPrice</a:t>
+            </a:r>
+            <a:r>
+              <a:rPr lang="en-US" sz="2000" dirty="0">
+                <a:latin typeface="Consolas" panose="020B0609020204030204" pitchFamily="49" charset="0"/>
+                <a:cs typeface="Consolas" panose="020B0609020204030204" pitchFamily="49" charset="0"/>
+              </a:rPr>
+              <a:t> = [38.94, 208.16, 8.69, 195.99]</a:t>
+            </a:r>
+          </a:p>
+          <a:p>
+            <a:br>
+              <a:rPr lang="en-US" sz="2000" dirty="0">
+                <a:latin typeface="Consolas" panose="020B0609020204030204" pitchFamily="49" charset="0"/>
+                <a:cs typeface="Consolas" panose="020B0609020204030204" pitchFamily="49" charset="0"/>
+              </a:rPr>
+            </a:br>
+            <a:r>
+              <a:rPr lang="en-US" sz="2000" dirty="0">
+                <a:latin typeface="Consolas" panose="020B0609020204030204" pitchFamily="49" charset="0"/>
+                <a:cs typeface="Consolas" panose="020B0609020204030204" pitchFamily="49" charset="0"/>
+              </a:rPr>
+              <a:t>discounted = [] # empty list</a:t>
+            </a:r>
+          </a:p>
+          <a:p>
+            <a:r>
+              <a:rPr lang="en-US" sz="2000" dirty="0">
+                <a:latin typeface="Consolas" panose="020B0609020204030204" pitchFamily="49" charset="0"/>
+                <a:cs typeface="Consolas" panose="020B0609020204030204" pitchFamily="49" charset="0"/>
+              </a:rPr>
+              <a:t>for price in </a:t>
+            </a:r>
+            <a:r>
+              <a:rPr lang="en-US" sz="2000" dirty="0" err="1">
+                <a:latin typeface="Consolas" panose="020B0609020204030204" pitchFamily="49" charset="0"/>
+                <a:cs typeface="Consolas" panose="020B0609020204030204" pitchFamily="49" charset="0"/>
+              </a:rPr>
+              <a:t>UnitPrice</a:t>
+            </a:r>
+            <a:r>
+              <a:rPr lang="en-US" sz="2000" dirty="0">
+                <a:latin typeface="Consolas" panose="020B0609020204030204" pitchFamily="49" charset="0"/>
+                <a:cs typeface="Consolas" panose="020B0609020204030204" pitchFamily="49" charset="0"/>
+              </a:rPr>
+              <a:t>:</a:t>
+            </a:r>
+          </a:p>
+          <a:p>
+            <a:r>
+              <a:rPr lang="en-US" sz="2000" dirty="0">
+                <a:latin typeface="Consolas" panose="020B0609020204030204" pitchFamily="49" charset="0"/>
+                <a:cs typeface="Consolas" panose="020B0609020204030204" pitchFamily="49" charset="0"/>
+              </a:rPr>
+              <a:t>    </a:t>
+            </a:r>
+            <a:r>
+              <a:rPr lang="en-US" sz="2000" dirty="0" err="1">
+                <a:latin typeface="Consolas" panose="020B0609020204030204" pitchFamily="49" charset="0"/>
+                <a:cs typeface="Consolas" panose="020B0609020204030204" pitchFamily="49" charset="0"/>
+              </a:rPr>
+              <a:t>discounted.append</a:t>
+            </a:r>
+            <a:r>
+              <a:rPr lang="en-US" sz="2000" dirty="0">
+                <a:latin typeface="Consolas" panose="020B0609020204030204" pitchFamily="49" charset="0"/>
+                <a:cs typeface="Consolas" panose="020B0609020204030204" pitchFamily="49" charset="0"/>
+              </a:rPr>
+              <a:t>(price * 0.95)</a:t>
+            </a:r>
+          </a:p>
+          <a:p>
+            <a:endParaRPr lang="en-US" sz="2000" dirty="0">
+              <a:latin typeface="Consolas" panose="020B0609020204030204" pitchFamily="49" charset="0"/>
+              <a:cs typeface="Consolas" panose="020B0609020204030204" pitchFamily="49" charset="0"/>
+            </a:endParaRPr>
+          </a:p>
+          <a:p>
+            <a:r>
+              <a:rPr lang="en-US" sz="2000" dirty="0">
+                <a:latin typeface="Consolas" panose="020B0609020204030204" pitchFamily="49" charset="0"/>
+                <a:cs typeface="Consolas" panose="020B0609020204030204" pitchFamily="49" charset="0"/>
+              </a:rPr>
+              <a:t># list comprehension shines here!!</a:t>
+            </a:r>
+          </a:p>
+          <a:p>
+            <a:r>
+              <a:rPr lang="en-US" sz="2000" dirty="0">
+                <a:latin typeface="Consolas" panose="020B0609020204030204" pitchFamily="49" charset="0"/>
+                <a:cs typeface="Consolas" panose="020B0609020204030204" pitchFamily="49" charset="0"/>
+              </a:rPr>
+              <a:t>discounted = [p*0.95 for p in </a:t>
+            </a:r>
+            <a:r>
+              <a:rPr lang="en-US" sz="2000" dirty="0" err="1">
+                <a:latin typeface="Consolas" panose="020B0609020204030204" pitchFamily="49" charset="0"/>
+                <a:cs typeface="Consolas" panose="020B0609020204030204" pitchFamily="49" charset="0"/>
+              </a:rPr>
+              <a:t>UnitPrice</a:t>
+            </a:r>
+            <a:r>
+              <a:rPr lang="en-US" sz="2000" dirty="0">
+                <a:latin typeface="Consolas" panose="020B0609020204030204" pitchFamily="49" charset="0"/>
+                <a:cs typeface="Consolas" panose="020B0609020204030204" pitchFamily="49" charset="0"/>
+              </a:rPr>
+              <a:t>]</a:t>
+            </a:r>
+          </a:p>
+        </p:txBody>
+      </p:sp>
+      <p:pic>
+        <p:nvPicPr>
+          <p:cNvPr id="6" name="Picture 5">
+            <a:extLst>
+              <a:ext uri="{FF2B5EF4-FFF2-40B4-BE49-F238E27FC236}">
+                <a16:creationId xmlns:a16="http://schemas.microsoft.com/office/drawing/2014/main" id="{B22F27FC-411C-6B43-B250-1762BECEAD5C}"/>
+              </a:ext>
+            </a:extLst>
+          </p:cNvPr>
+          <p:cNvPicPr>
+            <a:picLocks noChangeAspect="1"/>
+          </p:cNvPicPr>
+          <p:nvPr/>
+        </p:nvPicPr>
+        <p:blipFill>
+          <a:blip r:embed="rId2"/>
+          <a:stretch>
+            <a:fillRect/>
+          </a:stretch>
+        </p:blipFill>
+        <p:spPr>
+          <a:xfrm>
+            <a:off x="8062843" y="-67504"/>
+            <a:ext cx="4053946" cy="1940719"/>
+          </a:xfrm>
+          <a:prstGeom prst="rect">
+            <a:avLst/>
+          </a:prstGeom>
+        </p:spPr>
+      </p:pic>
+      <p:sp>
+        <p:nvSpPr>
+          <p:cNvPr id="7" name="TextBox 6">
+            <a:extLst>
+              <a:ext uri="{FF2B5EF4-FFF2-40B4-BE49-F238E27FC236}">
+                <a16:creationId xmlns:a16="http://schemas.microsoft.com/office/drawing/2014/main" id="{9B9EF68A-E50F-4B46-A1DD-F11241D55FE6}"/>
+              </a:ext>
+            </a:extLst>
+          </p:cNvPr>
+          <p:cNvSpPr txBox="1"/>
+          <p:nvPr/>
+        </p:nvSpPr>
+        <p:spPr>
+          <a:xfrm>
+            <a:off x="0" y="6492875"/>
+            <a:ext cx="2813591" cy="369332"/>
+          </a:xfrm>
+          <a:prstGeom prst="rect">
+            <a:avLst/>
+          </a:prstGeom>
+          <a:noFill/>
+        </p:spPr>
+        <p:txBody>
+          <a:bodyPr wrap="none" rtlCol="0">
+            <a:spAutoFit/>
+          </a:bodyPr>
+          <a:lstStyle/>
+          <a:p>
+            <a:r>
+              <a:rPr lang="en-US" dirty="0">
+                <a:hlinkClick r:id="rId3"/>
+              </a:rPr>
+              <a:t>Experiment in </a:t>
+            </a:r>
+            <a:r>
+              <a:rPr lang="en-US" dirty="0" err="1">
+                <a:hlinkClick r:id="rId3"/>
+              </a:rPr>
+              <a:t>pythontutor</a:t>
+            </a:r>
+            <a:endParaRPr lang="en-US" dirty="0"/>
+          </a:p>
+        </p:txBody>
+      </p:sp>
+      <p:sp>
+        <p:nvSpPr>
+          <p:cNvPr id="8" name="TextBox 7">
+            <a:extLst>
+              <a:ext uri="{FF2B5EF4-FFF2-40B4-BE49-F238E27FC236}">
+                <a16:creationId xmlns:a16="http://schemas.microsoft.com/office/drawing/2014/main" id="{454516A2-C816-6F49-ADE9-2F4860CB6F4B}"/>
+              </a:ext>
+            </a:extLst>
+          </p:cNvPr>
+          <p:cNvSpPr txBox="1"/>
+          <p:nvPr/>
+        </p:nvSpPr>
+        <p:spPr>
+          <a:xfrm>
+            <a:off x="8310673" y="4018964"/>
+            <a:ext cx="3099449" cy="1015663"/>
+          </a:xfrm>
+          <a:prstGeom prst="rect">
+            <a:avLst/>
+          </a:prstGeom>
+          <a:noFill/>
+        </p:spPr>
+        <p:txBody>
+          <a:bodyPr wrap="square" rtlCol="0">
+            <a:spAutoFit/>
+          </a:bodyPr>
+          <a:lstStyle/>
+          <a:p>
+            <a:r>
+              <a:rPr lang="en-US" sz="2000" dirty="0"/>
+              <a:t>Be able to reverse this, going from code to pattern!</a:t>
+            </a:r>
+          </a:p>
+        </p:txBody>
+      </p:sp>
+    </p:spTree>
+    <p:extLst>
+      <p:ext uri="{BB962C8B-B14F-4D97-AF65-F5344CB8AC3E}">
+        <p14:creationId xmlns:p14="http://schemas.microsoft.com/office/powerpoint/2010/main" val="3193159742"/>
+      </p:ext>
+    </p:extLst>
+  </p:cSld>
+  <p:clrMapOvr>
+    <a:masterClrMapping/>
+  </p:clrMapOvr>
+</p:sld>
+</file>
+
+<file path=ppt/slides/slide13.xml><?xml version="1.0" encoding="utf-8"?>
+<p:sld xmlns:a="http://schemas.openxmlformats.org/drawingml/2006/main" xmlns:r="http://schemas.openxmlformats.org/officeDocument/2006/relationships" xmlns:p="http://schemas.openxmlformats.org/presentationml/2006/main">
+  <p:cSld>
+    <p:spTree>
+      <p:nvGrpSpPr>
+        <p:cNvPr id="1" name=""/>
+        <p:cNvGrpSpPr/>
+        <p:nvPr/>
+      </p:nvGrpSpPr>
+      <p:grpSpPr>
+        <a:xfrm>
+          <a:off x="0" y="0"/>
+          <a:ext cx="0" cy="0"/>
+          <a:chOff x="0" y="0"/>
+          <a:chExt cx="0" cy="0"/>
+        </a:xfrm>
+      </p:grpSpPr>
+      <p:sp>
+        <p:nvSpPr>
+          <p:cNvPr id="2" name="Title 1">
+            <a:extLst>
+              <a:ext uri="{FF2B5EF4-FFF2-40B4-BE49-F238E27FC236}">
+                <a16:creationId xmlns:a16="http://schemas.microsoft.com/office/drawing/2014/main" id="{B06851FF-B91E-0E4D-BA4B-423822733F53}"/>
+              </a:ext>
+            </a:extLst>
+          </p:cNvPr>
+          <p:cNvSpPr>
+            <a:spLocks noGrp="1"/>
+          </p:cNvSpPr>
+          <p:nvPr>
+            <p:ph type="title"/>
+          </p:nvPr>
+        </p:nvSpPr>
+        <p:spPr/>
+        <p:txBody>
+          <a:bodyPr/>
+          <a:lstStyle/>
+          <a:p>
+            <a:r>
+              <a:rPr lang="en-US" dirty="0"/>
               <a:t>Combine</a:t>
             </a:r>
           </a:p>
         </p:txBody>
       </p:sp>
-      <mc:AlternateContent xmlns:mc="http://schemas.openxmlformats.org/markup-compatibility/2006">
-        <mc:Choice xmlns:a14="http://schemas.microsoft.com/office/drawing/2010/main" Requires="a14">
+      <mc:AlternateContent xmlns:mc="http://schemas.openxmlformats.org/markup-compatibility/2006" xmlns:a14="http://schemas.microsoft.com/office/drawing/2010/main">
+        <mc:Choice Requires="a14">
           <p:sp>
             <p:nvSpPr>
               <p:cNvPr id="3" name="Content Placeholder 2">
@@ -4817,7 +4901,7 @@
             </p:txBody>
           </p:sp>
         </mc:Choice>
-        <mc:Fallback>
+        <mc:Fallback xmlns="">
           <p:sp>
             <p:nvSpPr>
               <p:cNvPr id="3" name="Content Placeholder 2">
@@ -5204,468 +5288,6 @@
 </p:sld>
 </file>
 
-<file path=ppt/slides/slide13.xml><?xml version="1.0" encoding="utf-8"?>
-<p:sld xmlns:a="http://schemas.openxmlformats.org/drawingml/2006/main" xmlns:r="http://schemas.openxmlformats.org/officeDocument/2006/relationships" xmlns:p="http://schemas.openxmlformats.org/presentationml/2006/main">
-  <p:cSld>
-    <p:spTree>
-      <p:nvGrpSpPr>
-        <p:cNvPr id="1" name=""/>
-        <p:cNvGrpSpPr/>
-        <p:nvPr/>
-      </p:nvGrpSpPr>
-      <p:grpSpPr>
-        <a:xfrm>
-          <a:off x="0" y="0"/>
-          <a:ext cx="0" cy="0"/>
-          <a:chOff x="0" y="0"/>
-          <a:chExt cx="0" cy="0"/>
-        </a:xfrm>
-      </p:grpSpPr>
-      <p:sp>
-        <p:nvSpPr>
-          <p:cNvPr id="2" name="Title 1">
-            <a:extLst>
-              <a:ext uri="{FF2B5EF4-FFF2-40B4-BE49-F238E27FC236}">
-                <a16:creationId xmlns:a16="http://schemas.microsoft.com/office/drawing/2014/main" id="{1ADB2C40-C55C-1540-98C3-15D4C59BA925}"/>
-              </a:ext>
-            </a:extLst>
-          </p:cNvPr>
-          <p:cNvSpPr>
-            <a:spLocks noGrp="1"/>
-          </p:cNvSpPr>
-          <p:nvPr>
-            <p:ph type="title"/>
-          </p:nvPr>
-        </p:nvSpPr>
-        <p:spPr>
-          <a:xfrm>
-            <a:off x="838200" y="365126"/>
-            <a:ext cx="10515600" cy="614928"/>
-          </a:xfrm>
-        </p:spPr>
-        <p:txBody>
-          <a:bodyPr>
-            <a:normAutofit fontScale="90000"/>
-          </a:bodyPr>
-          <a:lstStyle/>
-          <a:p>
-            <a:r>
-              <a:rPr lang="en-US" dirty="0"/>
-              <a:t>Split</a:t>
-            </a:r>
-          </a:p>
-        </p:txBody>
-      </p:sp>
-      <p:sp>
-        <p:nvSpPr>
-          <p:cNvPr id="3" name="Content Placeholder 2">
-            <a:extLst>
-              <a:ext uri="{FF2B5EF4-FFF2-40B4-BE49-F238E27FC236}">
-                <a16:creationId xmlns:a16="http://schemas.microsoft.com/office/drawing/2014/main" id="{F8DA4FD9-F7CF-5749-AEDD-936BB073C96A}"/>
-              </a:ext>
-            </a:extLst>
-          </p:cNvPr>
-          <p:cNvSpPr>
-            <a:spLocks noGrp="1"/>
-          </p:cNvSpPr>
-          <p:nvPr>
-            <p:ph idx="1"/>
-          </p:nvPr>
-        </p:nvSpPr>
-        <p:spPr>
-          <a:xfrm>
-            <a:off x="838200" y="1212574"/>
-            <a:ext cx="10515600" cy="4964389"/>
-          </a:xfrm>
-        </p:spPr>
-        <p:txBody>
-          <a:bodyPr/>
-          <a:lstStyle/>
-          <a:p>
-            <a:r>
-              <a:rPr lang="en-US" dirty="0"/>
-              <a:t>The opposite of combining is splitting where we split a stream into two or more new streams</a:t>
-            </a:r>
-          </a:p>
-          <a:p>
-            <a:r>
-              <a:rPr lang="en-US" dirty="0"/>
-              <a:t>Example: split list of full names into their first and last names</a:t>
-            </a:r>
-          </a:p>
-        </p:txBody>
-      </p:sp>
-      <p:pic>
-        <p:nvPicPr>
-          <p:cNvPr id="1026" name="Picture 2">
-            <a:extLst>
-              <a:ext uri="{FF2B5EF4-FFF2-40B4-BE49-F238E27FC236}">
-                <a16:creationId xmlns:a16="http://schemas.microsoft.com/office/drawing/2014/main" id="{1DB79D85-B4E6-2B4A-8EF8-967A041B11A1}"/>
-              </a:ext>
-            </a:extLst>
-          </p:cNvPr>
-          <p:cNvPicPr>
-            <a:picLocks noChangeAspect="1" noChangeArrowheads="1"/>
-          </p:cNvPicPr>
-          <p:nvPr/>
-        </p:nvPicPr>
-        <p:blipFill>
-          <a:blip r:embed="rId2">
-            <a:extLst>
-              <a:ext uri="{28A0092B-C50C-407E-A947-70E740481C1C}">
-                <a14:useLocalDpi xmlns:a14="http://schemas.microsoft.com/office/drawing/2010/main" val="0"/>
-              </a:ext>
-            </a:extLst>
-          </a:blip>
-          <a:srcRect/>
-          <a:stretch>
-            <a:fillRect/>
-          </a:stretch>
-        </p:blipFill>
-        <p:spPr bwMode="auto">
-          <a:xfrm>
-            <a:off x="7424489" y="4037444"/>
-            <a:ext cx="2530413" cy="1694473"/>
-          </a:xfrm>
-          <a:prstGeom prst="rect">
-            <a:avLst/>
-          </a:prstGeom>
-          <a:noFill/>
-          <a:extLst>
-            <a:ext uri="{909E8E84-426E-40DD-AFC4-6F175D3DCCD1}">
-              <a14:hiddenFill xmlns:a14="http://schemas.microsoft.com/office/drawing/2010/main">
-                <a:solidFill>
-                  <a:srgbClr val="FFFFFF"/>
-                </a:solidFill>
-              </a14:hiddenFill>
-            </a:ext>
-          </a:extLst>
-        </p:spPr>
-      </p:pic>
-      <p:pic>
-        <p:nvPicPr>
-          <p:cNvPr id="1028" name="Picture 4">
-            <a:extLst>
-              <a:ext uri="{FF2B5EF4-FFF2-40B4-BE49-F238E27FC236}">
-                <a16:creationId xmlns:a16="http://schemas.microsoft.com/office/drawing/2014/main" id="{171500BA-73F7-0E47-9E14-78D0518FA552}"/>
-              </a:ext>
-            </a:extLst>
-          </p:cNvPr>
-          <p:cNvPicPr>
-            <a:picLocks noChangeAspect="1" noChangeArrowheads="1"/>
-          </p:cNvPicPr>
-          <p:nvPr/>
-        </p:nvPicPr>
-        <p:blipFill>
-          <a:blip r:embed="rId3">
-            <a:extLst>
-              <a:ext uri="{28A0092B-C50C-407E-A947-70E740481C1C}">
-                <a14:useLocalDpi xmlns:a14="http://schemas.microsoft.com/office/drawing/2010/main" val="0"/>
-              </a:ext>
-            </a:extLst>
-          </a:blip>
-          <a:srcRect/>
-          <a:stretch>
-            <a:fillRect/>
-          </a:stretch>
-        </p:blipFill>
-        <p:spPr bwMode="auto">
-          <a:xfrm>
-            <a:off x="10133359" y="4037444"/>
-            <a:ext cx="1788341" cy="1906998"/>
-          </a:xfrm>
-          <a:prstGeom prst="rect">
-            <a:avLst/>
-          </a:prstGeom>
-          <a:noFill/>
-          <a:extLst>
-            <a:ext uri="{909E8E84-426E-40DD-AFC4-6F175D3DCCD1}">
-              <a14:hiddenFill xmlns:a14="http://schemas.microsoft.com/office/drawing/2010/main">
-                <a:solidFill>
-                  <a:srgbClr val="FFFFFF"/>
-                </a:solidFill>
-              </a14:hiddenFill>
-            </a:ext>
-          </a:extLst>
-        </p:spPr>
-      </p:pic>
-      <p:sp>
-        <p:nvSpPr>
-          <p:cNvPr id="4" name="TextBox 3">
-            <a:extLst>
-              <a:ext uri="{FF2B5EF4-FFF2-40B4-BE49-F238E27FC236}">
-                <a16:creationId xmlns:a16="http://schemas.microsoft.com/office/drawing/2014/main" id="{C56FAEEC-04DA-3946-93BB-674F474F4D36}"/>
-              </a:ext>
-            </a:extLst>
-          </p:cNvPr>
-          <p:cNvSpPr txBox="1"/>
-          <p:nvPr/>
-        </p:nvSpPr>
-        <p:spPr>
-          <a:xfrm>
-            <a:off x="0" y="6488668"/>
-            <a:ext cx="2813591" cy="369332"/>
-          </a:xfrm>
-          <a:prstGeom prst="rect">
-            <a:avLst/>
-          </a:prstGeom>
-          <a:noFill/>
-        </p:spPr>
-        <p:txBody>
-          <a:bodyPr wrap="none" rtlCol="0">
-            <a:spAutoFit/>
-          </a:bodyPr>
-          <a:lstStyle/>
-          <a:p>
-            <a:r>
-              <a:rPr lang="en-US" dirty="0">
-                <a:hlinkClick r:id="rId4"/>
-              </a:rPr>
-              <a:t>Experiment in </a:t>
-            </a:r>
-            <a:r>
-              <a:rPr lang="en-US" dirty="0" err="1">
-                <a:hlinkClick r:id="rId4"/>
-              </a:rPr>
-              <a:t>pythontutor</a:t>
-            </a:r>
-            <a:endParaRPr lang="en-US" dirty="0"/>
-          </a:p>
-        </p:txBody>
-      </p:sp>
-      <p:sp>
-        <p:nvSpPr>
-          <p:cNvPr id="5" name="TextBox 4">
-            <a:extLst>
-              <a:ext uri="{FF2B5EF4-FFF2-40B4-BE49-F238E27FC236}">
-                <a16:creationId xmlns:a16="http://schemas.microsoft.com/office/drawing/2014/main" id="{9C937EFD-562A-C24D-82CF-876BF7D9AE4E}"/>
-              </a:ext>
-            </a:extLst>
-          </p:cNvPr>
-          <p:cNvSpPr txBox="1"/>
-          <p:nvPr/>
-        </p:nvSpPr>
-        <p:spPr>
-          <a:xfrm>
-            <a:off x="1061645" y="2854940"/>
-            <a:ext cx="9071714" cy="3477875"/>
-          </a:xfrm>
-          <a:prstGeom prst="rect">
-            <a:avLst/>
-          </a:prstGeom>
-          <a:noFill/>
-        </p:spPr>
-        <p:txBody>
-          <a:bodyPr wrap="none" rtlCol="0">
-            <a:spAutoFit/>
-          </a:bodyPr>
-          <a:lstStyle/>
-          <a:p>
-            <a:r>
-              <a:rPr lang="en-US" sz="2000" dirty="0">
-                <a:latin typeface="Consolas" panose="020B0609020204030204" pitchFamily="49" charset="0"/>
-                <a:cs typeface="Consolas" panose="020B0609020204030204" pitchFamily="49" charset="0"/>
-              </a:rPr>
-              <a:t>names = ['Terence Parr', 'Diane Woodbridge', '</a:t>
-            </a:r>
-            <a:r>
-              <a:rPr lang="en-US" sz="2000" dirty="0" err="1">
-                <a:latin typeface="Consolas" panose="020B0609020204030204" pitchFamily="49" charset="0"/>
-                <a:cs typeface="Consolas" panose="020B0609020204030204" pitchFamily="49" charset="0"/>
-              </a:rPr>
-              <a:t>Yannet</a:t>
-            </a:r>
-            <a:r>
-              <a:rPr lang="en-US" sz="2000" dirty="0">
-                <a:latin typeface="Consolas" panose="020B0609020204030204" pitchFamily="49" charset="0"/>
-                <a:cs typeface="Consolas" panose="020B0609020204030204" pitchFamily="49" charset="0"/>
-              </a:rPr>
-              <a:t> </a:t>
-            </a:r>
-            <a:r>
-              <a:rPr lang="en-US" sz="2000" dirty="0" err="1">
-                <a:latin typeface="Consolas" panose="020B0609020204030204" pitchFamily="49" charset="0"/>
-                <a:cs typeface="Consolas" panose="020B0609020204030204" pitchFamily="49" charset="0"/>
-              </a:rPr>
-              <a:t>Interian</a:t>
-            </a:r>
-            <a:r>
-              <a:rPr lang="en-US" sz="2000" dirty="0">
-                <a:latin typeface="Consolas" panose="020B0609020204030204" pitchFamily="49" charset="0"/>
-                <a:cs typeface="Consolas" panose="020B0609020204030204" pitchFamily="49" charset="0"/>
-              </a:rPr>
-              <a:t>']</a:t>
-            </a:r>
-          </a:p>
-          <a:p>
-            <a:r>
-              <a:rPr lang="en-US" sz="2000" dirty="0">
-                <a:latin typeface="Consolas" panose="020B0609020204030204" pitchFamily="49" charset="0"/>
-                <a:cs typeface="Consolas" panose="020B0609020204030204" pitchFamily="49" charset="0"/>
-              </a:rPr>
-              <a:t>for name in names:</a:t>
-            </a:r>
-          </a:p>
-          <a:p>
-            <a:r>
-              <a:rPr lang="en-US" sz="2000" dirty="0">
-                <a:latin typeface="Consolas" panose="020B0609020204030204" pitchFamily="49" charset="0"/>
-                <a:cs typeface="Consolas" panose="020B0609020204030204" pitchFamily="49" charset="0"/>
-              </a:rPr>
-              <a:t>    print(</a:t>
-            </a:r>
-            <a:r>
-              <a:rPr lang="en-US" sz="2000" dirty="0" err="1">
-                <a:latin typeface="Consolas" panose="020B0609020204030204" pitchFamily="49" charset="0"/>
-                <a:cs typeface="Consolas" panose="020B0609020204030204" pitchFamily="49" charset="0"/>
-              </a:rPr>
-              <a:t>name.split</a:t>
-            </a:r>
-            <a:r>
-              <a:rPr lang="en-US" sz="2000" dirty="0">
-                <a:latin typeface="Consolas" panose="020B0609020204030204" pitchFamily="49" charset="0"/>
-                <a:cs typeface="Consolas" panose="020B0609020204030204" pitchFamily="49" charset="0"/>
-              </a:rPr>
-              <a:t>())</a:t>
-            </a:r>
-          </a:p>
-          <a:p>
-            <a:endParaRPr lang="en-US" sz="2000" dirty="0">
-              <a:latin typeface="Consolas" panose="020B0609020204030204" pitchFamily="49" charset="0"/>
-              <a:cs typeface="Consolas" panose="020B0609020204030204" pitchFamily="49" charset="0"/>
-            </a:endParaRPr>
-          </a:p>
-          <a:p>
-            <a:r>
-              <a:rPr lang="en-US" sz="2000" dirty="0">
-                <a:latin typeface="Consolas" panose="020B0609020204030204" pitchFamily="49" charset="0"/>
-                <a:cs typeface="Consolas" panose="020B0609020204030204" pitchFamily="49" charset="0"/>
-              </a:rPr>
-              <a:t>first = []</a:t>
-            </a:r>
-          </a:p>
-          <a:p>
-            <a:r>
-              <a:rPr lang="en-US" sz="2000" dirty="0">
-                <a:latin typeface="Consolas" panose="020B0609020204030204" pitchFamily="49" charset="0"/>
-                <a:cs typeface="Consolas" panose="020B0609020204030204" pitchFamily="49" charset="0"/>
-              </a:rPr>
-              <a:t>last = []</a:t>
-            </a:r>
-          </a:p>
-          <a:p>
-            <a:r>
-              <a:rPr lang="en-US" sz="2000" dirty="0">
-                <a:latin typeface="Consolas" panose="020B0609020204030204" pitchFamily="49" charset="0"/>
-                <a:cs typeface="Consolas" panose="020B0609020204030204" pitchFamily="49" charset="0"/>
-              </a:rPr>
-              <a:t>for name in names:</a:t>
-            </a:r>
-          </a:p>
-          <a:p>
-            <a:r>
-              <a:rPr lang="en-US" sz="2000" dirty="0">
-                <a:latin typeface="Consolas" panose="020B0609020204030204" pitchFamily="49" charset="0"/>
-                <a:cs typeface="Consolas" panose="020B0609020204030204" pitchFamily="49" charset="0"/>
-              </a:rPr>
-              <a:t>    </a:t>
-            </a:r>
-            <a:r>
-              <a:rPr lang="en-US" sz="2000" dirty="0" err="1">
-                <a:latin typeface="Consolas" panose="020B0609020204030204" pitchFamily="49" charset="0"/>
-                <a:cs typeface="Consolas" panose="020B0609020204030204" pitchFamily="49" charset="0"/>
-              </a:rPr>
-              <a:t>f,l</a:t>
-            </a:r>
-            <a:r>
-              <a:rPr lang="en-US" sz="2000" dirty="0">
-                <a:latin typeface="Consolas" panose="020B0609020204030204" pitchFamily="49" charset="0"/>
-                <a:cs typeface="Consolas" panose="020B0609020204030204" pitchFamily="49" charset="0"/>
-              </a:rPr>
-              <a:t> = </a:t>
-            </a:r>
-            <a:r>
-              <a:rPr lang="en-US" sz="2000" dirty="0" err="1">
-                <a:latin typeface="Consolas" panose="020B0609020204030204" pitchFamily="49" charset="0"/>
-                <a:cs typeface="Consolas" panose="020B0609020204030204" pitchFamily="49" charset="0"/>
-              </a:rPr>
-              <a:t>name.split</a:t>
-            </a:r>
-            <a:r>
-              <a:rPr lang="en-US" sz="2000" dirty="0">
-                <a:latin typeface="Consolas" panose="020B0609020204030204" pitchFamily="49" charset="0"/>
-                <a:cs typeface="Consolas" panose="020B0609020204030204" pitchFamily="49" charset="0"/>
-              </a:rPr>
-              <a:t>()</a:t>
-            </a:r>
-          </a:p>
-          <a:p>
-            <a:r>
-              <a:rPr lang="en-US" sz="2000" dirty="0">
-                <a:latin typeface="Consolas" panose="020B0609020204030204" pitchFamily="49" charset="0"/>
-                <a:cs typeface="Consolas" panose="020B0609020204030204" pitchFamily="49" charset="0"/>
-              </a:rPr>
-              <a:t>    </a:t>
-            </a:r>
-            <a:r>
-              <a:rPr lang="en-US" sz="2000" dirty="0" err="1">
-                <a:latin typeface="Consolas" panose="020B0609020204030204" pitchFamily="49" charset="0"/>
-                <a:cs typeface="Consolas" panose="020B0609020204030204" pitchFamily="49" charset="0"/>
-              </a:rPr>
-              <a:t>first.append</a:t>
-            </a:r>
-            <a:r>
-              <a:rPr lang="en-US" sz="2000" dirty="0">
-                <a:latin typeface="Consolas" panose="020B0609020204030204" pitchFamily="49" charset="0"/>
-                <a:cs typeface="Consolas" panose="020B0609020204030204" pitchFamily="49" charset="0"/>
-              </a:rPr>
-              <a:t>(f)</a:t>
-            </a:r>
-          </a:p>
-          <a:p>
-            <a:r>
-              <a:rPr lang="en-US" sz="2000" dirty="0">
-                <a:latin typeface="Consolas" panose="020B0609020204030204" pitchFamily="49" charset="0"/>
-                <a:cs typeface="Consolas" panose="020B0609020204030204" pitchFamily="49" charset="0"/>
-              </a:rPr>
-              <a:t>    </a:t>
-            </a:r>
-            <a:r>
-              <a:rPr lang="en-US" sz="2000" dirty="0" err="1">
-                <a:latin typeface="Consolas" panose="020B0609020204030204" pitchFamily="49" charset="0"/>
-                <a:cs typeface="Consolas" panose="020B0609020204030204" pitchFamily="49" charset="0"/>
-              </a:rPr>
-              <a:t>last.append</a:t>
-            </a:r>
-            <a:r>
-              <a:rPr lang="en-US" sz="2000" dirty="0">
-                <a:latin typeface="Consolas" panose="020B0609020204030204" pitchFamily="49" charset="0"/>
-                <a:cs typeface="Consolas" panose="020B0609020204030204" pitchFamily="49" charset="0"/>
-              </a:rPr>
-              <a:t>(l)</a:t>
-            </a:r>
-          </a:p>
-          <a:p>
-            <a:endParaRPr lang="en-US" sz="2000" dirty="0">
-              <a:latin typeface="Consolas" panose="020B0609020204030204" pitchFamily="49" charset="0"/>
-              <a:cs typeface="Consolas" panose="020B0609020204030204" pitchFamily="49" charset="0"/>
-            </a:endParaRPr>
-          </a:p>
-        </p:txBody>
-      </p:sp>
-    </p:spTree>
-    <p:extLst>
-      <p:ext uri="{BB962C8B-B14F-4D97-AF65-F5344CB8AC3E}">
-        <p14:creationId xmlns:p14="http://schemas.microsoft.com/office/powerpoint/2010/main" val="4053085584"/>
-      </p:ext>
-    </p:extLst>
-  </p:cSld>
-  <p:clrMapOvr>
-    <a:masterClrMapping/>
-  </p:clrMapOvr>
-</p:sld>
-</file>
-
 <file path=ppt/slides/slide14.xml><?xml version="1.0" encoding="utf-8"?>
 <p:sld xmlns:a="http://schemas.openxmlformats.org/drawingml/2006/main" xmlns:r="http://schemas.openxmlformats.org/officeDocument/2006/relationships" xmlns:p="http://schemas.openxmlformats.org/presentationml/2006/main">
   <p:cSld>
@@ -5688,7 +5310,7 @@
           <p:cNvPr id="2" name="Title 1">
             <a:extLst>
               <a:ext uri="{FF2B5EF4-FFF2-40B4-BE49-F238E27FC236}">
-                <a16:creationId xmlns:a16="http://schemas.microsoft.com/office/drawing/2014/main" id="{C1D28A1B-2C67-A540-ACE7-7886108CFDF7}"/>
+                <a16:creationId xmlns:a16="http://schemas.microsoft.com/office/drawing/2014/main" id="{1ADB2C40-C55C-1540-98C3-15D4C59BA925}"/>
               </a:ext>
             </a:extLst>
           </p:cNvPr>
@@ -5699,14 +5321,21 @@
             <p:ph type="title"/>
           </p:nvPr>
         </p:nvSpPr>
-        <p:spPr/>
-        <p:txBody>
-          <a:bodyPr/>
+        <p:spPr>
+          <a:xfrm>
+            <a:off x="838200" y="365126"/>
+            <a:ext cx="10515600" cy="614928"/>
+          </a:xfrm>
+        </p:spPr>
+        <p:txBody>
+          <a:bodyPr>
+            <a:normAutofit fontScale="90000"/>
+          </a:bodyPr>
           <a:lstStyle/>
           <a:p>
             <a:r>
               <a:rPr lang="en-US" dirty="0"/>
-              <a:t>Slice a list (or string)</a:t>
+              <a:t>Split</a:t>
             </a:r>
           </a:p>
         </p:txBody>
@@ -5716,7 +5345,7 @@
           <p:cNvPr id="3" name="Content Placeholder 2">
             <a:extLst>
               <a:ext uri="{FF2B5EF4-FFF2-40B4-BE49-F238E27FC236}">
-                <a16:creationId xmlns:a16="http://schemas.microsoft.com/office/drawing/2014/main" id="{9208EBF0-6D21-3D48-BBB2-B8343D96DE87}"/>
+                <a16:creationId xmlns:a16="http://schemas.microsoft.com/office/drawing/2014/main" id="{F8DA4FD9-F7CF-5749-AEDD-936BB073C96A}"/>
               </a:ext>
             </a:extLst>
           </p:cNvPr>
@@ -5727,366 +5356,129 @@
             <p:ph idx="1"/>
           </p:nvPr>
         </p:nvSpPr>
-        <p:spPr/>
+        <p:spPr>
+          <a:xfrm>
+            <a:off x="838200" y="1212574"/>
+            <a:ext cx="10515600" cy="4964389"/>
+          </a:xfrm>
+        </p:spPr>
         <p:txBody>
           <a:bodyPr/>
           <a:lstStyle/>
           <a:p>
             <a:r>
               <a:rPr lang="en-US" dirty="0"/>
-              <a:t>Some operations yield subsets of the data, such as slice, which extracts a subset of a list (that fits in memory)</a:t>
+              <a:t>The opposite of combining is splitting where we split a stream into two or more new streams</a:t>
             </a:r>
           </a:p>
           <a:p>
             <a:r>
               <a:rPr lang="en-US" dirty="0"/>
-              <a:t>Syntax is </a:t>
-            </a:r>
-            <a:r>
-              <a:rPr lang="en-US" b="1" dirty="0"/>
-              <a:t>A[</a:t>
-            </a:r>
-            <a:r>
-              <a:rPr lang="en-US" b="1" dirty="0" err="1"/>
-              <a:t>begin:end</a:t>
-            </a:r>
-            <a:r>
-              <a:rPr lang="en-US" b="1" dirty="0"/>
-              <a:t>] </a:t>
-            </a:r>
-            <a:r>
-              <a:rPr lang="en-US" dirty="0"/>
-              <a:t>where </a:t>
-            </a:r>
-            <a:r>
-              <a:rPr lang="en-US" b="1" dirty="0"/>
-              <a:t>begin</a:t>
-            </a:r>
-            <a:r>
-              <a:rPr lang="en-US" dirty="0"/>
-              <a:t> is inclusive and </a:t>
-            </a:r>
-            <a:r>
-              <a:rPr lang="en-US" b="1" dirty="0"/>
-              <a:t>end</a:t>
-            </a:r>
-            <a:r>
-              <a:rPr lang="en-US" dirty="0"/>
-              <a:t> is not</a:t>
-            </a:r>
-          </a:p>
-          <a:p>
-            <a:endParaRPr lang="en-US" dirty="0"/>
-          </a:p>
-        </p:txBody>
-      </p:sp>
-      <p:sp>
-        <p:nvSpPr>
-          <p:cNvPr id="5" name="TextBox 4">
-            <a:extLst>
-              <a:ext uri="{FF2B5EF4-FFF2-40B4-BE49-F238E27FC236}">
-                <a16:creationId xmlns:a16="http://schemas.microsoft.com/office/drawing/2014/main" id="{3F28D277-1364-F84D-AA3E-90F8755C218F}"/>
-              </a:ext>
-            </a:extLst>
-          </p:cNvPr>
-          <p:cNvSpPr txBox="1"/>
+              <a:t>Example: split list of full names into their first and last names</a:t>
+            </a:r>
+          </a:p>
+        </p:txBody>
+      </p:sp>
+      <p:pic>
+        <p:nvPicPr>
+          <p:cNvPr id="1026" name="Picture 2">
+            <a:extLst>
+              <a:ext uri="{FF2B5EF4-FFF2-40B4-BE49-F238E27FC236}">
+                <a16:creationId xmlns:a16="http://schemas.microsoft.com/office/drawing/2014/main" id="{1DB79D85-B4E6-2B4A-8EF8-967A041B11A1}"/>
+              </a:ext>
+            </a:extLst>
+          </p:cNvPr>
+          <p:cNvPicPr>
+            <a:picLocks noChangeAspect="1" noChangeArrowheads="1"/>
+          </p:cNvPicPr>
           <p:nvPr/>
-        </p:nvSpPr>
-        <p:spPr>
-          <a:xfrm>
-            <a:off x="1867711" y="3570051"/>
-            <a:ext cx="4134465" cy="2554545"/>
+        </p:nvPicPr>
+        <p:blipFill>
+          <a:blip r:embed="rId2">
+            <a:extLst>
+              <a:ext uri="{28A0092B-C50C-407E-A947-70E740481C1C}">
+                <a14:useLocalDpi xmlns:a14="http://schemas.microsoft.com/office/drawing/2010/main" val="0"/>
+              </a:ext>
+            </a:extLst>
+          </a:blip>
+          <a:srcRect/>
+          <a:stretch>
+            <a:fillRect/>
+          </a:stretch>
+        </p:blipFill>
+        <p:spPr bwMode="auto">
+          <a:xfrm>
+            <a:off x="7424489" y="4037444"/>
+            <a:ext cx="2530413" cy="1694473"/>
           </a:xfrm>
           <a:prstGeom prst="rect">
             <a:avLst/>
           </a:prstGeom>
           <a:noFill/>
-        </p:spPr>
-        <p:txBody>
-          <a:bodyPr wrap="none" rtlCol="0">
-            <a:spAutoFit/>
-          </a:bodyPr>
-          <a:lstStyle/>
-          <a:p>
-            <a:r>
-              <a:rPr lang="en-US" sz="2000" dirty="0">
-                <a:latin typeface="Consolas" panose="020B0609020204030204" pitchFamily="49" charset="0"/>
-                <a:cs typeface="Consolas" panose="020B0609020204030204" pitchFamily="49" charset="0"/>
-              </a:rPr>
-              <a:t>names=['</a:t>
-            </a:r>
-            <a:r>
-              <a:rPr lang="en-US" sz="2000" dirty="0" err="1">
-                <a:latin typeface="Consolas" panose="020B0609020204030204" pitchFamily="49" charset="0"/>
-                <a:cs typeface="Consolas" panose="020B0609020204030204" pitchFamily="49" charset="0"/>
-              </a:rPr>
-              <a:t>Xue</a:t>
-            </a:r>
-            <a:r>
-              <a:rPr lang="en-US" sz="2000" dirty="0">
-                <a:latin typeface="Consolas" panose="020B0609020204030204" pitchFamily="49" charset="0"/>
-                <a:cs typeface="Consolas" panose="020B0609020204030204" pitchFamily="49" charset="0"/>
-              </a:rPr>
-              <a:t>', 'Mary', 'Bob']</a:t>
-            </a:r>
-          </a:p>
-          <a:p>
-            <a:r>
-              <a:rPr lang="en-US" sz="2000" dirty="0">
-                <a:latin typeface="Consolas" panose="020B0609020204030204" pitchFamily="49" charset="0"/>
-                <a:cs typeface="Consolas" panose="020B0609020204030204" pitchFamily="49" charset="0"/>
-              </a:rPr>
-              <a:t>print(names[0:1])</a:t>
-            </a:r>
-          </a:p>
-          <a:p>
-            <a:r>
-              <a:rPr lang="en-US" sz="2000" dirty="0">
-                <a:latin typeface="Consolas" panose="020B0609020204030204" pitchFamily="49" charset="0"/>
-                <a:cs typeface="Consolas" panose="020B0609020204030204" pitchFamily="49" charset="0"/>
-              </a:rPr>
-              <a:t>print(names[0:2])</a:t>
-            </a:r>
-          </a:p>
-          <a:p>
-            <a:r>
-              <a:rPr lang="en-US" sz="2000" dirty="0">
-                <a:latin typeface="Consolas" panose="020B0609020204030204" pitchFamily="49" charset="0"/>
-                <a:cs typeface="Consolas" panose="020B0609020204030204" pitchFamily="49" charset="0"/>
-              </a:rPr>
-              <a:t>print(names[0:3])</a:t>
-            </a:r>
-          </a:p>
-          <a:p>
-            <a:r>
-              <a:rPr lang="en-US" sz="2000" dirty="0">
-                <a:latin typeface="Consolas" panose="020B0609020204030204" pitchFamily="49" charset="0"/>
-                <a:cs typeface="Consolas" panose="020B0609020204030204" pitchFamily="49" charset="0"/>
-              </a:rPr>
-              <a:t>print(names[2:3])</a:t>
-            </a:r>
-          </a:p>
-          <a:p>
-            <a:r>
-              <a:rPr lang="en-US" sz="2000" dirty="0">
-                <a:latin typeface="Consolas" panose="020B0609020204030204" pitchFamily="49" charset="0"/>
-                <a:cs typeface="Consolas" panose="020B0609020204030204" pitchFamily="49" charset="0"/>
-              </a:rPr>
-              <a:t>print(names[1:])</a:t>
-            </a:r>
-          </a:p>
-          <a:p>
-            <a:r>
-              <a:rPr lang="en-US" sz="2000" dirty="0">
-                <a:latin typeface="Consolas" panose="020B0609020204030204" pitchFamily="49" charset="0"/>
-                <a:cs typeface="Consolas" panose="020B0609020204030204" pitchFamily="49" charset="0"/>
-              </a:rPr>
-              <a:t>print(names[-1])</a:t>
-            </a:r>
-          </a:p>
-          <a:p>
-            <a:r>
-              <a:rPr lang="en-US" sz="2000" dirty="0">
-                <a:latin typeface="Consolas" panose="020B0609020204030204" pitchFamily="49" charset="0"/>
-                <a:cs typeface="Consolas" panose="020B0609020204030204" pitchFamily="49" charset="0"/>
-              </a:rPr>
-              <a:t>print(names[-2:])</a:t>
-            </a:r>
-          </a:p>
-        </p:txBody>
-      </p:sp>
-      <p:sp>
-        <p:nvSpPr>
-          <p:cNvPr id="6" name="TextBox 5">
-            <a:extLst>
-              <a:ext uri="{FF2B5EF4-FFF2-40B4-BE49-F238E27FC236}">
-                <a16:creationId xmlns:a16="http://schemas.microsoft.com/office/drawing/2014/main" id="{37EA2493-FD70-4840-A1F2-77B1F12897D4}"/>
-              </a:ext>
-            </a:extLst>
-          </p:cNvPr>
-          <p:cNvSpPr txBox="1"/>
+          <a:extLst>
+            <a:ext uri="{909E8E84-426E-40DD-AFC4-6F175D3DCCD1}">
+              <a14:hiddenFill xmlns:a14="http://schemas.microsoft.com/office/drawing/2010/main">
+                <a:solidFill>
+                  <a:srgbClr val="FFFFFF"/>
+                </a:solidFill>
+              </a14:hiddenFill>
+            </a:ext>
+          </a:extLst>
+        </p:spPr>
+      </p:pic>
+      <p:pic>
+        <p:nvPicPr>
+          <p:cNvPr id="1028" name="Picture 4">
+            <a:extLst>
+              <a:ext uri="{FF2B5EF4-FFF2-40B4-BE49-F238E27FC236}">
+                <a16:creationId xmlns:a16="http://schemas.microsoft.com/office/drawing/2014/main" id="{171500BA-73F7-0E47-9E14-78D0518FA552}"/>
+              </a:ext>
+            </a:extLst>
+          </p:cNvPr>
+          <p:cNvPicPr>
+            <a:picLocks noChangeAspect="1" noChangeArrowheads="1"/>
+          </p:cNvPicPr>
           <p:nvPr/>
-        </p:nvSpPr>
-        <p:spPr>
-          <a:xfrm>
-            <a:off x="7480572" y="3877828"/>
-            <a:ext cx="3288080" cy="2246769"/>
+        </p:nvPicPr>
+        <p:blipFill>
+          <a:blip r:embed="rId3">
+            <a:extLst>
+              <a:ext uri="{28A0092B-C50C-407E-A947-70E740481C1C}">
+                <a14:useLocalDpi xmlns:a14="http://schemas.microsoft.com/office/drawing/2010/main" val="0"/>
+              </a:ext>
+            </a:extLst>
+          </a:blip>
+          <a:srcRect/>
+          <a:stretch>
+            <a:fillRect/>
+          </a:stretch>
+        </p:blipFill>
+        <p:spPr bwMode="auto">
+          <a:xfrm>
+            <a:off x="10133359" y="4037444"/>
+            <a:ext cx="1788341" cy="1906998"/>
           </a:xfrm>
           <a:prstGeom prst="rect">
             <a:avLst/>
           </a:prstGeom>
           <a:noFill/>
-        </p:spPr>
-        <p:txBody>
-          <a:bodyPr wrap="none" rtlCol="0">
-            <a:spAutoFit/>
-          </a:bodyPr>
-          <a:lstStyle/>
-          <a:p>
-            <a:r>
-              <a:rPr lang="en-US" sz="2000" dirty="0">
-                <a:latin typeface="Consolas" panose="020B0609020204030204" pitchFamily="49" charset="0"/>
-                <a:cs typeface="Consolas" panose="020B0609020204030204" pitchFamily="49" charset="0"/>
-              </a:rPr>
-              <a:t>['</a:t>
-            </a:r>
-            <a:r>
-              <a:rPr lang="en-US" sz="2000" dirty="0" err="1">
-                <a:latin typeface="Consolas" panose="020B0609020204030204" pitchFamily="49" charset="0"/>
-                <a:cs typeface="Consolas" panose="020B0609020204030204" pitchFamily="49" charset="0"/>
-              </a:rPr>
-              <a:t>Xue</a:t>
-            </a:r>
-            <a:r>
-              <a:rPr lang="en-US" sz="2000" dirty="0">
-                <a:latin typeface="Consolas" panose="020B0609020204030204" pitchFamily="49" charset="0"/>
-                <a:cs typeface="Consolas" panose="020B0609020204030204" pitchFamily="49" charset="0"/>
-              </a:rPr>
-              <a:t>']</a:t>
-            </a:r>
-          </a:p>
-          <a:p>
-            <a:r>
-              <a:rPr lang="en-US" sz="2000" dirty="0">
-                <a:latin typeface="Consolas" panose="020B0609020204030204" pitchFamily="49" charset="0"/>
-                <a:cs typeface="Consolas" panose="020B0609020204030204" pitchFamily="49" charset="0"/>
-              </a:rPr>
-              <a:t>['</a:t>
-            </a:r>
-            <a:r>
-              <a:rPr lang="en-US" sz="2000" dirty="0" err="1">
-                <a:latin typeface="Consolas" panose="020B0609020204030204" pitchFamily="49" charset="0"/>
-                <a:cs typeface="Consolas" panose="020B0609020204030204" pitchFamily="49" charset="0"/>
-              </a:rPr>
-              <a:t>Xue</a:t>
-            </a:r>
-            <a:r>
-              <a:rPr lang="en-US" sz="2000" dirty="0">
-                <a:latin typeface="Consolas" panose="020B0609020204030204" pitchFamily="49" charset="0"/>
-                <a:cs typeface="Consolas" panose="020B0609020204030204" pitchFamily="49" charset="0"/>
-              </a:rPr>
-              <a:t>', 'Mary']</a:t>
-            </a:r>
-          </a:p>
-          <a:p>
-            <a:r>
-              <a:rPr lang="en-US" sz="2000" dirty="0">
-                <a:latin typeface="Consolas" panose="020B0609020204030204" pitchFamily="49" charset="0"/>
-                <a:cs typeface="Consolas" panose="020B0609020204030204" pitchFamily="49" charset="0"/>
-              </a:rPr>
-              <a:t>['</a:t>
-            </a:r>
-            <a:r>
-              <a:rPr lang="en-US" sz="2000" dirty="0" err="1">
-                <a:latin typeface="Consolas" panose="020B0609020204030204" pitchFamily="49" charset="0"/>
-                <a:cs typeface="Consolas" panose="020B0609020204030204" pitchFamily="49" charset="0"/>
-              </a:rPr>
-              <a:t>Xue</a:t>
-            </a:r>
-            <a:r>
-              <a:rPr lang="en-US" sz="2000" dirty="0">
-                <a:latin typeface="Consolas" panose="020B0609020204030204" pitchFamily="49" charset="0"/>
-                <a:cs typeface="Consolas" panose="020B0609020204030204" pitchFamily="49" charset="0"/>
-              </a:rPr>
-              <a:t>', 'Mary', 'Bob']</a:t>
-            </a:r>
-          </a:p>
-          <a:p>
-            <a:r>
-              <a:rPr lang="en-US" sz="2000" dirty="0">
-                <a:latin typeface="Consolas" panose="020B0609020204030204" pitchFamily="49" charset="0"/>
-                <a:cs typeface="Consolas" panose="020B0609020204030204" pitchFamily="49" charset="0"/>
-              </a:rPr>
-              <a:t>['Bob’]</a:t>
-            </a:r>
-          </a:p>
-          <a:p>
-            <a:r>
-              <a:rPr lang="en-US" sz="2000" dirty="0">
-                <a:latin typeface="Consolas" panose="020B0609020204030204" pitchFamily="49" charset="0"/>
-                <a:cs typeface="Consolas" panose="020B0609020204030204" pitchFamily="49" charset="0"/>
-              </a:rPr>
-              <a:t>['Mary', 'Bob']</a:t>
-            </a:r>
-          </a:p>
-          <a:p>
-            <a:r>
-              <a:rPr lang="en-US" sz="2000" dirty="0">
-                <a:latin typeface="Consolas" panose="020B0609020204030204" pitchFamily="49" charset="0"/>
-                <a:cs typeface="Consolas" panose="020B0609020204030204" pitchFamily="49" charset="0"/>
-              </a:rPr>
-              <a:t>Bob</a:t>
-            </a:r>
-          </a:p>
-          <a:p>
-            <a:r>
-              <a:rPr lang="en-US" sz="2000" dirty="0">
-                <a:latin typeface="Consolas" panose="020B0609020204030204" pitchFamily="49" charset="0"/>
-                <a:cs typeface="Consolas" panose="020B0609020204030204" pitchFamily="49" charset="0"/>
-              </a:rPr>
-              <a:t>['Mary', 'Bob']</a:t>
-            </a:r>
-          </a:p>
-        </p:txBody>
-      </p:sp>
-      <p:sp>
-        <p:nvSpPr>
-          <p:cNvPr id="7" name="Right Arrow 6">
-            <a:extLst>
-              <a:ext uri="{FF2B5EF4-FFF2-40B4-BE49-F238E27FC236}">
-                <a16:creationId xmlns:a16="http://schemas.microsoft.com/office/drawing/2014/main" id="{9A6BF060-5BFA-FA45-80D5-0869E08662F8}"/>
-              </a:ext>
-            </a:extLst>
-          </p:cNvPr>
-          <p:cNvSpPr/>
-          <p:nvPr/>
-        </p:nvSpPr>
-        <p:spPr>
-          <a:xfrm>
-            <a:off x="6002176" y="4605007"/>
-            <a:ext cx="978408" cy="484632"/>
-          </a:xfrm>
-          <a:prstGeom prst="rightArrow">
-            <a:avLst/>
-          </a:prstGeom>
-          <a:solidFill>
-            <a:schemeClr val="accent1">
-              <a:lumMod val="40000"/>
-              <a:lumOff val="60000"/>
-            </a:schemeClr>
-          </a:solidFill>
-        </p:spPr>
-        <p:style>
-          <a:lnRef idx="2">
-            <a:schemeClr val="accent1">
-              <a:shade val="50000"/>
-            </a:schemeClr>
-          </a:lnRef>
-          <a:fillRef idx="1">
-            <a:schemeClr val="accent1"/>
-          </a:fillRef>
-          <a:effectRef idx="0">
-            <a:schemeClr val="accent1"/>
-          </a:effectRef>
-          <a:fontRef idx="minor">
-            <a:schemeClr val="lt1"/>
-          </a:fontRef>
-        </p:style>
-        <p:txBody>
-          <a:bodyPr rtlCol="0" anchor="ctr"/>
-          <a:lstStyle/>
-          <a:p>
-            <a:pPr algn="ctr"/>
-            <a:endParaRPr lang="en-US" dirty="0"/>
-          </a:p>
-        </p:txBody>
-      </p:sp>
-      <p:sp>
-        <p:nvSpPr>
-          <p:cNvPr id="8" name="TextBox 7">
-            <a:extLst>
-              <a:ext uri="{FF2B5EF4-FFF2-40B4-BE49-F238E27FC236}">
-                <a16:creationId xmlns:a16="http://schemas.microsoft.com/office/drawing/2014/main" id="{71E30EE4-14FC-BA48-97BE-6AB25DB753A9}"/>
+          <a:extLst>
+            <a:ext uri="{909E8E84-426E-40DD-AFC4-6F175D3DCCD1}">
+              <a14:hiddenFill xmlns:a14="http://schemas.microsoft.com/office/drawing/2010/main">
+                <a:solidFill>
+                  <a:srgbClr val="FFFFFF"/>
+                </a:solidFill>
+              </a14:hiddenFill>
+            </a:ext>
+          </a:extLst>
+        </p:spPr>
+      </p:pic>
+      <p:sp>
+        <p:nvSpPr>
+          <p:cNvPr id="4" name="TextBox 3">
+            <a:extLst>
+              <a:ext uri="{FF2B5EF4-FFF2-40B4-BE49-F238E27FC236}">
+                <a16:creationId xmlns:a16="http://schemas.microsoft.com/office/drawing/2014/main" id="{C56FAEEC-04DA-3946-93BB-674F474F4D36}"/>
               </a:ext>
             </a:extLst>
           </p:cNvPr>
@@ -6111,24 +5503,244 @@
           <a:p>
             <a:r>
               <a:rPr lang="en-US" dirty="0">
-                <a:hlinkClick r:id="rId2"/>
+                <a:hlinkClick r:id="rId4"/>
               </a:rPr>
               <a:t>Experiment in </a:t>
             </a:r>
             <a:r>
               <a:rPr lang="en-US" dirty="0" err="1">
-                <a:hlinkClick r:id="rId2"/>
+                <a:hlinkClick r:id="rId4"/>
               </a:rPr>
               <a:t>pythontutor</a:t>
             </a:r>
             <a:endParaRPr lang="en-US" dirty="0"/>
+          </a:p>
+        </p:txBody>
+      </p:sp>
+      <p:sp>
+        <p:nvSpPr>
+          <p:cNvPr id="5" name="TextBox 4">
+            <a:extLst>
+              <a:ext uri="{FF2B5EF4-FFF2-40B4-BE49-F238E27FC236}">
+                <a16:creationId xmlns:a16="http://schemas.microsoft.com/office/drawing/2014/main" id="{9C937EFD-562A-C24D-82CF-876BF7D9AE4E}"/>
+              </a:ext>
+            </a:extLst>
+          </p:cNvPr>
+          <p:cNvSpPr txBox="1"/>
+          <p:nvPr/>
+        </p:nvSpPr>
+        <p:spPr>
+          <a:xfrm>
+            <a:off x="1061645" y="2854940"/>
+            <a:ext cx="9071714" cy="3477875"/>
+          </a:xfrm>
+          <a:prstGeom prst="rect">
+            <a:avLst/>
+          </a:prstGeom>
+          <a:noFill/>
+        </p:spPr>
+        <p:txBody>
+          <a:bodyPr wrap="none" rtlCol="0">
+            <a:spAutoFit/>
+          </a:bodyPr>
+          <a:lstStyle/>
+          <a:p>
+            <a:r>
+              <a:rPr lang="en-US" sz="2000" dirty="0">
+                <a:latin typeface="Consolas" panose="020B0609020204030204" pitchFamily="49" charset="0"/>
+                <a:cs typeface="Consolas" panose="020B0609020204030204" pitchFamily="49" charset="0"/>
+              </a:rPr>
+              <a:t>names = ['Terence Parr', 'Diane Woodbridge', '</a:t>
+            </a:r>
+            <a:r>
+              <a:rPr lang="en-US" sz="2000" dirty="0" err="1">
+                <a:latin typeface="Consolas" panose="020B0609020204030204" pitchFamily="49" charset="0"/>
+                <a:cs typeface="Consolas" panose="020B0609020204030204" pitchFamily="49" charset="0"/>
+              </a:rPr>
+              <a:t>Yannet</a:t>
+            </a:r>
+            <a:r>
+              <a:rPr lang="en-US" sz="2000" dirty="0">
+                <a:latin typeface="Consolas" panose="020B0609020204030204" pitchFamily="49" charset="0"/>
+                <a:cs typeface="Consolas" panose="020B0609020204030204" pitchFamily="49" charset="0"/>
+              </a:rPr>
+              <a:t> </a:t>
+            </a:r>
+            <a:r>
+              <a:rPr lang="en-US" sz="2000" dirty="0" err="1">
+                <a:latin typeface="Consolas" panose="020B0609020204030204" pitchFamily="49" charset="0"/>
+                <a:cs typeface="Consolas" panose="020B0609020204030204" pitchFamily="49" charset="0"/>
+              </a:rPr>
+              <a:t>Interian</a:t>
+            </a:r>
+            <a:r>
+              <a:rPr lang="en-US" sz="2000" dirty="0">
+                <a:latin typeface="Consolas" panose="020B0609020204030204" pitchFamily="49" charset="0"/>
+                <a:cs typeface="Consolas" panose="020B0609020204030204" pitchFamily="49" charset="0"/>
+              </a:rPr>
+              <a:t>']</a:t>
+            </a:r>
+          </a:p>
+          <a:p>
+            <a:r>
+              <a:rPr lang="en-US" sz="2000" dirty="0">
+                <a:latin typeface="Consolas" panose="020B0609020204030204" pitchFamily="49" charset="0"/>
+                <a:cs typeface="Consolas" panose="020B0609020204030204" pitchFamily="49" charset="0"/>
+              </a:rPr>
+              <a:t>for name in names:</a:t>
+            </a:r>
+          </a:p>
+          <a:p>
+            <a:r>
+              <a:rPr lang="en-US" sz="2000" dirty="0">
+                <a:latin typeface="Consolas" panose="020B0609020204030204" pitchFamily="49" charset="0"/>
+                <a:cs typeface="Consolas" panose="020B0609020204030204" pitchFamily="49" charset="0"/>
+              </a:rPr>
+              <a:t>    print(</a:t>
+            </a:r>
+            <a:r>
+              <a:rPr lang="en-US" sz="2000" dirty="0" err="1">
+                <a:latin typeface="Consolas" panose="020B0609020204030204" pitchFamily="49" charset="0"/>
+                <a:cs typeface="Consolas" panose="020B0609020204030204" pitchFamily="49" charset="0"/>
+              </a:rPr>
+              <a:t>name.split</a:t>
+            </a:r>
+            <a:r>
+              <a:rPr lang="en-US" sz="2000" dirty="0">
+                <a:latin typeface="Consolas" panose="020B0609020204030204" pitchFamily="49" charset="0"/>
+                <a:cs typeface="Consolas" panose="020B0609020204030204" pitchFamily="49" charset="0"/>
+              </a:rPr>
+              <a:t>())</a:t>
+            </a:r>
+          </a:p>
+          <a:p>
+            <a:endParaRPr lang="en-US" sz="2000" dirty="0">
+              <a:latin typeface="Consolas" panose="020B0609020204030204" pitchFamily="49" charset="0"/>
+              <a:cs typeface="Consolas" panose="020B0609020204030204" pitchFamily="49" charset="0"/>
+            </a:endParaRPr>
+          </a:p>
+          <a:p>
+            <a:r>
+              <a:rPr lang="en-US" sz="2000" dirty="0">
+                <a:latin typeface="Consolas" panose="020B0609020204030204" pitchFamily="49" charset="0"/>
+                <a:cs typeface="Consolas" panose="020B0609020204030204" pitchFamily="49" charset="0"/>
+              </a:rPr>
+              <a:t>first = []</a:t>
+            </a:r>
+          </a:p>
+          <a:p>
+            <a:r>
+              <a:rPr lang="en-US" sz="2000" dirty="0">
+                <a:latin typeface="Consolas" panose="020B0609020204030204" pitchFamily="49" charset="0"/>
+                <a:cs typeface="Consolas" panose="020B0609020204030204" pitchFamily="49" charset="0"/>
+              </a:rPr>
+              <a:t>last = []</a:t>
+            </a:r>
+          </a:p>
+          <a:p>
+            <a:r>
+              <a:rPr lang="en-US" sz="2000" dirty="0">
+                <a:latin typeface="Consolas" panose="020B0609020204030204" pitchFamily="49" charset="0"/>
+                <a:cs typeface="Consolas" panose="020B0609020204030204" pitchFamily="49" charset="0"/>
+              </a:rPr>
+              <a:t>for name in names:</a:t>
+            </a:r>
+          </a:p>
+          <a:p>
+            <a:r>
+              <a:rPr lang="en-US" sz="2000" dirty="0">
+                <a:latin typeface="Consolas" panose="020B0609020204030204" pitchFamily="49" charset="0"/>
+                <a:cs typeface="Consolas" panose="020B0609020204030204" pitchFamily="49" charset="0"/>
+              </a:rPr>
+              <a:t>    </a:t>
+            </a:r>
+            <a:r>
+              <a:rPr lang="en-US" sz="2000" dirty="0" err="1">
+                <a:latin typeface="Consolas" panose="020B0609020204030204" pitchFamily="49" charset="0"/>
+                <a:cs typeface="Consolas" panose="020B0609020204030204" pitchFamily="49" charset="0"/>
+              </a:rPr>
+              <a:t>f,l</a:t>
+            </a:r>
+            <a:r>
+              <a:rPr lang="en-US" sz="2000" dirty="0">
+                <a:latin typeface="Consolas" panose="020B0609020204030204" pitchFamily="49" charset="0"/>
+                <a:cs typeface="Consolas" panose="020B0609020204030204" pitchFamily="49" charset="0"/>
+              </a:rPr>
+              <a:t> = </a:t>
+            </a:r>
+            <a:r>
+              <a:rPr lang="en-US" sz="2000" dirty="0" err="1">
+                <a:latin typeface="Consolas" panose="020B0609020204030204" pitchFamily="49" charset="0"/>
+                <a:cs typeface="Consolas" panose="020B0609020204030204" pitchFamily="49" charset="0"/>
+              </a:rPr>
+              <a:t>name.split</a:t>
+            </a:r>
+            <a:r>
+              <a:rPr lang="en-US" sz="2000" dirty="0">
+                <a:latin typeface="Consolas" panose="020B0609020204030204" pitchFamily="49" charset="0"/>
+                <a:cs typeface="Consolas" panose="020B0609020204030204" pitchFamily="49" charset="0"/>
+              </a:rPr>
+              <a:t>()</a:t>
+            </a:r>
+          </a:p>
+          <a:p>
+            <a:r>
+              <a:rPr lang="en-US" sz="2000" dirty="0">
+                <a:latin typeface="Consolas" panose="020B0609020204030204" pitchFamily="49" charset="0"/>
+                <a:cs typeface="Consolas" panose="020B0609020204030204" pitchFamily="49" charset="0"/>
+              </a:rPr>
+              <a:t>    </a:t>
+            </a:r>
+            <a:r>
+              <a:rPr lang="en-US" sz="2000" dirty="0" err="1">
+                <a:latin typeface="Consolas" panose="020B0609020204030204" pitchFamily="49" charset="0"/>
+                <a:cs typeface="Consolas" panose="020B0609020204030204" pitchFamily="49" charset="0"/>
+              </a:rPr>
+              <a:t>first.append</a:t>
+            </a:r>
+            <a:r>
+              <a:rPr lang="en-US" sz="2000" dirty="0">
+                <a:latin typeface="Consolas" panose="020B0609020204030204" pitchFamily="49" charset="0"/>
+                <a:cs typeface="Consolas" panose="020B0609020204030204" pitchFamily="49" charset="0"/>
+              </a:rPr>
+              <a:t>(f)</a:t>
+            </a:r>
+          </a:p>
+          <a:p>
+            <a:r>
+              <a:rPr lang="en-US" sz="2000" dirty="0">
+                <a:latin typeface="Consolas" panose="020B0609020204030204" pitchFamily="49" charset="0"/>
+                <a:cs typeface="Consolas" panose="020B0609020204030204" pitchFamily="49" charset="0"/>
+              </a:rPr>
+              <a:t>    </a:t>
+            </a:r>
+            <a:r>
+              <a:rPr lang="en-US" sz="2000" dirty="0" err="1">
+                <a:latin typeface="Consolas" panose="020B0609020204030204" pitchFamily="49" charset="0"/>
+                <a:cs typeface="Consolas" panose="020B0609020204030204" pitchFamily="49" charset="0"/>
+              </a:rPr>
+              <a:t>last.append</a:t>
+            </a:r>
+            <a:r>
+              <a:rPr lang="en-US" sz="2000" dirty="0">
+                <a:latin typeface="Consolas" panose="020B0609020204030204" pitchFamily="49" charset="0"/>
+                <a:cs typeface="Consolas" panose="020B0609020204030204" pitchFamily="49" charset="0"/>
+              </a:rPr>
+              <a:t>(l)</a:t>
+            </a:r>
+          </a:p>
+          <a:p>
+            <a:endParaRPr lang="en-US" sz="2000" dirty="0">
+              <a:latin typeface="Consolas" panose="020B0609020204030204" pitchFamily="49" charset="0"/>
+              <a:cs typeface="Consolas" panose="020B0609020204030204" pitchFamily="49" charset="0"/>
+            </a:endParaRPr>
           </a:p>
         </p:txBody>
       </p:sp>
     </p:spTree>
     <p:extLst>
       <p:ext uri="{BB962C8B-B14F-4D97-AF65-F5344CB8AC3E}">
-        <p14:creationId xmlns:p14="http://schemas.microsoft.com/office/powerpoint/2010/main" val="3332281489"/>
+        <p14:creationId xmlns:p14="http://schemas.microsoft.com/office/powerpoint/2010/main" val="4053085584"/>
       </p:ext>
     </p:extLst>
   </p:cSld>
@@ -6160,7 +5772,7 @@
           <p:cNvPr id="2" name="Title 1">
             <a:extLst>
               <a:ext uri="{FF2B5EF4-FFF2-40B4-BE49-F238E27FC236}">
-                <a16:creationId xmlns:a16="http://schemas.microsoft.com/office/drawing/2014/main" id="{65E83064-5F36-7C4C-A72E-27910AB7C55D}"/>
+                <a16:creationId xmlns:a16="http://schemas.microsoft.com/office/drawing/2014/main" id="{C1D28A1B-2C67-A540-ACE7-7886108CFDF7}"/>
               </a:ext>
             </a:extLst>
           </p:cNvPr>
@@ -6178,7 +5790,7 @@
           <a:p>
             <a:r>
               <a:rPr lang="en-US" dirty="0"/>
-              <a:t>Filter</a:t>
+              <a:t>Slice a list (or string)</a:t>
             </a:r>
           </a:p>
         </p:txBody>
@@ -6188,7 +5800,7 @@
           <p:cNvPr id="3" name="Content Placeholder 2">
             <a:extLst>
               <a:ext uri="{FF2B5EF4-FFF2-40B4-BE49-F238E27FC236}">
-                <a16:creationId xmlns:a16="http://schemas.microsoft.com/office/drawing/2014/main" id="{438027BB-04F3-4D4D-A842-199F3DF0667B}"/>
+                <a16:creationId xmlns:a16="http://schemas.microsoft.com/office/drawing/2014/main" id="{9208EBF0-6D21-3D48-BBB2-B8343D96DE87}"/>
               </a:ext>
             </a:extLst>
           </p:cNvPr>
@@ -6199,35 +5811,65 @@
             <p:ph idx="1"/>
           </p:nvPr>
         </p:nvSpPr>
-        <p:spPr>
-          <a:xfrm>
-            <a:off x="838200" y="1538868"/>
-            <a:ext cx="10515600" cy="4638095"/>
-          </a:xfrm>
-        </p:spPr>
+        <p:spPr/>
         <p:txBody>
           <a:bodyPr/>
           <a:lstStyle/>
           <a:p>
             <a:r>
               <a:rPr lang="en-US" dirty="0"/>
-              <a:t>The filter operation is similar to the map operation in that a computation is applied to each element of the input stream</a:t>
+              <a:t>Some operations yield subsets of the data, such as slice, which extracts a subset of a list (that fits in memory)</a:t>
             </a:r>
           </a:p>
           <a:p>
             <a:r>
               <a:rPr lang="en-US" dirty="0"/>
-              <a:t>Filter tests each element for a specific condition and, if true, adds that element to the new sequence</a:t>
-            </a:r>
-          </a:p>
-        </p:txBody>
-      </p:sp>
-      <p:sp>
-        <p:nvSpPr>
-          <p:cNvPr id="4" name="TextBox 3">
-            <a:extLst>
-              <a:ext uri="{FF2B5EF4-FFF2-40B4-BE49-F238E27FC236}">
-                <a16:creationId xmlns:a16="http://schemas.microsoft.com/office/drawing/2014/main" id="{5F15B8B0-53D7-2C4F-AAC5-CBBEFD41353F}"/>
+              <a:t>Syntax is </a:t>
+            </a:r>
+            <a:r>
+              <a:rPr lang="en-US" b="1" dirty="0"/>
+              <a:t>A[</a:t>
+            </a:r>
+            <a:r>
+              <a:rPr lang="en-US" b="1" dirty="0" err="1"/>
+              <a:t>begin:end</a:t>
+            </a:r>
+            <a:r>
+              <a:rPr lang="en-US" b="1" dirty="0"/>
+              <a:t>] </a:t>
+            </a:r>
+            <a:r>
+              <a:rPr lang="en-US" dirty="0"/>
+              <a:t>where </a:t>
+            </a:r>
+            <a:r>
+              <a:rPr lang="en-US" b="1" dirty="0"/>
+              <a:t>begin</a:t>
+            </a:r>
+            <a:r>
+              <a:rPr lang="en-US" dirty="0"/>
+              <a:t> is inclusive and </a:t>
+            </a:r>
+            <a:r>
+              <a:rPr lang="en-US" b="1" dirty="0"/>
+              <a:t>end</a:t>
+            </a:r>
+            <a:r>
+              <a:rPr lang="en-US" dirty="0"/>
+              <a:t> is not</a:t>
+            </a:r>
+          </a:p>
+          <a:p>
+            <a:endParaRPr lang="en-US" dirty="0"/>
+          </a:p>
+        </p:txBody>
+      </p:sp>
+      <p:sp>
+        <p:nvSpPr>
+          <p:cNvPr id="5" name="TextBox 4">
+            <a:extLst>
+              <a:ext uri="{FF2B5EF4-FFF2-40B4-BE49-F238E27FC236}">
+                <a16:creationId xmlns:a16="http://schemas.microsoft.com/office/drawing/2014/main" id="{3F28D277-1364-F84D-AA3E-90F8755C218F}"/>
               </a:ext>
             </a:extLst>
           </p:cNvPr>
@@ -6236,8 +5878,8 @@
         </p:nvSpPr>
         <p:spPr>
           <a:xfrm>
-            <a:off x="0" y="6488668"/>
-            <a:ext cx="2813591" cy="369332"/>
+            <a:off x="1867711" y="3570051"/>
+            <a:ext cx="4134465" cy="2554545"/>
           </a:xfrm>
           <a:prstGeom prst="rect">
             <a:avLst/>
@@ -6251,27 +5893,98 @@
           <a:lstStyle/>
           <a:p>
             <a:r>
-              <a:rPr lang="en-US" dirty="0">
-                <a:hlinkClick r:id="rId2"/>
-              </a:rPr>
-              <a:t>Experiment in </a:t>
-            </a:r>
-            <a:r>
-              <a:rPr lang="en-US" dirty="0" err="1">
-                <a:hlinkClick r:id="rId2"/>
-              </a:rPr>
-              <a:t>pythontutor</a:t>
-            </a:r>
-            <a:endParaRPr lang="en-US" dirty="0"/>
-          </a:p>
-        </p:txBody>
-      </p:sp>
-      <p:sp>
-        <p:nvSpPr>
-          <p:cNvPr id="5" name="TextBox 4">
-            <a:extLst>
-              <a:ext uri="{FF2B5EF4-FFF2-40B4-BE49-F238E27FC236}">
-                <a16:creationId xmlns:a16="http://schemas.microsoft.com/office/drawing/2014/main" id="{A56FD7AA-3F73-2849-8E40-810EE4EF3373}"/>
+              <a:rPr lang="en-US" sz="2000" dirty="0">
+                <a:latin typeface="Consolas" panose="020B0609020204030204" pitchFamily="49" charset="0"/>
+                <a:cs typeface="Consolas" panose="020B0609020204030204" pitchFamily="49" charset="0"/>
+              </a:rPr>
+              <a:t>names=['</a:t>
+            </a:r>
+            <a:r>
+              <a:rPr lang="en-US" sz="2000" dirty="0" err="1">
+                <a:latin typeface="Consolas" panose="020B0609020204030204" pitchFamily="49" charset="0"/>
+                <a:cs typeface="Consolas" panose="020B0609020204030204" pitchFamily="49" charset="0"/>
+              </a:rPr>
+              <a:t>Xue</a:t>
+            </a:r>
+            <a:r>
+              <a:rPr lang="en-US" sz="2000" dirty="0">
+                <a:latin typeface="Consolas" panose="020B0609020204030204" pitchFamily="49" charset="0"/>
+                <a:cs typeface="Consolas" panose="020B0609020204030204" pitchFamily="49" charset="0"/>
+              </a:rPr>
+              <a:t>', 'Mary', 'Bob']</a:t>
+            </a:r>
+          </a:p>
+          <a:p>
+            <a:r>
+              <a:rPr lang="en-US" sz="2000" dirty="0">
+                <a:latin typeface="Consolas" panose="020B0609020204030204" pitchFamily="49" charset="0"/>
+                <a:cs typeface="Consolas" panose="020B0609020204030204" pitchFamily="49" charset="0"/>
+              </a:rPr>
+              <a:t>print(names[0:1])</a:t>
+            </a:r>
+          </a:p>
+          <a:p>
+            <a:r>
+              <a:rPr lang="en-US" sz="2000" dirty="0">
+                <a:latin typeface="Consolas" panose="020B0609020204030204" pitchFamily="49" charset="0"/>
+                <a:cs typeface="Consolas" panose="020B0609020204030204" pitchFamily="49" charset="0"/>
+              </a:rPr>
+              <a:t>print(names[0:2])</a:t>
+            </a:r>
+          </a:p>
+          <a:p>
+            <a:r>
+              <a:rPr lang="en-US" sz="2000" dirty="0">
+                <a:latin typeface="Consolas" panose="020B0609020204030204" pitchFamily="49" charset="0"/>
+                <a:cs typeface="Consolas" panose="020B0609020204030204" pitchFamily="49" charset="0"/>
+              </a:rPr>
+              <a:t>print(names[0:3])</a:t>
+            </a:r>
+          </a:p>
+          <a:p>
+            <a:r>
+              <a:rPr lang="en-US" sz="2000" dirty="0">
+                <a:latin typeface="Consolas" panose="020B0609020204030204" pitchFamily="49" charset="0"/>
+                <a:cs typeface="Consolas" panose="020B0609020204030204" pitchFamily="49" charset="0"/>
+              </a:rPr>
+              <a:t>print(names[2:3])</a:t>
+            </a:r>
+          </a:p>
+          <a:p>
+            <a:r>
+              <a:rPr lang="en-US" sz="2000" dirty="0">
+                <a:latin typeface="Consolas" panose="020B0609020204030204" pitchFamily="49" charset="0"/>
+                <a:cs typeface="Consolas" panose="020B0609020204030204" pitchFamily="49" charset="0"/>
+              </a:rPr>
+              <a:t>print(names[1:])</a:t>
+            </a:r>
+          </a:p>
+          <a:p>
+            <a:r>
+              <a:rPr lang="en-US" sz="2000" dirty="0">
+                <a:latin typeface="Consolas" panose="020B0609020204030204" pitchFamily="49" charset="0"/>
+                <a:cs typeface="Consolas" panose="020B0609020204030204" pitchFamily="49" charset="0"/>
+              </a:rPr>
+              <a:t>print(names[-1])</a:t>
+            </a:r>
+          </a:p>
+          <a:p>
+            <a:r>
+              <a:rPr lang="en-US" sz="2000" dirty="0">
+                <a:latin typeface="Consolas" panose="020B0609020204030204" pitchFamily="49" charset="0"/>
+                <a:cs typeface="Consolas" panose="020B0609020204030204" pitchFamily="49" charset="0"/>
+              </a:rPr>
+              <a:t>print(names[-2:])</a:t>
+            </a:r>
+          </a:p>
+        </p:txBody>
+      </p:sp>
+      <p:sp>
+        <p:nvSpPr>
+          <p:cNvPr id="6" name="TextBox 5">
+            <a:extLst>
+              <a:ext uri="{FF2B5EF4-FFF2-40B4-BE49-F238E27FC236}">
+                <a16:creationId xmlns:a16="http://schemas.microsoft.com/office/drawing/2014/main" id="{37EA2493-FD70-4840-A1F2-77B1F12897D4}"/>
               </a:ext>
             </a:extLst>
           </p:cNvPr>
@@ -6280,8 +5993,8 @@
         </p:nvSpPr>
         <p:spPr>
           <a:xfrm>
-            <a:off x="1835957" y="3429000"/>
-            <a:ext cx="8930650" cy="2554545"/>
+            <a:off x="7480572" y="3877828"/>
+            <a:ext cx="3288080" cy="2246769"/>
           </a:xfrm>
           <a:prstGeom prst="rect">
             <a:avLst/>
@@ -6299,16 +6012,21 @@
                 <a:latin typeface="Consolas" panose="020B0609020204030204" pitchFamily="49" charset="0"/>
                 <a:cs typeface="Consolas" panose="020B0609020204030204" pitchFamily="49" charset="0"/>
               </a:rPr>
-              <a:t>shipping = [35, 68.02, 2.99, 3.99, 5.94, 4.95, 7.72, 6.22]</a:t>
-            </a:r>
-          </a:p>
-          <a:p>
+              <a:t>['</a:t>
+            </a:r>
+            <a:r>
+              <a:rPr lang="en-US" sz="2000" dirty="0" err="1">
+                <a:latin typeface="Consolas" panose="020B0609020204030204" pitchFamily="49" charset="0"/>
+                <a:cs typeface="Consolas" panose="020B0609020204030204" pitchFamily="49" charset="0"/>
+              </a:rPr>
+              <a:t>Xue</a:t>
+            </a:r>
             <a:r>
               <a:rPr lang="en-US" sz="2000" dirty="0">
                 <a:latin typeface="Consolas" panose="020B0609020204030204" pitchFamily="49" charset="0"/>
                 <a:cs typeface="Consolas" panose="020B0609020204030204" pitchFamily="49" charset="0"/>
               </a:rPr>
-              <a:t>shipping2 = []</a:t>
+              <a:t>']</a:t>
             </a:r>
           </a:p>
           <a:p>
@@ -6317,16 +6035,21 @@
                 <a:latin typeface="Consolas" panose="020B0609020204030204" pitchFamily="49" charset="0"/>
                 <a:cs typeface="Consolas" panose="020B0609020204030204" pitchFamily="49" charset="0"/>
               </a:rPr>
-              <a:t>for x in shipping:</a:t>
-            </a:r>
-          </a:p>
-          <a:p>
+              <a:t>['</a:t>
+            </a:r>
+            <a:r>
+              <a:rPr lang="en-US" sz="2000" dirty="0" err="1">
+                <a:latin typeface="Consolas" panose="020B0609020204030204" pitchFamily="49" charset="0"/>
+                <a:cs typeface="Consolas" panose="020B0609020204030204" pitchFamily="49" charset="0"/>
+              </a:rPr>
+              <a:t>Xue</a:t>
+            </a:r>
             <a:r>
               <a:rPr lang="en-US" sz="2000" dirty="0">
                 <a:latin typeface="Consolas" panose="020B0609020204030204" pitchFamily="49" charset="0"/>
                 <a:cs typeface="Consolas" panose="020B0609020204030204" pitchFamily="49" charset="0"/>
               </a:rPr>
-              <a:t>    if x &lt; 10:</a:t>
+              <a:t>', 'Mary']</a:t>
             </a:r>
           </a:p>
           <a:p>
@@ -6335,23 +6058,22 @@
                 <a:latin typeface="Consolas" panose="020B0609020204030204" pitchFamily="49" charset="0"/>
                 <a:cs typeface="Consolas" panose="020B0609020204030204" pitchFamily="49" charset="0"/>
               </a:rPr>
-              <a:t>        shipping2.append(x)</a:t>
-            </a:r>
-          </a:p>
-          <a:p>
+              <a:t>['</a:t>
+            </a:r>
+            <a:r>
+              <a:rPr lang="en-US" sz="2000" dirty="0" err="1">
+                <a:latin typeface="Consolas" panose="020B0609020204030204" pitchFamily="49" charset="0"/>
+                <a:cs typeface="Consolas" panose="020B0609020204030204" pitchFamily="49" charset="0"/>
+              </a:rPr>
+              <a:t>Xue</a:t>
+            </a:r>
             <a:r>
               <a:rPr lang="en-US" sz="2000" dirty="0">
                 <a:latin typeface="Consolas" panose="020B0609020204030204" pitchFamily="49" charset="0"/>
                 <a:cs typeface="Consolas" panose="020B0609020204030204" pitchFamily="49" charset="0"/>
               </a:rPr>
-              <a:t>print(shipping2) # prints [2.99, 3.99, 5.94, 4.95, 7.72, 6.22]</a:t>
-            </a:r>
-          </a:p>
-          <a:p>
-            <a:endParaRPr lang="en-US" sz="2000" dirty="0">
-              <a:latin typeface="Consolas" panose="020B0609020204030204" pitchFamily="49" charset="0"/>
-              <a:cs typeface="Consolas" panose="020B0609020204030204" pitchFamily="49" charset="0"/>
-            </a:endParaRPr>
+              <a:t>', 'Mary', 'Bob']</a:t>
+            </a:r>
           </a:p>
           <a:p>
             <a:r>
@@ -6359,15 +6081,138 @@
                 <a:latin typeface="Consolas" panose="020B0609020204030204" pitchFamily="49" charset="0"/>
                 <a:cs typeface="Consolas" panose="020B0609020204030204" pitchFamily="49" charset="0"/>
               </a:rPr>
-              <a:t>shipping2 = [x for x in shipping if x &lt; 10] # much easier</a:t>
-            </a:r>
+              <a:t>['Bob’]</a:t>
+            </a:r>
+          </a:p>
+          <a:p>
+            <a:r>
+              <a:rPr lang="en-US" sz="2000" dirty="0">
+                <a:latin typeface="Consolas" panose="020B0609020204030204" pitchFamily="49" charset="0"/>
+                <a:cs typeface="Consolas" panose="020B0609020204030204" pitchFamily="49" charset="0"/>
+              </a:rPr>
+              <a:t>['Mary', 'Bob']</a:t>
+            </a:r>
+          </a:p>
+          <a:p>
+            <a:r>
+              <a:rPr lang="en-US" sz="2000" dirty="0">
+                <a:latin typeface="Consolas" panose="020B0609020204030204" pitchFamily="49" charset="0"/>
+                <a:cs typeface="Consolas" panose="020B0609020204030204" pitchFamily="49" charset="0"/>
+              </a:rPr>
+              <a:t>Bob</a:t>
+            </a:r>
+          </a:p>
+          <a:p>
+            <a:r>
+              <a:rPr lang="en-US" sz="2000" dirty="0">
+                <a:latin typeface="Consolas" panose="020B0609020204030204" pitchFamily="49" charset="0"/>
+                <a:cs typeface="Consolas" panose="020B0609020204030204" pitchFamily="49" charset="0"/>
+              </a:rPr>
+              <a:t>['Mary', 'Bob']</a:t>
+            </a:r>
+          </a:p>
+        </p:txBody>
+      </p:sp>
+      <p:sp>
+        <p:nvSpPr>
+          <p:cNvPr id="7" name="Right Arrow 6">
+            <a:extLst>
+              <a:ext uri="{FF2B5EF4-FFF2-40B4-BE49-F238E27FC236}">
+                <a16:creationId xmlns:a16="http://schemas.microsoft.com/office/drawing/2014/main" id="{9A6BF060-5BFA-FA45-80D5-0869E08662F8}"/>
+              </a:ext>
+            </a:extLst>
+          </p:cNvPr>
+          <p:cNvSpPr/>
+          <p:nvPr/>
+        </p:nvSpPr>
+        <p:spPr>
+          <a:xfrm>
+            <a:off x="6002176" y="4605007"/>
+            <a:ext cx="978408" cy="484632"/>
+          </a:xfrm>
+          <a:prstGeom prst="rightArrow">
+            <a:avLst/>
+          </a:prstGeom>
+          <a:solidFill>
+            <a:schemeClr val="accent1">
+              <a:lumMod val="40000"/>
+              <a:lumOff val="60000"/>
+            </a:schemeClr>
+          </a:solidFill>
+        </p:spPr>
+        <p:style>
+          <a:lnRef idx="2">
+            <a:schemeClr val="accent1">
+              <a:shade val="50000"/>
+            </a:schemeClr>
+          </a:lnRef>
+          <a:fillRef idx="1">
+            <a:schemeClr val="accent1"/>
+          </a:fillRef>
+          <a:effectRef idx="0">
+            <a:schemeClr val="accent1"/>
+          </a:effectRef>
+          <a:fontRef idx="minor">
+            <a:schemeClr val="lt1"/>
+          </a:fontRef>
+        </p:style>
+        <p:txBody>
+          <a:bodyPr rtlCol="0" anchor="ctr"/>
+          <a:lstStyle/>
+          <a:p>
+            <a:pPr algn="ctr"/>
+            <a:endParaRPr lang="en-US" dirty="0"/>
+          </a:p>
+        </p:txBody>
+      </p:sp>
+      <p:sp>
+        <p:nvSpPr>
+          <p:cNvPr id="8" name="TextBox 7">
+            <a:extLst>
+              <a:ext uri="{FF2B5EF4-FFF2-40B4-BE49-F238E27FC236}">
+                <a16:creationId xmlns:a16="http://schemas.microsoft.com/office/drawing/2014/main" id="{71E30EE4-14FC-BA48-97BE-6AB25DB753A9}"/>
+              </a:ext>
+            </a:extLst>
+          </p:cNvPr>
+          <p:cNvSpPr txBox="1"/>
+          <p:nvPr/>
+        </p:nvSpPr>
+        <p:spPr>
+          <a:xfrm>
+            <a:off x="0" y="6488668"/>
+            <a:ext cx="2813591" cy="369332"/>
+          </a:xfrm>
+          <a:prstGeom prst="rect">
+            <a:avLst/>
+          </a:prstGeom>
+          <a:noFill/>
+        </p:spPr>
+        <p:txBody>
+          <a:bodyPr wrap="none" rtlCol="0">
+            <a:spAutoFit/>
+          </a:bodyPr>
+          <a:lstStyle/>
+          <a:p>
+            <a:r>
+              <a:rPr lang="en-US" dirty="0">
+                <a:hlinkClick r:id="rId2"/>
+              </a:rPr>
+              <a:t>Experiment in </a:t>
+            </a:r>
+            <a:r>
+              <a:rPr lang="en-US" dirty="0" err="1">
+                <a:hlinkClick r:id="rId2"/>
+              </a:rPr>
+              <a:t>pythontutor</a:t>
+            </a:r>
+            <a:endParaRPr lang="en-US" dirty="0"/>
           </a:p>
         </p:txBody>
       </p:sp>
     </p:spTree>
     <p:extLst>
       <p:ext uri="{BB962C8B-B14F-4D97-AF65-F5344CB8AC3E}">
-        <p14:creationId xmlns:p14="http://schemas.microsoft.com/office/powerpoint/2010/main" val="2886168278"/>
+        <p14:creationId xmlns:p14="http://schemas.microsoft.com/office/powerpoint/2010/main" val="3332281489"/>
       </p:ext>
     </p:extLst>
   </p:cSld>
@@ -6399,7 +6244,7 @@
           <p:cNvPr id="2" name="Title 1">
             <a:extLst>
               <a:ext uri="{FF2B5EF4-FFF2-40B4-BE49-F238E27FC236}">
-                <a16:creationId xmlns:a16="http://schemas.microsoft.com/office/drawing/2014/main" id="{76A58C7C-C8DD-AF42-AA89-62972ACF45BF}"/>
+                <a16:creationId xmlns:a16="http://schemas.microsoft.com/office/drawing/2014/main" id="{65E83064-5F36-7C4C-A72E-27910AB7C55D}"/>
               </a:ext>
             </a:extLst>
           </p:cNvPr>
@@ -6417,7 +6262,7 @@
           <a:p>
             <a:r>
               <a:rPr lang="en-US" dirty="0"/>
-              <a:t>Filtering rows of data</a:t>
+              <a:t>Filter</a:t>
             </a:r>
           </a:p>
         </p:txBody>
@@ -6427,7 +6272,7 @@
           <p:cNvPr id="3" name="Content Placeholder 2">
             <a:extLst>
               <a:ext uri="{FF2B5EF4-FFF2-40B4-BE49-F238E27FC236}">
-                <a16:creationId xmlns:a16="http://schemas.microsoft.com/office/drawing/2014/main" id="{5A39EEF0-81F3-B145-ADC6-EB2DBC74068F}"/>
+                <a16:creationId xmlns:a16="http://schemas.microsoft.com/office/drawing/2014/main" id="{438027BB-04F3-4D4D-A842-199F3DF0667B}"/>
               </a:ext>
             </a:extLst>
           </p:cNvPr>
@@ -6450,7 +6295,13 @@
           <a:p>
             <a:r>
               <a:rPr lang="en-US" dirty="0"/>
-              <a:t>We can also filter on one column but keep the data within each row together; e.g., filter for Oscar winners</a:t>
+              <a:t>The filter operation is similar to the map operation in that a computation is applied to each element of the input stream</a:t>
+            </a:r>
+          </a:p>
+          <a:p>
+            <a:r>
+              <a:rPr lang="en-US" dirty="0"/>
+              <a:t>Filter tests each element for a specific condition and, if true, adds that element to the new sequence</a:t>
             </a:r>
           </a:p>
         </p:txBody>
@@ -6460,7 +6311,7 @@
           <p:cNvPr id="4" name="TextBox 3">
             <a:extLst>
               <a:ext uri="{FF2B5EF4-FFF2-40B4-BE49-F238E27FC236}">
-                <a16:creationId xmlns:a16="http://schemas.microsoft.com/office/drawing/2014/main" id="{0895ADA9-C5FF-9640-9EC5-EE085A557EEB}"/>
+                <a16:creationId xmlns:a16="http://schemas.microsoft.com/office/drawing/2014/main" id="{5F15B8B0-53D7-2C4F-AAC5-CBBEFD41353F}"/>
               </a:ext>
             </a:extLst>
           </p:cNvPr>
@@ -6469,8 +6320,8 @@
         </p:nvSpPr>
         <p:spPr>
           <a:xfrm>
-            <a:off x="1051029" y="2364059"/>
-            <a:ext cx="5577168" cy="4093428"/>
+            <a:off x="0" y="6488668"/>
+            <a:ext cx="2813591" cy="369332"/>
           </a:xfrm>
           <a:prstGeom prst="rect">
             <a:avLst/>
@@ -6484,101 +6335,18 @@
           <a:lstStyle/>
           <a:p>
             <a:r>
-              <a:rPr lang="en-US" sz="2000" dirty="0" err="1"/>
-              <a:t>oscars</a:t>
-            </a:r>
-            <a:r>
-              <a:rPr lang="en-US" sz="2000" dirty="0"/>
-              <a:t> = [</a:t>
-            </a:r>
-          </a:p>
-          <a:p>
-            <a:r>
-              <a:rPr lang="en-US" sz="2000" dirty="0"/>
-              <a:t>    [1984, "A Soldier's Story", 0],</a:t>
-            </a:r>
-          </a:p>
-          <a:p>
-            <a:r>
-              <a:rPr lang="en-US" sz="2000" dirty="0"/>
-              <a:t>    [1984, 'Places in the Heart', 0],</a:t>
-            </a:r>
-          </a:p>
-          <a:p>
-            <a:r>
-              <a:rPr lang="en-US" sz="2000" dirty="0"/>
-              <a:t>    [1984, 'The Killing Fields', 0],</a:t>
-            </a:r>
-          </a:p>
-          <a:p>
-            <a:r>
-              <a:rPr lang="en-US" sz="2000" dirty="0"/>
-              <a:t>    [1984, 'A Passage to India', 0],</a:t>
-            </a:r>
-          </a:p>
-          <a:p>
-            <a:r>
-              <a:rPr lang="en-US" sz="2000" dirty="0"/>
-              <a:t>    [1984, 'Amadeus', 1],</a:t>
-            </a:r>
-          </a:p>
-          <a:p>
-            <a:r>
-              <a:rPr lang="en-US" sz="2000" dirty="0"/>
-              <a:t>    [1985, "</a:t>
-            </a:r>
-            <a:r>
-              <a:rPr lang="en-US" sz="2000" dirty="0" err="1"/>
-              <a:t>Prizzi's</a:t>
-            </a:r>
-            <a:r>
-              <a:rPr lang="en-US" sz="2000" dirty="0"/>
-              <a:t> Honor", 0],</a:t>
-            </a:r>
-          </a:p>
-          <a:p>
-            <a:r>
-              <a:rPr lang="en-US" sz="2000" dirty="0"/>
-              <a:t>    [1985, 'Kiss of the Spider Woman', 0],</a:t>
-            </a:r>
-          </a:p>
-          <a:p>
-            <a:r>
-              <a:rPr lang="en-US" sz="2000" dirty="0"/>
-              <a:t>    [1985, 'Witness', 0],</a:t>
-            </a:r>
-          </a:p>
-          <a:p>
-            <a:r>
-              <a:rPr lang="en-US" sz="2000" dirty="0"/>
-              <a:t>    [1985, 'The Color Purple', 0],</a:t>
-            </a:r>
-          </a:p>
-          <a:p>
-            <a:r>
-              <a:rPr lang="en-US" sz="2000" dirty="0"/>
-              <a:t>    [1985, 'Out of Africa', 1]</a:t>
-            </a:r>
-          </a:p>
-          <a:p>
-            <a:r>
-              <a:rPr lang="en-US" sz="2000" dirty="0"/>
-              <a:t>]</a:t>
-            </a:r>
-          </a:p>
-          <a:p>
-            <a:r>
-              <a:rPr lang="en-US" sz="2000" dirty="0"/>
-              <a:t>print([movie for movie in </a:t>
-            </a:r>
-            <a:r>
-              <a:rPr lang="en-US" sz="2000" dirty="0" err="1"/>
-              <a:t>oscars</a:t>
-            </a:r>
-            <a:r>
-              <a:rPr lang="en-US" sz="2000" dirty="0"/>
-              <a:t> if movie[2]==1])</a:t>
-            </a:r>
+              <a:rPr lang="en-US" dirty="0">
+                <a:hlinkClick r:id="rId2"/>
+              </a:rPr>
+              <a:t>Experiment in </a:t>
+            </a:r>
+            <a:r>
+              <a:rPr lang="en-US" dirty="0" err="1">
+                <a:hlinkClick r:id="rId2"/>
+              </a:rPr>
+              <a:t>pythontutor</a:t>
+            </a:r>
+            <a:endParaRPr lang="en-US" dirty="0"/>
           </a:p>
         </p:txBody>
       </p:sp>
@@ -6587,7 +6355,7 @@
           <p:cNvPr id="5" name="TextBox 4">
             <a:extLst>
               <a:ext uri="{FF2B5EF4-FFF2-40B4-BE49-F238E27FC236}">
-                <a16:creationId xmlns:a16="http://schemas.microsoft.com/office/drawing/2014/main" id="{7EA0E861-8C96-BB43-9800-CBF2AF1BD019}"/>
+                <a16:creationId xmlns:a16="http://schemas.microsoft.com/office/drawing/2014/main" id="{A56FD7AA-3F73-2849-8E40-810EE4EF3373}"/>
               </a:ext>
             </a:extLst>
           </p:cNvPr>
@@ -6596,8 +6364,8 @@
         </p:nvSpPr>
         <p:spPr>
           <a:xfrm>
-            <a:off x="0" y="6488668"/>
-            <a:ext cx="2813591" cy="369332"/>
+            <a:off x="1835957" y="3429000"/>
+            <a:ext cx="8930650" cy="2554545"/>
           </a:xfrm>
           <a:prstGeom prst="rect">
             <a:avLst/>
@@ -6611,112 +6379,79 @@
           <a:lstStyle/>
           <a:p>
             <a:r>
-              <a:rPr lang="en-US" dirty="0">
-                <a:hlinkClick r:id="rId2"/>
-              </a:rPr>
-              <a:t>Experiment in </a:t>
-            </a:r>
-            <a:r>
-              <a:rPr lang="en-US" dirty="0" err="1">
-                <a:hlinkClick r:id="rId2"/>
-              </a:rPr>
-              <a:t>pythontutor</a:t>
-            </a:r>
-            <a:endParaRPr lang="en-US" dirty="0"/>
-          </a:p>
-        </p:txBody>
-      </p:sp>
-      <p:sp>
-        <p:nvSpPr>
-          <p:cNvPr id="6" name="TextBox 5">
-            <a:extLst>
-              <a:ext uri="{FF2B5EF4-FFF2-40B4-BE49-F238E27FC236}">
-                <a16:creationId xmlns:a16="http://schemas.microsoft.com/office/drawing/2014/main" id="{5A9CF64A-7E41-4845-A20B-C70BFBECA20F}"/>
-              </a:ext>
-            </a:extLst>
-          </p:cNvPr>
-          <p:cNvSpPr txBox="1"/>
-          <p:nvPr/>
-        </p:nvSpPr>
-        <p:spPr>
-          <a:xfrm>
-            <a:off x="6841026" y="3749159"/>
-            <a:ext cx="4910383" cy="369332"/>
-          </a:xfrm>
-          <a:prstGeom prst="rect">
-            <a:avLst/>
-          </a:prstGeom>
-          <a:noFill/>
-        </p:spPr>
-        <p:txBody>
-          <a:bodyPr wrap="none" rtlCol="0">
-            <a:spAutoFit/>
-          </a:bodyPr>
-          <a:lstStyle/>
-          <a:p>
-            <a:r>
-              <a:rPr lang="en-US" dirty="0"/>
-              <a:t>[[1984, 'Amadeus', 1], [1985, 'Out of Africa', 1]]</a:t>
-            </a:r>
-          </a:p>
-        </p:txBody>
-      </p:sp>
-      <p:sp>
-        <p:nvSpPr>
-          <p:cNvPr id="7" name="Right Arrow 6">
-            <a:extLst>
-              <a:ext uri="{FF2B5EF4-FFF2-40B4-BE49-F238E27FC236}">
-                <a16:creationId xmlns:a16="http://schemas.microsoft.com/office/drawing/2014/main" id="{A8DD2075-543D-254F-BDF0-C94AAAFD70F5}"/>
-              </a:ext>
-            </a:extLst>
-          </p:cNvPr>
-          <p:cNvSpPr/>
-          <p:nvPr/>
-        </p:nvSpPr>
-        <p:spPr>
-          <a:xfrm>
-            <a:off x="5465009" y="3749159"/>
-            <a:ext cx="978408" cy="484632"/>
-          </a:xfrm>
-          <a:prstGeom prst="rightArrow">
-            <a:avLst/>
-          </a:prstGeom>
-          <a:solidFill>
-            <a:schemeClr val="accent1">
-              <a:lumMod val="40000"/>
-              <a:lumOff val="60000"/>
-            </a:schemeClr>
-          </a:solidFill>
-        </p:spPr>
-        <p:style>
-          <a:lnRef idx="2">
-            <a:schemeClr val="accent1">
-              <a:shade val="50000"/>
-            </a:schemeClr>
-          </a:lnRef>
-          <a:fillRef idx="1">
-            <a:schemeClr val="accent1"/>
-          </a:fillRef>
-          <a:effectRef idx="0">
-            <a:schemeClr val="accent1"/>
-          </a:effectRef>
-          <a:fontRef idx="minor">
-            <a:schemeClr val="lt1"/>
-          </a:fontRef>
-        </p:style>
-        <p:txBody>
-          <a:bodyPr rtlCol="0" anchor="ctr"/>
-          <a:lstStyle/>
-          <a:p>
-            <a:pPr algn="ctr"/>
-            <a:endParaRPr lang="en-US" dirty="0"/>
+              <a:rPr lang="en-US" sz="2000" dirty="0">
+                <a:latin typeface="Consolas" panose="020B0609020204030204" pitchFamily="49" charset="0"/>
+                <a:cs typeface="Consolas" panose="020B0609020204030204" pitchFamily="49" charset="0"/>
+              </a:rPr>
+              <a:t>shipping = [35, 68.02, 2.99, 3.99, 5.94, 4.95, 7.72, 6.22]</a:t>
+            </a:r>
+          </a:p>
+          <a:p>
+            <a:r>
+              <a:rPr lang="en-US" sz="2000" dirty="0">
+                <a:latin typeface="Consolas" panose="020B0609020204030204" pitchFamily="49" charset="0"/>
+                <a:cs typeface="Consolas" panose="020B0609020204030204" pitchFamily="49" charset="0"/>
+              </a:rPr>
+              <a:t>shipping2 = []</a:t>
+            </a:r>
+          </a:p>
+          <a:p>
+            <a:r>
+              <a:rPr lang="en-US" sz="2000" dirty="0">
+                <a:latin typeface="Consolas" panose="020B0609020204030204" pitchFamily="49" charset="0"/>
+                <a:cs typeface="Consolas" panose="020B0609020204030204" pitchFamily="49" charset="0"/>
+              </a:rPr>
+              <a:t>for x in shipping:</a:t>
+            </a:r>
+          </a:p>
+          <a:p>
+            <a:r>
+              <a:rPr lang="en-US" sz="2000" dirty="0">
+                <a:latin typeface="Consolas" panose="020B0609020204030204" pitchFamily="49" charset="0"/>
+                <a:cs typeface="Consolas" panose="020B0609020204030204" pitchFamily="49" charset="0"/>
+              </a:rPr>
+              <a:t>    if x &lt; 10:</a:t>
+            </a:r>
+          </a:p>
+          <a:p>
+            <a:r>
+              <a:rPr lang="en-US" sz="2000" dirty="0">
+                <a:latin typeface="Consolas" panose="020B0609020204030204" pitchFamily="49" charset="0"/>
+                <a:cs typeface="Consolas" panose="020B0609020204030204" pitchFamily="49" charset="0"/>
+              </a:rPr>
+              <a:t>        shipping2.append(x)</a:t>
+            </a:r>
+          </a:p>
+          <a:p>
+            <a:r>
+              <a:rPr lang="en-US" sz="2000" dirty="0">
+                <a:latin typeface="Consolas" panose="020B0609020204030204" pitchFamily="49" charset="0"/>
+                <a:cs typeface="Consolas" panose="020B0609020204030204" pitchFamily="49" charset="0"/>
+              </a:rPr>
+              <a:t>print(shipping2) # prints [2.99, 3.99, 5.94, 4.95, 7.72, 6.22]</a:t>
+            </a:r>
+          </a:p>
+          <a:p>
+            <a:endParaRPr lang="en-US" sz="2000" dirty="0">
+              <a:latin typeface="Consolas" panose="020B0609020204030204" pitchFamily="49" charset="0"/>
+              <a:cs typeface="Consolas" panose="020B0609020204030204" pitchFamily="49" charset="0"/>
+            </a:endParaRPr>
+          </a:p>
+          <a:p>
+            <a:r>
+              <a:rPr lang="en-US" sz="2000" dirty="0">
+                <a:latin typeface="Consolas" panose="020B0609020204030204" pitchFamily="49" charset="0"/>
+                <a:cs typeface="Consolas" panose="020B0609020204030204" pitchFamily="49" charset="0"/>
+              </a:rPr>
+              <a:t>shipping2 = [x for x in shipping if x &lt; 10] # much easier</a:t>
+            </a:r>
           </a:p>
         </p:txBody>
       </p:sp>
     </p:spTree>
     <p:extLst>
       <p:ext uri="{BB962C8B-B14F-4D97-AF65-F5344CB8AC3E}">
-        <p14:creationId xmlns:p14="http://schemas.microsoft.com/office/powerpoint/2010/main" val="2290523565"/>
+        <p14:creationId xmlns:p14="http://schemas.microsoft.com/office/powerpoint/2010/main" val="2886168278"/>
       </p:ext>
     </p:extLst>
   </p:cSld>
@@ -6748,7 +6483,7 @@
           <p:cNvPr id="2" name="Title 1">
             <a:extLst>
               <a:ext uri="{FF2B5EF4-FFF2-40B4-BE49-F238E27FC236}">
-                <a16:creationId xmlns:a16="http://schemas.microsoft.com/office/drawing/2014/main" id="{F77FE7A4-2777-5C4D-94F0-04A4ACC6EDEC}"/>
+                <a16:creationId xmlns:a16="http://schemas.microsoft.com/office/drawing/2014/main" id="{76A58C7C-C8DD-AF42-AA89-62972ACF45BF}"/>
               </a:ext>
             </a:extLst>
           </p:cNvPr>
@@ -6766,7 +6501,7 @@
           <a:p>
             <a:r>
               <a:rPr lang="en-US" dirty="0"/>
-              <a:t>Search</a:t>
+              <a:t>Filtering rows of data</a:t>
             </a:r>
           </a:p>
         </p:txBody>
@@ -6776,7 +6511,7 @@
           <p:cNvPr id="3" name="Content Placeholder 2">
             <a:extLst>
               <a:ext uri="{FF2B5EF4-FFF2-40B4-BE49-F238E27FC236}">
-                <a16:creationId xmlns:a16="http://schemas.microsoft.com/office/drawing/2014/main" id="{B69CD4CA-618D-464C-A267-0B28C30F1F5A}"/>
+                <a16:creationId xmlns:a16="http://schemas.microsoft.com/office/drawing/2014/main" id="{5A39EEF0-81F3-B145-ADC6-EB2DBC74068F}"/>
               </a:ext>
             </a:extLst>
           </p:cNvPr>
@@ -6789,8 +6524,8 @@
         </p:nvSpPr>
         <p:spPr>
           <a:xfrm>
-            <a:off x="838200" y="1438507"/>
-            <a:ext cx="10515600" cy="4738456"/>
+            <a:off x="838200" y="1538868"/>
+            <a:ext cx="10515600" cy="4638095"/>
           </a:xfrm>
         </p:spPr>
         <p:txBody>
@@ -6799,23 +6534,17 @@
           <a:p>
             <a:r>
               <a:rPr lang="en-US" dirty="0"/>
-              <a:t>The filter operation finds all elements in a sequence that satisfy a specific condition, but often we'd like to know which element satisfies the condition first (or last)</a:t>
-            </a:r>
-          </a:p>
-          <a:p>
-            <a:r>
-              <a:rPr lang="en-US" dirty="0"/>
-              <a:t>Search returns the first (or last) position in the sequence rather than the value at that position</a:t>
-            </a:r>
-          </a:p>
-        </p:txBody>
-      </p:sp>
-      <p:sp>
-        <p:nvSpPr>
-          <p:cNvPr id="5" name="TextBox 4">
-            <a:extLst>
-              <a:ext uri="{FF2B5EF4-FFF2-40B4-BE49-F238E27FC236}">
-                <a16:creationId xmlns:a16="http://schemas.microsoft.com/office/drawing/2014/main" id="{8CD8F814-F0B2-C049-8E3A-8D64F3E3F076}"/>
+              <a:t>We can also filter on one column but keep the data within each row together; e.g., filter for Oscar winners</a:t>
+            </a:r>
+          </a:p>
+        </p:txBody>
+      </p:sp>
+      <p:sp>
+        <p:nvSpPr>
+          <p:cNvPr id="4" name="TextBox 3">
+            <a:extLst>
+              <a:ext uri="{FF2B5EF4-FFF2-40B4-BE49-F238E27FC236}">
+                <a16:creationId xmlns:a16="http://schemas.microsoft.com/office/drawing/2014/main" id="{0895ADA9-C5FF-9640-9EC5-EE085A557EEB}"/>
               </a:ext>
             </a:extLst>
           </p:cNvPr>
@@ -6824,8 +6553,8 @@
         </p:nvSpPr>
         <p:spPr>
           <a:xfrm>
-            <a:off x="1294636" y="3622418"/>
-            <a:ext cx="10059164" cy="2554545"/>
+            <a:off x="1051029" y="2364059"/>
+            <a:ext cx="5577168" cy="4093428"/>
           </a:xfrm>
           <a:prstGeom prst="rect">
             <a:avLst/>
@@ -6839,165 +6568,110 @@
           <a:lstStyle/>
           <a:p>
             <a:r>
-              <a:rPr lang="en-US" sz="2000" dirty="0">
-                <a:latin typeface="Consolas" panose="020B0609020204030204" pitchFamily="49" charset="0"/>
-                <a:cs typeface="Consolas" panose="020B0609020204030204" pitchFamily="49" charset="0"/>
-              </a:rPr>
-              <a:t>first=['</a:t>
-            </a:r>
-            <a:r>
-              <a:rPr lang="en-US" sz="2000" dirty="0" err="1">
-                <a:latin typeface="Consolas" panose="020B0609020204030204" pitchFamily="49" charset="0"/>
-                <a:cs typeface="Consolas" panose="020B0609020204030204" pitchFamily="49" charset="0"/>
-              </a:rPr>
-              <a:t>Xue</a:t>
-            </a:r>
-            <a:r>
-              <a:rPr lang="en-US" sz="2000" dirty="0">
-                <a:latin typeface="Consolas" panose="020B0609020204030204" pitchFamily="49" charset="0"/>
-                <a:cs typeface="Consolas" panose="020B0609020204030204" pitchFamily="49" charset="0"/>
-              </a:rPr>
-              <a:t>', 'Mary', 'Robert']     # our given input</a:t>
-            </a:r>
-          </a:p>
-          <a:p>
-            <a:r>
-              <a:rPr lang="en-US" sz="2000" dirty="0">
-                <a:latin typeface="Consolas" panose="020B0609020204030204" pitchFamily="49" charset="0"/>
-                <a:cs typeface="Consolas" panose="020B0609020204030204" pitchFamily="49" charset="0"/>
-              </a:rPr>
-              <a:t>target = 'Mary'                     # searching for Mary</a:t>
-            </a:r>
-          </a:p>
-          <a:p>
-            <a:r>
-              <a:rPr lang="en-US" sz="2000" dirty="0">
-                <a:latin typeface="Consolas" panose="020B0609020204030204" pitchFamily="49" charset="0"/>
-                <a:cs typeface="Consolas" panose="020B0609020204030204" pitchFamily="49" charset="0"/>
-              </a:rPr>
-              <a:t>index = -1</a:t>
-            </a:r>
-          </a:p>
-          <a:p>
-            <a:r>
-              <a:rPr lang="en-US" sz="2000" dirty="0">
-                <a:latin typeface="Consolas" panose="020B0609020204030204" pitchFamily="49" charset="0"/>
-                <a:cs typeface="Consolas" panose="020B0609020204030204" pitchFamily="49" charset="0"/>
-              </a:rPr>
-              <a:t>for </a:t>
-            </a:r>
-            <a:r>
-              <a:rPr lang="en-US" sz="2000" dirty="0" err="1">
-                <a:latin typeface="Consolas" panose="020B0609020204030204" pitchFamily="49" charset="0"/>
-                <a:cs typeface="Consolas" panose="020B0609020204030204" pitchFamily="49" charset="0"/>
-              </a:rPr>
-              <a:t>i</a:t>
-            </a:r>
-            <a:r>
-              <a:rPr lang="en-US" sz="2000" dirty="0">
-                <a:latin typeface="Consolas" panose="020B0609020204030204" pitchFamily="49" charset="0"/>
-                <a:cs typeface="Consolas" panose="020B0609020204030204" pitchFamily="49" charset="0"/>
-              </a:rPr>
-              <a:t> in range(</a:t>
-            </a:r>
-            <a:r>
-              <a:rPr lang="en-US" sz="2000" dirty="0" err="1">
-                <a:latin typeface="Consolas" panose="020B0609020204030204" pitchFamily="49" charset="0"/>
-                <a:cs typeface="Consolas" panose="020B0609020204030204" pitchFamily="49" charset="0"/>
-              </a:rPr>
-              <a:t>len</a:t>
-            </a:r>
-            <a:r>
-              <a:rPr lang="en-US" sz="2000" dirty="0">
-                <a:latin typeface="Consolas" panose="020B0609020204030204" pitchFamily="49" charset="0"/>
-                <a:cs typeface="Consolas" panose="020B0609020204030204" pitchFamily="49" charset="0"/>
-              </a:rPr>
-              <a:t>(first)):         # </a:t>
-            </a:r>
-            <a:r>
-              <a:rPr lang="en-US" sz="2000" dirty="0" err="1">
-                <a:latin typeface="Consolas" panose="020B0609020204030204" pitchFamily="49" charset="0"/>
-                <a:cs typeface="Consolas" panose="020B0609020204030204" pitchFamily="49" charset="0"/>
-              </a:rPr>
-              <a:t>i</a:t>
-            </a:r>
-            <a:r>
-              <a:rPr lang="en-US" sz="2000" dirty="0">
-                <a:latin typeface="Consolas" panose="020B0609020204030204" pitchFamily="49" charset="0"/>
-                <a:cs typeface="Consolas" panose="020B0609020204030204" pitchFamily="49" charset="0"/>
-              </a:rPr>
-              <a:t> is in range [0..n-1] or [0..n)</a:t>
-            </a:r>
-          </a:p>
-          <a:p>
-            <a:r>
-              <a:rPr lang="en-US" sz="2000" dirty="0">
-                <a:latin typeface="Consolas" panose="020B0609020204030204" pitchFamily="49" charset="0"/>
-                <a:cs typeface="Consolas" panose="020B0609020204030204" pitchFamily="49" charset="0"/>
-              </a:rPr>
-              <a:t>    if first[</a:t>
-            </a:r>
-            <a:r>
-              <a:rPr lang="en-US" sz="2000" dirty="0" err="1">
-                <a:latin typeface="Consolas" panose="020B0609020204030204" pitchFamily="49" charset="0"/>
-                <a:cs typeface="Consolas" panose="020B0609020204030204" pitchFamily="49" charset="0"/>
-              </a:rPr>
-              <a:t>i</a:t>
-            </a:r>
-            <a:r>
-              <a:rPr lang="en-US" sz="2000" dirty="0">
-                <a:latin typeface="Consolas" panose="020B0609020204030204" pitchFamily="49" charset="0"/>
-                <a:cs typeface="Consolas" panose="020B0609020204030204" pitchFamily="49" charset="0"/>
-              </a:rPr>
-              <a:t>]==target:</a:t>
-            </a:r>
-          </a:p>
-          <a:p>
-            <a:r>
-              <a:rPr lang="en-US" sz="2000" dirty="0">
-                <a:latin typeface="Consolas" panose="020B0609020204030204" pitchFamily="49" charset="0"/>
-                <a:cs typeface="Consolas" panose="020B0609020204030204" pitchFamily="49" charset="0"/>
-              </a:rPr>
-              <a:t>        index = </a:t>
-            </a:r>
-            <a:r>
-              <a:rPr lang="en-US" sz="2000" dirty="0" err="1">
-                <a:latin typeface="Consolas" panose="020B0609020204030204" pitchFamily="49" charset="0"/>
-                <a:cs typeface="Consolas" panose="020B0609020204030204" pitchFamily="49" charset="0"/>
-              </a:rPr>
-              <a:t>i</a:t>
-            </a:r>
-            <a:endParaRPr lang="en-US" sz="2000" dirty="0">
-              <a:latin typeface="Consolas" panose="020B0609020204030204" pitchFamily="49" charset="0"/>
-              <a:cs typeface="Consolas" panose="020B0609020204030204" pitchFamily="49" charset="0"/>
-            </a:endParaRPr>
-          </a:p>
-          <a:p>
-            <a:r>
-              <a:rPr lang="en-US" sz="2000" dirty="0">
-                <a:latin typeface="Consolas" panose="020B0609020204030204" pitchFamily="49" charset="0"/>
-                <a:cs typeface="Consolas" panose="020B0609020204030204" pitchFamily="49" charset="0"/>
-              </a:rPr>
-              <a:t>        break</a:t>
-            </a:r>
-          </a:p>
-          <a:p>
-            <a:r>
-              <a:rPr lang="en-US" sz="2000" dirty="0">
-                <a:latin typeface="Consolas" panose="020B0609020204030204" pitchFamily="49" charset="0"/>
-                <a:cs typeface="Consolas" panose="020B0609020204030204" pitchFamily="49" charset="0"/>
-              </a:rPr>
-              <a:t>print(index)</a:t>
-            </a:r>
-          </a:p>
-        </p:txBody>
-      </p:sp>
-      <p:sp>
-        <p:nvSpPr>
-          <p:cNvPr id="6" name="TextBox 5">
-            <a:extLst>
-              <a:ext uri="{FF2B5EF4-FFF2-40B4-BE49-F238E27FC236}">
-                <a16:creationId xmlns:a16="http://schemas.microsoft.com/office/drawing/2014/main" id="{D5C5DFAF-027C-D049-B55F-2D4AEFABAE9B}"/>
+              <a:rPr lang="en-US" sz="2000" dirty="0" err="1"/>
+              <a:t>oscars</a:t>
+            </a:r>
+            <a:r>
+              <a:rPr lang="en-US" sz="2000" dirty="0"/>
+              <a:t> = [</a:t>
+            </a:r>
+          </a:p>
+          <a:p>
+            <a:r>
+              <a:rPr lang="en-US" sz="2000" dirty="0"/>
+              <a:t>    [1984, "A Soldier's Story", 0],</a:t>
+            </a:r>
+          </a:p>
+          <a:p>
+            <a:r>
+              <a:rPr lang="en-US" sz="2000" dirty="0"/>
+              <a:t>    [1984, 'Places in the Heart', 0],</a:t>
+            </a:r>
+          </a:p>
+          <a:p>
+            <a:r>
+              <a:rPr lang="en-US" sz="2000" dirty="0"/>
+              <a:t>    [1984, 'The Killing Fields', 0],</a:t>
+            </a:r>
+          </a:p>
+          <a:p>
+            <a:r>
+              <a:rPr lang="en-US" sz="2000" dirty="0"/>
+              <a:t>    [1984, 'A Passage to India', 0],</a:t>
+            </a:r>
+          </a:p>
+          <a:p>
+            <a:r>
+              <a:rPr lang="en-US" sz="2000" dirty="0"/>
+              <a:t>    [1984, 'Amadeus', 1],</a:t>
+            </a:r>
+          </a:p>
+          <a:p>
+            <a:r>
+              <a:rPr lang="en-US" sz="2000" dirty="0"/>
+              <a:t>    [1985, "</a:t>
+            </a:r>
+            <a:r>
+              <a:rPr lang="en-US" sz="2000" dirty="0" err="1"/>
+              <a:t>Prizzi's</a:t>
+            </a:r>
+            <a:r>
+              <a:rPr lang="en-US" sz="2000" dirty="0"/>
+              <a:t> Honor", 0],</a:t>
+            </a:r>
+          </a:p>
+          <a:p>
+            <a:r>
+              <a:rPr lang="en-US" sz="2000" dirty="0"/>
+              <a:t>    [1985, 'Kiss of the Spider Woman', 0],</a:t>
+            </a:r>
+          </a:p>
+          <a:p>
+            <a:r>
+              <a:rPr lang="en-US" sz="2000" dirty="0"/>
+              <a:t>    [1985, 'Witness', 0],</a:t>
+            </a:r>
+          </a:p>
+          <a:p>
+            <a:r>
+              <a:rPr lang="en-US" sz="2000" dirty="0"/>
+              <a:t>    [1985, 'The Color Purple', 0],</a:t>
+            </a:r>
+          </a:p>
+          <a:p>
+            <a:r>
+              <a:rPr lang="en-US" sz="2000" dirty="0"/>
+              <a:t>    [1985, 'Out of Africa', 1]</a:t>
+            </a:r>
+          </a:p>
+          <a:p>
+            <a:r>
+              <a:rPr lang="en-US" sz="2000" dirty="0"/>
+              <a:t>]</a:t>
+            </a:r>
+          </a:p>
+          <a:p>
+            <a:r>
+              <a:rPr lang="en-US" sz="2000" dirty="0"/>
+              <a:t>print([movie for movie in </a:t>
+            </a:r>
+            <a:r>
+              <a:rPr lang="en-US" sz="2000" dirty="0" err="1"/>
+              <a:t>oscars</a:t>
+            </a:r>
+            <a:r>
+              <a:rPr lang="en-US" sz="2000" dirty="0"/>
+              <a:t> if movie[2]==1])</a:t>
+            </a:r>
+          </a:p>
+        </p:txBody>
+      </p:sp>
+      <p:sp>
+        <p:nvSpPr>
+          <p:cNvPr id="5" name="TextBox 4">
+            <a:extLst>
+              <a:ext uri="{FF2B5EF4-FFF2-40B4-BE49-F238E27FC236}">
+                <a16:creationId xmlns:a16="http://schemas.microsoft.com/office/drawing/2014/main" id="{7EA0E861-8C96-BB43-9800-CBF2AF1BD019}"/>
               </a:ext>
             </a:extLst>
           </p:cNvPr>
@@ -7036,10 +6710,97 @@
           </a:p>
         </p:txBody>
       </p:sp>
+      <p:sp>
+        <p:nvSpPr>
+          <p:cNvPr id="6" name="TextBox 5">
+            <a:extLst>
+              <a:ext uri="{FF2B5EF4-FFF2-40B4-BE49-F238E27FC236}">
+                <a16:creationId xmlns:a16="http://schemas.microsoft.com/office/drawing/2014/main" id="{5A9CF64A-7E41-4845-A20B-C70BFBECA20F}"/>
+              </a:ext>
+            </a:extLst>
+          </p:cNvPr>
+          <p:cNvSpPr txBox="1"/>
+          <p:nvPr/>
+        </p:nvSpPr>
+        <p:spPr>
+          <a:xfrm>
+            <a:off x="6841026" y="3749159"/>
+            <a:ext cx="4910383" cy="369332"/>
+          </a:xfrm>
+          <a:prstGeom prst="rect">
+            <a:avLst/>
+          </a:prstGeom>
+          <a:noFill/>
+        </p:spPr>
+        <p:txBody>
+          <a:bodyPr wrap="none" rtlCol="0">
+            <a:spAutoFit/>
+          </a:bodyPr>
+          <a:lstStyle/>
+          <a:p>
+            <a:r>
+              <a:rPr lang="en-US" dirty="0"/>
+              <a:t>[[1984, 'Amadeus', 1], [1985, 'Out of Africa', 1]]</a:t>
+            </a:r>
+          </a:p>
+        </p:txBody>
+      </p:sp>
+      <p:sp>
+        <p:nvSpPr>
+          <p:cNvPr id="7" name="Right Arrow 6">
+            <a:extLst>
+              <a:ext uri="{FF2B5EF4-FFF2-40B4-BE49-F238E27FC236}">
+                <a16:creationId xmlns:a16="http://schemas.microsoft.com/office/drawing/2014/main" id="{A8DD2075-543D-254F-BDF0-C94AAAFD70F5}"/>
+              </a:ext>
+            </a:extLst>
+          </p:cNvPr>
+          <p:cNvSpPr/>
+          <p:nvPr/>
+        </p:nvSpPr>
+        <p:spPr>
+          <a:xfrm>
+            <a:off x="5465009" y="3749159"/>
+            <a:ext cx="978408" cy="484632"/>
+          </a:xfrm>
+          <a:prstGeom prst="rightArrow">
+            <a:avLst/>
+          </a:prstGeom>
+          <a:solidFill>
+            <a:schemeClr val="accent1">
+              <a:lumMod val="40000"/>
+              <a:lumOff val="60000"/>
+            </a:schemeClr>
+          </a:solidFill>
+        </p:spPr>
+        <p:style>
+          <a:lnRef idx="2">
+            <a:schemeClr val="accent1">
+              <a:shade val="50000"/>
+            </a:schemeClr>
+          </a:lnRef>
+          <a:fillRef idx="1">
+            <a:schemeClr val="accent1"/>
+          </a:fillRef>
+          <a:effectRef idx="0">
+            <a:schemeClr val="accent1"/>
+          </a:effectRef>
+          <a:fontRef idx="minor">
+            <a:schemeClr val="lt1"/>
+          </a:fontRef>
+        </p:style>
+        <p:txBody>
+          <a:bodyPr rtlCol="0" anchor="ctr"/>
+          <a:lstStyle/>
+          <a:p>
+            <a:pPr algn="ctr"/>
+            <a:endParaRPr lang="en-US" dirty="0"/>
+          </a:p>
+        </p:txBody>
+      </p:sp>
     </p:spTree>
     <p:extLst>
       <p:ext uri="{BB962C8B-B14F-4D97-AF65-F5344CB8AC3E}">
-        <p14:creationId xmlns:p14="http://schemas.microsoft.com/office/powerpoint/2010/main" val="291572411"/>
+        <p14:creationId xmlns:p14="http://schemas.microsoft.com/office/powerpoint/2010/main" val="2290523565"/>
       </p:ext>
     </p:extLst>
   </p:cSld>
@@ -7071,7 +6832,7 @@
           <p:cNvPr id="2" name="Title 1">
             <a:extLst>
               <a:ext uri="{FF2B5EF4-FFF2-40B4-BE49-F238E27FC236}">
-                <a16:creationId xmlns:a16="http://schemas.microsoft.com/office/drawing/2014/main" id="{23D4C3EE-2EC7-8F43-98D5-6C2DFB65C734}"/>
+                <a16:creationId xmlns:a16="http://schemas.microsoft.com/office/drawing/2014/main" id="{F77FE7A4-2777-5C4D-94F0-04A4ACC6EDEC}"/>
               </a:ext>
             </a:extLst>
           </p:cNvPr>
@@ -7089,7 +6850,7 @@
           <a:p>
             <a:r>
               <a:rPr lang="en-US" dirty="0"/>
-              <a:t>Grid/matrix processing</a:t>
+              <a:t>Search</a:t>
             </a:r>
           </a:p>
         </p:txBody>
@@ -7099,7 +6860,7 @@
           <p:cNvPr id="3" name="Content Placeholder 2">
             <a:extLst>
               <a:ext uri="{FF2B5EF4-FFF2-40B4-BE49-F238E27FC236}">
-                <a16:creationId xmlns:a16="http://schemas.microsoft.com/office/drawing/2014/main" id="{E7872409-F1BE-884D-8E51-137F95985FB7}"/>
+                <a16:creationId xmlns:a16="http://schemas.microsoft.com/office/drawing/2014/main" id="{B69CD4CA-618D-464C-A267-0B28C30F1F5A}"/>
               </a:ext>
             </a:extLst>
           </p:cNvPr>
@@ -7112,8 +6873,8 @@
         </p:nvSpPr>
         <p:spPr>
           <a:xfrm>
-            <a:off x="838199" y="1600200"/>
-            <a:ext cx="10671313" cy="4576763"/>
+            <a:off x="838200" y="1438507"/>
+            <a:ext cx="10515600" cy="4738456"/>
           </a:xfrm>
         </p:spPr>
         <p:txBody>
@@ -7122,23 +6883,23 @@
           <a:p>
             <a:r>
               <a:rPr lang="en-US" dirty="0"/>
-              <a:t>Any time you need to process each cell in a two dimensional structure such as an image or matrix, think "nested loop"</a:t>
+              <a:t>The filter operation finds all elements in a sequence that satisfy a specific condition, but often we'd like to know which element satisfies the condition first (or last)</a:t>
             </a:r>
           </a:p>
           <a:p>
             <a:r>
               <a:rPr lang="en-US" dirty="0"/>
-              <a:t>Single loop does 1D, nested loop does 2D, triple loop does 3D... </a:t>
-            </a:r>
-          </a:p>
-        </p:txBody>
-      </p:sp>
-      <p:sp>
-        <p:nvSpPr>
-          <p:cNvPr id="4" name="TextBox 3">
-            <a:extLst>
-              <a:ext uri="{FF2B5EF4-FFF2-40B4-BE49-F238E27FC236}">
-                <a16:creationId xmlns:a16="http://schemas.microsoft.com/office/drawing/2014/main" id="{8A848F8A-21D2-F145-BAD5-D9CAA83C5B21}"/>
+              <a:t>Search returns the first (or last) position in the sequence rather than the value at that position</a:t>
+            </a:r>
+          </a:p>
+        </p:txBody>
+      </p:sp>
+      <p:sp>
+        <p:nvSpPr>
+          <p:cNvPr id="5" name="TextBox 4">
+            <a:extLst>
+              <a:ext uri="{FF2B5EF4-FFF2-40B4-BE49-F238E27FC236}">
+                <a16:creationId xmlns:a16="http://schemas.microsoft.com/office/drawing/2014/main" id="{8CD8F814-F0B2-C049-8E3A-8D64F3E3F076}"/>
               </a:ext>
             </a:extLst>
           </p:cNvPr>
@@ -7147,8 +6908,8 @@
         </p:nvSpPr>
         <p:spPr>
           <a:xfrm>
-            <a:off x="2539920" y="3090335"/>
-            <a:ext cx="8225329" cy="3477875"/>
+            <a:off x="1294636" y="3622418"/>
+            <a:ext cx="10059164" cy="2554545"/>
           </a:xfrm>
           <a:prstGeom prst="rect">
             <a:avLst/>
@@ -7162,43 +6923,80 @@
           <a:lstStyle/>
           <a:p>
             <a:r>
+              <a:rPr lang="en-US" sz="2000" dirty="0">
+                <a:latin typeface="Consolas" panose="020B0609020204030204" pitchFamily="49" charset="0"/>
+                <a:cs typeface="Consolas" panose="020B0609020204030204" pitchFamily="49" charset="0"/>
+              </a:rPr>
+              <a:t>first=['</a:t>
+            </a:r>
+            <a:r>
               <a:rPr lang="en-US" sz="2000" dirty="0" err="1">
                 <a:latin typeface="Consolas" panose="020B0609020204030204" pitchFamily="49" charset="0"/>
                 <a:cs typeface="Consolas" panose="020B0609020204030204" pitchFamily="49" charset="0"/>
               </a:rPr>
-              <a:t>nrows</a:t>
+              <a:t>Xue</a:t>
             </a:r>
             <a:r>
               <a:rPr lang="en-US" sz="2000" dirty="0">
                 <a:latin typeface="Consolas" panose="020B0609020204030204" pitchFamily="49" charset="0"/>
                 <a:cs typeface="Consolas" panose="020B0609020204030204" pitchFamily="49" charset="0"/>
               </a:rPr>
-              <a:t> = 3</a:t>
-            </a:r>
-          </a:p>
-          <a:p>
+              <a:t>', 'Mary', 'Robert']     # our given input</a:t>
+            </a:r>
+          </a:p>
+          <a:p>
+            <a:r>
+              <a:rPr lang="en-US" sz="2000" dirty="0">
+                <a:latin typeface="Consolas" panose="020B0609020204030204" pitchFamily="49" charset="0"/>
+                <a:cs typeface="Consolas" panose="020B0609020204030204" pitchFamily="49" charset="0"/>
+              </a:rPr>
+              <a:t>target = 'Mary'                     # searching for Mary</a:t>
+            </a:r>
+          </a:p>
+          <a:p>
+            <a:r>
+              <a:rPr lang="en-US" sz="2000" dirty="0">
+                <a:latin typeface="Consolas" panose="020B0609020204030204" pitchFamily="49" charset="0"/>
+                <a:cs typeface="Consolas" panose="020B0609020204030204" pitchFamily="49" charset="0"/>
+              </a:rPr>
+              <a:t>index = -1</a:t>
+            </a:r>
+          </a:p>
+          <a:p>
+            <a:r>
+              <a:rPr lang="en-US" sz="2000" dirty="0">
+                <a:latin typeface="Consolas" panose="020B0609020204030204" pitchFamily="49" charset="0"/>
+                <a:cs typeface="Consolas" panose="020B0609020204030204" pitchFamily="49" charset="0"/>
+              </a:rPr>
+              <a:t>for </a:t>
+            </a:r>
             <a:r>
               <a:rPr lang="en-US" sz="2000" dirty="0" err="1">
                 <a:latin typeface="Consolas" panose="020B0609020204030204" pitchFamily="49" charset="0"/>
                 <a:cs typeface="Consolas" panose="020B0609020204030204" pitchFamily="49" charset="0"/>
               </a:rPr>
-              <a:t>ncols</a:t>
+              <a:t>i</a:t>
             </a:r>
             <a:r>
               <a:rPr lang="en-US" sz="2000" dirty="0">
                 <a:latin typeface="Consolas" panose="020B0609020204030204" pitchFamily="49" charset="0"/>
                 <a:cs typeface="Consolas" panose="020B0609020204030204" pitchFamily="49" charset="0"/>
               </a:rPr>
-              <a:t> = 3</a:t>
-            </a:r>
-          </a:p>
-          <a:p>
+              <a:t> in range(</a:t>
+            </a:r>
+            <a:r>
+              <a:rPr lang="en-US" sz="2000" dirty="0" err="1">
+                <a:latin typeface="Consolas" panose="020B0609020204030204" pitchFamily="49" charset="0"/>
+                <a:cs typeface="Consolas" panose="020B0609020204030204" pitchFamily="49" charset="0"/>
+              </a:rPr>
+              <a:t>len</a:t>
+            </a:r>
             <a:r>
               <a:rPr lang="en-US" sz="2000" dirty="0">
                 <a:latin typeface="Consolas" panose="020B0609020204030204" pitchFamily="49" charset="0"/>
                 <a:cs typeface="Consolas" panose="020B0609020204030204" pitchFamily="49" charset="0"/>
               </a:rPr>
-              <a:t># column j value varies more quickly than the row </a:t>
+              <a:t>(first)):         # </a:t>
             </a:r>
             <a:r>
               <a:rPr lang="en-US" sz="2000" dirty="0" err="1">
@@ -7212,7 +7010,7 @@
                 <a:latin typeface="Consolas" panose="020B0609020204030204" pitchFamily="49" charset="0"/>
                 <a:cs typeface="Consolas" panose="020B0609020204030204" pitchFamily="49" charset="0"/>
               </a:rPr>
-              <a:t> value</a:t>
+              <a:t> is in range [0..n-1] or [0..n)</a:t>
             </a:r>
           </a:p>
           <a:p>
@@ -7221,7 +7019,7 @@
                 <a:latin typeface="Consolas" panose="020B0609020204030204" pitchFamily="49" charset="0"/>
                 <a:cs typeface="Consolas" panose="020B0609020204030204" pitchFamily="49" charset="0"/>
               </a:rPr>
-              <a:t>for </a:t>
+              <a:t>    if first[</a:t>
             </a:r>
             <a:r>
               <a:rPr lang="en-US" sz="2000" dirty="0" err="1">
@@ -7235,70 +7033,24 @@
                 <a:latin typeface="Consolas" panose="020B0609020204030204" pitchFamily="49" charset="0"/>
                 <a:cs typeface="Consolas" panose="020B0609020204030204" pitchFamily="49" charset="0"/>
               </a:rPr>
-              <a:t> in range(</a:t>
+              <a:t>]==target:</a:t>
+            </a:r>
+          </a:p>
+          <a:p>
+            <a:r>
+              <a:rPr lang="en-US" sz="2000" dirty="0">
+                <a:latin typeface="Consolas" panose="020B0609020204030204" pitchFamily="49" charset="0"/>
+                <a:cs typeface="Consolas" panose="020B0609020204030204" pitchFamily="49" charset="0"/>
+              </a:rPr>
+              <a:t>        index = </a:t>
             </a:r>
             <a:r>
               <a:rPr lang="en-US" sz="2000" dirty="0" err="1">
                 <a:latin typeface="Consolas" panose="020B0609020204030204" pitchFamily="49" charset="0"/>
                 <a:cs typeface="Consolas" panose="020B0609020204030204" pitchFamily="49" charset="0"/>
               </a:rPr>
-              <a:t>nrows</a:t>
-            </a:r>
-            <a:r>
-              <a:rPr lang="en-US" sz="2000" dirty="0">
-                <a:latin typeface="Consolas" panose="020B0609020204030204" pitchFamily="49" charset="0"/>
-                <a:cs typeface="Consolas" panose="020B0609020204030204" pitchFamily="49" charset="0"/>
-              </a:rPr>
-              <a:t>):</a:t>
-            </a:r>
-          </a:p>
-          <a:p>
-            <a:r>
-              <a:rPr lang="en-US" sz="2000" dirty="0">
-                <a:latin typeface="Consolas" panose="020B0609020204030204" pitchFamily="49" charset="0"/>
-                <a:cs typeface="Consolas" panose="020B0609020204030204" pitchFamily="49" charset="0"/>
-              </a:rPr>
-              <a:t>    for j in range(</a:t>
-            </a:r>
-            <a:r>
-              <a:rPr lang="en-US" sz="2000" dirty="0" err="1">
-                <a:latin typeface="Consolas" panose="020B0609020204030204" pitchFamily="49" charset="0"/>
-                <a:cs typeface="Consolas" panose="020B0609020204030204" pitchFamily="49" charset="0"/>
-              </a:rPr>
-              <a:t>ncols</a:t>
-            </a:r>
-            <a:r>
-              <a:rPr lang="en-US" sz="2000" dirty="0">
-                <a:latin typeface="Consolas" panose="020B0609020204030204" pitchFamily="49" charset="0"/>
-                <a:cs typeface="Consolas" panose="020B0609020204030204" pitchFamily="49" charset="0"/>
-              </a:rPr>
-              <a:t>):</a:t>
-            </a:r>
-          </a:p>
-          <a:p>
-            <a:r>
-              <a:rPr lang="en-US" sz="2000" dirty="0">
-                <a:latin typeface="Consolas" panose="020B0609020204030204" pitchFamily="49" charset="0"/>
-                <a:cs typeface="Consolas" panose="020B0609020204030204" pitchFamily="49" charset="0"/>
-              </a:rPr>
-              <a:t>        print( </a:t>
-            </a:r>
-            <a:r>
-              <a:rPr lang="en-US" sz="2000" dirty="0" err="1">
-                <a:latin typeface="Consolas" panose="020B0609020204030204" pitchFamily="49" charset="0"/>
-                <a:cs typeface="Consolas" panose="020B0609020204030204" pitchFamily="49" charset="0"/>
-              </a:rPr>
               <a:t>i</a:t>
             </a:r>
-            <a:r>
-              <a:rPr lang="en-US" sz="2000" dirty="0">
-                <a:latin typeface="Consolas" panose="020B0609020204030204" pitchFamily="49" charset="0"/>
-                <a:cs typeface="Consolas" panose="020B0609020204030204" pitchFamily="49" charset="0"/>
-              </a:rPr>
-              <a:t>, j )</a:t>
-            </a:r>
-          </a:p>
-          <a:p>
             <a:endParaRPr lang="en-US" sz="2000" dirty="0">
               <a:latin typeface="Consolas" panose="020B0609020204030204" pitchFamily="49" charset="0"/>
               <a:cs typeface="Consolas" panose="020B0609020204030204" pitchFamily="49" charset="0"/>
@@ -7310,114 +7062,26 @@
                 <a:latin typeface="Consolas" panose="020B0609020204030204" pitchFamily="49" charset="0"/>
                 <a:cs typeface="Consolas" panose="020B0609020204030204" pitchFamily="49" charset="0"/>
               </a:rPr>
-              <a:t># row </a:t>
-            </a:r>
-            <a:r>
-              <a:rPr lang="en-US" sz="2000" dirty="0" err="1">
-                <a:latin typeface="Consolas" panose="020B0609020204030204" pitchFamily="49" charset="0"/>
-                <a:cs typeface="Consolas" panose="020B0609020204030204" pitchFamily="49" charset="0"/>
-              </a:rPr>
-              <a:t>i</a:t>
-            </a:r>
+              <a:t>        break</a:t>
+            </a:r>
+          </a:p>
+          <a:p>
             <a:r>
               <a:rPr lang="en-US" sz="2000" dirty="0">
                 <a:latin typeface="Consolas" panose="020B0609020204030204" pitchFamily="49" charset="0"/>
                 <a:cs typeface="Consolas" panose="020B0609020204030204" pitchFamily="49" charset="0"/>
               </a:rPr>
-              <a:t> value varies more quickly than j</a:t>
-            </a:r>
-          </a:p>
-          <a:p>
-            <a:r>
-              <a:rPr lang="en-US" sz="2000" dirty="0">
-                <a:latin typeface="Consolas" panose="020B0609020204030204" pitchFamily="49" charset="0"/>
-                <a:cs typeface="Consolas" panose="020B0609020204030204" pitchFamily="49" charset="0"/>
-              </a:rPr>
-              <a:t>for j in range(</a:t>
-            </a:r>
-            <a:r>
-              <a:rPr lang="en-US" sz="2000" dirty="0" err="1">
-                <a:latin typeface="Consolas" panose="020B0609020204030204" pitchFamily="49" charset="0"/>
-                <a:cs typeface="Consolas" panose="020B0609020204030204" pitchFamily="49" charset="0"/>
-              </a:rPr>
-              <a:t>ncols</a:t>
-            </a:r>
-            <a:r>
-              <a:rPr lang="en-US" sz="2000" dirty="0">
-                <a:latin typeface="Consolas" panose="020B0609020204030204" pitchFamily="49" charset="0"/>
-                <a:cs typeface="Consolas" panose="020B0609020204030204" pitchFamily="49" charset="0"/>
-              </a:rPr>
-              <a:t>):</a:t>
-            </a:r>
-          </a:p>
-          <a:p>
-            <a:r>
-              <a:rPr lang="en-US" sz="2000" dirty="0">
-                <a:latin typeface="Consolas" panose="020B0609020204030204" pitchFamily="49" charset="0"/>
-                <a:cs typeface="Consolas" panose="020B0609020204030204" pitchFamily="49" charset="0"/>
-              </a:rPr>
-              <a:t>    for </a:t>
-            </a:r>
-            <a:r>
-              <a:rPr lang="en-US" sz="2000" dirty="0" err="1">
-                <a:latin typeface="Consolas" panose="020B0609020204030204" pitchFamily="49" charset="0"/>
-                <a:cs typeface="Consolas" panose="020B0609020204030204" pitchFamily="49" charset="0"/>
-              </a:rPr>
-              <a:t>i</a:t>
-            </a:r>
-            <a:r>
-              <a:rPr lang="en-US" sz="2000" dirty="0">
-                <a:latin typeface="Consolas" panose="020B0609020204030204" pitchFamily="49" charset="0"/>
-                <a:cs typeface="Consolas" panose="020B0609020204030204" pitchFamily="49" charset="0"/>
-              </a:rPr>
-              <a:t> in range(</a:t>
-            </a:r>
-            <a:r>
-              <a:rPr lang="en-US" sz="2000" dirty="0" err="1">
-                <a:latin typeface="Consolas" panose="020B0609020204030204" pitchFamily="49" charset="0"/>
-                <a:cs typeface="Consolas" panose="020B0609020204030204" pitchFamily="49" charset="0"/>
-              </a:rPr>
-              <a:t>nrows</a:t>
-            </a:r>
-            <a:r>
-              <a:rPr lang="en-US" sz="2000" dirty="0">
-                <a:latin typeface="Consolas" panose="020B0609020204030204" pitchFamily="49" charset="0"/>
-                <a:cs typeface="Consolas" panose="020B0609020204030204" pitchFamily="49" charset="0"/>
-              </a:rPr>
-              <a:t>):</a:t>
-            </a:r>
-          </a:p>
-          <a:p>
-            <a:r>
-              <a:rPr lang="en-US" sz="2000" dirty="0">
-                <a:latin typeface="Consolas" panose="020B0609020204030204" pitchFamily="49" charset="0"/>
-                <a:cs typeface="Consolas" panose="020B0609020204030204" pitchFamily="49" charset="0"/>
-              </a:rPr>
-              <a:t>        print( </a:t>
-            </a:r>
-            <a:r>
-              <a:rPr lang="en-US" sz="2000" dirty="0" err="1">
-                <a:latin typeface="Consolas" panose="020B0609020204030204" pitchFamily="49" charset="0"/>
-                <a:cs typeface="Consolas" panose="020B0609020204030204" pitchFamily="49" charset="0"/>
-              </a:rPr>
-              <a:t>i</a:t>
-            </a:r>
-            <a:r>
-              <a:rPr lang="en-US" sz="2000" dirty="0">
-                <a:latin typeface="Consolas" panose="020B0609020204030204" pitchFamily="49" charset="0"/>
-                <a:cs typeface="Consolas" panose="020B0609020204030204" pitchFamily="49" charset="0"/>
-              </a:rPr>
-              <a:t>, j )</a:t>
-            </a:r>
-          </a:p>
-        </p:txBody>
-      </p:sp>
-      <p:sp>
-        <p:nvSpPr>
-          <p:cNvPr id="5" name="TextBox 4">
-            <a:extLst>
-              <a:ext uri="{FF2B5EF4-FFF2-40B4-BE49-F238E27FC236}">
-                <a16:creationId xmlns:a16="http://schemas.microsoft.com/office/drawing/2014/main" id="{8756EA78-48AD-454C-8642-7427DC15FC0C}"/>
+              <a:t>print(index)</a:t>
+            </a:r>
+          </a:p>
+        </p:txBody>
+      </p:sp>
+      <p:sp>
+        <p:nvSpPr>
+          <p:cNvPr id="6" name="TextBox 5">
+            <a:extLst>
+              <a:ext uri="{FF2B5EF4-FFF2-40B4-BE49-F238E27FC236}">
+                <a16:creationId xmlns:a16="http://schemas.microsoft.com/office/drawing/2014/main" id="{D5C5DFAF-027C-D049-B55F-2D4AEFABAE9B}"/>
               </a:ext>
             </a:extLst>
           </p:cNvPr>
@@ -7426,7 +7090,7 @@
         </p:nvSpPr>
         <p:spPr>
           <a:xfrm>
-            <a:off x="0" y="6492875"/>
+            <a:off x="0" y="6488668"/>
             <a:ext cx="2813591" cy="369332"/>
           </a:xfrm>
           <a:prstGeom prst="rect">
@@ -7456,57 +7120,10 @@
           </a:p>
         </p:txBody>
       </p:sp>
-      <p:pic>
-        <p:nvPicPr>
-          <p:cNvPr id="1026" name="Picture 2">
-            <a:extLst>
-              <a:ext uri="{FF2B5EF4-FFF2-40B4-BE49-F238E27FC236}">
-                <a16:creationId xmlns:a16="http://schemas.microsoft.com/office/drawing/2014/main" id="{BDFDE402-8C7F-8746-9BC3-B260A69F5534}"/>
-              </a:ext>
-            </a:extLst>
-          </p:cNvPr>
-          <p:cNvPicPr>
-            <a:picLocks noChangeAspect="1" noChangeArrowheads="1"/>
-          </p:cNvPicPr>
-          <p:nvPr/>
-        </p:nvPicPr>
-        <p:blipFill>
-          <a:blip r:embed="rId3">
-            <a:extLst>
-              <a:ext uri="{28A0092B-C50C-407E-A947-70E740481C1C}">
-                <a14:useLocalDpi xmlns:a14="http://schemas.microsoft.com/office/drawing/2010/main" val="0"/>
-              </a:ext>
-            </a:extLst>
-          </a:blip>
-          <a:srcRect/>
-          <a:stretch>
-            <a:fillRect/>
-          </a:stretch>
-        </p:blipFill>
-        <p:spPr bwMode="auto">
-          <a:xfrm>
-            <a:off x="9740347" y="71128"/>
-            <a:ext cx="2345628" cy="1436961"/>
-          </a:xfrm>
-          <a:prstGeom prst="rect">
-            <a:avLst/>
-          </a:prstGeom>
-          <a:noFill/>
-          <a:extLst>
-            <a:ext uri="{909E8E84-426E-40DD-AFC4-6F175D3DCCD1}">
-              <a14:hiddenFill xmlns:a14="http://schemas.microsoft.com/office/drawing/2010/main">
-                <a:solidFill>
-                  <a:srgbClr val="FFFFFF"/>
-                </a:solidFill>
-              </a14:hiddenFill>
-            </a:ext>
-          </a:extLst>
-        </p:spPr>
-      </p:pic>
     </p:spTree>
     <p:extLst>
       <p:ext uri="{BB962C8B-B14F-4D97-AF65-F5344CB8AC3E}">
-        <p14:creationId xmlns:p14="http://schemas.microsoft.com/office/powerpoint/2010/main" val="1299248187"/>
+        <p14:creationId xmlns:p14="http://schemas.microsoft.com/office/powerpoint/2010/main" val="291572411"/>
       </p:ext>
     </p:extLst>
   </p:cSld>
@@ -7538,7 +7155,7 @@
           <p:cNvPr id="2" name="Title 1">
             <a:extLst>
               <a:ext uri="{FF2B5EF4-FFF2-40B4-BE49-F238E27FC236}">
-                <a16:creationId xmlns:a16="http://schemas.microsoft.com/office/drawing/2014/main" id="{79BF3B7B-A1F8-C248-8AAA-D4E062C8D7B4}"/>
+                <a16:creationId xmlns:a16="http://schemas.microsoft.com/office/drawing/2014/main" id="{23D4C3EE-2EC7-8F43-98D5-6C2DFB65C734}"/>
               </a:ext>
             </a:extLst>
           </p:cNvPr>
@@ -7556,7 +7173,7 @@
           <a:p>
             <a:r>
               <a:rPr lang="en-US" dirty="0"/>
-              <a:t>Image processing</a:t>
+              <a:t>Grid/matrix processing</a:t>
             </a:r>
           </a:p>
         </p:txBody>
@@ -7566,7 +7183,7 @@
           <p:cNvPr id="3" name="Content Placeholder 2">
             <a:extLst>
               <a:ext uri="{FF2B5EF4-FFF2-40B4-BE49-F238E27FC236}">
-                <a16:creationId xmlns:a16="http://schemas.microsoft.com/office/drawing/2014/main" id="{923B946B-8376-AB43-B016-EF840EC9F120}"/>
+                <a16:creationId xmlns:a16="http://schemas.microsoft.com/office/drawing/2014/main" id="{E7872409-F1BE-884D-8E51-137F95985FB7}"/>
               </a:ext>
             </a:extLst>
           </p:cNvPr>
@@ -7577,58 +7194,358 @@
             <p:ph idx="1"/>
           </p:nvPr>
         </p:nvSpPr>
-        <p:spPr/>
+        <p:spPr>
+          <a:xfrm>
+            <a:off x="838199" y="1600200"/>
+            <a:ext cx="10671313" cy="4576763"/>
+          </a:xfrm>
+        </p:spPr>
         <p:txBody>
           <a:bodyPr/>
           <a:lstStyle/>
           <a:p>
             <a:r>
               <a:rPr lang="en-US" dirty="0"/>
-              <a:t>The images project requires that you traverse</a:t>
-            </a:r>
-            <a:br>
+              <a:t>Any time you need to process each cell in a two dimensional structure such as an image or matrix, think "nested loop"</a:t>
+            </a:r>
+          </a:p>
+          <a:p>
+            <a:r>
               <a:rPr lang="en-US" dirty="0"/>
-            </a:br>
-            <a:r>
-              <a:rPr lang="en-US" dirty="0"/>
-              <a:t>the </a:t>
-            </a:r>
-            <a:r>
-              <a:rPr lang="en-US" dirty="0" err="1"/>
-              <a:t>x,y</a:t>
-            </a:r>
-            <a:r>
-              <a:rPr lang="en-US" dirty="0"/>
-              <a:t> coordinates of images</a:t>
-            </a:r>
-          </a:p>
-          <a:p>
-            <a:r>
-              <a:rPr lang="en-US" dirty="0"/>
-              <a:t>An image is nothing more than a 2D matrix</a:t>
-            </a:r>
-            <a:br>
-              <a:rPr lang="en-US" dirty="0"/>
-            </a:br>
-            <a:r>
-              <a:rPr lang="en-US" dirty="0"/>
-              <a:t>whose entries are grayscale pixels in 0 to 255</a:t>
-            </a:r>
-          </a:p>
-          <a:p>
-            <a:r>
-              <a:rPr lang="en-US" dirty="0"/>
-              <a:t>A pixel value of 0 is black and 255 is white</a:t>
-            </a:r>
+              <a:t>Single loop does 1D, nested loop does 2D, triple loop does 3D... </a:t>
+            </a:r>
+          </a:p>
+        </p:txBody>
+      </p:sp>
+      <p:sp>
+        <p:nvSpPr>
+          <p:cNvPr id="4" name="TextBox 3">
+            <a:extLst>
+              <a:ext uri="{FF2B5EF4-FFF2-40B4-BE49-F238E27FC236}">
+                <a16:creationId xmlns:a16="http://schemas.microsoft.com/office/drawing/2014/main" id="{8A848F8A-21D2-F145-BAD5-D9CAA83C5B21}"/>
+              </a:ext>
+            </a:extLst>
+          </p:cNvPr>
+          <p:cNvSpPr txBox="1"/>
+          <p:nvPr/>
+        </p:nvSpPr>
+        <p:spPr>
+          <a:xfrm>
+            <a:off x="2539920" y="3090335"/>
+            <a:ext cx="8225329" cy="3477875"/>
+          </a:xfrm>
+          <a:prstGeom prst="rect">
+            <a:avLst/>
+          </a:prstGeom>
+          <a:noFill/>
+        </p:spPr>
+        <p:txBody>
+          <a:bodyPr wrap="none" rtlCol="0">
+            <a:spAutoFit/>
+          </a:bodyPr>
+          <a:lstStyle/>
+          <a:p>
+            <a:r>
+              <a:rPr lang="en-US" sz="2000" dirty="0" err="1">
+                <a:latin typeface="Consolas" panose="020B0609020204030204" pitchFamily="49" charset="0"/>
+                <a:cs typeface="Consolas" panose="020B0609020204030204" pitchFamily="49" charset="0"/>
+              </a:rPr>
+              <a:t>nrows</a:t>
+            </a:r>
+            <a:r>
+              <a:rPr lang="en-US" sz="2000" dirty="0">
+                <a:latin typeface="Consolas" panose="020B0609020204030204" pitchFamily="49" charset="0"/>
+                <a:cs typeface="Consolas" panose="020B0609020204030204" pitchFamily="49" charset="0"/>
+              </a:rPr>
+              <a:t> = 3</a:t>
+            </a:r>
+          </a:p>
+          <a:p>
+            <a:r>
+              <a:rPr lang="en-US" sz="2000" dirty="0" err="1">
+                <a:latin typeface="Consolas" panose="020B0609020204030204" pitchFamily="49" charset="0"/>
+                <a:cs typeface="Consolas" panose="020B0609020204030204" pitchFamily="49" charset="0"/>
+              </a:rPr>
+              <a:t>ncols</a:t>
+            </a:r>
+            <a:r>
+              <a:rPr lang="en-US" sz="2000" dirty="0">
+                <a:latin typeface="Consolas" panose="020B0609020204030204" pitchFamily="49" charset="0"/>
+                <a:cs typeface="Consolas" panose="020B0609020204030204" pitchFamily="49" charset="0"/>
+              </a:rPr>
+              <a:t> = 3</a:t>
+            </a:r>
+          </a:p>
+          <a:p>
+            <a:r>
+              <a:rPr lang="en-US" sz="2000" dirty="0">
+                <a:latin typeface="Consolas" panose="020B0609020204030204" pitchFamily="49" charset="0"/>
+                <a:cs typeface="Consolas" panose="020B0609020204030204" pitchFamily="49" charset="0"/>
+              </a:rPr>
+              <a:t># column j value varies more quickly than the row </a:t>
+            </a:r>
+            <a:r>
+              <a:rPr lang="en-US" sz="2000" dirty="0" err="1">
+                <a:latin typeface="Consolas" panose="020B0609020204030204" pitchFamily="49" charset="0"/>
+                <a:cs typeface="Consolas" panose="020B0609020204030204" pitchFamily="49" charset="0"/>
+              </a:rPr>
+              <a:t>i</a:t>
+            </a:r>
+            <a:r>
+              <a:rPr lang="en-US" sz="2000" dirty="0">
+                <a:latin typeface="Consolas" panose="020B0609020204030204" pitchFamily="49" charset="0"/>
+                <a:cs typeface="Consolas" panose="020B0609020204030204" pitchFamily="49" charset="0"/>
+              </a:rPr>
+              <a:t> value</a:t>
+            </a:r>
+          </a:p>
+          <a:p>
+            <a:r>
+              <a:rPr lang="en-US" sz="2000" dirty="0">
+                <a:latin typeface="Consolas" panose="020B0609020204030204" pitchFamily="49" charset="0"/>
+                <a:cs typeface="Consolas" panose="020B0609020204030204" pitchFamily="49" charset="0"/>
+              </a:rPr>
+              <a:t>for </a:t>
+            </a:r>
+            <a:r>
+              <a:rPr lang="en-US" sz="2000" dirty="0" err="1">
+                <a:latin typeface="Consolas" panose="020B0609020204030204" pitchFamily="49" charset="0"/>
+                <a:cs typeface="Consolas" panose="020B0609020204030204" pitchFamily="49" charset="0"/>
+              </a:rPr>
+              <a:t>i</a:t>
+            </a:r>
+            <a:r>
+              <a:rPr lang="en-US" sz="2000" dirty="0">
+                <a:latin typeface="Consolas" panose="020B0609020204030204" pitchFamily="49" charset="0"/>
+                <a:cs typeface="Consolas" panose="020B0609020204030204" pitchFamily="49" charset="0"/>
+              </a:rPr>
+              <a:t> in range(</a:t>
+            </a:r>
+            <a:r>
+              <a:rPr lang="en-US" sz="2000" dirty="0" err="1">
+                <a:latin typeface="Consolas" panose="020B0609020204030204" pitchFamily="49" charset="0"/>
+                <a:cs typeface="Consolas" panose="020B0609020204030204" pitchFamily="49" charset="0"/>
+              </a:rPr>
+              <a:t>nrows</a:t>
+            </a:r>
+            <a:r>
+              <a:rPr lang="en-US" sz="2000" dirty="0">
+                <a:latin typeface="Consolas" panose="020B0609020204030204" pitchFamily="49" charset="0"/>
+                <a:cs typeface="Consolas" panose="020B0609020204030204" pitchFamily="49" charset="0"/>
+              </a:rPr>
+              <a:t>):</a:t>
+            </a:r>
+          </a:p>
+          <a:p>
+            <a:r>
+              <a:rPr lang="en-US" sz="2000" dirty="0">
+                <a:latin typeface="Consolas" panose="020B0609020204030204" pitchFamily="49" charset="0"/>
+                <a:cs typeface="Consolas" panose="020B0609020204030204" pitchFamily="49" charset="0"/>
+              </a:rPr>
+              <a:t>    for j in range(</a:t>
+            </a:r>
+            <a:r>
+              <a:rPr lang="en-US" sz="2000" dirty="0" err="1">
+                <a:latin typeface="Consolas" panose="020B0609020204030204" pitchFamily="49" charset="0"/>
+                <a:cs typeface="Consolas" panose="020B0609020204030204" pitchFamily="49" charset="0"/>
+              </a:rPr>
+              <a:t>ncols</a:t>
+            </a:r>
+            <a:r>
+              <a:rPr lang="en-US" sz="2000" dirty="0">
+                <a:latin typeface="Consolas" panose="020B0609020204030204" pitchFamily="49" charset="0"/>
+                <a:cs typeface="Consolas" panose="020B0609020204030204" pitchFamily="49" charset="0"/>
+              </a:rPr>
+              <a:t>):</a:t>
+            </a:r>
+          </a:p>
+          <a:p>
+            <a:r>
+              <a:rPr lang="en-US" sz="2000" dirty="0">
+                <a:latin typeface="Consolas" panose="020B0609020204030204" pitchFamily="49" charset="0"/>
+                <a:cs typeface="Consolas" panose="020B0609020204030204" pitchFamily="49" charset="0"/>
+              </a:rPr>
+              <a:t>        print( </a:t>
+            </a:r>
+            <a:r>
+              <a:rPr lang="en-US" sz="2000" dirty="0" err="1">
+                <a:latin typeface="Consolas" panose="020B0609020204030204" pitchFamily="49" charset="0"/>
+                <a:cs typeface="Consolas" panose="020B0609020204030204" pitchFamily="49" charset="0"/>
+              </a:rPr>
+              <a:t>i</a:t>
+            </a:r>
+            <a:r>
+              <a:rPr lang="en-US" sz="2000" dirty="0">
+                <a:latin typeface="Consolas" panose="020B0609020204030204" pitchFamily="49" charset="0"/>
+                <a:cs typeface="Consolas" panose="020B0609020204030204" pitchFamily="49" charset="0"/>
+              </a:rPr>
+              <a:t>, j )</a:t>
+            </a:r>
+          </a:p>
+          <a:p>
+            <a:endParaRPr lang="en-US" sz="2000" dirty="0">
+              <a:latin typeface="Consolas" panose="020B0609020204030204" pitchFamily="49" charset="0"/>
+              <a:cs typeface="Consolas" panose="020B0609020204030204" pitchFamily="49" charset="0"/>
+            </a:endParaRPr>
+          </a:p>
+          <a:p>
+            <a:r>
+              <a:rPr lang="en-US" sz="2000" dirty="0">
+                <a:latin typeface="Consolas" panose="020B0609020204030204" pitchFamily="49" charset="0"/>
+                <a:cs typeface="Consolas" panose="020B0609020204030204" pitchFamily="49" charset="0"/>
+              </a:rPr>
+              <a:t># row </a:t>
+            </a:r>
+            <a:r>
+              <a:rPr lang="en-US" sz="2000" dirty="0" err="1">
+                <a:latin typeface="Consolas" panose="020B0609020204030204" pitchFamily="49" charset="0"/>
+                <a:cs typeface="Consolas" panose="020B0609020204030204" pitchFamily="49" charset="0"/>
+              </a:rPr>
+              <a:t>i</a:t>
+            </a:r>
+            <a:r>
+              <a:rPr lang="en-US" sz="2000" dirty="0">
+                <a:latin typeface="Consolas" panose="020B0609020204030204" pitchFamily="49" charset="0"/>
+                <a:cs typeface="Consolas" panose="020B0609020204030204" pitchFamily="49" charset="0"/>
+              </a:rPr>
+              <a:t> value varies more quickly than j</a:t>
+            </a:r>
+          </a:p>
+          <a:p>
+            <a:r>
+              <a:rPr lang="en-US" sz="2000" dirty="0">
+                <a:latin typeface="Consolas" panose="020B0609020204030204" pitchFamily="49" charset="0"/>
+                <a:cs typeface="Consolas" panose="020B0609020204030204" pitchFamily="49" charset="0"/>
+              </a:rPr>
+              <a:t>for j in range(</a:t>
+            </a:r>
+            <a:r>
+              <a:rPr lang="en-US" sz="2000" dirty="0" err="1">
+                <a:latin typeface="Consolas" panose="020B0609020204030204" pitchFamily="49" charset="0"/>
+                <a:cs typeface="Consolas" panose="020B0609020204030204" pitchFamily="49" charset="0"/>
+              </a:rPr>
+              <a:t>ncols</a:t>
+            </a:r>
+            <a:r>
+              <a:rPr lang="en-US" sz="2000" dirty="0">
+                <a:latin typeface="Consolas" panose="020B0609020204030204" pitchFamily="49" charset="0"/>
+                <a:cs typeface="Consolas" panose="020B0609020204030204" pitchFamily="49" charset="0"/>
+              </a:rPr>
+              <a:t>):</a:t>
+            </a:r>
+          </a:p>
+          <a:p>
+            <a:r>
+              <a:rPr lang="en-US" sz="2000" dirty="0">
+                <a:latin typeface="Consolas" panose="020B0609020204030204" pitchFamily="49" charset="0"/>
+                <a:cs typeface="Consolas" panose="020B0609020204030204" pitchFamily="49" charset="0"/>
+              </a:rPr>
+              <a:t>    for </a:t>
+            </a:r>
+            <a:r>
+              <a:rPr lang="en-US" sz="2000" dirty="0" err="1">
+                <a:latin typeface="Consolas" panose="020B0609020204030204" pitchFamily="49" charset="0"/>
+                <a:cs typeface="Consolas" panose="020B0609020204030204" pitchFamily="49" charset="0"/>
+              </a:rPr>
+              <a:t>i</a:t>
+            </a:r>
+            <a:r>
+              <a:rPr lang="en-US" sz="2000" dirty="0">
+                <a:latin typeface="Consolas" panose="020B0609020204030204" pitchFamily="49" charset="0"/>
+                <a:cs typeface="Consolas" panose="020B0609020204030204" pitchFamily="49" charset="0"/>
+              </a:rPr>
+              <a:t> in range(</a:t>
+            </a:r>
+            <a:r>
+              <a:rPr lang="en-US" sz="2000" dirty="0" err="1">
+                <a:latin typeface="Consolas" panose="020B0609020204030204" pitchFamily="49" charset="0"/>
+                <a:cs typeface="Consolas" panose="020B0609020204030204" pitchFamily="49" charset="0"/>
+              </a:rPr>
+              <a:t>nrows</a:t>
+            </a:r>
+            <a:r>
+              <a:rPr lang="en-US" sz="2000" dirty="0">
+                <a:latin typeface="Consolas" panose="020B0609020204030204" pitchFamily="49" charset="0"/>
+                <a:cs typeface="Consolas" panose="020B0609020204030204" pitchFamily="49" charset="0"/>
+              </a:rPr>
+              <a:t>):</a:t>
+            </a:r>
+          </a:p>
+          <a:p>
+            <a:r>
+              <a:rPr lang="en-US" sz="2000" dirty="0">
+                <a:latin typeface="Consolas" panose="020B0609020204030204" pitchFamily="49" charset="0"/>
+                <a:cs typeface="Consolas" panose="020B0609020204030204" pitchFamily="49" charset="0"/>
+              </a:rPr>
+              <a:t>        print( </a:t>
+            </a:r>
+            <a:r>
+              <a:rPr lang="en-US" sz="2000" dirty="0" err="1">
+                <a:latin typeface="Consolas" panose="020B0609020204030204" pitchFamily="49" charset="0"/>
+                <a:cs typeface="Consolas" panose="020B0609020204030204" pitchFamily="49" charset="0"/>
+              </a:rPr>
+              <a:t>i</a:t>
+            </a:r>
+            <a:r>
+              <a:rPr lang="en-US" sz="2000" dirty="0">
+                <a:latin typeface="Consolas" panose="020B0609020204030204" pitchFamily="49" charset="0"/>
+                <a:cs typeface="Consolas" panose="020B0609020204030204" pitchFamily="49" charset="0"/>
+              </a:rPr>
+              <a:t>, j )</a:t>
+            </a:r>
+          </a:p>
+        </p:txBody>
+      </p:sp>
+      <p:sp>
+        <p:nvSpPr>
+          <p:cNvPr id="5" name="TextBox 4">
+            <a:extLst>
+              <a:ext uri="{FF2B5EF4-FFF2-40B4-BE49-F238E27FC236}">
+                <a16:creationId xmlns:a16="http://schemas.microsoft.com/office/drawing/2014/main" id="{8756EA78-48AD-454C-8642-7427DC15FC0C}"/>
+              </a:ext>
+            </a:extLst>
+          </p:cNvPr>
+          <p:cNvSpPr txBox="1"/>
+          <p:nvPr/>
+        </p:nvSpPr>
+        <p:spPr>
+          <a:xfrm>
+            <a:off x="0" y="6492875"/>
+            <a:ext cx="2813591" cy="369332"/>
+          </a:xfrm>
+          <a:prstGeom prst="rect">
+            <a:avLst/>
+          </a:prstGeom>
+          <a:noFill/>
+        </p:spPr>
+        <p:txBody>
+          <a:bodyPr wrap="none" rtlCol="0">
+            <a:spAutoFit/>
+          </a:bodyPr>
+          <a:lstStyle/>
+          <a:p>
+            <a:r>
+              <a:rPr lang="en-US" dirty="0">
+                <a:hlinkClick r:id="rId2"/>
+              </a:rPr>
+              <a:t>Experiment in </a:t>
+            </a:r>
+            <a:r>
+              <a:rPr lang="en-US" dirty="0" err="1">
+                <a:hlinkClick r:id="rId2"/>
+              </a:rPr>
+              <a:t>pythontutor</a:t>
+            </a:r>
+            <a:endParaRPr lang="en-US" dirty="0"/>
           </a:p>
         </p:txBody>
       </p:sp>
       <p:pic>
         <p:nvPicPr>
-          <p:cNvPr id="2050" name="Picture 2">
-            <a:extLst>
-              <a:ext uri="{FF2B5EF4-FFF2-40B4-BE49-F238E27FC236}">
-                <a16:creationId xmlns:a16="http://schemas.microsoft.com/office/drawing/2014/main" id="{D1EAA01E-E700-4143-922A-2E2E10DDD956}"/>
+          <p:cNvPr id="1026" name="Picture 2">
+            <a:extLst>
+              <a:ext uri="{FF2B5EF4-FFF2-40B4-BE49-F238E27FC236}">
+                <a16:creationId xmlns:a16="http://schemas.microsoft.com/office/drawing/2014/main" id="{BDFDE402-8C7F-8746-9BC3-B260A69F5534}"/>
               </a:ext>
             </a:extLst>
           </p:cNvPr>
@@ -7638,7 +7555,7 @@
           <p:nvPr/>
         </p:nvPicPr>
         <p:blipFill>
-          <a:blip r:embed="rId2">
+          <a:blip r:embed="rId3">
             <a:extLst>
               <a:ext uri="{28A0092B-C50C-407E-A947-70E740481C1C}">
                 <a14:useLocalDpi xmlns:a14="http://schemas.microsoft.com/office/drawing/2010/main" val="0"/>
@@ -7652,8 +7569,8 @@
         </p:blipFill>
         <p:spPr bwMode="auto">
           <a:xfrm>
-            <a:off x="7404652" y="31598"/>
-            <a:ext cx="4662350" cy="3318180"/>
+            <a:off x="9740347" y="71128"/>
+            <a:ext cx="2345628" cy="1436961"/>
           </a:xfrm>
           <a:prstGeom prst="rect">
             <a:avLst/>
@@ -7670,75 +7587,10 @@
           </a:extLst>
         </p:spPr>
       </p:pic>
-      <p:sp>
-        <p:nvSpPr>
-          <p:cNvPr id="5" name="TextBox 4">
-            <a:extLst>
-              <a:ext uri="{FF2B5EF4-FFF2-40B4-BE49-F238E27FC236}">
-                <a16:creationId xmlns:a16="http://schemas.microsoft.com/office/drawing/2014/main" id="{64900176-FFB4-0240-A204-5C368A4FBB75}"/>
-              </a:ext>
-            </a:extLst>
-          </p:cNvPr>
-          <p:cNvSpPr txBox="1"/>
-          <p:nvPr/>
-        </p:nvSpPr>
-        <p:spPr>
-          <a:xfrm>
-            <a:off x="2301381" y="4372908"/>
-            <a:ext cx="5404043" cy="1323439"/>
-          </a:xfrm>
-          <a:prstGeom prst="rect">
-            <a:avLst/>
-          </a:prstGeom>
-          <a:noFill/>
-        </p:spPr>
-        <p:txBody>
-          <a:bodyPr wrap="none" rtlCol="0">
-            <a:spAutoFit/>
-          </a:bodyPr>
-          <a:lstStyle/>
-          <a:p>
-            <a:r>
-              <a:rPr lang="en-US" sz="2000" dirty="0">
-                <a:latin typeface="Consolas" panose="020B0609020204030204" pitchFamily="49" charset="0"/>
-                <a:cs typeface="Consolas" panose="020B0609020204030204" pitchFamily="49" charset="0"/>
-              </a:rPr>
-              <a:t># walk top-down: row-by-row of pixels</a:t>
-            </a:r>
-          </a:p>
-          <a:p>
-            <a:r>
-              <a:rPr lang="en-US" sz="2000" dirty="0">
-                <a:latin typeface="Consolas" panose="020B0609020204030204" pitchFamily="49" charset="0"/>
-                <a:cs typeface="Consolas" panose="020B0609020204030204" pitchFamily="49" charset="0"/>
-              </a:rPr>
-              <a:t>for y in range(height):</a:t>
-            </a:r>
-          </a:p>
-          <a:p>
-            <a:r>
-              <a:rPr lang="en-US" sz="2000" dirty="0">
-                <a:latin typeface="Consolas" panose="020B0609020204030204" pitchFamily="49" charset="0"/>
-                <a:cs typeface="Consolas" panose="020B0609020204030204" pitchFamily="49" charset="0"/>
-              </a:rPr>
-              <a:t>    for x in range(width):</a:t>
-            </a:r>
-          </a:p>
-          <a:p>
-            <a:r>
-              <a:rPr lang="en-US" sz="2000" dirty="0">
-                <a:latin typeface="Consolas" panose="020B0609020204030204" pitchFamily="49" charset="0"/>
-                <a:cs typeface="Consolas" panose="020B0609020204030204" pitchFamily="49" charset="0"/>
-              </a:rPr>
-              <a:t>        print( x, y )</a:t>
-            </a:r>
-          </a:p>
-        </p:txBody>
-      </p:sp>
     </p:spTree>
     <p:extLst>
       <p:ext uri="{BB962C8B-B14F-4D97-AF65-F5344CB8AC3E}">
-        <p14:creationId xmlns:p14="http://schemas.microsoft.com/office/powerpoint/2010/main" val="586665330"/>
+        <p14:creationId xmlns:p14="http://schemas.microsoft.com/office/powerpoint/2010/main" val="1299248187"/>
       </p:ext>
     </p:extLst>
   </p:cSld>
@@ -7875,6 +7727,238 @@
           <p:cNvPr id="2" name="Title 1">
             <a:extLst>
               <a:ext uri="{FF2B5EF4-FFF2-40B4-BE49-F238E27FC236}">
+                <a16:creationId xmlns:a16="http://schemas.microsoft.com/office/drawing/2014/main" id="{79BF3B7B-A1F8-C248-8AAA-D4E062C8D7B4}"/>
+              </a:ext>
+            </a:extLst>
+          </p:cNvPr>
+          <p:cNvSpPr>
+            <a:spLocks noGrp="1"/>
+          </p:cNvSpPr>
+          <p:nvPr>
+            <p:ph type="title"/>
+          </p:nvPr>
+        </p:nvSpPr>
+        <p:spPr/>
+        <p:txBody>
+          <a:bodyPr/>
+          <a:lstStyle/>
+          <a:p>
+            <a:r>
+              <a:rPr lang="en-US" dirty="0"/>
+              <a:t>Image processing</a:t>
+            </a:r>
+          </a:p>
+        </p:txBody>
+      </p:sp>
+      <p:sp>
+        <p:nvSpPr>
+          <p:cNvPr id="3" name="Content Placeholder 2">
+            <a:extLst>
+              <a:ext uri="{FF2B5EF4-FFF2-40B4-BE49-F238E27FC236}">
+                <a16:creationId xmlns:a16="http://schemas.microsoft.com/office/drawing/2014/main" id="{923B946B-8376-AB43-B016-EF840EC9F120}"/>
+              </a:ext>
+            </a:extLst>
+          </p:cNvPr>
+          <p:cNvSpPr>
+            <a:spLocks noGrp="1"/>
+          </p:cNvSpPr>
+          <p:nvPr>
+            <p:ph idx="1"/>
+          </p:nvPr>
+        </p:nvSpPr>
+        <p:spPr/>
+        <p:txBody>
+          <a:bodyPr/>
+          <a:lstStyle/>
+          <a:p>
+            <a:r>
+              <a:rPr lang="en-US" dirty="0"/>
+              <a:t>The images project requires that you traverse</a:t>
+            </a:r>
+            <a:br>
+              <a:rPr lang="en-US" dirty="0"/>
+            </a:br>
+            <a:r>
+              <a:rPr lang="en-US" dirty="0"/>
+              <a:t>the </a:t>
+            </a:r>
+            <a:r>
+              <a:rPr lang="en-US" dirty="0" err="1"/>
+              <a:t>x,y</a:t>
+            </a:r>
+            <a:r>
+              <a:rPr lang="en-US" dirty="0"/>
+              <a:t> coordinates of images</a:t>
+            </a:r>
+          </a:p>
+          <a:p>
+            <a:r>
+              <a:rPr lang="en-US" dirty="0"/>
+              <a:t>An image is nothing more than a 2D matrix</a:t>
+            </a:r>
+            <a:br>
+              <a:rPr lang="en-US" dirty="0"/>
+            </a:br>
+            <a:r>
+              <a:rPr lang="en-US" dirty="0"/>
+              <a:t>whose entries are grayscale pixels in 0 to 255</a:t>
+            </a:r>
+          </a:p>
+          <a:p>
+            <a:r>
+              <a:rPr lang="en-US" dirty="0"/>
+              <a:t>A pixel value of 0 is black and 255 is white</a:t>
+            </a:r>
+          </a:p>
+        </p:txBody>
+      </p:sp>
+      <p:pic>
+        <p:nvPicPr>
+          <p:cNvPr id="2050" name="Picture 2">
+            <a:extLst>
+              <a:ext uri="{FF2B5EF4-FFF2-40B4-BE49-F238E27FC236}">
+                <a16:creationId xmlns:a16="http://schemas.microsoft.com/office/drawing/2014/main" id="{D1EAA01E-E700-4143-922A-2E2E10DDD956}"/>
+              </a:ext>
+            </a:extLst>
+          </p:cNvPr>
+          <p:cNvPicPr>
+            <a:picLocks noChangeAspect="1" noChangeArrowheads="1"/>
+          </p:cNvPicPr>
+          <p:nvPr/>
+        </p:nvPicPr>
+        <p:blipFill>
+          <a:blip r:embed="rId2">
+            <a:extLst>
+              <a:ext uri="{28A0092B-C50C-407E-A947-70E740481C1C}">
+                <a14:useLocalDpi xmlns:a14="http://schemas.microsoft.com/office/drawing/2010/main" val="0"/>
+              </a:ext>
+            </a:extLst>
+          </a:blip>
+          <a:srcRect/>
+          <a:stretch>
+            <a:fillRect/>
+          </a:stretch>
+        </p:blipFill>
+        <p:spPr bwMode="auto">
+          <a:xfrm>
+            <a:off x="7404652" y="31598"/>
+            <a:ext cx="4662350" cy="3318180"/>
+          </a:xfrm>
+          <a:prstGeom prst="rect">
+            <a:avLst/>
+          </a:prstGeom>
+          <a:noFill/>
+          <a:extLst>
+            <a:ext uri="{909E8E84-426E-40DD-AFC4-6F175D3DCCD1}">
+              <a14:hiddenFill xmlns:a14="http://schemas.microsoft.com/office/drawing/2010/main">
+                <a:solidFill>
+                  <a:srgbClr val="FFFFFF"/>
+                </a:solidFill>
+              </a14:hiddenFill>
+            </a:ext>
+          </a:extLst>
+        </p:spPr>
+      </p:pic>
+      <p:sp>
+        <p:nvSpPr>
+          <p:cNvPr id="5" name="TextBox 4">
+            <a:extLst>
+              <a:ext uri="{FF2B5EF4-FFF2-40B4-BE49-F238E27FC236}">
+                <a16:creationId xmlns:a16="http://schemas.microsoft.com/office/drawing/2014/main" id="{64900176-FFB4-0240-A204-5C368A4FBB75}"/>
+              </a:ext>
+            </a:extLst>
+          </p:cNvPr>
+          <p:cNvSpPr txBox="1"/>
+          <p:nvPr/>
+        </p:nvSpPr>
+        <p:spPr>
+          <a:xfrm>
+            <a:off x="2301381" y="4372908"/>
+            <a:ext cx="5404043" cy="1323439"/>
+          </a:xfrm>
+          <a:prstGeom prst="rect">
+            <a:avLst/>
+          </a:prstGeom>
+          <a:noFill/>
+        </p:spPr>
+        <p:txBody>
+          <a:bodyPr wrap="none" rtlCol="0">
+            <a:spAutoFit/>
+          </a:bodyPr>
+          <a:lstStyle/>
+          <a:p>
+            <a:r>
+              <a:rPr lang="en-US" sz="2000" dirty="0">
+                <a:latin typeface="Consolas" panose="020B0609020204030204" pitchFamily="49" charset="0"/>
+                <a:cs typeface="Consolas" panose="020B0609020204030204" pitchFamily="49" charset="0"/>
+              </a:rPr>
+              <a:t># walk top-down: row-by-row of pixels</a:t>
+            </a:r>
+          </a:p>
+          <a:p>
+            <a:r>
+              <a:rPr lang="en-US" sz="2000" dirty="0">
+                <a:latin typeface="Consolas" panose="020B0609020204030204" pitchFamily="49" charset="0"/>
+                <a:cs typeface="Consolas" panose="020B0609020204030204" pitchFamily="49" charset="0"/>
+              </a:rPr>
+              <a:t>for y in range(height):</a:t>
+            </a:r>
+          </a:p>
+          <a:p>
+            <a:r>
+              <a:rPr lang="en-US" sz="2000" dirty="0">
+                <a:latin typeface="Consolas" panose="020B0609020204030204" pitchFamily="49" charset="0"/>
+                <a:cs typeface="Consolas" panose="020B0609020204030204" pitchFamily="49" charset="0"/>
+              </a:rPr>
+              <a:t>    for x in range(width):</a:t>
+            </a:r>
+          </a:p>
+          <a:p>
+            <a:r>
+              <a:rPr lang="en-US" sz="2000" dirty="0">
+                <a:latin typeface="Consolas" panose="020B0609020204030204" pitchFamily="49" charset="0"/>
+                <a:cs typeface="Consolas" panose="020B0609020204030204" pitchFamily="49" charset="0"/>
+              </a:rPr>
+              <a:t>        print( x, y )</a:t>
+            </a:r>
+          </a:p>
+        </p:txBody>
+      </p:sp>
+    </p:spTree>
+    <p:extLst>
+      <p:ext uri="{BB962C8B-B14F-4D97-AF65-F5344CB8AC3E}">
+        <p14:creationId xmlns:p14="http://schemas.microsoft.com/office/powerpoint/2010/main" val="586665330"/>
+      </p:ext>
+    </p:extLst>
+  </p:cSld>
+  <p:clrMapOvr>
+    <a:masterClrMapping/>
+  </p:clrMapOvr>
+</p:sld>
+</file>
+
+<file path=ppt/slides/slide21.xml><?xml version="1.0" encoding="utf-8"?>
+<p:sld xmlns:a="http://schemas.openxmlformats.org/drawingml/2006/main" xmlns:r="http://schemas.openxmlformats.org/officeDocument/2006/relationships" xmlns:p="http://schemas.openxmlformats.org/presentationml/2006/main">
+  <p:cSld>
+    <p:spTree>
+      <p:nvGrpSpPr>
+        <p:cNvPr id="1" name=""/>
+        <p:cNvGrpSpPr/>
+        <p:nvPr/>
+      </p:nvGrpSpPr>
+      <p:grpSpPr>
+        <a:xfrm>
+          <a:off x="0" y="0"/>
+          <a:ext cx="0" cy="0"/>
+          <a:chOff x="0" y="0"/>
+          <a:chExt cx="0" cy="0"/>
+        </a:xfrm>
+      </p:grpSpPr>
+      <p:sp>
+        <p:nvSpPr>
+          <p:cNvPr id="2" name="Title 1">
+            <a:extLst>
+              <a:ext uri="{FF2B5EF4-FFF2-40B4-BE49-F238E27FC236}">
                 <a16:creationId xmlns:a16="http://schemas.microsoft.com/office/drawing/2014/main" id="{1D8F4D5E-0D5D-EC4E-B0CF-6809A12A1924}"/>
               </a:ext>
             </a:extLst>
@@ -7939,7 +8023,7 @@
 </p:sld>
 </file>
 
-<file path=ppt/slides/slide21.xml><?xml version="1.0" encoding="utf-8"?>
+<file path=ppt/slides/slide22.xml><?xml version="1.0" encoding="utf-8"?>
 <p:sld xmlns:a="http://schemas.openxmlformats.org/drawingml/2006/main" xmlns:r="http://schemas.openxmlformats.org/officeDocument/2006/relationships" xmlns:p="http://schemas.openxmlformats.org/presentationml/2006/main">
   <p:cSld>
     <p:spTree>
@@ -8322,7 +8406,7 @@
 </p:sld>
 </file>
 
-<file path=ppt/slides/slide22.xml><?xml version="1.0" encoding="utf-8"?>
+<file path=ppt/slides/slide23.xml><?xml version="1.0" encoding="utf-8"?>
 <p:sld xmlns:a="http://schemas.openxmlformats.org/drawingml/2006/main" xmlns:r="http://schemas.openxmlformats.org/officeDocument/2006/relationships" xmlns:p="http://schemas.openxmlformats.org/presentationml/2006/main">
   <p:cSld>
     <p:spTree>
@@ -8889,7 +8973,7 @@
 </p:sld>
 </file>
 
-<file path=ppt/slides/slide23.xml><?xml version="1.0" encoding="utf-8"?>
+<file path=ppt/slides/slide24.xml><?xml version="1.0" encoding="utf-8"?>
 <p:sld xmlns:a="http://schemas.openxmlformats.org/drawingml/2006/main" xmlns:r="http://schemas.openxmlformats.org/officeDocument/2006/relationships" xmlns:p="http://schemas.openxmlformats.org/presentationml/2006/main">
   <p:cSld>
     <p:spTree>
@@ -9272,7 +9356,7 @@
 </p:sld>
 </file>
 
-<file path=ppt/slides/slide24.xml><?xml version="1.0" encoding="utf-8"?>
+<file path=ppt/slides/slide25.xml><?xml version="1.0" encoding="utf-8"?>
 <p:sld xmlns:a="http://schemas.openxmlformats.org/drawingml/2006/main" xmlns:r="http://schemas.openxmlformats.org/officeDocument/2006/relationships" xmlns:p="http://schemas.openxmlformats.org/presentationml/2006/main">
   <p:cSld>
     <p:spTree>
@@ -9661,7 +9745,7 @@
 </p:sld>
 </file>
 
-<file path=ppt/slides/slide25.xml><?xml version="1.0" encoding="utf-8"?>
+<file path=ppt/slides/slide26.xml><?xml version="1.0" encoding="utf-8"?>
 <p:sld xmlns:a="http://schemas.openxmlformats.org/drawingml/2006/main" xmlns:r="http://schemas.openxmlformats.org/officeDocument/2006/relationships" xmlns:p="http://schemas.openxmlformats.org/presentationml/2006/main">
   <p:cSld>
     <p:spTree>
@@ -9976,696 +10060,6 @@
 </p:sld>
 </file>
 
-<file path=ppt/slides/slide26.xml><?xml version="1.0" encoding="utf-8"?>
-<p:sld xmlns:a="http://schemas.openxmlformats.org/drawingml/2006/main" xmlns:r="http://schemas.openxmlformats.org/officeDocument/2006/relationships" xmlns:p="http://schemas.openxmlformats.org/presentationml/2006/main">
-  <p:cSld>
-    <p:spTree>
-      <p:nvGrpSpPr>
-        <p:cNvPr id="1" name=""/>
-        <p:cNvGrpSpPr/>
-        <p:nvPr/>
-      </p:nvGrpSpPr>
-      <p:grpSpPr>
-        <a:xfrm>
-          <a:off x="0" y="0"/>
-          <a:ext cx="0" cy="0"/>
-          <a:chOff x="0" y="0"/>
-          <a:chExt cx="0" cy="0"/>
-        </a:xfrm>
-      </p:grpSpPr>
-      <p:sp>
-        <p:nvSpPr>
-          <p:cNvPr id="2" name="Title 1">
-            <a:extLst>
-              <a:ext uri="{FF2B5EF4-FFF2-40B4-BE49-F238E27FC236}">
-                <a16:creationId xmlns:a16="http://schemas.microsoft.com/office/drawing/2014/main" id="{C0449369-4CFB-2B47-AD0C-4250C70C484B}"/>
-              </a:ext>
-            </a:extLst>
-          </p:cNvPr>
-          <p:cNvSpPr>
-            <a:spLocks noGrp="1"/>
-          </p:cNvSpPr>
-          <p:nvPr>
-            <p:ph type="title"/>
-          </p:nvPr>
-        </p:nvSpPr>
-        <p:spPr>
-          <a:xfrm>
-            <a:off x="838200" y="365125"/>
-            <a:ext cx="10515600" cy="935907"/>
-          </a:xfrm>
-        </p:spPr>
-        <p:txBody>
-          <a:bodyPr/>
-          <a:lstStyle/>
-          <a:p>
-            <a:r>
-              <a:rPr lang="en-US" dirty="0"/>
-              <a:t>Exercise (part 2)</a:t>
-            </a:r>
-          </a:p>
-        </p:txBody>
-      </p:sp>
-      <p:sp>
-        <p:nvSpPr>
-          <p:cNvPr id="3" name="Content Placeholder 2">
-            <a:extLst>
-              <a:ext uri="{FF2B5EF4-FFF2-40B4-BE49-F238E27FC236}">
-                <a16:creationId xmlns:a16="http://schemas.microsoft.com/office/drawing/2014/main" id="{B8E4D60B-2C06-3142-85A6-6EECDE015D1B}"/>
-              </a:ext>
-            </a:extLst>
-          </p:cNvPr>
-          <p:cNvSpPr>
-            <a:spLocks noGrp="1"/>
-          </p:cNvSpPr>
-          <p:nvPr>
-            <p:ph idx="1"/>
-          </p:nvPr>
-        </p:nvSpPr>
-        <p:spPr>
-          <a:xfrm>
-            <a:off x="838200" y="1301032"/>
-            <a:ext cx="10515600" cy="4875931"/>
-          </a:xfrm>
-        </p:spPr>
-        <p:txBody>
-          <a:bodyPr/>
-          <a:lstStyle/>
-          <a:p>
-            <a:r>
-              <a:rPr lang="en-US" dirty="0"/>
-              <a:t>Work backwards:</a:t>
-            </a:r>
-          </a:p>
-          <a:p>
-            <a:pPr lvl="1"/>
-            <a:r>
-              <a:rPr lang="en-US" dirty="0"/>
-              <a:t>If we have the list of title lengths, we can filter for length 3 and count</a:t>
-            </a:r>
-          </a:p>
-          <a:p>
-            <a:pPr lvl="1"/>
-            <a:endParaRPr lang="en-US" dirty="0"/>
-          </a:p>
-          <a:p>
-            <a:pPr lvl="1"/>
-            <a:endParaRPr lang="en-US" dirty="0"/>
-          </a:p>
-          <a:p>
-            <a:pPr lvl="1"/>
-            <a:r>
-              <a:rPr lang="en-US" dirty="0"/>
-              <a:t>To get list of title lengths, map </a:t>
-            </a:r>
-            <a:r>
-              <a:rPr lang="en-US" b="1" dirty="0" err="1"/>
-              <a:t>len</a:t>
-            </a:r>
-            <a:r>
-              <a:rPr lang="en-US" b="1" dirty="0"/>
-              <a:t>()</a:t>
-            </a:r>
-            <a:r>
-              <a:rPr lang="en-US" dirty="0"/>
-              <a:t> to list of words of each title</a:t>
-            </a:r>
-          </a:p>
-          <a:p>
-            <a:pPr lvl="1"/>
-            <a:endParaRPr lang="en-US" dirty="0"/>
-          </a:p>
-          <a:p>
-            <a:pPr lvl="1"/>
-            <a:endParaRPr lang="en-US" dirty="0"/>
-          </a:p>
-          <a:p>
-            <a:pPr lvl="1"/>
-            <a:endParaRPr lang="en-US" dirty="0"/>
-          </a:p>
-          <a:p>
-            <a:pPr lvl="1"/>
-            <a:r>
-              <a:rPr lang="en-US" dirty="0"/>
-              <a:t>To get the list of words for each title, apply </a:t>
-            </a:r>
-            <a:r>
-              <a:rPr lang="en-US" b="1" dirty="0"/>
-              <a:t>split()</a:t>
-            </a:r>
-            <a:r>
-              <a:rPr lang="en-US" dirty="0"/>
-              <a:t> to each title (map)</a:t>
-            </a:r>
-          </a:p>
-          <a:p>
-            <a:endParaRPr lang="en-US" dirty="0"/>
-          </a:p>
-          <a:p>
-            <a:endParaRPr lang="en-US" dirty="0"/>
-          </a:p>
-        </p:txBody>
-      </p:sp>
-      <p:sp>
-        <p:nvSpPr>
-          <p:cNvPr id="12" name="Rectangle 11">
-            <a:extLst>
-              <a:ext uri="{FF2B5EF4-FFF2-40B4-BE49-F238E27FC236}">
-                <a16:creationId xmlns:a16="http://schemas.microsoft.com/office/drawing/2014/main" id="{AEFFC3D2-A815-6A4C-9973-B0127AB84120}"/>
-              </a:ext>
-            </a:extLst>
-          </p:cNvPr>
-          <p:cNvSpPr/>
-          <p:nvPr/>
-        </p:nvSpPr>
-        <p:spPr>
-          <a:xfrm>
-            <a:off x="2169299" y="5095303"/>
-            <a:ext cx="3097323" cy="923330"/>
-          </a:xfrm>
-          <a:prstGeom prst="rect">
-            <a:avLst/>
-          </a:prstGeom>
-        </p:spPr>
-        <p:txBody>
-          <a:bodyPr wrap="none">
-            <a:spAutoFit/>
-          </a:bodyPr>
-          <a:lstStyle/>
-          <a:p>
-            <a:r>
-              <a:rPr lang="en-US" dirty="0">
-                <a:latin typeface="Consolas" panose="020B0609020204030204" pitchFamily="49" charset="0"/>
-                <a:cs typeface="Consolas" panose="020B0609020204030204" pitchFamily="49" charset="0"/>
-              </a:rPr>
-              <a:t>["A Soldier's Story",</a:t>
-            </a:r>
-          </a:p>
-          <a:p>
-            <a:r>
-              <a:rPr lang="en-US" dirty="0">
-                <a:latin typeface="Consolas" panose="020B0609020204030204" pitchFamily="49" charset="0"/>
-                <a:cs typeface="Consolas" panose="020B0609020204030204" pitchFamily="49" charset="0"/>
-              </a:rPr>
-              <a:t> 'Places in the Heart',</a:t>
-            </a:r>
-          </a:p>
-          <a:p>
-            <a:r>
-              <a:rPr lang="en-US" dirty="0">
-                <a:latin typeface="Consolas" panose="020B0609020204030204" pitchFamily="49" charset="0"/>
-                <a:cs typeface="Consolas" panose="020B0609020204030204" pitchFamily="49" charset="0"/>
-              </a:rPr>
-              <a:t> ...]</a:t>
-            </a:r>
-          </a:p>
-        </p:txBody>
-      </p:sp>
-      <p:sp>
-        <p:nvSpPr>
-          <p:cNvPr id="14" name="Rectangle 13">
-            <a:extLst>
-              <a:ext uri="{FF2B5EF4-FFF2-40B4-BE49-F238E27FC236}">
-                <a16:creationId xmlns:a16="http://schemas.microsoft.com/office/drawing/2014/main" id="{99D7E61F-AE0B-4B40-A374-84D8D8E6C8A3}"/>
-              </a:ext>
-            </a:extLst>
-          </p:cNvPr>
-          <p:cNvSpPr/>
-          <p:nvPr/>
-        </p:nvSpPr>
-        <p:spPr>
-          <a:xfrm>
-            <a:off x="2205144" y="2337128"/>
-            <a:ext cx="3983783" cy="369332"/>
-          </a:xfrm>
-          <a:prstGeom prst="rect">
-            <a:avLst/>
-          </a:prstGeom>
-        </p:spPr>
-        <p:txBody>
-          <a:bodyPr wrap="none">
-            <a:spAutoFit/>
-          </a:bodyPr>
-          <a:lstStyle/>
-          <a:p>
-            <a:r>
-              <a:rPr lang="en-US" dirty="0">
-                <a:latin typeface="Consolas" panose="020B0609020204030204" pitchFamily="49" charset="0"/>
-                <a:cs typeface="Consolas" panose="020B0609020204030204" pitchFamily="49" charset="0"/>
-              </a:rPr>
-              <a:t>[3, 4, 3, 4, 1, 2, 5, 1, 3, 3]</a:t>
-            </a:r>
-          </a:p>
-        </p:txBody>
-      </p:sp>
-      <p:sp>
-        <p:nvSpPr>
-          <p:cNvPr id="15" name="Rectangle 14">
-            <a:extLst>
-              <a:ext uri="{FF2B5EF4-FFF2-40B4-BE49-F238E27FC236}">
-                <a16:creationId xmlns:a16="http://schemas.microsoft.com/office/drawing/2014/main" id="{150237DD-912F-2F4A-8594-D10FE18DFE10}"/>
-              </a:ext>
-            </a:extLst>
-          </p:cNvPr>
-          <p:cNvSpPr/>
-          <p:nvPr/>
-        </p:nvSpPr>
-        <p:spPr>
-          <a:xfrm>
-            <a:off x="6886185" y="2339593"/>
-            <a:ext cx="1704313" cy="369332"/>
-          </a:xfrm>
-          <a:prstGeom prst="rect">
-            <a:avLst/>
-          </a:prstGeom>
-        </p:spPr>
-        <p:txBody>
-          <a:bodyPr wrap="none">
-            <a:spAutoFit/>
-          </a:bodyPr>
-          <a:lstStyle/>
-          <a:p>
-            <a:r>
-              <a:rPr lang="en-US" dirty="0">
-                <a:latin typeface="Consolas" panose="020B0609020204030204" pitchFamily="49" charset="0"/>
-                <a:cs typeface="Consolas" panose="020B0609020204030204" pitchFamily="49" charset="0"/>
-              </a:rPr>
-              <a:t>[3, 3, 3, 3]</a:t>
-            </a:r>
-          </a:p>
-        </p:txBody>
-      </p:sp>
-      <p:sp>
-        <p:nvSpPr>
-          <p:cNvPr id="16" name="Rectangle 15">
-            <a:extLst>
-              <a:ext uri="{FF2B5EF4-FFF2-40B4-BE49-F238E27FC236}">
-                <a16:creationId xmlns:a16="http://schemas.microsoft.com/office/drawing/2014/main" id="{8FBEAE24-8074-484D-8DD3-318B0FFFC15F}"/>
-              </a:ext>
-            </a:extLst>
-          </p:cNvPr>
-          <p:cNvSpPr/>
-          <p:nvPr/>
-        </p:nvSpPr>
-        <p:spPr>
-          <a:xfrm>
-            <a:off x="6232554" y="2229406"/>
-            <a:ext cx="534121" cy="584775"/>
-          </a:xfrm>
-          <a:prstGeom prst="rect">
-            <a:avLst/>
-          </a:prstGeom>
-        </p:spPr>
-        <p:txBody>
-          <a:bodyPr wrap="none">
-            <a:spAutoFit/>
-          </a:bodyPr>
-          <a:lstStyle/>
-          <a:p>
-            <a:r>
-              <a:rPr lang="en-US" sz="3200" i="1" dirty="0"/>
-              <a:t>☞</a:t>
-            </a:r>
-            <a:endParaRPr lang="en-US" sz="3200" dirty="0"/>
-          </a:p>
-        </p:txBody>
-      </p:sp>
-      <p:sp>
-        <p:nvSpPr>
-          <p:cNvPr id="17" name="TextBox 16">
-            <a:extLst>
-              <a:ext uri="{FF2B5EF4-FFF2-40B4-BE49-F238E27FC236}">
-                <a16:creationId xmlns:a16="http://schemas.microsoft.com/office/drawing/2014/main" id="{1B4753B9-CADF-C74A-A6B8-9CE2CAEF64E2}"/>
-              </a:ext>
-            </a:extLst>
-          </p:cNvPr>
-          <p:cNvSpPr txBox="1"/>
-          <p:nvPr/>
-        </p:nvSpPr>
-        <p:spPr>
-          <a:xfrm>
-            <a:off x="6357646" y="22931"/>
-            <a:ext cx="5949064" cy="954107"/>
-          </a:xfrm>
-          <a:prstGeom prst="rect">
-            <a:avLst/>
-          </a:prstGeom>
-          <a:noFill/>
-        </p:spPr>
-        <p:txBody>
-          <a:bodyPr wrap="none" rtlCol="0">
-            <a:spAutoFit/>
-          </a:bodyPr>
-          <a:lstStyle/>
-          <a:p>
-            <a:r>
-              <a:rPr lang="en-US" sz="1400" dirty="0">
-                <a:latin typeface="Consolas" panose="020B0609020204030204" pitchFamily="49" charset="0"/>
-                <a:cs typeface="Consolas" panose="020B0609020204030204" pitchFamily="49" charset="0"/>
-              </a:rPr>
-              <a:t>["A Soldier's Story", 'Places in the Heart',</a:t>
-            </a:r>
-          </a:p>
-          <a:p>
-            <a:r>
-              <a:rPr lang="en-US" sz="1400" dirty="0">
-                <a:latin typeface="Consolas" panose="020B0609020204030204" pitchFamily="49" charset="0"/>
-                <a:cs typeface="Consolas" panose="020B0609020204030204" pitchFamily="49" charset="0"/>
-              </a:rPr>
-              <a:t> 'The Killing Fields', 'A Passage to India',</a:t>
-            </a:r>
-            <a:br>
-              <a:rPr lang="en-US" sz="1400" dirty="0">
-                <a:latin typeface="Consolas" panose="020B0609020204030204" pitchFamily="49" charset="0"/>
-                <a:cs typeface="Consolas" panose="020B0609020204030204" pitchFamily="49" charset="0"/>
-              </a:rPr>
-            </a:br>
-            <a:r>
-              <a:rPr lang="en-US" sz="1400" dirty="0">
-                <a:latin typeface="Consolas" panose="020B0609020204030204" pitchFamily="49" charset="0"/>
-                <a:cs typeface="Consolas" panose="020B0609020204030204" pitchFamily="49" charset="0"/>
-              </a:rPr>
-              <a:t> 'Amadeus', "</a:t>
-            </a:r>
-            <a:r>
-              <a:rPr lang="en-US" sz="1400" dirty="0" err="1">
-                <a:latin typeface="Consolas" panose="020B0609020204030204" pitchFamily="49" charset="0"/>
-                <a:cs typeface="Consolas" panose="020B0609020204030204" pitchFamily="49" charset="0"/>
-              </a:rPr>
-              <a:t>Prizzi's</a:t>
-            </a:r>
-            <a:r>
-              <a:rPr lang="en-US" sz="1400" dirty="0">
-                <a:latin typeface="Consolas" panose="020B0609020204030204" pitchFamily="49" charset="0"/>
-                <a:cs typeface="Consolas" panose="020B0609020204030204" pitchFamily="49" charset="0"/>
-              </a:rPr>
-              <a:t> Honor", 'Kiss of the Spider Woman',</a:t>
-            </a:r>
-          </a:p>
-          <a:p>
-            <a:r>
-              <a:rPr lang="en-US" sz="1400" dirty="0">
-                <a:latin typeface="Consolas" panose="020B0609020204030204" pitchFamily="49" charset="0"/>
-                <a:cs typeface="Consolas" panose="020B0609020204030204" pitchFamily="49" charset="0"/>
-              </a:rPr>
-              <a:t> 'Witness', 'The Color Purple', 'Out of Africa']</a:t>
-            </a:r>
-          </a:p>
-        </p:txBody>
-      </p:sp>
-      <p:sp>
-        <p:nvSpPr>
-          <p:cNvPr id="18" name="Rectangle 17">
-            <a:extLst>
-              <a:ext uri="{FF2B5EF4-FFF2-40B4-BE49-F238E27FC236}">
-                <a16:creationId xmlns:a16="http://schemas.microsoft.com/office/drawing/2014/main" id="{278190C8-E71C-A44C-A5FB-42913AAE02D0}"/>
-              </a:ext>
-            </a:extLst>
-          </p:cNvPr>
-          <p:cNvSpPr/>
-          <p:nvPr/>
-        </p:nvSpPr>
-        <p:spPr>
-          <a:xfrm>
-            <a:off x="9194302" y="2357448"/>
-            <a:ext cx="311304" cy="369332"/>
-          </a:xfrm>
-          <a:prstGeom prst="rect">
-            <a:avLst/>
-          </a:prstGeom>
-        </p:spPr>
-        <p:txBody>
-          <a:bodyPr wrap="none">
-            <a:spAutoFit/>
-          </a:bodyPr>
-          <a:lstStyle/>
-          <a:p>
-            <a:r>
-              <a:rPr lang="en-US" dirty="0">
-                <a:latin typeface="Consolas" panose="020B0609020204030204" pitchFamily="49" charset="0"/>
-                <a:cs typeface="Consolas" panose="020B0609020204030204" pitchFamily="49" charset="0"/>
-              </a:rPr>
-              <a:t>4</a:t>
-            </a:r>
-          </a:p>
-        </p:txBody>
-      </p:sp>
-      <p:sp>
-        <p:nvSpPr>
-          <p:cNvPr id="19" name="Rectangle 18">
-            <a:extLst>
-              <a:ext uri="{FF2B5EF4-FFF2-40B4-BE49-F238E27FC236}">
-                <a16:creationId xmlns:a16="http://schemas.microsoft.com/office/drawing/2014/main" id="{A1088EE5-DB79-CD41-8637-AABDF474681F}"/>
-              </a:ext>
-            </a:extLst>
-          </p:cNvPr>
-          <p:cNvSpPr/>
-          <p:nvPr/>
-        </p:nvSpPr>
-        <p:spPr>
-          <a:xfrm>
-            <a:off x="8540671" y="2226941"/>
-            <a:ext cx="534121" cy="584775"/>
-          </a:xfrm>
-          <a:prstGeom prst="rect">
-            <a:avLst/>
-          </a:prstGeom>
-        </p:spPr>
-        <p:txBody>
-          <a:bodyPr wrap="none">
-            <a:spAutoFit/>
-          </a:bodyPr>
-          <a:lstStyle/>
-          <a:p>
-            <a:r>
-              <a:rPr lang="en-US" sz="3200" i="1" dirty="0"/>
-              <a:t>☞</a:t>
-            </a:r>
-            <a:endParaRPr lang="en-US" sz="3200" dirty="0"/>
-          </a:p>
-        </p:txBody>
-      </p:sp>
-      <p:sp>
-        <p:nvSpPr>
-          <p:cNvPr id="22" name="Rectangle 21">
-            <a:extLst>
-              <a:ext uri="{FF2B5EF4-FFF2-40B4-BE49-F238E27FC236}">
-                <a16:creationId xmlns:a16="http://schemas.microsoft.com/office/drawing/2014/main" id="{33FD1778-493C-8942-9DA8-0F5D93D50110}"/>
-              </a:ext>
-            </a:extLst>
-          </p:cNvPr>
-          <p:cNvSpPr/>
-          <p:nvPr/>
-        </p:nvSpPr>
-        <p:spPr>
-          <a:xfrm>
-            <a:off x="2169299" y="3585087"/>
-            <a:ext cx="6096000" cy="646331"/>
-          </a:xfrm>
-          <a:prstGeom prst="rect">
-            <a:avLst/>
-          </a:prstGeom>
-        </p:spPr>
-        <p:txBody>
-          <a:bodyPr>
-            <a:spAutoFit/>
-          </a:bodyPr>
-          <a:lstStyle/>
-          <a:p>
-            <a:r>
-              <a:rPr lang="en-US" dirty="0">
-                <a:latin typeface="Consolas" panose="020B0609020204030204" pitchFamily="49" charset="0"/>
-                <a:cs typeface="Consolas" panose="020B0609020204030204" pitchFamily="49" charset="0"/>
-              </a:rPr>
-              <a:t>[['A', "Soldier's", 'Story'],</a:t>
-            </a:r>
-          </a:p>
-          <a:p>
-            <a:r>
-              <a:rPr lang="en-US" dirty="0">
-                <a:latin typeface="Consolas" panose="020B0609020204030204" pitchFamily="49" charset="0"/>
-                <a:cs typeface="Consolas" panose="020B0609020204030204" pitchFamily="49" charset="0"/>
-              </a:rPr>
-              <a:t> ['Places', 'in', 'the', 'Heart'], ...]</a:t>
-            </a:r>
-          </a:p>
-        </p:txBody>
-      </p:sp>
-      <p:sp>
-        <p:nvSpPr>
-          <p:cNvPr id="23" name="Rectangle 22">
-            <a:extLst>
-              <a:ext uri="{FF2B5EF4-FFF2-40B4-BE49-F238E27FC236}">
-                <a16:creationId xmlns:a16="http://schemas.microsoft.com/office/drawing/2014/main" id="{347AF07E-E39A-F840-AF51-7DBA67BABFBC}"/>
-              </a:ext>
-            </a:extLst>
-          </p:cNvPr>
-          <p:cNvSpPr/>
-          <p:nvPr/>
-        </p:nvSpPr>
-        <p:spPr>
-          <a:xfrm>
-            <a:off x="7314309" y="3480584"/>
-            <a:ext cx="534121" cy="584775"/>
-          </a:xfrm>
-          <a:prstGeom prst="rect">
-            <a:avLst/>
-          </a:prstGeom>
-        </p:spPr>
-        <p:txBody>
-          <a:bodyPr wrap="none">
-            <a:spAutoFit/>
-          </a:bodyPr>
-          <a:lstStyle/>
-          <a:p>
-            <a:r>
-              <a:rPr lang="en-US" sz="3200" i="1" dirty="0"/>
-              <a:t>☞</a:t>
-            </a:r>
-            <a:endParaRPr lang="en-US" sz="3200" dirty="0"/>
-          </a:p>
-        </p:txBody>
-      </p:sp>
-      <p:sp>
-        <p:nvSpPr>
-          <p:cNvPr id="24" name="Rectangle 23">
-            <a:extLst>
-              <a:ext uri="{FF2B5EF4-FFF2-40B4-BE49-F238E27FC236}">
-                <a16:creationId xmlns:a16="http://schemas.microsoft.com/office/drawing/2014/main" id="{45C56C38-6615-4749-8A37-6CFEC01A9B81}"/>
-              </a:ext>
-            </a:extLst>
-          </p:cNvPr>
-          <p:cNvSpPr/>
-          <p:nvPr/>
-        </p:nvSpPr>
-        <p:spPr>
-          <a:xfrm>
-            <a:off x="7927930" y="3588305"/>
-            <a:ext cx="1577676" cy="369332"/>
-          </a:xfrm>
-          <a:prstGeom prst="rect">
-            <a:avLst/>
-          </a:prstGeom>
-        </p:spPr>
-        <p:txBody>
-          <a:bodyPr wrap="none">
-            <a:spAutoFit/>
-          </a:bodyPr>
-          <a:lstStyle/>
-          <a:p>
-            <a:r>
-              <a:rPr lang="en-US" dirty="0">
-                <a:latin typeface="Consolas" panose="020B0609020204030204" pitchFamily="49" charset="0"/>
-                <a:cs typeface="Consolas" panose="020B0609020204030204" pitchFamily="49" charset="0"/>
-              </a:rPr>
-              <a:t>[3, 4, ...]</a:t>
-            </a:r>
-          </a:p>
-        </p:txBody>
-      </p:sp>
-      <p:sp>
-        <p:nvSpPr>
-          <p:cNvPr id="25" name="Rectangle 24">
-            <a:extLst>
-              <a:ext uri="{FF2B5EF4-FFF2-40B4-BE49-F238E27FC236}">
-                <a16:creationId xmlns:a16="http://schemas.microsoft.com/office/drawing/2014/main" id="{05EEFD78-E0D4-0945-B905-868EF082B379}"/>
-              </a:ext>
-            </a:extLst>
-          </p:cNvPr>
-          <p:cNvSpPr/>
-          <p:nvPr/>
-        </p:nvSpPr>
-        <p:spPr>
-          <a:xfrm>
-            <a:off x="6284178" y="5167325"/>
-            <a:ext cx="6096000" cy="923330"/>
-          </a:xfrm>
-          <a:prstGeom prst="rect">
-            <a:avLst/>
-          </a:prstGeom>
-        </p:spPr>
-        <p:txBody>
-          <a:bodyPr>
-            <a:spAutoFit/>
-          </a:bodyPr>
-          <a:lstStyle/>
-          <a:p>
-            <a:r>
-              <a:rPr lang="en-US" dirty="0">
-                <a:latin typeface="Consolas" panose="020B0609020204030204" pitchFamily="49" charset="0"/>
-                <a:cs typeface="Consolas" panose="020B0609020204030204" pitchFamily="49" charset="0"/>
-              </a:rPr>
-              <a:t>[['A', "Soldier's", 'Story'],</a:t>
-            </a:r>
-          </a:p>
-          <a:p>
-            <a:r>
-              <a:rPr lang="en-US" dirty="0">
-                <a:latin typeface="Consolas" panose="020B0609020204030204" pitchFamily="49" charset="0"/>
-                <a:cs typeface="Consolas" panose="020B0609020204030204" pitchFamily="49" charset="0"/>
-              </a:rPr>
-              <a:t> ['Places', 'in', 'the', 'Heart'],</a:t>
-            </a:r>
-          </a:p>
-          <a:p>
-            <a:r>
-              <a:rPr lang="en-US" dirty="0">
-                <a:latin typeface="Consolas" panose="020B0609020204030204" pitchFamily="49" charset="0"/>
-                <a:cs typeface="Consolas" panose="020B0609020204030204" pitchFamily="49" charset="0"/>
-              </a:rPr>
-              <a:t> ...]</a:t>
-            </a:r>
-          </a:p>
-        </p:txBody>
-      </p:sp>
-      <p:sp>
-        <p:nvSpPr>
-          <p:cNvPr id="26" name="Rectangle 25">
-            <a:extLst>
-              <a:ext uri="{FF2B5EF4-FFF2-40B4-BE49-F238E27FC236}">
-                <a16:creationId xmlns:a16="http://schemas.microsoft.com/office/drawing/2014/main" id="{523E74A6-AA43-0743-9D58-C45D9F338481}"/>
-              </a:ext>
-            </a:extLst>
-          </p:cNvPr>
-          <p:cNvSpPr/>
-          <p:nvPr/>
-        </p:nvSpPr>
-        <p:spPr>
-          <a:xfrm>
-            <a:off x="5508339" y="5171530"/>
-            <a:ext cx="534121" cy="584775"/>
-          </a:xfrm>
-          <a:prstGeom prst="rect">
-            <a:avLst/>
-          </a:prstGeom>
-        </p:spPr>
-        <p:txBody>
-          <a:bodyPr wrap="none">
-            <a:spAutoFit/>
-          </a:bodyPr>
-          <a:lstStyle/>
-          <a:p>
-            <a:r>
-              <a:rPr lang="en-US" sz="3200" i="1" dirty="0"/>
-              <a:t>☞</a:t>
-            </a:r>
-            <a:endParaRPr lang="en-US" sz="3200" dirty="0"/>
-          </a:p>
-        </p:txBody>
-      </p:sp>
-    </p:spTree>
-    <p:extLst>
-      <p:ext uri="{BB962C8B-B14F-4D97-AF65-F5344CB8AC3E}">
-        <p14:creationId xmlns:p14="http://schemas.microsoft.com/office/powerpoint/2010/main" val="1955675773"/>
-      </p:ext>
-    </p:extLst>
-  </p:cSld>
-  <p:clrMapOvr>
-    <a:masterClrMapping/>
-  </p:clrMapOvr>
-</p:sld>
-</file>
-
 <file path=ppt/slides/slide27.xml><?xml version="1.0" encoding="utf-8"?>
 <p:sld xmlns:a="http://schemas.openxmlformats.org/drawingml/2006/main" xmlns:r="http://schemas.openxmlformats.org/officeDocument/2006/relationships" xmlns:p="http://schemas.openxmlformats.org/presentationml/2006/main">
   <p:cSld>
@@ -10711,7 +10105,7 @@
           <a:p>
             <a:r>
               <a:rPr lang="en-US" dirty="0"/>
-              <a:t>Exercise (part 3)</a:t>
+              <a:t>Exercise (part 2)</a:t>
             </a:r>
           </a:p>
         </p:txBody>
@@ -10744,7 +10138,68 @@
           <a:p>
             <a:r>
               <a:rPr lang="en-US" dirty="0"/>
-              <a:t>Now, reverse it to get the correct sequence:</a:t>
+              <a:t>Work backwards:</a:t>
+            </a:r>
+          </a:p>
+          <a:p>
+            <a:pPr lvl="1"/>
+            <a:r>
+              <a:rPr lang="en-US" dirty="0"/>
+              <a:t>If we have the list of title lengths, we can filter for length 3 and count</a:t>
+            </a:r>
+          </a:p>
+          <a:p>
+            <a:pPr lvl="1"/>
+            <a:endParaRPr lang="en-US" dirty="0"/>
+          </a:p>
+          <a:p>
+            <a:pPr lvl="1"/>
+            <a:endParaRPr lang="en-US" dirty="0"/>
+          </a:p>
+          <a:p>
+            <a:pPr lvl="1"/>
+            <a:r>
+              <a:rPr lang="en-US" dirty="0"/>
+              <a:t>To get list of title lengths, map </a:t>
+            </a:r>
+            <a:r>
+              <a:rPr lang="en-US" b="1" dirty="0" err="1"/>
+              <a:t>len</a:t>
+            </a:r>
+            <a:r>
+              <a:rPr lang="en-US" b="1" dirty="0"/>
+              <a:t>()</a:t>
+            </a:r>
+            <a:r>
+              <a:rPr lang="en-US" dirty="0"/>
+              <a:t> to list of words of each title</a:t>
+            </a:r>
+          </a:p>
+          <a:p>
+            <a:pPr lvl="1"/>
+            <a:endParaRPr lang="en-US" dirty="0"/>
+          </a:p>
+          <a:p>
+            <a:pPr lvl="1"/>
+            <a:endParaRPr lang="en-US" dirty="0"/>
+          </a:p>
+          <a:p>
+            <a:pPr lvl="1"/>
+            <a:endParaRPr lang="en-US" dirty="0"/>
+          </a:p>
+          <a:p>
+            <a:pPr lvl="1"/>
+            <a:r>
+              <a:rPr lang="en-US" dirty="0"/>
+              <a:t>To get the list of words for each title, apply </a:t>
+            </a:r>
+            <a:r>
+              <a:rPr lang="en-US" b="1" dirty="0"/>
+              <a:t>split()</a:t>
+            </a:r>
+            <a:r>
+              <a:rPr lang="en-US" dirty="0"/>
+              <a:t> to each title (map)</a:t>
             </a:r>
           </a:p>
           <a:p>
@@ -10769,7 +10224,7 @@
         </p:nvSpPr>
         <p:spPr>
           <a:xfrm>
-            <a:off x="1681197" y="1928976"/>
+            <a:off x="2169299" y="5095303"/>
             <a:ext cx="3097323" cy="923330"/>
           </a:xfrm>
           <a:prstGeom prst="rect">
@@ -10824,7 +10279,7 @@
         </p:nvSpPr>
         <p:spPr>
           <a:xfrm>
-            <a:off x="1681197" y="5012585"/>
+            <a:off x="2205144" y="2337128"/>
             <a:ext cx="3983783" cy="369332"/>
           </a:xfrm>
           <a:prstGeom prst="rect">
@@ -10861,7 +10316,7 @@
         </p:nvSpPr>
         <p:spPr>
           <a:xfrm>
-            <a:off x="6362238" y="5015050"/>
+            <a:off x="6886185" y="2339593"/>
             <a:ext cx="1704313" cy="369332"/>
           </a:xfrm>
           <a:prstGeom prst="rect">
@@ -10898,7 +10353,7 @@
         </p:nvSpPr>
         <p:spPr>
           <a:xfrm>
-            <a:off x="5708607" y="4904863"/>
+            <a:off x="6232554" y="2229406"/>
             <a:ext cx="534121" cy="584775"/>
           </a:xfrm>
           <a:prstGeom prst="rect">
@@ -11016,7 +10471,7 @@
         </p:nvSpPr>
         <p:spPr>
           <a:xfrm>
-            <a:off x="8670355" y="5032905"/>
+            <a:off x="9194302" y="2357448"/>
             <a:ext cx="311304" cy="369332"/>
           </a:xfrm>
           <a:prstGeom prst="rect">
@@ -11053,7 +10508,7 @@
         </p:nvSpPr>
         <p:spPr>
           <a:xfrm>
-            <a:off x="8016724" y="4902398"/>
+            <a:off x="8540671" y="2226941"/>
             <a:ext cx="534121" cy="584775"/>
           </a:xfrm>
           <a:prstGeom prst="rect">
@@ -11088,7 +10543,7 @@
         </p:nvSpPr>
         <p:spPr>
           <a:xfrm>
-            <a:off x="1681197" y="3575740"/>
+            <a:off x="2169299" y="3585087"/>
             <a:ext cx="6096000" cy="646331"/>
           </a:xfrm>
           <a:prstGeom prst="rect">
@@ -11134,7 +10589,7 @@
         </p:nvSpPr>
         <p:spPr>
           <a:xfrm>
-            <a:off x="6826207" y="3471237"/>
+            <a:off x="7314309" y="3480584"/>
             <a:ext cx="534121" cy="584775"/>
           </a:xfrm>
           <a:prstGeom prst="rect">
@@ -11169,7 +10624,7 @@
         </p:nvSpPr>
         <p:spPr>
           <a:xfrm>
-            <a:off x="7439828" y="3578958"/>
+            <a:off x="7927930" y="3588305"/>
             <a:ext cx="1577676" cy="369332"/>
           </a:xfrm>
           <a:prstGeom prst="rect">
@@ -11206,7 +10661,7 @@
         </p:nvSpPr>
         <p:spPr>
           <a:xfrm>
-            <a:off x="5796076" y="2000998"/>
+            <a:off x="6284178" y="5167325"/>
             <a:ext cx="6096000" cy="923330"/>
           </a:xfrm>
           <a:prstGeom prst="rect">
@@ -11261,7 +10716,7 @@
         </p:nvSpPr>
         <p:spPr>
           <a:xfrm>
-            <a:off x="5020237" y="2005203"/>
+            <a:off x="5508339" y="5171530"/>
             <a:ext cx="534121" cy="584775"/>
           </a:xfrm>
           <a:prstGeom prst="rect">
@@ -11282,115 +10737,10 @@
           </a:p>
         </p:txBody>
       </p:sp>
-      <p:sp>
-        <p:nvSpPr>
-          <p:cNvPr id="4" name="TextBox 3">
-            <a:extLst>
-              <a:ext uri="{FF2B5EF4-FFF2-40B4-BE49-F238E27FC236}">
-                <a16:creationId xmlns:a16="http://schemas.microsoft.com/office/drawing/2014/main" id="{7847468B-6E3A-134D-9DE9-B966A2713CD1}"/>
-              </a:ext>
-            </a:extLst>
-          </p:cNvPr>
-          <p:cNvSpPr txBox="1"/>
-          <p:nvPr/>
-        </p:nvSpPr>
-        <p:spPr>
-          <a:xfrm>
-            <a:off x="372200" y="2006106"/>
-            <a:ext cx="800219" cy="461665"/>
-          </a:xfrm>
-          <a:prstGeom prst="rect">
-            <a:avLst/>
-          </a:prstGeom>
-          <a:noFill/>
-        </p:spPr>
-        <p:txBody>
-          <a:bodyPr wrap="none" rtlCol="0">
-            <a:spAutoFit/>
-          </a:bodyPr>
-          <a:lstStyle/>
-          <a:p>
-            <a:r>
-              <a:rPr lang="en-US" sz="2400" b="1" dirty="0"/>
-              <a:t>Map</a:t>
-            </a:r>
-          </a:p>
-        </p:txBody>
-      </p:sp>
-      <p:sp>
-        <p:nvSpPr>
-          <p:cNvPr id="20" name="TextBox 19">
-            <a:extLst>
-              <a:ext uri="{FF2B5EF4-FFF2-40B4-BE49-F238E27FC236}">
-                <a16:creationId xmlns:a16="http://schemas.microsoft.com/office/drawing/2014/main" id="{D7BE2A7E-70BF-B649-9A39-427BE5EB6ECC}"/>
-              </a:ext>
-            </a:extLst>
-          </p:cNvPr>
-          <p:cNvSpPr txBox="1"/>
-          <p:nvPr/>
-        </p:nvSpPr>
-        <p:spPr>
-          <a:xfrm>
-            <a:off x="387361" y="3629047"/>
-            <a:ext cx="800219" cy="461665"/>
-          </a:xfrm>
-          <a:prstGeom prst="rect">
-            <a:avLst/>
-          </a:prstGeom>
-          <a:noFill/>
-        </p:spPr>
-        <p:txBody>
-          <a:bodyPr wrap="none" rtlCol="0">
-            <a:spAutoFit/>
-          </a:bodyPr>
-          <a:lstStyle/>
-          <a:p>
-            <a:r>
-              <a:rPr lang="en-US" sz="2400" b="1" dirty="0"/>
-              <a:t>Map</a:t>
-            </a:r>
-          </a:p>
-        </p:txBody>
-      </p:sp>
-      <p:sp>
-        <p:nvSpPr>
-          <p:cNvPr id="21" name="TextBox 20">
-            <a:extLst>
-              <a:ext uri="{FF2B5EF4-FFF2-40B4-BE49-F238E27FC236}">
-                <a16:creationId xmlns:a16="http://schemas.microsoft.com/office/drawing/2014/main" id="{A15A96E2-A527-E544-8186-407BC1ED2830}"/>
-              </a:ext>
-            </a:extLst>
-          </p:cNvPr>
-          <p:cNvSpPr txBox="1"/>
-          <p:nvPr/>
-        </p:nvSpPr>
-        <p:spPr>
-          <a:xfrm>
-            <a:off x="378183" y="4920252"/>
-            <a:ext cx="936475" cy="461665"/>
-          </a:xfrm>
-          <a:prstGeom prst="rect">
-            <a:avLst/>
-          </a:prstGeom>
-          <a:noFill/>
-        </p:spPr>
-        <p:txBody>
-          <a:bodyPr wrap="none" rtlCol="0">
-            <a:spAutoFit/>
-          </a:bodyPr>
-          <a:lstStyle/>
-          <a:p>
-            <a:r>
-              <a:rPr lang="en-US" sz="2400" b="1" dirty="0"/>
-              <a:t>Filter</a:t>
-            </a:r>
-          </a:p>
-        </p:txBody>
-      </p:sp>
     </p:spTree>
     <p:extLst>
       <p:ext uri="{BB962C8B-B14F-4D97-AF65-F5344CB8AC3E}">
-        <p14:creationId xmlns:p14="http://schemas.microsoft.com/office/powerpoint/2010/main" val="4053579434"/>
+        <p14:creationId xmlns:p14="http://schemas.microsoft.com/office/powerpoint/2010/main" val="1955675773"/>
       </p:ext>
     </p:extLst>
   </p:cSld>
@@ -11445,6 +10795,740 @@
           <a:p>
             <a:r>
               <a:rPr lang="en-US" dirty="0"/>
+              <a:t>Exercise (part 3)</a:t>
+            </a:r>
+          </a:p>
+        </p:txBody>
+      </p:sp>
+      <p:sp>
+        <p:nvSpPr>
+          <p:cNvPr id="3" name="Content Placeholder 2">
+            <a:extLst>
+              <a:ext uri="{FF2B5EF4-FFF2-40B4-BE49-F238E27FC236}">
+                <a16:creationId xmlns:a16="http://schemas.microsoft.com/office/drawing/2014/main" id="{B8E4D60B-2C06-3142-85A6-6EECDE015D1B}"/>
+              </a:ext>
+            </a:extLst>
+          </p:cNvPr>
+          <p:cNvSpPr>
+            <a:spLocks noGrp="1"/>
+          </p:cNvSpPr>
+          <p:nvPr>
+            <p:ph idx="1"/>
+          </p:nvPr>
+        </p:nvSpPr>
+        <p:spPr>
+          <a:xfrm>
+            <a:off x="838200" y="1301032"/>
+            <a:ext cx="10515600" cy="4875931"/>
+          </a:xfrm>
+        </p:spPr>
+        <p:txBody>
+          <a:bodyPr/>
+          <a:lstStyle/>
+          <a:p>
+            <a:r>
+              <a:rPr lang="en-US" dirty="0"/>
+              <a:t>Now, reverse it to get the correct sequence:</a:t>
+            </a:r>
+          </a:p>
+          <a:p>
+            <a:endParaRPr lang="en-US" dirty="0"/>
+          </a:p>
+          <a:p>
+            <a:endParaRPr lang="en-US" dirty="0"/>
+          </a:p>
+        </p:txBody>
+      </p:sp>
+      <p:sp>
+        <p:nvSpPr>
+          <p:cNvPr id="12" name="Rectangle 11">
+            <a:extLst>
+              <a:ext uri="{FF2B5EF4-FFF2-40B4-BE49-F238E27FC236}">
+                <a16:creationId xmlns:a16="http://schemas.microsoft.com/office/drawing/2014/main" id="{AEFFC3D2-A815-6A4C-9973-B0127AB84120}"/>
+              </a:ext>
+            </a:extLst>
+          </p:cNvPr>
+          <p:cNvSpPr/>
+          <p:nvPr/>
+        </p:nvSpPr>
+        <p:spPr>
+          <a:xfrm>
+            <a:off x="1681197" y="1928976"/>
+            <a:ext cx="3097323" cy="923330"/>
+          </a:xfrm>
+          <a:prstGeom prst="rect">
+            <a:avLst/>
+          </a:prstGeom>
+        </p:spPr>
+        <p:txBody>
+          <a:bodyPr wrap="none">
+            <a:spAutoFit/>
+          </a:bodyPr>
+          <a:lstStyle/>
+          <a:p>
+            <a:r>
+              <a:rPr lang="en-US" dirty="0">
+                <a:latin typeface="Consolas" panose="020B0609020204030204" pitchFamily="49" charset="0"/>
+                <a:cs typeface="Consolas" panose="020B0609020204030204" pitchFamily="49" charset="0"/>
+              </a:rPr>
+              <a:t>["A Soldier's Story",</a:t>
+            </a:r>
+          </a:p>
+          <a:p>
+            <a:r>
+              <a:rPr lang="en-US" dirty="0">
+                <a:latin typeface="Consolas" panose="020B0609020204030204" pitchFamily="49" charset="0"/>
+                <a:cs typeface="Consolas" panose="020B0609020204030204" pitchFamily="49" charset="0"/>
+              </a:rPr>
+              <a:t> 'Places in the Heart',</a:t>
+            </a:r>
+          </a:p>
+          <a:p>
+            <a:r>
+              <a:rPr lang="en-US" dirty="0">
+                <a:latin typeface="Consolas" panose="020B0609020204030204" pitchFamily="49" charset="0"/>
+                <a:cs typeface="Consolas" panose="020B0609020204030204" pitchFamily="49" charset="0"/>
+              </a:rPr>
+              <a:t> ...]</a:t>
+            </a:r>
+          </a:p>
+        </p:txBody>
+      </p:sp>
+      <p:sp>
+        <p:nvSpPr>
+          <p:cNvPr id="14" name="Rectangle 13">
+            <a:extLst>
+              <a:ext uri="{FF2B5EF4-FFF2-40B4-BE49-F238E27FC236}">
+                <a16:creationId xmlns:a16="http://schemas.microsoft.com/office/drawing/2014/main" id="{99D7E61F-AE0B-4B40-A374-84D8D8E6C8A3}"/>
+              </a:ext>
+            </a:extLst>
+          </p:cNvPr>
+          <p:cNvSpPr/>
+          <p:nvPr/>
+        </p:nvSpPr>
+        <p:spPr>
+          <a:xfrm>
+            <a:off x="1681197" y="5012585"/>
+            <a:ext cx="3983783" cy="369332"/>
+          </a:xfrm>
+          <a:prstGeom prst="rect">
+            <a:avLst/>
+          </a:prstGeom>
+        </p:spPr>
+        <p:txBody>
+          <a:bodyPr wrap="none">
+            <a:spAutoFit/>
+          </a:bodyPr>
+          <a:lstStyle/>
+          <a:p>
+            <a:r>
+              <a:rPr lang="en-US" dirty="0">
+                <a:latin typeface="Consolas" panose="020B0609020204030204" pitchFamily="49" charset="0"/>
+                <a:cs typeface="Consolas" panose="020B0609020204030204" pitchFamily="49" charset="0"/>
+              </a:rPr>
+              <a:t>[3, 4, 3, 4, 1, 2, 5, 1, 3, 3]</a:t>
+            </a:r>
+          </a:p>
+        </p:txBody>
+      </p:sp>
+      <p:sp>
+        <p:nvSpPr>
+          <p:cNvPr id="15" name="Rectangle 14">
+            <a:extLst>
+              <a:ext uri="{FF2B5EF4-FFF2-40B4-BE49-F238E27FC236}">
+                <a16:creationId xmlns:a16="http://schemas.microsoft.com/office/drawing/2014/main" id="{150237DD-912F-2F4A-8594-D10FE18DFE10}"/>
+              </a:ext>
+            </a:extLst>
+          </p:cNvPr>
+          <p:cNvSpPr/>
+          <p:nvPr/>
+        </p:nvSpPr>
+        <p:spPr>
+          <a:xfrm>
+            <a:off x="6362238" y="5015050"/>
+            <a:ext cx="1704313" cy="369332"/>
+          </a:xfrm>
+          <a:prstGeom prst="rect">
+            <a:avLst/>
+          </a:prstGeom>
+        </p:spPr>
+        <p:txBody>
+          <a:bodyPr wrap="none">
+            <a:spAutoFit/>
+          </a:bodyPr>
+          <a:lstStyle/>
+          <a:p>
+            <a:r>
+              <a:rPr lang="en-US" dirty="0">
+                <a:latin typeface="Consolas" panose="020B0609020204030204" pitchFamily="49" charset="0"/>
+                <a:cs typeface="Consolas" panose="020B0609020204030204" pitchFamily="49" charset="0"/>
+              </a:rPr>
+              <a:t>[3, 3, 3, 3]</a:t>
+            </a:r>
+          </a:p>
+        </p:txBody>
+      </p:sp>
+      <p:sp>
+        <p:nvSpPr>
+          <p:cNvPr id="16" name="Rectangle 15">
+            <a:extLst>
+              <a:ext uri="{FF2B5EF4-FFF2-40B4-BE49-F238E27FC236}">
+                <a16:creationId xmlns:a16="http://schemas.microsoft.com/office/drawing/2014/main" id="{8FBEAE24-8074-484D-8DD3-318B0FFFC15F}"/>
+              </a:ext>
+            </a:extLst>
+          </p:cNvPr>
+          <p:cNvSpPr/>
+          <p:nvPr/>
+        </p:nvSpPr>
+        <p:spPr>
+          <a:xfrm>
+            <a:off x="5708607" y="4904863"/>
+            <a:ext cx="534121" cy="584775"/>
+          </a:xfrm>
+          <a:prstGeom prst="rect">
+            <a:avLst/>
+          </a:prstGeom>
+        </p:spPr>
+        <p:txBody>
+          <a:bodyPr wrap="none">
+            <a:spAutoFit/>
+          </a:bodyPr>
+          <a:lstStyle/>
+          <a:p>
+            <a:r>
+              <a:rPr lang="en-US" sz="3200" i="1" dirty="0"/>
+              <a:t>☞</a:t>
+            </a:r>
+            <a:endParaRPr lang="en-US" sz="3200" dirty="0"/>
+          </a:p>
+        </p:txBody>
+      </p:sp>
+      <p:sp>
+        <p:nvSpPr>
+          <p:cNvPr id="17" name="TextBox 16">
+            <a:extLst>
+              <a:ext uri="{FF2B5EF4-FFF2-40B4-BE49-F238E27FC236}">
+                <a16:creationId xmlns:a16="http://schemas.microsoft.com/office/drawing/2014/main" id="{1B4753B9-CADF-C74A-A6B8-9CE2CAEF64E2}"/>
+              </a:ext>
+            </a:extLst>
+          </p:cNvPr>
+          <p:cNvSpPr txBox="1"/>
+          <p:nvPr/>
+        </p:nvSpPr>
+        <p:spPr>
+          <a:xfrm>
+            <a:off x="6357646" y="22931"/>
+            <a:ext cx="5949064" cy="954107"/>
+          </a:xfrm>
+          <a:prstGeom prst="rect">
+            <a:avLst/>
+          </a:prstGeom>
+          <a:noFill/>
+        </p:spPr>
+        <p:txBody>
+          <a:bodyPr wrap="none" rtlCol="0">
+            <a:spAutoFit/>
+          </a:bodyPr>
+          <a:lstStyle/>
+          <a:p>
+            <a:r>
+              <a:rPr lang="en-US" sz="1400" dirty="0">
+                <a:latin typeface="Consolas" panose="020B0609020204030204" pitchFamily="49" charset="0"/>
+                <a:cs typeface="Consolas" panose="020B0609020204030204" pitchFamily="49" charset="0"/>
+              </a:rPr>
+              <a:t>["A Soldier's Story", 'Places in the Heart',</a:t>
+            </a:r>
+          </a:p>
+          <a:p>
+            <a:r>
+              <a:rPr lang="en-US" sz="1400" dirty="0">
+                <a:latin typeface="Consolas" panose="020B0609020204030204" pitchFamily="49" charset="0"/>
+                <a:cs typeface="Consolas" panose="020B0609020204030204" pitchFamily="49" charset="0"/>
+              </a:rPr>
+              <a:t> 'The Killing Fields', 'A Passage to India',</a:t>
+            </a:r>
+            <a:br>
+              <a:rPr lang="en-US" sz="1400" dirty="0">
+                <a:latin typeface="Consolas" panose="020B0609020204030204" pitchFamily="49" charset="0"/>
+                <a:cs typeface="Consolas" panose="020B0609020204030204" pitchFamily="49" charset="0"/>
+              </a:rPr>
+            </a:br>
+            <a:r>
+              <a:rPr lang="en-US" sz="1400" dirty="0">
+                <a:latin typeface="Consolas" panose="020B0609020204030204" pitchFamily="49" charset="0"/>
+                <a:cs typeface="Consolas" panose="020B0609020204030204" pitchFamily="49" charset="0"/>
+              </a:rPr>
+              <a:t> 'Amadeus', "</a:t>
+            </a:r>
+            <a:r>
+              <a:rPr lang="en-US" sz="1400" dirty="0" err="1">
+                <a:latin typeface="Consolas" panose="020B0609020204030204" pitchFamily="49" charset="0"/>
+                <a:cs typeface="Consolas" panose="020B0609020204030204" pitchFamily="49" charset="0"/>
+              </a:rPr>
+              <a:t>Prizzi's</a:t>
+            </a:r>
+            <a:r>
+              <a:rPr lang="en-US" sz="1400" dirty="0">
+                <a:latin typeface="Consolas" panose="020B0609020204030204" pitchFamily="49" charset="0"/>
+                <a:cs typeface="Consolas" panose="020B0609020204030204" pitchFamily="49" charset="0"/>
+              </a:rPr>
+              <a:t> Honor", 'Kiss of the Spider Woman',</a:t>
+            </a:r>
+          </a:p>
+          <a:p>
+            <a:r>
+              <a:rPr lang="en-US" sz="1400" dirty="0">
+                <a:latin typeface="Consolas" panose="020B0609020204030204" pitchFamily="49" charset="0"/>
+                <a:cs typeface="Consolas" panose="020B0609020204030204" pitchFamily="49" charset="0"/>
+              </a:rPr>
+              <a:t> 'Witness', 'The Color Purple', 'Out of Africa']</a:t>
+            </a:r>
+          </a:p>
+        </p:txBody>
+      </p:sp>
+      <p:sp>
+        <p:nvSpPr>
+          <p:cNvPr id="18" name="Rectangle 17">
+            <a:extLst>
+              <a:ext uri="{FF2B5EF4-FFF2-40B4-BE49-F238E27FC236}">
+                <a16:creationId xmlns:a16="http://schemas.microsoft.com/office/drawing/2014/main" id="{278190C8-E71C-A44C-A5FB-42913AAE02D0}"/>
+              </a:ext>
+            </a:extLst>
+          </p:cNvPr>
+          <p:cNvSpPr/>
+          <p:nvPr/>
+        </p:nvSpPr>
+        <p:spPr>
+          <a:xfrm>
+            <a:off x="8670355" y="5032905"/>
+            <a:ext cx="311304" cy="369332"/>
+          </a:xfrm>
+          <a:prstGeom prst="rect">
+            <a:avLst/>
+          </a:prstGeom>
+        </p:spPr>
+        <p:txBody>
+          <a:bodyPr wrap="none">
+            <a:spAutoFit/>
+          </a:bodyPr>
+          <a:lstStyle/>
+          <a:p>
+            <a:r>
+              <a:rPr lang="en-US" dirty="0">
+                <a:latin typeface="Consolas" panose="020B0609020204030204" pitchFamily="49" charset="0"/>
+                <a:cs typeface="Consolas" panose="020B0609020204030204" pitchFamily="49" charset="0"/>
+              </a:rPr>
+              <a:t>4</a:t>
+            </a:r>
+          </a:p>
+        </p:txBody>
+      </p:sp>
+      <p:sp>
+        <p:nvSpPr>
+          <p:cNvPr id="19" name="Rectangle 18">
+            <a:extLst>
+              <a:ext uri="{FF2B5EF4-FFF2-40B4-BE49-F238E27FC236}">
+                <a16:creationId xmlns:a16="http://schemas.microsoft.com/office/drawing/2014/main" id="{A1088EE5-DB79-CD41-8637-AABDF474681F}"/>
+              </a:ext>
+            </a:extLst>
+          </p:cNvPr>
+          <p:cNvSpPr/>
+          <p:nvPr/>
+        </p:nvSpPr>
+        <p:spPr>
+          <a:xfrm>
+            <a:off x="8016724" y="4902398"/>
+            <a:ext cx="534121" cy="584775"/>
+          </a:xfrm>
+          <a:prstGeom prst="rect">
+            <a:avLst/>
+          </a:prstGeom>
+        </p:spPr>
+        <p:txBody>
+          <a:bodyPr wrap="none">
+            <a:spAutoFit/>
+          </a:bodyPr>
+          <a:lstStyle/>
+          <a:p>
+            <a:r>
+              <a:rPr lang="en-US" sz="3200" i="1" dirty="0"/>
+              <a:t>☞</a:t>
+            </a:r>
+            <a:endParaRPr lang="en-US" sz="3200" dirty="0"/>
+          </a:p>
+        </p:txBody>
+      </p:sp>
+      <p:sp>
+        <p:nvSpPr>
+          <p:cNvPr id="22" name="Rectangle 21">
+            <a:extLst>
+              <a:ext uri="{FF2B5EF4-FFF2-40B4-BE49-F238E27FC236}">
+                <a16:creationId xmlns:a16="http://schemas.microsoft.com/office/drawing/2014/main" id="{33FD1778-493C-8942-9DA8-0F5D93D50110}"/>
+              </a:ext>
+            </a:extLst>
+          </p:cNvPr>
+          <p:cNvSpPr/>
+          <p:nvPr/>
+        </p:nvSpPr>
+        <p:spPr>
+          <a:xfrm>
+            <a:off x="1681197" y="3575740"/>
+            <a:ext cx="6096000" cy="646331"/>
+          </a:xfrm>
+          <a:prstGeom prst="rect">
+            <a:avLst/>
+          </a:prstGeom>
+        </p:spPr>
+        <p:txBody>
+          <a:bodyPr>
+            <a:spAutoFit/>
+          </a:bodyPr>
+          <a:lstStyle/>
+          <a:p>
+            <a:r>
+              <a:rPr lang="en-US" dirty="0">
+                <a:latin typeface="Consolas" panose="020B0609020204030204" pitchFamily="49" charset="0"/>
+                <a:cs typeface="Consolas" panose="020B0609020204030204" pitchFamily="49" charset="0"/>
+              </a:rPr>
+              <a:t>[['A', "Soldier's", 'Story'],</a:t>
+            </a:r>
+          </a:p>
+          <a:p>
+            <a:r>
+              <a:rPr lang="en-US" dirty="0">
+                <a:latin typeface="Consolas" panose="020B0609020204030204" pitchFamily="49" charset="0"/>
+                <a:cs typeface="Consolas" panose="020B0609020204030204" pitchFamily="49" charset="0"/>
+              </a:rPr>
+              <a:t> ['Places', 'in', 'the', 'Heart'], ...]</a:t>
+            </a:r>
+          </a:p>
+        </p:txBody>
+      </p:sp>
+      <p:sp>
+        <p:nvSpPr>
+          <p:cNvPr id="23" name="Rectangle 22">
+            <a:extLst>
+              <a:ext uri="{FF2B5EF4-FFF2-40B4-BE49-F238E27FC236}">
+                <a16:creationId xmlns:a16="http://schemas.microsoft.com/office/drawing/2014/main" id="{347AF07E-E39A-F840-AF51-7DBA67BABFBC}"/>
+              </a:ext>
+            </a:extLst>
+          </p:cNvPr>
+          <p:cNvSpPr/>
+          <p:nvPr/>
+        </p:nvSpPr>
+        <p:spPr>
+          <a:xfrm>
+            <a:off x="6826207" y="3471237"/>
+            <a:ext cx="534121" cy="584775"/>
+          </a:xfrm>
+          <a:prstGeom prst="rect">
+            <a:avLst/>
+          </a:prstGeom>
+        </p:spPr>
+        <p:txBody>
+          <a:bodyPr wrap="none">
+            <a:spAutoFit/>
+          </a:bodyPr>
+          <a:lstStyle/>
+          <a:p>
+            <a:r>
+              <a:rPr lang="en-US" sz="3200" i="1" dirty="0"/>
+              <a:t>☞</a:t>
+            </a:r>
+            <a:endParaRPr lang="en-US" sz="3200" dirty="0"/>
+          </a:p>
+        </p:txBody>
+      </p:sp>
+      <p:sp>
+        <p:nvSpPr>
+          <p:cNvPr id="24" name="Rectangle 23">
+            <a:extLst>
+              <a:ext uri="{FF2B5EF4-FFF2-40B4-BE49-F238E27FC236}">
+                <a16:creationId xmlns:a16="http://schemas.microsoft.com/office/drawing/2014/main" id="{45C56C38-6615-4749-8A37-6CFEC01A9B81}"/>
+              </a:ext>
+            </a:extLst>
+          </p:cNvPr>
+          <p:cNvSpPr/>
+          <p:nvPr/>
+        </p:nvSpPr>
+        <p:spPr>
+          <a:xfrm>
+            <a:off x="7439828" y="3578958"/>
+            <a:ext cx="1577676" cy="369332"/>
+          </a:xfrm>
+          <a:prstGeom prst="rect">
+            <a:avLst/>
+          </a:prstGeom>
+        </p:spPr>
+        <p:txBody>
+          <a:bodyPr wrap="none">
+            <a:spAutoFit/>
+          </a:bodyPr>
+          <a:lstStyle/>
+          <a:p>
+            <a:r>
+              <a:rPr lang="en-US" dirty="0">
+                <a:latin typeface="Consolas" panose="020B0609020204030204" pitchFamily="49" charset="0"/>
+                <a:cs typeface="Consolas" panose="020B0609020204030204" pitchFamily="49" charset="0"/>
+              </a:rPr>
+              <a:t>[3, 4, ...]</a:t>
+            </a:r>
+          </a:p>
+        </p:txBody>
+      </p:sp>
+      <p:sp>
+        <p:nvSpPr>
+          <p:cNvPr id="25" name="Rectangle 24">
+            <a:extLst>
+              <a:ext uri="{FF2B5EF4-FFF2-40B4-BE49-F238E27FC236}">
+                <a16:creationId xmlns:a16="http://schemas.microsoft.com/office/drawing/2014/main" id="{05EEFD78-E0D4-0945-B905-868EF082B379}"/>
+              </a:ext>
+            </a:extLst>
+          </p:cNvPr>
+          <p:cNvSpPr/>
+          <p:nvPr/>
+        </p:nvSpPr>
+        <p:spPr>
+          <a:xfrm>
+            <a:off x="5796076" y="2000998"/>
+            <a:ext cx="6096000" cy="923330"/>
+          </a:xfrm>
+          <a:prstGeom prst="rect">
+            <a:avLst/>
+          </a:prstGeom>
+        </p:spPr>
+        <p:txBody>
+          <a:bodyPr>
+            <a:spAutoFit/>
+          </a:bodyPr>
+          <a:lstStyle/>
+          <a:p>
+            <a:r>
+              <a:rPr lang="en-US" dirty="0">
+                <a:latin typeface="Consolas" panose="020B0609020204030204" pitchFamily="49" charset="0"/>
+                <a:cs typeface="Consolas" panose="020B0609020204030204" pitchFamily="49" charset="0"/>
+              </a:rPr>
+              <a:t>[['A', "Soldier's", 'Story'],</a:t>
+            </a:r>
+          </a:p>
+          <a:p>
+            <a:r>
+              <a:rPr lang="en-US" dirty="0">
+                <a:latin typeface="Consolas" panose="020B0609020204030204" pitchFamily="49" charset="0"/>
+                <a:cs typeface="Consolas" panose="020B0609020204030204" pitchFamily="49" charset="0"/>
+              </a:rPr>
+              <a:t> ['Places', 'in', 'the', 'Heart'],</a:t>
+            </a:r>
+          </a:p>
+          <a:p>
+            <a:r>
+              <a:rPr lang="en-US" dirty="0">
+                <a:latin typeface="Consolas" panose="020B0609020204030204" pitchFamily="49" charset="0"/>
+                <a:cs typeface="Consolas" panose="020B0609020204030204" pitchFamily="49" charset="0"/>
+              </a:rPr>
+              <a:t> ...]</a:t>
+            </a:r>
+          </a:p>
+        </p:txBody>
+      </p:sp>
+      <p:sp>
+        <p:nvSpPr>
+          <p:cNvPr id="26" name="Rectangle 25">
+            <a:extLst>
+              <a:ext uri="{FF2B5EF4-FFF2-40B4-BE49-F238E27FC236}">
+                <a16:creationId xmlns:a16="http://schemas.microsoft.com/office/drawing/2014/main" id="{523E74A6-AA43-0743-9D58-C45D9F338481}"/>
+              </a:ext>
+            </a:extLst>
+          </p:cNvPr>
+          <p:cNvSpPr/>
+          <p:nvPr/>
+        </p:nvSpPr>
+        <p:spPr>
+          <a:xfrm>
+            <a:off x="5020237" y="2005203"/>
+            <a:ext cx="534121" cy="584775"/>
+          </a:xfrm>
+          <a:prstGeom prst="rect">
+            <a:avLst/>
+          </a:prstGeom>
+        </p:spPr>
+        <p:txBody>
+          <a:bodyPr wrap="none">
+            <a:spAutoFit/>
+          </a:bodyPr>
+          <a:lstStyle/>
+          <a:p>
+            <a:r>
+              <a:rPr lang="en-US" sz="3200" i="1" dirty="0"/>
+              <a:t>☞</a:t>
+            </a:r>
+            <a:endParaRPr lang="en-US" sz="3200" dirty="0"/>
+          </a:p>
+        </p:txBody>
+      </p:sp>
+      <p:sp>
+        <p:nvSpPr>
+          <p:cNvPr id="4" name="TextBox 3">
+            <a:extLst>
+              <a:ext uri="{FF2B5EF4-FFF2-40B4-BE49-F238E27FC236}">
+                <a16:creationId xmlns:a16="http://schemas.microsoft.com/office/drawing/2014/main" id="{7847468B-6E3A-134D-9DE9-B966A2713CD1}"/>
+              </a:ext>
+            </a:extLst>
+          </p:cNvPr>
+          <p:cNvSpPr txBox="1"/>
+          <p:nvPr/>
+        </p:nvSpPr>
+        <p:spPr>
+          <a:xfrm>
+            <a:off x="372200" y="2006106"/>
+            <a:ext cx="800219" cy="461665"/>
+          </a:xfrm>
+          <a:prstGeom prst="rect">
+            <a:avLst/>
+          </a:prstGeom>
+          <a:noFill/>
+        </p:spPr>
+        <p:txBody>
+          <a:bodyPr wrap="none" rtlCol="0">
+            <a:spAutoFit/>
+          </a:bodyPr>
+          <a:lstStyle/>
+          <a:p>
+            <a:r>
+              <a:rPr lang="en-US" sz="2400" b="1" dirty="0"/>
+              <a:t>Map</a:t>
+            </a:r>
+          </a:p>
+        </p:txBody>
+      </p:sp>
+      <p:sp>
+        <p:nvSpPr>
+          <p:cNvPr id="20" name="TextBox 19">
+            <a:extLst>
+              <a:ext uri="{FF2B5EF4-FFF2-40B4-BE49-F238E27FC236}">
+                <a16:creationId xmlns:a16="http://schemas.microsoft.com/office/drawing/2014/main" id="{D7BE2A7E-70BF-B649-9A39-427BE5EB6ECC}"/>
+              </a:ext>
+            </a:extLst>
+          </p:cNvPr>
+          <p:cNvSpPr txBox="1"/>
+          <p:nvPr/>
+        </p:nvSpPr>
+        <p:spPr>
+          <a:xfrm>
+            <a:off x="387361" y="3629047"/>
+            <a:ext cx="800219" cy="461665"/>
+          </a:xfrm>
+          <a:prstGeom prst="rect">
+            <a:avLst/>
+          </a:prstGeom>
+          <a:noFill/>
+        </p:spPr>
+        <p:txBody>
+          <a:bodyPr wrap="none" rtlCol="0">
+            <a:spAutoFit/>
+          </a:bodyPr>
+          <a:lstStyle/>
+          <a:p>
+            <a:r>
+              <a:rPr lang="en-US" sz="2400" b="1" dirty="0"/>
+              <a:t>Map</a:t>
+            </a:r>
+          </a:p>
+        </p:txBody>
+      </p:sp>
+      <p:sp>
+        <p:nvSpPr>
+          <p:cNvPr id="21" name="TextBox 20">
+            <a:extLst>
+              <a:ext uri="{FF2B5EF4-FFF2-40B4-BE49-F238E27FC236}">
+                <a16:creationId xmlns:a16="http://schemas.microsoft.com/office/drawing/2014/main" id="{A15A96E2-A527-E544-8186-407BC1ED2830}"/>
+              </a:ext>
+            </a:extLst>
+          </p:cNvPr>
+          <p:cNvSpPr txBox="1"/>
+          <p:nvPr/>
+        </p:nvSpPr>
+        <p:spPr>
+          <a:xfrm>
+            <a:off x="378183" y="4920252"/>
+            <a:ext cx="936475" cy="461665"/>
+          </a:xfrm>
+          <a:prstGeom prst="rect">
+            <a:avLst/>
+          </a:prstGeom>
+          <a:noFill/>
+        </p:spPr>
+        <p:txBody>
+          <a:bodyPr wrap="none" rtlCol="0">
+            <a:spAutoFit/>
+          </a:bodyPr>
+          <a:lstStyle/>
+          <a:p>
+            <a:r>
+              <a:rPr lang="en-US" sz="2400" b="1" dirty="0"/>
+              <a:t>Filter</a:t>
+            </a:r>
+          </a:p>
+        </p:txBody>
+      </p:sp>
+    </p:spTree>
+    <p:extLst>
+      <p:ext uri="{BB962C8B-B14F-4D97-AF65-F5344CB8AC3E}">
+        <p14:creationId xmlns:p14="http://schemas.microsoft.com/office/powerpoint/2010/main" val="4053579434"/>
+      </p:ext>
+    </p:extLst>
+  </p:cSld>
+  <p:clrMapOvr>
+    <a:masterClrMapping/>
+  </p:clrMapOvr>
+</p:sld>
+</file>
+
+<file path=ppt/slides/slide29.xml><?xml version="1.0" encoding="utf-8"?>
+<p:sld xmlns:a="http://schemas.openxmlformats.org/drawingml/2006/main" xmlns:r="http://schemas.openxmlformats.org/officeDocument/2006/relationships" xmlns:p="http://schemas.openxmlformats.org/presentationml/2006/main">
+  <p:cSld>
+    <p:spTree>
+      <p:nvGrpSpPr>
+        <p:cNvPr id="1" name=""/>
+        <p:cNvGrpSpPr/>
+        <p:nvPr/>
+      </p:nvGrpSpPr>
+      <p:grpSpPr>
+        <a:xfrm>
+          <a:off x="0" y="0"/>
+          <a:ext cx="0" cy="0"/>
+          <a:chOff x="0" y="0"/>
+          <a:chExt cx="0" cy="0"/>
+        </a:xfrm>
+      </p:grpSpPr>
+      <p:sp>
+        <p:nvSpPr>
+          <p:cNvPr id="2" name="Title 1">
+            <a:extLst>
+              <a:ext uri="{FF2B5EF4-FFF2-40B4-BE49-F238E27FC236}">
+                <a16:creationId xmlns:a16="http://schemas.microsoft.com/office/drawing/2014/main" id="{C0449369-4CFB-2B47-AD0C-4250C70C484B}"/>
+              </a:ext>
+            </a:extLst>
+          </p:cNvPr>
+          <p:cNvSpPr>
+            <a:spLocks noGrp="1"/>
+          </p:cNvSpPr>
+          <p:nvPr>
+            <p:ph type="title"/>
+          </p:nvPr>
+        </p:nvSpPr>
+        <p:spPr>
+          <a:xfrm>
+            <a:off x="838200" y="365125"/>
+            <a:ext cx="10515600" cy="935907"/>
+          </a:xfrm>
+        </p:spPr>
+        <p:txBody>
+          <a:bodyPr/>
+          <a:lstStyle/>
+          <a:p>
+            <a:r>
+              <a:rPr lang="en-US" dirty="0"/>
               <a:t>Exercise (part 4)</a:t>
             </a:r>
           </a:p>
@@ -11824,7 +11908,124 @@
 </p:sld>
 </file>
 
-<file path=ppt/slides/slide29.xml><?xml version="1.0" encoding="utf-8"?>
+<file path=ppt/slides/slide3.xml><?xml version="1.0" encoding="utf-8"?>
+<p:sld xmlns:a="http://schemas.openxmlformats.org/drawingml/2006/main" xmlns:r="http://schemas.openxmlformats.org/officeDocument/2006/relationships" xmlns:p="http://schemas.openxmlformats.org/presentationml/2006/main">
+  <p:cSld>
+    <p:spTree>
+      <p:nvGrpSpPr>
+        <p:cNvPr id="1" name=""/>
+        <p:cNvGrpSpPr/>
+        <p:nvPr/>
+      </p:nvGrpSpPr>
+      <p:grpSpPr>
+        <a:xfrm>
+          <a:off x="0" y="0"/>
+          <a:ext cx="0" cy="0"/>
+          <a:chOff x="0" y="0"/>
+          <a:chExt cx="0" cy="0"/>
+        </a:xfrm>
+      </p:grpSpPr>
+      <p:sp>
+        <p:nvSpPr>
+          <p:cNvPr id="2" name="Title 1">
+            <a:extLst>
+              <a:ext uri="{FF2B5EF4-FFF2-40B4-BE49-F238E27FC236}">
+                <a16:creationId xmlns:a16="http://schemas.microsoft.com/office/drawing/2014/main" id="{D31305A3-AFA0-F14B-BD83-3BE69150C8DB}"/>
+              </a:ext>
+            </a:extLst>
+          </p:cNvPr>
+          <p:cNvSpPr>
+            <a:spLocks noGrp="1"/>
+          </p:cNvSpPr>
+          <p:nvPr>
+            <p:ph type="title"/>
+          </p:nvPr>
+        </p:nvSpPr>
+        <p:spPr/>
+        <p:txBody>
+          <a:bodyPr/>
+          <a:lstStyle/>
+          <a:p>
+            <a:r>
+              <a:rPr lang="en-US" dirty="0"/>
+              <a:t>How programmers design programs</a:t>
+            </a:r>
+          </a:p>
+        </p:txBody>
+      </p:sp>
+      <p:sp>
+        <p:nvSpPr>
+          <p:cNvPr id="3" name="Content Placeholder 2">
+            <a:extLst>
+              <a:ext uri="{FF2B5EF4-FFF2-40B4-BE49-F238E27FC236}">
+                <a16:creationId xmlns:a16="http://schemas.microsoft.com/office/drawing/2014/main" id="{A364D2A6-DC96-D943-A6A2-216AA0BA69EF}"/>
+              </a:ext>
+            </a:extLst>
+          </p:cNvPr>
+          <p:cNvSpPr>
+            <a:spLocks noGrp="1"/>
+          </p:cNvSpPr>
+          <p:nvPr>
+            <p:ph idx="1"/>
+          </p:nvPr>
+        </p:nvSpPr>
+        <p:spPr>
+          <a:xfrm>
+            <a:off x="838200" y="1690688"/>
+            <a:ext cx="10515600" cy="4486275"/>
+          </a:xfrm>
+        </p:spPr>
+        <p:txBody>
+          <a:bodyPr>
+            <a:normAutofit/>
+          </a:bodyPr>
+          <a:lstStyle/>
+          <a:p>
+            <a:r>
+              <a:rPr lang="en-US" dirty="0"/>
+              <a:t>Experienced programmers draw from a collection of generic high-level / large-scale mental templates as starting points</a:t>
+            </a:r>
+          </a:p>
+          <a:p>
+            <a:r>
+              <a:rPr lang="en-US" dirty="0"/>
+              <a:t>There are mental templates for desktop GUI apps, machine learning classifiers, web servers, etc....</a:t>
+            </a:r>
+          </a:p>
+          <a:p>
+            <a:r>
+              <a:rPr lang="en-US" dirty="0"/>
+              <a:t>A template provides an overall structure for the program, like lawyers tweaking a contract from previous client for new one</a:t>
+            </a:r>
+          </a:p>
+          <a:p>
+            <a:r>
+              <a:rPr lang="en-US" dirty="0"/>
+              <a:t>Engineers building a new suspension bridge do not proceed as if such a thing has never been built before</a:t>
+            </a:r>
+          </a:p>
+          <a:p>
+            <a:r>
+              <a:rPr lang="en-US" dirty="0"/>
+              <a:t>Gaining experience as a programmer means recognizing and remembering patterns in your code, both high and low level</a:t>
+            </a:r>
+          </a:p>
+        </p:txBody>
+      </p:sp>
+    </p:spTree>
+    <p:extLst>
+      <p:ext uri="{BB962C8B-B14F-4D97-AF65-F5344CB8AC3E}">
+        <p14:creationId xmlns:p14="http://schemas.microsoft.com/office/powerpoint/2010/main" val="1623707791"/>
+      </p:ext>
+    </p:extLst>
+  </p:cSld>
+  <p:clrMapOvr>
+    <a:masterClrMapping/>
+  </p:clrMapOvr>
+</p:sld>
+</file>
+
+<file path=ppt/slides/slide30.xml><?xml version="1.0" encoding="utf-8"?>
 <p:sld xmlns:a="http://schemas.openxmlformats.org/drawingml/2006/main" xmlns:r="http://schemas.openxmlformats.org/officeDocument/2006/relationships" xmlns:p="http://schemas.openxmlformats.org/presentationml/2006/main">
   <p:cSld>
     <p:spTree>
@@ -12023,124 +12224,7 @@
 </p:sld>
 </file>
 
-<file path=ppt/slides/slide3.xml><?xml version="1.0" encoding="utf-8"?>
-<p:sld xmlns:a="http://schemas.openxmlformats.org/drawingml/2006/main" xmlns:r="http://schemas.openxmlformats.org/officeDocument/2006/relationships" xmlns:p="http://schemas.openxmlformats.org/presentationml/2006/main">
-  <p:cSld>
-    <p:spTree>
-      <p:nvGrpSpPr>
-        <p:cNvPr id="1" name=""/>
-        <p:cNvGrpSpPr/>
-        <p:nvPr/>
-      </p:nvGrpSpPr>
-      <p:grpSpPr>
-        <a:xfrm>
-          <a:off x="0" y="0"/>
-          <a:ext cx="0" cy="0"/>
-          <a:chOff x="0" y="0"/>
-          <a:chExt cx="0" cy="0"/>
-        </a:xfrm>
-      </p:grpSpPr>
-      <p:sp>
-        <p:nvSpPr>
-          <p:cNvPr id="2" name="Title 1">
-            <a:extLst>
-              <a:ext uri="{FF2B5EF4-FFF2-40B4-BE49-F238E27FC236}">
-                <a16:creationId xmlns:a16="http://schemas.microsoft.com/office/drawing/2014/main" id="{D31305A3-AFA0-F14B-BD83-3BE69150C8DB}"/>
-              </a:ext>
-            </a:extLst>
-          </p:cNvPr>
-          <p:cNvSpPr>
-            <a:spLocks noGrp="1"/>
-          </p:cNvSpPr>
-          <p:nvPr>
-            <p:ph type="title"/>
-          </p:nvPr>
-        </p:nvSpPr>
-        <p:spPr/>
-        <p:txBody>
-          <a:bodyPr/>
-          <a:lstStyle/>
-          <a:p>
-            <a:r>
-              <a:rPr lang="en-US" dirty="0"/>
-              <a:t>How programmers design programs</a:t>
-            </a:r>
-          </a:p>
-        </p:txBody>
-      </p:sp>
-      <p:sp>
-        <p:nvSpPr>
-          <p:cNvPr id="3" name="Content Placeholder 2">
-            <a:extLst>
-              <a:ext uri="{FF2B5EF4-FFF2-40B4-BE49-F238E27FC236}">
-                <a16:creationId xmlns:a16="http://schemas.microsoft.com/office/drawing/2014/main" id="{A364D2A6-DC96-D943-A6A2-216AA0BA69EF}"/>
-              </a:ext>
-            </a:extLst>
-          </p:cNvPr>
-          <p:cNvSpPr>
-            <a:spLocks noGrp="1"/>
-          </p:cNvSpPr>
-          <p:nvPr>
-            <p:ph idx="1"/>
-          </p:nvPr>
-        </p:nvSpPr>
-        <p:spPr>
-          <a:xfrm>
-            <a:off x="838200" y="1690688"/>
-            <a:ext cx="10515600" cy="4486275"/>
-          </a:xfrm>
-        </p:spPr>
-        <p:txBody>
-          <a:bodyPr>
-            <a:normAutofit/>
-          </a:bodyPr>
-          <a:lstStyle/>
-          <a:p>
-            <a:r>
-              <a:rPr lang="en-US" dirty="0"/>
-              <a:t>Experienced programmers draw from a collection of generic high-level / large-scale mental templates as starting points</a:t>
-            </a:r>
-          </a:p>
-          <a:p>
-            <a:r>
-              <a:rPr lang="en-US" dirty="0"/>
-              <a:t>There are mental templates for desktop GUI apps, machine learning classifiers, web servers, etc....</a:t>
-            </a:r>
-          </a:p>
-          <a:p>
-            <a:r>
-              <a:rPr lang="en-US" dirty="0"/>
-              <a:t>A template provides an overall structure for the program, like lawyers tweaking a contract from previous client for new one</a:t>
-            </a:r>
-          </a:p>
-          <a:p>
-            <a:r>
-              <a:rPr lang="en-US" dirty="0"/>
-              <a:t>Engineers building a new suspension bridge do not proceed as if such a thing has never been built before</a:t>
-            </a:r>
-          </a:p>
-          <a:p>
-            <a:r>
-              <a:rPr lang="en-US" dirty="0"/>
-              <a:t>Gaining experience as a programmer means recognizing and remembering patterns in your code, both high and low level</a:t>
-            </a:r>
-          </a:p>
-        </p:txBody>
-      </p:sp>
-    </p:spTree>
-    <p:extLst>
-      <p:ext uri="{BB962C8B-B14F-4D97-AF65-F5344CB8AC3E}">
-        <p14:creationId xmlns:p14="http://schemas.microsoft.com/office/powerpoint/2010/main" val="1623707791"/>
-      </p:ext>
-    </p:extLst>
-  </p:cSld>
-  <p:clrMapOvr>
-    <a:masterClrMapping/>
-  </p:clrMapOvr>
-</p:sld>
-</file>
-
-<file path=ppt/slides/slide30.xml><?xml version="1.0" encoding="utf-8"?>
+<file path=ppt/slides/slide31.xml><?xml version="1.0" encoding="utf-8"?>
 <p:sld xmlns:a="http://schemas.openxmlformats.org/drawingml/2006/main" xmlns:r="http://schemas.openxmlformats.org/officeDocument/2006/relationships" xmlns:p="http://schemas.openxmlformats.org/presentationml/2006/main">
   <p:cSld>
     <p:spTree>
@@ -12341,7 +12425,7 @@
 </p:sld>
 </file>
 
-<file path=ppt/slides/slide31.xml><?xml version="1.0" encoding="utf-8"?>
+<file path=ppt/slides/slide32.xml><?xml version="1.0" encoding="utf-8"?>
 <p:sld xmlns:a="http://schemas.openxmlformats.org/drawingml/2006/main" xmlns:r="http://schemas.openxmlformats.org/officeDocument/2006/relationships" xmlns:p="http://schemas.openxmlformats.org/presentationml/2006/main">
   <p:cSld>
     <p:spTree>
@@ -12542,7 +12626,7 @@
 </p:sld>
 </file>
 
-<file path=ppt/slides/slide32.xml><?xml version="1.0" encoding="utf-8"?>
+<file path=ppt/slides/slide33.xml><?xml version="1.0" encoding="utf-8"?>
 <p:sld xmlns:a="http://schemas.openxmlformats.org/drawingml/2006/main" xmlns:r="http://schemas.openxmlformats.org/officeDocument/2006/relationships" xmlns:p="http://schemas.openxmlformats.org/presentationml/2006/main">
   <p:cSld>
     <p:spTree>
@@ -12760,7 +12844,7 @@
 </p:sld>
 </file>
 
-<file path=ppt/slides/slide33.xml><?xml version="1.0" encoding="utf-8"?>
+<file path=ppt/slides/slide34.xml><?xml version="1.0" encoding="utf-8"?>
 <p:sld xmlns:a="http://schemas.openxmlformats.org/drawingml/2006/main" xmlns:r="http://schemas.openxmlformats.org/officeDocument/2006/relationships" xmlns:p="http://schemas.openxmlformats.org/presentationml/2006/main">
   <p:cSld>
     <p:spTree>
@@ -13027,7 +13111,7 @@
 </p:sld>
 </file>
 
-<file path=ppt/slides/slide34.xml><?xml version="1.0" encoding="utf-8"?>
+<file path=ppt/slides/slide35.xml><?xml version="1.0" encoding="utf-8"?>
 <p:sld xmlns:a="http://schemas.openxmlformats.org/drawingml/2006/main" xmlns:r="http://schemas.openxmlformats.org/officeDocument/2006/relationships" xmlns:p="http://schemas.openxmlformats.org/presentationml/2006/main">
   <p:cSld>
     <p:spTree>
@@ -14113,7 +14197,7 @@
           <p:cNvPr id="2" name="Title 1">
             <a:extLst>
               <a:ext uri="{FF2B5EF4-FFF2-40B4-BE49-F238E27FC236}">
-                <a16:creationId xmlns:a16="http://schemas.microsoft.com/office/drawing/2014/main" id="{BF6F946B-BBE2-BC4B-ABC0-201342DD55A1}"/>
+                <a16:creationId xmlns:a16="http://schemas.microsoft.com/office/drawing/2014/main" id="{6C4B6E53-466D-8F41-8383-A9453FC15E9B}"/>
               </a:ext>
             </a:extLst>
           </p:cNvPr>
@@ -14131,17 +14215,17 @@
           <a:p>
             <a:r>
               <a:rPr lang="en-US" dirty="0"/>
-              <a:t>A parade of patterns</a:t>
-            </a:r>
-          </a:p>
-        </p:txBody>
-      </p:sp>
-      <p:sp>
-        <p:nvSpPr>
-          <p:cNvPr id="3" name="Text Placeholder 2">
-            <a:extLst>
-              <a:ext uri="{FF2B5EF4-FFF2-40B4-BE49-F238E27FC236}">
-                <a16:creationId xmlns:a16="http://schemas.microsoft.com/office/drawing/2014/main" id="{942BC3CD-0EF2-9548-A1AF-6A9CCCCDAEEB}"/>
+              <a:t>Example from images project: flip</a:t>
+            </a:r>
+          </a:p>
+        </p:txBody>
+      </p:sp>
+      <p:sp>
+        <p:nvSpPr>
+          <p:cNvPr id="3" name="Content Placeholder 2">
+            <a:extLst>
+              <a:ext uri="{FF2B5EF4-FFF2-40B4-BE49-F238E27FC236}">
+                <a16:creationId xmlns:a16="http://schemas.microsoft.com/office/drawing/2014/main" id="{219A4CED-45CF-7F42-B768-225A19F9024D}"/>
               </a:ext>
             </a:extLst>
           </p:cNvPr>
@@ -14149,7 +14233,7 @@
             <a:spLocks noGrp="1"/>
           </p:cNvSpPr>
           <p:nvPr>
-            <p:ph type="body" idx="1"/>
+            <p:ph idx="1"/>
           </p:nvPr>
         </p:nvSpPr>
         <p:spPr/>
@@ -14157,20 +14241,233 @@
           <a:bodyPr/>
           <a:lstStyle/>
           <a:p>
-            <a:endParaRPr lang="en-US"/>
-          </a:p>
-        </p:txBody>
-      </p:sp>
+            <a:r>
+              <a:rPr lang="en-US" dirty="0"/>
+              <a:t>Draw and move pixels around then identify index pattern</a:t>
+            </a:r>
+          </a:p>
+        </p:txBody>
+      </p:sp>
+      <p:pic>
+        <p:nvPicPr>
+          <p:cNvPr id="5" name="Picture 4">
+            <a:extLst>
+              <a:ext uri="{FF2B5EF4-FFF2-40B4-BE49-F238E27FC236}">
+                <a16:creationId xmlns:a16="http://schemas.microsoft.com/office/drawing/2014/main" id="{C5809E32-17D9-B743-BE03-2D669076FA22}"/>
+              </a:ext>
+            </a:extLst>
+          </p:cNvPr>
+          <p:cNvPicPr>
+            <a:picLocks noChangeAspect="1"/>
+          </p:cNvPicPr>
+          <p:nvPr/>
+        </p:nvPicPr>
+        <p:blipFill>
+          <a:blip r:embed="rId2"/>
+          <a:stretch>
+            <a:fillRect/>
+          </a:stretch>
+        </p:blipFill>
+        <p:spPr>
+          <a:xfrm>
+            <a:off x="1149349" y="2796722"/>
+            <a:ext cx="3834413" cy="2308678"/>
+          </a:xfrm>
+          <a:prstGeom prst="rect">
+            <a:avLst/>
+          </a:prstGeom>
+        </p:spPr>
+      </p:pic>
+      <p:pic>
+        <p:nvPicPr>
+          <p:cNvPr id="6" name="Picture 5">
+            <a:extLst>
+              <a:ext uri="{FF2B5EF4-FFF2-40B4-BE49-F238E27FC236}">
+                <a16:creationId xmlns:a16="http://schemas.microsoft.com/office/drawing/2014/main" id="{FA6CB070-DCE5-294E-A35D-F71DAC614305}"/>
+              </a:ext>
+            </a:extLst>
+          </p:cNvPr>
+          <p:cNvPicPr>
+            <a:picLocks noChangeAspect="1"/>
+          </p:cNvPicPr>
+          <p:nvPr/>
+        </p:nvPicPr>
+        <p:blipFill>
+          <a:blip r:embed="rId3"/>
+          <a:stretch>
+            <a:fillRect/>
+          </a:stretch>
+        </p:blipFill>
+        <p:spPr>
+          <a:xfrm>
+            <a:off x="5521778" y="3129417"/>
+            <a:ext cx="3705678" cy="1443491"/>
+          </a:xfrm>
+          <a:prstGeom prst="rect">
+            <a:avLst/>
+          </a:prstGeom>
+        </p:spPr>
+      </p:pic>
+      <p:pic>
+        <p:nvPicPr>
+          <p:cNvPr id="7" name="Picture 6">
+            <a:extLst>
+              <a:ext uri="{FF2B5EF4-FFF2-40B4-BE49-F238E27FC236}">
+                <a16:creationId xmlns:a16="http://schemas.microsoft.com/office/drawing/2014/main" id="{A2DA79A1-AE7F-494F-9E20-741EB9D8CBAE}"/>
+              </a:ext>
+            </a:extLst>
+          </p:cNvPr>
+          <p:cNvPicPr>
+            <a:picLocks noChangeAspect="1"/>
+          </p:cNvPicPr>
+          <p:nvPr/>
+        </p:nvPicPr>
+        <p:blipFill>
+          <a:blip r:embed="rId4"/>
+          <a:stretch>
+            <a:fillRect/>
+          </a:stretch>
+        </p:blipFill>
+        <p:spPr>
+          <a:xfrm>
+            <a:off x="5521778" y="4761367"/>
+            <a:ext cx="4201206" cy="1034143"/>
+          </a:xfrm>
+          <a:prstGeom prst="rect">
+            <a:avLst/>
+          </a:prstGeom>
+        </p:spPr>
+      </p:pic>
     </p:spTree>
     <p:extLst>
       <p:ext uri="{BB962C8B-B14F-4D97-AF65-F5344CB8AC3E}">
-        <p14:creationId xmlns:p14="http://schemas.microsoft.com/office/powerpoint/2010/main" val="2846370281"/>
+        <p14:creationId xmlns:p14="http://schemas.microsoft.com/office/powerpoint/2010/main" val="677910429"/>
       </p:ext>
     </p:extLst>
   </p:cSld>
   <p:clrMapOvr>
     <a:masterClrMapping/>
   </p:clrMapOvr>
+  <p:timing>
+    <p:tnLst>
+      <p:par>
+        <p:cTn id="1" dur="indefinite" restart="never" nodeType="tmRoot">
+          <p:childTnLst>
+            <p:seq concurrent="1" nextAc="seek">
+              <p:cTn id="2" dur="indefinite" nodeType="mainSeq">
+                <p:childTnLst>
+                  <p:par>
+                    <p:cTn id="3" fill="hold">
+                      <p:stCondLst>
+                        <p:cond delay="indefinite"/>
+                      </p:stCondLst>
+                      <p:childTnLst>
+                        <p:par>
+                          <p:cTn id="4" fill="hold">
+                            <p:stCondLst>
+                              <p:cond delay="0"/>
+                            </p:stCondLst>
+                            <p:childTnLst>
+                              <p:par>
+                                <p:cTn id="5" presetID="1" presetClass="entr" presetSubtype="0" fill="hold" nodeType="clickEffect">
+                                  <p:stCondLst>
+                                    <p:cond delay="0"/>
+                                  </p:stCondLst>
+                                  <p:childTnLst>
+                                    <p:set>
+                                      <p:cBhvr>
+                                        <p:cTn id="6" dur="1" fill="hold">
+                                          <p:stCondLst>
+                                            <p:cond delay="0"/>
+                                          </p:stCondLst>
+                                        </p:cTn>
+                                        <p:tgtEl>
+                                          <p:spTgt spid="6"/>
+                                        </p:tgtEl>
+                                        <p:attrNameLst>
+                                          <p:attrName>style.visibility</p:attrName>
+                                        </p:attrNameLst>
+                                      </p:cBhvr>
+                                      <p:to>
+                                        <p:strVal val="visible"/>
+                                      </p:to>
+                                    </p:set>
+                                  </p:childTnLst>
+                                </p:cTn>
+                              </p:par>
+                            </p:childTnLst>
+                          </p:cTn>
+                        </p:par>
+                      </p:childTnLst>
+                    </p:cTn>
+                  </p:par>
+                  <p:par>
+                    <p:cTn id="7" fill="hold">
+                      <p:stCondLst>
+                        <p:cond delay="indefinite"/>
+                      </p:stCondLst>
+                      <p:childTnLst>
+                        <p:par>
+                          <p:cTn id="8" fill="hold">
+                            <p:stCondLst>
+                              <p:cond delay="0"/>
+                            </p:stCondLst>
+                            <p:childTnLst>
+                              <p:par>
+                                <p:cTn id="9" presetID="1" presetClass="entr" presetSubtype="0" fill="hold" nodeType="clickEffect">
+                                  <p:stCondLst>
+                                    <p:cond delay="0"/>
+                                  </p:stCondLst>
+                                  <p:childTnLst>
+                                    <p:set>
+                                      <p:cBhvr>
+                                        <p:cTn id="10" dur="1" fill="hold">
+                                          <p:stCondLst>
+                                            <p:cond delay="0"/>
+                                          </p:stCondLst>
+                                        </p:cTn>
+                                        <p:tgtEl>
+                                          <p:spTgt spid="7"/>
+                                        </p:tgtEl>
+                                        <p:attrNameLst>
+                                          <p:attrName>style.visibility</p:attrName>
+                                        </p:attrNameLst>
+                                      </p:cBhvr>
+                                      <p:to>
+                                        <p:strVal val="visible"/>
+                                      </p:to>
+                                    </p:set>
+                                  </p:childTnLst>
+                                </p:cTn>
+                              </p:par>
+                            </p:childTnLst>
+                          </p:cTn>
+                        </p:par>
+                      </p:childTnLst>
+                    </p:cTn>
+                  </p:par>
+                </p:childTnLst>
+              </p:cTn>
+              <p:prevCondLst>
+                <p:cond evt="onPrev" delay="0">
+                  <p:tgtEl>
+                    <p:sldTgt/>
+                  </p:tgtEl>
+                </p:cond>
+              </p:prevCondLst>
+              <p:nextCondLst>
+                <p:cond evt="onNext" delay="0">
+                  <p:tgtEl>
+                    <p:sldTgt/>
+                  </p:tgtEl>
+                </p:cond>
+              </p:nextCondLst>
+            </p:seq>
+          </p:childTnLst>
+        </p:cTn>
+      </p:par>
+    </p:tnLst>
+  </p:timing>
 </p:sld>
 </file>
 
